--- a/tex/figures/FluidMechanics/Figures.pptx
+++ b/tex/figures/FluidMechanics/Figures.pptx
@@ -6,6 +6,8 @@
   </p:sldMasterIdLst>
   <p:sldIdLst>
     <p:sldId id="271" r:id="rId2"/>
+    <p:sldId id="272" r:id="rId3"/>
+    <p:sldId id="273" r:id="rId4"/>
   </p:sldIdLst>
   <p:sldSz cx="12192000" cy="6858000"/>
   <p:notesSz cx="6858000" cy="9144000"/>
@@ -5159,6 +5161,3866 @@
 </p:sld>
 </file>
 
+<file path=ppt/slides/slide2.xml><?xml version="1.0" encoding="utf-8"?>
+<p:sld xmlns:a="http://schemas.openxmlformats.org/drawingml/2006/main" xmlns:r="http://schemas.openxmlformats.org/officeDocument/2006/relationships" xmlns:p="http://schemas.openxmlformats.org/presentationml/2006/main">
+  <p:cSld>
+    <p:spTree>
+      <p:nvGrpSpPr>
+        <p:cNvPr id="1" name=""/>
+        <p:cNvGrpSpPr/>
+        <p:nvPr/>
+      </p:nvGrpSpPr>
+      <p:grpSpPr>
+        <a:xfrm>
+          <a:off x="0" y="0"/>
+          <a:ext cx="0" cy="0"/>
+          <a:chOff x="0" y="0"/>
+          <a:chExt cx="0" cy="0"/>
+        </a:xfrm>
+      </p:grpSpPr>
+      <p:grpSp>
+        <p:nvGrpSpPr>
+          <p:cNvPr id="137" name="Group 136"/>
+          <p:cNvGrpSpPr/>
+          <p:nvPr/>
+        </p:nvGrpSpPr>
+        <p:grpSpPr>
+          <a:xfrm>
+            <a:off x="533089" y="281940"/>
+            <a:ext cx="2733040" cy="2733040"/>
+            <a:chOff x="3362959" y="665480"/>
+            <a:chExt cx="2733040" cy="2733040"/>
+          </a:xfrm>
+        </p:grpSpPr>
+        <p:sp>
+          <p:nvSpPr>
+            <p:cNvPr id="41" name="Rectangle 40"/>
+            <p:cNvSpPr/>
+            <p:nvPr/>
+          </p:nvSpPr>
+          <p:spPr>
+            <a:xfrm>
+              <a:off x="3362959" y="665480"/>
+              <a:ext cx="2733040" cy="2733040"/>
+            </a:xfrm>
+            <a:prstGeom prst="rect">
+              <a:avLst/>
+            </a:prstGeom>
+            <a:solidFill>
+              <a:schemeClr val="accent1">
+                <a:lumMod val="60000"/>
+                <a:lumOff val="40000"/>
+              </a:schemeClr>
+            </a:solidFill>
+            <a:ln w="38100">
+              <a:noFill/>
+            </a:ln>
+          </p:spPr>
+          <p:style>
+            <a:lnRef idx="2">
+              <a:schemeClr val="accent1">
+                <a:shade val="50000"/>
+              </a:schemeClr>
+            </a:lnRef>
+            <a:fillRef idx="1">
+              <a:schemeClr val="accent1"/>
+            </a:fillRef>
+            <a:effectRef idx="0">
+              <a:schemeClr val="accent1"/>
+            </a:effectRef>
+            <a:fontRef idx="minor">
+              <a:schemeClr val="lt1"/>
+            </a:fontRef>
+          </p:style>
+          <p:txBody>
+            <a:bodyPr rtlCol="0" anchor="ctr"/>
+            <a:lstStyle/>
+            <a:p>
+              <a:pPr algn="ctr"/>
+              <a:endParaRPr lang="en-US"/>
+            </a:p>
+          </p:txBody>
+        </p:sp>
+        <p:sp>
+          <p:nvSpPr>
+            <p:cNvPr id="110" name="Rectangle 109"/>
+            <p:cNvSpPr/>
+            <p:nvPr/>
+          </p:nvSpPr>
+          <p:spPr>
+            <a:xfrm>
+              <a:off x="4597399" y="1874520"/>
+              <a:ext cx="264160" cy="314960"/>
+            </a:xfrm>
+            <a:prstGeom prst="rect">
+              <a:avLst/>
+            </a:prstGeom>
+            <a:noFill/>
+            <a:ln w="38100">
+              <a:solidFill>
+                <a:schemeClr val="tx1"/>
+              </a:solidFill>
+            </a:ln>
+          </p:spPr>
+          <p:style>
+            <a:lnRef idx="2">
+              <a:schemeClr val="accent1">
+                <a:shade val="50000"/>
+              </a:schemeClr>
+            </a:lnRef>
+            <a:fillRef idx="1">
+              <a:schemeClr val="accent1"/>
+            </a:fillRef>
+            <a:effectRef idx="0">
+              <a:schemeClr val="accent1"/>
+            </a:effectRef>
+            <a:fontRef idx="minor">
+              <a:schemeClr val="lt1"/>
+            </a:fontRef>
+          </p:style>
+          <p:txBody>
+            <a:bodyPr rtlCol="0" anchor="ctr"/>
+            <a:lstStyle/>
+            <a:p>
+              <a:pPr algn="ctr"/>
+              <a:endParaRPr lang="en-US"/>
+            </a:p>
+          </p:txBody>
+        </p:sp>
+        <p:cxnSp>
+          <p:nvCxnSpPr>
+            <p:cNvPr id="112" name="Straight Arrow Connector 111"/>
+            <p:cNvCxnSpPr/>
+            <p:nvPr/>
+          </p:nvCxnSpPr>
+          <p:spPr>
+            <a:xfrm>
+              <a:off x="4719319" y="1440180"/>
+              <a:ext cx="0" cy="434340"/>
+            </a:xfrm>
+            <a:prstGeom prst="straightConnector1">
+              <a:avLst/>
+            </a:prstGeom>
+            <a:ln w="38100">
+              <a:solidFill>
+                <a:schemeClr val="tx1"/>
+              </a:solidFill>
+              <a:tailEnd type="triangle"/>
+            </a:ln>
+          </p:spPr>
+          <p:style>
+            <a:lnRef idx="1">
+              <a:schemeClr val="accent1"/>
+            </a:lnRef>
+            <a:fillRef idx="0">
+              <a:schemeClr val="accent1"/>
+            </a:fillRef>
+            <a:effectRef idx="0">
+              <a:schemeClr val="accent1"/>
+            </a:effectRef>
+            <a:fontRef idx="minor">
+              <a:schemeClr val="tx1"/>
+            </a:fontRef>
+          </p:style>
+        </p:cxnSp>
+        <p:cxnSp>
+          <p:nvCxnSpPr>
+            <p:cNvPr id="113" name="Straight Arrow Connector 112"/>
+            <p:cNvCxnSpPr/>
+            <p:nvPr/>
+          </p:nvCxnSpPr>
+          <p:spPr>
+            <a:xfrm flipH="1" flipV="1">
+              <a:off x="4871720" y="2026920"/>
+              <a:ext cx="439419" cy="5080"/>
+            </a:xfrm>
+            <a:prstGeom prst="straightConnector1">
+              <a:avLst/>
+            </a:prstGeom>
+            <a:ln w="38100">
+              <a:solidFill>
+                <a:schemeClr val="tx1"/>
+              </a:solidFill>
+              <a:tailEnd type="triangle"/>
+            </a:ln>
+          </p:spPr>
+          <p:style>
+            <a:lnRef idx="1">
+              <a:schemeClr val="accent1"/>
+            </a:lnRef>
+            <a:fillRef idx="0">
+              <a:schemeClr val="accent1"/>
+            </a:fillRef>
+            <a:effectRef idx="0">
+              <a:schemeClr val="accent1"/>
+            </a:effectRef>
+            <a:fontRef idx="minor">
+              <a:schemeClr val="tx1"/>
+            </a:fontRef>
+          </p:style>
+        </p:cxnSp>
+        <p:cxnSp>
+          <p:nvCxnSpPr>
+            <p:cNvPr id="115" name="Straight Arrow Connector 114"/>
+            <p:cNvCxnSpPr/>
+            <p:nvPr/>
+          </p:nvCxnSpPr>
+          <p:spPr>
+            <a:xfrm flipV="1">
+              <a:off x="4719319" y="2204720"/>
+              <a:ext cx="10161" cy="419100"/>
+            </a:xfrm>
+            <a:prstGeom prst="straightConnector1">
+              <a:avLst/>
+            </a:prstGeom>
+            <a:ln w="38100">
+              <a:solidFill>
+                <a:schemeClr val="tx1"/>
+              </a:solidFill>
+              <a:tailEnd type="triangle"/>
+            </a:ln>
+          </p:spPr>
+          <p:style>
+            <a:lnRef idx="1">
+              <a:schemeClr val="accent1"/>
+            </a:lnRef>
+            <a:fillRef idx="0">
+              <a:schemeClr val="accent1"/>
+            </a:fillRef>
+            <a:effectRef idx="0">
+              <a:schemeClr val="accent1"/>
+            </a:effectRef>
+            <a:fontRef idx="minor">
+              <a:schemeClr val="tx1"/>
+            </a:fontRef>
+          </p:style>
+        </p:cxnSp>
+        <p:cxnSp>
+          <p:nvCxnSpPr>
+            <p:cNvPr id="117" name="Straight Arrow Connector 116"/>
+            <p:cNvCxnSpPr/>
+            <p:nvPr/>
+          </p:nvCxnSpPr>
+          <p:spPr>
+            <a:xfrm flipV="1">
+              <a:off x="4127499" y="2026920"/>
+              <a:ext cx="459740" cy="5080"/>
+            </a:xfrm>
+            <a:prstGeom prst="straightConnector1">
+              <a:avLst/>
+            </a:prstGeom>
+            <a:ln w="38100">
+              <a:solidFill>
+                <a:schemeClr val="tx1"/>
+              </a:solidFill>
+              <a:tailEnd type="triangle"/>
+            </a:ln>
+          </p:spPr>
+          <p:style>
+            <a:lnRef idx="1">
+              <a:schemeClr val="accent1"/>
+            </a:lnRef>
+            <a:fillRef idx="0">
+              <a:schemeClr val="accent1"/>
+            </a:fillRef>
+            <a:effectRef idx="0">
+              <a:schemeClr val="accent1"/>
+            </a:effectRef>
+            <a:fontRef idx="minor">
+              <a:schemeClr val="tx1"/>
+            </a:fontRef>
+          </p:style>
+        </p:cxnSp>
+        <p:cxnSp>
+          <p:nvCxnSpPr>
+            <p:cNvPr id="119" name="Straight Arrow Connector 118"/>
+            <p:cNvCxnSpPr/>
+            <p:nvPr/>
+          </p:nvCxnSpPr>
+          <p:spPr>
+            <a:xfrm flipH="1">
+              <a:off x="4871721" y="1613520"/>
+              <a:ext cx="266078" cy="245760"/>
+            </a:xfrm>
+            <a:prstGeom prst="straightConnector1">
+              <a:avLst/>
+            </a:prstGeom>
+            <a:ln w="38100">
+              <a:solidFill>
+                <a:schemeClr val="tx1"/>
+              </a:solidFill>
+              <a:tailEnd type="triangle"/>
+            </a:ln>
+          </p:spPr>
+          <p:style>
+            <a:lnRef idx="1">
+              <a:schemeClr val="accent1"/>
+            </a:lnRef>
+            <a:fillRef idx="0">
+              <a:schemeClr val="accent1"/>
+            </a:fillRef>
+            <a:effectRef idx="0">
+              <a:schemeClr val="accent1"/>
+            </a:effectRef>
+            <a:fontRef idx="minor">
+              <a:schemeClr val="tx1"/>
+            </a:fontRef>
+          </p:style>
+        </p:cxnSp>
+        <p:cxnSp>
+          <p:nvCxnSpPr>
+            <p:cNvPr id="121" name="Straight Arrow Connector 120"/>
+            <p:cNvCxnSpPr/>
+            <p:nvPr/>
+          </p:nvCxnSpPr>
+          <p:spPr>
+            <a:xfrm flipV="1">
+              <a:off x="4300839" y="2189480"/>
+              <a:ext cx="296560" cy="261000"/>
+            </a:xfrm>
+            <a:prstGeom prst="straightConnector1">
+              <a:avLst/>
+            </a:prstGeom>
+            <a:ln w="38100">
+              <a:solidFill>
+                <a:schemeClr val="tx1"/>
+              </a:solidFill>
+              <a:tailEnd type="triangle"/>
+            </a:ln>
+          </p:spPr>
+          <p:style>
+            <a:lnRef idx="1">
+              <a:schemeClr val="accent1"/>
+            </a:lnRef>
+            <a:fillRef idx="0">
+              <a:schemeClr val="accent1"/>
+            </a:fillRef>
+            <a:effectRef idx="0">
+              <a:schemeClr val="accent1"/>
+            </a:effectRef>
+            <a:fontRef idx="minor">
+              <a:schemeClr val="tx1"/>
+            </a:fontRef>
+          </p:style>
+        </p:cxnSp>
+        <p:cxnSp>
+          <p:nvCxnSpPr>
+            <p:cNvPr id="124" name="Straight Arrow Connector 123"/>
+            <p:cNvCxnSpPr/>
+            <p:nvPr/>
+          </p:nvCxnSpPr>
+          <p:spPr>
+            <a:xfrm flipH="1" flipV="1">
+              <a:off x="4871719" y="2199640"/>
+              <a:ext cx="266080" cy="250840"/>
+            </a:xfrm>
+            <a:prstGeom prst="straightConnector1">
+              <a:avLst/>
+            </a:prstGeom>
+            <a:ln w="38100">
+              <a:solidFill>
+                <a:schemeClr val="tx1"/>
+              </a:solidFill>
+              <a:tailEnd type="triangle"/>
+            </a:ln>
+          </p:spPr>
+          <p:style>
+            <a:lnRef idx="1">
+              <a:schemeClr val="accent1"/>
+            </a:lnRef>
+            <a:fillRef idx="0">
+              <a:schemeClr val="accent1"/>
+            </a:fillRef>
+            <a:effectRef idx="0">
+              <a:schemeClr val="accent1"/>
+            </a:effectRef>
+            <a:fontRef idx="minor">
+              <a:schemeClr val="tx1"/>
+            </a:fontRef>
+          </p:style>
+        </p:cxnSp>
+        <p:cxnSp>
+          <p:nvCxnSpPr>
+            <p:cNvPr id="126" name="Straight Arrow Connector 125"/>
+            <p:cNvCxnSpPr/>
+            <p:nvPr/>
+          </p:nvCxnSpPr>
+          <p:spPr>
+            <a:xfrm>
+              <a:off x="4300839" y="1613520"/>
+              <a:ext cx="285131" cy="286400"/>
+            </a:xfrm>
+            <a:prstGeom prst="straightConnector1">
+              <a:avLst/>
+            </a:prstGeom>
+            <a:ln w="38100">
+              <a:solidFill>
+                <a:schemeClr val="tx1"/>
+              </a:solidFill>
+              <a:tailEnd type="triangle"/>
+            </a:ln>
+          </p:spPr>
+          <p:style>
+            <a:lnRef idx="1">
+              <a:schemeClr val="accent1"/>
+            </a:lnRef>
+            <a:fillRef idx="0">
+              <a:schemeClr val="accent1"/>
+            </a:fillRef>
+            <a:effectRef idx="0">
+              <a:schemeClr val="accent1"/>
+            </a:effectRef>
+            <a:fontRef idx="minor">
+              <a:schemeClr val="tx1"/>
+            </a:fontRef>
+          </p:style>
+        </p:cxnSp>
+      </p:grpSp>
+      <p:grpSp>
+        <p:nvGrpSpPr>
+          <p:cNvPr id="154" name="Group 153"/>
+          <p:cNvGrpSpPr/>
+          <p:nvPr/>
+        </p:nvGrpSpPr>
+        <p:grpSpPr>
+          <a:xfrm>
+            <a:off x="5384799" y="273700"/>
+            <a:ext cx="3974725" cy="2733040"/>
+            <a:chOff x="5384799" y="584200"/>
+            <a:chExt cx="3974725" cy="2733040"/>
+          </a:xfrm>
+        </p:grpSpPr>
+        <p:grpSp>
+          <p:nvGrpSpPr>
+            <p:cNvPr id="149" name="Group 148"/>
+            <p:cNvGrpSpPr/>
+            <p:nvPr/>
+          </p:nvGrpSpPr>
+          <p:grpSpPr>
+            <a:xfrm>
+              <a:off x="5384799" y="584200"/>
+              <a:ext cx="2733040" cy="2733040"/>
+              <a:chOff x="5384799" y="584200"/>
+              <a:chExt cx="2733040" cy="2733040"/>
+            </a:xfrm>
+          </p:grpSpPr>
+          <p:sp>
+            <p:nvSpPr>
+              <p:cNvPr id="139" name="Rectangle 138"/>
+              <p:cNvSpPr/>
+              <p:nvPr/>
+            </p:nvSpPr>
+            <p:spPr>
+              <a:xfrm>
+                <a:off x="5384799" y="584200"/>
+                <a:ext cx="2733040" cy="2733040"/>
+              </a:xfrm>
+              <a:prstGeom prst="rect">
+                <a:avLst/>
+              </a:prstGeom>
+              <a:solidFill>
+                <a:schemeClr val="accent1">
+                  <a:lumMod val="60000"/>
+                  <a:lumOff val="40000"/>
+                </a:schemeClr>
+              </a:solidFill>
+              <a:ln w="38100">
+                <a:solidFill>
+                  <a:schemeClr val="tx1"/>
+                </a:solidFill>
+              </a:ln>
+            </p:spPr>
+            <p:style>
+              <a:lnRef idx="2">
+                <a:schemeClr val="accent1">
+                  <a:shade val="50000"/>
+                </a:schemeClr>
+              </a:lnRef>
+              <a:fillRef idx="1">
+                <a:schemeClr val="accent1"/>
+              </a:fillRef>
+              <a:effectRef idx="0">
+                <a:schemeClr val="accent1"/>
+              </a:effectRef>
+              <a:fontRef idx="minor">
+                <a:schemeClr val="lt1"/>
+              </a:fontRef>
+            </p:style>
+            <p:txBody>
+              <a:bodyPr rtlCol="0" anchor="ctr"/>
+              <a:lstStyle/>
+              <a:p>
+                <a:pPr algn="ctr"/>
+                <a:endParaRPr lang="en-US"/>
+              </a:p>
+            </p:txBody>
+          </p:sp>
+          <p:sp>
+            <p:nvSpPr>
+              <p:cNvPr id="140" name="Rectangle 139"/>
+              <p:cNvSpPr/>
+              <p:nvPr/>
+            </p:nvSpPr>
+            <p:spPr>
+              <a:xfrm>
+                <a:off x="7843519" y="1783080"/>
+                <a:ext cx="264160" cy="314960"/>
+              </a:xfrm>
+              <a:prstGeom prst="rect">
+                <a:avLst/>
+              </a:prstGeom>
+              <a:noFill/>
+              <a:ln w="38100">
+                <a:solidFill>
+                  <a:schemeClr val="tx1"/>
+                </a:solidFill>
+              </a:ln>
+            </p:spPr>
+            <p:style>
+              <a:lnRef idx="2">
+                <a:schemeClr val="accent1">
+                  <a:shade val="50000"/>
+                </a:schemeClr>
+              </a:lnRef>
+              <a:fillRef idx="1">
+                <a:schemeClr val="accent1"/>
+              </a:fillRef>
+              <a:effectRef idx="0">
+                <a:schemeClr val="accent1"/>
+              </a:effectRef>
+              <a:fontRef idx="minor">
+                <a:schemeClr val="lt1"/>
+              </a:fontRef>
+            </p:style>
+            <p:txBody>
+              <a:bodyPr rtlCol="0" anchor="ctr"/>
+              <a:lstStyle/>
+              <a:p>
+                <a:pPr algn="ctr"/>
+                <a:endParaRPr lang="en-US"/>
+              </a:p>
+            </p:txBody>
+          </p:sp>
+          <p:cxnSp>
+            <p:nvCxnSpPr>
+              <p:cNvPr id="141" name="Straight Arrow Connector 140"/>
+              <p:cNvCxnSpPr/>
+              <p:nvPr/>
+            </p:nvCxnSpPr>
+            <p:spPr>
+              <a:xfrm>
+                <a:off x="7965439" y="1348740"/>
+                <a:ext cx="0" cy="434340"/>
+              </a:xfrm>
+              <a:prstGeom prst="straightConnector1">
+                <a:avLst/>
+              </a:prstGeom>
+              <a:ln w="38100">
+                <a:solidFill>
+                  <a:schemeClr val="tx1"/>
+                </a:solidFill>
+                <a:tailEnd type="triangle"/>
+              </a:ln>
+            </p:spPr>
+            <p:style>
+              <a:lnRef idx="1">
+                <a:schemeClr val="accent1"/>
+              </a:lnRef>
+              <a:fillRef idx="0">
+                <a:schemeClr val="accent1"/>
+              </a:fillRef>
+              <a:effectRef idx="0">
+                <a:schemeClr val="accent1"/>
+              </a:effectRef>
+              <a:fontRef idx="minor">
+                <a:schemeClr val="tx1"/>
+              </a:fontRef>
+            </p:style>
+          </p:cxnSp>
+          <p:cxnSp>
+            <p:nvCxnSpPr>
+              <p:cNvPr id="143" name="Straight Arrow Connector 142"/>
+              <p:cNvCxnSpPr/>
+              <p:nvPr/>
+            </p:nvCxnSpPr>
+            <p:spPr>
+              <a:xfrm flipV="1">
+                <a:off x="7965439" y="2113280"/>
+                <a:ext cx="10161" cy="419100"/>
+              </a:xfrm>
+              <a:prstGeom prst="straightConnector1">
+                <a:avLst/>
+              </a:prstGeom>
+              <a:ln w="38100">
+                <a:solidFill>
+                  <a:schemeClr val="tx1"/>
+                </a:solidFill>
+                <a:tailEnd type="triangle"/>
+              </a:ln>
+            </p:spPr>
+            <p:style>
+              <a:lnRef idx="1">
+                <a:schemeClr val="accent1"/>
+              </a:lnRef>
+              <a:fillRef idx="0">
+                <a:schemeClr val="accent1"/>
+              </a:fillRef>
+              <a:effectRef idx="0">
+                <a:schemeClr val="accent1"/>
+              </a:effectRef>
+              <a:fontRef idx="minor">
+                <a:schemeClr val="tx1"/>
+              </a:fontRef>
+            </p:style>
+          </p:cxnSp>
+          <p:cxnSp>
+            <p:nvCxnSpPr>
+              <p:cNvPr id="144" name="Straight Arrow Connector 143"/>
+              <p:cNvCxnSpPr/>
+              <p:nvPr/>
+            </p:nvCxnSpPr>
+            <p:spPr>
+              <a:xfrm flipV="1">
+                <a:off x="7373619" y="1935480"/>
+                <a:ext cx="459740" cy="5080"/>
+              </a:xfrm>
+              <a:prstGeom prst="straightConnector1">
+                <a:avLst/>
+              </a:prstGeom>
+              <a:ln w="38100">
+                <a:solidFill>
+                  <a:schemeClr val="tx1"/>
+                </a:solidFill>
+                <a:tailEnd type="triangle"/>
+              </a:ln>
+            </p:spPr>
+            <p:style>
+              <a:lnRef idx="1">
+                <a:schemeClr val="accent1"/>
+              </a:lnRef>
+              <a:fillRef idx="0">
+                <a:schemeClr val="accent1"/>
+              </a:fillRef>
+              <a:effectRef idx="0">
+                <a:schemeClr val="accent1"/>
+              </a:effectRef>
+              <a:fontRef idx="minor">
+                <a:schemeClr val="tx1"/>
+              </a:fontRef>
+            </p:style>
+          </p:cxnSp>
+          <p:cxnSp>
+            <p:nvCxnSpPr>
+              <p:cNvPr id="146" name="Straight Arrow Connector 145"/>
+              <p:cNvCxnSpPr/>
+              <p:nvPr/>
+            </p:nvCxnSpPr>
+            <p:spPr>
+              <a:xfrm flipV="1">
+                <a:off x="7546959" y="2098040"/>
+                <a:ext cx="296560" cy="261000"/>
+              </a:xfrm>
+              <a:prstGeom prst="straightConnector1">
+                <a:avLst/>
+              </a:prstGeom>
+              <a:ln w="38100">
+                <a:solidFill>
+                  <a:schemeClr val="tx1"/>
+                </a:solidFill>
+                <a:tailEnd type="triangle"/>
+              </a:ln>
+            </p:spPr>
+            <p:style>
+              <a:lnRef idx="1">
+                <a:schemeClr val="accent1"/>
+              </a:lnRef>
+              <a:fillRef idx="0">
+                <a:schemeClr val="accent1"/>
+              </a:fillRef>
+              <a:effectRef idx="0">
+                <a:schemeClr val="accent1"/>
+              </a:effectRef>
+              <a:fontRef idx="minor">
+                <a:schemeClr val="tx1"/>
+              </a:fontRef>
+            </p:style>
+          </p:cxnSp>
+          <p:cxnSp>
+            <p:nvCxnSpPr>
+              <p:cNvPr id="148" name="Straight Arrow Connector 147"/>
+              <p:cNvCxnSpPr/>
+              <p:nvPr/>
+            </p:nvCxnSpPr>
+            <p:spPr>
+              <a:xfrm>
+                <a:off x="7546959" y="1522080"/>
+                <a:ext cx="285131" cy="286400"/>
+              </a:xfrm>
+              <a:prstGeom prst="straightConnector1">
+                <a:avLst/>
+              </a:prstGeom>
+              <a:ln w="38100">
+                <a:solidFill>
+                  <a:schemeClr val="tx1"/>
+                </a:solidFill>
+                <a:tailEnd type="triangle"/>
+              </a:ln>
+            </p:spPr>
+            <p:style>
+              <a:lnRef idx="1">
+                <a:schemeClr val="accent1"/>
+              </a:lnRef>
+              <a:fillRef idx="0">
+                <a:schemeClr val="accent1"/>
+              </a:fillRef>
+              <a:effectRef idx="0">
+                <a:schemeClr val="accent1"/>
+              </a:effectRef>
+              <a:fontRef idx="minor">
+                <a:schemeClr val="tx1"/>
+              </a:fontRef>
+            </p:style>
+          </p:cxnSp>
+        </p:grpSp>
+        <p:cxnSp>
+          <p:nvCxnSpPr>
+            <p:cNvPr id="152" name="Straight Arrow Connector 151"/>
+            <p:cNvCxnSpPr/>
+            <p:nvPr/>
+          </p:nvCxnSpPr>
+          <p:spPr>
+            <a:xfrm flipH="1" flipV="1">
+              <a:off x="8127999" y="1935480"/>
+              <a:ext cx="439419" cy="5080"/>
+            </a:xfrm>
+            <a:prstGeom prst="straightConnector1">
+              <a:avLst/>
+            </a:prstGeom>
+            <a:ln w="38100">
+              <a:solidFill>
+                <a:srgbClr val="FF0000"/>
+              </a:solidFill>
+              <a:tailEnd type="triangle"/>
+            </a:ln>
+          </p:spPr>
+          <p:style>
+            <a:lnRef idx="1">
+              <a:schemeClr val="accent1"/>
+            </a:lnRef>
+            <a:fillRef idx="0">
+              <a:schemeClr val="accent1"/>
+            </a:fillRef>
+            <a:effectRef idx="0">
+              <a:schemeClr val="accent1"/>
+            </a:effectRef>
+            <a:fontRef idx="minor">
+              <a:schemeClr val="tx1"/>
+            </a:fontRef>
+          </p:style>
+        </p:cxnSp>
+        <mc:AlternateContent xmlns:mc="http://schemas.openxmlformats.org/markup-compatibility/2006">
+          <mc:Choice xmlns:a14="http://schemas.microsoft.com/office/drawing/2010/main" Requires="a14">
+            <p:sp>
+              <p:nvSpPr>
+                <p:cNvPr id="153" name="TextBox 152"/>
+                <p:cNvSpPr txBox="1"/>
+                <p:nvPr/>
+              </p:nvSpPr>
+              <p:spPr>
+                <a:xfrm>
+                  <a:off x="8229599" y="2013881"/>
+                  <a:ext cx="1129925" cy="345159"/>
+                </a:xfrm>
+                <a:prstGeom prst="rect">
+                  <a:avLst/>
+                </a:prstGeom>
+                <a:noFill/>
+              </p:spPr>
+              <p:txBody>
+                <a:bodyPr wrap="none" lIns="0" tIns="0" rIns="0" bIns="0" rtlCol="0">
+                  <a:spAutoFit/>
+                </a:bodyPr>
+                <a:lstStyle/>
+                <a:p>
+                  <a14:m>
+                    <m:oMathPara xmlns:m="http://schemas.openxmlformats.org/officeDocument/2006/math">
+                      <m:oMathParaPr>
+                        <m:jc m:val="centerGroup"/>
+                      </m:oMathParaPr>
+                      <m:oMath xmlns:m="http://schemas.openxmlformats.org/officeDocument/2006/math">
+                        <m:sSub>
+                          <m:sSubPr>
+                            <m:ctrlPr>
+                              <a:rPr lang="en-US" sz="2000" b="0" i="1" smtClean="0">
+                                <a:solidFill>
+                                  <a:srgbClr val="FF0000"/>
+                                </a:solidFill>
+                                <a:latin typeface="Cambria Math" panose="02040503050406030204" pitchFamily="18" charset="0"/>
+                                <a:cs typeface="Arial" panose="020B0604020202020204" pitchFamily="34" charset="0"/>
+                              </a:rPr>
+                            </m:ctrlPr>
+                          </m:sSubPr>
+                          <m:e>
+                            <m:acc>
+                              <m:accPr>
+                                <m:chr m:val="⃗"/>
+                                <m:ctrlPr>
+                                  <a:rPr lang="en-US" sz="2000" b="0" i="1" smtClean="0">
+                                    <a:solidFill>
+                                      <a:srgbClr val="FF0000"/>
+                                    </a:solidFill>
+                                    <a:latin typeface="Cambria Math" panose="02040503050406030204" pitchFamily="18" charset="0"/>
+                                    <a:cs typeface="Arial" panose="020B0604020202020204" pitchFamily="34" charset="0"/>
+                                  </a:rPr>
+                                </m:ctrlPr>
+                              </m:accPr>
+                              <m:e>
+                                <m:r>
+                                  <a:rPr lang="en-US" sz="2000" b="0" i="1" smtClean="0">
+                                    <a:solidFill>
+                                      <a:srgbClr val="FF0000"/>
+                                    </a:solidFill>
+                                    <a:latin typeface="Cambria Math" panose="02040503050406030204" pitchFamily="18" charset="0"/>
+                                    <a:cs typeface="Arial" panose="020B0604020202020204" pitchFamily="34" charset="0"/>
+                                  </a:rPr>
+                                  <m:t>𝐹</m:t>
+                                </m:r>
+                              </m:e>
+                            </m:acc>
+                          </m:e>
+                          <m:sub>
+                            <m:r>
+                              <a:rPr lang="en-US" sz="2000" b="0" i="1" smtClean="0">
+                                <a:solidFill>
+                                  <a:srgbClr val="FF0000"/>
+                                </a:solidFill>
+                                <a:latin typeface="Cambria Math" panose="02040503050406030204" pitchFamily="18" charset="0"/>
+                                <a:cs typeface="Arial" panose="020B0604020202020204" pitchFamily="34" charset="0"/>
+                              </a:rPr>
+                              <m:t>𝑐𝑜𝑛𝑡𝑎𝑖𝑛𝑒𝑟</m:t>
+                            </m:r>
+                          </m:sub>
+                        </m:sSub>
+                      </m:oMath>
+                    </m:oMathPara>
+                  </a14:m>
+                  <a:endParaRPr lang="en-US" sz="2000" dirty="0" smtClean="0">
+                    <a:solidFill>
+                      <a:srgbClr val="FF0000"/>
+                    </a:solidFill>
+                    <a:latin typeface="Arial" panose="020B0604020202020204" pitchFamily="34" charset="0"/>
+                    <a:cs typeface="Arial" panose="020B0604020202020204" pitchFamily="34" charset="0"/>
+                  </a:endParaRPr>
+                </a:p>
+              </p:txBody>
+            </p:sp>
+          </mc:Choice>
+          <mc:Fallback>
+            <p:sp>
+              <p:nvSpPr>
+                <p:cNvPr id="153" name="TextBox 152"/>
+                <p:cNvSpPr txBox="1">
+                  <a:spLocks noRot="1" noChangeAspect="1" noMove="1" noResize="1" noEditPoints="1" noAdjustHandles="1" noChangeArrowheads="1" noChangeShapeType="1" noTextEdit="1"/>
+                </p:cNvSpPr>
+                <p:nvPr/>
+              </p:nvSpPr>
+              <p:spPr>
+                <a:xfrm>
+                  <a:off x="8229599" y="2013881"/>
+                  <a:ext cx="1129925" cy="345159"/>
+                </a:xfrm>
+                <a:prstGeom prst="rect">
+                  <a:avLst/>
+                </a:prstGeom>
+                <a:blipFill>
+                  <a:blip r:embed="rId2"/>
+                  <a:stretch>
+                    <a:fillRect l="-3784" t="-33333" r="-1622" b="-17544"/>
+                  </a:stretch>
+                </a:blipFill>
+              </p:spPr>
+              <p:txBody>
+                <a:bodyPr/>
+                <a:lstStyle/>
+                <a:p>
+                  <a:r>
+                    <a:rPr lang="en-US">
+                      <a:noFill/>
+                    </a:rPr>
+                    <a:t> </a:t>
+                  </a:r>
+                </a:p>
+              </p:txBody>
+            </p:sp>
+          </mc:Fallback>
+        </mc:AlternateContent>
+      </p:grpSp>
+      <p:grpSp>
+        <p:nvGrpSpPr>
+          <p:cNvPr id="210" name="Group 209"/>
+          <p:cNvGrpSpPr/>
+          <p:nvPr/>
+        </p:nvGrpSpPr>
+        <p:grpSpPr>
+          <a:xfrm>
+            <a:off x="925193" y="3449320"/>
+            <a:ext cx="4500623" cy="2768600"/>
+            <a:chOff x="925193" y="3449320"/>
+            <a:chExt cx="4500623" cy="2768600"/>
+          </a:xfrm>
+        </p:grpSpPr>
+        <p:grpSp>
+          <p:nvGrpSpPr>
+            <p:cNvPr id="206" name="Group 205"/>
+            <p:cNvGrpSpPr/>
+            <p:nvPr/>
+          </p:nvGrpSpPr>
+          <p:grpSpPr>
+            <a:xfrm>
+              <a:off x="925193" y="3449320"/>
+              <a:ext cx="4205608" cy="2768600"/>
+              <a:chOff x="630553" y="3449320"/>
+              <a:chExt cx="4205608" cy="2768600"/>
+            </a:xfrm>
+          </p:grpSpPr>
+          <p:grpSp>
+            <p:nvGrpSpPr>
+              <p:cNvPr id="203" name="Group 202"/>
+              <p:cNvGrpSpPr/>
+              <p:nvPr/>
+            </p:nvGrpSpPr>
+            <p:grpSpPr>
+              <a:xfrm>
+                <a:off x="630553" y="3449320"/>
+                <a:ext cx="4205608" cy="2768600"/>
+                <a:chOff x="630553" y="3449320"/>
+                <a:chExt cx="4205608" cy="2768600"/>
+              </a:xfrm>
+            </p:grpSpPr>
+            <p:sp>
+              <p:nvSpPr>
+                <p:cNvPr id="156" name="Rectangle 155"/>
+                <p:cNvSpPr/>
+                <p:nvPr/>
+              </p:nvSpPr>
+              <p:spPr>
+                <a:xfrm>
+                  <a:off x="630553" y="3449320"/>
+                  <a:ext cx="3636647" cy="2768600"/>
+                </a:xfrm>
+                <a:prstGeom prst="rect">
+                  <a:avLst/>
+                </a:prstGeom>
+                <a:solidFill>
+                  <a:schemeClr val="accent1">
+                    <a:lumMod val="60000"/>
+                    <a:lumOff val="40000"/>
+                  </a:schemeClr>
+                </a:solidFill>
+                <a:ln w="38100">
+                  <a:noFill/>
+                </a:ln>
+              </p:spPr>
+              <p:style>
+                <a:lnRef idx="2">
+                  <a:schemeClr val="accent1">
+                    <a:shade val="50000"/>
+                  </a:schemeClr>
+                </a:lnRef>
+                <a:fillRef idx="1">
+                  <a:schemeClr val="accent1"/>
+                </a:fillRef>
+                <a:effectRef idx="0">
+                  <a:schemeClr val="accent1"/>
+                </a:effectRef>
+                <a:fontRef idx="minor">
+                  <a:schemeClr val="lt1"/>
+                </a:fontRef>
+              </p:style>
+              <p:txBody>
+                <a:bodyPr rtlCol="0" anchor="ctr"/>
+                <a:lstStyle/>
+                <a:p>
+                  <a:pPr algn="ctr"/>
+                  <a:endParaRPr lang="en-US"/>
+                </a:p>
+              </p:txBody>
+            </p:sp>
+            <p:cxnSp>
+              <p:nvCxnSpPr>
+                <p:cNvPr id="167" name="Straight Arrow Connector 166"/>
+                <p:cNvCxnSpPr/>
+                <p:nvPr/>
+              </p:nvCxnSpPr>
+              <p:spPr>
+                <a:xfrm>
+                  <a:off x="4551680" y="4348480"/>
+                  <a:ext cx="0" cy="853440"/>
+                </a:xfrm>
+                <a:prstGeom prst="straightConnector1">
+                  <a:avLst/>
+                </a:prstGeom>
+                <a:ln w="38100">
+                  <a:solidFill>
+                    <a:schemeClr val="tx1"/>
+                  </a:solidFill>
+                  <a:tailEnd type="triangle"/>
+                </a:ln>
+              </p:spPr>
+              <p:style>
+                <a:lnRef idx="1">
+                  <a:schemeClr val="accent1"/>
+                </a:lnRef>
+                <a:fillRef idx="0">
+                  <a:schemeClr val="accent1"/>
+                </a:fillRef>
+                <a:effectRef idx="0">
+                  <a:schemeClr val="accent1"/>
+                </a:effectRef>
+                <a:fontRef idx="minor">
+                  <a:schemeClr val="tx1"/>
+                </a:fontRef>
+              </p:style>
+            </p:cxnSp>
+            <mc:AlternateContent xmlns:mc="http://schemas.openxmlformats.org/markup-compatibility/2006">
+              <mc:Choice xmlns:a14="http://schemas.microsoft.com/office/drawing/2010/main" Requires="a14">
+                <p:sp>
+                  <p:nvSpPr>
+                    <p:cNvPr id="168" name="TextBox 167"/>
+                    <p:cNvSpPr txBox="1"/>
+                    <p:nvPr/>
+                  </p:nvSpPr>
+                  <p:spPr>
+                    <a:xfrm>
+                      <a:off x="4604174" y="4621311"/>
+                      <a:ext cx="231987" cy="307777"/>
+                    </a:xfrm>
+                    <a:prstGeom prst="rect">
+                      <a:avLst/>
+                    </a:prstGeom>
+                    <a:noFill/>
+                  </p:spPr>
+                  <p:txBody>
+                    <a:bodyPr wrap="none" lIns="0" tIns="0" rIns="0" bIns="0" rtlCol="0">
+                      <a:spAutoFit/>
+                    </a:bodyPr>
+                    <a:lstStyle/>
+                    <a:p>
+                      <a14:m>
+                        <m:oMathPara xmlns:m="http://schemas.openxmlformats.org/officeDocument/2006/math">
+                          <m:oMathParaPr>
+                            <m:jc m:val="centerGroup"/>
+                          </m:oMathParaPr>
+                          <m:oMath xmlns:m="http://schemas.openxmlformats.org/officeDocument/2006/math">
+                            <m:acc>
+                              <m:accPr>
+                                <m:chr m:val="⃗"/>
+                                <m:ctrlPr>
+                                  <a:rPr lang="en-US" sz="2000" b="0" i="1" smtClean="0">
+                                    <a:latin typeface="Cambria Math" panose="02040503050406030204" pitchFamily="18" charset="0"/>
+                                    <a:cs typeface="Arial" panose="020B0604020202020204" pitchFamily="34" charset="0"/>
+                                  </a:rPr>
+                                </m:ctrlPr>
+                              </m:accPr>
+                              <m:e>
+                                <m:r>
+                                  <a:rPr lang="en-US" sz="2000" b="0" i="1" smtClean="0">
+                                    <a:latin typeface="Cambria Math" panose="02040503050406030204" pitchFamily="18" charset="0"/>
+                                    <a:cs typeface="Arial" panose="020B0604020202020204" pitchFamily="34" charset="0"/>
+                                  </a:rPr>
+                                  <m:t>𝑔</m:t>
+                                </m:r>
+                              </m:e>
+                            </m:acc>
+                          </m:oMath>
+                        </m:oMathPara>
+                      </a14:m>
+                      <a:endParaRPr lang="en-US" sz="2000" dirty="0" smtClean="0">
+                        <a:latin typeface="Arial" panose="020B0604020202020204" pitchFamily="34" charset="0"/>
+                        <a:cs typeface="Arial" panose="020B0604020202020204" pitchFamily="34" charset="0"/>
+                      </a:endParaRPr>
+                    </a:p>
+                  </p:txBody>
+                </p:sp>
+              </mc:Choice>
+              <mc:Fallback>
+                <p:sp>
+                  <p:nvSpPr>
+                    <p:cNvPr id="168" name="TextBox 167"/>
+                    <p:cNvSpPr txBox="1">
+                      <a:spLocks noRot="1" noChangeAspect="1" noMove="1" noResize="1" noEditPoints="1" noAdjustHandles="1" noChangeArrowheads="1" noChangeShapeType="1" noTextEdit="1"/>
+                    </p:cNvSpPr>
+                    <p:nvPr/>
+                  </p:nvSpPr>
+                  <p:spPr>
+                    <a:xfrm>
+                      <a:off x="4604174" y="4621311"/>
+                      <a:ext cx="231987" cy="307777"/>
+                    </a:xfrm>
+                    <a:prstGeom prst="rect">
+                      <a:avLst/>
+                    </a:prstGeom>
+                    <a:blipFill>
+                      <a:blip r:embed="rId3"/>
+                      <a:stretch>
+                        <a:fillRect l="-23684" t="-33333" r="-94737" b="-27451"/>
+                      </a:stretch>
+                    </a:blipFill>
+                  </p:spPr>
+                  <p:txBody>
+                    <a:bodyPr/>
+                    <a:lstStyle/>
+                    <a:p>
+                      <a:r>
+                        <a:rPr lang="en-US">
+                          <a:noFill/>
+                        </a:rPr>
+                        <a:t> </a:t>
+                      </a:r>
+                    </a:p>
+                  </p:txBody>
+                </p:sp>
+              </mc:Fallback>
+            </mc:AlternateContent>
+            <p:sp>
+              <p:nvSpPr>
+                <p:cNvPr id="169" name="Rectangle 168"/>
+                <p:cNvSpPr/>
+                <p:nvPr/>
+              </p:nvSpPr>
+              <p:spPr>
+                <a:xfrm>
+                  <a:off x="1134111" y="4376420"/>
+                  <a:ext cx="2580639" cy="853441"/>
+                </a:xfrm>
+                <a:prstGeom prst="rect">
+                  <a:avLst/>
+                </a:prstGeom>
+                <a:noFill/>
+                <a:ln w="38100">
+                  <a:solidFill>
+                    <a:schemeClr val="tx1"/>
+                  </a:solidFill>
+                </a:ln>
+              </p:spPr>
+              <p:style>
+                <a:lnRef idx="2">
+                  <a:schemeClr val="accent1">
+                    <a:shade val="50000"/>
+                  </a:schemeClr>
+                </a:lnRef>
+                <a:fillRef idx="1">
+                  <a:schemeClr val="accent1"/>
+                </a:fillRef>
+                <a:effectRef idx="0">
+                  <a:schemeClr val="accent1"/>
+                </a:effectRef>
+                <a:fontRef idx="minor">
+                  <a:schemeClr val="lt1"/>
+                </a:fontRef>
+              </p:style>
+              <p:txBody>
+                <a:bodyPr rtlCol="0" anchor="ctr"/>
+                <a:lstStyle/>
+                <a:p>
+                  <a:pPr algn="ctr"/>
+                  <a:endParaRPr lang="en-US"/>
+                </a:p>
+              </p:txBody>
+            </p:sp>
+            <p:cxnSp>
+              <p:nvCxnSpPr>
+                <p:cNvPr id="170" name="Straight Arrow Connector 169"/>
+                <p:cNvCxnSpPr/>
+                <p:nvPr/>
+              </p:nvCxnSpPr>
+              <p:spPr>
+                <a:xfrm flipV="1">
+                  <a:off x="1384948" y="5245101"/>
+                  <a:ext cx="10161" cy="419100"/>
+                </a:xfrm>
+                <a:prstGeom prst="straightConnector1">
+                  <a:avLst/>
+                </a:prstGeom>
+                <a:ln w="38100">
+                  <a:solidFill>
+                    <a:schemeClr val="tx1"/>
+                  </a:solidFill>
+                  <a:tailEnd type="triangle"/>
+                </a:ln>
+              </p:spPr>
+              <p:style>
+                <a:lnRef idx="1">
+                  <a:schemeClr val="accent1"/>
+                </a:lnRef>
+                <a:fillRef idx="0">
+                  <a:schemeClr val="accent1"/>
+                </a:fillRef>
+                <a:effectRef idx="0">
+                  <a:schemeClr val="accent1"/>
+                </a:effectRef>
+                <a:fontRef idx="minor">
+                  <a:schemeClr val="tx1"/>
+                </a:fontRef>
+              </p:style>
+            </p:cxnSp>
+            <p:cxnSp>
+              <p:nvCxnSpPr>
+                <p:cNvPr id="171" name="Straight Arrow Connector 170"/>
+                <p:cNvCxnSpPr/>
+                <p:nvPr/>
+              </p:nvCxnSpPr>
+              <p:spPr>
+                <a:xfrm flipV="1">
+                  <a:off x="1899609" y="5245101"/>
+                  <a:ext cx="10161" cy="419100"/>
+                </a:xfrm>
+                <a:prstGeom prst="straightConnector1">
+                  <a:avLst/>
+                </a:prstGeom>
+                <a:ln w="38100">
+                  <a:solidFill>
+                    <a:schemeClr val="tx1"/>
+                  </a:solidFill>
+                  <a:tailEnd type="triangle"/>
+                </a:ln>
+              </p:spPr>
+              <p:style>
+                <a:lnRef idx="1">
+                  <a:schemeClr val="accent1"/>
+                </a:lnRef>
+                <a:fillRef idx="0">
+                  <a:schemeClr val="accent1"/>
+                </a:fillRef>
+                <a:effectRef idx="0">
+                  <a:schemeClr val="accent1"/>
+                </a:effectRef>
+                <a:fontRef idx="minor">
+                  <a:schemeClr val="tx1"/>
+                </a:fontRef>
+              </p:style>
+            </p:cxnSp>
+            <p:cxnSp>
+              <p:nvCxnSpPr>
+                <p:cNvPr id="172" name="Straight Arrow Connector 171"/>
+                <p:cNvCxnSpPr/>
+                <p:nvPr/>
+              </p:nvCxnSpPr>
+              <p:spPr>
+                <a:xfrm flipV="1">
+                  <a:off x="2414270" y="5245101"/>
+                  <a:ext cx="10161" cy="419100"/>
+                </a:xfrm>
+                <a:prstGeom prst="straightConnector1">
+                  <a:avLst/>
+                </a:prstGeom>
+                <a:ln w="38100">
+                  <a:solidFill>
+                    <a:schemeClr val="tx1"/>
+                  </a:solidFill>
+                  <a:tailEnd type="triangle"/>
+                </a:ln>
+              </p:spPr>
+              <p:style>
+                <a:lnRef idx="1">
+                  <a:schemeClr val="accent1"/>
+                </a:lnRef>
+                <a:fillRef idx="0">
+                  <a:schemeClr val="accent1"/>
+                </a:fillRef>
+                <a:effectRef idx="0">
+                  <a:schemeClr val="accent1"/>
+                </a:effectRef>
+                <a:fontRef idx="minor">
+                  <a:schemeClr val="tx1"/>
+                </a:fontRef>
+              </p:style>
+            </p:cxnSp>
+            <p:cxnSp>
+              <p:nvCxnSpPr>
+                <p:cNvPr id="173" name="Straight Arrow Connector 172"/>
+                <p:cNvCxnSpPr/>
+                <p:nvPr/>
+              </p:nvCxnSpPr>
+              <p:spPr>
+                <a:xfrm flipV="1">
+                  <a:off x="2928931" y="5245101"/>
+                  <a:ext cx="10161" cy="419100"/>
+                </a:xfrm>
+                <a:prstGeom prst="straightConnector1">
+                  <a:avLst/>
+                </a:prstGeom>
+                <a:ln w="38100">
+                  <a:solidFill>
+                    <a:schemeClr val="tx1"/>
+                  </a:solidFill>
+                  <a:tailEnd type="triangle"/>
+                </a:ln>
+              </p:spPr>
+              <p:style>
+                <a:lnRef idx="1">
+                  <a:schemeClr val="accent1"/>
+                </a:lnRef>
+                <a:fillRef idx="0">
+                  <a:schemeClr val="accent1"/>
+                </a:fillRef>
+                <a:effectRef idx="0">
+                  <a:schemeClr val="accent1"/>
+                </a:effectRef>
+                <a:fontRef idx="minor">
+                  <a:schemeClr val="tx1"/>
+                </a:fontRef>
+              </p:style>
+            </p:cxnSp>
+            <p:cxnSp>
+              <p:nvCxnSpPr>
+                <p:cNvPr id="174" name="Straight Arrow Connector 173"/>
+                <p:cNvCxnSpPr/>
+                <p:nvPr/>
+              </p:nvCxnSpPr>
+              <p:spPr>
+                <a:xfrm flipV="1">
+                  <a:off x="3438511" y="5245101"/>
+                  <a:ext cx="10161" cy="419100"/>
+                </a:xfrm>
+                <a:prstGeom prst="straightConnector1">
+                  <a:avLst/>
+                </a:prstGeom>
+                <a:ln w="38100">
+                  <a:solidFill>
+                    <a:schemeClr val="tx1"/>
+                  </a:solidFill>
+                  <a:tailEnd type="triangle"/>
+                </a:ln>
+              </p:spPr>
+              <p:style>
+                <a:lnRef idx="1">
+                  <a:schemeClr val="accent1"/>
+                </a:lnRef>
+                <a:fillRef idx="0">
+                  <a:schemeClr val="accent1"/>
+                </a:fillRef>
+                <a:effectRef idx="0">
+                  <a:schemeClr val="accent1"/>
+                </a:effectRef>
+                <a:fontRef idx="minor">
+                  <a:schemeClr val="tx1"/>
+                </a:fontRef>
+              </p:style>
+            </p:cxnSp>
+            <p:grpSp>
+              <p:nvGrpSpPr>
+                <p:cNvPr id="182" name="Group 181"/>
+                <p:cNvGrpSpPr/>
+                <p:nvPr/>
+              </p:nvGrpSpPr>
+              <p:grpSpPr>
+                <a:xfrm rot="10800000">
+                  <a:off x="1384948" y="4093845"/>
+                  <a:ext cx="2063724" cy="252731"/>
+                  <a:chOff x="5672468" y="5035551"/>
+                  <a:chExt cx="2063724" cy="419100"/>
+                </a:xfrm>
+              </p:grpSpPr>
+              <p:cxnSp>
+                <p:nvCxnSpPr>
+                  <p:cNvPr id="177" name="Straight Arrow Connector 176"/>
+                  <p:cNvCxnSpPr/>
+                  <p:nvPr/>
+                </p:nvCxnSpPr>
+                <p:spPr>
+                  <a:xfrm flipV="1">
+                    <a:off x="5672468" y="5035551"/>
+                    <a:ext cx="10161" cy="419100"/>
+                  </a:xfrm>
+                  <a:prstGeom prst="straightConnector1">
+                    <a:avLst/>
+                  </a:prstGeom>
+                  <a:ln w="38100">
+                    <a:solidFill>
+                      <a:schemeClr val="tx1"/>
+                    </a:solidFill>
+                    <a:tailEnd type="triangle"/>
+                  </a:ln>
+                </p:spPr>
+                <p:style>
+                  <a:lnRef idx="1">
+                    <a:schemeClr val="accent1"/>
+                  </a:lnRef>
+                  <a:fillRef idx="0">
+                    <a:schemeClr val="accent1"/>
+                  </a:fillRef>
+                  <a:effectRef idx="0">
+                    <a:schemeClr val="accent1"/>
+                  </a:effectRef>
+                  <a:fontRef idx="minor">
+                    <a:schemeClr val="tx1"/>
+                  </a:fontRef>
+                </p:style>
+              </p:cxnSp>
+              <p:cxnSp>
+                <p:nvCxnSpPr>
+                  <p:cNvPr id="178" name="Straight Arrow Connector 177"/>
+                  <p:cNvCxnSpPr/>
+                  <p:nvPr/>
+                </p:nvCxnSpPr>
+                <p:spPr>
+                  <a:xfrm flipV="1">
+                    <a:off x="6187129" y="5035551"/>
+                    <a:ext cx="10161" cy="419100"/>
+                  </a:xfrm>
+                  <a:prstGeom prst="straightConnector1">
+                    <a:avLst/>
+                  </a:prstGeom>
+                  <a:ln w="38100">
+                    <a:solidFill>
+                      <a:schemeClr val="tx1"/>
+                    </a:solidFill>
+                    <a:tailEnd type="triangle"/>
+                  </a:ln>
+                </p:spPr>
+                <p:style>
+                  <a:lnRef idx="1">
+                    <a:schemeClr val="accent1"/>
+                  </a:lnRef>
+                  <a:fillRef idx="0">
+                    <a:schemeClr val="accent1"/>
+                  </a:fillRef>
+                  <a:effectRef idx="0">
+                    <a:schemeClr val="accent1"/>
+                  </a:effectRef>
+                  <a:fontRef idx="minor">
+                    <a:schemeClr val="tx1"/>
+                  </a:fontRef>
+                </p:style>
+              </p:cxnSp>
+              <p:cxnSp>
+                <p:nvCxnSpPr>
+                  <p:cNvPr id="179" name="Straight Arrow Connector 178"/>
+                  <p:cNvCxnSpPr/>
+                  <p:nvPr/>
+                </p:nvCxnSpPr>
+                <p:spPr>
+                  <a:xfrm flipV="1">
+                    <a:off x="6701790" y="5035551"/>
+                    <a:ext cx="10161" cy="419100"/>
+                  </a:xfrm>
+                  <a:prstGeom prst="straightConnector1">
+                    <a:avLst/>
+                  </a:prstGeom>
+                  <a:ln w="38100">
+                    <a:solidFill>
+                      <a:schemeClr val="tx1"/>
+                    </a:solidFill>
+                    <a:tailEnd type="triangle"/>
+                  </a:ln>
+                </p:spPr>
+                <p:style>
+                  <a:lnRef idx="1">
+                    <a:schemeClr val="accent1"/>
+                  </a:lnRef>
+                  <a:fillRef idx="0">
+                    <a:schemeClr val="accent1"/>
+                  </a:fillRef>
+                  <a:effectRef idx="0">
+                    <a:schemeClr val="accent1"/>
+                  </a:effectRef>
+                  <a:fontRef idx="minor">
+                    <a:schemeClr val="tx1"/>
+                  </a:fontRef>
+                </p:style>
+              </p:cxnSp>
+              <p:cxnSp>
+                <p:nvCxnSpPr>
+                  <p:cNvPr id="180" name="Straight Arrow Connector 179"/>
+                  <p:cNvCxnSpPr/>
+                  <p:nvPr/>
+                </p:nvCxnSpPr>
+                <p:spPr>
+                  <a:xfrm flipV="1">
+                    <a:off x="7216451" y="5035551"/>
+                    <a:ext cx="10161" cy="419100"/>
+                  </a:xfrm>
+                  <a:prstGeom prst="straightConnector1">
+                    <a:avLst/>
+                  </a:prstGeom>
+                  <a:ln w="38100">
+                    <a:solidFill>
+                      <a:schemeClr val="tx1"/>
+                    </a:solidFill>
+                    <a:tailEnd type="triangle"/>
+                  </a:ln>
+                </p:spPr>
+                <p:style>
+                  <a:lnRef idx="1">
+                    <a:schemeClr val="accent1"/>
+                  </a:lnRef>
+                  <a:fillRef idx="0">
+                    <a:schemeClr val="accent1"/>
+                  </a:fillRef>
+                  <a:effectRef idx="0">
+                    <a:schemeClr val="accent1"/>
+                  </a:effectRef>
+                  <a:fontRef idx="minor">
+                    <a:schemeClr val="tx1"/>
+                  </a:fontRef>
+                </p:style>
+              </p:cxnSp>
+              <p:cxnSp>
+                <p:nvCxnSpPr>
+                  <p:cNvPr id="181" name="Straight Arrow Connector 180"/>
+                  <p:cNvCxnSpPr/>
+                  <p:nvPr/>
+                </p:nvCxnSpPr>
+                <p:spPr>
+                  <a:xfrm flipV="1">
+                    <a:off x="7726031" y="5035551"/>
+                    <a:ext cx="10161" cy="419100"/>
+                  </a:xfrm>
+                  <a:prstGeom prst="straightConnector1">
+                    <a:avLst/>
+                  </a:prstGeom>
+                  <a:ln w="38100">
+                    <a:solidFill>
+                      <a:schemeClr val="tx1"/>
+                    </a:solidFill>
+                    <a:tailEnd type="triangle"/>
+                  </a:ln>
+                </p:spPr>
+                <p:style>
+                  <a:lnRef idx="1">
+                    <a:schemeClr val="accent1"/>
+                  </a:lnRef>
+                  <a:fillRef idx="0">
+                    <a:schemeClr val="accent1"/>
+                  </a:fillRef>
+                  <a:effectRef idx="0">
+                    <a:schemeClr val="accent1"/>
+                  </a:effectRef>
+                  <a:fontRef idx="minor">
+                    <a:schemeClr val="tx1"/>
+                  </a:fontRef>
+                </p:style>
+              </p:cxnSp>
+            </p:grpSp>
+            <p:cxnSp>
+              <p:nvCxnSpPr>
+                <p:cNvPr id="183" name="Straight Arrow Connector 182"/>
+                <p:cNvCxnSpPr/>
+                <p:nvPr/>
+              </p:nvCxnSpPr>
+              <p:spPr>
+                <a:xfrm flipH="1">
+                  <a:off x="3714750" y="4511040"/>
+                  <a:ext cx="304801" cy="7620"/>
+                </a:xfrm>
+                <a:prstGeom prst="straightConnector1">
+                  <a:avLst/>
+                </a:prstGeom>
+                <a:ln w="38100">
+                  <a:solidFill>
+                    <a:schemeClr val="tx1"/>
+                  </a:solidFill>
+                  <a:tailEnd type="triangle"/>
+                </a:ln>
+              </p:spPr>
+              <p:style>
+                <a:lnRef idx="1">
+                  <a:schemeClr val="accent1"/>
+                </a:lnRef>
+                <a:fillRef idx="0">
+                  <a:schemeClr val="accent1"/>
+                </a:fillRef>
+                <a:effectRef idx="0">
+                  <a:schemeClr val="accent1"/>
+                </a:effectRef>
+                <a:fontRef idx="minor">
+                  <a:schemeClr val="tx1"/>
+                </a:fontRef>
+              </p:style>
+            </p:cxnSp>
+            <p:cxnSp>
+              <p:nvCxnSpPr>
+                <p:cNvPr id="187" name="Straight Arrow Connector 186"/>
+                <p:cNvCxnSpPr/>
+                <p:nvPr/>
+              </p:nvCxnSpPr>
+              <p:spPr>
+                <a:xfrm flipH="1">
+                  <a:off x="3704591" y="4953000"/>
+                  <a:ext cx="436455" cy="0"/>
+                </a:xfrm>
+                <a:prstGeom prst="straightConnector1">
+                  <a:avLst/>
+                </a:prstGeom>
+                <a:ln w="38100">
+                  <a:solidFill>
+                    <a:schemeClr val="tx1"/>
+                  </a:solidFill>
+                  <a:tailEnd type="triangle"/>
+                </a:ln>
+              </p:spPr>
+              <p:style>
+                <a:lnRef idx="1">
+                  <a:schemeClr val="accent1"/>
+                </a:lnRef>
+                <a:fillRef idx="0">
+                  <a:schemeClr val="accent1"/>
+                </a:fillRef>
+                <a:effectRef idx="0">
+                  <a:schemeClr val="accent1"/>
+                </a:effectRef>
+                <a:fontRef idx="minor">
+                  <a:schemeClr val="tx1"/>
+                </a:fontRef>
+              </p:style>
+            </p:cxnSp>
+            <p:grpSp>
+              <p:nvGrpSpPr>
+                <p:cNvPr id="194" name="Group 193"/>
+                <p:cNvGrpSpPr/>
+                <p:nvPr/>
+              </p:nvGrpSpPr>
+              <p:grpSpPr>
+                <a:xfrm rot="10800000">
+                  <a:off x="697656" y="4523740"/>
+                  <a:ext cx="436455" cy="483872"/>
+                  <a:chOff x="6411384" y="4469129"/>
+                  <a:chExt cx="436455" cy="483872"/>
+                </a:xfrm>
+              </p:grpSpPr>
+              <p:cxnSp>
+                <p:nvCxnSpPr>
+                  <p:cNvPr id="192" name="Straight Arrow Connector 191"/>
+                  <p:cNvCxnSpPr/>
+                  <p:nvPr/>
+                </p:nvCxnSpPr>
+                <p:spPr>
+                  <a:xfrm flipH="1">
+                    <a:off x="6420988" y="4945381"/>
+                    <a:ext cx="304801" cy="7620"/>
+                  </a:xfrm>
+                  <a:prstGeom prst="straightConnector1">
+                    <a:avLst/>
+                  </a:prstGeom>
+                  <a:ln w="38100">
+                    <a:solidFill>
+                      <a:schemeClr val="tx1"/>
+                    </a:solidFill>
+                    <a:tailEnd type="triangle"/>
+                  </a:ln>
+                </p:spPr>
+                <p:style>
+                  <a:lnRef idx="1">
+                    <a:schemeClr val="accent1"/>
+                  </a:lnRef>
+                  <a:fillRef idx="0">
+                    <a:schemeClr val="accent1"/>
+                  </a:fillRef>
+                  <a:effectRef idx="0">
+                    <a:schemeClr val="accent1"/>
+                  </a:effectRef>
+                  <a:fontRef idx="minor">
+                    <a:schemeClr val="tx1"/>
+                  </a:fontRef>
+                </p:style>
+              </p:cxnSp>
+              <p:cxnSp>
+                <p:nvCxnSpPr>
+                  <p:cNvPr id="193" name="Straight Arrow Connector 192"/>
+                  <p:cNvCxnSpPr/>
+                  <p:nvPr/>
+                </p:nvCxnSpPr>
+                <p:spPr>
+                  <a:xfrm flipH="1">
+                    <a:off x="6411384" y="4469129"/>
+                    <a:ext cx="436455" cy="0"/>
+                  </a:xfrm>
+                  <a:prstGeom prst="straightConnector1">
+                    <a:avLst/>
+                  </a:prstGeom>
+                  <a:ln w="38100">
+                    <a:solidFill>
+                      <a:schemeClr val="tx1"/>
+                    </a:solidFill>
+                    <a:tailEnd type="triangle"/>
+                  </a:ln>
+                </p:spPr>
+                <p:style>
+                  <a:lnRef idx="1">
+                    <a:schemeClr val="accent1"/>
+                  </a:lnRef>
+                  <a:fillRef idx="0">
+                    <a:schemeClr val="accent1"/>
+                  </a:fillRef>
+                  <a:effectRef idx="0">
+                    <a:schemeClr val="accent1"/>
+                  </a:effectRef>
+                  <a:fontRef idx="minor">
+                    <a:schemeClr val="tx1"/>
+                  </a:fontRef>
+                </p:style>
+              </p:cxnSp>
+            </p:grpSp>
+            <p:cxnSp>
+              <p:nvCxnSpPr>
+                <p:cNvPr id="196" name="Straight Arrow Connector 195"/>
+                <p:cNvCxnSpPr/>
+                <p:nvPr/>
+              </p:nvCxnSpPr>
+              <p:spPr>
+                <a:xfrm flipH="1">
+                  <a:off x="3152141" y="4376420"/>
+                  <a:ext cx="1" cy="825500"/>
+                </a:xfrm>
+                <a:prstGeom prst="straightConnector1">
+                  <a:avLst/>
+                </a:prstGeom>
+                <a:ln w="38100">
+                  <a:solidFill>
+                    <a:schemeClr val="tx1"/>
+                  </a:solidFill>
+                  <a:headEnd type="triangle"/>
+                  <a:tailEnd type="triangle"/>
+                </a:ln>
+              </p:spPr>
+              <p:style>
+                <a:lnRef idx="1">
+                  <a:schemeClr val="accent1"/>
+                </a:lnRef>
+                <a:fillRef idx="0">
+                  <a:schemeClr val="accent1"/>
+                </a:fillRef>
+                <a:effectRef idx="0">
+                  <a:schemeClr val="accent1"/>
+                </a:effectRef>
+                <a:fontRef idx="minor">
+                  <a:schemeClr val="tx1"/>
+                </a:fontRef>
+              </p:style>
+            </p:cxnSp>
+            <mc:AlternateContent xmlns:mc="http://schemas.openxmlformats.org/markup-compatibility/2006">
+              <mc:Choice xmlns:a14="http://schemas.microsoft.com/office/drawing/2010/main" Requires="a14">
+                <p:sp>
+                  <p:nvSpPr>
+                    <p:cNvPr id="201" name="TextBox 200"/>
+                    <p:cNvSpPr txBox="1"/>
+                    <p:nvPr/>
+                  </p:nvSpPr>
+                  <p:spPr>
+                    <a:xfrm>
+                      <a:off x="3204635" y="4621310"/>
+                      <a:ext cx="217560" cy="307777"/>
+                    </a:xfrm>
+                    <a:prstGeom prst="rect">
+                      <a:avLst/>
+                    </a:prstGeom>
+                    <a:noFill/>
+                  </p:spPr>
+                  <p:txBody>
+                    <a:bodyPr wrap="none" lIns="0" tIns="0" rIns="0" bIns="0" rtlCol="0">
+                      <a:spAutoFit/>
+                    </a:bodyPr>
+                    <a:lstStyle/>
+                    <a:p>
+                      <a14:m>
+                        <m:oMathPara xmlns:m="http://schemas.openxmlformats.org/officeDocument/2006/math">
+                          <m:oMathParaPr>
+                            <m:jc m:val="centerGroup"/>
+                          </m:oMathParaPr>
+                          <m:oMath xmlns:m="http://schemas.openxmlformats.org/officeDocument/2006/math">
+                            <m:r>
+                              <a:rPr lang="en-US" sz="2000" b="0" i="1" smtClean="0">
+                                <a:latin typeface="Cambria Math" panose="02040503050406030204" pitchFamily="18" charset="0"/>
+                                <a:cs typeface="Arial" panose="020B0604020202020204" pitchFamily="34" charset="0"/>
+                              </a:rPr>
+                              <m:t>h</m:t>
+                            </m:r>
+                          </m:oMath>
+                        </m:oMathPara>
+                      </a14:m>
+                      <a:endParaRPr lang="en-US" sz="2000" dirty="0" smtClean="0">
+                        <a:latin typeface="Arial" panose="020B0604020202020204" pitchFamily="34" charset="0"/>
+                        <a:cs typeface="Arial" panose="020B0604020202020204" pitchFamily="34" charset="0"/>
+                      </a:endParaRPr>
+                    </a:p>
+                  </p:txBody>
+                </p:sp>
+              </mc:Choice>
+              <mc:Fallback>
+                <p:sp>
+                  <p:nvSpPr>
+                    <p:cNvPr id="201" name="TextBox 200"/>
+                    <p:cNvSpPr txBox="1">
+                      <a:spLocks noRot="1" noChangeAspect="1" noMove="1" noResize="1" noEditPoints="1" noAdjustHandles="1" noChangeArrowheads="1" noChangeShapeType="1" noTextEdit="1"/>
+                    </p:cNvSpPr>
+                    <p:nvPr/>
+                  </p:nvSpPr>
+                  <p:spPr>
+                    <a:xfrm>
+                      <a:off x="3204635" y="4621310"/>
+                      <a:ext cx="217560" cy="307777"/>
+                    </a:xfrm>
+                    <a:prstGeom prst="rect">
+                      <a:avLst/>
+                    </a:prstGeom>
+                    <a:blipFill>
+                      <a:blip r:embed="rId4"/>
+                      <a:stretch>
+                        <a:fillRect l="-25000" r="-22222" b="-9804"/>
+                      </a:stretch>
+                    </a:blipFill>
+                  </p:spPr>
+                  <p:txBody>
+                    <a:bodyPr/>
+                    <a:lstStyle/>
+                    <a:p>
+                      <a:r>
+                        <a:rPr lang="en-US">
+                          <a:noFill/>
+                        </a:rPr>
+                        <a:t> </a:t>
+                      </a:r>
+                    </a:p>
+                  </p:txBody>
+                </p:sp>
+              </mc:Fallback>
+            </mc:AlternateContent>
+            <mc:AlternateContent xmlns:mc="http://schemas.openxmlformats.org/markup-compatibility/2006">
+              <mc:Choice xmlns:a14="http://schemas.microsoft.com/office/drawing/2010/main" Requires="a14">
+                <p:sp>
+                  <p:nvSpPr>
+                    <p:cNvPr id="202" name="TextBox 201"/>
+                    <p:cNvSpPr txBox="1"/>
+                    <p:nvPr/>
+                  </p:nvSpPr>
+                  <p:spPr>
+                    <a:xfrm>
+                      <a:off x="2291720" y="4874043"/>
+                      <a:ext cx="234936" cy="307777"/>
+                    </a:xfrm>
+                    <a:prstGeom prst="rect">
+                      <a:avLst/>
+                    </a:prstGeom>
+                    <a:noFill/>
+                  </p:spPr>
+                  <p:txBody>
+                    <a:bodyPr wrap="none" lIns="0" tIns="0" rIns="0" bIns="0" rtlCol="0">
+                      <a:spAutoFit/>
+                    </a:bodyPr>
+                    <a:lstStyle/>
+                    <a:p>
+                      <a14:m>
+                        <m:oMathPara xmlns:m="http://schemas.openxmlformats.org/officeDocument/2006/math">
+                          <m:oMathParaPr>
+                            <m:jc m:val="centerGroup"/>
+                          </m:oMathParaPr>
+                          <m:oMath xmlns:m="http://schemas.openxmlformats.org/officeDocument/2006/math">
+                            <m:r>
+                              <a:rPr lang="en-US" sz="2000" b="0" i="1" smtClean="0">
+                                <a:latin typeface="Cambria Math" panose="02040503050406030204" pitchFamily="18" charset="0"/>
+                                <a:cs typeface="Arial" panose="020B0604020202020204" pitchFamily="34" charset="0"/>
+                              </a:rPr>
+                              <m:t>𝐴</m:t>
+                            </m:r>
+                          </m:oMath>
+                        </m:oMathPara>
+                      </a14:m>
+                      <a:endParaRPr lang="en-US" sz="2000" dirty="0" smtClean="0">
+                        <a:latin typeface="Arial" panose="020B0604020202020204" pitchFamily="34" charset="0"/>
+                        <a:cs typeface="Arial" panose="020B0604020202020204" pitchFamily="34" charset="0"/>
+                      </a:endParaRPr>
+                    </a:p>
+                  </p:txBody>
+                </p:sp>
+              </mc:Choice>
+              <mc:Fallback>
+                <p:sp>
+                  <p:nvSpPr>
+                    <p:cNvPr id="202" name="TextBox 201"/>
+                    <p:cNvSpPr txBox="1">
+                      <a:spLocks noRot="1" noChangeAspect="1" noMove="1" noResize="1" noEditPoints="1" noAdjustHandles="1" noChangeArrowheads="1" noChangeShapeType="1" noTextEdit="1"/>
+                    </p:cNvSpPr>
+                    <p:nvPr/>
+                  </p:nvSpPr>
+                  <p:spPr>
+                    <a:xfrm>
+                      <a:off x="2291720" y="4874043"/>
+                      <a:ext cx="234936" cy="307777"/>
+                    </a:xfrm>
+                    <a:prstGeom prst="rect">
+                      <a:avLst/>
+                    </a:prstGeom>
+                    <a:blipFill>
+                      <a:blip r:embed="rId5"/>
+                      <a:stretch>
+                        <a:fillRect l="-20513" r="-23077" b="-10000"/>
+                      </a:stretch>
+                    </a:blipFill>
+                  </p:spPr>
+                  <p:txBody>
+                    <a:bodyPr/>
+                    <a:lstStyle/>
+                    <a:p>
+                      <a:r>
+                        <a:rPr lang="en-US">
+                          <a:noFill/>
+                        </a:rPr>
+                        <a:t> </a:t>
+                      </a:r>
+                    </a:p>
+                  </p:txBody>
+                </p:sp>
+              </mc:Fallback>
+            </mc:AlternateContent>
+          </p:grpSp>
+          <mc:AlternateContent xmlns:mc="http://schemas.openxmlformats.org/markup-compatibility/2006">
+            <mc:Choice xmlns:a14="http://schemas.microsoft.com/office/drawing/2010/main" Requires="a14">
+              <p:sp>
+                <p:nvSpPr>
+                  <p:cNvPr id="204" name="TextBox 203"/>
+                  <p:cNvSpPr txBox="1"/>
+                  <p:nvPr/>
+                </p:nvSpPr>
+                <p:spPr>
+                  <a:xfrm>
+                    <a:off x="848380" y="3985875"/>
+                    <a:ext cx="318741" cy="307777"/>
+                  </a:xfrm>
+                  <a:prstGeom prst="rect">
+                    <a:avLst/>
+                  </a:prstGeom>
+                  <a:noFill/>
+                </p:spPr>
+                <p:txBody>
+                  <a:bodyPr wrap="none" lIns="0" tIns="0" rIns="0" bIns="0" rtlCol="0">
+                    <a:spAutoFit/>
+                  </a:bodyPr>
+                  <a:lstStyle/>
+                  <a:p>
+                    <a14:m>
+                      <m:oMathPara xmlns:m="http://schemas.openxmlformats.org/officeDocument/2006/math">
+                        <m:oMathParaPr>
+                          <m:jc m:val="centerGroup"/>
+                        </m:oMathParaPr>
+                        <m:oMath xmlns:m="http://schemas.openxmlformats.org/officeDocument/2006/math">
+                          <m:sSub>
+                            <m:sSubPr>
+                              <m:ctrlPr>
+                                <a:rPr lang="en-US" sz="2000" b="0" i="1" smtClean="0">
+                                  <a:latin typeface="Cambria Math" panose="02040503050406030204" pitchFamily="18" charset="0"/>
+                                  <a:cs typeface="Arial" panose="020B0604020202020204" pitchFamily="34" charset="0"/>
+                                </a:rPr>
+                              </m:ctrlPr>
+                            </m:sSubPr>
+                            <m:e>
+                              <m:r>
+                                <a:rPr lang="en-US" sz="2000" b="0" i="1" smtClean="0">
+                                  <a:latin typeface="Cambria Math" panose="02040503050406030204" pitchFamily="18" charset="0"/>
+                                  <a:cs typeface="Arial" panose="020B0604020202020204" pitchFamily="34" charset="0"/>
+                                </a:rPr>
+                                <m:t>𝑝</m:t>
+                              </m:r>
+                            </m:e>
+                            <m:sub>
+                              <m:r>
+                                <a:rPr lang="en-US" sz="2000" b="0" i="1" smtClean="0">
+                                  <a:latin typeface="Cambria Math" panose="02040503050406030204" pitchFamily="18" charset="0"/>
+                                  <a:cs typeface="Arial" panose="020B0604020202020204" pitchFamily="34" charset="0"/>
+                                </a:rPr>
+                                <m:t>1</m:t>
+                              </m:r>
+                            </m:sub>
+                          </m:sSub>
+                        </m:oMath>
+                      </m:oMathPara>
+                    </a14:m>
+                    <a:endParaRPr lang="en-US" sz="2000" dirty="0" smtClean="0">
+                      <a:latin typeface="Arial" panose="020B0604020202020204" pitchFamily="34" charset="0"/>
+                      <a:cs typeface="Arial" panose="020B0604020202020204" pitchFamily="34" charset="0"/>
+                    </a:endParaRPr>
+                  </a:p>
+                </p:txBody>
+              </p:sp>
+            </mc:Choice>
+            <mc:Fallback>
+              <p:sp>
+                <p:nvSpPr>
+                  <p:cNvPr id="204" name="TextBox 203"/>
+                  <p:cNvSpPr txBox="1">
+                    <a:spLocks noRot="1" noChangeAspect="1" noMove="1" noResize="1" noEditPoints="1" noAdjustHandles="1" noChangeArrowheads="1" noChangeShapeType="1" noTextEdit="1"/>
+                  </p:cNvSpPr>
+                  <p:nvPr/>
+                </p:nvSpPr>
+                <p:spPr>
+                  <a:xfrm>
+                    <a:off x="848380" y="3985875"/>
+                    <a:ext cx="318741" cy="307777"/>
+                  </a:xfrm>
+                  <a:prstGeom prst="rect">
+                    <a:avLst/>
+                  </a:prstGeom>
+                  <a:blipFill>
+                    <a:blip r:embed="rId6"/>
+                    <a:stretch>
+                      <a:fillRect l="-17308" r="-5769" b="-30000"/>
+                    </a:stretch>
+                  </a:blipFill>
+                </p:spPr>
+                <p:txBody>
+                  <a:bodyPr/>
+                  <a:lstStyle/>
+                  <a:p>
+                    <a:r>
+                      <a:rPr lang="en-US">
+                        <a:noFill/>
+                      </a:rPr>
+                      <a:t> </a:t>
+                    </a:r>
+                  </a:p>
+                </p:txBody>
+              </p:sp>
+            </mc:Fallback>
+          </mc:AlternateContent>
+          <mc:AlternateContent xmlns:mc="http://schemas.openxmlformats.org/markup-compatibility/2006">
+            <mc:Choice xmlns:a14="http://schemas.microsoft.com/office/drawing/2010/main" Requires="a14">
+              <p:sp>
+                <p:nvSpPr>
+                  <p:cNvPr id="205" name="TextBox 204"/>
+                  <p:cNvSpPr txBox="1"/>
+                  <p:nvPr/>
+                </p:nvSpPr>
+                <p:spPr>
+                  <a:xfrm>
+                    <a:off x="829310" y="5201920"/>
+                    <a:ext cx="324704" cy="307777"/>
+                  </a:xfrm>
+                  <a:prstGeom prst="rect">
+                    <a:avLst/>
+                  </a:prstGeom>
+                  <a:noFill/>
+                </p:spPr>
+                <p:txBody>
+                  <a:bodyPr wrap="none" lIns="0" tIns="0" rIns="0" bIns="0" rtlCol="0">
+                    <a:spAutoFit/>
+                  </a:bodyPr>
+                  <a:lstStyle/>
+                  <a:p>
+                    <a14:m>
+                      <m:oMathPara xmlns:m="http://schemas.openxmlformats.org/officeDocument/2006/math">
+                        <m:oMathParaPr>
+                          <m:jc m:val="centerGroup"/>
+                        </m:oMathParaPr>
+                        <m:oMath xmlns:m="http://schemas.openxmlformats.org/officeDocument/2006/math">
+                          <m:sSub>
+                            <m:sSubPr>
+                              <m:ctrlPr>
+                                <a:rPr lang="en-US" sz="2000" b="0" i="1" smtClean="0">
+                                  <a:latin typeface="Cambria Math" panose="02040503050406030204" pitchFamily="18" charset="0"/>
+                                  <a:cs typeface="Arial" panose="020B0604020202020204" pitchFamily="34" charset="0"/>
+                                </a:rPr>
+                              </m:ctrlPr>
+                            </m:sSubPr>
+                            <m:e>
+                              <m:r>
+                                <a:rPr lang="en-US" sz="2000" b="0" i="1" smtClean="0">
+                                  <a:latin typeface="Cambria Math" panose="02040503050406030204" pitchFamily="18" charset="0"/>
+                                  <a:cs typeface="Arial" panose="020B0604020202020204" pitchFamily="34" charset="0"/>
+                                </a:rPr>
+                                <m:t>𝑝</m:t>
+                              </m:r>
+                            </m:e>
+                            <m:sub>
+                              <m:r>
+                                <a:rPr lang="en-US" sz="2000" b="0" i="1" smtClean="0">
+                                  <a:latin typeface="Cambria Math" panose="02040503050406030204" pitchFamily="18" charset="0"/>
+                                  <a:cs typeface="Arial" panose="020B0604020202020204" pitchFamily="34" charset="0"/>
+                                </a:rPr>
+                                <m:t>2</m:t>
+                              </m:r>
+                            </m:sub>
+                          </m:sSub>
+                        </m:oMath>
+                      </m:oMathPara>
+                    </a14:m>
+                    <a:endParaRPr lang="en-US" sz="2000" dirty="0" smtClean="0">
+                      <a:latin typeface="Arial" panose="020B0604020202020204" pitchFamily="34" charset="0"/>
+                      <a:cs typeface="Arial" panose="020B0604020202020204" pitchFamily="34" charset="0"/>
+                    </a:endParaRPr>
+                  </a:p>
+                </p:txBody>
+              </p:sp>
+            </mc:Choice>
+            <mc:Fallback>
+              <p:sp>
+                <p:nvSpPr>
+                  <p:cNvPr id="205" name="TextBox 204"/>
+                  <p:cNvSpPr txBox="1">
+                    <a:spLocks noRot="1" noChangeAspect="1" noMove="1" noResize="1" noEditPoints="1" noAdjustHandles="1" noChangeArrowheads="1" noChangeShapeType="1" noTextEdit="1"/>
+                  </p:cNvSpPr>
+                  <p:nvPr/>
+                </p:nvSpPr>
+                <p:spPr>
+                  <a:xfrm>
+                    <a:off x="829310" y="5201920"/>
+                    <a:ext cx="324704" cy="307777"/>
+                  </a:xfrm>
+                  <a:prstGeom prst="rect">
+                    <a:avLst/>
+                  </a:prstGeom>
+                  <a:blipFill>
+                    <a:blip r:embed="rId7"/>
+                    <a:stretch>
+                      <a:fillRect l="-16667" r="-5556" b="-27451"/>
+                    </a:stretch>
+                  </a:blipFill>
+                </p:spPr>
+                <p:txBody>
+                  <a:bodyPr/>
+                  <a:lstStyle/>
+                  <a:p>
+                    <a:r>
+                      <a:rPr lang="en-US">
+                        <a:noFill/>
+                      </a:rPr>
+                      <a:t> </a:t>
+                    </a:r>
+                  </a:p>
+                </p:txBody>
+              </p:sp>
+            </mc:Fallback>
+          </mc:AlternateContent>
+        </p:grpSp>
+        <p:cxnSp>
+          <p:nvCxnSpPr>
+            <p:cNvPr id="208" name="Straight Arrow Connector 207"/>
+            <p:cNvCxnSpPr/>
+            <p:nvPr/>
+          </p:nvCxnSpPr>
+          <p:spPr>
+            <a:xfrm flipH="1" flipV="1">
+              <a:off x="5186889" y="3654843"/>
+              <a:ext cx="10160" cy="2438400"/>
+            </a:xfrm>
+            <a:prstGeom prst="straightConnector1">
+              <a:avLst/>
+            </a:prstGeom>
+            <a:ln w="38100">
+              <a:solidFill>
+                <a:schemeClr val="tx1"/>
+              </a:solidFill>
+              <a:tailEnd type="triangle"/>
+            </a:ln>
+          </p:spPr>
+          <p:style>
+            <a:lnRef idx="1">
+              <a:schemeClr val="accent1"/>
+            </a:lnRef>
+            <a:fillRef idx="0">
+              <a:schemeClr val="accent1"/>
+            </a:fillRef>
+            <a:effectRef idx="0">
+              <a:schemeClr val="accent1"/>
+            </a:effectRef>
+            <a:fontRef idx="minor">
+              <a:schemeClr val="tx1"/>
+            </a:fontRef>
+          </p:style>
+        </p:cxnSp>
+        <mc:AlternateContent xmlns:mc="http://schemas.openxmlformats.org/markup-compatibility/2006">
+          <mc:Choice xmlns:a14="http://schemas.microsoft.com/office/drawing/2010/main" Requires="a14">
+            <p:sp>
+              <p:nvSpPr>
+                <p:cNvPr id="209" name="TextBox 208"/>
+                <p:cNvSpPr txBox="1"/>
+                <p:nvPr/>
+              </p:nvSpPr>
+              <p:spPr>
+                <a:xfrm>
+                  <a:off x="5206653" y="3786068"/>
+                  <a:ext cx="219163" cy="307777"/>
+                </a:xfrm>
+                <a:prstGeom prst="rect">
+                  <a:avLst/>
+                </a:prstGeom>
+                <a:noFill/>
+              </p:spPr>
+              <p:txBody>
+                <a:bodyPr wrap="none" lIns="0" tIns="0" rIns="0" bIns="0" rtlCol="0">
+                  <a:spAutoFit/>
+                </a:bodyPr>
+                <a:lstStyle/>
+                <a:p>
+                  <a14:m>
+                    <m:oMathPara xmlns:m="http://schemas.openxmlformats.org/officeDocument/2006/math">
+                      <m:oMathParaPr>
+                        <m:jc m:val="centerGroup"/>
+                      </m:oMathParaPr>
+                      <m:oMath xmlns:m="http://schemas.openxmlformats.org/officeDocument/2006/math">
+                        <m:r>
+                          <a:rPr lang="en-US" sz="2000" b="0" i="1" smtClean="0">
+                            <a:latin typeface="Cambria Math" panose="02040503050406030204" pitchFamily="18" charset="0"/>
+                            <a:cs typeface="Arial" panose="020B0604020202020204" pitchFamily="34" charset="0"/>
+                          </a:rPr>
+                          <m:t>𝑦</m:t>
+                        </m:r>
+                      </m:oMath>
+                    </m:oMathPara>
+                  </a14:m>
+                  <a:endParaRPr lang="en-US" sz="2000" dirty="0" smtClean="0">
+                    <a:latin typeface="Arial" panose="020B0604020202020204" pitchFamily="34" charset="0"/>
+                    <a:cs typeface="Arial" panose="020B0604020202020204" pitchFamily="34" charset="0"/>
+                  </a:endParaRPr>
+                </a:p>
+              </p:txBody>
+            </p:sp>
+          </mc:Choice>
+          <mc:Fallback>
+            <p:sp>
+              <p:nvSpPr>
+                <p:cNvPr id="209" name="TextBox 208"/>
+                <p:cNvSpPr txBox="1">
+                  <a:spLocks noRot="1" noChangeAspect="1" noMove="1" noResize="1" noEditPoints="1" noAdjustHandles="1" noChangeArrowheads="1" noChangeShapeType="1" noTextEdit="1"/>
+                </p:cNvSpPr>
+                <p:nvPr/>
+              </p:nvSpPr>
+              <p:spPr>
+                <a:xfrm>
+                  <a:off x="5206653" y="3786068"/>
+                  <a:ext cx="219163" cy="307777"/>
+                </a:xfrm>
+                <a:prstGeom prst="rect">
+                  <a:avLst/>
+                </a:prstGeom>
+                <a:blipFill>
+                  <a:blip r:embed="rId8"/>
+                  <a:stretch>
+                    <a:fillRect l="-25000" r="-25000" b="-27451"/>
+                  </a:stretch>
+                </a:blipFill>
+              </p:spPr>
+              <p:txBody>
+                <a:bodyPr/>
+                <a:lstStyle/>
+                <a:p>
+                  <a:r>
+                    <a:rPr lang="en-US">
+                      <a:noFill/>
+                    </a:rPr>
+                    <a:t> </a:t>
+                  </a:r>
+                </a:p>
+              </p:txBody>
+            </p:sp>
+          </mc:Fallback>
+        </mc:AlternateContent>
+      </p:grpSp>
+      <p:grpSp>
+        <p:nvGrpSpPr>
+          <p:cNvPr id="219" name="Group 218"/>
+          <p:cNvGrpSpPr/>
+          <p:nvPr/>
+        </p:nvGrpSpPr>
+        <p:grpSpPr>
+          <a:xfrm rot="16200000">
+            <a:off x="8946180" y="2418614"/>
+            <a:ext cx="1059181" cy="3744563"/>
+            <a:chOff x="9359524" y="2558233"/>
+            <a:chExt cx="1059181" cy="3744563"/>
+          </a:xfrm>
+        </p:grpSpPr>
+        <p:sp>
+          <p:nvSpPr>
+            <p:cNvPr id="211" name="Rectangle 210"/>
+            <p:cNvSpPr/>
+            <p:nvPr/>
+          </p:nvSpPr>
+          <p:spPr>
+            <a:xfrm>
+              <a:off x="9359524" y="4006636"/>
+              <a:ext cx="1059181" cy="2296160"/>
+            </a:xfrm>
+            <a:prstGeom prst="rect">
+              <a:avLst/>
+            </a:prstGeom>
+            <a:noFill/>
+            <a:ln w="38100">
+              <a:solidFill>
+                <a:schemeClr val="tx1"/>
+              </a:solidFill>
+            </a:ln>
+          </p:spPr>
+          <p:style>
+            <a:lnRef idx="2">
+              <a:schemeClr val="accent1">
+                <a:shade val="50000"/>
+              </a:schemeClr>
+            </a:lnRef>
+            <a:fillRef idx="1">
+              <a:schemeClr val="accent1"/>
+            </a:fillRef>
+            <a:effectRef idx="0">
+              <a:schemeClr val="accent1"/>
+            </a:effectRef>
+            <a:fontRef idx="minor">
+              <a:schemeClr val="lt1"/>
+            </a:fontRef>
+          </p:style>
+          <p:txBody>
+            <a:bodyPr rtlCol="0" anchor="ctr"/>
+            <a:lstStyle/>
+            <a:p>
+              <a:pPr algn="ctr"/>
+              <a:endParaRPr lang="en-US"/>
+            </a:p>
+          </p:txBody>
+        </p:sp>
+        <p:sp>
+          <p:nvSpPr>
+            <p:cNvPr id="212" name="Rectangle 211"/>
+            <p:cNvSpPr/>
+            <p:nvPr/>
+          </p:nvSpPr>
+          <p:spPr>
+            <a:xfrm>
+              <a:off x="9359524" y="4810763"/>
+              <a:ext cx="1059181" cy="252733"/>
+            </a:xfrm>
+            <a:prstGeom prst="rect">
+              <a:avLst/>
+            </a:prstGeom>
+            <a:solidFill>
+              <a:schemeClr val="tx1"/>
+            </a:solidFill>
+            <a:ln w="38100">
+              <a:solidFill>
+                <a:schemeClr val="tx1"/>
+              </a:solidFill>
+            </a:ln>
+          </p:spPr>
+          <p:style>
+            <a:lnRef idx="2">
+              <a:schemeClr val="accent1">
+                <a:shade val="50000"/>
+              </a:schemeClr>
+            </a:lnRef>
+            <a:fillRef idx="1">
+              <a:schemeClr val="accent1"/>
+            </a:fillRef>
+            <a:effectRef idx="0">
+              <a:schemeClr val="accent1"/>
+            </a:effectRef>
+            <a:fontRef idx="minor">
+              <a:schemeClr val="lt1"/>
+            </a:fontRef>
+          </p:style>
+          <p:txBody>
+            <a:bodyPr rtlCol="0" anchor="ctr"/>
+            <a:lstStyle/>
+            <a:p>
+              <a:pPr algn="ctr"/>
+              <a:endParaRPr lang="en-US"/>
+            </a:p>
+          </p:txBody>
+        </p:sp>
+        <p:sp>
+          <p:nvSpPr>
+            <p:cNvPr id="213" name="Rectangle 212"/>
+            <p:cNvSpPr/>
+            <p:nvPr/>
+          </p:nvSpPr>
+          <p:spPr>
+            <a:xfrm>
+              <a:off x="9788992" y="3456723"/>
+              <a:ext cx="205741" cy="1341340"/>
+            </a:xfrm>
+            <a:prstGeom prst="rect">
+              <a:avLst/>
+            </a:prstGeom>
+            <a:solidFill>
+              <a:schemeClr val="tx1"/>
+            </a:solidFill>
+            <a:ln w="38100">
+              <a:solidFill>
+                <a:schemeClr val="tx1"/>
+              </a:solidFill>
+            </a:ln>
+          </p:spPr>
+          <p:style>
+            <a:lnRef idx="2">
+              <a:schemeClr val="accent1">
+                <a:shade val="50000"/>
+              </a:schemeClr>
+            </a:lnRef>
+            <a:fillRef idx="1">
+              <a:schemeClr val="accent1"/>
+            </a:fillRef>
+            <a:effectRef idx="0">
+              <a:schemeClr val="accent1"/>
+            </a:effectRef>
+            <a:fontRef idx="minor">
+              <a:schemeClr val="lt1"/>
+            </a:fontRef>
+          </p:style>
+          <p:txBody>
+            <a:bodyPr rtlCol="0" anchor="ctr"/>
+            <a:lstStyle/>
+            <a:p>
+              <a:pPr algn="ctr"/>
+              <a:endParaRPr lang="en-US"/>
+            </a:p>
+          </p:txBody>
+        </p:sp>
+        <p:sp>
+          <p:nvSpPr>
+            <p:cNvPr id="214" name="Rectangle 213"/>
+            <p:cNvSpPr/>
+            <p:nvPr/>
+          </p:nvSpPr>
+          <p:spPr>
+            <a:xfrm>
+              <a:off x="9359524" y="5083596"/>
+              <a:ext cx="1059181" cy="1219200"/>
+            </a:xfrm>
+            <a:prstGeom prst="rect">
+              <a:avLst/>
+            </a:prstGeom>
+            <a:solidFill>
+              <a:schemeClr val="accent1">
+                <a:lumMod val="60000"/>
+                <a:lumOff val="40000"/>
+              </a:schemeClr>
+            </a:solidFill>
+            <a:ln w="38100">
+              <a:noFill/>
+            </a:ln>
+          </p:spPr>
+          <p:style>
+            <a:lnRef idx="2">
+              <a:schemeClr val="accent1">
+                <a:shade val="50000"/>
+              </a:schemeClr>
+            </a:lnRef>
+            <a:fillRef idx="1">
+              <a:schemeClr val="accent1"/>
+            </a:fillRef>
+            <a:effectRef idx="0">
+              <a:schemeClr val="accent1"/>
+            </a:effectRef>
+            <a:fontRef idx="minor">
+              <a:schemeClr val="lt1"/>
+            </a:fontRef>
+          </p:style>
+          <p:txBody>
+            <a:bodyPr rtlCol="0" anchor="ctr"/>
+            <a:lstStyle/>
+            <a:p>
+              <a:pPr algn="ctr"/>
+              <a:endParaRPr lang="en-US"/>
+            </a:p>
+          </p:txBody>
+        </p:sp>
+        <mc:AlternateContent xmlns:mc="http://schemas.openxmlformats.org/markup-compatibility/2006">
+          <mc:Choice xmlns:a14="http://schemas.microsoft.com/office/drawing/2010/main" Requires="a14">
+            <p:sp>
+              <p:nvSpPr>
+                <p:cNvPr id="215" name="TextBox 214"/>
+                <p:cNvSpPr txBox="1"/>
+                <p:nvPr/>
+              </p:nvSpPr>
+              <p:spPr>
+                <a:xfrm rot="5400000">
+                  <a:off x="9759797" y="5083598"/>
+                  <a:ext cx="234936" cy="307777"/>
+                </a:xfrm>
+                <a:prstGeom prst="rect">
+                  <a:avLst/>
+                </a:prstGeom>
+                <a:noFill/>
+              </p:spPr>
+              <p:txBody>
+                <a:bodyPr wrap="none" lIns="0" tIns="0" rIns="0" bIns="0" rtlCol="0">
+                  <a:spAutoFit/>
+                </a:bodyPr>
+                <a:lstStyle/>
+                <a:p>
+                  <a14:m>
+                    <m:oMathPara xmlns:m="http://schemas.openxmlformats.org/officeDocument/2006/math">
+                      <m:oMathParaPr>
+                        <m:jc m:val="centerGroup"/>
+                      </m:oMathParaPr>
+                      <m:oMath xmlns:m="http://schemas.openxmlformats.org/officeDocument/2006/math">
+                        <m:r>
+                          <a:rPr lang="en-US" sz="2000" b="0" i="1" smtClean="0">
+                            <a:latin typeface="Cambria Math" panose="02040503050406030204" pitchFamily="18" charset="0"/>
+                            <a:cs typeface="Arial" panose="020B0604020202020204" pitchFamily="34" charset="0"/>
+                          </a:rPr>
+                          <m:t>𝐴</m:t>
+                        </m:r>
+                      </m:oMath>
+                    </m:oMathPara>
+                  </a14:m>
+                  <a:endParaRPr lang="en-US" sz="2000" dirty="0" smtClean="0">
+                    <a:latin typeface="Arial" panose="020B0604020202020204" pitchFamily="34" charset="0"/>
+                    <a:cs typeface="Arial" panose="020B0604020202020204" pitchFamily="34" charset="0"/>
+                  </a:endParaRPr>
+                </a:p>
+              </p:txBody>
+            </p:sp>
+          </mc:Choice>
+          <mc:Fallback>
+            <p:sp>
+              <p:nvSpPr>
+                <p:cNvPr id="215" name="TextBox 214"/>
+                <p:cNvSpPr txBox="1">
+                  <a:spLocks noRot="1" noChangeAspect="1" noMove="1" noResize="1" noEditPoints="1" noAdjustHandles="1" noChangeArrowheads="1" noChangeShapeType="1" noTextEdit="1"/>
+                </p:cNvSpPr>
+                <p:nvPr/>
+              </p:nvSpPr>
+              <p:spPr>
+                <a:xfrm rot="5400000">
+                  <a:off x="9759797" y="5083598"/>
+                  <a:ext cx="234936" cy="307777"/>
+                </a:xfrm>
+                <a:prstGeom prst="rect">
+                  <a:avLst/>
+                </a:prstGeom>
+                <a:blipFill>
+                  <a:blip r:embed="rId9"/>
+                  <a:stretch>
+                    <a:fillRect l="-23684" r="-23684" b="-10000"/>
+                  </a:stretch>
+                </a:blipFill>
+              </p:spPr>
+              <p:txBody>
+                <a:bodyPr/>
+                <a:lstStyle/>
+                <a:p>
+                  <a:r>
+                    <a:rPr lang="en-US">
+                      <a:noFill/>
+                    </a:rPr>
+                    <a:t> </a:t>
+                  </a:r>
+                </a:p>
+              </p:txBody>
+            </p:sp>
+          </mc:Fallback>
+        </mc:AlternateContent>
+        <mc:AlternateContent xmlns:mc="http://schemas.openxmlformats.org/markup-compatibility/2006">
+          <mc:Choice xmlns:a14="http://schemas.microsoft.com/office/drawing/2010/main" Requires="a14">
+            <p:sp>
+              <p:nvSpPr>
+                <p:cNvPr id="216" name="TextBox 215"/>
+                <p:cNvSpPr txBox="1"/>
+                <p:nvPr/>
+              </p:nvSpPr>
+              <p:spPr>
+                <a:xfrm rot="5400000">
+                  <a:off x="9998880" y="2822533"/>
+                  <a:ext cx="237629" cy="345159"/>
+                </a:xfrm>
+                <a:prstGeom prst="rect">
+                  <a:avLst/>
+                </a:prstGeom>
+                <a:noFill/>
+              </p:spPr>
+              <p:txBody>
+                <a:bodyPr wrap="none" lIns="0" tIns="0" rIns="0" bIns="0" rtlCol="0">
+                  <a:spAutoFit/>
+                </a:bodyPr>
+                <a:lstStyle/>
+                <a:p>
+                  <a14:m>
+                    <m:oMathPara xmlns:m="http://schemas.openxmlformats.org/officeDocument/2006/math">
+                      <m:oMathParaPr>
+                        <m:jc m:val="centerGroup"/>
+                      </m:oMathParaPr>
+                      <m:oMath xmlns:m="http://schemas.openxmlformats.org/officeDocument/2006/math">
+                        <m:acc>
+                          <m:accPr>
+                            <m:chr m:val="⃗"/>
+                            <m:ctrlPr>
+                              <a:rPr lang="en-US" sz="2000" b="0" i="1" smtClean="0">
+                                <a:latin typeface="Cambria Math" panose="02040503050406030204" pitchFamily="18" charset="0"/>
+                                <a:cs typeface="Arial" panose="020B0604020202020204" pitchFamily="34" charset="0"/>
+                              </a:rPr>
+                            </m:ctrlPr>
+                          </m:accPr>
+                          <m:e>
+                            <m:r>
+                              <a:rPr lang="en-US" sz="2000" b="0" i="1" smtClean="0">
+                                <a:latin typeface="Cambria Math" panose="02040503050406030204" pitchFamily="18" charset="0"/>
+                                <a:cs typeface="Arial" panose="020B0604020202020204" pitchFamily="34" charset="0"/>
+                              </a:rPr>
+                              <m:t>𝐹</m:t>
+                            </m:r>
+                          </m:e>
+                        </m:acc>
+                      </m:oMath>
+                    </m:oMathPara>
+                  </a14:m>
+                  <a:endParaRPr lang="en-US" sz="2000" dirty="0" smtClean="0">
+                    <a:latin typeface="Arial" panose="020B0604020202020204" pitchFamily="34" charset="0"/>
+                    <a:cs typeface="Arial" panose="020B0604020202020204" pitchFamily="34" charset="0"/>
+                  </a:endParaRPr>
+                </a:p>
+              </p:txBody>
+            </p:sp>
+          </mc:Choice>
+          <mc:Fallback>
+            <p:sp>
+              <p:nvSpPr>
+                <p:cNvPr id="216" name="TextBox 215"/>
+                <p:cNvSpPr txBox="1">
+                  <a:spLocks noRot="1" noChangeAspect="1" noMove="1" noResize="1" noEditPoints="1" noAdjustHandles="1" noChangeArrowheads="1" noChangeShapeType="1" noTextEdit="1"/>
+                </p:cNvSpPr>
+                <p:nvPr/>
+              </p:nvSpPr>
+              <p:spPr>
+                <a:xfrm rot="5400000">
+                  <a:off x="9998880" y="2822533"/>
+                  <a:ext cx="237629" cy="345159"/>
+                </a:xfrm>
+                <a:prstGeom prst="rect">
+                  <a:avLst/>
+                </a:prstGeom>
+                <a:blipFill>
+                  <a:blip r:embed="rId10"/>
+                  <a:stretch>
+                    <a:fillRect l="-20513" t="-33333" r="-92308" b="-8772"/>
+                  </a:stretch>
+                </a:blipFill>
+              </p:spPr>
+              <p:txBody>
+                <a:bodyPr/>
+                <a:lstStyle/>
+                <a:p>
+                  <a:r>
+                    <a:rPr lang="en-US">
+                      <a:noFill/>
+                    </a:rPr>
+                    <a:t> </a:t>
+                  </a:r>
+                </a:p>
+              </p:txBody>
+            </p:sp>
+          </mc:Fallback>
+        </mc:AlternateContent>
+        <p:cxnSp>
+          <p:nvCxnSpPr>
+            <p:cNvPr id="218" name="Straight Arrow Connector 217"/>
+            <p:cNvCxnSpPr/>
+            <p:nvPr/>
+          </p:nvCxnSpPr>
+          <p:spPr>
+            <a:xfrm>
+              <a:off x="9894026" y="2558233"/>
+              <a:ext cx="0" cy="873760"/>
+            </a:xfrm>
+            <a:prstGeom prst="straightConnector1">
+              <a:avLst/>
+            </a:prstGeom>
+            <a:ln w="38100">
+              <a:solidFill>
+                <a:schemeClr val="tx1"/>
+              </a:solidFill>
+              <a:tailEnd type="triangle"/>
+            </a:ln>
+          </p:spPr>
+          <p:style>
+            <a:lnRef idx="1">
+              <a:schemeClr val="accent1"/>
+            </a:lnRef>
+            <a:fillRef idx="0">
+              <a:schemeClr val="accent1"/>
+            </a:fillRef>
+            <a:effectRef idx="0">
+              <a:schemeClr val="accent1"/>
+            </a:effectRef>
+            <a:fontRef idx="minor">
+              <a:schemeClr val="tx1"/>
+            </a:fontRef>
+          </p:style>
+        </p:cxnSp>
+      </p:grpSp>
+    </p:spTree>
+    <p:extLst>
+      <p:ext uri="{BB962C8B-B14F-4D97-AF65-F5344CB8AC3E}">
+        <p14:creationId xmlns:p14="http://schemas.microsoft.com/office/powerpoint/2010/main" val="347626743"/>
+      </p:ext>
+    </p:extLst>
+  </p:cSld>
+  <p:clrMapOvr>
+    <a:masterClrMapping/>
+  </p:clrMapOvr>
+</p:sld>
+</file>
+
+<file path=ppt/slides/slide3.xml><?xml version="1.0" encoding="utf-8"?>
+<p:sld xmlns:a="http://schemas.openxmlformats.org/drawingml/2006/main" xmlns:r="http://schemas.openxmlformats.org/officeDocument/2006/relationships" xmlns:p="http://schemas.openxmlformats.org/presentationml/2006/main">
+  <p:cSld>
+    <p:spTree>
+      <p:nvGrpSpPr>
+        <p:cNvPr id="1" name=""/>
+        <p:cNvGrpSpPr/>
+        <p:nvPr/>
+      </p:nvGrpSpPr>
+      <p:grpSpPr>
+        <a:xfrm>
+          <a:off x="0" y="0"/>
+          <a:ext cx="0" cy="0"/>
+          <a:chOff x="0" y="0"/>
+          <a:chExt cx="0" cy="0"/>
+        </a:xfrm>
+      </p:grpSpPr>
+      <p:grpSp>
+        <p:nvGrpSpPr>
+          <p:cNvPr id="29" name="Group 28"/>
+          <p:cNvGrpSpPr/>
+          <p:nvPr/>
+        </p:nvGrpSpPr>
+        <p:grpSpPr>
+          <a:xfrm>
+            <a:off x="467360" y="560150"/>
+            <a:ext cx="3580383" cy="3828783"/>
+            <a:chOff x="2651760" y="1057990"/>
+            <a:chExt cx="3580383" cy="3828783"/>
+          </a:xfrm>
+        </p:grpSpPr>
+        <p:sp>
+          <p:nvSpPr>
+            <p:cNvPr id="4" name="Rectangle 3"/>
+            <p:cNvSpPr/>
+            <p:nvPr/>
+          </p:nvSpPr>
+          <p:spPr>
+            <a:xfrm>
+              <a:off x="2651760" y="4226560"/>
+              <a:ext cx="3491051" cy="660213"/>
+            </a:xfrm>
+            <a:prstGeom prst="rect">
+              <a:avLst/>
+            </a:prstGeom>
+            <a:noFill/>
+            <a:ln w="38100">
+              <a:solidFill>
+                <a:schemeClr val="tx1"/>
+              </a:solidFill>
+            </a:ln>
+          </p:spPr>
+          <p:style>
+            <a:lnRef idx="2">
+              <a:schemeClr val="accent1">
+                <a:shade val="50000"/>
+              </a:schemeClr>
+            </a:lnRef>
+            <a:fillRef idx="1">
+              <a:schemeClr val="accent1"/>
+            </a:fillRef>
+            <a:effectRef idx="0">
+              <a:schemeClr val="accent1"/>
+            </a:effectRef>
+            <a:fontRef idx="minor">
+              <a:schemeClr val="lt1"/>
+            </a:fontRef>
+          </p:style>
+          <p:txBody>
+            <a:bodyPr rtlCol="0" anchor="ctr"/>
+            <a:lstStyle/>
+            <a:p>
+              <a:pPr algn="ctr"/>
+              <a:endParaRPr lang="en-US"/>
+            </a:p>
+          </p:txBody>
+        </p:sp>
+        <p:sp>
+          <p:nvSpPr>
+            <p:cNvPr id="5" name="Rectangle 4"/>
+            <p:cNvSpPr/>
+            <p:nvPr/>
+          </p:nvSpPr>
+          <p:spPr>
+            <a:xfrm>
+              <a:off x="2651760" y="2662107"/>
+              <a:ext cx="1229360" cy="1564453"/>
+            </a:xfrm>
+            <a:prstGeom prst="rect">
+              <a:avLst/>
+            </a:prstGeom>
+            <a:noFill/>
+            <a:ln w="38100">
+              <a:solidFill>
+                <a:schemeClr val="tx1"/>
+              </a:solidFill>
+            </a:ln>
+          </p:spPr>
+          <p:style>
+            <a:lnRef idx="2">
+              <a:schemeClr val="accent1">
+                <a:shade val="50000"/>
+              </a:schemeClr>
+            </a:lnRef>
+            <a:fillRef idx="1">
+              <a:schemeClr val="accent1"/>
+            </a:fillRef>
+            <a:effectRef idx="0">
+              <a:schemeClr val="accent1"/>
+            </a:effectRef>
+            <a:fontRef idx="minor">
+              <a:schemeClr val="lt1"/>
+            </a:fontRef>
+          </p:style>
+          <p:txBody>
+            <a:bodyPr rtlCol="0" anchor="ctr"/>
+            <a:lstStyle/>
+            <a:p>
+              <a:pPr algn="ctr"/>
+              <a:endParaRPr lang="en-US"/>
+            </a:p>
+          </p:txBody>
+        </p:sp>
+        <p:sp>
+          <p:nvSpPr>
+            <p:cNvPr id="6" name="Rectangle 5"/>
+            <p:cNvSpPr/>
+            <p:nvPr/>
+          </p:nvSpPr>
+          <p:spPr>
+            <a:xfrm>
+              <a:off x="5669281" y="2662106"/>
+              <a:ext cx="473530" cy="1564453"/>
+            </a:xfrm>
+            <a:prstGeom prst="rect">
+              <a:avLst/>
+            </a:prstGeom>
+            <a:noFill/>
+            <a:ln w="38100">
+              <a:solidFill>
+                <a:schemeClr val="tx1"/>
+              </a:solidFill>
+            </a:ln>
+          </p:spPr>
+          <p:style>
+            <a:lnRef idx="2">
+              <a:schemeClr val="accent1">
+                <a:shade val="50000"/>
+              </a:schemeClr>
+            </a:lnRef>
+            <a:fillRef idx="1">
+              <a:schemeClr val="accent1"/>
+            </a:fillRef>
+            <a:effectRef idx="0">
+              <a:schemeClr val="accent1"/>
+            </a:effectRef>
+            <a:fontRef idx="minor">
+              <a:schemeClr val="lt1"/>
+            </a:fontRef>
+          </p:style>
+          <p:txBody>
+            <a:bodyPr rtlCol="0" anchor="ctr"/>
+            <a:lstStyle/>
+            <a:p>
+              <a:pPr algn="ctr"/>
+              <a:endParaRPr lang="en-US"/>
+            </a:p>
+          </p:txBody>
+        </p:sp>
+        <p:sp>
+          <p:nvSpPr>
+            <p:cNvPr id="7" name="Rectangle 6"/>
+            <p:cNvSpPr/>
+            <p:nvPr/>
+          </p:nvSpPr>
+          <p:spPr>
+            <a:xfrm>
+              <a:off x="3200400" y="2326918"/>
+              <a:ext cx="132080" cy="1148080"/>
+            </a:xfrm>
+            <a:prstGeom prst="rect">
+              <a:avLst/>
+            </a:prstGeom>
+            <a:solidFill>
+              <a:schemeClr val="tx1"/>
+            </a:solidFill>
+            <a:ln w="38100">
+              <a:solidFill>
+                <a:schemeClr val="tx1"/>
+              </a:solidFill>
+            </a:ln>
+          </p:spPr>
+          <p:style>
+            <a:lnRef idx="2">
+              <a:schemeClr val="accent1">
+                <a:shade val="50000"/>
+              </a:schemeClr>
+            </a:lnRef>
+            <a:fillRef idx="1">
+              <a:schemeClr val="accent1"/>
+            </a:fillRef>
+            <a:effectRef idx="0">
+              <a:schemeClr val="accent1"/>
+            </a:effectRef>
+            <a:fontRef idx="minor">
+              <a:schemeClr val="lt1"/>
+            </a:fontRef>
+          </p:style>
+          <p:txBody>
+            <a:bodyPr rtlCol="0" anchor="ctr"/>
+            <a:lstStyle/>
+            <a:p>
+              <a:pPr algn="ctr"/>
+              <a:endParaRPr lang="en-US"/>
+            </a:p>
+          </p:txBody>
+        </p:sp>
+        <p:sp>
+          <p:nvSpPr>
+            <p:cNvPr id="8" name="Rectangle 7"/>
+            <p:cNvSpPr/>
+            <p:nvPr/>
+          </p:nvSpPr>
+          <p:spPr>
+            <a:xfrm>
+              <a:off x="5840006" y="2326918"/>
+              <a:ext cx="132080" cy="1148080"/>
+            </a:xfrm>
+            <a:prstGeom prst="rect">
+              <a:avLst/>
+            </a:prstGeom>
+            <a:solidFill>
+              <a:schemeClr val="tx1"/>
+            </a:solidFill>
+            <a:ln w="38100">
+              <a:solidFill>
+                <a:schemeClr val="tx1"/>
+              </a:solidFill>
+            </a:ln>
+          </p:spPr>
+          <p:style>
+            <a:lnRef idx="2">
+              <a:schemeClr val="accent1">
+                <a:shade val="50000"/>
+              </a:schemeClr>
+            </a:lnRef>
+            <a:fillRef idx="1">
+              <a:schemeClr val="accent1"/>
+            </a:fillRef>
+            <a:effectRef idx="0">
+              <a:schemeClr val="accent1"/>
+            </a:effectRef>
+            <a:fontRef idx="minor">
+              <a:schemeClr val="lt1"/>
+            </a:fontRef>
+          </p:style>
+          <p:txBody>
+            <a:bodyPr rtlCol="0" anchor="ctr"/>
+            <a:lstStyle/>
+            <a:p>
+              <a:pPr algn="ctr"/>
+              <a:endParaRPr lang="en-US"/>
+            </a:p>
+          </p:txBody>
+        </p:sp>
+        <p:sp>
+          <p:nvSpPr>
+            <p:cNvPr id="9" name="Rectangle 8"/>
+            <p:cNvSpPr/>
+            <p:nvPr/>
+          </p:nvSpPr>
+          <p:spPr>
+            <a:xfrm>
+              <a:off x="5669281" y="3474998"/>
+              <a:ext cx="455205" cy="152400"/>
+            </a:xfrm>
+            <a:prstGeom prst="rect">
+              <a:avLst/>
+            </a:prstGeom>
+            <a:solidFill>
+              <a:schemeClr val="tx1"/>
+            </a:solidFill>
+            <a:ln w="38100">
+              <a:solidFill>
+                <a:schemeClr val="tx1"/>
+              </a:solidFill>
+            </a:ln>
+          </p:spPr>
+          <p:style>
+            <a:lnRef idx="2">
+              <a:schemeClr val="accent1">
+                <a:shade val="50000"/>
+              </a:schemeClr>
+            </a:lnRef>
+            <a:fillRef idx="1">
+              <a:schemeClr val="accent1"/>
+            </a:fillRef>
+            <a:effectRef idx="0">
+              <a:schemeClr val="accent1"/>
+            </a:effectRef>
+            <a:fontRef idx="minor">
+              <a:schemeClr val="lt1"/>
+            </a:fontRef>
+          </p:style>
+          <p:txBody>
+            <a:bodyPr rtlCol="0" anchor="ctr"/>
+            <a:lstStyle/>
+            <a:p>
+              <a:pPr algn="ctr"/>
+              <a:endParaRPr lang="en-US"/>
+            </a:p>
+          </p:txBody>
+        </p:sp>
+        <p:sp>
+          <p:nvSpPr>
+            <p:cNvPr id="10" name="Rectangle 9"/>
+            <p:cNvSpPr/>
+            <p:nvPr/>
+          </p:nvSpPr>
+          <p:spPr>
+            <a:xfrm>
+              <a:off x="2651761" y="3474998"/>
+              <a:ext cx="1229359" cy="152400"/>
+            </a:xfrm>
+            <a:prstGeom prst="rect">
+              <a:avLst/>
+            </a:prstGeom>
+            <a:solidFill>
+              <a:schemeClr val="tx1"/>
+            </a:solidFill>
+            <a:ln w="38100">
+              <a:solidFill>
+                <a:schemeClr val="tx1"/>
+              </a:solidFill>
+            </a:ln>
+          </p:spPr>
+          <p:style>
+            <a:lnRef idx="2">
+              <a:schemeClr val="accent1">
+                <a:shade val="50000"/>
+              </a:schemeClr>
+            </a:lnRef>
+            <a:fillRef idx="1">
+              <a:schemeClr val="accent1"/>
+            </a:fillRef>
+            <a:effectRef idx="0">
+              <a:schemeClr val="accent1"/>
+            </a:effectRef>
+            <a:fontRef idx="minor">
+              <a:schemeClr val="lt1"/>
+            </a:fontRef>
+          </p:style>
+          <p:txBody>
+            <a:bodyPr rtlCol="0" anchor="ctr"/>
+            <a:lstStyle/>
+            <a:p>
+              <a:pPr algn="ctr"/>
+              <a:endParaRPr lang="en-US"/>
+            </a:p>
+          </p:txBody>
+        </p:sp>
+        <p:sp>
+          <p:nvSpPr>
+            <p:cNvPr id="11" name="Rectangle 10"/>
+            <p:cNvSpPr/>
+            <p:nvPr/>
+          </p:nvSpPr>
+          <p:spPr>
+            <a:xfrm>
+              <a:off x="2651761" y="2133926"/>
+              <a:ext cx="1229359" cy="152400"/>
+            </a:xfrm>
+            <a:prstGeom prst="rect">
+              <a:avLst/>
+            </a:prstGeom>
+            <a:solidFill>
+              <a:schemeClr val="tx1"/>
+            </a:solidFill>
+            <a:ln w="38100">
+              <a:solidFill>
+                <a:schemeClr val="tx1"/>
+              </a:solidFill>
+            </a:ln>
+          </p:spPr>
+          <p:style>
+            <a:lnRef idx="2">
+              <a:schemeClr val="accent1">
+                <a:shade val="50000"/>
+              </a:schemeClr>
+            </a:lnRef>
+            <a:fillRef idx="1">
+              <a:schemeClr val="accent1"/>
+            </a:fillRef>
+            <a:effectRef idx="0">
+              <a:schemeClr val="accent1"/>
+            </a:effectRef>
+            <a:fontRef idx="minor">
+              <a:schemeClr val="lt1"/>
+            </a:fontRef>
+          </p:style>
+          <p:txBody>
+            <a:bodyPr rtlCol="0" anchor="ctr"/>
+            <a:lstStyle/>
+            <a:p>
+              <a:pPr algn="ctr"/>
+              <a:endParaRPr lang="en-US"/>
+            </a:p>
+          </p:txBody>
+        </p:sp>
+        <p:sp>
+          <p:nvSpPr>
+            <p:cNvPr id="13" name="Rectangle 12"/>
+            <p:cNvSpPr/>
+            <p:nvPr/>
+          </p:nvSpPr>
+          <p:spPr>
+            <a:xfrm>
+              <a:off x="5687606" y="2133926"/>
+              <a:ext cx="455205" cy="152400"/>
+            </a:xfrm>
+            <a:prstGeom prst="rect">
+              <a:avLst/>
+            </a:prstGeom>
+            <a:solidFill>
+              <a:schemeClr val="tx1"/>
+            </a:solidFill>
+            <a:ln w="38100">
+              <a:solidFill>
+                <a:schemeClr val="tx1"/>
+              </a:solidFill>
+            </a:ln>
+          </p:spPr>
+          <p:style>
+            <a:lnRef idx="2">
+              <a:schemeClr val="accent1">
+                <a:shade val="50000"/>
+              </a:schemeClr>
+            </a:lnRef>
+            <a:fillRef idx="1">
+              <a:schemeClr val="accent1"/>
+            </a:fillRef>
+            <a:effectRef idx="0">
+              <a:schemeClr val="accent1"/>
+            </a:effectRef>
+            <a:fontRef idx="minor">
+              <a:schemeClr val="lt1"/>
+            </a:fontRef>
+          </p:style>
+          <p:txBody>
+            <a:bodyPr rtlCol="0" anchor="ctr"/>
+            <a:lstStyle/>
+            <a:p>
+              <a:pPr algn="ctr"/>
+              <a:endParaRPr lang="en-US"/>
+            </a:p>
+          </p:txBody>
+        </p:sp>
+        <p:sp>
+          <p:nvSpPr>
+            <p:cNvPr id="14" name="Rectangle 13"/>
+            <p:cNvSpPr/>
+            <p:nvPr/>
+          </p:nvSpPr>
+          <p:spPr>
+            <a:xfrm>
+              <a:off x="2699482" y="1057990"/>
+              <a:ext cx="1158240" cy="1046480"/>
+            </a:xfrm>
+            <a:prstGeom prst="rect">
+              <a:avLst/>
+            </a:prstGeom>
+            <a:solidFill>
+              <a:schemeClr val="bg2">
+                <a:lumMod val="90000"/>
+              </a:schemeClr>
+            </a:solidFill>
+            <a:ln w="38100">
+              <a:solidFill>
+                <a:schemeClr val="tx1"/>
+              </a:solidFill>
+            </a:ln>
+          </p:spPr>
+          <p:style>
+            <a:lnRef idx="2">
+              <a:schemeClr val="accent1">
+                <a:shade val="50000"/>
+              </a:schemeClr>
+            </a:lnRef>
+            <a:fillRef idx="1">
+              <a:schemeClr val="accent1"/>
+            </a:fillRef>
+            <a:effectRef idx="0">
+              <a:schemeClr val="accent1"/>
+            </a:effectRef>
+            <a:fontRef idx="minor">
+              <a:schemeClr val="lt1"/>
+            </a:fontRef>
+          </p:style>
+          <p:txBody>
+            <a:bodyPr rtlCol="0" anchor="ctr"/>
+            <a:lstStyle/>
+            <a:p>
+              <a:pPr algn="ctr"/>
+              <a:endParaRPr lang="en-US"/>
+            </a:p>
+          </p:txBody>
+        </p:sp>
+        <mc:AlternateContent xmlns:mc="http://schemas.openxmlformats.org/markup-compatibility/2006">
+          <mc:Choice xmlns:a14="http://schemas.microsoft.com/office/drawing/2010/main" Requires="a14">
+            <p:sp>
+              <p:nvSpPr>
+                <p:cNvPr id="15" name="TextBox 14"/>
+                <p:cNvSpPr txBox="1"/>
+                <p:nvPr/>
+              </p:nvSpPr>
+              <p:spPr>
+                <a:xfrm>
+                  <a:off x="3131190" y="1442592"/>
+                  <a:ext cx="294824" cy="307777"/>
+                </a:xfrm>
+                <a:prstGeom prst="rect">
+                  <a:avLst/>
+                </a:prstGeom>
+                <a:noFill/>
+              </p:spPr>
+              <p:txBody>
+                <a:bodyPr wrap="none" lIns="0" tIns="0" rIns="0" bIns="0" rtlCol="0">
+                  <a:spAutoFit/>
+                </a:bodyPr>
+                <a:lstStyle/>
+                <a:p>
+                  <a14:m>
+                    <m:oMathPara xmlns:m="http://schemas.openxmlformats.org/officeDocument/2006/math">
+                      <m:oMathParaPr>
+                        <m:jc m:val="centerGroup"/>
+                      </m:oMathParaPr>
+                      <m:oMath xmlns:m="http://schemas.openxmlformats.org/officeDocument/2006/math">
+                        <m:r>
+                          <a:rPr lang="en-US" sz="2000" b="0" i="1" smtClean="0">
+                            <a:latin typeface="Cambria Math" panose="02040503050406030204" pitchFamily="18" charset="0"/>
+                            <a:cs typeface="Arial" panose="020B0604020202020204" pitchFamily="34" charset="0"/>
+                          </a:rPr>
+                          <m:t>𝑀</m:t>
+                        </m:r>
+                      </m:oMath>
+                    </m:oMathPara>
+                  </a14:m>
+                  <a:endParaRPr lang="en-US" sz="2000" dirty="0" smtClean="0">
+                    <a:latin typeface="Arial" panose="020B0604020202020204" pitchFamily="34" charset="0"/>
+                    <a:cs typeface="Arial" panose="020B0604020202020204" pitchFamily="34" charset="0"/>
+                  </a:endParaRPr>
+                </a:p>
+              </p:txBody>
+            </p:sp>
+          </mc:Choice>
+          <mc:Fallback>
+            <p:sp>
+              <p:nvSpPr>
+                <p:cNvPr id="15" name="TextBox 14"/>
+                <p:cNvSpPr txBox="1">
+                  <a:spLocks noRot="1" noChangeAspect="1" noMove="1" noResize="1" noEditPoints="1" noAdjustHandles="1" noChangeArrowheads="1" noChangeShapeType="1" noTextEdit="1"/>
+                </p:cNvSpPr>
+                <p:nvPr/>
+              </p:nvSpPr>
+              <p:spPr>
+                <a:xfrm>
+                  <a:off x="3131190" y="1442592"/>
+                  <a:ext cx="294824" cy="307777"/>
+                </a:xfrm>
+                <a:prstGeom prst="rect">
+                  <a:avLst/>
+                </a:prstGeom>
+                <a:blipFill>
+                  <a:blip r:embed="rId2"/>
+                  <a:stretch>
+                    <a:fillRect l="-16327" r="-16327" b="-10000"/>
+                  </a:stretch>
+                </a:blipFill>
+              </p:spPr>
+              <p:txBody>
+                <a:bodyPr/>
+                <a:lstStyle/>
+                <a:p>
+                  <a:r>
+                    <a:rPr lang="en-US">
+                      <a:noFill/>
+                    </a:rPr>
+                    <a:t> </a:t>
+                  </a:r>
+                </a:p>
+              </p:txBody>
+            </p:sp>
+          </mc:Fallback>
+        </mc:AlternateContent>
+        <p:sp>
+          <p:nvSpPr>
+            <p:cNvPr id="16" name="Rectangle 15"/>
+            <p:cNvSpPr/>
+            <p:nvPr/>
+          </p:nvSpPr>
+          <p:spPr>
+            <a:xfrm>
+              <a:off x="5692685" y="3610567"/>
+              <a:ext cx="426722" cy="1259376"/>
+            </a:xfrm>
+            <a:prstGeom prst="rect">
+              <a:avLst/>
+            </a:prstGeom>
+            <a:solidFill>
+              <a:schemeClr val="accent1">
+                <a:lumMod val="60000"/>
+                <a:lumOff val="40000"/>
+              </a:schemeClr>
+            </a:solidFill>
+            <a:ln w="3175">
+              <a:solidFill>
+                <a:schemeClr val="tx1"/>
+              </a:solidFill>
+            </a:ln>
+          </p:spPr>
+          <p:style>
+            <a:lnRef idx="2">
+              <a:schemeClr val="accent1">
+                <a:shade val="50000"/>
+              </a:schemeClr>
+            </a:lnRef>
+            <a:fillRef idx="1">
+              <a:schemeClr val="accent1"/>
+            </a:fillRef>
+            <a:effectRef idx="0">
+              <a:schemeClr val="accent1"/>
+            </a:effectRef>
+            <a:fontRef idx="minor">
+              <a:schemeClr val="lt1"/>
+            </a:fontRef>
+          </p:style>
+          <p:txBody>
+            <a:bodyPr rtlCol="0" anchor="ctr"/>
+            <a:lstStyle/>
+            <a:p>
+              <a:pPr algn="ctr"/>
+              <a:endParaRPr lang="en-US"/>
+            </a:p>
+          </p:txBody>
+        </p:sp>
+        <p:sp>
+          <p:nvSpPr>
+            <p:cNvPr id="17" name="Rectangle 16"/>
+            <p:cNvSpPr/>
+            <p:nvPr/>
+          </p:nvSpPr>
+          <p:spPr>
+            <a:xfrm>
+              <a:off x="2675279" y="3610568"/>
+              <a:ext cx="1182443" cy="1259376"/>
+            </a:xfrm>
+            <a:prstGeom prst="rect">
+              <a:avLst/>
+            </a:prstGeom>
+            <a:solidFill>
+              <a:schemeClr val="accent1">
+                <a:lumMod val="60000"/>
+                <a:lumOff val="40000"/>
+              </a:schemeClr>
+            </a:solidFill>
+            <a:ln w="3175">
+              <a:solidFill>
+                <a:schemeClr val="tx1"/>
+              </a:solidFill>
+            </a:ln>
+          </p:spPr>
+          <p:style>
+            <a:lnRef idx="2">
+              <a:schemeClr val="accent1">
+                <a:shade val="50000"/>
+              </a:schemeClr>
+            </a:lnRef>
+            <a:fillRef idx="1">
+              <a:schemeClr val="accent1"/>
+            </a:fillRef>
+            <a:effectRef idx="0">
+              <a:schemeClr val="accent1"/>
+            </a:effectRef>
+            <a:fontRef idx="minor">
+              <a:schemeClr val="lt1"/>
+            </a:fontRef>
+          </p:style>
+          <p:txBody>
+            <a:bodyPr rtlCol="0" anchor="ctr"/>
+            <a:lstStyle/>
+            <a:p>
+              <a:pPr algn="ctr"/>
+              <a:endParaRPr lang="en-US"/>
+            </a:p>
+          </p:txBody>
+        </p:sp>
+        <p:sp>
+          <p:nvSpPr>
+            <p:cNvPr id="18" name="Rectangle 17"/>
+            <p:cNvSpPr/>
+            <p:nvPr/>
+          </p:nvSpPr>
+          <p:spPr>
+            <a:xfrm>
+              <a:off x="3264913" y="4226559"/>
+              <a:ext cx="2854494" cy="643384"/>
+            </a:xfrm>
+            <a:prstGeom prst="rect">
+              <a:avLst/>
+            </a:prstGeom>
+            <a:solidFill>
+              <a:schemeClr val="accent1">
+                <a:lumMod val="60000"/>
+                <a:lumOff val="40000"/>
+              </a:schemeClr>
+            </a:solidFill>
+            <a:ln w="3175">
+              <a:noFill/>
+            </a:ln>
+          </p:spPr>
+          <p:style>
+            <a:lnRef idx="2">
+              <a:schemeClr val="accent1">
+                <a:shade val="50000"/>
+              </a:schemeClr>
+            </a:lnRef>
+            <a:fillRef idx="1">
+              <a:schemeClr val="accent1"/>
+            </a:fillRef>
+            <a:effectRef idx="0">
+              <a:schemeClr val="accent1"/>
+            </a:effectRef>
+            <a:fontRef idx="minor">
+              <a:schemeClr val="lt1"/>
+            </a:fontRef>
+          </p:style>
+          <p:txBody>
+            <a:bodyPr rtlCol="0" anchor="ctr"/>
+            <a:lstStyle/>
+            <a:p>
+              <a:pPr algn="ctr"/>
+              <a:endParaRPr lang="en-US"/>
+            </a:p>
+          </p:txBody>
+        </p:sp>
+        <p:cxnSp>
+          <p:nvCxnSpPr>
+            <p:cNvPr id="20" name="Straight Arrow Connector 19"/>
+            <p:cNvCxnSpPr/>
+            <p:nvPr/>
+          </p:nvCxnSpPr>
+          <p:spPr>
+            <a:xfrm>
+              <a:off x="5889400" y="1397466"/>
+              <a:ext cx="0" cy="721360"/>
+            </a:xfrm>
+            <a:prstGeom prst="straightConnector1">
+              <a:avLst/>
+            </a:prstGeom>
+            <a:ln w="38100">
+              <a:solidFill>
+                <a:schemeClr val="tx1"/>
+              </a:solidFill>
+              <a:tailEnd type="triangle"/>
+            </a:ln>
+          </p:spPr>
+          <p:style>
+            <a:lnRef idx="1">
+              <a:schemeClr val="accent1"/>
+            </a:lnRef>
+            <a:fillRef idx="0">
+              <a:schemeClr val="accent1"/>
+            </a:fillRef>
+            <a:effectRef idx="0">
+              <a:schemeClr val="accent1"/>
+            </a:effectRef>
+            <a:fontRef idx="minor">
+              <a:schemeClr val="tx1"/>
+            </a:fontRef>
+          </p:style>
+        </p:cxnSp>
+        <mc:AlternateContent xmlns:mc="http://schemas.openxmlformats.org/markup-compatibility/2006">
+          <mc:Choice xmlns:a14="http://schemas.microsoft.com/office/drawing/2010/main" Requires="a14">
+            <p:sp>
+              <p:nvSpPr>
+                <p:cNvPr id="21" name="TextBox 20"/>
+                <p:cNvSpPr txBox="1"/>
+                <p:nvPr/>
+              </p:nvSpPr>
+              <p:spPr>
+                <a:xfrm>
+                  <a:off x="5994514" y="1468438"/>
+                  <a:ext cx="237629" cy="345159"/>
+                </a:xfrm>
+                <a:prstGeom prst="rect">
+                  <a:avLst/>
+                </a:prstGeom>
+                <a:noFill/>
+              </p:spPr>
+              <p:txBody>
+                <a:bodyPr wrap="none" lIns="0" tIns="0" rIns="0" bIns="0" rtlCol="0">
+                  <a:spAutoFit/>
+                </a:bodyPr>
+                <a:lstStyle/>
+                <a:p>
+                  <a14:m>
+                    <m:oMathPara xmlns:m="http://schemas.openxmlformats.org/officeDocument/2006/math">
+                      <m:oMathParaPr>
+                        <m:jc m:val="centerGroup"/>
+                      </m:oMathParaPr>
+                      <m:oMath xmlns:m="http://schemas.openxmlformats.org/officeDocument/2006/math">
+                        <m:acc>
+                          <m:accPr>
+                            <m:chr m:val="⃗"/>
+                            <m:ctrlPr>
+                              <a:rPr lang="en-US" sz="2000" b="0" i="1" smtClean="0">
+                                <a:latin typeface="Cambria Math" panose="02040503050406030204" pitchFamily="18" charset="0"/>
+                                <a:cs typeface="Arial" panose="020B0604020202020204" pitchFamily="34" charset="0"/>
+                              </a:rPr>
+                            </m:ctrlPr>
+                          </m:accPr>
+                          <m:e>
+                            <m:r>
+                              <a:rPr lang="en-US" sz="2000" b="0" i="1" smtClean="0">
+                                <a:latin typeface="Cambria Math" panose="02040503050406030204" pitchFamily="18" charset="0"/>
+                                <a:cs typeface="Arial" panose="020B0604020202020204" pitchFamily="34" charset="0"/>
+                              </a:rPr>
+                              <m:t>𝐹</m:t>
+                            </m:r>
+                          </m:e>
+                        </m:acc>
+                      </m:oMath>
+                    </m:oMathPara>
+                  </a14:m>
+                  <a:endParaRPr lang="en-US" sz="2000" dirty="0" smtClean="0">
+                    <a:latin typeface="Arial" panose="020B0604020202020204" pitchFamily="34" charset="0"/>
+                    <a:cs typeface="Arial" panose="020B0604020202020204" pitchFamily="34" charset="0"/>
+                  </a:endParaRPr>
+                </a:p>
+              </p:txBody>
+            </p:sp>
+          </mc:Choice>
+          <mc:Fallback>
+            <p:sp>
+              <p:nvSpPr>
+                <p:cNvPr id="21" name="TextBox 20"/>
+                <p:cNvSpPr txBox="1">
+                  <a:spLocks noRot="1" noChangeAspect="1" noMove="1" noResize="1" noEditPoints="1" noAdjustHandles="1" noChangeArrowheads="1" noChangeShapeType="1" noTextEdit="1"/>
+                </p:cNvSpPr>
+                <p:nvPr/>
+              </p:nvSpPr>
+              <p:spPr>
+                <a:xfrm>
+                  <a:off x="5994514" y="1468438"/>
+                  <a:ext cx="237629" cy="345159"/>
+                </a:xfrm>
+                <a:prstGeom prst="rect">
+                  <a:avLst/>
+                </a:prstGeom>
+                <a:blipFill>
+                  <a:blip r:embed="rId3"/>
+                  <a:stretch>
+                    <a:fillRect l="-20513" t="-33333" r="-92308" b="-8772"/>
+                  </a:stretch>
+                </a:blipFill>
+              </p:spPr>
+              <p:txBody>
+                <a:bodyPr/>
+                <a:lstStyle/>
+                <a:p>
+                  <a:r>
+                    <a:rPr lang="en-US">
+                      <a:noFill/>
+                    </a:rPr>
+                    <a:t> </a:t>
+                  </a:r>
+                </a:p>
+              </p:txBody>
+            </p:sp>
+          </mc:Fallback>
+        </mc:AlternateContent>
+        <p:cxnSp>
+          <p:nvCxnSpPr>
+            <p:cNvPr id="23" name="Straight Arrow Connector 22"/>
+            <p:cNvCxnSpPr/>
+            <p:nvPr/>
+          </p:nvCxnSpPr>
+          <p:spPr>
+            <a:xfrm flipV="1">
+              <a:off x="2675279" y="4033589"/>
+              <a:ext cx="1182443" cy="10091"/>
+            </a:xfrm>
+            <a:prstGeom prst="straightConnector1">
+              <a:avLst/>
+            </a:prstGeom>
+            <a:ln w="38100">
+              <a:solidFill>
+                <a:schemeClr val="tx1"/>
+              </a:solidFill>
+              <a:headEnd type="triangle"/>
+              <a:tailEnd type="triangle"/>
+            </a:ln>
+          </p:spPr>
+          <p:style>
+            <a:lnRef idx="1">
+              <a:schemeClr val="accent1"/>
+            </a:lnRef>
+            <a:fillRef idx="0">
+              <a:schemeClr val="accent1"/>
+            </a:fillRef>
+            <a:effectRef idx="0">
+              <a:schemeClr val="accent1"/>
+            </a:effectRef>
+            <a:fontRef idx="minor">
+              <a:schemeClr val="tx1"/>
+            </a:fontRef>
+          </p:style>
+        </p:cxnSp>
+        <p:cxnSp>
+          <p:nvCxnSpPr>
+            <p:cNvPr id="25" name="Straight Arrow Connector 24"/>
+            <p:cNvCxnSpPr/>
+            <p:nvPr/>
+          </p:nvCxnSpPr>
+          <p:spPr>
+            <a:xfrm>
+              <a:off x="5669281" y="4003178"/>
+              <a:ext cx="450126" cy="3490"/>
+            </a:xfrm>
+            <a:prstGeom prst="straightConnector1">
+              <a:avLst/>
+            </a:prstGeom>
+            <a:ln w="38100">
+              <a:solidFill>
+                <a:schemeClr val="tx1"/>
+              </a:solidFill>
+              <a:headEnd type="triangle"/>
+              <a:tailEnd type="triangle"/>
+            </a:ln>
+          </p:spPr>
+          <p:style>
+            <a:lnRef idx="1">
+              <a:schemeClr val="accent1"/>
+            </a:lnRef>
+            <a:fillRef idx="0">
+              <a:schemeClr val="accent1"/>
+            </a:fillRef>
+            <a:effectRef idx="0">
+              <a:schemeClr val="accent1"/>
+            </a:effectRef>
+            <a:fontRef idx="minor">
+              <a:schemeClr val="tx1"/>
+            </a:fontRef>
+          </p:style>
+        </p:cxnSp>
+        <mc:AlternateContent xmlns:mc="http://schemas.openxmlformats.org/markup-compatibility/2006">
+          <mc:Choice xmlns:a14="http://schemas.microsoft.com/office/drawing/2010/main" Requires="a14">
+            <p:sp>
+              <p:nvSpPr>
+                <p:cNvPr id="27" name="TextBox 26"/>
+                <p:cNvSpPr txBox="1"/>
+                <p:nvPr/>
+              </p:nvSpPr>
+              <p:spPr>
+                <a:xfrm>
+                  <a:off x="3114059" y="3684125"/>
+                  <a:ext cx="255968" cy="307777"/>
+                </a:xfrm>
+                <a:prstGeom prst="rect">
+                  <a:avLst/>
+                </a:prstGeom>
+                <a:noFill/>
+              </p:spPr>
+              <p:txBody>
+                <a:bodyPr wrap="none" lIns="0" tIns="0" rIns="0" bIns="0" rtlCol="0">
+                  <a:spAutoFit/>
+                </a:bodyPr>
+                <a:lstStyle/>
+                <a:p>
+                  <a14:m>
+                    <m:oMathPara xmlns:m="http://schemas.openxmlformats.org/officeDocument/2006/math">
+                      <m:oMathParaPr>
+                        <m:jc m:val="centerGroup"/>
+                      </m:oMathParaPr>
+                      <m:oMath xmlns:m="http://schemas.openxmlformats.org/officeDocument/2006/math">
+                        <m:r>
+                          <a:rPr lang="en-US" sz="2000" b="0" i="1" smtClean="0">
+                            <a:latin typeface="Cambria Math" panose="02040503050406030204" pitchFamily="18" charset="0"/>
+                            <a:cs typeface="Arial" panose="020B0604020202020204" pitchFamily="34" charset="0"/>
+                          </a:rPr>
+                          <m:t>𝐷</m:t>
+                        </m:r>
+                      </m:oMath>
+                    </m:oMathPara>
+                  </a14:m>
+                  <a:endParaRPr lang="en-US" sz="2000" dirty="0" smtClean="0">
+                    <a:latin typeface="Arial" panose="020B0604020202020204" pitchFamily="34" charset="0"/>
+                    <a:cs typeface="Arial" panose="020B0604020202020204" pitchFamily="34" charset="0"/>
+                  </a:endParaRPr>
+                </a:p>
+              </p:txBody>
+            </p:sp>
+          </mc:Choice>
+          <mc:Fallback>
+            <p:sp>
+              <p:nvSpPr>
+                <p:cNvPr id="27" name="TextBox 26"/>
+                <p:cNvSpPr txBox="1">
+                  <a:spLocks noRot="1" noChangeAspect="1" noMove="1" noResize="1" noEditPoints="1" noAdjustHandles="1" noChangeArrowheads="1" noChangeShapeType="1" noTextEdit="1"/>
+                </p:cNvSpPr>
+                <p:nvPr/>
+              </p:nvSpPr>
+              <p:spPr>
+                <a:xfrm>
+                  <a:off x="3114059" y="3684125"/>
+                  <a:ext cx="255968" cy="307777"/>
+                </a:xfrm>
+                <a:prstGeom prst="rect">
+                  <a:avLst/>
+                </a:prstGeom>
+                <a:blipFill>
+                  <a:blip r:embed="rId4"/>
+                  <a:stretch>
+                    <a:fillRect l="-21951" r="-19512" b="-10000"/>
+                  </a:stretch>
+                </a:blipFill>
+              </p:spPr>
+              <p:txBody>
+                <a:bodyPr/>
+                <a:lstStyle/>
+                <a:p>
+                  <a:r>
+                    <a:rPr lang="en-US">
+                      <a:noFill/>
+                    </a:rPr>
+                    <a:t> </a:t>
+                  </a:r>
+                </a:p>
+              </p:txBody>
+            </p:sp>
+          </mc:Fallback>
+        </mc:AlternateContent>
+        <mc:AlternateContent xmlns:mc="http://schemas.openxmlformats.org/markup-compatibility/2006">
+          <mc:Choice xmlns:a14="http://schemas.microsoft.com/office/drawing/2010/main" Requires="a14">
+            <p:sp>
+              <p:nvSpPr>
+                <p:cNvPr id="28" name="TextBox 27"/>
+                <p:cNvSpPr txBox="1"/>
+                <p:nvPr/>
+              </p:nvSpPr>
+              <p:spPr>
+                <a:xfrm>
+                  <a:off x="5757314" y="4095350"/>
+                  <a:ext cx="255968" cy="574196"/>
+                </a:xfrm>
+                <a:prstGeom prst="rect">
+                  <a:avLst/>
+                </a:prstGeom>
+                <a:noFill/>
+              </p:spPr>
+              <p:txBody>
+                <a:bodyPr wrap="none" lIns="0" tIns="0" rIns="0" bIns="0" rtlCol="0">
+                  <a:spAutoFit/>
+                </a:bodyPr>
+                <a:lstStyle/>
+                <a:p>
+                  <a14:m>
+                    <m:oMathPara xmlns:m="http://schemas.openxmlformats.org/officeDocument/2006/math">
+                      <m:oMathParaPr>
+                        <m:jc m:val="centerGroup"/>
+                      </m:oMathParaPr>
+                      <m:oMath xmlns:m="http://schemas.openxmlformats.org/officeDocument/2006/math">
+                        <m:f>
+                          <m:fPr>
+                            <m:ctrlPr>
+                              <a:rPr lang="en-US" sz="2000" b="0" i="1" smtClean="0">
+                                <a:latin typeface="Cambria Math" panose="02040503050406030204" pitchFamily="18" charset="0"/>
+                                <a:cs typeface="Arial" panose="020B0604020202020204" pitchFamily="34" charset="0"/>
+                              </a:rPr>
+                            </m:ctrlPr>
+                          </m:fPr>
+                          <m:num>
+                            <m:r>
+                              <a:rPr lang="en-US" sz="2000" b="0" i="1" smtClean="0">
+                                <a:latin typeface="Cambria Math" panose="02040503050406030204" pitchFamily="18" charset="0"/>
+                                <a:cs typeface="Arial" panose="020B0604020202020204" pitchFamily="34" charset="0"/>
+                              </a:rPr>
+                              <m:t>𝐷</m:t>
+                            </m:r>
+                          </m:num>
+                          <m:den>
+                            <m:r>
+                              <a:rPr lang="en-US" sz="2000" b="0" i="1" smtClean="0">
+                                <a:latin typeface="Cambria Math" panose="02040503050406030204" pitchFamily="18" charset="0"/>
+                                <a:cs typeface="Arial" panose="020B0604020202020204" pitchFamily="34" charset="0"/>
+                              </a:rPr>
+                              <m:t>2</m:t>
+                            </m:r>
+                          </m:den>
+                        </m:f>
+                      </m:oMath>
+                    </m:oMathPara>
+                  </a14:m>
+                  <a:endParaRPr lang="en-US" sz="2000" dirty="0" smtClean="0">
+                    <a:latin typeface="Arial" panose="020B0604020202020204" pitchFamily="34" charset="0"/>
+                    <a:cs typeface="Arial" panose="020B0604020202020204" pitchFamily="34" charset="0"/>
+                  </a:endParaRPr>
+                </a:p>
+              </p:txBody>
+            </p:sp>
+          </mc:Choice>
+          <mc:Fallback>
+            <p:sp>
+              <p:nvSpPr>
+                <p:cNvPr id="28" name="TextBox 27"/>
+                <p:cNvSpPr txBox="1">
+                  <a:spLocks noRot="1" noChangeAspect="1" noMove="1" noResize="1" noEditPoints="1" noAdjustHandles="1" noChangeArrowheads="1" noChangeShapeType="1" noTextEdit="1"/>
+                </p:cNvSpPr>
+                <p:nvPr/>
+              </p:nvSpPr>
+              <p:spPr>
+                <a:xfrm>
+                  <a:off x="5757314" y="4095350"/>
+                  <a:ext cx="255968" cy="574196"/>
+                </a:xfrm>
+                <a:prstGeom prst="rect">
+                  <a:avLst/>
+                </a:prstGeom>
+                <a:blipFill>
+                  <a:blip r:embed="rId5"/>
+                  <a:stretch>
+                    <a:fillRect/>
+                  </a:stretch>
+                </a:blipFill>
+              </p:spPr>
+              <p:txBody>
+                <a:bodyPr/>
+                <a:lstStyle/>
+                <a:p>
+                  <a:r>
+                    <a:rPr lang="en-US">
+                      <a:noFill/>
+                    </a:rPr>
+                    <a:t> </a:t>
+                  </a:r>
+                </a:p>
+              </p:txBody>
+            </p:sp>
+          </mc:Fallback>
+        </mc:AlternateContent>
+      </p:grpSp>
+    </p:spTree>
+    <p:extLst>
+      <p:ext uri="{BB962C8B-B14F-4D97-AF65-F5344CB8AC3E}">
+        <p14:creationId xmlns:p14="http://schemas.microsoft.com/office/powerpoint/2010/main" val="2391131787"/>
+      </p:ext>
+    </p:extLst>
+  </p:cSld>
+  <p:clrMapOvr>
+    <a:masterClrMapping/>
+  </p:clrMapOvr>
+</p:sld>
+</file>
+
 <file path=ppt/theme/theme1.xml><?xml version="1.0" encoding="utf-8"?>
 <a:theme xmlns:a="http://schemas.openxmlformats.org/drawingml/2006/main" name="Office Theme">
   <a:themeElements>

--- a/tex/figures/FluidMechanics/Figures.pptx
+++ b/tex/figures/FluidMechanics/Figures.pptx
@@ -13,6 +13,9 @@
     <p:sldId id="276" r:id="rId7"/>
     <p:sldId id="277" r:id="rId8"/>
     <p:sldId id="278" r:id="rId9"/>
+    <p:sldId id="279" r:id="rId10"/>
+    <p:sldId id="280" r:id="rId11"/>
+    <p:sldId id="281" r:id="rId12"/>
   </p:sldIdLst>
   <p:sldSz cx="12192000" cy="6858000"/>
   <p:notesSz cx="6858000" cy="9144000"/>
@@ -250,7 +253,7 @@
           <a:p>
             <a:fld id="{F7249F8D-641B-4CAF-BAE5-10524742F6F1}" type="datetimeFigureOut">
               <a:rPr lang="en-CA" smtClean="0"/>
-              <a:t>2018-07-20</a:t>
+              <a:t>2018-07-23</a:t>
             </a:fld>
             <a:endParaRPr lang="en-CA"/>
           </a:p>
@@ -420,7 +423,7 @@
           <a:p>
             <a:fld id="{F7249F8D-641B-4CAF-BAE5-10524742F6F1}" type="datetimeFigureOut">
               <a:rPr lang="en-CA" smtClean="0"/>
-              <a:t>2018-07-20</a:t>
+              <a:t>2018-07-23</a:t>
             </a:fld>
             <a:endParaRPr lang="en-CA"/>
           </a:p>
@@ -600,7 +603,7 @@
           <a:p>
             <a:fld id="{F7249F8D-641B-4CAF-BAE5-10524742F6F1}" type="datetimeFigureOut">
               <a:rPr lang="en-CA" smtClean="0"/>
-              <a:t>2018-07-20</a:t>
+              <a:t>2018-07-23</a:t>
             </a:fld>
             <a:endParaRPr lang="en-CA"/>
           </a:p>
@@ -770,7 +773,7 @@
           <a:p>
             <a:fld id="{F7249F8D-641B-4CAF-BAE5-10524742F6F1}" type="datetimeFigureOut">
               <a:rPr lang="en-CA" smtClean="0"/>
-              <a:t>2018-07-20</a:t>
+              <a:t>2018-07-23</a:t>
             </a:fld>
             <a:endParaRPr lang="en-CA"/>
           </a:p>
@@ -1016,7 +1019,7 @@
           <a:p>
             <a:fld id="{F7249F8D-641B-4CAF-BAE5-10524742F6F1}" type="datetimeFigureOut">
               <a:rPr lang="en-CA" smtClean="0"/>
-              <a:t>2018-07-20</a:t>
+              <a:t>2018-07-23</a:t>
             </a:fld>
             <a:endParaRPr lang="en-CA"/>
           </a:p>
@@ -1248,7 +1251,7 @@
           <a:p>
             <a:fld id="{F7249F8D-641B-4CAF-BAE5-10524742F6F1}" type="datetimeFigureOut">
               <a:rPr lang="en-CA" smtClean="0"/>
-              <a:t>2018-07-20</a:t>
+              <a:t>2018-07-23</a:t>
             </a:fld>
             <a:endParaRPr lang="en-CA"/>
           </a:p>
@@ -1615,7 +1618,7 @@
           <a:p>
             <a:fld id="{F7249F8D-641B-4CAF-BAE5-10524742F6F1}" type="datetimeFigureOut">
               <a:rPr lang="en-CA" smtClean="0"/>
-              <a:t>2018-07-20</a:t>
+              <a:t>2018-07-23</a:t>
             </a:fld>
             <a:endParaRPr lang="en-CA"/>
           </a:p>
@@ -1733,7 +1736,7 @@
           <a:p>
             <a:fld id="{F7249F8D-641B-4CAF-BAE5-10524742F6F1}" type="datetimeFigureOut">
               <a:rPr lang="en-CA" smtClean="0"/>
-              <a:t>2018-07-20</a:t>
+              <a:t>2018-07-23</a:t>
             </a:fld>
             <a:endParaRPr lang="en-CA"/>
           </a:p>
@@ -1828,7 +1831,7 @@
           <a:p>
             <a:fld id="{F7249F8D-641B-4CAF-BAE5-10524742F6F1}" type="datetimeFigureOut">
               <a:rPr lang="en-CA" smtClean="0"/>
-              <a:t>2018-07-20</a:t>
+              <a:t>2018-07-23</a:t>
             </a:fld>
             <a:endParaRPr lang="en-CA"/>
           </a:p>
@@ -2105,7 +2108,7 @@
           <a:p>
             <a:fld id="{F7249F8D-641B-4CAF-BAE5-10524742F6F1}" type="datetimeFigureOut">
               <a:rPr lang="en-CA" smtClean="0"/>
-              <a:t>2018-07-20</a:t>
+              <a:t>2018-07-23</a:t>
             </a:fld>
             <a:endParaRPr lang="en-CA"/>
           </a:p>
@@ -2358,7 +2361,7 @@
           <a:p>
             <a:fld id="{F7249F8D-641B-4CAF-BAE5-10524742F6F1}" type="datetimeFigureOut">
               <a:rPr lang="en-CA" smtClean="0"/>
-              <a:t>2018-07-20</a:t>
+              <a:t>2018-07-23</a:t>
             </a:fld>
             <a:endParaRPr lang="en-CA"/>
           </a:p>
@@ -2571,7 +2574,7 @@
           <a:p>
             <a:fld id="{F7249F8D-641B-4CAF-BAE5-10524742F6F1}" type="datetimeFigureOut">
               <a:rPr lang="en-CA" smtClean="0"/>
-              <a:t>2018-07-20</a:t>
+              <a:t>2018-07-23</a:t>
             </a:fld>
             <a:endParaRPr lang="en-CA"/>
           </a:p>
@@ -5309,6 +5312,3233 @@
 </p:sld>
 </file>
 
+<file path=ppt/slides/slide10.xml><?xml version="1.0" encoding="utf-8"?>
+<p:sld xmlns:a="http://schemas.openxmlformats.org/drawingml/2006/main" xmlns:r="http://schemas.openxmlformats.org/officeDocument/2006/relationships" xmlns:p="http://schemas.openxmlformats.org/presentationml/2006/main">
+  <p:cSld>
+    <p:spTree>
+      <p:nvGrpSpPr>
+        <p:cNvPr id="1" name=""/>
+        <p:cNvGrpSpPr/>
+        <p:nvPr/>
+      </p:nvGrpSpPr>
+      <p:grpSpPr>
+        <a:xfrm>
+          <a:off x="0" y="0"/>
+          <a:ext cx="0" cy="0"/>
+          <a:chOff x="0" y="0"/>
+          <a:chExt cx="0" cy="0"/>
+        </a:xfrm>
+      </p:grpSpPr>
+      <p:grpSp>
+        <p:nvGrpSpPr>
+          <p:cNvPr id="24" name="Group 23"/>
+          <p:cNvGrpSpPr/>
+          <p:nvPr/>
+        </p:nvGrpSpPr>
+        <p:grpSpPr>
+          <a:xfrm>
+            <a:off x="263046" y="801665"/>
+            <a:ext cx="4334005" cy="2755727"/>
+            <a:chOff x="1791222" y="1139868"/>
+            <a:chExt cx="4334005" cy="2755727"/>
+          </a:xfrm>
+        </p:grpSpPr>
+        <p:grpSp>
+          <p:nvGrpSpPr>
+            <p:cNvPr id="21" name="Group 20"/>
+            <p:cNvGrpSpPr/>
+            <p:nvPr/>
+          </p:nvGrpSpPr>
+          <p:grpSpPr>
+            <a:xfrm>
+              <a:off x="1791222" y="1139868"/>
+              <a:ext cx="4334005" cy="2755727"/>
+              <a:chOff x="1791222" y="1139868"/>
+              <a:chExt cx="4334005" cy="2755727"/>
+            </a:xfrm>
+          </p:grpSpPr>
+          <p:sp>
+            <p:nvSpPr>
+              <p:cNvPr id="4" name="Rectangle 3"/>
+              <p:cNvSpPr/>
+              <p:nvPr/>
+            </p:nvSpPr>
+            <p:spPr>
+              <a:xfrm>
+                <a:off x="1803748" y="1590805"/>
+                <a:ext cx="4308953" cy="1853853"/>
+              </a:xfrm>
+              <a:prstGeom prst="rect">
+                <a:avLst/>
+              </a:prstGeom>
+              <a:solidFill>
+                <a:schemeClr val="accent1">
+                  <a:lumMod val="40000"/>
+                  <a:lumOff val="60000"/>
+                </a:schemeClr>
+              </a:solidFill>
+              <a:ln w="38100">
+                <a:noFill/>
+              </a:ln>
+            </p:spPr>
+            <p:style>
+              <a:lnRef idx="2">
+                <a:schemeClr val="accent1">
+                  <a:shade val="50000"/>
+                </a:schemeClr>
+              </a:lnRef>
+              <a:fillRef idx="1">
+                <a:schemeClr val="accent1"/>
+              </a:fillRef>
+              <a:effectRef idx="0">
+                <a:schemeClr val="accent1"/>
+              </a:effectRef>
+              <a:fontRef idx="minor">
+                <a:schemeClr val="lt1"/>
+              </a:fontRef>
+            </p:style>
+            <p:txBody>
+              <a:bodyPr rtlCol="0" anchor="ctr"/>
+              <a:lstStyle/>
+              <a:p>
+                <a:pPr algn="ctr"/>
+                <a:endParaRPr lang="en-US"/>
+              </a:p>
+            </p:txBody>
+          </p:sp>
+          <p:sp>
+            <p:nvSpPr>
+              <p:cNvPr id="5" name="Rectangle 4"/>
+              <p:cNvSpPr/>
+              <p:nvPr/>
+            </p:nvSpPr>
+            <p:spPr>
+              <a:xfrm>
+                <a:off x="1791222" y="1139868"/>
+                <a:ext cx="4321479" cy="450937"/>
+              </a:xfrm>
+              <a:prstGeom prst="rect">
+                <a:avLst/>
+              </a:prstGeom>
+              <a:solidFill>
+                <a:schemeClr val="accent4">
+                  <a:lumMod val="75000"/>
+                </a:schemeClr>
+              </a:solidFill>
+              <a:ln w="38100">
+                <a:solidFill>
+                  <a:schemeClr val="accent4">
+                    <a:lumMod val="75000"/>
+                  </a:schemeClr>
+                </a:solidFill>
+              </a:ln>
+            </p:spPr>
+            <p:style>
+              <a:lnRef idx="2">
+                <a:schemeClr val="accent1">
+                  <a:shade val="50000"/>
+                </a:schemeClr>
+              </a:lnRef>
+              <a:fillRef idx="1">
+                <a:schemeClr val="accent1"/>
+              </a:fillRef>
+              <a:effectRef idx="0">
+                <a:schemeClr val="accent1"/>
+              </a:effectRef>
+              <a:fontRef idx="minor">
+                <a:schemeClr val="lt1"/>
+              </a:fontRef>
+            </p:style>
+            <p:txBody>
+              <a:bodyPr rtlCol="0" anchor="ctr"/>
+              <a:lstStyle/>
+              <a:p>
+                <a:pPr algn="ctr"/>
+                <a:endParaRPr lang="en-US"/>
+              </a:p>
+            </p:txBody>
+          </p:sp>
+          <p:sp>
+            <p:nvSpPr>
+              <p:cNvPr id="6" name="Rectangle 5"/>
+              <p:cNvSpPr/>
+              <p:nvPr/>
+            </p:nvSpPr>
+            <p:spPr>
+              <a:xfrm>
+                <a:off x="1803748" y="3444658"/>
+                <a:ext cx="4321479" cy="450937"/>
+              </a:xfrm>
+              <a:prstGeom prst="rect">
+                <a:avLst/>
+              </a:prstGeom>
+              <a:solidFill>
+                <a:schemeClr val="accent4">
+                  <a:lumMod val="75000"/>
+                </a:schemeClr>
+              </a:solidFill>
+              <a:ln w="38100">
+                <a:solidFill>
+                  <a:schemeClr val="accent4">
+                    <a:lumMod val="75000"/>
+                  </a:schemeClr>
+                </a:solidFill>
+              </a:ln>
+            </p:spPr>
+            <p:style>
+              <a:lnRef idx="2">
+                <a:schemeClr val="accent1">
+                  <a:shade val="50000"/>
+                </a:schemeClr>
+              </a:lnRef>
+              <a:fillRef idx="1">
+                <a:schemeClr val="accent1"/>
+              </a:fillRef>
+              <a:effectRef idx="0">
+                <a:schemeClr val="accent1"/>
+              </a:effectRef>
+              <a:fontRef idx="minor">
+                <a:schemeClr val="lt1"/>
+              </a:fontRef>
+            </p:style>
+            <p:txBody>
+              <a:bodyPr rtlCol="0" anchor="ctr"/>
+              <a:lstStyle/>
+              <a:p>
+                <a:pPr algn="ctr"/>
+                <a:endParaRPr lang="en-US"/>
+              </a:p>
+            </p:txBody>
+          </p:sp>
+          <p:cxnSp>
+            <p:nvCxnSpPr>
+              <p:cNvPr id="8" name="Straight Arrow Connector 7"/>
+              <p:cNvCxnSpPr/>
+              <p:nvPr/>
+            </p:nvCxnSpPr>
+            <p:spPr>
+              <a:xfrm>
+                <a:off x="3356975" y="2517731"/>
+                <a:ext cx="1453019" cy="0"/>
+              </a:xfrm>
+              <a:prstGeom prst="straightConnector1">
+                <a:avLst/>
+              </a:prstGeom>
+              <a:ln w="38100">
+                <a:solidFill>
+                  <a:schemeClr val="tx1"/>
+                </a:solidFill>
+                <a:tailEnd type="triangle"/>
+              </a:ln>
+            </p:spPr>
+            <p:style>
+              <a:lnRef idx="1">
+                <a:schemeClr val="accent1"/>
+              </a:lnRef>
+              <a:fillRef idx="0">
+                <a:schemeClr val="accent1"/>
+              </a:fillRef>
+              <a:effectRef idx="0">
+                <a:schemeClr val="accent1"/>
+              </a:effectRef>
+              <a:fontRef idx="minor">
+                <a:schemeClr val="tx1"/>
+              </a:fontRef>
+            </p:style>
+          </p:cxnSp>
+          <p:cxnSp>
+            <p:nvCxnSpPr>
+              <p:cNvPr id="9" name="Straight Arrow Connector 8"/>
+              <p:cNvCxnSpPr/>
+              <p:nvPr/>
+            </p:nvCxnSpPr>
+            <p:spPr>
+              <a:xfrm flipV="1">
+                <a:off x="3356975" y="2250511"/>
+                <a:ext cx="964504" cy="2087"/>
+              </a:xfrm>
+              <a:prstGeom prst="straightConnector1">
+                <a:avLst/>
+              </a:prstGeom>
+              <a:ln w="38100">
+                <a:solidFill>
+                  <a:schemeClr val="tx1"/>
+                </a:solidFill>
+                <a:tailEnd type="triangle"/>
+              </a:ln>
+            </p:spPr>
+            <p:style>
+              <a:lnRef idx="1">
+                <a:schemeClr val="accent1"/>
+              </a:lnRef>
+              <a:fillRef idx="0">
+                <a:schemeClr val="accent1"/>
+              </a:fillRef>
+              <a:effectRef idx="0">
+                <a:schemeClr val="accent1"/>
+              </a:effectRef>
+              <a:fontRef idx="minor">
+                <a:schemeClr val="tx1"/>
+              </a:fontRef>
+            </p:style>
+          </p:cxnSp>
+          <p:cxnSp>
+            <p:nvCxnSpPr>
+              <p:cNvPr id="11" name="Straight Arrow Connector 10"/>
+              <p:cNvCxnSpPr/>
+              <p:nvPr/>
+            </p:nvCxnSpPr>
+            <p:spPr>
+              <a:xfrm>
+                <a:off x="3366368" y="2015650"/>
+                <a:ext cx="482252" cy="6262"/>
+              </a:xfrm>
+              <a:prstGeom prst="straightConnector1">
+                <a:avLst/>
+              </a:prstGeom>
+              <a:ln w="38100">
+                <a:solidFill>
+                  <a:schemeClr val="tx1"/>
+                </a:solidFill>
+                <a:tailEnd type="triangle"/>
+              </a:ln>
+            </p:spPr>
+            <p:style>
+              <a:lnRef idx="1">
+                <a:schemeClr val="accent1"/>
+              </a:lnRef>
+              <a:fillRef idx="0">
+                <a:schemeClr val="accent1"/>
+              </a:fillRef>
+              <a:effectRef idx="0">
+                <a:schemeClr val="accent1"/>
+              </a:effectRef>
+              <a:fontRef idx="minor">
+                <a:schemeClr val="tx1"/>
+              </a:fontRef>
+            </p:style>
+          </p:cxnSp>
+          <p:cxnSp>
+            <p:nvCxnSpPr>
+              <p:cNvPr id="13" name="Straight Arrow Connector 12"/>
+              <p:cNvCxnSpPr/>
+              <p:nvPr/>
+            </p:nvCxnSpPr>
+            <p:spPr>
+              <a:xfrm>
+                <a:off x="3366368" y="1777655"/>
+                <a:ext cx="241126" cy="6262"/>
+              </a:xfrm>
+              <a:prstGeom prst="straightConnector1">
+                <a:avLst/>
+              </a:prstGeom>
+              <a:ln w="38100">
+                <a:solidFill>
+                  <a:schemeClr val="tx1"/>
+                </a:solidFill>
+                <a:tailEnd type="triangle"/>
+              </a:ln>
+            </p:spPr>
+            <p:style>
+              <a:lnRef idx="1">
+                <a:schemeClr val="accent1"/>
+              </a:lnRef>
+              <a:fillRef idx="0">
+                <a:schemeClr val="accent1"/>
+              </a:fillRef>
+              <a:effectRef idx="0">
+                <a:schemeClr val="accent1"/>
+              </a:effectRef>
+              <a:fontRef idx="minor">
+                <a:schemeClr val="tx1"/>
+              </a:fontRef>
+            </p:style>
+          </p:cxnSp>
+          <p:cxnSp>
+            <p:nvCxnSpPr>
+              <p:cNvPr id="15" name="Straight Arrow Connector 14"/>
+              <p:cNvCxnSpPr/>
+              <p:nvPr/>
+            </p:nvCxnSpPr>
+            <p:spPr>
+              <a:xfrm flipV="1">
+                <a:off x="3356975" y="2780778"/>
+                <a:ext cx="964504" cy="2087"/>
+              </a:xfrm>
+              <a:prstGeom prst="straightConnector1">
+                <a:avLst/>
+              </a:prstGeom>
+              <a:ln w="38100">
+                <a:solidFill>
+                  <a:schemeClr val="tx1"/>
+                </a:solidFill>
+                <a:tailEnd type="triangle"/>
+              </a:ln>
+            </p:spPr>
+            <p:style>
+              <a:lnRef idx="1">
+                <a:schemeClr val="accent1"/>
+              </a:lnRef>
+              <a:fillRef idx="0">
+                <a:schemeClr val="accent1"/>
+              </a:fillRef>
+              <a:effectRef idx="0">
+                <a:schemeClr val="accent1"/>
+              </a:effectRef>
+              <a:fontRef idx="minor">
+                <a:schemeClr val="tx1"/>
+              </a:fontRef>
+            </p:style>
+          </p:cxnSp>
+          <p:cxnSp>
+            <p:nvCxnSpPr>
+              <p:cNvPr id="16" name="Straight Arrow Connector 15"/>
+              <p:cNvCxnSpPr/>
+              <p:nvPr/>
+            </p:nvCxnSpPr>
+            <p:spPr>
+              <a:xfrm>
+                <a:off x="3366368" y="3047999"/>
+                <a:ext cx="482252" cy="6262"/>
+              </a:xfrm>
+              <a:prstGeom prst="straightConnector1">
+                <a:avLst/>
+              </a:prstGeom>
+              <a:ln w="38100">
+                <a:solidFill>
+                  <a:schemeClr val="tx1"/>
+                </a:solidFill>
+                <a:tailEnd type="triangle"/>
+              </a:ln>
+            </p:spPr>
+            <p:style>
+              <a:lnRef idx="1">
+                <a:schemeClr val="accent1"/>
+              </a:lnRef>
+              <a:fillRef idx="0">
+                <a:schemeClr val="accent1"/>
+              </a:fillRef>
+              <a:effectRef idx="0">
+                <a:schemeClr val="accent1"/>
+              </a:effectRef>
+              <a:fontRef idx="minor">
+                <a:schemeClr val="tx1"/>
+              </a:fontRef>
+            </p:style>
+          </p:cxnSp>
+          <p:cxnSp>
+            <p:nvCxnSpPr>
+              <p:cNvPr id="17" name="Straight Arrow Connector 16"/>
+              <p:cNvCxnSpPr/>
+              <p:nvPr/>
+            </p:nvCxnSpPr>
+            <p:spPr>
+              <a:xfrm>
+                <a:off x="3366368" y="3246328"/>
+                <a:ext cx="241126" cy="6262"/>
+              </a:xfrm>
+              <a:prstGeom prst="straightConnector1">
+                <a:avLst/>
+              </a:prstGeom>
+              <a:ln w="38100">
+                <a:solidFill>
+                  <a:schemeClr val="tx1"/>
+                </a:solidFill>
+                <a:tailEnd type="triangle"/>
+              </a:ln>
+            </p:spPr>
+            <p:style>
+              <a:lnRef idx="1">
+                <a:schemeClr val="accent1"/>
+              </a:lnRef>
+              <a:fillRef idx="0">
+                <a:schemeClr val="accent1"/>
+              </a:fillRef>
+              <a:effectRef idx="0">
+                <a:schemeClr val="accent1"/>
+              </a:effectRef>
+              <a:fontRef idx="minor">
+                <a:schemeClr val="tx1"/>
+              </a:fontRef>
+            </p:style>
+          </p:cxnSp>
+          <mc:AlternateContent xmlns:mc="http://schemas.openxmlformats.org/markup-compatibility/2006">
+            <mc:Choice xmlns:a14="http://schemas.microsoft.com/office/drawing/2010/main" Requires="a14">
+              <p:sp>
+                <p:nvSpPr>
+                  <p:cNvPr id="18" name="TextBox 17"/>
+                  <p:cNvSpPr txBox="1"/>
+                  <p:nvPr/>
+                </p:nvSpPr>
+                <p:spPr>
+                  <a:xfrm>
+                    <a:off x="5135105" y="2363842"/>
+                    <a:ext cx="217495" cy="307777"/>
+                  </a:xfrm>
+                  <a:prstGeom prst="rect">
+                    <a:avLst/>
+                  </a:prstGeom>
+                  <a:noFill/>
+                </p:spPr>
+                <p:txBody>
+                  <a:bodyPr wrap="none" lIns="0" tIns="0" rIns="0" bIns="0" rtlCol="0">
+                    <a:spAutoFit/>
+                  </a:bodyPr>
+                  <a:lstStyle/>
+                  <a:p>
+                    <a14:m>
+                      <m:oMathPara xmlns:m="http://schemas.openxmlformats.org/officeDocument/2006/math">
+                        <m:oMathParaPr>
+                          <m:jc m:val="centerGroup"/>
+                        </m:oMathParaPr>
+                        <m:oMath xmlns:m="http://schemas.openxmlformats.org/officeDocument/2006/math">
+                          <m:r>
+                            <a:rPr lang="en-US" sz="2000" b="0" i="1" smtClean="0">
+                              <a:latin typeface="Cambria Math" panose="02040503050406030204" pitchFamily="18" charset="0"/>
+                              <a:cs typeface="Arial" panose="020B0604020202020204" pitchFamily="34" charset="0"/>
+                            </a:rPr>
+                            <m:t>𝑣</m:t>
+                          </m:r>
+                        </m:oMath>
+                      </m:oMathPara>
+                    </a14:m>
+                    <a:endParaRPr lang="en-US" sz="2000" dirty="0" smtClean="0">
+                      <a:latin typeface="Arial" panose="020B0604020202020204" pitchFamily="34" charset="0"/>
+                      <a:cs typeface="Arial" panose="020B0604020202020204" pitchFamily="34" charset="0"/>
+                    </a:endParaRPr>
+                  </a:p>
+                </p:txBody>
+              </p:sp>
+            </mc:Choice>
+            <mc:Fallback>
+              <p:sp>
+                <p:nvSpPr>
+                  <p:cNvPr id="18" name="TextBox 17"/>
+                  <p:cNvSpPr txBox="1">
+                    <a:spLocks noRot="1" noChangeAspect="1" noMove="1" noResize="1" noEditPoints="1" noAdjustHandles="1" noChangeArrowheads="1" noChangeShapeType="1" noTextEdit="1"/>
+                  </p:cNvSpPr>
+                  <p:nvPr/>
+                </p:nvSpPr>
+                <p:spPr>
+                  <a:xfrm>
+                    <a:off x="5135105" y="2363842"/>
+                    <a:ext cx="217495" cy="307777"/>
+                  </a:xfrm>
+                  <a:prstGeom prst="rect">
+                    <a:avLst/>
+                  </a:prstGeom>
+                  <a:blipFill>
+                    <a:blip r:embed="rId2"/>
+                    <a:stretch>
+                      <a:fillRect l="-14286" r="-11429" b="-1961"/>
+                    </a:stretch>
+                  </a:blipFill>
+                </p:spPr>
+                <p:txBody>
+                  <a:bodyPr/>
+                  <a:lstStyle/>
+                  <a:p>
+                    <a:r>
+                      <a:rPr lang="en-US">
+                        <a:noFill/>
+                      </a:rPr>
+                      <a:t> </a:t>
+                    </a:r>
+                  </a:p>
+                </p:txBody>
+              </p:sp>
+            </mc:Fallback>
+          </mc:AlternateContent>
+          <mc:AlternateContent xmlns:mc="http://schemas.openxmlformats.org/markup-compatibility/2006">
+            <mc:Choice xmlns:a14="http://schemas.microsoft.com/office/drawing/2010/main" Requires="a14">
+              <p:sp>
+                <p:nvSpPr>
+                  <p:cNvPr id="19" name="TextBox 18"/>
+                  <p:cNvSpPr txBox="1"/>
+                  <p:nvPr/>
+                </p:nvSpPr>
+                <p:spPr>
+                  <a:xfrm>
+                    <a:off x="3607494" y="1206832"/>
+                    <a:ext cx="647100" cy="307777"/>
+                  </a:xfrm>
+                  <a:prstGeom prst="rect">
+                    <a:avLst/>
+                  </a:prstGeom>
+                  <a:noFill/>
+                </p:spPr>
+                <p:txBody>
+                  <a:bodyPr wrap="none" lIns="0" tIns="0" rIns="0" bIns="0" rtlCol="0">
+                    <a:spAutoFit/>
+                  </a:bodyPr>
+                  <a:lstStyle/>
+                  <a:p>
+                    <a14:m>
+                      <m:oMathPara xmlns:m="http://schemas.openxmlformats.org/officeDocument/2006/math">
+                        <m:oMathParaPr>
+                          <m:jc m:val="centerGroup"/>
+                        </m:oMathParaPr>
+                        <m:oMath xmlns:m="http://schemas.openxmlformats.org/officeDocument/2006/math">
+                          <m:r>
+                            <a:rPr lang="en-US" sz="2000" b="0" i="1" smtClean="0">
+                              <a:latin typeface="Cambria Math" panose="02040503050406030204" pitchFamily="18" charset="0"/>
+                              <a:cs typeface="Arial" panose="020B0604020202020204" pitchFamily="34" charset="0"/>
+                            </a:rPr>
+                            <m:t>𝑏𝑎𝑛𝑘</m:t>
+                          </m:r>
+                        </m:oMath>
+                      </m:oMathPara>
+                    </a14:m>
+                    <a:endParaRPr lang="en-US" sz="2000" dirty="0" smtClean="0">
+                      <a:latin typeface="Arial" panose="020B0604020202020204" pitchFamily="34" charset="0"/>
+                      <a:cs typeface="Arial" panose="020B0604020202020204" pitchFamily="34" charset="0"/>
+                    </a:endParaRPr>
+                  </a:p>
+                </p:txBody>
+              </p:sp>
+            </mc:Choice>
+            <mc:Fallback>
+              <p:sp>
+                <p:nvSpPr>
+                  <p:cNvPr id="19" name="TextBox 18"/>
+                  <p:cNvSpPr txBox="1">
+                    <a:spLocks noRot="1" noChangeAspect="1" noMove="1" noResize="1" noEditPoints="1" noAdjustHandles="1" noChangeArrowheads="1" noChangeShapeType="1" noTextEdit="1"/>
+                  </p:cNvSpPr>
+                  <p:nvPr/>
+                </p:nvSpPr>
+                <p:spPr>
+                  <a:xfrm>
+                    <a:off x="3607494" y="1206832"/>
+                    <a:ext cx="647100" cy="307777"/>
+                  </a:xfrm>
+                  <a:prstGeom prst="rect">
+                    <a:avLst/>
+                  </a:prstGeom>
+                  <a:blipFill>
+                    <a:blip r:embed="rId3"/>
+                    <a:stretch>
+                      <a:fillRect l="-8491" r="-7547" b="-9804"/>
+                    </a:stretch>
+                  </a:blipFill>
+                </p:spPr>
+                <p:txBody>
+                  <a:bodyPr/>
+                  <a:lstStyle/>
+                  <a:p>
+                    <a:r>
+                      <a:rPr lang="en-US">
+                        <a:noFill/>
+                      </a:rPr>
+                      <a:t> </a:t>
+                    </a:r>
+                  </a:p>
+                </p:txBody>
+              </p:sp>
+            </mc:Fallback>
+          </mc:AlternateContent>
+          <mc:AlternateContent xmlns:mc="http://schemas.openxmlformats.org/markup-compatibility/2006">
+            <mc:Choice xmlns:a14="http://schemas.microsoft.com/office/drawing/2010/main" Requires="a14">
+              <p:sp>
+                <p:nvSpPr>
+                  <p:cNvPr id="20" name="TextBox 19"/>
+                  <p:cNvSpPr txBox="1"/>
+                  <p:nvPr/>
+                </p:nvSpPr>
+                <p:spPr>
+                  <a:xfrm>
+                    <a:off x="3607494" y="3516237"/>
+                    <a:ext cx="647100" cy="307777"/>
+                  </a:xfrm>
+                  <a:prstGeom prst="rect">
+                    <a:avLst/>
+                  </a:prstGeom>
+                  <a:noFill/>
+                </p:spPr>
+                <p:txBody>
+                  <a:bodyPr wrap="none" lIns="0" tIns="0" rIns="0" bIns="0" rtlCol="0">
+                    <a:spAutoFit/>
+                  </a:bodyPr>
+                  <a:lstStyle/>
+                  <a:p>
+                    <a14:m>
+                      <m:oMathPara xmlns:m="http://schemas.openxmlformats.org/officeDocument/2006/math">
+                        <m:oMathParaPr>
+                          <m:jc m:val="centerGroup"/>
+                        </m:oMathParaPr>
+                        <m:oMath xmlns:m="http://schemas.openxmlformats.org/officeDocument/2006/math">
+                          <m:r>
+                            <a:rPr lang="en-US" sz="2000" b="0" i="1" smtClean="0">
+                              <a:latin typeface="Cambria Math" panose="02040503050406030204" pitchFamily="18" charset="0"/>
+                              <a:cs typeface="Arial" panose="020B0604020202020204" pitchFamily="34" charset="0"/>
+                            </a:rPr>
+                            <m:t>𝑏𝑎𝑛𝑘</m:t>
+                          </m:r>
+                        </m:oMath>
+                      </m:oMathPara>
+                    </a14:m>
+                    <a:endParaRPr lang="en-US" sz="2000" dirty="0" smtClean="0">
+                      <a:latin typeface="Arial" panose="020B0604020202020204" pitchFamily="34" charset="0"/>
+                      <a:cs typeface="Arial" panose="020B0604020202020204" pitchFamily="34" charset="0"/>
+                    </a:endParaRPr>
+                  </a:p>
+                </p:txBody>
+              </p:sp>
+            </mc:Choice>
+            <mc:Fallback>
+              <p:sp>
+                <p:nvSpPr>
+                  <p:cNvPr id="20" name="TextBox 19"/>
+                  <p:cNvSpPr txBox="1">
+                    <a:spLocks noRot="1" noChangeAspect="1" noMove="1" noResize="1" noEditPoints="1" noAdjustHandles="1" noChangeArrowheads="1" noChangeShapeType="1" noTextEdit="1"/>
+                  </p:cNvSpPr>
+                  <p:nvPr/>
+                </p:nvSpPr>
+                <p:spPr>
+                  <a:xfrm>
+                    <a:off x="3607494" y="3516237"/>
+                    <a:ext cx="647100" cy="307777"/>
+                  </a:xfrm>
+                  <a:prstGeom prst="rect">
+                    <a:avLst/>
+                  </a:prstGeom>
+                  <a:blipFill>
+                    <a:blip r:embed="rId4"/>
+                    <a:stretch>
+                      <a:fillRect l="-8491" r="-7547" b="-9804"/>
+                    </a:stretch>
+                  </a:blipFill>
+                </p:spPr>
+                <p:txBody>
+                  <a:bodyPr/>
+                  <a:lstStyle/>
+                  <a:p>
+                    <a:r>
+                      <a:rPr lang="en-US">
+                        <a:noFill/>
+                      </a:rPr>
+                      <a:t> </a:t>
+                    </a:r>
+                  </a:p>
+                </p:txBody>
+              </p:sp>
+            </mc:Fallback>
+          </mc:AlternateContent>
+        </p:grpSp>
+        <mc:AlternateContent xmlns:mc="http://schemas.openxmlformats.org/markup-compatibility/2006">
+          <mc:Choice xmlns:a14="http://schemas.microsoft.com/office/drawing/2010/main" Requires="a14">
+            <p:sp>
+              <p:nvSpPr>
+                <p:cNvPr id="23" name="TextBox 22"/>
+                <p:cNvSpPr txBox="1"/>
+                <p:nvPr/>
+              </p:nvSpPr>
+              <p:spPr>
+                <a:xfrm>
+                  <a:off x="2066795" y="2365641"/>
+                  <a:ext cx="667683" cy="307777"/>
+                </a:xfrm>
+                <a:prstGeom prst="rect">
+                  <a:avLst/>
+                </a:prstGeom>
+                <a:noFill/>
+              </p:spPr>
+              <p:txBody>
+                <a:bodyPr wrap="none" lIns="0" tIns="0" rIns="0" bIns="0" rtlCol="0">
+                  <a:spAutoFit/>
+                </a:bodyPr>
+                <a:lstStyle/>
+                <a:p>
+                  <a14:m>
+                    <m:oMathPara xmlns:m="http://schemas.openxmlformats.org/officeDocument/2006/math">
+                      <m:oMathParaPr>
+                        <m:jc m:val="centerGroup"/>
+                      </m:oMathParaPr>
+                      <m:oMath xmlns:m="http://schemas.openxmlformats.org/officeDocument/2006/math">
+                        <m:r>
+                          <a:rPr lang="en-US" sz="2000" b="0" i="1" smtClean="0">
+                            <a:latin typeface="Cambria Math" panose="02040503050406030204" pitchFamily="18" charset="0"/>
+                            <a:cs typeface="Arial" panose="020B0604020202020204" pitchFamily="34" charset="0"/>
+                          </a:rPr>
+                          <m:t>𝑟𝑖𝑣𝑒𝑟</m:t>
+                        </m:r>
+                      </m:oMath>
+                    </m:oMathPara>
+                  </a14:m>
+                  <a:endParaRPr lang="en-US" sz="2000" dirty="0" smtClean="0">
+                    <a:latin typeface="Arial" panose="020B0604020202020204" pitchFamily="34" charset="0"/>
+                    <a:cs typeface="Arial" panose="020B0604020202020204" pitchFamily="34" charset="0"/>
+                  </a:endParaRPr>
+                </a:p>
+              </p:txBody>
+            </p:sp>
+          </mc:Choice>
+          <mc:Fallback>
+            <p:sp>
+              <p:nvSpPr>
+                <p:cNvPr id="23" name="TextBox 22"/>
+                <p:cNvSpPr txBox="1">
+                  <a:spLocks noRot="1" noChangeAspect="1" noMove="1" noResize="1" noEditPoints="1" noAdjustHandles="1" noChangeArrowheads="1" noChangeShapeType="1" noTextEdit="1"/>
+                </p:cNvSpPr>
+                <p:nvPr/>
+              </p:nvSpPr>
+              <p:spPr>
+                <a:xfrm>
+                  <a:off x="2066795" y="2365641"/>
+                  <a:ext cx="667683" cy="307777"/>
+                </a:xfrm>
+                <a:prstGeom prst="rect">
+                  <a:avLst/>
+                </a:prstGeom>
+                <a:blipFill>
+                  <a:blip r:embed="rId5"/>
+                  <a:stretch>
+                    <a:fillRect l="-7273" r="-7273" b="-10000"/>
+                  </a:stretch>
+                </a:blipFill>
+              </p:spPr>
+              <p:txBody>
+                <a:bodyPr/>
+                <a:lstStyle/>
+                <a:p>
+                  <a:r>
+                    <a:rPr lang="en-US">
+                      <a:noFill/>
+                    </a:rPr>
+                    <a:t> </a:t>
+                  </a:r>
+                </a:p>
+              </p:txBody>
+            </p:sp>
+          </mc:Fallback>
+        </mc:AlternateContent>
+      </p:grpSp>
+      <p:grpSp>
+        <p:nvGrpSpPr>
+          <p:cNvPr id="51" name="Group 50"/>
+          <p:cNvGrpSpPr/>
+          <p:nvPr/>
+        </p:nvGrpSpPr>
+        <p:grpSpPr>
+          <a:xfrm>
+            <a:off x="6124660" y="705648"/>
+            <a:ext cx="5361524" cy="2413320"/>
+            <a:chOff x="6225051" y="270223"/>
+            <a:chExt cx="5361524" cy="2413320"/>
+          </a:xfrm>
+        </p:grpSpPr>
+        <p:grpSp>
+          <p:nvGrpSpPr>
+            <p:cNvPr id="46" name="Group 45"/>
+            <p:cNvGrpSpPr/>
+            <p:nvPr/>
+          </p:nvGrpSpPr>
+          <p:grpSpPr>
+            <a:xfrm>
+              <a:off x="6225051" y="270223"/>
+              <a:ext cx="5361524" cy="2413320"/>
+              <a:chOff x="6225051" y="270223"/>
+              <a:chExt cx="5361524" cy="2413320"/>
+            </a:xfrm>
+          </p:grpSpPr>
+          <p:sp>
+            <p:nvSpPr>
+              <p:cNvPr id="25" name="Rectangle 24"/>
+              <p:cNvSpPr/>
+              <p:nvPr/>
+            </p:nvSpPr>
+            <p:spPr>
+              <a:xfrm>
+                <a:off x="6225051" y="1178048"/>
+                <a:ext cx="4308953" cy="1155368"/>
+              </a:xfrm>
+              <a:prstGeom prst="rect">
+                <a:avLst/>
+              </a:prstGeom>
+              <a:solidFill>
+                <a:schemeClr val="accent1">
+                  <a:lumMod val="40000"/>
+                  <a:lumOff val="60000"/>
+                </a:schemeClr>
+              </a:solidFill>
+              <a:ln w="38100">
+                <a:noFill/>
+              </a:ln>
+            </p:spPr>
+            <p:style>
+              <a:lnRef idx="2">
+                <a:schemeClr val="accent1">
+                  <a:shade val="50000"/>
+                </a:schemeClr>
+              </a:lnRef>
+              <a:fillRef idx="1">
+                <a:schemeClr val="accent1"/>
+              </a:fillRef>
+              <a:effectRef idx="0">
+                <a:schemeClr val="accent1"/>
+              </a:effectRef>
+              <a:fontRef idx="minor">
+                <a:schemeClr val="lt1"/>
+              </a:fontRef>
+            </p:style>
+            <p:txBody>
+              <a:bodyPr rtlCol="0" anchor="ctr"/>
+              <a:lstStyle/>
+              <a:p>
+                <a:pPr algn="ctr"/>
+                <a:endParaRPr lang="en-US"/>
+              </a:p>
+            </p:txBody>
+          </p:sp>
+          <p:cxnSp>
+            <p:nvCxnSpPr>
+              <p:cNvPr id="26" name="Straight Arrow Connector 25"/>
+              <p:cNvCxnSpPr/>
+              <p:nvPr/>
+            </p:nvCxnSpPr>
+            <p:spPr>
+              <a:xfrm>
+                <a:off x="7642963" y="1228152"/>
+                <a:ext cx="1453019" cy="0"/>
+              </a:xfrm>
+              <a:prstGeom prst="straightConnector1">
+                <a:avLst/>
+              </a:prstGeom>
+              <a:ln w="38100">
+                <a:solidFill>
+                  <a:schemeClr val="tx1"/>
+                </a:solidFill>
+                <a:tailEnd type="triangle"/>
+              </a:ln>
+            </p:spPr>
+            <p:style>
+              <a:lnRef idx="1">
+                <a:schemeClr val="accent1"/>
+              </a:lnRef>
+              <a:fillRef idx="0">
+                <a:schemeClr val="accent1"/>
+              </a:fillRef>
+              <a:effectRef idx="0">
+                <a:schemeClr val="accent1"/>
+              </a:effectRef>
+              <a:fontRef idx="minor">
+                <a:schemeClr val="tx1"/>
+              </a:fontRef>
+            </p:style>
+          </p:cxnSp>
+          <p:cxnSp>
+            <p:nvCxnSpPr>
+              <p:cNvPr id="27" name="Straight Arrow Connector 26"/>
+              <p:cNvCxnSpPr/>
+              <p:nvPr/>
+            </p:nvCxnSpPr>
+            <p:spPr>
+              <a:xfrm flipV="1">
+                <a:off x="7642963" y="1453019"/>
+                <a:ext cx="1112730" cy="2691"/>
+              </a:xfrm>
+              <a:prstGeom prst="straightConnector1">
+                <a:avLst/>
+              </a:prstGeom>
+              <a:ln w="38100">
+                <a:solidFill>
+                  <a:schemeClr val="tx1"/>
+                </a:solidFill>
+                <a:tailEnd type="triangle"/>
+              </a:ln>
+            </p:spPr>
+            <p:style>
+              <a:lnRef idx="1">
+                <a:schemeClr val="accent1"/>
+              </a:lnRef>
+              <a:fillRef idx="0">
+                <a:schemeClr val="accent1"/>
+              </a:fillRef>
+              <a:effectRef idx="0">
+                <a:schemeClr val="accent1"/>
+              </a:effectRef>
+              <a:fontRef idx="minor">
+                <a:schemeClr val="tx1"/>
+              </a:fontRef>
+            </p:style>
+          </p:cxnSp>
+          <p:cxnSp>
+            <p:nvCxnSpPr>
+              <p:cNvPr id="28" name="Straight Arrow Connector 27"/>
+              <p:cNvCxnSpPr/>
+              <p:nvPr/>
+            </p:nvCxnSpPr>
+            <p:spPr>
+              <a:xfrm flipV="1">
+                <a:off x="7642963" y="1718154"/>
+                <a:ext cx="790186" cy="2689"/>
+              </a:xfrm>
+              <a:prstGeom prst="straightConnector1">
+                <a:avLst/>
+              </a:prstGeom>
+              <a:ln w="38100">
+                <a:solidFill>
+                  <a:schemeClr val="tx1"/>
+                </a:solidFill>
+                <a:tailEnd type="triangle"/>
+              </a:ln>
+            </p:spPr>
+            <p:style>
+              <a:lnRef idx="1">
+                <a:schemeClr val="accent1"/>
+              </a:lnRef>
+              <a:fillRef idx="0">
+                <a:schemeClr val="accent1"/>
+              </a:fillRef>
+              <a:effectRef idx="0">
+                <a:schemeClr val="accent1"/>
+              </a:effectRef>
+              <a:fontRef idx="minor">
+                <a:schemeClr val="tx1"/>
+              </a:fontRef>
+            </p:style>
+          </p:cxnSp>
+          <p:cxnSp>
+            <p:nvCxnSpPr>
+              <p:cNvPr id="29" name="Straight Arrow Connector 28"/>
+              <p:cNvCxnSpPr/>
+              <p:nvPr/>
+            </p:nvCxnSpPr>
+            <p:spPr>
+              <a:xfrm flipV="1">
+                <a:off x="7642963" y="1945711"/>
+                <a:ext cx="564718" cy="6863"/>
+              </a:xfrm>
+              <a:prstGeom prst="straightConnector1">
+                <a:avLst/>
+              </a:prstGeom>
+              <a:ln w="38100">
+                <a:solidFill>
+                  <a:schemeClr val="tx1"/>
+                </a:solidFill>
+                <a:tailEnd type="triangle"/>
+              </a:ln>
+            </p:spPr>
+            <p:style>
+              <a:lnRef idx="1">
+                <a:schemeClr val="accent1"/>
+              </a:lnRef>
+              <a:fillRef idx="0">
+                <a:schemeClr val="accent1"/>
+              </a:fillRef>
+              <a:effectRef idx="0">
+                <a:schemeClr val="accent1"/>
+              </a:effectRef>
+              <a:fontRef idx="minor">
+                <a:schemeClr val="tx1"/>
+              </a:fontRef>
+            </p:style>
+          </p:cxnSp>
+          <p:cxnSp>
+            <p:nvCxnSpPr>
+              <p:cNvPr id="35" name="Straight Arrow Connector 34"/>
+              <p:cNvCxnSpPr/>
+              <p:nvPr/>
+            </p:nvCxnSpPr>
+            <p:spPr>
+              <a:xfrm>
+                <a:off x="7642963" y="2158811"/>
+                <a:ext cx="282359" cy="2009"/>
+              </a:xfrm>
+              <a:prstGeom prst="straightConnector1">
+                <a:avLst/>
+              </a:prstGeom>
+              <a:ln w="38100">
+                <a:solidFill>
+                  <a:schemeClr val="tx1"/>
+                </a:solidFill>
+                <a:tailEnd type="triangle"/>
+              </a:ln>
+            </p:spPr>
+            <p:style>
+              <a:lnRef idx="1">
+                <a:schemeClr val="accent1"/>
+              </a:lnRef>
+              <a:fillRef idx="0">
+                <a:schemeClr val="accent1"/>
+              </a:fillRef>
+              <a:effectRef idx="0">
+                <a:schemeClr val="accent1"/>
+              </a:effectRef>
+              <a:fontRef idx="minor">
+                <a:schemeClr val="tx1"/>
+              </a:fontRef>
+            </p:style>
+          </p:cxnSp>
+          <p:sp>
+            <p:nvSpPr>
+              <p:cNvPr id="38" name="Rectangle 37"/>
+              <p:cNvSpPr/>
+              <p:nvPr/>
+            </p:nvSpPr>
+            <p:spPr>
+              <a:xfrm>
+                <a:off x="6225051" y="802868"/>
+                <a:ext cx="4308953" cy="350127"/>
+              </a:xfrm>
+              <a:prstGeom prst="rect">
+                <a:avLst/>
+              </a:prstGeom>
+              <a:solidFill>
+                <a:schemeClr val="bg2">
+                  <a:lumMod val="90000"/>
+                </a:schemeClr>
+              </a:solidFill>
+              <a:ln w="38100">
+                <a:solidFill>
+                  <a:schemeClr val="tx1"/>
+                </a:solidFill>
+              </a:ln>
+            </p:spPr>
+            <p:style>
+              <a:lnRef idx="2">
+                <a:schemeClr val="accent1">
+                  <a:shade val="50000"/>
+                </a:schemeClr>
+              </a:lnRef>
+              <a:fillRef idx="1">
+                <a:schemeClr val="accent1"/>
+              </a:fillRef>
+              <a:effectRef idx="0">
+                <a:schemeClr val="accent1"/>
+              </a:effectRef>
+              <a:fontRef idx="minor">
+                <a:schemeClr val="lt1"/>
+              </a:fontRef>
+            </p:style>
+            <p:txBody>
+              <a:bodyPr rtlCol="0" anchor="ctr"/>
+              <a:lstStyle/>
+              <a:p>
+                <a:pPr algn="ctr"/>
+                <a:endParaRPr lang="en-US"/>
+              </a:p>
+            </p:txBody>
+          </p:sp>
+          <p:sp>
+            <p:nvSpPr>
+              <p:cNvPr id="39" name="Rectangle 38"/>
+              <p:cNvSpPr/>
+              <p:nvPr/>
+            </p:nvSpPr>
+            <p:spPr>
+              <a:xfrm>
+                <a:off x="6225051" y="2333416"/>
+                <a:ext cx="4308953" cy="350127"/>
+              </a:xfrm>
+              <a:prstGeom prst="rect">
+                <a:avLst/>
+              </a:prstGeom>
+              <a:solidFill>
+                <a:schemeClr val="bg2">
+                  <a:lumMod val="90000"/>
+                </a:schemeClr>
+              </a:solidFill>
+              <a:ln w="38100">
+                <a:solidFill>
+                  <a:schemeClr val="tx1"/>
+                </a:solidFill>
+              </a:ln>
+            </p:spPr>
+            <p:style>
+              <a:lnRef idx="2">
+                <a:schemeClr val="accent1">
+                  <a:shade val="50000"/>
+                </a:schemeClr>
+              </a:lnRef>
+              <a:fillRef idx="1">
+                <a:schemeClr val="accent1"/>
+              </a:fillRef>
+              <a:effectRef idx="0">
+                <a:schemeClr val="accent1"/>
+              </a:effectRef>
+              <a:fontRef idx="minor">
+                <a:schemeClr val="lt1"/>
+              </a:fontRef>
+            </p:style>
+            <p:txBody>
+              <a:bodyPr rtlCol="0" anchor="ctr"/>
+              <a:lstStyle/>
+              <a:p>
+                <a:pPr algn="ctr"/>
+                <a:endParaRPr lang="en-US"/>
+              </a:p>
+            </p:txBody>
+          </p:sp>
+          <p:cxnSp>
+            <p:nvCxnSpPr>
+              <p:cNvPr id="41" name="Straight Arrow Connector 40"/>
+              <p:cNvCxnSpPr>
+                <a:stCxn id="38" idx="3"/>
+              </p:cNvCxnSpPr>
+              <p:nvPr/>
+            </p:nvCxnSpPr>
+            <p:spPr>
+              <a:xfrm flipV="1">
+                <a:off x="10534004" y="977931"/>
+                <a:ext cx="1052571" cy="1"/>
+              </a:xfrm>
+              <a:prstGeom prst="straightConnector1">
+                <a:avLst/>
+              </a:prstGeom>
+              <a:ln w="47625">
+                <a:solidFill>
+                  <a:schemeClr val="tx1"/>
+                </a:solidFill>
+                <a:tailEnd type="triangle"/>
+              </a:ln>
+            </p:spPr>
+            <p:style>
+              <a:lnRef idx="1">
+                <a:schemeClr val="accent1"/>
+              </a:lnRef>
+              <a:fillRef idx="0">
+                <a:schemeClr val="accent1"/>
+              </a:fillRef>
+              <a:effectRef idx="0">
+                <a:schemeClr val="accent1"/>
+              </a:effectRef>
+              <a:fontRef idx="minor">
+                <a:schemeClr val="tx1"/>
+              </a:fontRef>
+            </p:style>
+          </p:cxnSp>
+          <mc:AlternateContent xmlns:mc="http://schemas.openxmlformats.org/markup-compatibility/2006">
+            <mc:Choice xmlns:a14="http://schemas.microsoft.com/office/drawing/2010/main" Requires="a14">
+              <p:sp>
+                <p:nvSpPr>
+                  <p:cNvPr id="42" name="TextBox 41"/>
+                  <p:cNvSpPr txBox="1"/>
+                  <p:nvPr/>
+                </p:nvSpPr>
+                <p:spPr>
+                  <a:xfrm>
+                    <a:off x="11060289" y="591762"/>
+                    <a:ext cx="237629" cy="345159"/>
+                  </a:xfrm>
+                  <a:prstGeom prst="rect">
+                    <a:avLst/>
+                  </a:prstGeom>
+                  <a:noFill/>
+                </p:spPr>
+                <p:txBody>
+                  <a:bodyPr wrap="none" lIns="0" tIns="0" rIns="0" bIns="0" rtlCol="0">
+                    <a:spAutoFit/>
+                  </a:bodyPr>
+                  <a:lstStyle/>
+                  <a:p>
+                    <a14:m>
+                      <m:oMathPara xmlns:m="http://schemas.openxmlformats.org/officeDocument/2006/math">
+                        <m:oMathParaPr>
+                          <m:jc m:val="centerGroup"/>
+                        </m:oMathParaPr>
+                        <m:oMath xmlns:m="http://schemas.openxmlformats.org/officeDocument/2006/math">
+                          <m:acc>
+                            <m:accPr>
+                              <m:chr m:val="⃗"/>
+                              <m:ctrlPr>
+                                <a:rPr lang="en-US" sz="2000" b="0" i="1" smtClean="0">
+                                  <a:latin typeface="Cambria Math" panose="02040503050406030204" pitchFamily="18" charset="0"/>
+                                  <a:cs typeface="Arial" panose="020B0604020202020204" pitchFamily="34" charset="0"/>
+                                </a:rPr>
+                              </m:ctrlPr>
+                            </m:accPr>
+                            <m:e>
+                              <m:r>
+                                <a:rPr lang="en-US" sz="2000" b="0" i="1" smtClean="0">
+                                  <a:latin typeface="Cambria Math" panose="02040503050406030204" pitchFamily="18" charset="0"/>
+                                  <a:cs typeface="Arial" panose="020B0604020202020204" pitchFamily="34" charset="0"/>
+                                </a:rPr>
+                                <m:t>𝐹</m:t>
+                              </m:r>
+                            </m:e>
+                          </m:acc>
+                        </m:oMath>
+                      </m:oMathPara>
+                    </a14:m>
+                    <a:endParaRPr lang="en-US" sz="2000" dirty="0" smtClean="0">
+                      <a:latin typeface="Arial" panose="020B0604020202020204" pitchFamily="34" charset="0"/>
+                      <a:cs typeface="Arial" panose="020B0604020202020204" pitchFamily="34" charset="0"/>
+                    </a:endParaRPr>
+                  </a:p>
+                </p:txBody>
+              </p:sp>
+            </mc:Choice>
+            <mc:Fallback>
+              <p:sp>
+                <p:nvSpPr>
+                  <p:cNvPr id="42" name="TextBox 41"/>
+                  <p:cNvSpPr txBox="1">
+                    <a:spLocks noRot="1" noChangeAspect="1" noMove="1" noResize="1" noEditPoints="1" noAdjustHandles="1" noChangeArrowheads="1" noChangeShapeType="1" noTextEdit="1"/>
+                  </p:cNvSpPr>
+                  <p:nvPr/>
+                </p:nvSpPr>
+                <p:spPr>
+                  <a:xfrm>
+                    <a:off x="11060289" y="591762"/>
+                    <a:ext cx="237629" cy="345159"/>
+                  </a:xfrm>
+                  <a:prstGeom prst="rect">
+                    <a:avLst/>
+                  </a:prstGeom>
+                  <a:blipFill>
+                    <a:blip r:embed="rId6"/>
+                    <a:stretch>
+                      <a:fillRect l="-23077" t="-35714" r="-89744" b="-8929"/>
+                    </a:stretch>
+                  </a:blipFill>
+                </p:spPr>
+                <p:txBody>
+                  <a:bodyPr/>
+                  <a:lstStyle/>
+                  <a:p>
+                    <a:r>
+                      <a:rPr lang="en-US">
+                        <a:noFill/>
+                      </a:rPr>
+                      <a:t> </a:t>
+                    </a:r>
+                  </a:p>
+                </p:txBody>
+              </p:sp>
+            </mc:Fallback>
+          </mc:AlternateContent>
+          <p:cxnSp>
+            <p:nvCxnSpPr>
+              <p:cNvPr id="43" name="Straight Arrow Connector 42"/>
+              <p:cNvCxnSpPr/>
+              <p:nvPr/>
+            </p:nvCxnSpPr>
+            <p:spPr>
+              <a:xfrm>
+                <a:off x="7632524" y="594451"/>
+                <a:ext cx="1453019" cy="0"/>
+              </a:xfrm>
+              <a:prstGeom prst="straightConnector1">
+                <a:avLst/>
+              </a:prstGeom>
+              <a:ln w="38100">
+                <a:solidFill>
+                  <a:schemeClr val="tx1"/>
+                </a:solidFill>
+                <a:tailEnd type="triangle"/>
+              </a:ln>
+            </p:spPr>
+            <p:style>
+              <a:lnRef idx="1">
+                <a:schemeClr val="accent1"/>
+              </a:lnRef>
+              <a:fillRef idx="0">
+                <a:schemeClr val="accent1"/>
+              </a:fillRef>
+              <a:effectRef idx="0">
+                <a:schemeClr val="accent1"/>
+              </a:effectRef>
+              <a:fontRef idx="minor">
+                <a:schemeClr val="tx1"/>
+              </a:fontRef>
+            </p:style>
+          </p:cxnSp>
+          <mc:AlternateContent xmlns:mc="http://schemas.openxmlformats.org/markup-compatibility/2006">
+            <mc:Choice xmlns:a14="http://schemas.microsoft.com/office/drawing/2010/main" Requires="a14">
+              <p:sp>
+                <p:nvSpPr>
+                  <p:cNvPr id="44" name="TextBox 43"/>
+                  <p:cNvSpPr txBox="1"/>
+                  <p:nvPr/>
+                </p:nvSpPr>
+                <p:spPr>
+                  <a:xfrm>
+                    <a:off x="8199328" y="270223"/>
+                    <a:ext cx="217495" cy="307777"/>
+                  </a:xfrm>
+                  <a:prstGeom prst="rect">
+                    <a:avLst/>
+                  </a:prstGeom>
+                  <a:noFill/>
+                </p:spPr>
+                <p:txBody>
+                  <a:bodyPr wrap="none" lIns="0" tIns="0" rIns="0" bIns="0" rtlCol="0">
+                    <a:spAutoFit/>
+                  </a:bodyPr>
+                  <a:lstStyle/>
+                  <a:p>
+                    <a14:m>
+                      <m:oMathPara xmlns:m="http://schemas.openxmlformats.org/officeDocument/2006/math">
+                        <m:oMathParaPr>
+                          <m:jc m:val="centerGroup"/>
+                        </m:oMathParaPr>
+                        <m:oMath xmlns:m="http://schemas.openxmlformats.org/officeDocument/2006/math">
+                          <m:acc>
+                            <m:accPr>
+                              <m:chr m:val="⃗"/>
+                              <m:ctrlPr>
+                                <a:rPr lang="en-US" sz="2000" b="0" i="1" smtClean="0">
+                                  <a:latin typeface="Cambria Math" panose="02040503050406030204" pitchFamily="18" charset="0"/>
+                                  <a:cs typeface="Arial" panose="020B0604020202020204" pitchFamily="34" charset="0"/>
+                                </a:rPr>
+                              </m:ctrlPr>
+                            </m:accPr>
+                            <m:e>
+                              <m:r>
+                                <a:rPr lang="en-US" sz="2000" b="0" i="1" smtClean="0">
+                                  <a:latin typeface="Cambria Math" panose="02040503050406030204" pitchFamily="18" charset="0"/>
+                                  <a:cs typeface="Arial" panose="020B0604020202020204" pitchFamily="34" charset="0"/>
+                                </a:rPr>
+                                <m:t>𝑣</m:t>
+                              </m:r>
+                            </m:e>
+                          </m:acc>
+                        </m:oMath>
+                      </m:oMathPara>
+                    </a14:m>
+                    <a:endParaRPr lang="en-US" sz="2000" dirty="0" smtClean="0">
+                      <a:latin typeface="Arial" panose="020B0604020202020204" pitchFamily="34" charset="0"/>
+                      <a:cs typeface="Arial" panose="020B0604020202020204" pitchFamily="34" charset="0"/>
+                    </a:endParaRPr>
+                  </a:p>
+                </p:txBody>
+              </p:sp>
+            </mc:Choice>
+            <mc:Fallback>
+              <p:sp>
+                <p:nvSpPr>
+                  <p:cNvPr id="44" name="TextBox 43"/>
+                  <p:cNvSpPr txBox="1">
+                    <a:spLocks noRot="1" noChangeAspect="1" noMove="1" noResize="1" noEditPoints="1" noAdjustHandles="1" noChangeArrowheads="1" noChangeShapeType="1" noTextEdit="1"/>
+                  </p:cNvSpPr>
+                  <p:nvPr/>
+                </p:nvSpPr>
+                <p:spPr>
+                  <a:xfrm>
+                    <a:off x="8199328" y="270223"/>
+                    <a:ext cx="217495" cy="307777"/>
+                  </a:xfrm>
+                  <a:prstGeom prst="rect">
+                    <a:avLst/>
+                  </a:prstGeom>
+                  <a:blipFill>
+                    <a:blip r:embed="rId7"/>
+                    <a:stretch>
+                      <a:fillRect l="-22857" t="-36000" r="-97143" b="-6000"/>
+                    </a:stretch>
+                  </a:blipFill>
+                </p:spPr>
+                <p:txBody>
+                  <a:bodyPr/>
+                  <a:lstStyle/>
+                  <a:p>
+                    <a:r>
+                      <a:rPr lang="en-US">
+                        <a:noFill/>
+                      </a:rPr>
+                      <a:t> </a:t>
+                    </a:r>
+                  </a:p>
+                </p:txBody>
+              </p:sp>
+            </mc:Fallback>
+          </mc:AlternateContent>
+          <mc:AlternateContent xmlns:mc="http://schemas.openxmlformats.org/markup-compatibility/2006">
+            <mc:Choice xmlns:a14="http://schemas.microsoft.com/office/drawing/2010/main" Requires="a14">
+              <p:sp>
+                <p:nvSpPr>
+                  <p:cNvPr id="45" name="TextBox 44"/>
+                  <p:cNvSpPr txBox="1"/>
+                  <p:nvPr/>
+                </p:nvSpPr>
+                <p:spPr>
+                  <a:xfrm>
+                    <a:off x="7960576" y="2333416"/>
+                    <a:ext cx="694998" cy="307777"/>
+                  </a:xfrm>
+                  <a:prstGeom prst="rect">
+                    <a:avLst/>
+                  </a:prstGeom>
+                  <a:noFill/>
+                </p:spPr>
+                <p:txBody>
+                  <a:bodyPr wrap="none" lIns="0" tIns="0" rIns="0" bIns="0" rtlCol="0">
+                    <a:spAutoFit/>
+                  </a:bodyPr>
+                  <a:lstStyle/>
+                  <a:p>
+                    <a14:m>
+                      <m:oMathPara xmlns:m="http://schemas.openxmlformats.org/officeDocument/2006/math">
+                        <m:oMathParaPr>
+                          <m:jc m:val="centerGroup"/>
+                        </m:oMathParaPr>
+                        <m:oMath xmlns:m="http://schemas.openxmlformats.org/officeDocument/2006/math">
+                          <m:r>
+                            <a:rPr lang="en-US" sz="2000" b="0" i="1" smtClean="0">
+                              <a:latin typeface="Cambria Math" panose="02040503050406030204" pitchFamily="18" charset="0"/>
+                              <a:cs typeface="Arial" panose="020B0604020202020204" pitchFamily="34" charset="0"/>
+                            </a:rPr>
+                            <m:t>𝑣</m:t>
+                          </m:r>
+                          <m:r>
+                            <a:rPr lang="en-US" sz="2000" b="0" i="1" smtClean="0">
+                              <a:latin typeface="Cambria Math" panose="02040503050406030204" pitchFamily="18" charset="0"/>
+                              <a:cs typeface="Arial" panose="020B0604020202020204" pitchFamily="34" charset="0"/>
+                            </a:rPr>
+                            <m:t>=0</m:t>
+                          </m:r>
+                        </m:oMath>
+                      </m:oMathPara>
+                    </a14:m>
+                    <a:endParaRPr lang="en-US" sz="2000" dirty="0" smtClean="0">
+                      <a:latin typeface="Arial" panose="020B0604020202020204" pitchFamily="34" charset="0"/>
+                      <a:cs typeface="Arial" panose="020B0604020202020204" pitchFamily="34" charset="0"/>
+                    </a:endParaRPr>
+                  </a:p>
+                </p:txBody>
+              </p:sp>
+            </mc:Choice>
+            <mc:Fallback>
+              <p:sp>
+                <p:nvSpPr>
+                  <p:cNvPr id="45" name="TextBox 44"/>
+                  <p:cNvSpPr txBox="1">
+                    <a:spLocks noRot="1" noChangeAspect="1" noMove="1" noResize="1" noEditPoints="1" noAdjustHandles="1" noChangeArrowheads="1" noChangeShapeType="1" noTextEdit="1"/>
+                  </p:cNvSpPr>
+                  <p:nvPr/>
+                </p:nvSpPr>
+                <p:spPr>
+                  <a:xfrm>
+                    <a:off x="7960576" y="2333416"/>
+                    <a:ext cx="694998" cy="307777"/>
+                  </a:xfrm>
+                  <a:prstGeom prst="rect">
+                    <a:avLst/>
+                  </a:prstGeom>
+                  <a:blipFill>
+                    <a:blip r:embed="rId8"/>
+                    <a:stretch>
+                      <a:fillRect l="-3509" r="-7018" b="-9804"/>
+                    </a:stretch>
+                  </a:blipFill>
+                </p:spPr>
+                <p:txBody>
+                  <a:bodyPr/>
+                  <a:lstStyle/>
+                  <a:p>
+                    <a:r>
+                      <a:rPr lang="en-US">
+                        <a:noFill/>
+                      </a:rPr>
+                      <a:t> </a:t>
+                    </a:r>
+                  </a:p>
+                </p:txBody>
+              </p:sp>
+            </mc:Fallback>
+          </mc:AlternateContent>
+        </p:grpSp>
+        <p:cxnSp>
+          <p:nvCxnSpPr>
+            <p:cNvPr id="48" name="Straight Arrow Connector 47"/>
+            <p:cNvCxnSpPr/>
+            <p:nvPr/>
+          </p:nvCxnSpPr>
+          <p:spPr>
+            <a:xfrm>
+              <a:off x="6638227" y="1176406"/>
+              <a:ext cx="568" cy="1157010"/>
+            </a:xfrm>
+            <a:prstGeom prst="straightConnector1">
+              <a:avLst/>
+            </a:prstGeom>
+            <a:ln w="38100">
+              <a:solidFill>
+                <a:schemeClr val="tx1"/>
+              </a:solidFill>
+              <a:headEnd type="triangle"/>
+              <a:tailEnd type="triangle"/>
+            </a:ln>
+          </p:spPr>
+          <p:style>
+            <a:lnRef idx="1">
+              <a:schemeClr val="accent1"/>
+            </a:lnRef>
+            <a:fillRef idx="0">
+              <a:schemeClr val="accent1"/>
+            </a:fillRef>
+            <a:effectRef idx="0">
+              <a:schemeClr val="accent1"/>
+            </a:effectRef>
+            <a:fontRef idx="minor">
+              <a:schemeClr val="tx1"/>
+            </a:fontRef>
+          </p:style>
+        </p:cxnSp>
+        <mc:AlternateContent xmlns:mc="http://schemas.openxmlformats.org/markup-compatibility/2006">
+          <mc:Choice xmlns:a14="http://schemas.microsoft.com/office/drawing/2010/main" Requires="a14">
+            <p:sp>
+              <p:nvSpPr>
+                <p:cNvPr id="50" name="TextBox 49"/>
+                <p:cNvSpPr txBox="1"/>
+                <p:nvPr/>
+              </p:nvSpPr>
+              <p:spPr>
+                <a:xfrm>
+                  <a:off x="6371700" y="1626896"/>
+                  <a:ext cx="160429" cy="307777"/>
+                </a:xfrm>
+                <a:prstGeom prst="rect">
+                  <a:avLst/>
+                </a:prstGeom>
+                <a:noFill/>
+              </p:spPr>
+              <p:txBody>
+                <a:bodyPr wrap="none" lIns="0" tIns="0" rIns="0" bIns="0" rtlCol="0">
+                  <a:spAutoFit/>
+                </a:bodyPr>
+                <a:lstStyle/>
+                <a:p>
+                  <a14:m>
+                    <m:oMathPara xmlns:m="http://schemas.openxmlformats.org/officeDocument/2006/math">
+                      <m:oMathParaPr>
+                        <m:jc m:val="centerGroup"/>
+                      </m:oMathParaPr>
+                      <m:oMath xmlns:m="http://schemas.openxmlformats.org/officeDocument/2006/math">
+                        <m:r>
+                          <a:rPr lang="en-US" sz="2000" b="0" i="1" smtClean="0">
+                            <a:latin typeface="Cambria Math" panose="02040503050406030204" pitchFamily="18" charset="0"/>
+                            <a:cs typeface="Arial" panose="020B0604020202020204" pitchFamily="34" charset="0"/>
+                          </a:rPr>
+                          <m:t>𝑙</m:t>
+                        </m:r>
+                      </m:oMath>
+                    </m:oMathPara>
+                  </a14:m>
+                  <a:endParaRPr lang="en-US" sz="2000" dirty="0" smtClean="0">
+                    <a:latin typeface="Arial" panose="020B0604020202020204" pitchFamily="34" charset="0"/>
+                    <a:cs typeface="Arial" panose="020B0604020202020204" pitchFamily="34" charset="0"/>
+                  </a:endParaRPr>
+                </a:p>
+              </p:txBody>
+            </p:sp>
+          </mc:Choice>
+          <mc:Fallback>
+            <p:sp>
+              <p:nvSpPr>
+                <p:cNvPr id="50" name="TextBox 49"/>
+                <p:cNvSpPr txBox="1">
+                  <a:spLocks noRot="1" noChangeAspect="1" noMove="1" noResize="1" noEditPoints="1" noAdjustHandles="1" noChangeArrowheads="1" noChangeShapeType="1" noTextEdit="1"/>
+                </p:cNvSpPr>
+                <p:nvPr/>
+              </p:nvSpPr>
+              <p:spPr>
+                <a:xfrm>
+                  <a:off x="6371700" y="1626896"/>
+                  <a:ext cx="160429" cy="307777"/>
+                </a:xfrm>
+                <a:prstGeom prst="rect">
+                  <a:avLst/>
+                </a:prstGeom>
+                <a:blipFill>
+                  <a:blip r:embed="rId9"/>
+                  <a:stretch>
+                    <a:fillRect l="-34615" r="-30769" b="-9804"/>
+                  </a:stretch>
+                </a:blipFill>
+              </p:spPr>
+              <p:txBody>
+                <a:bodyPr/>
+                <a:lstStyle/>
+                <a:p>
+                  <a:r>
+                    <a:rPr lang="en-US">
+                      <a:noFill/>
+                    </a:rPr>
+                    <a:t> </a:t>
+                  </a:r>
+                </a:p>
+              </p:txBody>
+            </p:sp>
+          </mc:Fallback>
+        </mc:AlternateContent>
+      </p:grpSp>
+    </p:spTree>
+    <p:extLst>
+      <p:ext uri="{BB962C8B-B14F-4D97-AF65-F5344CB8AC3E}">
+        <p14:creationId xmlns:p14="http://schemas.microsoft.com/office/powerpoint/2010/main" val="3446374502"/>
+      </p:ext>
+    </p:extLst>
+  </p:cSld>
+  <p:clrMapOvr>
+    <a:masterClrMapping/>
+  </p:clrMapOvr>
+</p:sld>
+</file>
+
+<file path=ppt/slides/slide11.xml><?xml version="1.0" encoding="utf-8"?>
+<p:sld xmlns:a="http://schemas.openxmlformats.org/drawingml/2006/main" xmlns:r="http://schemas.openxmlformats.org/officeDocument/2006/relationships" xmlns:p="http://schemas.openxmlformats.org/presentationml/2006/main">
+  <p:cSld>
+    <p:spTree>
+      <p:nvGrpSpPr>
+        <p:cNvPr id="1" name=""/>
+        <p:cNvGrpSpPr/>
+        <p:nvPr/>
+      </p:nvGrpSpPr>
+      <p:grpSpPr>
+        <a:xfrm>
+          <a:off x="0" y="0"/>
+          <a:ext cx="0" cy="0"/>
+          <a:chOff x="0" y="0"/>
+          <a:chExt cx="0" cy="0"/>
+        </a:xfrm>
+      </p:grpSpPr>
+      <p:grpSp>
+        <p:nvGrpSpPr>
+          <p:cNvPr id="17" name="Group 16"/>
+          <p:cNvGrpSpPr/>
+          <p:nvPr/>
+        </p:nvGrpSpPr>
+        <p:grpSpPr>
+          <a:xfrm>
+            <a:off x="354807" y="869189"/>
+            <a:ext cx="6450904" cy="3488427"/>
+            <a:chOff x="2417523" y="1453980"/>
+            <a:chExt cx="6450904" cy="3488427"/>
+          </a:xfrm>
+        </p:grpSpPr>
+        <p:grpSp>
+          <p:nvGrpSpPr>
+            <p:cNvPr id="12" name="Group 11"/>
+            <p:cNvGrpSpPr/>
+            <p:nvPr/>
+          </p:nvGrpSpPr>
+          <p:grpSpPr>
+            <a:xfrm>
+              <a:off x="2417523" y="1846619"/>
+              <a:ext cx="6450904" cy="2788011"/>
+              <a:chOff x="2430049" y="1846619"/>
+              <a:chExt cx="6450904" cy="2788011"/>
+            </a:xfrm>
+          </p:grpSpPr>
+          <p:sp>
+            <p:nvSpPr>
+              <p:cNvPr id="5" name="Freeform 4"/>
+              <p:cNvSpPr/>
+              <p:nvPr/>
+            </p:nvSpPr>
+            <p:spPr>
+              <a:xfrm>
+                <a:off x="2430049" y="1846619"/>
+                <a:ext cx="6450904" cy="2788011"/>
+              </a:xfrm>
+              <a:custGeom>
+                <a:avLst/>
+                <a:gdLst>
+                  <a:gd name="connsiteX0" fmla="*/ 12526 w 6450904"/>
+                  <a:gd name="connsiteY0" fmla="*/ 926926 h 2755726"/>
+                  <a:gd name="connsiteX1" fmla="*/ 964504 w 6450904"/>
+                  <a:gd name="connsiteY1" fmla="*/ 926926 h 2755726"/>
+                  <a:gd name="connsiteX2" fmla="*/ 1841326 w 6450904"/>
+                  <a:gd name="connsiteY2" fmla="*/ 0 h 2755726"/>
+                  <a:gd name="connsiteX3" fmla="*/ 4609578 w 6450904"/>
+                  <a:gd name="connsiteY3" fmla="*/ 12526 h 2755726"/>
+                  <a:gd name="connsiteX4" fmla="*/ 5523978 w 6450904"/>
+                  <a:gd name="connsiteY4" fmla="*/ 926926 h 2755726"/>
+                  <a:gd name="connsiteX5" fmla="*/ 6450904 w 6450904"/>
+                  <a:gd name="connsiteY5" fmla="*/ 926926 h 2755726"/>
+                  <a:gd name="connsiteX6" fmla="*/ 6450904 w 6450904"/>
+                  <a:gd name="connsiteY6" fmla="*/ 1841326 h 2755726"/>
+                  <a:gd name="connsiteX7" fmla="*/ 5511452 w 6450904"/>
+                  <a:gd name="connsiteY7" fmla="*/ 1853852 h 2755726"/>
+                  <a:gd name="connsiteX8" fmla="*/ 4584526 w 6450904"/>
+                  <a:gd name="connsiteY8" fmla="*/ 2755726 h 2755726"/>
+                  <a:gd name="connsiteX9" fmla="*/ 1841326 w 6450904"/>
+                  <a:gd name="connsiteY9" fmla="*/ 2755726 h 2755726"/>
+                  <a:gd name="connsiteX10" fmla="*/ 939452 w 6450904"/>
+                  <a:gd name="connsiteY10" fmla="*/ 1841326 h 2755726"/>
+                  <a:gd name="connsiteX11" fmla="*/ 0 w 6450904"/>
+                  <a:gd name="connsiteY11" fmla="*/ 1841326 h 2755726"/>
+                  <a:gd name="connsiteX12" fmla="*/ 12526 w 6450904"/>
+                  <a:gd name="connsiteY12" fmla="*/ 926926 h 2755726"/>
+                  <a:gd name="connsiteX0" fmla="*/ 12526 w 6450904"/>
+                  <a:gd name="connsiteY0" fmla="*/ 926926 h 2755726"/>
+                  <a:gd name="connsiteX1" fmla="*/ 964504 w 6450904"/>
+                  <a:gd name="connsiteY1" fmla="*/ 926926 h 2755726"/>
+                  <a:gd name="connsiteX2" fmla="*/ 1841326 w 6450904"/>
+                  <a:gd name="connsiteY2" fmla="*/ 0 h 2755726"/>
+                  <a:gd name="connsiteX3" fmla="*/ 4609578 w 6450904"/>
+                  <a:gd name="connsiteY3" fmla="*/ 12526 h 2755726"/>
+                  <a:gd name="connsiteX4" fmla="*/ 5523978 w 6450904"/>
+                  <a:gd name="connsiteY4" fmla="*/ 926926 h 2755726"/>
+                  <a:gd name="connsiteX5" fmla="*/ 6450904 w 6450904"/>
+                  <a:gd name="connsiteY5" fmla="*/ 926926 h 2755726"/>
+                  <a:gd name="connsiteX6" fmla="*/ 6450904 w 6450904"/>
+                  <a:gd name="connsiteY6" fmla="*/ 1841326 h 2755726"/>
+                  <a:gd name="connsiteX7" fmla="*/ 5511452 w 6450904"/>
+                  <a:gd name="connsiteY7" fmla="*/ 1853852 h 2755726"/>
+                  <a:gd name="connsiteX8" fmla="*/ 4584526 w 6450904"/>
+                  <a:gd name="connsiteY8" fmla="*/ 2755726 h 2755726"/>
+                  <a:gd name="connsiteX9" fmla="*/ 1841326 w 6450904"/>
+                  <a:gd name="connsiteY9" fmla="*/ 2755726 h 2755726"/>
+                  <a:gd name="connsiteX10" fmla="*/ 939452 w 6450904"/>
+                  <a:gd name="connsiteY10" fmla="*/ 1841326 h 2755726"/>
+                  <a:gd name="connsiteX11" fmla="*/ 0 w 6450904"/>
+                  <a:gd name="connsiteY11" fmla="*/ 1841326 h 2755726"/>
+                  <a:gd name="connsiteX12" fmla="*/ 12526 w 6450904"/>
+                  <a:gd name="connsiteY12" fmla="*/ 926926 h 2755726"/>
+                  <a:gd name="connsiteX0" fmla="*/ 12526 w 6450904"/>
+                  <a:gd name="connsiteY0" fmla="*/ 934370 h 2763170"/>
+                  <a:gd name="connsiteX1" fmla="*/ 964504 w 6450904"/>
+                  <a:gd name="connsiteY1" fmla="*/ 934370 h 2763170"/>
+                  <a:gd name="connsiteX2" fmla="*/ 1841326 w 6450904"/>
+                  <a:gd name="connsiteY2" fmla="*/ 7444 h 2763170"/>
+                  <a:gd name="connsiteX3" fmla="*/ 4609578 w 6450904"/>
+                  <a:gd name="connsiteY3" fmla="*/ 19970 h 2763170"/>
+                  <a:gd name="connsiteX4" fmla="*/ 5523978 w 6450904"/>
+                  <a:gd name="connsiteY4" fmla="*/ 934370 h 2763170"/>
+                  <a:gd name="connsiteX5" fmla="*/ 6450904 w 6450904"/>
+                  <a:gd name="connsiteY5" fmla="*/ 934370 h 2763170"/>
+                  <a:gd name="connsiteX6" fmla="*/ 6450904 w 6450904"/>
+                  <a:gd name="connsiteY6" fmla="*/ 1848770 h 2763170"/>
+                  <a:gd name="connsiteX7" fmla="*/ 5511452 w 6450904"/>
+                  <a:gd name="connsiteY7" fmla="*/ 1861296 h 2763170"/>
+                  <a:gd name="connsiteX8" fmla="*/ 4584526 w 6450904"/>
+                  <a:gd name="connsiteY8" fmla="*/ 2763170 h 2763170"/>
+                  <a:gd name="connsiteX9" fmla="*/ 1841326 w 6450904"/>
+                  <a:gd name="connsiteY9" fmla="*/ 2763170 h 2763170"/>
+                  <a:gd name="connsiteX10" fmla="*/ 939452 w 6450904"/>
+                  <a:gd name="connsiteY10" fmla="*/ 1848770 h 2763170"/>
+                  <a:gd name="connsiteX11" fmla="*/ 0 w 6450904"/>
+                  <a:gd name="connsiteY11" fmla="*/ 1848770 h 2763170"/>
+                  <a:gd name="connsiteX12" fmla="*/ 12526 w 6450904"/>
+                  <a:gd name="connsiteY12" fmla="*/ 934370 h 2763170"/>
+                  <a:gd name="connsiteX0" fmla="*/ 12526 w 6450904"/>
+                  <a:gd name="connsiteY0" fmla="*/ 959211 h 2788011"/>
+                  <a:gd name="connsiteX1" fmla="*/ 964504 w 6450904"/>
+                  <a:gd name="connsiteY1" fmla="*/ 959211 h 2788011"/>
+                  <a:gd name="connsiteX2" fmla="*/ 1841326 w 6450904"/>
+                  <a:gd name="connsiteY2" fmla="*/ 32285 h 2788011"/>
+                  <a:gd name="connsiteX3" fmla="*/ 4609578 w 6450904"/>
+                  <a:gd name="connsiteY3" fmla="*/ 44811 h 2788011"/>
+                  <a:gd name="connsiteX4" fmla="*/ 5523978 w 6450904"/>
+                  <a:gd name="connsiteY4" fmla="*/ 959211 h 2788011"/>
+                  <a:gd name="connsiteX5" fmla="*/ 6450904 w 6450904"/>
+                  <a:gd name="connsiteY5" fmla="*/ 959211 h 2788011"/>
+                  <a:gd name="connsiteX6" fmla="*/ 6450904 w 6450904"/>
+                  <a:gd name="connsiteY6" fmla="*/ 1873611 h 2788011"/>
+                  <a:gd name="connsiteX7" fmla="*/ 5511452 w 6450904"/>
+                  <a:gd name="connsiteY7" fmla="*/ 1886137 h 2788011"/>
+                  <a:gd name="connsiteX8" fmla="*/ 4584526 w 6450904"/>
+                  <a:gd name="connsiteY8" fmla="*/ 2788011 h 2788011"/>
+                  <a:gd name="connsiteX9" fmla="*/ 1841326 w 6450904"/>
+                  <a:gd name="connsiteY9" fmla="*/ 2788011 h 2788011"/>
+                  <a:gd name="connsiteX10" fmla="*/ 939452 w 6450904"/>
+                  <a:gd name="connsiteY10" fmla="*/ 1873611 h 2788011"/>
+                  <a:gd name="connsiteX11" fmla="*/ 0 w 6450904"/>
+                  <a:gd name="connsiteY11" fmla="*/ 1873611 h 2788011"/>
+                  <a:gd name="connsiteX12" fmla="*/ 12526 w 6450904"/>
+                  <a:gd name="connsiteY12" fmla="*/ 959211 h 2788011"/>
+                  <a:gd name="connsiteX0" fmla="*/ 12526 w 6450904"/>
+                  <a:gd name="connsiteY0" fmla="*/ 959211 h 2788011"/>
+                  <a:gd name="connsiteX1" fmla="*/ 964504 w 6450904"/>
+                  <a:gd name="connsiteY1" fmla="*/ 959211 h 2788011"/>
+                  <a:gd name="connsiteX2" fmla="*/ 1841326 w 6450904"/>
+                  <a:gd name="connsiteY2" fmla="*/ 32285 h 2788011"/>
+                  <a:gd name="connsiteX3" fmla="*/ 4609578 w 6450904"/>
+                  <a:gd name="connsiteY3" fmla="*/ 44811 h 2788011"/>
+                  <a:gd name="connsiteX4" fmla="*/ 5523978 w 6450904"/>
+                  <a:gd name="connsiteY4" fmla="*/ 959211 h 2788011"/>
+                  <a:gd name="connsiteX5" fmla="*/ 6450904 w 6450904"/>
+                  <a:gd name="connsiteY5" fmla="*/ 959211 h 2788011"/>
+                  <a:gd name="connsiteX6" fmla="*/ 6450904 w 6450904"/>
+                  <a:gd name="connsiteY6" fmla="*/ 1873611 h 2788011"/>
+                  <a:gd name="connsiteX7" fmla="*/ 5511452 w 6450904"/>
+                  <a:gd name="connsiteY7" fmla="*/ 1886137 h 2788011"/>
+                  <a:gd name="connsiteX8" fmla="*/ 4584526 w 6450904"/>
+                  <a:gd name="connsiteY8" fmla="*/ 2788011 h 2788011"/>
+                  <a:gd name="connsiteX9" fmla="*/ 1841326 w 6450904"/>
+                  <a:gd name="connsiteY9" fmla="*/ 2788011 h 2788011"/>
+                  <a:gd name="connsiteX10" fmla="*/ 939452 w 6450904"/>
+                  <a:gd name="connsiteY10" fmla="*/ 1873611 h 2788011"/>
+                  <a:gd name="connsiteX11" fmla="*/ 0 w 6450904"/>
+                  <a:gd name="connsiteY11" fmla="*/ 1873611 h 2788011"/>
+                  <a:gd name="connsiteX12" fmla="*/ 12526 w 6450904"/>
+                  <a:gd name="connsiteY12" fmla="*/ 959211 h 2788011"/>
+                  <a:gd name="connsiteX0" fmla="*/ 12526 w 6450904"/>
+                  <a:gd name="connsiteY0" fmla="*/ 959211 h 2788011"/>
+                  <a:gd name="connsiteX1" fmla="*/ 964504 w 6450904"/>
+                  <a:gd name="connsiteY1" fmla="*/ 959211 h 2788011"/>
+                  <a:gd name="connsiteX2" fmla="*/ 1841326 w 6450904"/>
+                  <a:gd name="connsiteY2" fmla="*/ 32285 h 2788011"/>
+                  <a:gd name="connsiteX3" fmla="*/ 4609578 w 6450904"/>
+                  <a:gd name="connsiteY3" fmla="*/ 44811 h 2788011"/>
+                  <a:gd name="connsiteX4" fmla="*/ 5523978 w 6450904"/>
+                  <a:gd name="connsiteY4" fmla="*/ 959211 h 2788011"/>
+                  <a:gd name="connsiteX5" fmla="*/ 6450904 w 6450904"/>
+                  <a:gd name="connsiteY5" fmla="*/ 959211 h 2788011"/>
+                  <a:gd name="connsiteX6" fmla="*/ 6450904 w 6450904"/>
+                  <a:gd name="connsiteY6" fmla="*/ 1873611 h 2788011"/>
+                  <a:gd name="connsiteX7" fmla="*/ 5511452 w 6450904"/>
+                  <a:gd name="connsiteY7" fmla="*/ 1886137 h 2788011"/>
+                  <a:gd name="connsiteX8" fmla="*/ 4584526 w 6450904"/>
+                  <a:gd name="connsiteY8" fmla="*/ 2788011 h 2788011"/>
+                  <a:gd name="connsiteX9" fmla="*/ 1841326 w 6450904"/>
+                  <a:gd name="connsiteY9" fmla="*/ 2788011 h 2788011"/>
+                  <a:gd name="connsiteX10" fmla="*/ 939452 w 6450904"/>
+                  <a:gd name="connsiteY10" fmla="*/ 1873611 h 2788011"/>
+                  <a:gd name="connsiteX11" fmla="*/ 0 w 6450904"/>
+                  <a:gd name="connsiteY11" fmla="*/ 1873611 h 2788011"/>
+                  <a:gd name="connsiteX12" fmla="*/ 12526 w 6450904"/>
+                  <a:gd name="connsiteY12" fmla="*/ 959211 h 2788011"/>
+                  <a:gd name="connsiteX0" fmla="*/ 12526 w 6450904"/>
+                  <a:gd name="connsiteY0" fmla="*/ 959211 h 2788011"/>
+                  <a:gd name="connsiteX1" fmla="*/ 964504 w 6450904"/>
+                  <a:gd name="connsiteY1" fmla="*/ 959211 h 2788011"/>
+                  <a:gd name="connsiteX2" fmla="*/ 1841326 w 6450904"/>
+                  <a:gd name="connsiteY2" fmla="*/ 32285 h 2788011"/>
+                  <a:gd name="connsiteX3" fmla="*/ 4609578 w 6450904"/>
+                  <a:gd name="connsiteY3" fmla="*/ 44811 h 2788011"/>
+                  <a:gd name="connsiteX4" fmla="*/ 5523978 w 6450904"/>
+                  <a:gd name="connsiteY4" fmla="*/ 959211 h 2788011"/>
+                  <a:gd name="connsiteX5" fmla="*/ 6450904 w 6450904"/>
+                  <a:gd name="connsiteY5" fmla="*/ 959211 h 2788011"/>
+                  <a:gd name="connsiteX6" fmla="*/ 6450904 w 6450904"/>
+                  <a:gd name="connsiteY6" fmla="*/ 1873611 h 2788011"/>
+                  <a:gd name="connsiteX7" fmla="*/ 5511452 w 6450904"/>
+                  <a:gd name="connsiteY7" fmla="*/ 1886137 h 2788011"/>
+                  <a:gd name="connsiteX8" fmla="*/ 4584526 w 6450904"/>
+                  <a:gd name="connsiteY8" fmla="*/ 2788011 h 2788011"/>
+                  <a:gd name="connsiteX9" fmla="*/ 1841326 w 6450904"/>
+                  <a:gd name="connsiteY9" fmla="*/ 2788011 h 2788011"/>
+                  <a:gd name="connsiteX10" fmla="*/ 939452 w 6450904"/>
+                  <a:gd name="connsiteY10" fmla="*/ 1873611 h 2788011"/>
+                  <a:gd name="connsiteX11" fmla="*/ 0 w 6450904"/>
+                  <a:gd name="connsiteY11" fmla="*/ 1873611 h 2788011"/>
+                  <a:gd name="connsiteX12" fmla="*/ 12526 w 6450904"/>
+                  <a:gd name="connsiteY12" fmla="*/ 959211 h 2788011"/>
+                  <a:gd name="connsiteX0" fmla="*/ 12526 w 6450904"/>
+                  <a:gd name="connsiteY0" fmla="*/ 959211 h 2788011"/>
+                  <a:gd name="connsiteX1" fmla="*/ 964504 w 6450904"/>
+                  <a:gd name="connsiteY1" fmla="*/ 959211 h 2788011"/>
+                  <a:gd name="connsiteX2" fmla="*/ 1841326 w 6450904"/>
+                  <a:gd name="connsiteY2" fmla="*/ 32285 h 2788011"/>
+                  <a:gd name="connsiteX3" fmla="*/ 4609578 w 6450904"/>
+                  <a:gd name="connsiteY3" fmla="*/ 44811 h 2788011"/>
+                  <a:gd name="connsiteX4" fmla="*/ 5523978 w 6450904"/>
+                  <a:gd name="connsiteY4" fmla="*/ 959211 h 2788011"/>
+                  <a:gd name="connsiteX5" fmla="*/ 6450904 w 6450904"/>
+                  <a:gd name="connsiteY5" fmla="*/ 959211 h 2788011"/>
+                  <a:gd name="connsiteX6" fmla="*/ 6450904 w 6450904"/>
+                  <a:gd name="connsiteY6" fmla="*/ 1873611 h 2788011"/>
+                  <a:gd name="connsiteX7" fmla="*/ 5511452 w 6450904"/>
+                  <a:gd name="connsiteY7" fmla="*/ 1886137 h 2788011"/>
+                  <a:gd name="connsiteX8" fmla="*/ 4584526 w 6450904"/>
+                  <a:gd name="connsiteY8" fmla="*/ 2788011 h 2788011"/>
+                  <a:gd name="connsiteX9" fmla="*/ 1841326 w 6450904"/>
+                  <a:gd name="connsiteY9" fmla="*/ 2788011 h 2788011"/>
+                  <a:gd name="connsiteX10" fmla="*/ 939452 w 6450904"/>
+                  <a:gd name="connsiteY10" fmla="*/ 1873611 h 2788011"/>
+                  <a:gd name="connsiteX11" fmla="*/ 0 w 6450904"/>
+                  <a:gd name="connsiteY11" fmla="*/ 1873611 h 2788011"/>
+                  <a:gd name="connsiteX12" fmla="*/ 12526 w 6450904"/>
+                  <a:gd name="connsiteY12" fmla="*/ 959211 h 2788011"/>
+                  <a:gd name="connsiteX0" fmla="*/ 12526 w 6450904"/>
+                  <a:gd name="connsiteY0" fmla="*/ 959211 h 2788011"/>
+                  <a:gd name="connsiteX1" fmla="*/ 964504 w 6450904"/>
+                  <a:gd name="connsiteY1" fmla="*/ 959211 h 2788011"/>
+                  <a:gd name="connsiteX2" fmla="*/ 1841326 w 6450904"/>
+                  <a:gd name="connsiteY2" fmla="*/ 32285 h 2788011"/>
+                  <a:gd name="connsiteX3" fmla="*/ 4609578 w 6450904"/>
+                  <a:gd name="connsiteY3" fmla="*/ 44811 h 2788011"/>
+                  <a:gd name="connsiteX4" fmla="*/ 5523978 w 6450904"/>
+                  <a:gd name="connsiteY4" fmla="*/ 959211 h 2788011"/>
+                  <a:gd name="connsiteX5" fmla="*/ 6450904 w 6450904"/>
+                  <a:gd name="connsiteY5" fmla="*/ 959211 h 2788011"/>
+                  <a:gd name="connsiteX6" fmla="*/ 6450904 w 6450904"/>
+                  <a:gd name="connsiteY6" fmla="*/ 1873611 h 2788011"/>
+                  <a:gd name="connsiteX7" fmla="*/ 5511452 w 6450904"/>
+                  <a:gd name="connsiteY7" fmla="*/ 1886137 h 2788011"/>
+                  <a:gd name="connsiteX8" fmla="*/ 4584526 w 6450904"/>
+                  <a:gd name="connsiteY8" fmla="*/ 2788011 h 2788011"/>
+                  <a:gd name="connsiteX9" fmla="*/ 1841326 w 6450904"/>
+                  <a:gd name="connsiteY9" fmla="*/ 2788011 h 2788011"/>
+                  <a:gd name="connsiteX10" fmla="*/ 939452 w 6450904"/>
+                  <a:gd name="connsiteY10" fmla="*/ 1873611 h 2788011"/>
+                  <a:gd name="connsiteX11" fmla="*/ 0 w 6450904"/>
+                  <a:gd name="connsiteY11" fmla="*/ 1873611 h 2788011"/>
+                  <a:gd name="connsiteX12" fmla="*/ 12526 w 6450904"/>
+                  <a:gd name="connsiteY12" fmla="*/ 959211 h 2788011"/>
+                  <a:gd name="connsiteX0" fmla="*/ 12526 w 6450904"/>
+                  <a:gd name="connsiteY0" fmla="*/ 959211 h 2788011"/>
+                  <a:gd name="connsiteX1" fmla="*/ 964504 w 6450904"/>
+                  <a:gd name="connsiteY1" fmla="*/ 959211 h 2788011"/>
+                  <a:gd name="connsiteX2" fmla="*/ 1841326 w 6450904"/>
+                  <a:gd name="connsiteY2" fmla="*/ 32285 h 2788011"/>
+                  <a:gd name="connsiteX3" fmla="*/ 4609578 w 6450904"/>
+                  <a:gd name="connsiteY3" fmla="*/ 44811 h 2788011"/>
+                  <a:gd name="connsiteX4" fmla="*/ 5523978 w 6450904"/>
+                  <a:gd name="connsiteY4" fmla="*/ 959211 h 2788011"/>
+                  <a:gd name="connsiteX5" fmla="*/ 6450904 w 6450904"/>
+                  <a:gd name="connsiteY5" fmla="*/ 959211 h 2788011"/>
+                  <a:gd name="connsiteX6" fmla="*/ 6450904 w 6450904"/>
+                  <a:gd name="connsiteY6" fmla="*/ 1873611 h 2788011"/>
+                  <a:gd name="connsiteX7" fmla="*/ 5511452 w 6450904"/>
+                  <a:gd name="connsiteY7" fmla="*/ 1886137 h 2788011"/>
+                  <a:gd name="connsiteX8" fmla="*/ 4584526 w 6450904"/>
+                  <a:gd name="connsiteY8" fmla="*/ 2788011 h 2788011"/>
+                  <a:gd name="connsiteX9" fmla="*/ 1841326 w 6450904"/>
+                  <a:gd name="connsiteY9" fmla="*/ 2788011 h 2788011"/>
+                  <a:gd name="connsiteX10" fmla="*/ 939452 w 6450904"/>
+                  <a:gd name="connsiteY10" fmla="*/ 1873611 h 2788011"/>
+                  <a:gd name="connsiteX11" fmla="*/ 0 w 6450904"/>
+                  <a:gd name="connsiteY11" fmla="*/ 1873611 h 2788011"/>
+                  <a:gd name="connsiteX12" fmla="*/ 12526 w 6450904"/>
+                  <a:gd name="connsiteY12" fmla="*/ 959211 h 2788011"/>
+                  <a:gd name="connsiteX0" fmla="*/ 12526 w 6450904"/>
+                  <a:gd name="connsiteY0" fmla="*/ 959211 h 2788011"/>
+                  <a:gd name="connsiteX1" fmla="*/ 964504 w 6450904"/>
+                  <a:gd name="connsiteY1" fmla="*/ 959211 h 2788011"/>
+                  <a:gd name="connsiteX2" fmla="*/ 1841326 w 6450904"/>
+                  <a:gd name="connsiteY2" fmla="*/ 32285 h 2788011"/>
+                  <a:gd name="connsiteX3" fmla="*/ 4609578 w 6450904"/>
+                  <a:gd name="connsiteY3" fmla="*/ 44811 h 2788011"/>
+                  <a:gd name="connsiteX4" fmla="*/ 5523978 w 6450904"/>
+                  <a:gd name="connsiteY4" fmla="*/ 959211 h 2788011"/>
+                  <a:gd name="connsiteX5" fmla="*/ 6450904 w 6450904"/>
+                  <a:gd name="connsiteY5" fmla="*/ 959211 h 2788011"/>
+                  <a:gd name="connsiteX6" fmla="*/ 6450904 w 6450904"/>
+                  <a:gd name="connsiteY6" fmla="*/ 1873611 h 2788011"/>
+                  <a:gd name="connsiteX7" fmla="*/ 5511452 w 6450904"/>
+                  <a:gd name="connsiteY7" fmla="*/ 1886137 h 2788011"/>
+                  <a:gd name="connsiteX8" fmla="*/ 4584526 w 6450904"/>
+                  <a:gd name="connsiteY8" fmla="*/ 2788011 h 2788011"/>
+                  <a:gd name="connsiteX9" fmla="*/ 1841326 w 6450904"/>
+                  <a:gd name="connsiteY9" fmla="*/ 2788011 h 2788011"/>
+                  <a:gd name="connsiteX10" fmla="*/ 939452 w 6450904"/>
+                  <a:gd name="connsiteY10" fmla="*/ 1873611 h 2788011"/>
+                  <a:gd name="connsiteX11" fmla="*/ 0 w 6450904"/>
+                  <a:gd name="connsiteY11" fmla="*/ 1873611 h 2788011"/>
+                  <a:gd name="connsiteX12" fmla="*/ 12526 w 6450904"/>
+                  <a:gd name="connsiteY12" fmla="*/ 959211 h 2788011"/>
+                  <a:gd name="connsiteX0" fmla="*/ 12526 w 6450904"/>
+                  <a:gd name="connsiteY0" fmla="*/ 959211 h 2788011"/>
+                  <a:gd name="connsiteX1" fmla="*/ 964504 w 6450904"/>
+                  <a:gd name="connsiteY1" fmla="*/ 959211 h 2788011"/>
+                  <a:gd name="connsiteX2" fmla="*/ 1841326 w 6450904"/>
+                  <a:gd name="connsiteY2" fmla="*/ 32285 h 2788011"/>
+                  <a:gd name="connsiteX3" fmla="*/ 4609578 w 6450904"/>
+                  <a:gd name="connsiteY3" fmla="*/ 44811 h 2788011"/>
+                  <a:gd name="connsiteX4" fmla="*/ 5523978 w 6450904"/>
+                  <a:gd name="connsiteY4" fmla="*/ 959211 h 2788011"/>
+                  <a:gd name="connsiteX5" fmla="*/ 6450904 w 6450904"/>
+                  <a:gd name="connsiteY5" fmla="*/ 959211 h 2788011"/>
+                  <a:gd name="connsiteX6" fmla="*/ 6450904 w 6450904"/>
+                  <a:gd name="connsiteY6" fmla="*/ 1873611 h 2788011"/>
+                  <a:gd name="connsiteX7" fmla="*/ 5511452 w 6450904"/>
+                  <a:gd name="connsiteY7" fmla="*/ 1886137 h 2788011"/>
+                  <a:gd name="connsiteX8" fmla="*/ 4584526 w 6450904"/>
+                  <a:gd name="connsiteY8" fmla="*/ 2788011 h 2788011"/>
+                  <a:gd name="connsiteX9" fmla="*/ 1841326 w 6450904"/>
+                  <a:gd name="connsiteY9" fmla="*/ 2788011 h 2788011"/>
+                  <a:gd name="connsiteX10" fmla="*/ 939452 w 6450904"/>
+                  <a:gd name="connsiteY10" fmla="*/ 1873611 h 2788011"/>
+                  <a:gd name="connsiteX11" fmla="*/ 0 w 6450904"/>
+                  <a:gd name="connsiteY11" fmla="*/ 1873611 h 2788011"/>
+                  <a:gd name="connsiteX12" fmla="*/ 12526 w 6450904"/>
+                  <a:gd name="connsiteY12" fmla="*/ 959211 h 2788011"/>
+                  <a:gd name="connsiteX0" fmla="*/ 12526 w 6450904"/>
+                  <a:gd name="connsiteY0" fmla="*/ 959211 h 2788011"/>
+                  <a:gd name="connsiteX1" fmla="*/ 964504 w 6450904"/>
+                  <a:gd name="connsiteY1" fmla="*/ 959211 h 2788011"/>
+                  <a:gd name="connsiteX2" fmla="*/ 1841326 w 6450904"/>
+                  <a:gd name="connsiteY2" fmla="*/ 32285 h 2788011"/>
+                  <a:gd name="connsiteX3" fmla="*/ 4609578 w 6450904"/>
+                  <a:gd name="connsiteY3" fmla="*/ 44811 h 2788011"/>
+                  <a:gd name="connsiteX4" fmla="*/ 5523978 w 6450904"/>
+                  <a:gd name="connsiteY4" fmla="*/ 959211 h 2788011"/>
+                  <a:gd name="connsiteX5" fmla="*/ 6450904 w 6450904"/>
+                  <a:gd name="connsiteY5" fmla="*/ 959211 h 2788011"/>
+                  <a:gd name="connsiteX6" fmla="*/ 6450904 w 6450904"/>
+                  <a:gd name="connsiteY6" fmla="*/ 1873611 h 2788011"/>
+                  <a:gd name="connsiteX7" fmla="*/ 5511452 w 6450904"/>
+                  <a:gd name="connsiteY7" fmla="*/ 1886137 h 2788011"/>
+                  <a:gd name="connsiteX8" fmla="*/ 4584526 w 6450904"/>
+                  <a:gd name="connsiteY8" fmla="*/ 2788011 h 2788011"/>
+                  <a:gd name="connsiteX9" fmla="*/ 1841326 w 6450904"/>
+                  <a:gd name="connsiteY9" fmla="*/ 2788011 h 2788011"/>
+                  <a:gd name="connsiteX10" fmla="*/ 939452 w 6450904"/>
+                  <a:gd name="connsiteY10" fmla="*/ 1873611 h 2788011"/>
+                  <a:gd name="connsiteX11" fmla="*/ 0 w 6450904"/>
+                  <a:gd name="connsiteY11" fmla="*/ 1873611 h 2788011"/>
+                  <a:gd name="connsiteX12" fmla="*/ 12526 w 6450904"/>
+                  <a:gd name="connsiteY12" fmla="*/ 959211 h 2788011"/>
+                </a:gdLst>
+                <a:ahLst/>
+                <a:cxnLst>
+                  <a:cxn ang="0">
+                    <a:pos x="connsiteX0" y="connsiteY0"/>
+                  </a:cxn>
+                  <a:cxn ang="0">
+                    <a:pos x="connsiteX1" y="connsiteY1"/>
+                  </a:cxn>
+                  <a:cxn ang="0">
+                    <a:pos x="connsiteX2" y="connsiteY2"/>
+                  </a:cxn>
+                  <a:cxn ang="0">
+                    <a:pos x="connsiteX3" y="connsiteY3"/>
+                  </a:cxn>
+                  <a:cxn ang="0">
+                    <a:pos x="connsiteX4" y="connsiteY4"/>
+                  </a:cxn>
+                  <a:cxn ang="0">
+                    <a:pos x="connsiteX5" y="connsiteY5"/>
+                  </a:cxn>
+                  <a:cxn ang="0">
+                    <a:pos x="connsiteX6" y="connsiteY6"/>
+                  </a:cxn>
+                  <a:cxn ang="0">
+                    <a:pos x="connsiteX7" y="connsiteY7"/>
+                  </a:cxn>
+                  <a:cxn ang="0">
+                    <a:pos x="connsiteX8" y="connsiteY8"/>
+                  </a:cxn>
+                  <a:cxn ang="0">
+                    <a:pos x="connsiteX9" y="connsiteY9"/>
+                  </a:cxn>
+                  <a:cxn ang="0">
+                    <a:pos x="connsiteX10" y="connsiteY10"/>
+                  </a:cxn>
+                  <a:cxn ang="0">
+                    <a:pos x="connsiteX11" y="connsiteY11"/>
+                  </a:cxn>
+                  <a:cxn ang="0">
+                    <a:pos x="connsiteX12" y="connsiteY12"/>
+                  </a:cxn>
+                </a:cxnLst>
+                <a:rect l="l" t="t" r="r" b="b"/>
+                <a:pathLst>
+                  <a:path w="6450904" h="2788011">
+                    <a:moveTo>
+                      <a:pt x="12526" y="959211"/>
+                    </a:moveTo>
+                    <a:lnTo>
+                      <a:pt x="964504" y="959211"/>
+                    </a:lnTo>
+                    <a:cubicBezTo>
+                      <a:pt x="1294356" y="675288"/>
+                      <a:pt x="1411265" y="316208"/>
+                      <a:pt x="1841326" y="32285"/>
+                    </a:cubicBezTo>
+                    <a:cubicBezTo>
+                      <a:pt x="2751551" y="11407"/>
+                      <a:pt x="3699353" y="-34521"/>
+                      <a:pt x="4609578" y="44811"/>
+                    </a:cubicBezTo>
+                    <a:cubicBezTo>
+                      <a:pt x="4989534" y="337085"/>
+                      <a:pt x="5194126" y="742093"/>
+                      <a:pt x="5523978" y="959211"/>
+                    </a:cubicBezTo>
+                    <a:cubicBezTo>
+                      <a:pt x="5820427" y="971737"/>
+                      <a:pt x="6141929" y="959211"/>
+                      <a:pt x="6450904" y="959211"/>
+                    </a:cubicBezTo>
+                    <a:lnTo>
+                      <a:pt x="6450904" y="1873611"/>
+                    </a:lnTo>
+                    <a:lnTo>
+                      <a:pt x="5511452" y="1886137"/>
+                    </a:lnTo>
+                    <a:cubicBezTo>
+                      <a:pt x="5177425" y="2136658"/>
+                      <a:pt x="4993709" y="2575068"/>
+                      <a:pt x="4584526" y="2788011"/>
+                    </a:cubicBezTo>
+                    <a:lnTo>
+                      <a:pt x="1841326" y="2788011"/>
+                    </a:lnTo>
+                    <a:cubicBezTo>
+                      <a:pt x="1478070" y="2595945"/>
+                      <a:pt x="1302707" y="2078203"/>
+                      <a:pt x="939452" y="1873611"/>
+                    </a:cubicBezTo>
+                    <a:lnTo>
+                      <a:pt x="0" y="1873611"/>
+                    </a:lnTo>
+                    <a:lnTo>
+                      <a:pt x="12526" y="959211"/>
+                    </a:lnTo>
+                    <a:close/>
+                  </a:path>
+                </a:pathLst>
+              </a:custGeom>
+              <a:solidFill>
+                <a:schemeClr val="accent1">
+                  <a:lumMod val="40000"/>
+                  <a:lumOff val="60000"/>
+                </a:schemeClr>
+              </a:solidFill>
+              <a:ln w="38100">
+                <a:solidFill>
+                  <a:schemeClr val="tx1"/>
+                </a:solidFill>
+              </a:ln>
+            </p:spPr>
+            <p:style>
+              <a:lnRef idx="2">
+                <a:schemeClr val="accent1">
+                  <a:shade val="50000"/>
+                </a:schemeClr>
+              </a:lnRef>
+              <a:fillRef idx="1">
+                <a:schemeClr val="accent1"/>
+              </a:fillRef>
+              <a:effectRef idx="0">
+                <a:schemeClr val="accent1"/>
+              </a:effectRef>
+              <a:fontRef idx="minor">
+                <a:schemeClr val="lt1"/>
+              </a:fontRef>
+            </p:style>
+            <p:txBody>
+              <a:bodyPr rtlCol="0" anchor="ctr"/>
+              <a:lstStyle/>
+              <a:p>
+                <a:pPr algn="ctr"/>
+                <a:endParaRPr lang="en-US"/>
+              </a:p>
+            </p:txBody>
+          </p:sp>
+          <p:sp>
+            <p:nvSpPr>
+              <p:cNvPr id="6" name="Freeform 5"/>
+              <p:cNvSpPr/>
+              <p:nvPr/>
+            </p:nvSpPr>
+            <p:spPr>
+              <a:xfrm>
+                <a:off x="3356975" y="2167003"/>
+                <a:ext cx="4572000" cy="1828800"/>
+              </a:xfrm>
+              <a:custGeom>
+                <a:avLst/>
+                <a:gdLst>
+                  <a:gd name="connsiteX0" fmla="*/ 12526 w 4584526"/>
+                  <a:gd name="connsiteY0" fmla="*/ 914400 h 2041743"/>
+                  <a:gd name="connsiteX1" fmla="*/ 914400 w 4584526"/>
+                  <a:gd name="connsiteY1" fmla="*/ 0 h 2041743"/>
+                  <a:gd name="connsiteX2" fmla="*/ 3657600 w 4584526"/>
+                  <a:gd name="connsiteY2" fmla="*/ 12526 h 2041743"/>
+                  <a:gd name="connsiteX3" fmla="*/ 4572000 w 4584526"/>
+                  <a:gd name="connsiteY3" fmla="*/ 889348 h 2041743"/>
+                  <a:gd name="connsiteX4" fmla="*/ 4584526 w 4584526"/>
+                  <a:gd name="connsiteY4" fmla="*/ 1177447 h 2041743"/>
+                  <a:gd name="connsiteX5" fmla="*/ 3657600 w 4584526"/>
+                  <a:gd name="connsiteY5" fmla="*/ 2041743 h 2041743"/>
+                  <a:gd name="connsiteX6" fmla="*/ 926926 w 4584526"/>
+                  <a:gd name="connsiteY6" fmla="*/ 2041743 h 2041743"/>
+                  <a:gd name="connsiteX7" fmla="*/ 0 w 4584526"/>
+                  <a:gd name="connsiteY7" fmla="*/ 1164921 h 2041743"/>
+                  <a:gd name="connsiteX8" fmla="*/ 12526 w 4584526"/>
+                  <a:gd name="connsiteY8" fmla="*/ 914400 h 2041743"/>
+                  <a:gd name="connsiteX0" fmla="*/ 12526 w 4584526"/>
+                  <a:gd name="connsiteY0" fmla="*/ 914400 h 2041743"/>
+                  <a:gd name="connsiteX1" fmla="*/ 914400 w 4584526"/>
+                  <a:gd name="connsiteY1" fmla="*/ 0 h 2041743"/>
+                  <a:gd name="connsiteX2" fmla="*/ 3657600 w 4584526"/>
+                  <a:gd name="connsiteY2" fmla="*/ 12526 h 2041743"/>
+                  <a:gd name="connsiteX3" fmla="*/ 4572000 w 4584526"/>
+                  <a:gd name="connsiteY3" fmla="*/ 889348 h 2041743"/>
+                  <a:gd name="connsiteX4" fmla="*/ 4584526 w 4584526"/>
+                  <a:gd name="connsiteY4" fmla="*/ 1177447 h 2041743"/>
+                  <a:gd name="connsiteX5" fmla="*/ 3657600 w 4584526"/>
+                  <a:gd name="connsiteY5" fmla="*/ 2041743 h 2041743"/>
+                  <a:gd name="connsiteX6" fmla="*/ 926926 w 4584526"/>
+                  <a:gd name="connsiteY6" fmla="*/ 2041743 h 2041743"/>
+                  <a:gd name="connsiteX7" fmla="*/ 0 w 4584526"/>
+                  <a:gd name="connsiteY7" fmla="*/ 1265129 h 2041743"/>
+                  <a:gd name="connsiteX8" fmla="*/ 12526 w 4584526"/>
+                  <a:gd name="connsiteY8" fmla="*/ 914400 h 2041743"/>
+                  <a:gd name="connsiteX0" fmla="*/ 12526 w 4572000"/>
+                  <a:gd name="connsiteY0" fmla="*/ 914400 h 2041743"/>
+                  <a:gd name="connsiteX1" fmla="*/ 914400 w 4572000"/>
+                  <a:gd name="connsiteY1" fmla="*/ 0 h 2041743"/>
+                  <a:gd name="connsiteX2" fmla="*/ 3657600 w 4572000"/>
+                  <a:gd name="connsiteY2" fmla="*/ 12526 h 2041743"/>
+                  <a:gd name="connsiteX3" fmla="*/ 4572000 w 4572000"/>
+                  <a:gd name="connsiteY3" fmla="*/ 889348 h 2041743"/>
+                  <a:gd name="connsiteX4" fmla="*/ 4572000 w 4572000"/>
+                  <a:gd name="connsiteY4" fmla="*/ 1252603 h 2041743"/>
+                  <a:gd name="connsiteX5" fmla="*/ 3657600 w 4572000"/>
+                  <a:gd name="connsiteY5" fmla="*/ 2041743 h 2041743"/>
+                  <a:gd name="connsiteX6" fmla="*/ 926926 w 4572000"/>
+                  <a:gd name="connsiteY6" fmla="*/ 2041743 h 2041743"/>
+                  <a:gd name="connsiteX7" fmla="*/ 0 w 4572000"/>
+                  <a:gd name="connsiteY7" fmla="*/ 1265129 h 2041743"/>
+                  <a:gd name="connsiteX8" fmla="*/ 12526 w 4572000"/>
+                  <a:gd name="connsiteY8" fmla="*/ 914400 h 2041743"/>
+                  <a:gd name="connsiteX0" fmla="*/ 12526 w 4572000"/>
+                  <a:gd name="connsiteY0" fmla="*/ 914400 h 2041743"/>
+                  <a:gd name="connsiteX1" fmla="*/ 914400 w 4572000"/>
+                  <a:gd name="connsiteY1" fmla="*/ 0 h 2041743"/>
+                  <a:gd name="connsiteX2" fmla="*/ 3657600 w 4572000"/>
+                  <a:gd name="connsiteY2" fmla="*/ 12526 h 2041743"/>
+                  <a:gd name="connsiteX3" fmla="*/ 4572000 w 4572000"/>
+                  <a:gd name="connsiteY3" fmla="*/ 889348 h 2041743"/>
+                  <a:gd name="connsiteX4" fmla="*/ 4572000 w 4572000"/>
+                  <a:gd name="connsiteY4" fmla="*/ 1252603 h 2041743"/>
+                  <a:gd name="connsiteX5" fmla="*/ 3657600 w 4572000"/>
+                  <a:gd name="connsiteY5" fmla="*/ 2041743 h 2041743"/>
+                  <a:gd name="connsiteX6" fmla="*/ 926926 w 4572000"/>
+                  <a:gd name="connsiteY6" fmla="*/ 2041743 h 2041743"/>
+                  <a:gd name="connsiteX7" fmla="*/ 0 w 4572000"/>
+                  <a:gd name="connsiteY7" fmla="*/ 1265129 h 2041743"/>
+                  <a:gd name="connsiteX8" fmla="*/ 12526 w 4572000"/>
+                  <a:gd name="connsiteY8" fmla="*/ 914400 h 2041743"/>
+                  <a:gd name="connsiteX0" fmla="*/ 12526 w 4572000"/>
+                  <a:gd name="connsiteY0" fmla="*/ 914400 h 2041743"/>
+                  <a:gd name="connsiteX1" fmla="*/ 914400 w 4572000"/>
+                  <a:gd name="connsiteY1" fmla="*/ 0 h 2041743"/>
+                  <a:gd name="connsiteX2" fmla="*/ 3657600 w 4572000"/>
+                  <a:gd name="connsiteY2" fmla="*/ 12526 h 2041743"/>
+                  <a:gd name="connsiteX3" fmla="*/ 4572000 w 4572000"/>
+                  <a:gd name="connsiteY3" fmla="*/ 889348 h 2041743"/>
+                  <a:gd name="connsiteX4" fmla="*/ 4572000 w 4572000"/>
+                  <a:gd name="connsiteY4" fmla="*/ 1252603 h 2041743"/>
+                  <a:gd name="connsiteX5" fmla="*/ 3695178 w 4572000"/>
+                  <a:gd name="connsiteY5" fmla="*/ 1828800 h 2041743"/>
+                  <a:gd name="connsiteX6" fmla="*/ 926926 w 4572000"/>
+                  <a:gd name="connsiteY6" fmla="*/ 2041743 h 2041743"/>
+                  <a:gd name="connsiteX7" fmla="*/ 0 w 4572000"/>
+                  <a:gd name="connsiteY7" fmla="*/ 1265129 h 2041743"/>
+                  <a:gd name="connsiteX8" fmla="*/ 12526 w 4572000"/>
+                  <a:gd name="connsiteY8" fmla="*/ 914400 h 2041743"/>
+                  <a:gd name="connsiteX0" fmla="*/ 12526 w 4572000"/>
+                  <a:gd name="connsiteY0" fmla="*/ 914400 h 1828800"/>
+                  <a:gd name="connsiteX1" fmla="*/ 914400 w 4572000"/>
+                  <a:gd name="connsiteY1" fmla="*/ 0 h 1828800"/>
+                  <a:gd name="connsiteX2" fmla="*/ 3657600 w 4572000"/>
+                  <a:gd name="connsiteY2" fmla="*/ 12526 h 1828800"/>
+                  <a:gd name="connsiteX3" fmla="*/ 4572000 w 4572000"/>
+                  <a:gd name="connsiteY3" fmla="*/ 889348 h 1828800"/>
+                  <a:gd name="connsiteX4" fmla="*/ 4572000 w 4572000"/>
+                  <a:gd name="connsiteY4" fmla="*/ 1252603 h 1828800"/>
+                  <a:gd name="connsiteX5" fmla="*/ 3695178 w 4572000"/>
+                  <a:gd name="connsiteY5" fmla="*/ 1828800 h 1828800"/>
+                  <a:gd name="connsiteX6" fmla="*/ 914400 w 4572000"/>
+                  <a:gd name="connsiteY6" fmla="*/ 1778696 h 1828800"/>
+                  <a:gd name="connsiteX7" fmla="*/ 0 w 4572000"/>
+                  <a:gd name="connsiteY7" fmla="*/ 1265129 h 1828800"/>
+                  <a:gd name="connsiteX8" fmla="*/ 12526 w 4572000"/>
+                  <a:gd name="connsiteY8" fmla="*/ 914400 h 1828800"/>
+                  <a:gd name="connsiteX0" fmla="*/ 12526 w 4572000"/>
+                  <a:gd name="connsiteY0" fmla="*/ 914400 h 1828800"/>
+                  <a:gd name="connsiteX1" fmla="*/ 914400 w 4572000"/>
+                  <a:gd name="connsiteY1" fmla="*/ 0 h 1828800"/>
+                  <a:gd name="connsiteX2" fmla="*/ 3657600 w 4572000"/>
+                  <a:gd name="connsiteY2" fmla="*/ 12526 h 1828800"/>
+                  <a:gd name="connsiteX3" fmla="*/ 4572000 w 4572000"/>
+                  <a:gd name="connsiteY3" fmla="*/ 889348 h 1828800"/>
+                  <a:gd name="connsiteX4" fmla="*/ 4572000 w 4572000"/>
+                  <a:gd name="connsiteY4" fmla="*/ 1252603 h 1828800"/>
+                  <a:gd name="connsiteX5" fmla="*/ 3695178 w 4572000"/>
+                  <a:gd name="connsiteY5" fmla="*/ 1828800 h 1828800"/>
+                  <a:gd name="connsiteX6" fmla="*/ 914400 w 4572000"/>
+                  <a:gd name="connsiteY6" fmla="*/ 1778696 h 1828800"/>
+                  <a:gd name="connsiteX7" fmla="*/ 0 w 4572000"/>
+                  <a:gd name="connsiteY7" fmla="*/ 1265129 h 1828800"/>
+                  <a:gd name="connsiteX8" fmla="*/ 12526 w 4572000"/>
+                  <a:gd name="connsiteY8" fmla="*/ 914400 h 1828800"/>
+                  <a:gd name="connsiteX0" fmla="*/ 12526 w 4572000"/>
+                  <a:gd name="connsiteY0" fmla="*/ 914400 h 1828800"/>
+                  <a:gd name="connsiteX1" fmla="*/ 914400 w 4572000"/>
+                  <a:gd name="connsiteY1" fmla="*/ 0 h 1828800"/>
+                  <a:gd name="connsiteX2" fmla="*/ 3657600 w 4572000"/>
+                  <a:gd name="connsiteY2" fmla="*/ 12526 h 1828800"/>
+                  <a:gd name="connsiteX3" fmla="*/ 4572000 w 4572000"/>
+                  <a:gd name="connsiteY3" fmla="*/ 889348 h 1828800"/>
+                  <a:gd name="connsiteX4" fmla="*/ 4572000 w 4572000"/>
+                  <a:gd name="connsiteY4" fmla="*/ 1252603 h 1828800"/>
+                  <a:gd name="connsiteX5" fmla="*/ 3695178 w 4572000"/>
+                  <a:gd name="connsiteY5" fmla="*/ 1828800 h 1828800"/>
+                  <a:gd name="connsiteX6" fmla="*/ 914400 w 4572000"/>
+                  <a:gd name="connsiteY6" fmla="*/ 1778696 h 1828800"/>
+                  <a:gd name="connsiteX7" fmla="*/ 0 w 4572000"/>
+                  <a:gd name="connsiteY7" fmla="*/ 1265129 h 1828800"/>
+                  <a:gd name="connsiteX8" fmla="*/ 12526 w 4572000"/>
+                  <a:gd name="connsiteY8" fmla="*/ 914400 h 1828800"/>
+                  <a:gd name="connsiteX0" fmla="*/ 12526 w 4572000"/>
+                  <a:gd name="connsiteY0" fmla="*/ 914400 h 1828800"/>
+                  <a:gd name="connsiteX1" fmla="*/ 914400 w 4572000"/>
+                  <a:gd name="connsiteY1" fmla="*/ 0 h 1828800"/>
+                  <a:gd name="connsiteX2" fmla="*/ 3657600 w 4572000"/>
+                  <a:gd name="connsiteY2" fmla="*/ 12526 h 1828800"/>
+                  <a:gd name="connsiteX3" fmla="*/ 4572000 w 4572000"/>
+                  <a:gd name="connsiteY3" fmla="*/ 889348 h 1828800"/>
+                  <a:gd name="connsiteX4" fmla="*/ 4572000 w 4572000"/>
+                  <a:gd name="connsiteY4" fmla="*/ 1252603 h 1828800"/>
+                  <a:gd name="connsiteX5" fmla="*/ 3695178 w 4572000"/>
+                  <a:gd name="connsiteY5" fmla="*/ 1828800 h 1828800"/>
+                  <a:gd name="connsiteX6" fmla="*/ 914400 w 4572000"/>
+                  <a:gd name="connsiteY6" fmla="*/ 1778696 h 1828800"/>
+                  <a:gd name="connsiteX7" fmla="*/ 0 w 4572000"/>
+                  <a:gd name="connsiteY7" fmla="*/ 1265129 h 1828800"/>
+                  <a:gd name="connsiteX8" fmla="*/ 12526 w 4572000"/>
+                  <a:gd name="connsiteY8" fmla="*/ 914400 h 1828800"/>
+                  <a:gd name="connsiteX0" fmla="*/ 12526 w 4572000"/>
+                  <a:gd name="connsiteY0" fmla="*/ 914400 h 1828800"/>
+                  <a:gd name="connsiteX1" fmla="*/ 914400 w 4572000"/>
+                  <a:gd name="connsiteY1" fmla="*/ 0 h 1828800"/>
+                  <a:gd name="connsiteX2" fmla="*/ 3657600 w 4572000"/>
+                  <a:gd name="connsiteY2" fmla="*/ 12526 h 1828800"/>
+                  <a:gd name="connsiteX3" fmla="*/ 4572000 w 4572000"/>
+                  <a:gd name="connsiteY3" fmla="*/ 889348 h 1828800"/>
+                  <a:gd name="connsiteX4" fmla="*/ 4572000 w 4572000"/>
+                  <a:gd name="connsiteY4" fmla="*/ 1252603 h 1828800"/>
+                  <a:gd name="connsiteX5" fmla="*/ 3695178 w 4572000"/>
+                  <a:gd name="connsiteY5" fmla="*/ 1828800 h 1828800"/>
+                  <a:gd name="connsiteX6" fmla="*/ 914400 w 4572000"/>
+                  <a:gd name="connsiteY6" fmla="*/ 1778696 h 1828800"/>
+                  <a:gd name="connsiteX7" fmla="*/ 0 w 4572000"/>
+                  <a:gd name="connsiteY7" fmla="*/ 1265129 h 1828800"/>
+                  <a:gd name="connsiteX8" fmla="*/ 12526 w 4572000"/>
+                  <a:gd name="connsiteY8" fmla="*/ 914400 h 1828800"/>
+                </a:gdLst>
+                <a:ahLst/>
+                <a:cxnLst>
+                  <a:cxn ang="0">
+                    <a:pos x="connsiteX0" y="connsiteY0"/>
+                  </a:cxn>
+                  <a:cxn ang="0">
+                    <a:pos x="connsiteX1" y="connsiteY1"/>
+                  </a:cxn>
+                  <a:cxn ang="0">
+                    <a:pos x="connsiteX2" y="connsiteY2"/>
+                  </a:cxn>
+                  <a:cxn ang="0">
+                    <a:pos x="connsiteX3" y="connsiteY3"/>
+                  </a:cxn>
+                  <a:cxn ang="0">
+                    <a:pos x="connsiteX4" y="connsiteY4"/>
+                  </a:cxn>
+                  <a:cxn ang="0">
+                    <a:pos x="connsiteX5" y="connsiteY5"/>
+                  </a:cxn>
+                  <a:cxn ang="0">
+                    <a:pos x="connsiteX6" y="connsiteY6"/>
+                  </a:cxn>
+                  <a:cxn ang="0">
+                    <a:pos x="connsiteX7" y="connsiteY7"/>
+                  </a:cxn>
+                  <a:cxn ang="0">
+                    <a:pos x="connsiteX8" y="connsiteY8"/>
+                  </a:cxn>
+                </a:cxnLst>
+                <a:rect l="l" t="t" r="r" b="b"/>
+                <a:pathLst>
+                  <a:path w="4572000" h="1828800">
+                    <a:moveTo>
+                      <a:pt x="12526" y="914400"/>
+                    </a:moveTo>
+                    <a:cubicBezTo>
+                      <a:pt x="313151" y="609600"/>
+                      <a:pt x="538618" y="229644"/>
+                      <a:pt x="914400" y="0"/>
+                    </a:cubicBezTo>
+                    <a:lnTo>
+                      <a:pt x="3657600" y="12526"/>
+                    </a:lnTo>
+                    <a:cubicBezTo>
+                      <a:pt x="4012504" y="229644"/>
+                      <a:pt x="4267200" y="597074"/>
+                      <a:pt x="4572000" y="889348"/>
+                    </a:cubicBezTo>
+                    <a:lnTo>
+                      <a:pt x="4572000" y="1252603"/>
+                    </a:lnTo>
+                    <a:cubicBezTo>
+                      <a:pt x="4292252" y="1540702"/>
+                      <a:pt x="4125238" y="1665961"/>
+                      <a:pt x="3695178" y="1828800"/>
+                    </a:cubicBezTo>
+                    <a:lnTo>
+                      <a:pt x="914400" y="1778696"/>
+                    </a:lnTo>
+                    <a:cubicBezTo>
+                      <a:pt x="572022" y="1695189"/>
+                      <a:pt x="304800" y="1436318"/>
+                      <a:pt x="0" y="1265129"/>
+                    </a:cubicBezTo>
+                    <a:lnTo>
+                      <a:pt x="12526" y="914400"/>
+                    </a:lnTo>
+                    <a:close/>
+                  </a:path>
+                </a:pathLst>
+              </a:custGeom>
+              <a:solidFill>
+                <a:schemeClr val="bg1"/>
+              </a:solidFill>
+              <a:ln w="38100">
+                <a:solidFill>
+                  <a:schemeClr val="tx1"/>
+                </a:solidFill>
+              </a:ln>
+            </p:spPr>
+            <p:style>
+              <a:lnRef idx="2">
+                <a:schemeClr val="accent1">
+                  <a:shade val="50000"/>
+                </a:schemeClr>
+              </a:lnRef>
+              <a:fillRef idx="1">
+                <a:schemeClr val="accent1"/>
+              </a:fillRef>
+              <a:effectRef idx="0">
+                <a:schemeClr val="accent1"/>
+              </a:effectRef>
+              <a:fontRef idx="minor">
+                <a:schemeClr val="lt1"/>
+              </a:fontRef>
+            </p:style>
+            <p:txBody>
+              <a:bodyPr rtlCol="0" anchor="ctr"/>
+              <a:lstStyle/>
+              <a:p>
+                <a:pPr algn="ctr"/>
+                <a:endParaRPr lang="en-US"/>
+              </a:p>
+            </p:txBody>
+          </p:sp>
+          <p:cxnSp>
+            <p:nvCxnSpPr>
+              <p:cNvPr id="8" name="Straight Arrow Connector 7"/>
+              <p:cNvCxnSpPr/>
+              <p:nvPr/>
+            </p:nvCxnSpPr>
+            <p:spPr>
+              <a:xfrm>
+                <a:off x="3369501" y="3240624"/>
+                <a:ext cx="4572000" cy="0"/>
+              </a:xfrm>
+              <a:prstGeom prst="straightConnector1">
+                <a:avLst/>
+              </a:prstGeom>
+              <a:ln w="38100">
+                <a:solidFill>
+                  <a:schemeClr val="tx1"/>
+                </a:solidFill>
+                <a:headEnd type="triangle"/>
+                <a:tailEnd type="triangle"/>
+              </a:ln>
+            </p:spPr>
+            <p:style>
+              <a:lnRef idx="1">
+                <a:schemeClr val="accent1"/>
+              </a:lnRef>
+              <a:fillRef idx="0">
+                <a:schemeClr val="accent1"/>
+              </a:fillRef>
+              <a:effectRef idx="0">
+                <a:schemeClr val="accent1"/>
+              </a:effectRef>
+              <a:fontRef idx="minor">
+                <a:schemeClr val="tx1"/>
+              </a:fontRef>
+            </p:style>
+          </p:cxnSp>
+          <mc:AlternateContent xmlns:mc="http://schemas.openxmlformats.org/markup-compatibility/2006">
+            <mc:Choice xmlns:a14="http://schemas.microsoft.com/office/drawing/2010/main" Requires="a14">
+              <p:sp>
+                <p:nvSpPr>
+                  <p:cNvPr id="9" name="TextBox 8"/>
+                  <p:cNvSpPr txBox="1"/>
+                  <p:nvPr/>
+                </p:nvSpPr>
+                <p:spPr>
+                  <a:xfrm>
+                    <a:off x="5397200" y="2897274"/>
+                    <a:ext cx="387798" cy="307777"/>
+                  </a:xfrm>
+                  <a:prstGeom prst="rect">
+                    <a:avLst/>
+                  </a:prstGeom>
+                  <a:noFill/>
+                </p:spPr>
+                <p:txBody>
+                  <a:bodyPr wrap="none" lIns="0" tIns="0" rIns="0" bIns="0" rtlCol="0">
+                    <a:spAutoFit/>
+                  </a:bodyPr>
+                  <a:lstStyle/>
+                  <a:p>
+                    <a14:m>
+                      <m:oMathPara xmlns:m="http://schemas.openxmlformats.org/officeDocument/2006/math">
+                        <m:oMathParaPr>
+                          <m:jc m:val="centerGroup"/>
+                        </m:oMathParaPr>
+                        <m:oMath xmlns:m="http://schemas.openxmlformats.org/officeDocument/2006/math">
+                          <m:r>
+                            <m:rPr>
+                              <m:sty m:val="p"/>
+                            </m:rPr>
+                            <a:rPr lang="en-US" sz="2000" b="0" i="0" smtClean="0">
+                              <a:latin typeface="Cambria Math" panose="02040503050406030204" pitchFamily="18" charset="0"/>
+                              <a:cs typeface="Arial" panose="020B0604020202020204" pitchFamily="34" charset="0"/>
+                            </a:rPr>
+                            <m:t>Δ</m:t>
+                          </m:r>
+                          <m:r>
+                            <a:rPr lang="en-US" sz="2000" b="0" i="1" smtClean="0">
+                              <a:latin typeface="Cambria Math" panose="02040503050406030204" pitchFamily="18" charset="0"/>
+                              <a:cs typeface="Arial" panose="020B0604020202020204" pitchFamily="34" charset="0"/>
+                            </a:rPr>
+                            <m:t>𝑃</m:t>
+                          </m:r>
+                        </m:oMath>
+                      </m:oMathPara>
+                    </a14:m>
+                    <a:endParaRPr lang="en-US" sz="2000" dirty="0" smtClean="0">
+                      <a:latin typeface="Arial" panose="020B0604020202020204" pitchFamily="34" charset="0"/>
+                      <a:cs typeface="Arial" panose="020B0604020202020204" pitchFamily="34" charset="0"/>
+                    </a:endParaRPr>
+                  </a:p>
+                </p:txBody>
+              </p:sp>
+            </mc:Choice>
+            <mc:Fallback>
+              <p:sp>
+                <p:nvSpPr>
+                  <p:cNvPr id="9" name="TextBox 8"/>
+                  <p:cNvSpPr txBox="1">
+                    <a:spLocks noRot="1" noChangeAspect="1" noMove="1" noResize="1" noEditPoints="1" noAdjustHandles="1" noChangeArrowheads="1" noChangeShapeType="1" noTextEdit="1"/>
+                  </p:cNvSpPr>
+                  <p:nvPr/>
+                </p:nvSpPr>
+                <p:spPr>
+                  <a:xfrm>
+                    <a:off x="5397200" y="2897274"/>
+                    <a:ext cx="387798" cy="307777"/>
+                  </a:xfrm>
+                  <a:prstGeom prst="rect">
+                    <a:avLst/>
+                  </a:prstGeom>
+                  <a:blipFill>
+                    <a:blip r:embed="rId2"/>
+                    <a:stretch>
+                      <a:fillRect l="-14063" r="-10938" b="-9804"/>
+                    </a:stretch>
+                  </a:blipFill>
+                </p:spPr>
+                <p:txBody>
+                  <a:bodyPr/>
+                  <a:lstStyle/>
+                  <a:p>
+                    <a:r>
+                      <a:rPr lang="en-US">
+                        <a:noFill/>
+                      </a:rPr>
+                      <a:t> </a:t>
+                    </a:r>
+                  </a:p>
+                </p:txBody>
+              </p:sp>
+            </mc:Fallback>
+          </mc:AlternateContent>
+          <mc:AlternateContent xmlns:mc="http://schemas.openxmlformats.org/markup-compatibility/2006">
+            <mc:Choice xmlns:a14="http://schemas.microsoft.com/office/drawing/2010/main" Requires="a14">
+              <p:sp>
+                <p:nvSpPr>
+                  <p:cNvPr id="10" name="TextBox 9"/>
+                  <p:cNvSpPr txBox="1"/>
+                  <p:nvPr/>
+                </p:nvSpPr>
+                <p:spPr>
+                  <a:xfrm>
+                    <a:off x="5385937" y="2199467"/>
+                    <a:ext cx="450937" cy="307777"/>
+                  </a:xfrm>
+                  <a:prstGeom prst="rect">
+                    <a:avLst/>
+                  </a:prstGeom>
+                  <a:noFill/>
+                </p:spPr>
+                <p:txBody>
+                  <a:bodyPr wrap="square" lIns="0" tIns="0" rIns="0" bIns="0" rtlCol="0">
+                    <a:spAutoFit/>
+                  </a:bodyPr>
+                  <a:lstStyle/>
+                  <a:p>
+                    <a14:m>
+                      <m:oMathPara xmlns:m="http://schemas.openxmlformats.org/officeDocument/2006/math">
+                        <m:oMathParaPr>
+                          <m:jc m:val="centerGroup"/>
+                        </m:oMathParaPr>
+                        <m:oMath xmlns:m="http://schemas.openxmlformats.org/officeDocument/2006/math">
+                          <m:sSub>
+                            <m:sSubPr>
+                              <m:ctrlPr>
+                                <a:rPr lang="en-US" sz="2000" b="0" i="1" smtClean="0">
+                                  <a:latin typeface="Cambria Math" panose="02040503050406030204" pitchFamily="18" charset="0"/>
+                                  <a:cs typeface="Arial" panose="020B0604020202020204" pitchFamily="34" charset="0"/>
+                                </a:rPr>
+                              </m:ctrlPr>
+                            </m:sSubPr>
+                            <m:e>
+                              <m:r>
+                                <a:rPr lang="en-US" sz="2000" b="0" i="1" smtClean="0">
+                                  <a:latin typeface="Cambria Math" panose="02040503050406030204" pitchFamily="18" charset="0"/>
+                                  <a:cs typeface="Arial" panose="020B0604020202020204" pitchFamily="34" charset="0"/>
+                                </a:rPr>
+                                <m:t>𝑅</m:t>
+                              </m:r>
+                            </m:e>
+                            <m:sub>
+                              <m:r>
+                                <a:rPr lang="en-US" sz="2000" b="0" i="1" smtClean="0">
+                                  <a:latin typeface="Cambria Math" panose="02040503050406030204" pitchFamily="18" charset="0"/>
+                                  <a:cs typeface="Arial" panose="020B0604020202020204" pitchFamily="34" charset="0"/>
+                                </a:rPr>
+                                <m:t>1</m:t>
+                              </m:r>
+                            </m:sub>
+                          </m:sSub>
+                        </m:oMath>
+                      </m:oMathPara>
+                    </a14:m>
+                    <a:endParaRPr lang="en-US" sz="2000" dirty="0" smtClean="0">
+                      <a:latin typeface="Arial" panose="020B0604020202020204" pitchFamily="34" charset="0"/>
+                      <a:cs typeface="Arial" panose="020B0604020202020204" pitchFamily="34" charset="0"/>
+                    </a:endParaRPr>
+                  </a:p>
+                </p:txBody>
+              </p:sp>
+            </mc:Choice>
+            <mc:Fallback>
+              <p:sp>
+                <p:nvSpPr>
+                  <p:cNvPr id="10" name="TextBox 9"/>
+                  <p:cNvSpPr txBox="1">
+                    <a:spLocks noRot="1" noChangeAspect="1" noMove="1" noResize="1" noEditPoints="1" noAdjustHandles="1" noChangeArrowheads="1" noChangeShapeType="1" noTextEdit="1"/>
+                  </p:cNvSpPr>
+                  <p:nvPr/>
+                </p:nvSpPr>
+                <p:spPr>
+                  <a:xfrm>
+                    <a:off x="5385937" y="2199467"/>
+                    <a:ext cx="450937" cy="307777"/>
+                  </a:xfrm>
+                  <a:prstGeom prst="rect">
+                    <a:avLst/>
+                  </a:prstGeom>
+                  <a:blipFill>
+                    <a:blip r:embed="rId3"/>
+                    <a:stretch>
+                      <a:fillRect b="-20000"/>
+                    </a:stretch>
+                  </a:blipFill>
+                </p:spPr>
+                <p:txBody>
+                  <a:bodyPr/>
+                  <a:lstStyle/>
+                  <a:p>
+                    <a:r>
+                      <a:rPr lang="en-US">
+                        <a:noFill/>
+                      </a:rPr>
+                      <a:t> </a:t>
+                    </a:r>
+                  </a:p>
+                </p:txBody>
+              </p:sp>
+            </mc:Fallback>
+          </mc:AlternateContent>
+          <mc:AlternateContent xmlns:mc="http://schemas.openxmlformats.org/markup-compatibility/2006">
+            <mc:Choice xmlns:a14="http://schemas.microsoft.com/office/drawing/2010/main" Requires="a14">
+              <p:sp>
+                <p:nvSpPr>
+                  <p:cNvPr id="11" name="TextBox 10"/>
+                  <p:cNvSpPr txBox="1"/>
+                  <p:nvPr/>
+                </p:nvSpPr>
+                <p:spPr>
+                  <a:xfrm>
+                    <a:off x="5385937" y="3583975"/>
+                    <a:ext cx="450937" cy="307777"/>
+                  </a:xfrm>
+                  <a:prstGeom prst="rect">
+                    <a:avLst/>
+                  </a:prstGeom>
+                  <a:noFill/>
+                </p:spPr>
+                <p:txBody>
+                  <a:bodyPr wrap="square" lIns="0" tIns="0" rIns="0" bIns="0" rtlCol="0">
+                    <a:spAutoFit/>
+                  </a:bodyPr>
+                  <a:lstStyle/>
+                  <a:p>
+                    <a14:m>
+                      <m:oMathPara xmlns:m="http://schemas.openxmlformats.org/officeDocument/2006/math">
+                        <m:oMathParaPr>
+                          <m:jc m:val="centerGroup"/>
+                        </m:oMathParaPr>
+                        <m:oMath xmlns:m="http://schemas.openxmlformats.org/officeDocument/2006/math">
+                          <m:sSub>
+                            <m:sSubPr>
+                              <m:ctrlPr>
+                                <a:rPr lang="en-US" sz="2000" b="0" i="1" smtClean="0">
+                                  <a:latin typeface="Cambria Math" panose="02040503050406030204" pitchFamily="18" charset="0"/>
+                                  <a:cs typeface="Arial" panose="020B0604020202020204" pitchFamily="34" charset="0"/>
+                                </a:rPr>
+                              </m:ctrlPr>
+                            </m:sSubPr>
+                            <m:e>
+                              <m:r>
+                                <a:rPr lang="en-US" sz="2000" b="0" i="1" smtClean="0">
+                                  <a:latin typeface="Cambria Math" panose="02040503050406030204" pitchFamily="18" charset="0"/>
+                                  <a:cs typeface="Arial" panose="020B0604020202020204" pitchFamily="34" charset="0"/>
+                                </a:rPr>
+                                <m:t>𝑅</m:t>
+                              </m:r>
+                            </m:e>
+                            <m:sub>
+                              <m:r>
+                                <a:rPr lang="en-US" sz="2000" b="0" i="1" smtClean="0">
+                                  <a:latin typeface="Cambria Math" panose="02040503050406030204" pitchFamily="18" charset="0"/>
+                                  <a:cs typeface="Arial" panose="020B0604020202020204" pitchFamily="34" charset="0"/>
+                                </a:rPr>
+                                <m:t>2</m:t>
+                              </m:r>
+                            </m:sub>
+                          </m:sSub>
+                        </m:oMath>
+                      </m:oMathPara>
+                    </a14:m>
+                    <a:endParaRPr lang="en-US" sz="2000" dirty="0" smtClean="0">
+                      <a:latin typeface="Arial" panose="020B0604020202020204" pitchFamily="34" charset="0"/>
+                      <a:cs typeface="Arial" panose="020B0604020202020204" pitchFamily="34" charset="0"/>
+                    </a:endParaRPr>
+                  </a:p>
+                </p:txBody>
+              </p:sp>
+            </mc:Choice>
+            <mc:Fallback>
+              <p:sp>
+                <p:nvSpPr>
+                  <p:cNvPr id="11" name="TextBox 10"/>
+                  <p:cNvSpPr txBox="1">
+                    <a:spLocks noRot="1" noChangeAspect="1" noMove="1" noResize="1" noEditPoints="1" noAdjustHandles="1" noChangeArrowheads="1" noChangeShapeType="1" noTextEdit="1"/>
+                  </p:cNvSpPr>
+                  <p:nvPr/>
+                </p:nvSpPr>
+                <p:spPr>
+                  <a:xfrm>
+                    <a:off x="5385937" y="3583975"/>
+                    <a:ext cx="450937" cy="307777"/>
+                  </a:xfrm>
+                  <a:prstGeom prst="rect">
+                    <a:avLst/>
+                  </a:prstGeom>
+                  <a:blipFill>
+                    <a:blip r:embed="rId4"/>
+                    <a:stretch>
+                      <a:fillRect b="-20000"/>
+                    </a:stretch>
+                  </a:blipFill>
+                </p:spPr>
+                <p:txBody>
+                  <a:bodyPr/>
+                  <a:lstStyle/>
+                  <a:p>
+                    <a:r>
+                      <a:rPr lang="en-US">
+                        <a:noFill/>
+                      </a:rPr>
+                      <a:t> </a:t>
+                    </a:r>
+                  </a:p>
+                </p:txBody>
+              </p:sp>
+            </mc:Fallback>
+          </mc:AlternateContent>
+        </p:grpSp>
+        <mc:AlternateContent xmlns:mc="http://schemas.openxmlformats.org/markup-compatibility/2006">
+          <mc:Choice xmlns:a14="http://schemas.microsoft.com/office/drawing/2010/main" Requires="a14">
+            <p:sp>
+              <p:nvSpPr>
+                <p:cNvPr id="13" name="TextBox 12"/>
+                <p:cNvSpPr txBox="1"/>
+                <p:nvPr/>
+              </p:nvSpPr>
+              <p:spPr>
+                <a:xfrm>
+                  <a:off x="5169672" y="1453980"/>
+                  <a:ext cx="946606" cy="307777"/>
+                </a:xfrm>
+                <a:prstGeom prst="rect">
+                  <a:avLst/>
+                </a:prstGeom>
+                <a:noFill/>
+              </p:spPr>
+              <p:txBody>
+                <a:bodyPr wrap="none" lIns="0" tIns="0" rIns="0" bIns="0" rtlCol="0">
+                  <a:spAutoFit/>
+                </a:bodyPr>
+                <a:lstStyle/>
+                <a:p>
+                  <a14:m>
+                    <m:oMathPara xmlns:m="http://schemas.openxmlformats.org/officeDocument/2006/math">
+                      <m:oMathParaPr>
+                        <m:jc m:val="centerGroup"/>
+                      </m:oMathParaPr>
+                      <m:oMath xmlns:m="http://schemas.openxmlformats.org/officeDocument/2006/math">
+                        <m:r>
+                          <a:rPr lang="en-US" sz="2000" b="0" i="1" smtClean="0">
+                            <a:latin typeface="Cambria Math" panose="02040503050406030204" pitchFamily="18" charset="0"/>
+                            <a:cs typeface="Arial" panose="020B0604020202020204" pitchFamily="34" charset="0"/>
+                          </a:rPr>
+                          <m:t>h𝑜𝑢𝑠𝑒</m:t>
+                        </m:r>
+                        <m:r>
+                          <a:rPr lang="en-US" sz="2000" b="0" i="1" smtClean="0">
+                            <a:latin typeface="Cambria Math" panose="02040503050406030204" pitchFamily="18" charset="0"/>
+                            <a:cs typeface="Arial" panose="020B0604020202020204" pitchFamily="34" charset="0"/>
+                          </a:rPr>
+                          <m:t> 1</m:t>
+                        </m:r>
+                      </m:oMath>
+                    </m:oMathPara>
+                  </a14:m>
+                  <a:endParaRPr lang="en-US" sz="2000" dirty="0" smtClean="0">
+                    <a:latin typeface="Arial" panose="020B0604020202020204" pitchFamily="34" charset="0"/>
+                    <a:cs typeface="Arial" panose="020B0604020202020204" pitchFamily="34" charset="0"/>
+                  </a:endParaRPr>
+                </a:p>
+              </p:txBody>
+            </p:sp>
+          </mc:Choice>
+          <mc:Fallback>
+            <p:sp>
+              <p:nvSpPr>
+                <p:cNvPr id="13" name="TextBox 12"/>
+                <p:cNvSpPr txBox="1">
+                  <a:spLocks noRot="1" noChangeAspect="1" noMove="1" noResize="1" noEditPoints="1" noAdjustHandles="1" noChangeArrowheads="1" noChangeShapeType="1" noTextEdit="1"/>
+                </p:cNvSpPr>
+                <p:nvPr/>
+              </p:nvSpPr>
+              <p:spPr>
+                <a:xfrm>
+                  <a:off x="5169672" y="1453980"/>
+                  <a:ext cx="946606" cy="307777"/>
+                </a:xfrm>
+                <a:prstGeom prst="rect">
+                  <a:avLst/>
+                </a:prstGeom>
+                <a:blipFill>
+                  <a:blip r:embed="rId5"/>
+                  <a:stretch>
+                    <a:fillRect l="-5806" r="-5161" b="-12000"/>
+                  </a:stretch>
+                </a:blipFill>
+              </p:spPr>
+              <p:txBody>
+                <a:bodyPr/>
+                <a:lstStyle/>
+                <a:p>
+                  <a:r>
+                    <a:rPr lang="en-US">
+                      <a:noFill/>
+                    </a:rPr>
+                    <a:t> </a:t>
+                  </a:r>
+                </a:p>
+              </p:txBody>
+            </p:sp>
+          </mc:Fallback>
+        </mc:AlternateContent>
+        <mc:AlternateContent xmlns:mc="http://schemas.openxmlformats.org/markup-compatibility/2006">
+          <mc:Choice xmlns:a14="http://schemas.microsoft.com/office/drawing/2010/main" Requires="a14">
+            <p:sp>
+              <p:nvSpPr>
+                <p:cNvPr id="14" name="TextBox 13"/>
+                <p:cNvSpPr txBox="1"/>
+                <p:nvPr/>
+              </p:nvSpPr>
+              <p:spPr>
+                <a:xfrm>
+                  <a:off x="5268909" y="4634630"/>
+                  <a:ext cx="946606" cy="307777"/>
+                </a:xfrm>
+                <a:prstGeom prst="rect">
+                  <a:avLst/>
+                </a:prstGeom>
+                <a:noFill/>
+              </p:spPr>
+              <p:txBody>
+                <a:bodyPr wrap="none" lIns="0" tIns="0" rIns="0" bIns="0" rtlCol="0">
+                  <a:spAutoFit/>
+                </a:bodyPr>
+                <a:lstStyle/>
+                <a:p>
+                  <a14:m>
+                    <m:oMathPara xmlns:m="http://schemas.openxmlformats.org/officeDocument/2006/math">
+                      <m:oMathParaPr>
+                        <m:jc m:val="centerGroup"/>
+                      </m:oMathParaPr>
+                      <m:oMath xmlns:m="http://schemas.openxmlformats.org/officeDocument/2006/math">
+                        <m:r>
+                          <a:rPr lang="en-US" sz="2000" b="0" i="1" smtClean="0">
+                            <a:latin typeface="Cambria Math" panose="02040503050406030204" pitchFamily="18" charset="0"/>
+                            <a:cs typeface="Arial" panose="020B0604020202020204" pitchFamily="34" charset="0"/>
+                          </a:rPr>
+                          <m:t>h𝑜𝑢𝑠𝑒</m:t>
+                        </m:r>
+                        <m:r>
+                          <a:rPr lang="en-US" sz="2000" b="0" i="1" smtClean="0">
+                            <a:latin typeface="Cambria Math" panose="02040503050406030204" pitchFamily="18" charset="0"/>
+                            <a:cs typeface="Arial" panose="020B0604020202020204" pitchFamily="34" charset="0"/>
+                          </a:rPr>
+                          <m:t> 2</m:t>
+                        </m:r>
+                      </m:oMath>
+                    </m:oMathPara>
+                  </a14:m>
+                  <a:endParaRPr lang="en-US" sz="2000" dirty="0" smtClean="0">
+                    <a:latin typeface="Arial" panose="020B0604020202020204" pitchFamily="34" charset="0"/>
+                    <a:cs typeface="Arial" panose="020B0604020202020204" pitchFamily="34" charset="0"/>
+                  </a:endParaRPr>
+                </a:p>
+              </p:txBody>
+            </p:sp>
+          </mc:Choice>
+          <mc:Fallback>
+            <p:sp>
+              <p:nvSpPr>
+                <p:cNvPr id="14" name="TextBox 13"/>
+                <p:cNvSpPr txBox="1">
+                  <a:spLocks noRot="1" noChangeAspect="1" noMove="1" noResize="1" noEditPoints="1" noAdjustHandles="1" noChangeArrowheads="1" noChangeShapeType="1" noTextEdit="1"/>
+                </p:cNvSpPr>
+                <p:nvPr/>
+              </p:nvSpPr>
+              <p:spPr>
+                <a:xfrm>
+                  <a:off x="5268909" y="4634630"/>
+                  <a:ext cx="946606" cy="307777"/>
+                </a:xfrm>
+                <a:prstGeom prst="rect">
+                  <a:avLst/>
+                </a:prstGeom>
+                <a:blipFill>
+                  <a:blip r:embed="rId6"/>
+                  <a:stretch>
+                    <a:fillRect l="-5806" r="-5161" b="-9804"/>
+                  </a:stretch>
+                </a:blipFill>
+              </p:spPr>
+              <p:txBody>
+                <a:bodyPr/>
+                <a:lstStyle/>
+                <a:p>
+                  <a:r>
+                    <a:rPr lang="en-US">
+                      <a:noFill/>
+                    </a:rPr>
+                    <a:t> </a:t>
+                  </a:r>
+                </a:p>
+              </p:txBody>
+            </p:sp>
+          </mc:Fallback>
+        </mc:AlternateContent>
+        <mc:AlternateContent xmlns:mc="http://schemas.openxmlformats.org/markup-compatibility/2006">
+          <mc:Choice xmlns:a14="http://schemas.microsoft.com/office/drawing/2010/main" Requires="a14">
+            <p:sp>
+              <p:nvSpPr>
+                <p:cNvPr id="15" name="TextBox 14"/>
+                <p:cNvSpPr txBox="1"/>
+                <p:nvPr/>
+              </p:nvSpPr>
+              <p:spPr>
+                <a:xfrm>
+                  <a:off x="2520850" y="2475276"/>
+                  <a:ext cx="661591" cy="307777"/>
+                </a:xfrm>
+                <a:prstGeom prst="rect">
+                  <a:avLst/>
+                </a:prstGeom>
+                <a:noFill/>
+              </p:spPr>
+              <p:txBody>
+                <a:bodyPr wrap="none" lIns="0" tIns="0" rIns="0" bIns="0" rtlCol="0">
+                  <a:spAutoFit/>
+                </a:bodyPr>
+                <a:lstStyle/>
+                <a:p>
+                  <a14:m>
+                    <m:oMathPara xmlns:m="http://schemas.openxmlformats.org/officeDocument/2006/math">
+                      <m:oMathParaPr>
+                        <m:jc m:val="centerGroup"/>
+                      </m:oMathParaPr>
+                      <m:oMath xmlns:m="http://schemas.openxmlformats.org/officeDocument/2006/math">
+                        <m:r>
+                          <a:rPr lang="en-US" sz="2000" b="0" i="1" smtClean="0">
+                            <a:latin typeface="Cambria Math" panose="02040503050406030204" pitchFamily="18" charset="0"/>
+                            <a:cs typeface="Arial" panose="020B0604020202020204" pitchFamily="34" charset="0"/>
+                          </a:rPr>
+                          <m:t>𝑚𝑎𝑖𝑛</m:t>
+                        </m:r>
+                      </m:oMath>
+                    </m:oMathPara>
+                  </a14:m>
+                  <a:endParaRPr lang="en-US" sz="2000" dirty="0" smtClean="0">
+                    <a:latin typeface="Arial" panose="020B0604020202020204" pitchFamily="34" charset="0"/>
+                    <a:cs typeface="Arial" panose="020B0604020202020204" pitchFamily="34" charset="0"/>
+                  </a:endParaRPr>
+                </a:p>
+              </p:txBody>
+            </p:sp>
+          </mc:Choice>
+          <mc:Fallback>
+            <p:sp>
+              <p:nvSpPr>
+                <p:cNvPr id="15" name="TextBox 14"/>
+                <p:cNvSpPr txBox="1">
+                  <a:spLocks noRot="1" noChangeAspect="1" noMove="1" noResize="1" noEditPoints="1" noAdjustHandles="1" noChangeArrowheads="1" noChangeShapeType="1" noTextEdit="1"/>
+                </p:cNvSpPr>
+                <p:nvPr/>
+              </p:nvSpPr>
+              <p:spPr>
+                <a:xfrm>
+                  <a:off x="2520850" y="2475276"/>
+                  <a:ext cx="661591" cy="307777"/>
+                </a:xfrm>
+                <a:prstGeom prst="rect">
+                  <a:avLst/>
+                </a:prstGeom>
+                <a:blipFill>
+                  <a:blip r:embed="rId7"/>
+                  <a:stretch>
+                    <a:fillRect l="-7339" r="-6422" b="-9804"/>
+                  </a:stretch>
+                </a:blipFill>
+              </p:spPr>
+              <p:txBody>
+                <a:bodyPr/>
+                <a:lstStyle/>
+                <a:p>
+                  <a:r>
+                    <a:rPr lang="en-US">
+                      <a:noFill/>
+                    </a:rPr>
+                    <a:t> </a:t>
+                  </a:r>
+                </a:p>
+              </p:txBody>
+            </p:sp>
+          </mc:Fallback>
+        </mc:AlternateContent>
+        <mc:AlternateContent xmlns:mc="http://schemas.openxmlformats.org/markup-compatibility/2006">
+          <mc:Choice xmlns:a14="http://schemas.microsoft.com/office/drawing/2010/main" Requires="a14">
+            <p:sp>
+              <p:nvSpPr>
+                <p:cNvPr id="16" name="TextBox 15"/>
+                <p:cNvSpPr txBox="1"/>
+                <p:nvPr/>
+              </p:nvSpPr>
+              <p:spPr>
+                <a:xfrm>
+                  <a:off x="8078457" y="2475275"/>
+                  <a:ext cx="661591" cy="307777"/>
+                </a:xfrm>
+                <a:prstGeom prst="rect">
+                  <a:avLst/>
+                </a:prstGeom>
+                <a:noFill/>
+              </p:spPr>
+              <p:txBody>
+                <a:bodyPr wrap="none" lIns="0" tIns="0" rIns="0" bIns="0" rtlCol="0">
+                  <a:spAutoFit/>
+                </a:bodyPr>
+                <a:lstStyle/>
+                <a:p>
+                  <a14:m>
+                    <m:oMathPara xmlns:m="http://schemas.openxmlformats.org/officeDocument/2006/math">
+                      <m:oMathParaPr>
+                        <m:jc m:val="centerGroup"/>
+                      </m:oMathParaPr>
+                      <m:oMath xmlns:m="http://schemas.openxmlformats.org/officeDocument/2006/math">
+                        <m:r>
+                          <a:rPr lang="en-US" sz="2000" b="0" i="1" smtClean="0">
+                            <a:latin typeface="Cambria Math" panose="02040503050406030204" pitchFamily="18" charset="0"/>
+                            <a:cs typeface="Arial" panose="020B0604020202020204" pitchFamily="34" charset="0"/>
+                          </a:rPr>
+                          <m:t>𝑚𝑎𝑖𝑛</m:t>
+                        </m:r>
+                      </m:oMath>
+                    </m:oMathPara>
+                  </a14:m>
+                  <a:endParaRPr lang="en-US" sz="2000" dirty="0" smtClean="0">
+                    <a:latin typeface="Arial" panose="020B0604020202020204" pitchFamily="34" charset="0"/>
+                    <a:cs typeface="Arial" panose="020B0604020202020204" pitchFamily="34" charset="0"/>
+                  </a:endParaRPr>
+                </a:p>
+              </p:txBody>
+            </p:sp>
+          </mc:Choice>
+          <mc:Fallback>
+            <p:sp>
+              <p:nvSpPr>
+                <p:cNvPr id="16" name="TextBox 15"/>
+                <p:cNvSpPr txBox="1">
+                  <a:spLocks noRot="1" noChangeAspect="1" noMove="1" noResize="1" noEditPoints="1" noAdjustHandles="1" noChangeArrowheads="1" noChangeShapeType="1" noTextEdit="1"/>
+                </p:cNvSpPr>
+                <p:nvPr/>
+              </p:nvSpPr>
+              <p:spPr>
+                <a:xfrm>
+                  <a:off x="8078457" y="2475275"/>
+                  <a:ext cx="661591" cy="307777"/>
+                </a:xfrm>
+                <a:prstGeom prst="rect">
+                  <a:avLst/>
+                </a:prstGeom>
+                <a:blipFill>
+                  <a:blip r:embed="rId8"/>
+                  <a:stretch>
+                    <a:fillRect l="-8333" r="-6481" b="-9804"/>
+                  </a:stretch>
+                </a:blipFill>
+              </p:spPr>
+              <p:txBody>
+                <a:bodyPr/>
+                <a:lstStyle/>
+                <a:p>
+                  <a:r>
+                    <a:rPr lang="en-US">
+                      <a:noFill/>
+                    </a:rPr>
+                    <a:t> </a:t>
+                  </a:r>
+                </a:p>
+              </p:txBody>
+            </p:sp>
+          </mc:Fallback>
+        </mc:AlternateContent>
+      </p:grpSp>
+    </p:spTree>
+    <p:extLst>
+      <p:ext uri="{BB962C8B-B14F-4D97-AF65-F5344CB8AC3E}">
+        <p14:creationId xmlns:p14="http://schemas.microsoft.com/office/powerpoint/2010/main" val="1671211098"/>
+      </p:ext>
+    </p:extLst>
+  </p:cSld>
+  <p:clrMapOvr>
+    <a:masterClrMapping/>
+  </p:clrMapOvr>
+</p:sld>
+</file>
+
 <file path=ppt/slides/slide2.xml><?xml version="1.0" encoding="utf-8"?>
 <p:sld xmlns:a="http://schemas.openxmlformats.org/drawingml/2006/main" xmlns:r="http://schemas.openxmlformats.org/officeDocument/2006/relationships" xmlns:p="http://schemas.openxmlformats.org/presentationml/2006/main">
   <p:cSld>
@@ -7226,8 +10456,8 @@
               </mc:Fallback>
             </mc:AlternateContent>
           </p:grpSp>
-          <mc:AlternateContent xmlns:mc="http://schemas.openxmlformats.org/markup-compatibility/2006">
-            <mc:Choice xmlns:a14="http://schemas.microsoft.com/office/drawing/2010/main" Requires="a14">
+          <mc:AlternateContent xmlns:mc="http://schemas.openxmlformats.org/markup-compatibility/2006" xmlns:a14="http://schemas.microsoft.com/office/drawing/2010/main">
+            <mc:Choice Requires="a14">
               <p:sp>
                 <p:nvSpPr>
                   <p:cNvPr id="204" name="TextBox 203"/>
@@ -7296,7 +10526,7 @@
                 </p:txBody>
               </p:sp>
             </mc:Choice>
-            <mc:Fallback>
+            <mc:Fallback xmlns="">
               <p:sp>
                 <p:nvSpPr>
                   <p:cNvPr id="204" name="TextBox 203"/>
@@ -7335,8 +10565,8 @@
               </p:sp>
             </mc:Fallback>
           </mc:AlternateContent>
-          <mc:AlternateContent xmlns:mc="http://schemas.openxmlformats.org/markup-compatibility/2006">
-            <mc:Choice xmlns:a14="http://schemas.microsoft.com/office/drawing/2010/main" Requires="a14">
+          <mc:AlternateContent xmlns:mc="http://schemas.openxmlformats.org/markup-compatibility/2006" xmlns:a14="http://schemas.microsoft.com/office/drawing/2010/main">
+            <mc:Choice Requires="a14">
               <p:sp>
                 <p:nvSpPr>
                   <p:cNvPr id="205" name="TextBox 204"/>
@@ -7405,7 +10635,7 @@
                 </p:txBody>
               </p:sp>
             </mc:Choice>
-            <mc:Fallback>
+            <mc:Fallback xmlns="">
               <p:sp>
                 <p:nvSpPr>
                   <p:cNvPr id="205" name="TextBox 204"/>
@@ -8114,8 +11344,8 @@
               </a:fontRef>
             </p:style>
           </p:cxnSp>
-          <mc:AlternateContent xmlns:mc="http://schemas.openxmlformats.org/markup-compatibility/2006">
-            <mc:Choice xmlns:a14="http://schemas.microsoft.com/office/drawing/2010/main" Requires="a14">
+          <mc:AlternateContent xmlns:mc="http://schemas.openxmlformats.org/markup-compatibility/2006" xmlns:a14="http://schemas.microsoft.com/office/drawing/2010/main">
+            <mc:Choice Requires="a14">
               <p:sp>
                 <p:nvSpPr>
                   <p:cNvPr id="71" name="TextBox 70"/>
@@ -8176,7 +11406,7 @@
                 </p:txBody>
               </p:sp>
             </mc:Choice>
-            <mc:Fallback>
+            <mc:Fallback xmlns="">
               <p:sp>
                 <p:nvSpPr>
                   <p:cNvPr id="71" name="TextBox 70"/>
@@ -8636,8 +11866,8 @@
               </p:style>
             </p:cxnSp>
           </p:grpSp>
-          <mc:AlternateContent xmlns:mc="http://schemas.openxmlformats.org/markup-compatibility/2006">
-            <mc:Choice xmlns:a14="http://schemas.microsoft.com/office/drawing/2010/main" Requires="a14">
+          <mc:AlternateContent xmlns:mc="http://schemas.openxmlformats.org/markup-compatibility/2006" xmlns:a14="http://schemas.microsoft.com/office/drawing/2010/main">
+            <mc:Choice Requires="a14">
               <p:sp>
                 <p:nvSpPr>
                   <p:cNvPr id="67" name="TextBox 66"/>
@@ -8699,7 +11929,7 @@
                 </p:txBody>
               </p:sp>
             </mc:Choice>
-            <mc:Fallback>
+            <mc:Fallback xmlns="">
               <p:sp>
                 <p:nvSpPr>
                   <p:cNvPr id="67" name="TextBox 66"/>
@@ -8738,8 +11968,8 @@
               </p:sp>
             </mc:Fallback>
           </mc:AlternateContent>
-          <mc:AlternateContent xmlns:mc="http://schemas.openxmlformats.org/markup-compatibility/2006">
-            <mc:Choice xmlns:a14="http://schemas.microsoft.com/office/drawing/2010/main" Requires="a14">
+          <mc:AlternateContent xmlns:mc="http://schemas.openxmlformats.org/markup-compatibility/2006" xmlns:a14="http://schemas.microsoft.com/office/drawing/2010/main">
+            <mc:Choice Requires="a14">
               <p:sp>
                 <p:nvSpPr>
                   <p:cNvPr id="68" name="TextBox 67"/>
@@ -8787,7 +12017,7 @@
                 </p:txBody>
               </p:sp>
             </mc:Choice>
-            <mc:Fallback>
+            <mc:Fallback xmlns="">
               <p:sp>
                 <p:nvSpPr>
                   <p:cNvPr id="68" name="TextBox 67"/>
@@ -8862,8 +12092,8 @@
               </a:fontRef>
             </p:style>
           </p:cxnSp>
-          <mc:AlternateContent xmlns:mc="http://schemas.openxmlformats.org/markup-compatibility/2006">
-            <mc:Choice xmlns:a14="http://schemas.microsoft.com/office/drawing/2010/main" Requires="a14">
+          <mc:AlternateContent xmlns:mc="http://schemas.openxmlformats.org/markup-compatibility/2006" xmlns:a14="http://schemas.microsoft.com/office/drawing/2010/main">
+            <mc:Choice Requires="a14">
               <p:sp>
                 <p:nvSpPr>
                   <p:cNvPr id="65" name="TextBox 64"/>
@@ -8911,7 +12141,7 @@
                 </p:txBody>
               </p:sp>
             </mc:Choice>
-            <mc:Fallback>
+            <mc:Fallback xmlns="">
               <p:sp>
                 <p:nvSpPr>
                   <p:cNvPr id="65" name="TextBox 64"/>
@@ -8950,8 +12180,8 @@
               </p:sp>
             </mc:Fallback>
           </mc:AlternateContent>
-          <mc:AlternateContent xmlns:mc="http://schemas.openxmlformats.org/markup-compatibility/2006">
-            <mc:Choice xmlns:a14="http://schemas.microsoft.com/office/drawing/2010/main" Requires="a14">
+          <mc:AlternateContent xmlns:mc="http://schemas.openxmlformats.org/markup-compatibility/2006" xmlns:a14="http://schemas.microsoft.com/office/drawing/2010/main">
+            <mc:Choice Requires="a14">
               <p:sp>
                 <p:nvSpPr>
                   <p:cNvPr id="2" name="TextBox 1"/>
@@ -8974,6 +12204,7 @@
                   </a:bodyPr>
                   <a:lstStyle/>
                   <a:p>
+                    <a:pPr/>
                     <a14:m>
                       <m:oMathPara xmlns:m="http://schemas.openxmlformats.org/officeDocument/2006/math">
                         <m:oMathParaPr>
@@ -8998,7 +12229,7 @@
                 </p:txBody>
               </p:sp>
             </mc:Choice>
-            <mc:Fallback>
+            <mc:Fallback xmlns="">
               <p:sp>
                 <p:nvSpPr>
                   <p:cNvPr id="2" name="TextBox 1"/>
@@ -9075,8 +12306,8 @@
             </p:style>
           </p:cxnSp>
         </p:grpSp>
-        <mc:AlternateContent xmlns:mc="http://schemas.openxmlformats.org/markup-compatibility/2006">
-          <mc:Choice xmlns:a14="http://schemas.microsoft.com/office/drawing/2010/main" Requires="a14">
+        <mc:AlternateContent xmlns:mc="http://schemas.openxmlformats.org/markup-compatibility/2006" xmlns:a14="http://schemas.microsoft.com/office/drawing/2010/main">
+          <mc:Choice Requires="a14">
             <p:sp>
               <p:nvSpPr>
                 <p:cNvPr id="7" name="TextBox 6"/>
@@ -9099,6 +12330,7 @@
                 </a:bodyPr>
                 <a:lstStyle/>
                 <a:p>
+                  <a:pPr/>
                   <a14:m>
                     <m:oMathPara xmlns:m="http://schemas.openxmlformats.org/officeDocument/2006/math">
                       <m:oMathParaPr>
@@ -9123,7 +12355,7 @@
               </p:txBody>
             </p:sp>
           </mc:Choice>
-          <mc:Fallback>
+          <mc:Fallback xmlns="">
             <p:sp>
               <p:nvSpPr>
                 <p:cNvPr id="7" name="TextBox 6"/>
@@ -10761,8 +13993,8 @@
               </a:fontRef>
             </p:style>
           </p:cxnSp>
-          <mc:AlternateContent xmlns:mc="http://schemas.openxmlformats.org/markup-compatibility/2006">
-            <mc:Choice xmlns:a14="http://schemas.microsoft.com/office/drawing/2010/main" Requires="a14">
+          <mc:AlternateContent xmlns:mc="http://schemas.openxmlformats.org/markup-compatibility/2006" xmlns:a14="http://schemas.microsoft.com/office/drawing/2010/main">
+            <mc:Choice Requires="a14">
               <p:sp>
                 <p:nvSpPr>
                   <p:cNvPr id="36" name="TextBox 35"/>
@@ -10785,6 +14017,7 @@
                   </a:bodyPr>
                   <a:lstStyle/>
                   <a:p>
+                    <a:pPr/>
                     <a14:m>
                       <m:oMathPara xmlns:m="http://schemas.openxmlformats.org/officeDocument/2006/math">
                         <m:oMathParaPr>
@@ -10851,7 +14084,7 @@
                 </p:txBody>
               </p:sp>
             </mc:Choice>
-            <mc:Fallback>
+            <mc:Fallback xmlns="">
               <p:sp>
                 <p:nvSpPr>
                   <p:cNvPr id="36" name="TextBox 35"/>
@@ -10890,8 +14123,8 @@
               </p:sp>
             </mc:Fallback>
           </mc:AlternateContent>
-          <mc:AlternateContent xmlns:mc="http://schemas.openxmlformats.org/markup-compatibility/2006">
-            <mc:Choice xmlns:a14="http://schemas.microsoft.com/office/drawing/2010/main" Requires="a14">
+          <mc:AlternateContent xmlns:mc="http://schemas.openxmlformats.org/markup-compatibility/2006" xmlns:a14="http://schemas.microsoft.com/office/drawing/2010/main">
+            <mc:Choice Requires="a14">
               <p:sp>
                 <p:nvSpPr>
                   <p:cNvPr id="37" name="TextBox 36"/>
@@ -10914,6 +14147,7 @@
                   </a:bodyPr>
                   <a:lstStyle/>
                   <a:p>
+                    <a:pPr/>
                     <a14:m>
                       <m:oMathPara xmlns:m="http://schemas.openxmlformats.org/officeDocument/2006/math">
                         <m:oMathParaPr>
@@ -10987,7 +14221,7 @@
                 </p:txBody>
               </p:sp>
             </mc:Choice>
-            <mc:Fallback>
+            <mc:Fallback xmlns="">
               <p:sp>
                 <p:nvSpPr>
                   <p:cNvPr id="37" name="TextBox 36"/>
@@ -11171,8 +14405,8 @@
               </a:fontRef>
             </p:style>
           </p:cxnSp>
-          <mc:AlternateContent xmlns:mc="http://schemas.openxmlformats.org/markup-compatibility/2006">
-            <mc:Choice xmlns:a14="http://schemas.microsoft.com/office/drawing/2010/main" Requires="a14">
+          <mc:AlternateContent xmlns:mc="http://schemas.openxmlformats.org/markup-compatibility/2006" xmlns:a14="http://schemas.microsoft.com/office/drawing/2010/main">
+            <mc:Choice Requires="a14">
               <p:sp>
                 <p:nvSpPr>
                   <p:cNvPr id="46" name="TextBox 45"/>
@@ -11195,6 +14429,7 @@
                   </a:bodyPr>
                   <a:lstStyle/>
                   <a:p>
+                    <a:pPr/>
                     <a14:m>
                       <m:oMathPara xmlns:m="http://schemas.openxmlformats.org/officeDocument/2006/math">
                         <m:oMathParaPr>
@@ -11219,7 +14454,7 @@
                 </p:txBody>
               </p:sp>
             </mc:Choice>
-            <mc:Fallback>
+            <mc:Fallback xmlns="">
               <p:sp>
                 <p:nvSpPr>
                   <p:cNvPr id="46" name="TextBox 45"/>
@@ -11259,8 +14494,8 @@
             </mc:Fallback>
           </mc:AlternateContent>
         </p:grpSp>
-        <mc:AlternateContent xmlns:mc="http://schemas.openxmlformats.org/markup-compatibility/2006">
-          <mc:Choice xmlns:a14="http://schemas.microsoft.com/office/drawing/2010/main" Requires="a14">
+        <mc:AlternateContent xmlns:mc="http://schemas.openxmlformats.org/markup-compatibility/2006" xmlns:a14="http://schemas.microsoft.com/office/drawing/2010/main">
+          <mc:Choice Requires="a14">
             <p:sp>
               <p:nvSpPr>
                 <p:cNvPr id="49" name="TextBox 48"/>
@@ -11283,6 +14518,7 @@
                 </a:bodyPr>
                 <a:lstStyle/>
                 <a:p>
+                  <a:pPr/>
                   <a14:m>
                     <m:oMathPara xmlns:m="http://schemas.openxmlformats.org/officeDocument/2006/math">
                       <m:oMathParaPr>
@@ -11307,7 +14543,7 @@
               </p:txBody>
             </p:sp>
           </mc:Choice>
-          <mc:Fallback>
+          <mc:Fallback xmlns="">
             <p:sp>
               <p:nvSpPr>
                 <p:cNvPr id="49" name="TextBox 48"/>
@@ -11346,8 +14582,8 @@
             </p:sp>
           </mc:Fallback>
         </mc:AlternateContent>
-        <mc:AlternateContent xmlns:mc="http://schemas.openxmlformats.org/markup-compatibility/2006">
-          <mc:Choice xmlns:a14="http://schemas.microsoft.com/office/drawing/2010/main" Requires="a14">
+        <mc:AlternateContent xmlns:mc="http://schemas.openxmlformats.org/markup-compatibility/2006" xmlns:a14="http://schemas.microsoft.com/office/drawing/2010/main">
+          <mc:Choice Requires="a14">
             <p:sp>
               <p:nvSpPr>
                 <p:cNvPr id="50" name="TextBox 49"/>
@@ -11370,6 +14606,7 @@
                 </a:bodyPr>
                 <a:lstStyle/>
                 <a:p>
+                  <a:pPr/>
                   <a14:m>
                     <m:oMathPara xmlns:m="http://schemas.openxmlformats.org/officeDocument/2006/math">
                       <m:oMathParaPr>
@@ -11394,7 +14631,7 @@
               </p:txBody>
             </p:sp>
           </mc:Choice>
-          <mc:Fallback>
+          <mc:Fallback xmlns="">
             <p:sp>
               <p:nvSpPr>
                 <p:cNvPr id="50" name="TextBox 49"/>
@@ -11956,8 +15193,8 @@
                 </a:p>
               </p:txBody>
             </p:sp>
-            <mc:AlternateContent xmlns:mc="http://schemas.openxmlformats.org/markup-compatibility/2006">
-              <mc:Choice xmlns:a14="http://schemas.microsoft.com/office/drawing/2010/main" Requires="a14">
+            <mc:AlternateContent xmlns:mc="http://schemas.openxmlformats.org/markup-compatibility/2006" xmlns:a14="http://schemas.microsoft.com/office/drawing/2010/main">
+              <mc:Choice Requires="a14">
                 <p:sp>
                   <p:nvSpPr>
                     <p:cNvPr id="13" name="TextBox 12"/>
@@ -11980,6 +15217,7 @@
                     </a:bodyPr>
                     <a:lstStyle/>
                     <a:p>
+                      <a:pPr/>
                       <a14:m>
                         <m:oMathPara xmlns:m="http://schemas.openxmlformats.org/officeDocument/2006/math">
                           <m:oMathParaPr>
@@ -12025,7 +15263,7 @@
                   </p:txBody>
                 </p:sp>
               </mc:Choice>
-              <mc:Fallback>
+              <mc:Fallback xmlns="">
                 <p:sp>
                   <p:nvSpPr>
                     <p:cNvPr id="13" name="TextBox 12"/>
@@ -12064,8 +15302,8 @@
                 </p:sp>
               </mc:Fallback>
             </mc:AlternateContent>
-            <mc:AlternateContent xmlns:mc="http://schemas.openxmlformats.org/markup-compatibility/2006">
-              <mc:Choice xmlns:a14="http://schemas.microsoft.com/office/drawing/2010/main" Requires="a14">
+            <mc:AlternateContent xmlns:mc="http://schemas.openxmlformats.org/markup-compatibility/2006" xmlns:a14="http://schemas.microsoft.com/office/drawing/2010/main">
+              <mc:Choice Requires="a14">
                 <p:sp>
                   <p:nvSpPr>
                     <p:cNvPr id="14" name="TextBox 13"/>
@@ -12088,6 +15326,7 @@
                     </a:bodyPr>
                     <a:lstStyle/>
                     <a:p>
+                      <a:pPr/>
                       <a14:m>
                         <m:oMathPara xmlns:m="http://schemas.openxmlformats.org/officeDocument/2006/math">
                           <m:oMathParaPr>
@@ -12133,7 +15372,7 @@
                   </p:txBody>
                 </p:sp>
               </mc:Choice>
-              <mc:Fallback>
+              <mc:Fallback xmlns="">
                 <p:sp>
                   <p:nvSpPr>
                     <p:cNvPr id="14" name="TextBox 13"/>
@@ -12317,8 +15556,8 @@
                 </a:fontRef>
               </p:style>
             </p:cxnSp>
-            <mc:AlternateContent xmlns:mc="http://schemas.openxmlformats.org/markup-compatibility/2006">
-              <mc:Choice xmlns:a14="http://schemas.microsoft.com/office/drawing/2010/main" Requires="a14">
+            <mc:AlternateContent xmlns:mc="http://schemas.openxmlformats.org/markup-compatibility/2006" xmlns:a14="http://schemas.microsoft.com/office/drawing/2010/main">
+              <mc:Choice Requires="a14">
                 <p:sp>
                   <p:nvSpPr>
                     <p:cNvPr id="19" name="TextBox 18"/>
@@ -12341,6 +15580,7 @@
                     </a:bodyPr>
                     <a:lstStyle/>
                     <a:p>
+                      <a:pPr/>
                       <a14:m>
                         <m:oMathPara xmlns:m="http://schemas.openxmlformats.org/officeDocument/2006/math">
                           <m:oMathParaPr>
@@ -12365,7 +15605,7 @@
                   </p:txBody>
                 </p:sp>
               </mc:Choice>
-              <mc:Fallback>
+              <mc:Fallback xmlns="">
                 <p:sp>
                   <p:nvSpPr>
                     <p:cNvPr id="19" name="TextBox 18"/>
@@ -12405,8 +15645,8 @@
               </mc:Fallback>
             </mc:AlternateContent>
           </p:grpSp>
-          <mc:AlternateContent xmlns:mc="http://schemas.openxmlformats.org/markup-compatibility/2006">
-            <mc:Choice xmlns:a14="http://schemas.microsoft.com/office/drawing/2010/main" Requires="a14">
+          <mc:AlternateContent xmlns:mc="http://schemas.openxmlformats.org/markup-compatibility/2006" xmlns:a14="http://schemas.microsoft.com/office/drawing/2010/main">
+            <mc:Choice Requires="a14">
               <p:sp>
                 <p:nvSpPr>
                   <p:cNvPr id="7" name="TextBox 6"/>
@@ -12429,6 +15669,7 @@
                   </a:bodyPr>
                   <a:lstStyle/>
                   <a:p>
+                    <a:pPr/>
                     <a14:m>
                       <m:oMathPara xmlns:m="http://schemas.openxmlformats.org/officeDocument/2006/math">
                         <m:oMathParaPr>
@@ -12453,7 +15694,7 @@
                 </p:txBody>
               </p:sp>
             </mc:Choice>
-            <mc:Fallback>
+            <mc:Fallback xmlns="">
               <p:sp>
                 <p:nvSpPr>
                   <p:cNvPr id="7" name="TextBox 6"/>
@@ -12492,8 +15733,8 @@
               </p:sp>
             </mc:Fallback>
           </mc:AlternateContent>
-          <mc:AlternateContent xmlns:mc="http://schemas.openxmlformats.org/markup-compatibility/2006">
-            <mc:Choice xmlns:a14="http://schemas.microsoft.com/office/drawing/2010/main" Requires="a14">
+          <mc:AlternateContent xmlns:mc="http://schemas.openxmlformats.org/markup-compatibility/2006" xmlns:a14="http://schemas.microsoft.com/office/drawing/2010/main">
+            <mc:Choice Requires="a14">
               <p:sp>
                 <p:nvSpPr>
                   <p:cNvPr id="8" name="TextBox 7"/>
@@ -12516,6 +15757,7 @@
                   </a:bodyPr>
                   <a:lstStyle/>
                   <a:p>
+                    <a:pPr/>
                     <a14:m>
                       <m:oMathPara xmlns:m="http://schemas.openxmlformats.org/officeDocument/2006/math">
                         <m:oMathParaPr>
@@ -12540,7 +15782,7 @@
                 </p:txBody>
               </p:sp>
             </mc:Choice>
-            <mc:Fallback>
+            <mc:Fallback xmlns="">
               <p:sp>
                 <p:nvSpPr>
                   <p:cNvPr id="8" name="TextBox 7"/>
@@ -13165,8 +16407,8 @@
                 </a:p>
               </p:txBody>
             </p:sp>
-            <mc:AlternateContent xmlns:mc="http://schemas.openxmlformats.org/markup-compatibility/2006">
-              <mc:Choice xmlns:a14="http://schemas.microsoft.com/office/drawing/2010/main" Requires="a14">
+            <mc:AlternateContent xmlns:mc="http://schemas.openxmlformats.org/markup-compatibility/2006" xmlns:a14="http://schemas.microsoft.com/office/drawing/2010/main">
+              <mc:Choice Requires="a14">
                 <p:sp>
                   <p:nvSpPr>
                     <p:cNvPr id="34" name="TextBox 33"/>
@@ -13189,6 +16431,7 @@
                     </a:bodyPr>
                     <a:lstStyle/>
                     <a:p>
+                      <a:pPr/>
                       <a14:m>
                         <m:oMathPara xmlns:m="http://schemas.openxmlformats.org/officeDocument/2006/math">
                           <m:oMathParaPr>
@@ -13220,7 +16463,7 @@
                   </p:txBody>
                 </p:sp>
               </mc:Choice>
-              <mc:Fallback>
+              <mc:Fallback xmlns="">
                 <p:sp>
                   <p:nvSpPr>
                     <p:cNvPr id="34" name="TextBox 33"/>
@@ -13259,8 +16502,8 @@
                 </p:sp>
               </mc:Fallback>
             </mc:AlternateContent>
-            <mc:AlternateContent xmlns:mc="http://schemas.openxmlformats.org/markup-compatibility/2006">
-              <mc:Choice xmlns:a14="http://schemas.microsoft.com/office/drawing/2010/main" Requires="a14">
+            <mc:AlternateContent xmlns:mc="http://schemas.openxmlformats.org/markup-compatibility/2006" xmlns:a14="http://schemas.microsoft.com/office/drawing/2010/main">
+              <mc:Choice Requires="a14">
                 <p:sp>
                   <p:nvSpPr>
                     <p:cNvPr id="35" name="TextBox 34"/>
@@ -13283,6 +16526,7 @@
                     </a:bodyPr>
                     <a:lstStyle/>
                     <a:p>
+                      <a:pPr/>
                       <a14:m>
                         <m:oMathPara xmlns:m="http://schemas.openxmlformats.org/officeDocument/2006/math">
                           <m:oMathParaPr>
@@ -13328,7 +16572,7 @@
                   </p:txBody>
                 </p:sp>
               </mc:Choice>
-              <mc:Fallback>
+              <mc:Fallback xmlns="">
                 <p:sp>
                   <p:nvSpPr>
                     <p:cNvPr id="35" name="TextBox 34"/>
@@ -13512,8 +16756,8 @@
                 </a:fontRef>
               </p:style>
             </p:cxnSp>
-            <mc:AlternateContent xmlns:mc="http://schemas.openxmlformats.org/markup-compatibility/2006">
-              <mc:Choice xmlns:a14="http://schemas.microsoft.com/office/drawing/2010/main" Requires="a14">
+            <mc:AlternateContent xmlns:mc="http://schemas.openxmlformats.org/markup-compatibility/2006" xmlns:a14="http://schemas.microsoft.com/office/drawing/2010/main">
+              <mc:Choice Requires="a14">
                 <p:sp>
                   <p:nvSpPr>
                     <p:cNvPr id="40" name="TextBox 39"/>
@@ -13536,6 +16780,7 @@
                     </a:bodyPr>
                     <a:lstStyle/>
                     <a:p>
+                      <a:pPr/>
                       <a14:m>
                         <m:oMathPara xmlns:m="http://schemas.openxmlformats.org/officeDocument/2006/math">
                           <m:oMathParaPr>
@@ -13560,7 +16805,7 @@
                   </p:txBody>
                 </p:sp>
               </mc:Choice>
-              <mc:Fallback>
+              <mc:Fallback xmlns="">
                 <p:sp>
                   <p:nvSpPr>
                     <p:cNvPr id="40" name="TextBox 39"/>
@@ -13600,8 +16845,8 @@
               </mc:Fallback>
             </mc:AlternateContent>
           </p:grpSp>
-          <mc:AlternateContent xmlns:mc="http://schemas.openxmlformats.org/markup-compatibility/2006">
-            <mc:Choice xmlns:a14="http://schemas.microsoft.com/office/drawing/2010/main" Requires="a14">
+          <mc:AlternateContent xmlns:mc="http://schemas.openxmlformats.org/markup-compatibility/2006" xmlns:a14="http://schemas.microsoft.com/office/drawing/2010/main">
+            <mc:Choice Requires="a14">
               <p:sp>
                 <p:nvSpPr>
                   <p:cNvPr id="29" name="TextBox 28"/>
@@ -13624,6 +16869,7 @@
                   </a:bodyPr>
                   <a:lstStyle/>
                   <a:p>
+                    <a:pPr/>
                     <a14:m>
                       <m:oMathPara xmlns:m="http://schemas.openxmlformats.org/officeDocument/2006/math">
                         <m:oMathParaPr>
@@ -13648,7 +16894,7 @@
                 </p:txBody>
               </p:sp>
             </mc:Choice>
-            <mc:Fallback>
+            <mc:Fallback xmlns="">
               <p:sp>
                 <p:nvSpPr>
                   <p:cNvPr id="29" name="TextBox 28"/>
@@ -13687,8 +16933,8 @@
               </p:sp>
             </mc:Fallback>
           </mc:AlternateContent>
-          <mc:AlternateContent xmlns:mc="http://schemas.openxmlformats.org/markup-compatibility/2006">
-            <mc:Choice xmlns:a14="http://schemas.microsoft.com/office/drawing/2010/main" Requires="a14">
+          <mc:AlternateContent xmlns:mc="http://schemas.openxmlformats.org/markup-compatibility/2006" xmlns:a14="http://schemas.microsoft.com/office/drawing/2010/main">
+            <mc:Choice Requires="a14">
               <p:sp>
                 <p:nvSpPr>
                   <p:cNvPr id="30" name="TextBox 29"/>
@@ -13711,6 +16957,7 @@
                   </a:bodyPr>
                   <a:lstStyle/>
                   <a:p>
+                    <a:pPr/>
                     <a14:m>
                       <m:oMathPara xmlns:m="http://schemas.openxmlformats.org/officeDocument/2006/math">
                         <m:oMathParaPr>
@@ -13735,7 +16982,7 @@
                 </p:txBody>
               </p:sp>
             </mc:Choice>
-            <mc:Fallback>
+            <mc:Fallback xmlns="">
               <p:sp>
                 <p:nvSpPr>
                   <p:cNvPr id="30" name="TextBox 29"/>
@@ -14878,8 +18125,8 @@
               </a:fontRef>
             </p:style>
           </p:cxnSp>
-          <mc:AlternateContent xmlns:mc="http://schemas.openxmlformats.org/markup-compatibility/2006">
-            <mc:Choice xmlns:a14="http://schemas.microsoft.com/office/drawing/2010/main" Requires="a14">
+          <mc:AlternateContent xmlns:mc="http://schemas.openxmlformats.org/markup-compatibility/2006" xmlns:a14="http://schemas.microsoft.com/office/drawing/2010/main">
+            <mc:Choice Requires="a14">
               <p:sp>
                 <p:nvSpPr>
                   <p:cNvPr id="61" name="TextBox 60"/>
@@ -14902,6 +18149,7 @@
                   </a:bodyPr>
                   <a:lstStyle/>
                   <a:p>
+                    <a:pPr/>
                     <a14:m>
                       <m:oMathPara xmlns:m="http://schemas.openxmlformats.org/officeDocument/2006/math">
                         <m:oMathParaPr>
@@ -14960,7 +18208,7 @@
                 </p:txBody>
               </p:sp>
             </mc:Choice>
-            <mc:Fallback>
+            <mc:Fallback xmlns="">
               <p:sp>
                 <p:nvSpPr>
                   <p:cNvPr id="61" name="TextBox 60"/>
@@ -14999,8 +18247,8 @@
               </p:sp>
             </mc:Fallback>
           </mc:AlternateContent>
-          <mc:AlternateContent xmlns:mc="http://schemas.openxmlformats.org/markup-compatibility/2006">
-            <mc:Choice xmlns:a14="http://schemas.microsoft.com/office/drawing/2010/main" Requires="a14">
+          <mc:AlternateContent xmlns:mc="http://schemas.openxmlformats.org/markup-compatibility/2006" xmlns:a14="http://schemas.microsoft.com/office/drawing/2010/main">
+            <mc:Choice Requires="a14">
               <p:sp>
                 <p:nvSpPr>
                   <p:cNvPr id="62" name="TextBox 61"/>
@@ -15023,6 +18271,7 @@
                   </a:bodyPr>
                   <a:lstStyle/>
                   <a:p>
+                    <a:pPr/>
                     <a14:m>
                       <m:oMathPara xmlns:m="http://schemas.openxmlformats.org/officeDocument/2006/math">
                         <m:oMathParaPr>
@@ -15081,7 +18330,7 @@
                 </p:txBody>
               </p:sp>
             </mc:Choice>
-            <mc:Fallback>
+            <mc:Fallback xmlns="">
               <p:sp>
                 <p:nvSpPr>
                   <p:cNvPr id="62" name="TextBox 61"/>
@@ -15156,8 +18405,8 @@
               </a:fontRef>
             </p:style>
           </p:cxnSp>
-          <mc:AlternateContent xmlns:mc="http://schemas.openxmlformats.org/markup-compatibility/2006">
-            <mc:Choice xmlns:a14="http://schemas.microsoft.com/office/drawing/2010/main" Requires="a14">
+          <mc:AlternateContent xmlns:mc="http://schemas.openxmlformats.org/markup-compatibility/2006" xmlns:a14="http://schemas.microsoft.com/office/drawing/2010/main">
+            <mc:Choice Requires="a14">
               <p:sp>
                 <p:nvSpPr>
                   <p:cNvPr id="64" name="TextBox 63"/>
@@ -15180,6 +18429,7 @@
                   </a:bodyPr>
                   <a:lstStyle/>
                   <a:p>
+                    <a:pPr/>
                     <a14:m>
                       <m:oMathPara xmlns:m="http://schemas.openxmlformats.org/officeDocument/2006/math">
                         <m:oMathParaPr>
@@ -15238,7 +18488,7 @@
                 </p:txBody>
               </p:sp>
             </mc:Choice>
-            <mc:Fallback>
+            <mc:Fallback xmlns="">
               <p:sp>
                 <p:nvSpPr>
                   <p:cNvPr id="64" name="TextBox 63"/>
@@ -15278,8 +18528,8 @@
             </mc:Fallback>
           </mc:AlternateContent>
         </p:grpSp>
-        <mc:AlternateContent xmlns:mc="http://schemas.openxmlformats.org/markup-compatibility/2006">
-          <mc:Choice xmlns:a14="http://schemas.microsoft.com/office/drawing/2010/main" Requires="a14">
+        <mc:AlternateContent xmlns:mc="http://schemas.openxmlformats.org/markup-compatibility/2006" xmlns:a14="http://schemas.microsoft.com/office/drawing/2010/main">
+          <mc:Choice Requires="a14">
             <p:sp>
               <p:nvSpPr>
                 <p:cNvPr id="66" name="TextBox 65"/>
@@ -15302,6 +18552,7 @@
                 </a:bodyPr>
                 <a:lstStyle/>
                 <a:p>
+                  <a:pPr/>
                   <a14:m>
                     <m:oMathPara xmlns:m="http://schemas.openxmlformats.org/officeDocument/2006/math">
                       <m:oMathParaPr>
@@ -15326,7 +18577,7 @@
               </p:txBody>
             </p:sp>
           </mc:Choice>
-          <mc:Fallback>
+          <mc:Fallback xmlns="">
             <p:sp>
               <p:nvSpPr>
                 <p:cNvPr id="66" name="TextBox 65"/>
@@ -15365,8 +18616,8 @@
             </p:sp>
           </mc:Fallback>
         </mc:AlternateContent>
-        <mc:AlternateContent xmlns:mc="http://schemas.openxmlformats.org/markup-compatibility/2006">
-          <mc:Choice xmlns:a14="http://schemas.microsoft.com/office/drawing/2010/main" Requires="a14">
+        <mc:AlternateContent xmlns:mc="http://schemas.openxmlformats.org/markup-compatibility/2006" xmlns:a14="http://schemas.microsoft.com/office/drawing/2010/main">
+          <mc:Choice Requires="a14">
             <p:sp>
               <p:nvSpPr>
                 <p:cNvPr id="67" name="TextBox 66"/>
@@ -15389,6 +18640,7 @@
                 </a:bodyPr>
                 <a:lstStyle/>
                 <a:p>
+                  <a:pPr/>
                   <a14:m>
                     <m:oMathPara xmlns:m="http://schemas.openxmlformats.org/officeDocument/2006/math">
                       <m:oMathParaPr>
@@ -15413,7 +18665,7 @@
               </p:txBody>
             </p:sp>
           </mc:Choice>
-          <mc:Fallback>
+          <mc:Fallback xmlns="">
             <p:sp>
               <p:nvSpPr>
                 <p:cNvPr id="67" name="TextBox 66"/>
@@ -15452,6 +18704,196 @@
             </p:sp>
           </mc:Fallback>
         </mc:AlternateContent>
+      </p:grpSp>
+      <p:grpSp>
+        <p:nvGrpSpPr>
+          <p:cNvPr id="14" name="Group 13"/>
+          <p:cNvGrpSpPr/>
+          <p:nvPr/>
+        </p:nvGrpSpPr>
+        <p:grpSpPr>
+          <a:xfrm>
+            <a:off x="9243341" y="4129186"/>
+            <a:ext cx="2014595" cy="2057215"/>
+            <a:chOff x="9243341" y="4129186"/>
+            <a:chExt cx="2014595" cy="2057215"/>
+          </a:xfrm>
+        </p:grpSpPr>
+        <p:grpSp>
+          <p:nvGrpSpPr>
+            <p:cNvPr id="9" name="Group 8"/>
+            <p:cNvGrpSpPr/>
+            <p:nvPr/>
+          </p:nvGrpSpPr>
+          <p:grpSpPr>
+            <a:xfrm>
+              <a:off x="9320705" y="4345075"/>
+              <a:ext cx="218156" cy="1841326"/>
+              <a:chOff x="9990556" y="1497995"/>
+              <a:chExt cx="249486" cy="4539550"/>
+            </a:xfrm>
+          </p:grpSpPr>
+          <p:sp>
+            <p:nvSpPr>
+              <p:cNvPr id="2" name="Rectangle 1"/>
+              <p:cNvSpPr/>
+              <p:nvPr/>
+            </p:nvSpPr>
+            <p:spPr>
+              <a:xfrm>
+                <a:off x="9990556" y="2166681"/>
+                <a:ext cx="237994" cy="3870864"/>
+              </a:xfrm>
+              <a:prstGeom prst="rect">
+                <a:avLst/>
+              </a:prstGeom>
+              <a:solidFill>
+                <a:schemeClr val="accent1">
+                  <a:lumMod val="40000"/>
+                  <a:lumOff val="60000"/>
+                </a:schemeClr>
+              </a:solidFill>
+              <a:ln w="38100">
+                <a:noFill/>
+              </a:ln>
+            </p:spPr>
+            <p:style>
+              <a:lnRef idx="2">
+                <a:schemeClr val="accent1">
+                  <a:shade val="50000"/>
+                </a:schemeClr>
+              </a:lnRef>
+              <a:fillRef idx="1">
+                <a:schemeClr val="accent1"/>
+              </a:fillRef>
+              <a:effectRef idx="0">
+                <a:schemeClr val="accent1"/>
+              </a:effectRef>
+              <a:fontRef idx="minor">
+                <a:schemeClr val="lt1"/>
+              </a:fontRef>
+            </p:style>
+            <p:txBody>
+              <a:bodyPr rtlCol="0" anchor="ctr"/>
+              <a:lstStyle/>
+              <a:p>
+                <a:pPr algn="ctr"/>
+                <a:endParaRPr lang="en-US"/>
+              </a:p>
+            </p:txBody>
+          </p:sp>
+          <p:cxnSp>
+            <p:nvCxnSpPr>
+              <p:cNvPr id="5" name="Straight Connector 4"/>
+              <p:cNvCxnSpPr/>
+              <p:nvPr/>
+            </p:nvCxnSpPr>
+            <p:spPr>
+              <a:xfrm>
+                <a:off x="9990556" y="1497995"/>
+                <a:ext cx="0" cy="4539550"/>
+              </a:xfrm>
+              <a:prstGeom prst="line">
+                <a:avLst/>
+              </a:prstGeom>
+              <a:ln w="38100">
+                <a:solidFill>
+                  <a:schemeClr val="tx1"/>
+                </a:solidFill>
+              </a:ln>
+            </p:spPr>
+            <p:style>
+              <a:lnRef idx="1">
+                <a:schemeClr val="accent1"/>
+              </a:lnRef>
+              <a:fillRef idx="0">
+                <a:schemeClr val="accent1"/>
+              </a:fillRef>
+              <a:effectRef idx="0">
+                <a:schemeClr val="accent1"/>
+              </a:effectRef>
+              <a:fontRef idx="minor">
+                <a:schemeClr val="tx1"/>
+              </a:fontRef>
+            </p:style>
+          </p:cxnSp>
+          <p:cxnSp>
+            <p:nvCxnSpPr>
+              <p:cNvPr id="35" name="Straight Connector 34"/>
+              <p:cNvCxnSpPr/>
+              <p:nvPr/>
+            </p:nvCxnSpPr>
+            <p:spPr>
+              <a:xfrm>
+                <a:off x="10240042" y="1497995"/>
+                <a:ext cx="0" cy="4539550"/>
+              </a:xfrm>
+              <a:prstGeom prst="line">
+                <a:avLst/>
+              </a:prstGeom>
+              <a:ln w="38100">
+                <a:solidFill>
+                  <a:schemeClr val="tx1"/>
+                </a:solidFill>
+              </a:ln>
+            </p:spPr>
+            <p:style>
+              <a:lnRef idx="1">
+                <a:schemeClr val="accent1"/>
+              </a:lnRef>
+              <a:fillRef idx="0">
+                <a:schemeClr val="accent1"/>
+              </a:fillRef>
+              <a:effectRef idx="0">
+                <a:schemeClr val="accent1"/>
+              </a:effectRef>
+              <a:fontRef idx="minor">
+                <a:schemeClr val="tx1"/>
+              </a:fontRef>
+            </p:style>
+          </p:cxnSp>
+        </p:grpSp>
+        <p:pic>
+          <p:nvPicPr>
+            <p:cNvPr id="1026" name="Picture 2" descr="Image result for finger cartoon transparent"/>
+            <p:cNvPicPr>
+              <a:picLocks noChangeAspect="1" noChangeArrowheads="1"/>
+            </p:cNvPicPr>
+            <p:nvPr/>
+          </p:nvPicPr>
+          <p:blipFill>
+            <a:blip r:embed="rId7" cstate="print">
+              <a:extLst>
+                <a:ext uri="{28A0092B-C50C-407E-A947-70E740481C1C}">
+                  <a14:useLocalDpi xmlns:a14="http://schemas.microsoft.com/office/drawing/2010/main" val="0"/>
+                </a:ext>
+              </a:extLst>
+            </a:blip>
+            <a:srcRect/>
+            <a:stretch>
+              <a:fillRect/>
+            </a:stretch>
+          </p:blipFill>
+          <p:spPr bwMode="auto">
+            <a:xfrm>
+              <a:off x="9243341" y="4129186"/>
+              <a:ext cx="2014595" cy="703010"/>
+            </a:xfrm>
+            <a:prstGeom prst="rect">
+              <a:avLst/>
+            </a:prstGeom>
+            <a:noFill/>
+            <a:extLst>
+              <a:ext uri="{909E8E84-426E-40DD-AFC4-6F175D3DCCD1}">
+                <a14:hiddenFill xmlns:a14="http://schemas.microsoft.com/office/drawing/2010/main">
+                  <a:solidFill>
+                    <a:srgbClr val="FFFFFF"/>
+                  </a:solidFill>
+                </a14:hiddenFill>
+              </a:ext>
+            </a:extLst>
+          </p:spPr>
+        </p:pic>
       </p:grpSp>
     </p:spTree>
     <p:extLst>
@@ -16189,8 +19631,8 @@
               </a:fontRef>
             </p:style>
           </p:cxnSp>
-          <mc:AlternateContent xmlns:mc="http://schemas.openxmlformats.org/markup-compatibility/2006">
-            <mc:Choice xmlns:a14="http://schemas.microsoft.com/office/drawing/2010/main" Requires="a14">
+          <mc:AlternateContent xmlns:mc="http://schemas.openxmlformats.org/markup-compatibility/2006" xmlns:a14="http://schemas.microsoft.com/office/drawing/2010/main">
+            <mc:Choice Requires="a14">
               <p:sp>
                 <p:nvSpPr>
                   <p:cNvPr id="13" name="TextBox 12"/>
@@ -16213,6 +19655,7 @@
                   </a:bodyPr>
                   <a:lstStyle/>
                   <a:p>
+                    <a:pPr/>
                     <a14:m>
                       <m:oMathPara xmlns:m="http://schemas.openxmlformats.org/officeDocument/2006/math">
                         <m:oMathParaPr>
@@ -16251,7 +19694,7 @@
                 </p:txBody>
               </p:sp>
             </mc:Choice>
-            <mc:Fallback>
+            <mc:Fallback xmlns="">
               <p:sp>
                 <p:nvSpPr>
                   <p:cNvPr id="13" name="TextBox 12"/>
@@ -17394,8 +20837,8 @@
             </p:txBody>
           </p:sp>
         </p:grpSp>
-        <mc:AlternateContent xmlns:mc="http://schemas.openxmlformats.org/markup-compatibility/2006">
-          <mc:Choice xmlns:a14="http://schemas.microsoft.com/office/drawing/2010/main" Requires="a14">
+        <mc:AlternateContent xmlns:mc="http://schemas.openxmlformats.org/markup-compatibility/2006" xmlns:a14="http://schemas.microsoft.com/office/drawing/2010/main">
+          <mc:Choice Requires="a14">
             <p:sp>
               <p:nvSpPr>
                 <p:cNvPr id="21" name="TextBox 20"/>
@@ -17418,6 +20861,7 @@
                 </a:bodyPr>
                 <a:lstStyle/>
                 <a:p>
+                  <a:pPr/>
                   <a14:m>
                     <m:oMathPara xmlns:m="http://schemas.openxmlformats.org/officeDocument/2006/math">
                       <m:oMathParaPr>
@@ -17456,7 +20900,7 @@
               </p:txBody>
             </p:sp>
           </mc:Choice>
-          <mc:Fallback>
+          <mc:Fallback xmlns="">
             <p:sp>
               <p:nvSpPr>
                 <p:cNvPr id="21" name="TextBox 20"/>
@@ -18511,8 +21955,8 @@
             </p:txBody>
           </p:sp>
         </p:grpSp>
-        <mc:AlternateContent xmlns:mc="http://schemas.openxmlformats.org/markup-compatibility/2006">
-          <mc:Choice xmlns:a14="http://schemas.microsoft.com/office/drawing/2010/main" Requires="a14">
+        <mc:AlternateContent xmlns:mc="http://schemas.openxmlformats.org/markup-compatibility/2006" xmlns:a14="http://schemas.microsoft.com/office/drawing/2010/main">
+          <mc:Choice Requires="a14">
             <p:sp>
               <p:nvSpPr>
                 <p:cNvPr id="43" name="TextBox 42"/>
@@ -18535,6 +21979,7 @@
                 </a:bodyPr>
                 <a:lstStyle/>
                 <a:p>
+                  <a:pPr/>
                   <a14:m>
                     <m:oMathPara xmlns:m="http://schemas.openxmlformats.org/officeDocument/2006/math">
                       <m:oMathParaPr>
@@ -18580,7 +22025,7 @@
               </p:txBody>
             </p:sp>
           </mc:Choice>
-          <mc:Fallback>
+          <mc:Fallback xmlns="">
             <p:sp>
               <p:nvSpPr>
                 <p:cNvPr id="43" name="TextBox 42"/>
@@ -18619,8 +22064,8 @@
             </p:sp>
           </mc:Fallback>
         </mc:AlternateContent>
-        <mc:AlternateContent xmlns:mc="http://schemas.openxmlformats.org/markup-compatibility/2006">
-          <mc:Choice xmlns:a14="http://schemas.microsoft.com/office/drawing/2010/main" Requires="a14">
+        <mc:AlternateContent xmlns:mc="http://schemas.openxmlformats.org/markup-compatibility/2006" xmlns:a14="http://schemas.microsoft.com/office/drawing/2010/main">
+          <mc:Choice Requires="a14">
             <p:sp>
               <p:nvSpPr>
                 <p:cNvPr id="44" name="TextBox 43"/>
@@ -18643,6 +22088,7 @@
                 </a:bodyPr>
                 <a:lstStyle/>
                 <a:p>
+                  <a:pPr/>
                   <a14:m>
                     <m:oMathPara xmlns:m="http://schemas.openxmlformats.org/officeDocument/2006/math">
                       <m:oMathParaPr>
@@ -18688,7 +22134,7 @@
               </p:txBody>
             </p:sp>
           </mc:Choice>
-          <mc:Fallback>
+          <mc:Fallback xmlns="">
             <p:sp>
               <p:nvSpPr>
                 <p:cNvPr id="44" name="TextBox 43"/>
@@ -18727,8 +22173,8 @@
             </p:sp>
           </mc:Fallback>
         </mc:AlternateContent>
-        <mc:AlternateContent xmlns:mc="http://schemas.openxmlformats.org/markup-compatibility/2006">
-          <mc:Choice xmlns:a14="http://schemas.microsoft.com/office/drawing/2010/main" Requires="a14">
+        <mc:AlternateContent xmlns:mc="http://schemas.openxmlformats.org/markup-compatibility/2006" xmlns:a14="http://schemas.microsoft.com/office/drawing/2010/main">
+          <mc:Choice Requires="a14">
             <p:sp>
               <p:nvSpPr>
                 <p:cNvPr id="45" name="TextBox 44"/>
@@ -18751,6 +22197,7 @@
                 </a:bodyPr>
                 <a:lstStyle/>
                 <a:p>
+                  <a:pPr/>
                   <a14:m>
                     <m:oMathPara xmlns:m="http://schemas.openxmlformats.org/officeDocument/2006/math">
                       <m:oMathParaPr>
@@ -18796,7 +22243,7 @@
               </p:txBody>
             </p:sp>
           </mc:Choice>
-          <mc:Fallback>
+          <mc:Fallback xmlns="">
             <p:sp>
               <p:nvSpPr>
                 <p:cNvPr id="45" name="TextBox 44"/>
@@ -18835,8 +22282,8 @@
             </p:sp>
           </mc:Fallback>
         </mc:AlternateContent>
-        <mc:AlternateContent xmlns:mc="http://schemas.openxmlformats.org/markup-compatibility/2006">
-          <mc:Choice xmlns:a14="http://schemas.microsoft.com/office/drawing/2010/main" Requires="a14">
+        <mc:AlternateContent xmlns:mc="http://schemas.openxmlformats.org/markup-compatibility/2006" xmlns:a14="http://schemas.microsoft.com/office/drawing/2010/main">
+          <mc:Choice Requires="a14">
             <p:sp>
               <p:nvSpPr>
                 <p:cNvPr id="46" name="TextBox 45"/>
@@ -18859,6 +22306,7 @@
                 </a:bodyPr>
                 <a:lstStyle/>
                 <a:p>
+                  <a:pPr/>
                   <a14:m>
                     <m:oMathPara xmlns:m="http://schemas.openxmlformats.org/officeDocument/2006/math">
                       <m:oMathParaPr>
@@ -18904,7 +22352,7 @@
               </p:txBody>
             </p:sp>
           </mc:Choice>
-          <mc:Fallback>
+          <mc:Fallback xmlns="">
             <p:sp>
               <p:nvSpPr>
                 <p:cNvPr id="46" name="TextBox 45"/>
@@ -20854,8 +24302,8 @@
               </a:fontRef>
             </p:style>
           </p:cxnSp>
-          <mc:AlternateContent xmlns:mc="http://schemas.openxmlformats.org/markup-compatibility/2006">
-            <mc:Choice xmlns:a14="http://schemas.microsoft.com/office/drawing/2010/main" Requires="a14">
+          <mc:AlternateContent xmlns:mc="http://schemas.openxmlformats.org/markup-compatibility/2006" xmlns:a14="http://schemas.microsoft.com/office/drawing/2010/main">
+            <mc:Choice Requires="a14">
               <p:sp>
                 <p:nvSpPr>
                   <p:cNvPr id="21" name="TextBox 20"/>
@@ -20878,6 +24326,7 @@
                   </a:bodyPr>
                   <a:lstStyle/>
                   <a:p>
+                    <a:pPr/>
                     <a14:m>
                       <m:oMathPara xmlns:m="http://schemas.openxmlformats.org/officeDocument/2006/math">
                         <m:oMathParaPr>
@@ -20958,7 +24407,7 @@
                 </p:txBody>
               </p:sp>
             </mc:Choice>
-            <mc:Fallback>
+            <mc:Fallback xmlns="">
               <p:sp>
                 <p:nvSpPr>
                   <p:cNvPr id="21" name="TextBox 20"/>
@@ -20997,8 +24446,8 @@
               </p:sp>
             </mc:Fallback>
           </mc:AlternateContent>
-          <mc:AlternateContent xmlns:mc="http://schemas.openxmlformats.org/markup-compatibility/2006">
-            <mc:Choice xmlns:a14="http://schemas.microsoft.com/office/drawing/2010/main" Requires="a14">
+          <mc:AlternateContent xmlns:mc="http://schemas.openxmlformats.org/markup-compatibility/2006" xmlns:a14="http://schemas.microsoft.com/office/drawing/2010/main">
+            <mc:Choice Requires="a14">
               <p:sp>
                 <p:nvSpPr>
                   <p:cNvPr id="23" name="TextBox 22"/>
@@ -21021,6 +24470,7 @@
                   </a:bodyPr>
                   <a:lstStyle/>
                   <a:p>
+                    <a:pPr/>
                     <a14:m>
                       <m:oMathPara xmlns:m="http://schemas.openxmlformats.org/officeDocument/2006/math">
                         <m:oMathParaPr>
@@ -21101,7 +24551,7 @@
                 </p:txBody>
               </p:sp>
             </mc:Choice>
-            <mc:Fallback>
+            <mc:Fallback xmlns="">
               <p:sp>
                 <p:nvSpPr>
                   <p:cNvPr id="23" name="TextBox 22"/>
@@ -21140,8 +24590,8 @@
               </p:sp>
             </mc:Fallback>
           </mc:AlternateContent>
-          <mc:AlternateContent xmlns:mc="http://schemas.openxmlformats.org/markup-compatibility/2006">
-            <mc:Choice xmlns:a14="http://schemas.microsoft.com/office/drawing/2010/main" Requires="a14">
+          <mc:AlternateContent xmlns:mc="http://schemas.openxmlformats.org/markup-compatibility/2006" xmlns:a14="http://schemas.microsoft.com/office/drawing/2010/main">
+            <mc:Choice Requires="a14">
               <p:sp>
                 <p:nvSpPr>
                   <p:cNvPr id="24" name="TextBox 23"/>
@@ -21164,6 +24614,7 @@
                   </a:bodyPr>
                   <a:lstStyle/>
                   <a:p>
+                    <a:pPr/>
                     <a14:m>
                       <m:oMathPara xmlns:m="http://schemas.openxmlformats.org/officeDocument/2006/math">
                         <m:oMathParaPr>
@@ -21244,7 +24695,7 @@
                 </p:txBody>
               </p:sp>
             </mc:Choice>
-            <mc:Fallback>
+            <mc:Fallback xmlns="">
               <p:sp>
                 <p:nvSpPr>
                   <p:cNvPr id="24" name="TextBox 23"/>
@@ -21283,8 +24734,8 @@
               </p:sp>
             </mc:Fallback>
           </mc:AlternateContent>
-          <mc:AlternateContent xmlns:mc="http://schemas.openxmlformats.org/markup-compatibility/2006">
-            <mc:Choice xmlns:a14="http://schemas.microsoft.com/office/drawing/2010/main" Requires="a14">
+          <mc:AlternateContent xmlns:mc="http://schemas.openxmlformats.org/markup-compatibility/2006" xmlns:a14="http://schemas.microsoft.com/office/drawing/2010/main">
+            <mc:Choice Requires="a14">
               <p:sp>
                 <p:nvSpPr>
                   <p:cNvPr id="25" name="TextBox 24"/>
@@ -21307,6 +24758,7 @@
                   </a:bodyPr>
                   <a:lstStyle/>
                   <a:p>
+                    <a:pPr/>
                     <a14:m>
                       <m:oMathPara xmlns:m="http://schemas.openxmlformats.org/officeDocument/2006/math">
                         <m:oMathParaPr>
@@ -21387,7 +24839,7 @@
                 </p:txBody>
               </p:sp>
             </mc:Choice>
-            <mc:Fallback>
+            <mc:Fallback xmlns="">
               <p:sp>
                 <p:nvSpPr>
                   <p:cNvPr id="25" name="TextBox 24"/>
@@ -21570,8 +25022,8 @@
               </a:fontRef>
             </p:style>
           </p:cxnSp>
-          <mc:AlternateContent xmlns:mc="http://schemas.openxmlformats.org/markup-compatibility/2006">
-            <mc:Choice xmlns:a14="http://schemas.microsoft.com/office/drawing/2010/main" Requires="a14">
+          <mc:AlternateContent xmlns:mc="http://schemas.openxmlformats.org/markup-compatibility/2006" xmlns:a14="http://schemas.microsoft.com/office/drawing/2010/main">
+            <mc:Choice Requires="a14">
               <p:sp>
                 <p:nvSpPr>
                   <p:cNvPr id="33" name="TextBox 32"/>
@@ -21594,6 +25046,7 @@
                   </a:bodyPr>
                   <a:lstStyle/>
                   <a:p>
+                    <a:pPr/>
                     <a14:m>
                       <m:oMathPara xmlns:m="http://schemas.openxmlformats.org/officeDocument/2006/math">
                         <m:oMathParaPr>
@@ -21639,7 +25092,7 @@
                 </p:txBody>
               </p:sp>
             </mc:Choice>
-            <mc:Fallback>
+            <mc:Fallback xmlns="">
               <p:sp>
                 <p:nvSpPr>
                   <p:cNvPr id="33" name="TextBox 32"/>
@@ -21678,8 +25131,8 @@
               </p:sp>
             </mc:Fallback>
           </mc:AlternateContent>
-          <mc:AlternateContent xmlns:mc="http://schemas.openxmlformats.org/markup-compatibility/2006">
-            <mc:Choice xmlns:a14="http://schemas.microsoft.com/office/drawing/2010/main" Requires="a14">
+          <mc:AlternateContent xmlns:mc="http://schemas.openxmlformats.org/markup-compatibility/2006" xmlns:a14="http://schemas.microsoft.com/office/drawing/2010/main">
+            <mc:Choice Requires="a14">
               <p:sp>
                 <p:nvSpPr>
                   <p:cNvPr id="34" name="TextBox 33"/>
@@ -21702,6 +25155,7 @@
                   </a:bodyPr>
                   <a:lstStyle/>
                   <a:p>
+                    <a:pPr/>
                     <a14:m>
                       <m:oMathPara xmlns:m="http://schemas.openxmlformats.org/officeDocument/2006/math">
                         <m:oMathParaPr>
@@ -21747,7 +25201,7 @@
                 </p:txBody>
               </p:sp>
             </mc:Choice>
-            <mc:Fallback>
+            <mc:Fallback xmlns="">
               <p:sp>
                 <p:nvSpPr>
                   <p:cNvPr id="34" name="TextBox 33"/>
@@ -21786,8 +25240,8 @@
               </p:sp>
             </mc:Fallback>
           </mc:AlternateContent>
-          <mc:AlternateContent xmlns:mc="http://schemas.openxmlformats.org/markup-compatibility/2006">
-            <mc:Choice xmlns:a14="http://schemas.microsoft.com/office/drawing/2010/main" Requires="a14">
+          <mc:AlternateContent xmlns:mc="http://schemas.openxmlformats.org/markup-compatibility/2006" xmlns:a14="http://schemas.microsoft.com/office/drawing/2010/main">
+            <mc:Choice Requires="a14">
               <p:sp>
                 <p:nvSpPr>
                   <p:cNvPr id="35" name="TextBox 34"/>
@@ -21810,6 +25264,7 @@
                   </a:bodyPr>
                   <a:lstStyle/>
                   <a:p>
+                    <a:pPr/>
                     <a14:m>
                       <m:oMathPara xmlns:m="http://schemas.openxmlformats.org/officeDocument/2006/math">
                         <m:oMathParaPr>
@@ -21855,7 +25310,7 @@
                 </p:txBody>
               </p:sp>
             </mc:Choice>
-            <mc:Fallback>
+            <mc:Fallback xmlns="">
               <p:sp>
                 <p:nvSpPr>
                   <p:cNvPr id="35" name="TextBox 34"/>
@@ -21894,8 +25349,8 @@
               </p:sp>
             </mc:Fallback>
           </mc:AlternateContent>
-          <mc:AlternateContent xmlns:mc="http://schemas.openxmlformats.org/markup-compatibility/2006">
-            <mc:Choice xmlns:a14="http://schemas.microsoft.com/office/drawing/2010/main" Requires="a14">
+          <mc:AlternateContent xmlns:mc="http://schemas.openxmlformats.org/markup-compatibility/2006" xmlns:a14="http://schemas.microsoft.com/office/drawing/2010/main">
+            <mc:Choice Requires="a14">
               <p:sp>
                 <p:nvSpPr>
                   <p:cNvPr id="36" name="TextBox 35"/>
@@ -21918,6 +25373,7 @@
                   </a:bodyPr>
                   <a:lstStyle/>
                   <a:p>
+                    <a:pPr/>
                     <a14:m>
                       <m:oMathPara xmlns:m="http://schemas.openxmlformats.org/officeDocument/2006/math">
                         <m:oMathParaPr>
@@ -21963,7 +25419,7 @@
                 </p:txBody>
               </p:sp>
             </mc:Choice>
-            <mc:Fallback>
+            <mc:Fallback xmlns="">
               <p:sp>
                 <p:nvSpPr>
                   <p:cNvPr id="36" name="TextBox 35"/>
@@ -22039,8 +25495,8 @@
               </a:fontRef>
             </p:style>
           </p:cxnSp>
-          <mc:AlternateContent xmlns:mc="http://schemas.openxmlformats.org/markup-compatibility/2006">
-            <mc:Choice xmlns:a14="http://schemas.microsoft.com/office/drawing/2010/main" Requires="a14">
+          <mc:AlternateContent xmlns:mc="http://schemas.openxmlformats.org/markup-compatibility/2006" xmlns:a14="http://schemas.microsoft.com/office/drawing/2010/main">
+            <mc:Choice Requires="a14">
               <p:sp>
                 <p:nvSpPr>
                   <p:cNvPr id="39" name="TextBox 38"/>
@@ -22063,6 +25519,7 @@
                   </a:bodyPr>
                   <a:lstStyle/>
                   <a:p>
+                    <a:pPr/>
                     <a14:m>
                       <m:oMathPara xmlns:m="http://schemas.openxmlformats.org/officeDocument/2006/math">
                         <m:oMathParaPr>
@@ -22118,7 +25575,7 @@
                 </p:txBody>
               </p:sp>
             </mc:Choice>
-            <mc:Fallback>
+            <mc:Fallback xmlns="">
               <p:sp>
                 <p:nvSpPr>
                   <p:cNvPr id="39" name="TextBox 38"/>
@@ -22194,8 +25651,8 @@
               </a:fontRef>
             </p:style>
           </p:cxnSp>
-          <mc:AlternateContent xmlns:mc="http://schemas.openxmlformats.org/markup-compatibility/2006">
-            <mc:Choice xmlns:a14="http://schemas.microsoft.com/office/drawing/2010/main" Requires="a14">
+          <mc:AlternateContent xmlns:mc="http://schemas.openxmlformats.org/markup-compatibility/2006" xmlns:a14="http://schemas.microsoft.com/office/drawing/2010/main">
+            <mc:Choice Requires="a14">
               <p:sp>
                 <p:nvSpPr>
                   <p:cNvPr id="41" name="TextBox 40"/>
@@ -22218,6 +25675,7 @@
                   </a:bodyPr>
                   <a:lstStyle/>
                   <a:p>
+                    <a:pPr/>
                     <a14:m>
                       <m:oMathPara xmlns:m="http://schemas.openxmlformats.org/officeDocument/2006/math">
                         <m:oMathParaPr>
@@ -22273,7 +25731,7 @@
                 </p:txBody>
               </p:sp>
             </mc:Choice>
-            <mc:Fallback>
+            <mc:Fallback xmlns="">
               <p:sp>
                 <p:nvSpPr>
                   <p:cNvPr id="41" name="TextBox 40"/>
@@ -22420,8 +25878,8 @@
               </a:fontRef>
             </p:style>
           </p:cxnSp>
-          <mc:AlternateContent xmlns:mc="http://schemas.openxmlformats.org/markup-compatibility/2006">
-            <mc:Choice xmlns:a14="http://schemas.microsoft.com/office/drawing/2010/main" Requires="a14">
+          <mc:AlternateContent xmlns:mc="http://schemas.openxmlformats.org/markup-compatibility/2006" xmlns:a14="http://schemas.microsoft.com/office/drawing/2010/main">
+            <mc:Choice Requires="a14">
               <p:sp>
                 <p:nvSpPr>
                   <p:cNvPr id="52" name="TextBox 51"/>
@@ -22444,6 +25902,7 @@
                   </a:bodyPr>
                   <a:lstStyle/>
                   <a:p>
+                    <a:pPr/>
                     <a14:m>
                       <m:oMathPara xmlns:m="http://schemas.openxmlformats.org/officeDocument/2006/math">
                         <m:oMathParaPr>
@@ -22489,7 +25948,7 @@
                 </p:txBody>
               </p:sp>
             </mc:Choice>
-            <mc:Fallback>
+            <mc:Fallback xmlns="">
               <p:sp>
                 <p:nvSpPr>
                   <p:cNvPr id="52" name="TextBox 51"/>
@@ -22528,8 +25987,8 @@
               </p:sp>
             </mc:Fallback>
           </mc:AlternateContent>
-          <mc:AlternateContent xmlns:mc="http://schemas.openxmlformats.org/markup-compatibility/2006">
-            <mc:Choice xmlns:a14="http://schemas.microsoft.com/office/drawing/2010/main" Requires="a14">
+          <mc:AlternateContent xmlns:mc="http://schemas.openxmlformats.org/markup-compatibility/2006" xmlns:a14="http://schemas.microsoft.com/office/drawing/2010/main">
+            <mc:Choice Requires="a14">
               <p:sp>
                 <p:nvSpPr>
                   <p:cNvPr id="53" name="TextBox 52"/>
@@ -22552,6 +26011,7 @@
                   </a:bodyPr>
                   <a:lstStyle/>
                   <a:p>
+                    <a:pPr/>
                     <a14:m>
                       <m:oMathPara xmlns:m="http://schemas.openxmlformats.org/officeDocument/2006/math">
                         <m:oMathParaPr>
@@ -22597,7 +26057,7 @@
                 </p:txBody>
               </p:sp>
             </mc:Choice>
-            <mc:Fallback>
+            <mc:Fallback xmlns="">
               <p:sp>
                 <p:nvSpPr>
                   <p:cNvPr id="53" name="TextBox 52"/>
@@ -22636,8 +26096,8 @@
               </p:sp>
             </mc:Fallback>
           </mc:AlternateContent>
-          <mc:AlternateContent xmlns:mc="http://schemas.openxmlformats.org/markup-compatibility/2006">
-            <mc:Choice xmlns:a14="http://schemas.microsoft.com/office/drawing/2010/main" Requires="a14">
+          <mc:AlternateContent xmlns:mc="http://schemas.openxmlformats.org/markup-compatibility/2006" xmlns:a14="http://schemas.microsoft.com/office/drawing/2010/main">
+            <mc:Choice Requires="a14">
               <p:sp>
                 <p:nvSpPr>
                   <p:cNvPr id="54" name="TextBox 53"/>
@@ -22660,6 +26120,7 @@
                   </a:bodyPr>
                   <a:lstStyle/>
                   <a:p>
+                    <a:pPr/>
                     <a14:m>
                       <m:oMathPara xmlns:m="http://schemas.openxmlformats.org/officeDocument/2006/math">
                         <m:oMathParaPr>
@@ -22691,7 +26152,7 @@
                 </p:txBody>
               </p:sp>
             </mc:Choice>
-            <mc:Fallback>
+            <mc:Fallback xmlns="">
               <p:sp>
                 <p:nvSpPr>
                   <p:cNvPr id="54" name="TextBox 53"/>
@@ -22730,8 +26191,8 @@
               </p:sp>
             </mc:Fallback>
           </mc:AlternateContent>
-          <mc:AlternateContent xmlns:mc="http://schemas.openxmlformats.org/markup-compatibility/2006">
-            <mc:Choice xmlns:a14="http://schemas.microsoft.com/office/drawing/2010/main" Requires="a14">
+          <mc:AlternateContent xmlns:mc="http://schemas.openxmlformats.org/markup-compatibility/2006" xmlns:a14="http://schemas.microsoft.com/office/drawing/2010/main">
+            <mc:Choice Requires="a14">
               <p:sp>
                 <p:nvSpPr>
                   <p:cNvPr id="55" name="TextBox 54"/>
@@ -22754,6 +26215,7 @@
                   </a:bodyPr>
                   <a:lstStyle/>
                   <a:p>
+                    <a:pPr/>
                     <a14:m>
                       <m:oMathPara xmlns:m="http://schemas.openxmlformats.org/officeDocument/2006/math">
                         <m:oMathParaPr>
@@ -22802,7 +26264,7 @@
                 </p:txBody>
               </p:sp>
             </mc:Choice>
-            <mc:Fallback>
+            <mc:Fallback xmlns="">
               <p:sp>
                 <p:nvSpPr>
                   <p:cNvPr id="55" name="TextBox 54"/>
@@ -22878,8 +26340,8 @@
             </a:fontRef>
           </p:style>
         </p:cxnSp>
-        <mc:AlternateContent xmlns:mc="http://schemas.openxmlformats.org/markup-compatibility/2006">
-          <mc:Choice xmlns:a14="http://schemas.microsoft.com/office/drawing/2010/main" Requires="a14">
+        <mc:AlternateContent xmlns:mc="http://schemas.openxmlformats.org/markup-compatibility/2006" xmlns:a14="http://schemas.microsoft.com/office/drawing/2010/main">
+          <mc:Choice Requires="a14">
             <p:sp>
               <p:nvSpPr>
                 <p:cNvPr id="64" name="TextBox 63"/>
@@ -22902,6 +26364,7 @@
                 </a:bodyPr>
                 <a:lstStyle/>
                 <a:p>
+                  <a:pPr/>
                   <a14:m>
                     <m:oMathPara xmlns:m="http://schemas.openxmlformats.org/officeDocument/2006/math">
                       <m:oMathParaPr>
@@ -23010,7 +26473,7 @@
               </p:txBody>
             </p:sp>
           </mc:Choice>
-          <mc:Fallback>
+          <mc:Fallback xmlns="">
             <p:sp>
               <p:nvSpPr>
                 <p:cNvPr id="64" name="TextBox 63"/>
@@ -23085,8 +26548,8 @@
             </a:fontRef>
           </p:style>
         </p:cxnSp>
-        <mc:AlternateContent xmlns:mc="http://schemas.openxmlformats.org/markup-compatibility/2006">
-          <mc:Choice xmlns:a14="http://schemas.microsoft.com/office/drawing/2010/main" Requires="a14">
+        <mc:AlternateContent xmlns:mc="http://schemas.openxmlformats.org/markup-compatibility/2006" xmlns:a14="http://schemas.microsoft.com/office/drawing/2010/main">
+          <mc:Choice Requires="a14">
             <p:sp>
               <p:nvSpPr>
                 <p:cNvPr id="67" name="TextBox 66"/>
@@ -23109,6 +26572,7 @@
                 </a:bodyPr>
                 <a:lstStyle/>
                 <a:p>
+                  <a:pPr/>
                   <a14:m>
                     <m:oMathPara xmlns:m="http://schemas.openxmlformats.org/officeDocument/2006/math">
                       <m:oMathParaPr>
@@ -23217,7 +26681,7 @@
               </p:txBody>
             </p:sp>
           </mc:Choice>
-          <mc:Fallback>
+          <mc:Fallback xmlns="">
             <p:sp>
               <p:nvSpPr>
                 <p:cNvPr id="67" name="TextBox 66"/>
@@ -23295,7 +26759,7 @@
         </p:nvGrpSpPr>
         <p:grpSpPr>
           <a:xfrm>
-            <a:off x="1899365" y="1645120"/>
+            <a:off x="400175" y="656292"/>
             <a:ext cx="4884208" cy="1434122"/>
             <a:chOff x="1899365" y="1645120"/>
             <a:chExt cx="4884208" cy="1434122"/>
@@ -23979,8 +27443,8 @@
             </a:fontRef>
           </p:style>
         </p:cxnSp>
-        <mc:AlternateContent xmlns:mc="http://schemas.openxmlformats.org/markup-compatibility/2006">
-          <mc:Choice xmlns:a14="http://schemas.microsoft.com/office/drawing/2010/main" Requires="a14">
+        <mc:AlternateContent xmlns:mc="http://schemas.openxmlformats.org/markup-compatibility/2006" xmlns:a14="http://schemas.microsoft.com/office/drawing/2010/main">
+          <mc:Choice Requires="a14">
             <p:sp>
               <p:nvSpPr>
                 <p:cNvPr id="28" name="TextBox 27"/>
@@ -24003,6 +27467,7 @@
                 </a:bodyPr>
                 <a:lstStyle/>
                 <a:p>
+                  <a:pPr/>
                   <a14:m>
                     <m:oMathPara xmlns:m="http://schemas.openxmlformats.org/officeDocument/2006/math">
                       <m:oMathParaPr>
@@ -24041,7 +27506,7 @@
               </p:txBody>
             </p:sp>
           </mc:Choice>
-          <mc:Fallback>
+          <mc:Fallback xmlns="">
             <p:sp>
               <p:nvSpPr>
                 <p:cNvPr id="28" name="TextBox 27"/>
@@ -24081,10 +27546,4015 @@
           </mc:Fallback>
         </mc:AlternateContent>
       </p:grpSp>
+      <p:grpSp>
+        <p:nvGrpSpPr>
+          <p:cNvPr id="6" name="Group 5"/>
+          <p:cNvGrpSpPr/>
+          <p:nvPr/>
+        </p:nvGrpSpPr>
+        <p:grpSpPr>
+          <a:xfrm>
+            <a:off x="991531" y="3557824"/>
+            <a:ext cx="4889521" cy="2883309"/>
+            <a:chOff x="627003" y="3485593"/>
+            <a:chExt cx="4889521" cy="2883309"/>
+          </a:xfrm>
+        </p:grpSpPr>
+        <p:grpSp>
+          <p:nvGrpSpPr>
+            <p:cNvPr id="5" name="Group 4"/>
+            <p:cNvGrpSpPr/>
+            <p:nvPr/>
+          </p:nvGrpSpPr>
+          <p:grpSpPr>
+            <a:xfrm>
+              <a:off x="627003" y="3485593"/>
+              <a:ext cx="4889521" cy="2883309"/>
+              <a:chOff x="627003" y="3485593"/>
+              <a:chExt cx="4889521" cy="2883309"/>
+            </a:xfrm>
+          </p:grpSpPr>
+          <p:cxnSp>
+            <p:nvCxnSpPr>
+              <p:cNvPr id="12" name="Straight Connector 11"/>
+              <p:cNvCxnSpPr/>
+              <p:nvPr/>
+            </p:nvCxnSpPr>
+            <p:spPr>
+              <a:xfrm>
+                <a:off x="627003" y="3747858"/>
+                <a:ext cx="4884205" cy="41288"/>
+              </a:xfrm>
+              <a:prstGeom prst="line">
+                <a:avLst/>
+              </a:prstGeom>
+              <a:ln w="12700">
+                <a:solidFill>
+                  <a:schemeClr val="tx1"/>
+                </a:solidFill>
+                <a:headEnd type="none" w="med" len="med"/>
+                <a:tailEnd type="triangle" w="med" len="med"/>
+              </a:ln>
+            </p:spPr>
+            <p:style>
+              <a:lnRef idx="1">
+                <a:schemeClr val="accent1"/>
+              </a:lnRef>
+              <a:fillRef idx="0">
+                <a:schemeClr val="accent1"/>
+              </a:fillRef>
+              <a:effectRef idx="0">
+                <a:schemeClr val="accent1"/>
+              </a:effectRef>
+              <a:fontRef idx="minor">
+                <a:schemeClr val="tx1"/>
+              </a:fontRef>
+            </p:style>
+          </p:cxnSp>
+          <p:cxnSp>
+            <p:nvCxnSpPr>
+              <p:cNvPr id="21" name="Straight Connector 20"/>
+              <p:cNvCxnSpPr/>
+              <p:nvPr/>
+            </p:nvCxnSpPr>
+            <p:spPr>
+              <a:xfrm>
+                <a:off x="627003" y="3986846"/>
+                <a:ext cx="4884205" cy="41288"/>
+              </a:xfrm>
+              <a:prstGeom prst="line">
+                <a:avLst/>
+              </a:prstGeom>
+              <a:ln w="12700">
+                <a:solidFill>
+                  <a:schemeClr val="tx1"/>
+                </a:solidFill>
+                <a:headEnd type="none" w="med" len="med"/>
+                <a:tailEnd type="triangle" w="med" len="med"/>
+              </a:ln>
+            </p:spPr>
+            <p:style>
+              <a:lnRef idx="1">
+                <a:schemeClr val="accent1"/>
+              </a:lnRef>
+              <a:fillRef idx="0">
+                <a:schemeClr val="accent1"/>
+              </a:fillRef>
+              <a:effectRef idx="0">
+                <a:schemeClr val="accent1"/>
+              </a:effectRef>
+              <a:fontRef idx="minor">
+                <a:schemeClr val="tx1"/>
+              </a:fontRef>
+            </p:style>
+          </p:cxnSp>
+          <p:cxnSp>
+            <p:nvCxnSpPr>
+              <p:cNvPr id="23" name="Straight Connector 22"/>
+              <p:cNvCxnSpPr/>
+              <p:nvPr/>
+            </p:nvCxnSpPr>
+            <p:spPr>
+              <a:xfrm>
+                <a:off x="632319" y="3485593"/>
+                <a:ext cx="4884205" cy="41288"/>
+              </a:xfrm>
+              <a:prstGeom prst="line">
+                <a:avLst/>
+              </a:prstGeom>
+              <a:ln w="12700">
+                <a:solidFill>
+                  <a:schemeClr val="tx1"/>
+                </a:solidFill>
+                <a:headEnd type="none" w="med" len="med"/>
+                <a:tailEnd type="triangle" w="med" len="med"/>
+              </a:ln>
+            </p:spPr>
+            <p:style>
+              <a:lnRef idx="1">
+                <a:schemeClr val="accent1"/>
+              </a:lnRef>
+              <a:fillRef idx="0">
+                <a:schemeClr val="accent1"/>
+              </a:fillRef>
+              <a:effectRef idx="0">
+                <a:schemeClr val="accent1"/>
+              </a:effectRef>
+              <a:fontRef idx="minor">
+                <a:schemeClr val="tx1"/>
+              </a:fontRef>
+            </p:style>
+          </p:cxnSp>
+          <p:sp>
+            <p:nvSpPr>
+              <p:cNvPr id="2" name="Rectangle 1"/>
+              <p:cNvSpPr/>
+              <p:nvPr/>
+            </p:nvSpPr>
+            <p:spPr>
+              <a:xfrm>
+                <a:off x="1903228" y="5358809"/>
+                <a:ext cx="2158409" cy="1010093"/>
+              </a:xfrm>
+              <a:prstGeom prst="rect">
+                <a:avLst/>
+              </a:prstGeom>
+              <a:solidFill>
+                <a:schemeClr val="bg1">
+                  <a:lumMod val="95000"/>
+                </a:schemeClr>
+              </a:solidFill>
+              <a:ln w="38100">
+                <a:solidFill>
+                  <a:schemeClr val="tx1"/>
+                </a:solidFill>
+              </a:ln>
+            </p:spPr>
+            <p:style>
+              <a:lnRef idx="2">
+                <a:schemeClr val="accent1">
+                  <a:shade val="50000"/>
+                </a:schemeClr>
+              </a:lnRef>
+              <a:fillRef idx="1">
+                <a:schemeClr val="accent1"/>
+              </a:fillRef>
+              <a:effectRef idx="0">
+                <a:schemeClr val="accent1"/>
+              </a:effectRef>
+              <a:fontRef idx="minor">
+                <a:schemeClr val="lt1"/>
+              </a:fontRef>
+            </p:style>
+            <p:txBody>
+              <a:bodyPr rtlCol="0" anchor="ctr"/>
+              <a:lstStyle/>
+              <a:p>
+                <a:pPr algn="ctr"/>
+                <a:endParaRPr lang="en-US"/>
+              </a:p>
+            </p:txBody>
+          </p:sp>
+          <p:sp>
+            <p:nvSpPr>
+              <p:cNvPr id="3" name="Isosceles Triangle 2"/>
+              <p:cNvSpPr/>
+              <p:nvPr/>
+            </p:nvSpPr>
+            <p:spPr>
+              <a:xfrm>
+                <a:off x="1251475" y="4482800"/>
+                <a:ext cx="3461914" cy="876009"/>
+              </a:xfrm>
+              <a:prstGeom prst="triangle">
+                <a:avLst/>
+              </a:prstGeom>
+              <a:solidFill>
+                <a:schemeClr val="accent4">
+                  <a:lumMod val="75000"/>
+                </a:schemeClr>
+              </a:solidFill>
+              <a:ln w="38100">
+                <a:solidFill>
+                  <a:schemeClr val="tx1"/>
+                </a:solidFill>
+              </a:ln>
+            </p:spPr>
+            <p:style>
+              <a:lnRef idx="2">
+                <a:schemeClr val="accent1">
+                  <a:shade val="50000"/>
+                </a:schemeClr>
+              </a:lnRef>
+              <a:fillRef idx="1">
+                <a:schemeClr val="accent1"/>
+              </a:fillRef>
+              <a:effectRef idx="0">
+                <a:schemeClr val="accent1"/>
+              </a:effectRef>
+              <a:fontRef idx="minor">
+                <a:schemeClr val="lt1"/>
+              </a:fontRef>
+            </p:style>
+            <p:txBody>
+              <a:bodyPr rtlCol="0" anchor="ctr"/>
+              <a:lstStyle/>
+              <a:p>
+                <a:pPr algn="ctr"/>
+                <a:endParaRPr lang="en-US"/>
+              </a:p>
+            </p:txBody>
+          </p:sp>
+          <p:sp>
+            <p:nvSpPr>
+              <p:cNvPr id="30" name="Freeform 29"/>
+              <p:cNvSpPr/>
+              <p:nvPr/>
+            </p:nvSpPr>
+            <p:spPr>
+              <a:xfrm>
+                <a:off x="632319" y="4310928"/>
+                <a:ext cx="4873572" cy="376668"/>
+              </a:xfrm>
+              <a:custGeom>
+                <a:avLst/>
+                <a:gdLst>
+                  <a:gd name="connsiteX0" fmla="*/ 0 w 6739003"/>
+                  <a:gd name="connsiteY0" fmla="*/ 375824 h 406443"/>
+                  <a:gd name="connsiteX1" fmla="*/ 977030 w 6739003"/>
+                  <a:gd name="connsiteY1" fmla="*/ 44 h 406443"/>
+                  <a:gd name="connsiteX2" fmla="*/ 4985359 w 6739003"/>
+                  <a:gd name="connsiteY2" fmla="*/ 350772 h 406443"/>
+                  <a:gd name="connsiteX3" fmla="*/ 6739003 w 6739003"/>
+                  <a:gd name="connsiteY3" fmla="*/ 400877 h 406443"/>
+                  <a:gd name="connsiteX0" fmla="*/ 0 w 6739003"/>
+                  <a:gd name="connsiteY0" fmla="*/ 375824 h 406443"/>
+                  <a:gd name="connsiteX1" fmla="*/ 977030 w 6739003"/>
+                  <a:gd name="connsiteY1" fmla="*/ 44 h 406443"/>
+                  <a:gd name="connsiteX2" fmla="*/ 4985359 w 6739003"/>
+                  <a:gd name="connsiteY2" fmla="*/ 350772 h 406443"/>
+                  <a:gd name="connsiteX3" fmla="*/ 6739003 w 6739003"/>
+                  <a:gd name="connsiteY3" fmla="*/ 400877 h 406443"/>
+                  <a:gd name="connsiteX0" fmla="*/ 0 w 6739003"/>
+                  <a:gd name="connsiteY0" fmla="*/ 397016 h 427635"/>
+                  <a:gd name="connsiteX1" fmla="*/ 977030 w 6739003"/>
+                  <a:gd name="connsiteY1" fmla="*/ 21236 h 427635"/>
+                  <a:gd name="connsiteX2" fmla="*/ 4985359 w 6739003"/>
+                  <a:gd name="connsiteY2" fmla="*/ 371964 h 427635"/>
+                  <a:gd name="connsiteX3" fmla="*/ 6739003 w 6739003"/>
+                  <a:gd name="connsiteY3" fmla="*/ 422069 h 427635"/>
+                  <a:gd name="connsiteX0" fmla="*/ 0 w 6739003"/>
+                  <a:gd name="connsiteY0" fmla="*/ 331274 h 361893"/>
+                  <a:gd name="connsiteX1" fmla="*/ 1915930 w 6739003"/>
+                  <a:gd name="connsiteY1" fmla="*/ 24750 h 361893"/>
+                  <a:gd name="connsiteX2" fmla="*/ 4985359 w 6739003"/>
+                  <a:gd name="connsiteY2" fmla="*/ 306222 h 361893"/>
+                  <a:gd name="connsiteX3" fmla="*/ 6739003 w 6739003"/>
+                  <a:gd name="connsiteY3" fmla="*/ 356327 h 361893"/>
+                  <a:gd name="connsiteX0" fmla="*/ 0 w 6739003"/>
+                  <a:gd name="connsiteY0" fmla="*/ 392906 h 423525"/>
+                  <a:gd name="connsiteX1" fmla="*/ 1915930 w 6739003"/>
+                  <a:gd name="connsiteY1" fmla="*/ 86382 h 423525"/>
+                  <a:gd name="connsiteX2" fmla="*/ 4985359 w 6739003"/>
+                  <a:gd name="connsiteY2" fmla="*/ 367854 h 423525"/>
+                  <a:gd name="connsiteX3" fmla="*/ 6739003 w 6739003"/>
+                  <a:gd name="connsiteY3" fmla="*/ 417959 h 423525"/>
+                  <a:gd name="connsiteX0" fmla="*/ 0 w 6739003"/>
+                  <a:gd name="connsiteY0" fmla="*/ 371113 h 401732"/>
+                  <a:gd name="connsiteX1" fmla="*/ 1915930 w 6739003"/>
+                  <a:gd name="connsiteY1" fmla="*/ 64589 h 401732"/>
+                  <a:gd name="connsiteX2" fmla="*/ 4985359 w 6739003"/>
+                  <a:gd name="connsiteY2" fmla="*/ 346061 h 401732"/>
+                  <a:gd name="connsiteX3" fmla="*/ 6739003 w 6739003"/>
+                  <a:gd name="connsiteY3" fmla="*/ 396166 h 401732"/>
+                  <a:gd name="connsiteX0" fmla="*/ 0 w 6739003"/>
+                  <a:gd name="connsiteY0" fmla="*/ 312223 h 337625"/>
+                  <a:gd name="connsiteX1" fmla="*/ 1915930 w 6739003"/>
+                  <a:gd name="connsiteY1" fmla="*/ 5699 h 337625"/>
+                  <a:gd name="connsiteX2" fmla="*/ 4281183 w 6739003"/>
+                  <a:gd name="connsiteY2" fmla="*/ 134808 h 337625"/>
+                  <a:gd name="connsiteX3" fmla="*/ 6739003 w 6739003"/>
+                  <a:gd name="connsiteY3" fmla="*/ 337276 h 337625"/>
+                  <a:gd name="connsiteX0" fmla="*/ 0 w 6739003"/>
+                  <a:gd name="connsiteY0" fmla="*/ 371819 h 397219"/>
+                  <a:gd name="connsiteX1" fmla="*/ 1915930 w 6739003"/>
+                  <a:gd name="connsiteY1" fmla="*/ 65295 h 397219"/>
+                  <a:gd name="connsiteX2" fmla="*/ 4281183 w 6739003"/>
+                  <a:gd name="connsiteY2" fmla="*/ 194404 h 397219"/>
+                  <a:gd name="connsiteX3" fmla="*/ 6739003 w 6739003"/>
+                  <a:gd name="connsiteY3" fmla="*/ 396872 h 397219"/>
+                  <a:gd name="connsiteX0" fmla="*/ 0 w 6739003"/>
+                  <a:gd name="connsiteY0" fmla="*/ 371819 h 400071"/>
+                  <a:gd name="connsiteX1" fmla="*/ 1915930 w 6739003"/>
+                  <a:gd name="connsiteY1" fmla="*/ 65295 h 400071"/>
+                  <a:gd name="connsiteX2" fmla="*/ 4281183 w 6739003"/>
+                  <a:gd name="connsiteY2" fmla="*/ 194404 h 400071"/>
+                  <a:gd name="connsiteX3" fmla="*/ 6739003 w 6739003"/>
+                  <a:gd name="connsiteY3" fmla="*/ 396872 h 400071"/>
+                  <a:gd name="connsiteX0" fmla="*/ 0 w 6739003"/>
+                  <a:gd name="connsiteY0" fmla="*/ 285346 h 313598"/>
+                  <a:gd name="connsiteX1" fmla="*/ 2077303 w 6739003"/>
+                  <a:gd name="connsiteY1" fmla="*/ 297401 h 313598"/>
+                  <a:gd name="connsiteX2" fmla="*/ 4281183 w 6739003"/>
+                  <a:gd name="connsiteY2" fmla="*/ 107931 h 313598"/>
+                  <a:gd name="connsiteX3" fmla="*/ 6739003 w 6739003"/>
+                  <a:gd name="connsiteY3" fmla="*/ 310399 h 313598"/>
+                  <a:gd name="connsiteX0" fmla="*/ 0 w 6739003"/>
+                  <a:gd name="connsiteY0" fmla="*/ 318644 h 397901"/>
+                  <a:gd name="connsiteX1" fmla="*/ 2077303 w 6739003"/>
+                  <a:gd name="connsiteY1" fmla="*/ 330699 h 397901"/>
+                  <a:gd name="connsiteX2" fmla="*/ 4281183 w 6739003"/>
+                  <a:gd name="connsiteY2" fmla="*/ 141229 h 397901"/>
+                  <a:gd name="connsiteX3" fmla="*/ 6739003 w 6739003"/>
+                  <a:gd name="connsiteY3" fmla="*/ 343697 h 397901"/>
+                  <a:gd name="connsiteX0" fmla="*/ 0 w 6797684"/>
+                  <a:gd name="connsiteY0" fmla="*/ 427132 h 427131"/>
+                  <a:gd name="connsiteX1" fmla="*/ 2135984 w 6797684"/>
+                  <a:gd name="connsiteY1" fmla="*/ 300673 h 427131"/>
+                  <a:gd name="connsiteX2" fmla="*/ 4339864 w 6797684"/>
+                  <a:gd name="connsiteY2" fmla="*/ 111203 h 427131"/>
+                  <a:gd name="connsiteX3" fmla="*/ 6797684 w 6797684"/>
+                  <a:gd name="connsiteY3" fmla="*/ 313671 h 427131"/>
+                  <a:gd name="connsiteX0" fmla="*/ 0 w 6797684"/>
+                  <a:gd name="connsiteY0" fmla="*/ 427131 h 427131"/>
+                  <a:gd name="connsiteX1" fmla="*/ 2135984 w 6797684"/>
+                  <a:gd name="connsiteY1" fmla="*/ 300672 h 427131"/>
+                  <a:gd name="connsiteX2" fmla="*/ 4339864 w 6797684"/>
+                  <a:gd name="connsiteY2" fmla="*/ 111202 h 427131"/>
+                  <a:gd name="connsiteX3" fmla="*/ 6797684 w 6797684"/>
+                  <a:gd name="connsiteY3" fmla="*/ 313670 h 427131"/>
+                  <a:gd name="connsiteX0" fmla="*/ 0 w 6768344"/>
+                  <a:gd name="connsiteY0" fmla="*/ 313693 h 314240"/>
+                  <a:gd name="connsiteX1" fmla="*/ 2106644 w 6768344"/>
+                  <a:gd name="connsiteY1" fmla="*/ 298043 h 314240"/>
+                  <a:gd name="connsiteX2" fmla="*/ 4310524 w 6768344"/>
+                  <a:gd name="connsiteY2" fmla="*/ 108573 h 314240"/>
+                  <a:gd name="connsiteX3" fmla="*/ 6768344 w 6768344"/>
+                  <a:gd name="connsiteY3" fmla="*/ 311041 h 314240"/>
+                  <a:gd name="connsiteX0" fmla="*/ 0 w 6768344"/>
+                  <a:gd name="connsiteY0" fmla="*/ 313693 h 314240"/>
+                  <a:gd name="connsiteX1" fmla="*/ 2106644 w 6768344"/>
+                  <a:gd name="connsiteY1" fmla="*/ 298043 h 314240"/>
+                  <a:gd name="connsiteX2" fmla="*/ 4310524 w 6768344"/>
+                  <a:gd name="connsiteY2" fmla="*/ 108573 h 314240"/>
+                  <a:gd name="connsiteX3" fmla="*/ 6768344 w 6768344"/>
+                  <a:gd name="connsiteY3" fmla="*/ 311041 h 314240"/>
+                  <a:gd name="connsiteX0" fmla="*/ 0 w 6768344"/>
+                  <a:gd name="connsiteY0" fmla="*/ 142657 h 243195"/>
+                  <a:gd name="connsiteX1" fmla="*/ 2106644 w 6768344"/>
+                  <a:gd name="connsiteY1" fmla="*/ 127007 h 243195"/>
+                  <a:gd name="connsiteX2" fmla="*/ 4002447 w 6768344"/>
+                  <a:gd name="connsiteY2" fmla="*/ 145305 h 243195"/>
+                  <a:gd name="connsiteX3" fmla="*/ 6768344 w 6768344"/>
+                  <a:gd name="connsiteY3" fmla="*/ 140005 h 243195"/>
+                  <a:gd name="connsiteX0" fmla="*/ 0 w 6768344"/>
+                  <a:gd name="connsiteY0" fmla="*/ 204169 h 304707"/>
+                  <a:gd name="connsiteX1" fmla="*/ 2106644 w 6768344"/>
+                  <a:gd name="connsiteY1" fmla="*/ 188519 h 304707"/>
+                  <a:gd name="connsiteX2" fmla="*/ 4002447 w 6768344"/>
+                  <a:gd name="connsiteY2" fmla="*/ 206817 h 304707"/>
+                  <a:gd name="connsiteX3" fmla="*/ 6768344 w 6768344"/>
+                  <a:gd name="connsiteY3" fmla="*/ 201517 h 304707"/>
+                  <a:gd name="connsiteX0" fmla="*/ 0 w 6768344"/>
+                  <a:gd name="connsiteY0" fmla="*/ 196912 h 297450"/>
+                  <a:gd name="connsiteX1" fmla="*/ 1754556 w 6768344"/>
+                  <a:gd name="connsiteY1" fmla="*/ 208964 h 297450"/>
+                  <a:gd name="connsiteX2" fmla="*/ 4002447 w 6768344"/>
+                  <a:gd name="connsiteY2" fmla="*/ 199560 h 297450"/>
+                  <a:gd name="connsiteX3" fmla="*/ 6768344 w 6768344"/>
+                  <a:gd name="connsiteY3" fmla="*/ 194260 h 297450"/>
+                  <a:gd name="connsiteX0" fmla="*/ 0 w 6768344"/>
+                  <a:gd name="connsiteY0" fmla="*/ 219742 h 320280"/>
+                  <a:gd name="connsiteX1" fmla="*/ 1754556 w 6768344"/>
+                  <a:gd name="connsiteY1" fmla="*/ 231794 h 320280"/>
+                  <a:gd name="connsiteX2" fmla="*/ 4002447 w 6768344"/>
+                  <a:gd name="connsiteY2" fmla="*/ 222390 h 320280"/>
+                  <a:gd name="connsiteX3" fmla="*/ 6768344 w 6768344"/>
+                  <a:gd name="connsiteY3" fmla="*/ 217090 h 320280"/>
+                  <a:gd name="connsiteX0" fmla="*/ 0 w 6768344"/>
+                  <a:gd name="connsiteY0" fmla="*/ 154304 h 297627"/>
+                  <a:gd name="connsiteX1" fmla="*/ 1754556 w 6768344"/>
+                  <a:gd name="connsiteY1" fmla="*/ 166356 h 297627"/>
+                  <a:gd name="connsiteX2" fmla="*/ 4354534 w 6768344"/>
+                  <a:gd name="connsiteY2" fmla="*/ 212356 h 297627"/>
+                  <a:gd name="connsiteX3" fmla="*/ 6768344 w 6768344"/>
+                  <a:gd name="connsiteY3" fmla="*/ 151652 h 297627"/>
+                  <a:gd name="connsiteX0" fmla="*/ 0 w 6768344"/>
+                  <a:gd name="connsiteY0" fmla="*/ 154304 h 297628"/>
+                  <a:gd name="connsiteX1" fmla="*/ 1754556 w 6768344"/>
+                  <a:gd name="connsiteY1" fmla="*/ 166356 h 297628"/>
+                  <a:gd name="connsiteX2" fmla="*/ 4354534 w 6768344"/>
+                  <a:gd name="connsiteY2" fmla="*/ 212356 h 297628"/>
+                  <a:gd name="connsiteX3" fmla="*/ 6768344 w 6768344"/>
+                  <a:gd name="connsiteY3" fmla="*/ 151652 h 297628"/>
+                  <a:gd name="connsiteX0" fmla="*/ 0 w 6768344"/>
+                  <a:gd name="connsiteY0" fmla="*/ 154304 h 213716"/>
+                  <a:gd name="connsiteX1" fmla="*/ 1754556 w 6768344"/>
+                  <a:gd name="connsiteY1" fmla="*/ 166356 h 213716"/>
+                  <a:gd name="connsiteX2" fmla="*/ 4354534 w 6768344"/>
+                  <a:gd name="connsiteY2" fmla="*/ 212356 h 213716"/>
+                  <a:gd name="connsiteX3" fmla="*/ 6768344 w 6768344"/>
+                  <a:gd name="connsiteY3" fmla="*/ 151652 h 213716"/>
+                  <a:gd name="connsiteX0" fmla="*/ 0 w 6768344"/>
+                  <a:gd name="connsiteY0" fmla="*/ 209593 h 269005"/>
+                  <a:gd name="connsiteX1" fmla="*/ 1754556 w 6768344"/>
+                  <a:gd name="connsiteY1" fmla="*/ 221645 h 269005"/>
+                  <a:gd name="connsiteX2" fmla="*/ 4354534 w 6768344"/>
+                  <a:gd name="connsiteY2" fmla="*/ 267645 h 269005"/>
+                  <a:gd name="connsiteX3" fmla="*/ 6768344 w 6768344"/>
+                  <a:gd name="connsiteY3" fmla="*/ 206941 h 269005"/>
+                  <a:gd name="connsiteX0" fmla="*/ 0 w 6768344"/>
+                  <a:gd name="connsiteY0" fmla="*/ 197278 h 256690"/>
+                  <a:gd name="connsiteX1" fmla="*/ 1754556 w 6768344"/>
+                  <a:gd name="connsiteY1" fmla="*/ 209330 h 256690"/>
+                  <a:gd name="connsiteX2" fmla="*/ 3257555 w 6768344"/>
+                  <a:gd name="connsiteY2" fmla="*/ 233 h 256690"/>
+                  <a:gd name="connsiteX3" fmla="*/ 4354534 w 6768344"/>
+                  <a:gd name="connsiteY3" fmla="*/ 255330 h 256690"/>
+                  <a:gd name="connsiteX4" fmla="*/ 6768344 w 6768344"/>
+                  <a:gd name="connsiteY4" fmla="*/ 194626 h 256690"/>
+                  <a:gd name="connsiteX0" fmla="*/ 0 w 6768344"/>
+                  <a:gd name="connsiteY0" fmla="*/ 404936 h 464348"/>
+                  <a:gd name="connsiteX1" fmla="*/ 1754556 w 6768344"/>
+                  <a:gd name="connsiteY1" fmla="*/ 416988 h 464348"/>
+                  <a:gd name="connsiteX2" fmla="*/ 3198874 w 6768344"/>
+                  <a:gd name="connsiteY2" fmla="*/ 121 h 464348"/>
+                  <a:gd name="connsiteX3" fmla="*/ 4354534 w 6768344"/>
+                  <a:gd name="connsiteY3" fmla="*/ 462988 h 464348"/>
+                  <a:gd name="connsiteX4" fmla="*/ 6768344 w 6768344"/>
+                  <a:gd name="connsiteY4" fmla="*/ 402284 h 464348"/>
+                  <a:gd name="connsiteX0" fmla="*/ 0 w 6768344"/>
+                  <a:gd name="connsiteY0" fmla="*/ 404936 h 464348"/>
+                  <a:gd name="connsiteX1" fmla="*/ 1754556 w 6768344"/>
+                  <a:gd name="connsiteY1" fmla="*/ 416988 h 464348"/>
+                  <a:gd name="connsiteX2" fmla="*/ 3198874 w 6768344"/>
+                  <a:gd name="connsiteY2" fmla="*/ 121 h 464348"/>
+                  <a:gd name="connsiteX3" fmla="*/ 4354534 w 6768344"/>
+                  <a:gd name="connsiteY3" fmla="*/ 462988 h 464348"/>
+                  <a:gd name="connsiteX4" fmla="*/ 6768344 w 6768344"/>
+                  <a:gd name="connsiteY4" fmla="*/ 402284 h 464348"/>
+                  <a:gd name="connsiteX0" fmla="*/ 0 w 6739004"/>
+                  <a:gd name="connsiteY0" fmla="*/ 404936 h 485391"/>
+                  <a:gd name="connsiteX1" fmla="*/ 1754556 w 6739004"/>
+                  <a:gd name="connsiteY1" fmla="*/ 416988 h 485391"/>
+                  <a:gd name="connsiteX2" fmla="*/ 3198874 w 6739004"/>
+                  <a:gd name="connsiteY2" fmla="*/ 121 h 485391"/>
+                  <a:gd name="connsiteX3" fmla="*/ 4354534 w 6739004"/>
+                  <a:gd name="connsiteY3" fmla="*/ 462988 h 485391"/>
+                  <a:gd name="connsiteX4" fmla="*/ 6739004 w 6739004"/>
+                  <a:gd name="connsiteY4" fmla="*/ 485391 h 485391"/>
+                  <a:gd name="connsiteX0" fmla="*/ 0 w 6724333"/>
+                  <a:gd name="connsiteY0" fmla="*/ 474195 h 485395"/>
+                  <a:gd name="connsiteX1" fmla="*/ 1739885 w 6724333"/>
+                  <a:gd name="connsiteY1" fmla="*/ 416992 h 485395"/>
+                  <a:gd name="connsiteX2" fmla="*/ 3184203 w 6724333"/>
+                  <a:gd name="connsiteY2" fmla="*/ 125 h 485395"/>
+                  <a:gd name="connsiteX3" fmla="*/ 4339863 w 6724333"/>
+                  <a:gd name="connsiteY3" fmla="*/ 462992 h 485395"/>
+                  <a:gd name="connsiteX4" fmla="*/ 6724333 w 6724333"/>
+                  <a:gd name="connsiteY4" fmla="*/ 485395 h 485395"/>
+                  <a:gd name="connsiteX0" fmla="*/ 0 w 6724333"/>
+                  <a:gd name="connsiteY0" fmla="*/ 474195 h 490694"/>
+                  <a:gd name="connsiteX1" fmla="*/ 1739885 w 6724333"/>
+                  <a:gd name="connsiteY1" fmla="*/ 416992 h 490694"/>
+                  <a:gd name="connsiteX2" fmla="*/ 3184203 w 6724333"/>
+                  <a:gd name="connsiteY2" fmla="*/ 125 h 490694"/>
+                  <a:gd name="connsiteX3" fmla="*/ 4515908 w 6724333"/>
+                  <a:gd name="connsiteY3" fmla="*/ 490694 h 490694"/>
+                  <a:gd name="connsiteX4" fmla="*/ 6724333 w 6724333"/>
+                  <a:gd name="connsiteY4" fmla="*/ 485395 h 490694"/>
+                </a:gdLst>
+                <a:ahLst/>
+                <a:cxnLst>
+                  <a:cxn ang="0">
+                    <a:pos x="connsiteX0" y="connsiteY0"/>
+                  </a:cxn>
+                  <a:cxn ang="0">
+                    <a:pos x="connsiteX1" y="connsiteY1"/>
+                  </a:cxn>
+                  <a:cxn ang="0">
+                    <a:pos x="connsiteX2" y="connsiteY2"/>
+                  </a:cxn>
+                  <a:cxn ang="0">
+                    <a:pos x="connsiteX3" y="connsiteY3"/>
+                  </a:cxn>
+                  <a:cxn ang="0">
+                    <a:pos x="connsiteX4" y="connsiteY4"/>
+                  </a:cxn>
+                </a:cxnLst>
+                <a:rect l="l" t="t" r="r" b="b"/>
+                <a:pathLst>
+                  <a:path w="6724333" h="490694">
+                    <a:moveTo>
+                      <a:pt x="0" y="474195"/>
+                    </a:moveTo>
+                    <a:cubicBezTo>
+                      <a:pt x="584852" y="478212"/>
+                      <a:pt x="1209185" y="496004"/>
+                      <a:pt x="1739885" y="416992"/>
+                    </a:cubicBezTo>
+                    <a:cubicBezTo>
+                      <a:pt x="2270585" y="337980"/>
+                      <a:pt x="2750873" y="-7542"/>
+                      <a:pt x="3184203" y="125"/>
+                    </a:cubicBezTo>
+                    <a:cubicBezTo>
+                      <a:pt x="3617533" y="7792"/>
+                      <a:pt x="3930777" y="458295"/>
+                      <a:pt x="4515908" y="490694"/>
+                    </a:cubicBezTo>
+                    <a:lnTo>
+                      <a:pt x="6724333" y="485395"/>
+                    </a:lnTo>
+                  </a:path>
+                </a:pathLst>
+              </a:custGeom>
+              <a:noFill/>
+              <a:ln w="12700">
+                <a:solidFill>
+                  <a:schemeClr val="tx1"/>
+                </a:solidFill>
+                <a:headEnd type="none" w="med" len="med"/>
+                <a:tailEnd type="triangle" w="med" len="med"/>
+              </a:ln>
+            </p:spPr>
+            <p:style>
+              <a:lnRef idx="2">
+                <a:schemeClr val="accent1">
+                  <a:shade val="50000"/>
+                </a:schemeClr>
+              </a:lnRef>
+              <a:fillRef idx="1">
+                <a:schemeClr val="accent1"/>
+              </a:fillRef>
+              <a:effectRef idx="0">
+                <a:schemeClr val="accent1"/>
+              </a:effectRef>
+              <a:fontRef idx="minor">
+                <a:schemeClr val="lt1"/>
+              </a:fontRef>
+            </p:style>
+            <p:txBody>
+              <a:bodyPr rtlCol="0" anchor="ctr"/>
+              <a:lstStyle/>
+              <a:p>
+                <a:pPr algn="ctr"/>
+                <a:endParaRPr lang="en-US"/>
+              </a:p>
+            </p:txBody>
+          </p:sp>
+          <p:sp>
+            <p:nvSpPr>
+              <p:cNvPr id="31" name="Freeform 30"/>
+              <p:cNvSpPr/>
+              <p:nvPr/>
+            </p:nvSpPr>
+            <p:spPr>
+              <a:xfrm>
+                <a:off x="637636" y="4147793"/>
+                <a:ext cx="4873572" cy="215348"/>
+              </a:xfrm>
+              <a:custGeom>
+                <a:avLst/>
+                <a:gdLst>
+                  <a:gd name="connsiteX0" fmla="*/ 0 w 6739003"/>
+                  <a:gd name="connsiteY0" fmla="*/ 375824 h 406443"/>
+                  <a:gd name="connsiteX1" fmla="*/ 977030 w 6739003"/>
+                  <a:gd name="connsiteY1" fmla="*/ 44 h 406443"/>
+                  <a:gd name="connsiteX2" fmla="*/ 4985359 w 6739003"/>
+                  <a:gd name="connsiteY2" fmla="*/ 350772 h 406443"/>
+                  <a:gd name="connsiteX3" fmla="*/ 6739003 w 6739003"/>
+                  <a:gd name="connsiteY3" fmla="*/ 400877 h 406443"/>
+                  <a:gd name="connsiteX0" fmla="*/ 0 w 6739003"/>
+                  <a:gd name="connsiteY0" fmla="*/ 375824 h 406443"/>
+                  <a:gd name="connsiteX1" fmla="*/ 977030 w 6739003"/>
+                  <a:gd name="connsiteY1" fmla="*/ 44 h 406443"/>
+                  <a:gd name="connsiteX2" fmla="*/ 4985359 w 6739003"/>
+                  <a:gd name="connsiteY2" fmla="*/ 350772 h 406443"/>
+                  <a:gd name="connsiteX3" fmla="*/ 6739003 w 6739003"/>
+                  <a:gd name="connsiteY3" fmla="*/ 400877 h 406443"/>
+                  <a:gd name="connsiteX0" fmla="*/ 0 w 6739003"/>
+                  <a:gd name="connsiteY0" fmla="*/ 397016 h 427635"/>
+                  <a:gd name="connsiteX1" fmla="*/ 977030 w 6739003"/>
+                  <a:gd name="connsiteY1" fmla="*/ 21236 h 427635"/>
+                  <a:gd name="connsiteX2" fmla="*/ 4985359 w 6739003"/>
+                  <a:gd name="connsiteY2" fmla="*/ 371964 h 427635"/>
+                  <a:gd name="connsiteX3" fmla="*/ 6739003 w 6739003"/>
+                  <a:gd name="connsiteY3" fmla="*/ 422069 h 427635"/>
+                  <a:gd name="connsiteX0" fmla="*/ 0 w 6739003"/>
+                  <a:gd name="connsiteY0" fmla="*/ 331274 h 361893"/>
+                  <a:gd name="connsiteX1" fmla="*/ 1915930 w 6739003"/>
+                  <a:gd name="connsiteY1" fmla="*/ 24750 h 361893"/>
+                  <a:gd name="connsiteX2" fmla="*/ 4985359 w 6739003"/>
+                  <a:gd name="connsiteY2" fmla="*/ 306222 h 361893"/>
+                  <a:gd name="connsiteX3" fmla="*/ 6739003 w 6739003"/>
+                  <a:gd name="connsiteY3" fmla="*/ 356327 h 361893"/>
+                  <a:gd name="connsiteX0" fmla="*/ 0 w 6739003"/>
+                  <a:gd name="connsiteY0" fmla="*/ 392906 h 423525"/>
+                  <a:gd name="connsiteX1" fmla="*/ 1915930 w 6739003"/>
+                  <a:gd name="connsiteY1" fmla="*/ 86382 h 423525"/>
+                  <a:gd name="connsiteX2" fmla="*/ 4985359 w 6739003"/>
+                  <a:gd name="connsiteY2" fmla="*/ 367854 h 423525"/>
+                  <a:gd name="connsiteX3" fmla="*/ 6739003 w 6739003"/>
+                  <a:gd name="connsiteY3" fmla="*/ 417959 h 423525"/>
+                  <a:gd name="connsiteX0" fmla="*/ 0 w 6739003"/>
+                  <a:gd name="connsiteY0" fmla="*/ 371113 h 401732"/>
+                  <a:gd name="connsiteX1" fmla="*/ 1915930 w 6739003"/>
+                  <a:gd name="connsiteY1" fmla="*/ 64589 h 401732"/>
+                  <a:gd name="connsiteX2" fmla="*/ 4985359 w 6739003"/>
+                  <a:gd name="connsiteY2" fmla="*/ 346061 h 401732"/>
+                  <a:gd name="connsiteX3" fmla="*/ 6739003 w 6739003"/>
+                  <a:gd name="connsiteY3" fmla="*/ 396166 h 401732"/>
+                  <a:gd name="connsiteX0" fmla="*/ 0 w 6739003"/>
+                  <a:gd name="connsiteY0" fmla="*/ 312223 h 337625"/>
+                  <a:gd name="connsiteX1" fmla="*/ 1915930 w 6739003"/>
+                  <a:gd name="connsiteY1" fmla="*/ 5699 h 337625"/>
+                  <a:gd name="connsiteX2" fmla="*/ 4281183 w 6739003"/>
+                  <a:gd name="connsiteY2" fmla="*/ 134808 h 337625"/>
+                  <a:gd name="connsiteX3" fmla="*/ 6739003 w 6739003"/>
+                  <a:gd name="connsiteY3" fmla="*/ 337276 h 337625"/>
+                  <a:gd name="connsiteX0" fmla="*/ 0 w 6739003"/>
+                  <a:gd name="connsiteY0" fmla="*/ 371819 h 397219"/>
+                  <a:gd name="connsiteX1" fmla="*/ 1915930 w 6739003"/>
+                  <a:gd name="connsiteY1" fmla="*/ 65295 h 397219"/>
+                  <a:gd name="connsiteX2" fmla="*/ 4281183 w 6739003"/>
+                  <a:gd name="connsiteY2" fmla="*/ 194404 h 397219"/>
+                  <a:gd name="connsiteX3" fmla="*/ 6739003 w 6739003"/>
+                  <a:gd name="connsiteY3" fmla="*/ 396872 h 397219"/>
+                  <a:gd name="connsiteX0" fmla="*/ 0 w 6739003"/>
+                  <a:gd name="connsiteY0" fmla="*/ 371819 h 400071"/>
+                  <a:gd name="connsiteX1" fmla="*/ 1915930 w 6739003"/>
+                  <a:gd name="connsiteY1" fmla="*/ 65295 h 400071"/>
+                  <a:gd name="connsiteX2" fmla="*/ 4281183 w 6739003"/>
+                  <a:gd name="connsiteY2" fmla="*/ 194404 h 400071"/>
+                  <a:gd name="connsiteX3" fmla="*/ 6739003 w 6739003"/>
+                  <a:gd name="connsiteY3" fmla="*/ 396872 h 400071"/>
+                  <a:gd name="connsiteX0" fmla="*/ 0 w 6739003"/>
+                  <a:gd name="connsiteY0" fmla="*/ 285346 h 313598"/>
+                  <a:gd name="connsiteX1" fmla="*/ 2077303 w 6739003"/>
+                  <a:gd name="connsiteY1" fmla="*/ 297401 h 313598"/>
+                  <a:gd name="connsiteX2" fmla="*/ 4281183 w 6739003"/>
+                  <a:gd name="connsiteY2" fmla="*/ 107931 h 313598"/>
+                  <a:gd name="connsiteX3" fmla="*/ 6739003 w 6739003"/>
+                  <a:gd name="connsiteY3" fmla="*/ 310399 h 313598"/>
+                  <a:gd name="connsiteX0" fmla="*/ 0 w 6739003"/>
+                  <a:gd name="connsiteY0" fmla="*/ 318644 h 397901"/>
+                  <a:gd name="connsiteX1" fmla="*/ 2077303 w 6739003"/>
+                  <a:gd name="connsiteY1" fmla="*/ 330699 h 397901"/>
+                  <a:gd name="connsiteX2" fmla="*/ 4281183 w 6739003"/>
+                  <a:gd name="connsiteY2" fmla="*/ 141229 h 397901"/>
+                  <a:gd name="connsiteX3" fmla="*/ 6739003 w 6739003"/>
+                  <a:gd name="connsiteY3" fmla="*/ 343697 h 397901"/>
+                  <a:gd name="connsiteX0" fmla="*/ 0 w 6797684"/>
+                  <a:gd name="connsiteY0" fmla="*/ 427132 h 427131"/>
+                  <a:gd name="connsiteX1" fmla="*/ 2135984 w 6797684"/>
+                  <a:gd name="connsiteY1" fmla="*/ 300673 h 427131"/>
+                  <a:gd name="connsiteX2" fmla="*/ 4339864 w 6797684"/>
+                  <a:gd name="connsiteY2" fmla="*/ 111203 h 427131"/>
+                  <a:gd name="connsiteX3" fmla="*/ 6797684 w 6797684"/>
+                  <a:gd name="connsiteY3" fmla="*/ 313671 h 427131"/>
+                  <a:gd name="connsiteX0" fmla="*/ 0 w 6797684"/>
+                  <a:gd name="connsiteY0" fmla="*/ 427131 h 427131"/>
+                  <a:gd name="connsiteX1" fmla="*/ 2135984 w 6797684"/>
+                  <a:gd name="connsiteY1" fmla="*/ 300672 h 427131"/>
+                  <a:gd name="connsiteX2" fmla="*/ 4339864 w 6797684"/>
+                  <a:gd name="connsiteY2" fmla="*/ 111202 h 427131"/>
+                  <a:gd name="connsiteX3" fmla="*/ 6797684 w 6797684"/>
+                  <a:gd name="connsiteY3" fmla="*/ 313670 h 427131"/>
+                  <a:gd name="connsiteX0" fmla="*/ 0 w 6768344"/>
+                  <a:gd name="connsiteY0" fmla="*/ 313693 h 314240"/>
+                  <a:gd name="connsiteX1" fmla="*/ 2106644 w 6768344"/>
+                  <a:gd name="connsiteY1" fmla="*/ 298043 h 314240"/>
+                  <a:gd name="connsiteX2" fmla="*/ 4310524 w 6768344"/>
+                  <a:gd name="connsiteY2" fmla="*/ 108573 h 314240"/>
+                  <a:gd name="connsiteX3" fmla="*/ 6768344 w 6768344"/>
+                  <a:gd name="connsiteY3" fmla="*/ 311041 h 314240"/>
+                  <a:gd name="connsiteX0" fmla="*/ 0 w 6768344"/>
+                  <a:gd name="connsiteY0" fmla="*/ 313693 h 314240"/>
+                  <a:gd name="connsiteX1" fmla="*/ 2106644 w 6768344"/>
+                  <a:gd name="connsiteY1" fmla="*/ 298043 h 314240"/>
+                  <a:gd name="connsiteX2" fmla="*/ 4310524 w 6768344"/>
+                  <a:gd name="connsiteY2" fmla="*/ 108573 h 314240"/>
+                  <a:gd name="connsiteX3" fmla="*/ 6768344 w 6768344"/>
+                  <a:gd name="connsiteY3" fmla="*/ 311041 h 314240"/>
+                  <a:gd name="connsiteX0" fmla="*/ 0 w 6768344"/>
+                  <a:gd name="connsiteY0" fmla="*/ 142657 h 243195"/>
+                  <a:gd name="connsiteX1" fmla="*/ 2106644 w 6768344"/>
+                  <a:gd name="connsiteY1" fmla="*/ 127007 h 243195"/>
+                  <a:gd name="connsiteX2" fmla="*/ 4002447 w 6768344"/>
+                  <a:gd name="connsiteY2" fmla="*/ 145305 h 243195"/>
+                  <a:gd name="connsiteX3" fmla="*/ 6768344 w 6768344"/>
+                  <a:gd name="connsiteY3" fmla="*/ 140005 h 243195"/>
+                  <a:gd name="connsiteX0" fmla="*/ 0 w 6768344"/>
+                  <a:gd name="connsiteY0" fmla="*/ 204169 h 304707"/>
+                  <a:gd name="connsiteX1" fmla="*/ 2106644 w 6768344"/>
+                  <a:gd name="connsiteY1" fmla="*/ 188519 h 304707"/>
+                  <a:gd name="connsiteX2" fmla="*/ 4002447 w 6768344"/>
+                  <a:gd name="connsiteY2" fmla="*/ 206817 h 304707"/>
+                  <a:gd name="connsiteX3" fmla="*/ 6768344 w 6768344"/>
+                  <a:gd name="connsiteY3" fmla="*/ 201517 h 304707"/>
+                  <a:gd name="connsiteX0" fmla="*/ 0 w 6768344"/>
+                  <a:gd name="connsiteY0" fmla="*/ 196912 h 297450"/>
+                  <a:gd name="connsiteX1" fmla="*/ 1754556 w 6768344"/>
+                  <a:gd name="connsiteY1" fmla="*/ 208964 h 297450"/>
+                  <a:gd name="connsiteX2" fmla="*/ 4002447 w 6768344"/>
+                  <a:gd name="connsiteY2" fmla="*/ 199560 h 297450"/>
+                  <a:gd name="connsiteX3" fmla="*/ 6768344 w 6768344"/>
+                  <a:gd name="connsiteY3" fmla="*/ 194260 h 297450"/>
+                  <a:gd name="connsiteX0" fmla="*/ 0 w 6768344"/>
+                  <a:gd name="connsiteY0" fmla="*/ 219742 h 320280"/>
+                  <a:gd name="connsiteX1" fmla="*/ 1754556 w 6768344"/>
+                  <a:gd name="connsiteY1" fmla="*/ 231794 h 320280"/>
+                  <a:gd name="connsiteX2" fmla="*/ 4002447 w 6768344"/>
+                  <a:gd name="connsiteY2" fmla="*/ 222390 h 320280"/>
+                  <a:gd name="connsiteX3" fmla="*/ 6768344 w 6768344"/>
+                  <a:gd name="connsiteY3" fmla="*/ 217090 h 320280"/>
+                  <a:gd name="connsiteX0" fmla="*/ 0 w 6768344"/>
+                  <a:gd name="connsiteY0" fmla="*/ 154304 h 297627"/>
+                  <a:gd name="connsiteX1" fmla="*/ 1754556 w 6768344"/>
+                  <a:gd name="connsiteY1" fmla="*/ 166356 h 297627"/>
+                  <a:gd name="connsiteX2" fmla="*/ 4354534 w 6768344"/>
+                  <a:gd name="connsiteY2" fmla="*/ 212356 h 297627"/>
+                  <a:gd name="connsiteX3" fmla="*/ 6768344 w 6768344"/>
+                  <a:gd name="connsiteY3" fmla="*/ 151652 h 297627"/>
+                  <a:gd name="connsiteX0" fmla="*/ 0 w 6768344"/>
+                  <a:gd name="connsiteY0" fmla="*/ 154304 h 297628"/>
+                  <a:gd name="connsiteX1" fmla="*/ 1754556 w 6768344"/>
+                  <a:gd name="connsiteY1" fmla="*/ 166356 h 297628"/>
+                  <a:gd name="connsiteX2" fmla="*/ 4354534 w 6768344"/>
+                  <a:gd name="connsiteY2" fmla="*/ 212356 h 297628"/>
+                  <a:gd name="connsiteX3" fmla="*/ 6768344 w 6768344"/>
+                  <a:gd name="connsiteY3" fmla="*/ 151652 h 297628"/>
+                  <a:gd name="connsiteX0" fmla="*/ 0 w 6768344"/>
+                  <a:gd name="connsiteY0" fmla="*/ 154304 h 213716"/>
+                  <a:gd name="connsiteX1" fmla="*/ 1754556 w 6768344"/>
+                  <a:gd name="connsiteY1" fmla="*/ 166356 h 213716"/>
+                  <a:gd name="connsiteX2" fmla="*/ 4354534 w 6768344"/>
+                  <a:gd name="connsiteY2" fmla="*/ 212356 h 213716"/>
+                  <a:gd name="connsiteX3" fmla="*/ 6768344 w 6768344"/>
+                  <a:gd name="connsiteY3" fmla="*/ 151652 h 213716"/>
+                  <a:gd name="connsiteX0" fmla="*/ 0 w 6768344"/>
+                  <a:gd name="connsiteY0" fmla="*/ 209593 h 269005"/>
+                  <a:gd name="connsiteX1" fmla="*/ 1754556 w 6768344"/>
+                  <a:gd name="connsiteY1" fmla="*/ 221645 h 269005"/>
+                  <a:gd name="connsiteX2" fmla="*/ 4354534 w 6768344"/>
+                  <a:gd name="connsiteY2" fmla="*/ 267645 h 269005"/>
+                  <a:gd name="connsiteX3" fmla="*/ 6768344 w 6768344"/>
+                  <a:gd name="connsiteY3" fmla="*/ 206941 h 269005"/>
+                  <a:gd name="connsiteX0" fmla="*/ 0 w 6768344"/>
+                  <a:gd name="connsiteY0" fmla="*/ 197278 h 256690"/>
+                  <a:gd name="connsiteX1" fmla="*/ 1754556 w 6768344"/>
+                  <a:gd name="connsiteY1" fmla="*/ 209330 h 256690"/>
+                  <a:gd name="connsiteX2" fmla="*/ 3257555 w 6768344"/>
+                  <a:gd name="connsiteY2" fmla="*/ 233 h 256690"/>
+                  <a:gd name="connsiteX3" fmla="*/ 4354534 w 6768344"/>
+                  <a:gd name="connsiteY3" fmla="*/ 255330 h 256690"/>
+                  <a:gd name="connsiteX4" fmla="*/ 6768344 w 6768344"/>
+                  <a:gd name="connsiteY4" fmla="*/ 194626 h 256690"/>
+                  <a:gd name="connsiteX0" fmla="*/ 0 w 6768344"/>
+                  <a:gd name="connsiteY0" fmla="*/ 404936 h 464348"/>
+                  <a:gd name="connsiteX1" fmla="*/ 1754556 w 6768344"/>
+                  <a:gd name="connsiteY1" fmla="*/ 416988 h 464348"/>
+                  <a:gd name="connsiteX2" fmla="*/ 3198874 w 6768344"/>
+                  <a:gd name="connsiteY2" fmla="*/ 121 h 464348"/>
+                  <a:gd name="connsiteX3" fmla="*/ 4354534 w 6768344"/>
+                  <a:gd name="connsiteY3" fmla="*/ 462988 h 464348"/>
+                  <a:gd name="connsiteX4" fmla="*/ 6768344 w 6768344"/>
+                  <a:gd name="connsiteY4" fmla="*/ 402284 h 464348"/>
+                  <a:gd name="connsiteX0" fmla="*/ 0 w 6768344"/>
+                  <a:gd name="connsiteY0" fmla="*/ 404936 h 464348"/>
+                  <a:gd name="connsiteX1" fmla="*/ 1754556 w 6768344"/>
+                  <a:gd name="connsiteY1" fmla="*/ 416988 h 464348"/>
+                  <a:gd name="connsiteX2" fmla="*/ 3198874 w 6768344"/>
+                  <a:gd name="connsiteY2" fmla="*/ 121 h 464348"/>
+                  <a:gd name="connsiteX3" fmla="*/ 4354534 w 6768344"/>
+                  <a:gd name="connsiteY3" fmla="*/ 462988 h 464348"/>
+                  <a:gd name="connsiteX4" fmla="*/ 6768344 w 6768344"/>
+                  <a:gd name="connsiteY4" fmla="*/ 402284 h 464348"/>
+                  <a:gd name="connsiteX0" fmla="*/ 0 w 6739004"/>
+                  <a:gd name="connsiteY0" fmla="*/ 404936 h 485391"/>
+                  <a:gd name="connsiteX1" fmla="*/ 1754556 w 6739004"/>
+                  <a:gd name="connsiteY1" fmla="*/ 416988 h 485391"/>
+                  <a:gd name="connsiteX2" fmla="*/ 3198874 w 6739004"/>
+                  <a:gd name="connsiteY2" fmla="*/ 121 h 485391"/>
+                  <a:gd name="connsiteX3" fmla="*/ 4354534 w 6739004"/>
+                  <a:gd name="connsiteY3" fmla="*/ 462988 h 485391"/>
+                  <a:gd name="connsiteX4" fmla="*/ 6739004 w 6739004"/>
+                  <a:gd name="connsiteY4" fmla="*/ 485391 h 485391"/>
+                  <a:gd name="connsiteX0" fmla="*/ 0 w 6724333"/>
+                  <a:gd name="connsiteY0" fmla="*/ 474195 h 485395"/>
+                  <a:gd name="connsiteX1" fmla="*/ 1739885 w 6724333"/>
+                  <a:gd name="connsiteY1" fmla="*/ 416992 h 485395"/>
+                  <a:gd name="connsiteX2" fmla="*/ 3184203 w 6724333"/>
+                  <a:gd name="connsiteY2" fmla="*/ 125 h 485395"/>
+                  <a:gd name="connsiteX3" fmla="*/ 4339863 w 6724333"/>
+                  <a:gd name="connsiteY3" fmla="*/ 462992 h 485395"/>
+                  <a:gd name="connsiteX4" fmla="*/ 6724333 w 6724333"/>
+                  <a:gd name="connsiteY4" fmla="*/ 485395 h 485395"/>
+                  <a:gd name="connsiteX0" fmla="*/ 0 w 6724333"/>
+                  <a:gd name="connsiteY0" fmla="*/ 474195 h 490694"/>
+                  <a:gd name="connsiteX1" fmla="*/ 1739885 w 6724333"/>
+                  <a:gd name="connsiteY1" fmla="*/ 416992 h 490694"/>
+                  <a:gd name="connsiteX2" fmla="*/ 3184203 w 6724333"/>
+                  <a:gd name="connsiteY2" fmla="*/ 125 h 490694"/>
+                  <a:gd name="connsiteX3" fmla="*/ 4515908 w 6724333"/>
+                  <a:gd name="connsiteY3" fmla="*/ 490694 h 490694"/>
+                  <a:gd name="connsiteX4" fmla="*/ 6724333 w 6724333"/>
+                  <a:gd name="connsiteY4" fmla="*/ 485395 h 490694"/>
+                </a:gdLst>
+                <a:ahLst/>
+                <a:cxnLst>
+                  <a:cxn ang="0">
+                    <a:pos x="connsiteX0" y="connsiteY0"/>
+                  </a:cxn>
+                  <a:cxn ang="0">
+                    <a:pos x="connsiteX1" y="connsiteY1"/>
+                  </a:cxn>
+                  <a:cxn ang="0">
+                    <a:pos x="connsiteX2" y="connsiteY2"/>
+                  </a:cxn>
+                  <a:cxn ang="0">
+                    <a:pos x="connsiteX3" y="connsiteY3"/>
+                  </a:cxn>
+                  <a:cxn ang="0">
+                    <a:pos x="connsiteX4" y="connsiteY4"/>
+                  </a:cxn>
+                </a:cxnLst>
+                <a:rect l="l" t="t" r="r" b="b"/>
+                <a:pathLst>
+                  <a:path w="6724333" h="490694">
+                    <a:moveTo>
+                      <a:pt x="0" y="474195"/>
+                    </a:moveTo>
+                    <a:cubicBezTo>
+                      <a:pt x="584852" y="478212"/>
+                      <a:pt x="1209185" y="496004"/>
+                      <a:pt x="1739885" y="416992"/>
+                    </a:cubicBezTo>
+                    <a:cubicBezTo>
+                      <a:pt x="2270585" y="337980"/>
+                      <a:pt x="2750873" y="-7542"/>
+                      <a:pt x="3184203" y="125"/>
+                    </a:cubicBezTo>
+                    <a:cubicBezTo>
+                      <a:pt x="3617533" y="7792"/>
+                      <a:pt x="3930777" y="458295"/>
+                      <a:pt x="4515908" y="490694"/>
+                    </a:cubicBezTo>
+                    <a:lnTo>
+                      <a:pt x="6724333" y="485395"/>
+                    </a:lnTo>
+                  </a:path>
+                </a:pathLst>
+              </a:custGeom>
+              <a:noFill/>
+              <a:ln w="12700">
+                <a:solidFill>
+                  <a:schemeClr val="tx1"/>
+                </a:solidFill>
+                <a:headEnd type="none" w="med" len="med"/>
+                <a:tailEnd type="triangle" w="med" len="med"/>
+              </a:ln>
+            </p:spPr>
+            <p:style>
+              <a:lnRef idx="2">
+                <a:schemeClr val="accent1">
+                  <a:shade val="50000"/>
+                </a:schemeClr>
+              </a:lnRef>
+              <a:fillRef idx="1">
+                <a:schemeClr val="accent1"/>
+              </a:fillRef>
+              <a:effectRef idx="0">
+                <a:schemeClr val="accent1"/>
+              </a:effectRef>
+              <a:fontRef idx="minor">
+                <a:schemeClr val="lt1"/>
+              </a:fontRef>
+            </p:style>
+            <p:txBody>
+              <a:bodyPr rtlCol="0" anchor="ctr"/>
+              <a:lstStyle/>
+              <a:p>
+                <a:pPr algn="ctr"/>
+                <a:endParaRPr lang="en-US"/>
+              </a:p>
+            </p:txBody>
+          </p:sp>
+          <p:sp>
+            <p:nvSpPr>
+              <p:cNvPr id="32" name="Freeform 31"/>
+              <p:cNvSpPr/>
+              <p:nvPr/>
+            </p:nvSpPr>
+            <p:spPr>
+              <a:xfrm>
+                <a:off x="637636" y="4437542"/>
+                <a:ext cx="4873572" cy="531573"/>
+              </a:xfrm>
+              <a:custGeom>
+                <a:avLst/>
+                <a:gdLst>
+                  <a:gd name="connsiteX0" fmla="*/ 0 w 6739003"/>
+                  <a:gd name="connsiteY0" fmla="*/ 375824 h 406443"/>
+                  <a:gd name="connsiteX1" fmla="*/ 977030 w 6739003"/>
+                  <a:gd name="connsiteY1" fmla="*/ 44 h 406443"/>
+                  <a:gd name="connsiteX2" fmla="*/ 4985359 w 6739003"/>
+                  <a:gd name="connsiteY2" fmla="*/ 350772 h 406443"/>
+                  <a:gd name="connsiteX3" fmla="*/ 6739003 w 6739003"/>
+                  <a:gd name="connsiteY3" fmla="*/ 400877 h 406443"/>
+                  <a:gd name="connsiteX0" fmla="*/ 0 w 6739003"/>
+                  <a:gd name="connsiteY0" fmla="*/ 375824 h 406443"/>
+                  <a:gd name="connsiteX1" fmla="*/ 977030 w 6739003"/>
+                  <a:gd name="connsiteY1" fmla="*/ 44 h 406443"/>
+                  <a:gd name="connsiteX2" fmla="*/ 4985359 w 6739003"/>
+                  <a:gd name="connsiteY2" fmla="*/ 350772 h 406443"/>
+                  <a:gd name="connsiteX3" fmla="*/ 6739003 w 6739003"/>
+                  <a:gd name="connsiteY3" fmla="*/ 400877 h 406443"/>
+                  <a:gd name="connsiteX0" fmla="*/ 0 w 6739003"/>
+                  <a:gd name="connsiteY0" fmla="*/ 397016 h 427635"/>
+                  <a:gd name="connsiteX1" fmla="*/ 977030 w 6739003"/>
+                  <a:gd name="connsiteY1" fmla="*/ 21236 h 427635"/>
+                  <a:gd name="connsiteX2" fmla="*/ 4985359 w 6739003"/>
+                  <a:gd name="connsiteY2" fmla="*/ 371964 h 427635"/>
+                  <a:gd name="connsiteX3" fmla="*/ 6739003 w 6739003"/>
+                  <a:gd name="connsiteY3" fmla="*/ 422069 h 427635"/>
+                  <a:gd name="connsiteX0" fmla="*/ 0 w 6739003"/>
+                  <a:gd name="connsiteY0" fmla="*/ 331274 h 361893"/>
+                  <a:gd name="connsiteX1" fmla="*/ 1915930 w 6739003"/>
+                  <a:gd name="connsiteY1" fmla="*/ 24750 h 361893"/>
+                  <a:gd name="connsiteX2" fmla="*/ 4985359 w 6739003"/>
+                  <a:gd name="connsiteY2" fmla="*/ 306222 h 361893"/>
+                  <a:gd name="connsiteX3" fmla="*/ 6739003 w 6739003"/>
+                  <a:gd name="connsiteY3" fmla="*/ 356327 h 361893"/>
+                  <a:gd name="connsiteX0" fmla="*/ 0 w 6739003"/>
+                  <a:gd name="connsiteY0" fmla="*/ 392906 h 423525"/>
+                  <a:gd name="connsiteX1" fmla="*/ 1915930 w 6739003"/>
+                  <a:gd name="connsiteY1" fmla="*/ 86382 h 423525"/>
+                  <a:gd name="connsiteX2" fmla="*/ 4985359 w 6739003"/>
+                  <a:gd name="connsiteY2" fmla="*/ 367854 h 423525"/>
+                  <a:gd name="connsiteX3" fmla="*/ 6739003 w 6739003"/>
+                  <a:gd name="connsiteY3" fmla="*/ 417959 h 423525"/>
+                  <a:gd name="connsiteX0" fmla="*/ 0 w 6739003"/>
+                  <a:gd name="connsiteY0" fmla="*/ 371113 h 401732"/>
+                  <a:gd name="connsiteX1" fmla="*/ 1915930 w 6739003"/>
+                  <a:gd name="connsiteY1" fmla="*/ 64589 h 401732"/>
+                  <a:gd name="connsiteX2" fmla="*/ 4985359 w 6739003"/>
+                  <a:gd name="connsiteY2" fmla="*/ 346061 h 401732"/>
+                  <a:gd name="connsiteX3" fmla="*/ 6739003 w 6739003"/>
+                  <a:gd name="connsiteY3" fmla="*/ 396166 h 401732"/>
+                  <a:gd name="connsiteX0" fmla="*/ 0 w 6739003"/>
+                  <a:gd name="connsiteY0" fmla="*/ 312223 h 337625"/>
+                  <a:gd name="connsiteX1" fmla="*/ 1915930 w 6739003"/>
+                  <a:gd name="connsiteY1" fmla="*/ 5699 h 337625"/>
+                  <a:gd name="connsiteX2" fmla="*/ 4281183 w 6739003"/>
+                  <a:gd name="connsiteY2" fmla="*/ 134808 h 337625"/>
+                  <a:gd name="connsiteX3" fmla="*/ 6739003 w 6739003"/>
+                  <a:gd name="connsiteY3" fmla="*/ 337276 h 337625"/>
+                  <a:gd name="connsiteX0" fmla="*/ 0 w 6739003"/>
+                  <a:gd name="connsiteY0" fmla="*/ 371819 h 397219"/>
+                  <a:gd name="connsiteX1" fmla="*/ 1915930 w 6739003"/>
+                  <a:gd name="connsiteY1" fmla="*/ 65295 h 397219"/>
+                  <a:gd name="connsiteX2" fmla="*/ 4281183 w 6739003"/>
+                  <a:gd name="connsiteY2" fmla="*/ 194404 h 397219"/>
+                  <a:gd name="connsiteX3" fmla="*/ 6739003 w 6739003"/>
+                  <a:gd name="connsiteY3" fmla="*/ 396872 h 397219"/>
+                  <a:gd name="connsiteX0" fmla="*/ 0 w 6739003"/>
+                  <a:gd name="connsiteY0" fmla="*/ 371819 h 400071"/>
+                  <a:gd name="connsiteX1" fmla="*/ 1915930 w 6739003"/>
+                  <a:gd name="connsiteY1" fmla="*/ 65295 h 400071"/>
+                  <a:gd name="connsiteX2" fmla="*/ 4281183 w 6739003"/>
+                  <a:gd name="connsiteY2" fmla="*/ 194404 h 400071"/>
+                  <a:gd name="connsiteX3" fmla="*/ 6739003 w 6739003"/>
+                  <a:gd name="connsiteY3" fmla="*/ 396872 h 400071"/>
+                  <a:gd name="connsiteX0" fmla="*/ 0 w 6739003"/>
+                  <a:gd name="connsiteY0" fmla="*/ 285346 h 313598"/>
+                  <a:gd name="connsiteX1" fmla="*/ 2077303 w 6739003"/>
+                  <a:gd name="connsiteY1" fmla="*/ 297401 h 313598"/>
+                  <a:gd name="connsiteX2" fmla="*/ 4281183 w 6739003"/>
+                  <a:gd name="connsiteY2" fmla="*/ 107931 h 313598"/>
+                  <a:gd name="connsiteX3" fmla="*/ 6739003 w 6739003"/>
+                  <a:gd name="connsiteY3" fmla="*/ 310399 h 313598"/>
+                  <a:gd name="connsiteX0" fmla="*/ 0 w 6739003"/>
+                  <a:gd name="connsiteY0" fmla="*/ 318644 h 397901"/>
+                  <a:gd name="connsiteX1" fmla="*/ 2077303 w 6739003"/>
+                  <a:gd name="connsiteY1" fmla="*/ 330699 h 397901"/>
+                  <a:gd name="connsiteX2" fmla="*/ 4281183 w 6739003"/>
+                  <a:gd name="connsiteY2" fmla="*/ 141229 h 397901"/>
+                  <a:gd name="connsiteX3" fmla="*/ 6739003 w 6739003"/>
+                  <a:gd name="connsiteY3" fmla="*/ 343697 h 397901"/>
+                  <a:gd name="connsiteX0" fmla="*/ 0 w 6797684"/>
+                  <a:gd name="connsiteY0" fmla="*/ 427132 h 427131"/>
+                  <a:gd name="connsiteX1" fmla="*/ 2135984 w 6797684"/>
+                  <a:gd name="connsiteY1" fmla="*/ 300673 h 427131"/>
+                  <a:gd name="connsiteX2" fmla="*/ 4339864 w 6797684"/>
+                  <a:gd name="connsiteY2" fmla="*/ 111203 h 427131"/>
+                  <a:gd name="connsiteX3" fmla="*/ 6797684 w 6797684"/>
+                  <a:gd name="connsiteY3" fmla="*/ 313671 h 427131"/>
+                  <a:gd name="connsiteX0" fmla="*/ 0 w 6797684"/>
+                  <a:gd name="connsiteY0" fmla="*/ 427131 h 427131"/>
+                  <a:gd name="connsiteX1" fmla="*/ 2135984 w 6797684"/>
+                  <a:gd name="connsiteY1" fmla="*/ 300672 h 427131"/>
+                  <a:gd name="connsiteX2" fmla="*/ 4339864 w 6797684"/>
+                  <a:gd name="connsiteY2" fmla="*/ 111202 h 427131"/>
+                  <a:gd name="connsiteX3" fmla="*/ 6797684 w 6797684"/>
+                  <a:gd name="connsiteY3" fmla="*/ 313670 h 427131"/>
+                  <a:gd name="connsiteX0" fmla="*/ 0 w 6768344"/>
+                  <a:gd name="connsiteY0" fmla="*/ 313693 h 314240"/>
+                  <a:gd name="connsiteX1" fmla="*/ 2106644 w 6768344"/>
+                  <a:gd name="connsiteY1" fmla="*/ 298043 h 314240"/>
+                  <a:gd name="connsiteX2" fmla="*/ 4310524 w 6768344"/>
+                  <a:gd name="connsiteY2" fmla="*/ 108573 h 314240"/>
+                  <a:gd name="connsiteX3" fmla="*/ 6768344 w 6768344"/>
+                  <a:gd name="connsiteY3" fmla="*/ 311041 h 314240"/>
+                  <a:gd name="connsiteX0" fmla="*/ 0 w 6768344"/>
+                  <a:gd name="connsiteY0" fmla="*/ 313693 h 314240"/>
+                  <a:gd name="connsiteX1" fmla="*/ 2106644 w 6768344"/>
+                  <a:gd name="connsiteY1" fmla="*/ 298043 h 314240"/>
+                  <a:gd name="connsiteX2" fmla="*/ 4310524 w 6768344"/>
+                  <a:gd name="connsiteY2" fmla="*/ 108573 h 314240"/>
+                  <a:gd name="connsiteX3" fmla="*/ 6768344 w 6768344"/>
+                  <a:gd name="connsiteY3" fmla="*/ 311041 h 314240"/>
+                  <a:gd name="connsiteX0" fmla="*/ 0 w 6768344"/>
+                  <a:gd name="connsiteY0" fmla="*/ 142657 h 243195"/>
+                  <a:gd name="connsiteX1" fmla="*/ 2106644 w 6768344"/>
+                  <a:gd name="connsiteY1" fmla="*/ 127007 h 243195"/>
+                  <a:gd name="connsiteX2" fmla="*/ 4002447 w 6768344"/>
+                  <a:gd name="connsiteY2" fmla="*/ 145305 h 243195"/>
+                  <a:gd name="connsiteX3" fmla="*/ 6768344 w 6768344"/>
+                  <a:gd name="connsiteY3" fmla="*/ 140005 h 243195"/>
+                  <a:gd name="connsiteX0" fmla="*/ 0 w 6768344"/>
+                  <a:gd name="connsiteY0" fmla="*/ 204169 h 304707"/>
+                  <a:gd name="connsiteX1" fmla="*/ 2106644 w 6768344"/>
+                  <a:gd name="connsiteY1" fmla="*/ 188519 h 304707"/>
+                  <a:gd name="connsiteX2" fmla="*/ 4002447 w 6768344"/>
+                  <a:gd name="connsiteY2" fmla="*/ 206817 h 304707"/>
+                  <a:gd name="connsiteX3" fmla="*/ 6768344 w 6768344"/>
+                  <a:gd name="connsiteY3" fmla="*/ 201517 h 304707"/>
+                  <a:gd name="connsiteX0" fmla="*/ 0 w 6768344"/>
+                  <a:gd name="connsiteY0" fmla="*/ 196912 h 297450"/>
+                  <a:gd name="connsiteX1" fmla="*/ 1754556 w 6768344"/>
+                  <a:gd name="connsiteY1" fmla="*/ 208964 h 297450"/>
+                  <a:gd name="connsiteX2" fmla="*/ 4002447 w 6768344"/>
+                  <a:gd name="connsiteY2" fmla="*/ 199560 h 297450"/>
+                  <a:gd name="connsiteX3" fmla="*/ 6768344 w 6768344"/>
+                  <a:gd name="connsiteY3" fmla="*/ 194260 h 297450"/>
+                  <a:gd name="connsiteX0" fmla="*/ 0 w 6768344"/>
+                  <a:gd name="connsiteY0" fmla="*/ 219742 h 320280"/>
+                  <a:gd name="connsiteX1" fmla="*/ 1754556 w 6768344"/>
+                  <a:gd name="connsiteY1" fmla="*/ 231794 h 320280"/>
+                  <a:gd name="connsiteX2" fmla="*/ 4002447 w 6768344"/>
+                  <a:gd name="connsiteY2" fmla="*/ 222390 h 320280"/>
+                  <a:gd name="connsiteX3" fmla="*/ 6768344 w 6768344"/>
+                  <a:gd name="connsiteY3" fmla="*/ 217090 h 320280"/>
+                  <a:gd name="connsiteX0" fmla="*/ 0 w 6768344"/>
+                  <a:gd name="connsiteY0" fmla="*/ 154304 h 297627"/>
+                  <a:gd name="connsiteX1" fmla="*/ 1754556 w 6768344"/>
+                  <a:gd name="connsiteY1" fmla="*/ 166356 h 297627"/>
+                  <a:gd name="connsiteX2" fmla="*/ 4354534 w 6768344"/>
+                  <a:gd name="connsiteY2" fmla="*/ 212356 h 297627"/>
+                  <a:gd name="connsiteX3" fmla="*/ 6768344 w 6768344"/>
+                  <a:gd name="connsiteY3" fmla="*/ 151652 h 297627"/>
+                  <a:gd name="connsiteX0" fmla="*/ 0 w 6768344"/>
+                  <a:gd name="connsiteY0" fmla="*/ 154304 h 297628"/>
+                  <a:gd name="connsiteX1" fmla="*/ 1754556 w 6768344"/>
+                  <a:gd name="connsiteY1" fmla="*/ 166356 h 297628"/>
+                  <a:gd name="connsiteX2" fmla="*/ 4354534 w 6768344"/>
+                  <a:gd name="connsiteY2" fmla="*/ 212356 h 297628"/>
+                  <a:gd name="connsiteX3" fmla="*/ 6768344 w 6768344"/>
+                  <a:gd name="connsiteY3" fmla="*/ 151652 h 297628"/>
+                  <a:gd name="connsiteX0" fmla="*/ 0 w 6768344"/>
+                  <a:gd name="connsiteY0" fmla="*/ 154304 h 213716"/>
+                  <a:gd name="connsiteX1" fmla="*/ 1754556 w 6768344"/>
+                  <a:gd name="connsiteY1" fmla="*/ 166356 h 213716"/>
+                  <a:gd name="connsiteX2" fmla="*/ 4354534 w 6768344"/>
+                  <a:gd name="connsiteY2" fmla="*/ 212356 h 213716"/>
+                  <a:gd name="connsiteX3" fmla="*/ 6768344 w 6768344"/>
+                  <a:gd name="connsiteY3" fmla="*/ 151652 h 213716"/>
+                  <a:gd name="connsiteX0" fmla="*/ 0 w 6768344"/>
+                  <a:gd name="connsiteY0" fmla="*/ 209593 h 269005"/>
+                  <a:gd name="connsiteX1" fmla="*/ 1754556 w 6768344"/>
+                  <a:gd name="connsiteY1" fmla="*/ 221645 h 269005"/>
+                  <a:gd name="connsiteX2" fmla="*/ 4354534 w 6768344"/>
+                  <a:gd name="connsiteY2" fmla="*/ 267645 h 269005"/>
+                  <a:gd name="connsiteX3" fmla="*/ 6768344 w 6768344"/>
+                  <a:gd name="connsiteY3" fmla="*/ 206941 h 269005"/>
+                  <a:gd name="connsiteX0" fmla="*/ 0 w 6768344"/>
+                  <a:gd name="connsiteY0" fmla="*/ 197278 h 256690"/>
+                  <a:gd name="connsiteX1" fmla="*/ 1754556 w 6768344"/>
+                  <a:gd name="connsiteY1" fmla="*/ 209330 h 256690"/>
+                  <a:gd name="connsiteX2" fmla="*/ 3257555 w 6768344"/>
+                  <a:gd name="connsiteY2" fmla="*/ 233 h 256690"/>
+                  <a:gd name="connsiteX3" fmla="*/ 4354534 w 6768344"/>
+                  <a:gd name="connsiteY3" fmla="*/ 255330 h 256690"/>
+                  <a:gd name="connsiteX4" fmla="*/ 6768344 w 6768344"/>
+                  <a:gd name="connsiteY4" fmla="*/ 194626 h 256690"/>
+                  <a:gd name="connsiteX0" fmla="*/ 0 w 6768344"/>
+                  <a:gd name="connsiteY0" fmla="*/ 404936 h 464348"/>
+                  <a:gd name="connsiteX1" fmla="*/ 1754556 w 6768344"/>
+                  <a:gd name="connsiteY1" fmla="*/ 416988 h 464348"/>
+                  <a:gd name="connsiteX2" fmla="*/ 3198874 w 6768344"/>
+                  <a:gd name="connsiteY2" fmla="*/ 121 h 464348"/>
+                  <a:gd name="connsiteX3" fmla="*/ 4354534 w 6768344"/>
+                  <a:gd name="connsiteY3" fmla="*/ 462988 h 464348"/>
+                  <a:gd name="connsiteX4" fmla="*/ 6768344 w 6768344"/>
+                  <a:gd name="connsiteY4" fmla="*/ 402284 h 464348"/>
+                  <a:gd name="connsiteX0" fmla="*/ 0 w 6768344"/>
+                  <a:gd name="connsiteY0" fmla="*/ 404936 h 464348"/>
+                  <a:gd name="connsiteX1" fmla="*/ 1754556 w 6768344"/>
+                  <a:gd name="connsiteY1" fmla="*/ 416988 h 464348"/>
+                  <a:gd name="connsiteX2" fmla="*/ 3198874 w 6768344"/>
+                  <a:gd name="connsiteY2" fmla="*/ 121 h 464348"/>
+                  <a:gd name="connsiteX3" fmla="*/ 4354534 w 6768344"/>
+                  <a:gd name="connsiteY3" fmla="*/ 462988 h 464348"/>
+                  <a:gd name="connsiteX4" fmla="*/ 6768344 w 6768344"/>
+                  <a:gd name="connsiteY4" fmla="*/ 402284 h 464348"/>
+                  <a:gd name="connsiteX0" fmla="*/ 0 w 6739004"/>
+                  <a:gd name="connsiteY0" fmla="*/ 404936 h 485391"/>
+                  <a:gd name="connsiteX1" fmla="*/ 1754556 w 6739004"/>
+                  <a:gd name="connsiteY1" fmla="*/ 416988 h 485391"/>
+                  <a:gd name="connsiteX2" fmla="*/ 3198874 w 6739004"/>
+                  <a:gd name="connsiteY2" fmla="*/ 121 h 485391"/>
+                  <a:gd name="connsiteX3" fmla="*/ 4354534 w 6739004"/>
+                  <a:gd name="connsiteY3" fmla="*/ 462988 h 485391"/>
+                  <a:gd name="connsiteX4" fmla="*/ 6739004 w 6739004"/>
+                  <a:gd name="connsiteY4" fmla="*/ 485391 h 485391"/>
+                  <a:gd name="connsiteX0" fmla="*/ 0 w 6724333"/>
+                  <a:gd name="connsiteY0" fmla="*/ 474195 h 485395"/>
+                  <a:gd name="connsiteX1" fmla="*/ 1739885 w 6724333"/>
+                  <a:gd name="connsiteY1" fmla="*/ 416992 h 485395"/>
+                  <a:gd name="connsiteX2" fmla="*/ 3184203 w 6724333"/>
+                  <a:gd name="connsiteY2" fmla="*/ 125 h 485395"/>
+                  <a:gd name="connsiteX3" fmla="*/ 4339863 w 6724333"/>
+                  <a:gd name="connsiteY3" fmla="*/ 462992 h 485395"/>
+                  <a:gd name="connsiteX4" fmla="*/ 6724333 w 6724333"/>
+                  <a:gd name="connsiteY4" fmla="*/ 485395 h 485395"/>
+                  <a:gd name="connsiteX0" fmla="*/ 0 w 6724333"/>
+                  <a:gd name="connsiteY0" fmla="*/ 474195 h 490694"/>
+                  <a:gd name="connsiteX1" fmla="*/ 1739885 w 6724333"/>
+                  <a:gd name="connsiteY1" fmla="*/ 416992 h 490694"/>
+                  <a:gd name="connsiteX2" fmla="*/ 3184203 w 6724333"/>
+                  <a:gd name="connsiteY2" fmla="*/ 125 h 490694"/>
+                  <a:gd name="connsiteX3" fmla="*/ 4515908 w 6724333"/>
+                  <a:gd name="connsiteY3" fmla="*/ 490694 h 490694"/>
+                  <a:gd name="connsiteX4" fmla="*/ 6724333 w 6724333"/>
+                  <a:gd name="connsiteY4" fmla="*/ 485395 h 490694"/>
+                  <a:gd name="connsiteX0" fmla="*/ 0 w 6724333"/>
+                  <a:gd name="connsiteY0" fmla="*/ 474195 h 490694"/>
+                  <a:gd name="connsiteX1" fmla="*/ 1739885 w 6724333"/>
+                  <a:gd name="connsiteY1" fmla="*/ 416992 h 490694"/>
+                  <a:gd name="connsiteX2" fmla="*/ 3184203 w 6724333"/>
+                  <a:gd name="connsiteY2" fmla="*/ 125 h 490694"/>
+                  <a:gd name="connsiteX3" fmla="*/ 5000029 w 6724333"/>
+                  <a:gd name="connsiteY3" fmla="*/ 490694 h 490694"/>
+                  <a:gd name="connsiteX4" fmla="*/ 6724333 w 6724333"/>
+                  <a:gd name="connsiteY4" fmla="*/ 485395 h 490694"/>
+                  <a:gd name="connsiteX0" fmla="*/ 0 w 6724333"/>
+                  <a:gd name="connsiteY0" fmla="*/ 413948 h 430447"/>
+                  <a:gd name="connsiteX1" fmla="*/ 1739885 w 6724333"/>
+                  <a:gd name="connsiteY1" fmla="*/ 356745 h 430447"/>
+                  <a:gd name="connsiteX2" fmla="*/ 3242885 w 6724333"/>
+                  <a:gd name="connsiteY2" fmla="*/ 147 h 430447"/>
+                  <a:gd name="connsiteX3" fmla="*/ 5000029 w 6724333"/>
+                  <a:gd name="connsiteY3" fmla="*/ 430447 h 430447"/>
+                  <a:gd name="connsiteX4" fmla="*/ 6724333 w 6724333"/>
+                  <a:gd name="connsiteY4" fmla="*/ 425148 h 430447"/>
+                </a:gdLst>
+                <a:ahLst/>
+                <a:cxnLst>
+                  <a:cxn ang="0">
+                    <a:pos x="connsiteX0" y="connsiteY0"/>
+                  </a:cxn>
+                  <a:cxn ang="0">
+                    <a:pos x="connsiteX1" y="connsiteY1"/>
+                  </a:cxn>
+                  <a:cxn ang="0">
+                    <a:pos x="connsiteX2" y="connsiteY2"/>
+                  </a:cxn>
+                  <a:cxn ang="0">
+                    <a:pos x="connsiteX3" y="connsiteY3"/>
+                  </a:cxn>
+                  <a:cxn ang="0">
+                    <a:pos x="connsiteX4" y="connsiteY4"/>
+                  </a:cxn>
+                </a:cxnLst>
+                <a:rect l="l" t="t" r="r" b="b"/>
+                <a:pathLst>
+                  <a:path w="6724333" h="430447">
+                    <a:moveTo>
+                      <a:pt x="0" y="413948"/>
+                    </a:moveTo>
+                    <a:cubicBezTo>
+                      <a:pt x="584852" y="417965"/>
+                      <a:pt x="1199404" y="425712"/>
+                      <a:pt x="1739885" y="356745"/>
+                    </a:cubicBezTo>
+                    <a:cubicBezTo>
+                      <a:pt x="2280366" y="287778"/>
+                      <a:pt x="2809555" y="-7520"/>
+                      <a:pt x="3242885" y="147"/>
+                    </a:cubicBezTo>
+                    <a:cubicBezTo>
+                      <a:pt x="3676215" y="7814"/>
+                      <a:pt x="4414898" y="398048"/>
+                      <a:pt x="5000029" y="430447"/>
+                    </a:cubicBezTo>
+                    <a:lnTo>
+                      <a:pt x="6724333" y="425148"/>
+                    </a:lnTo>
+                  </a:path>
+                </a:pathLst>
+              </a:custGeom>
+              <a:noFill/>
+              <a:ln w="12700">
+                <a:solidFill>
+                  <a:schemeClr val="tx1"/>
+                </a:solidFill>
+                <a:headEnd type="none" w="med" len="med"/>
+                <a:tailEnd type="triangle" w="med" len="med"/>
+              </a:ln>
+            </p:spPr>
+            <p:style>
+              <a:lnRef idx="2">
+                <a:schemeClr val="accent1">
+                  <a:shade val="50000"/>
+                </a:schemeClr>
+              </a:lnRef>
+              <a:fillRef idx="1">
+                <a:schemeClr val="accent1"/>
+              </a:fillRef>
+              <a:effectRef idx="0">
+                <a:schemeClr val="accent1"/>
+              </a:effectRef>
+              <a:fontRef idx="minor">
+                <a:schemeClr val="lt1"/>
+              </a:fontRef>
+            </p:style>
+            <p:txBody>
+              <a:bodyPr rtlCol="0" anchor="ctr"/>
+              <a:lstStyle/>
+              <a:p>
+                <a:pPr algn="ctr"/>
+                <a:endParaRPr lang="en-US" dirty="0"/>
+              </a:p>
+            </p:txBody>
+          </p:sp>
+          <mc:AlternateContent xmlns:mc="http://schemas.openxmlformats.org/markup-compatibility/2006">
+            <mc:Choice xmlns:a14="http://schemas.microsoft.com/office/drawing/2010/main" Requires="a14">
+              <p:sp>
+                <p:nvSpPr>
+                  <p:cNvPr id="33" name="TextBox 32"/>
+                  <p:cNvSpPr txBox="1"/>
+                  <p:nvPr/>
+                </p:nvSpPr>
+                <p:spPr>
+                  <a:xfrm>
+                    <a:off x="2196800" y="4090308"/>
+                    <a:ext cx="1571264" cy="307777"/>
+                  </a:xfrm>
+                  <a:prstGeom prst="rect">
+                    <a:avLst/>
+                  </a:prstGeom>
+                  <a:noFill/>
+                </p:spPr>
+                <p:txBody>
+                  <a:bodyPr wrap="none" lIns="0" tIns="0" rIns="0" bIns="0" rtlCol="0">
+                    <a:spAutoFit/>
+                  </a:bodyPr>
+                  <a:lstStyle/>
+                  <a:p>
+                    <a:pPr/>
+                    <a14:m>
+                      <m:oMathPara xmlns:m="http://schemas.openxmlformats.org/officeDocument/2006/math">
+                        <m:oMathParaPr>
+                          <m:jc m:val="centerGroup"/>
+                        </m:oMathParaPr>
+                        <m:oMath xmlns:m="http://schemas.openxmlformats.org/officeDocument/2006/math">
+                          <m:r>
+                            <a:rPr lang="en-US" sz="2000" b="0" i="1" smtClean="0">
+                              <a:latin typeface="Cambria Math" panose="02040503050406030204" pitchFamily="18" charset="0"/>
+                              <a:cs typeface="Arial" panose="020B0604020202020204" pitchFamily="34" charset="0"/>
+                            </a:rPr>
+                            <m:t>𝑙𝑜𝑤</m:t>
+                          </m:r>
+                          <m:r>
+                            <a:rPr lang="en-US" sz="2000" b="0" i="1" smtClean="0">
+                              <a:latin typeface="Cambria Math" panose="02040503050406030204" pitchFamily="18" charset="0"/>
+                              <a:cs typeface="Arial" panose="020B0604020202020204" pitchFamily="34" charset="0"/>
+                            </a:rPr>
+                            <m:t> </m:t>
+                          </m:r>
+                          <m:r>
+                            <a:rPr lang="en-US" sz="2000" b="0" i="1" smtClean="0">
+                              <a:latin typeface="Cambria Math" panose="02040503050406030204" pitchFamily="18" charset="0"/>
+                              <a:cs typeface="Arial" panose="020B0604020202020204" pitchFamily="34" charset="0"/>
+                            </a:rPr>
+                            <m:t>𝑝𝑟𝑒𝑠𝑠𝑢𝑟𝑒</m:t>
+                          </m:r>
+                        </m:oMath>
+                      </m:oMathPara>
+                    </a14:m>
+                    <a:endParaRPr lang="en-US" sz="2000" dirty="0" smtClean="0">
+                      <a:latin typeface="Arial" panose="020B0604020202020204" pitchFamily="34" charset="0"/>
+                      <a:cs typeface="Arial" panose="020B0604020202020204" pitchFamily="34" charset="0"/>
+                    </a:endParaRPr>
+                  </a:p>
+                </p:txBody>
+              </p:sp>
+            </mc:Choice>
+            <mc:Fallback>
+              <p:sp>
+                <p:nvSpPr>
+                  <p:cNvPr id="33" name="TextBox 32"/>
+                  <p:cNvSpPr txBox="1">
+                    <a:spLocks noRot="1" noChangeAspect="1" noMove="1" noResize="1" noEditPoints="1" noAdjustHandles="1" noChangeArrowheads="1" noChangeShapeType="1" noTextEdit="1"/>
+                  </p:cNvSpPr>
+                  <p:nvPr/>
+                </p:nvSpPr>
+                <p:spPr>
+                  <a:xfrm>
+                    <a:off x="2196800" y="4090308"/>
+                    <a:ext cx="1571264" cy="307777"/>
+                  </a:xfrm>
+                  <a:prstGeom prst="rect">
+                    <a:avLst/>
+                  </a:prstGeom>
+                  <a:blipFill>
+                    <a:blip r:embed="rId3"/>
+                    <a:stretch>
+                      <a:fillRect l="-3101" r="-2713" b="-30000"/>
+                    </a:stretch>
+                  </a:blipFill>
+                </p:spPr>
+                <p:txBody>
+                  <a:bodyPr/>
+                  <a:lstStyle/>
+                  <a:p>
+                    <a:r>
+                      <a:rPr lang="en-US">
+                        <a:noFill/>
+                      </a:rPr>
+                      <a:t> </a:t>
+                    </a:r>
+                  </a:p>
+                </p:txBody>
+              </p:sp>
+            </mc:Fallback>
+          </mc:AlternateContent>
+          <p:sp>
+            <p:nvSpPr>
+              <p:cNvPr id="4" name="Arc 3"/>
+              <p:cNvSpPr/>
+              <p:nvPr/>
+            </p:nvSpPr>
+            <p:spPr>
+              <a:xfrm>
+                <a:off x="627004" y="5268735"/>
+                <a:ext cx="788730" cy="848092"/>
+              </a:xfrm>
+              <a:custGeom>
+                <a:avLst/>
+                <a:gdLst>
+                  <a:gd name="connsiteX0" fmla="*/ 616689 w 1233378"/>
+                  <a:gd name="connsiteY0" fmla="*/ 0 h 978196"/>
+                  <a:gd name="connsiteX1" fmla="*/ 1150163 w 1233378"/>
+                  <a:gd name="connsiteY1" fmla="*/ 243734 h 978196"/>
+                  <a:gd name="connsiteX2" fmla="*/ 1035517 w 1233378"/>
+                  <a:gd name="connsiteY2" fmla="*/ 848092 h 978196"/>
+                  <a:gd name="connsiteX3" fmla="*/ 616689 w 1233378"/>
+                  <a:gd name="connsiteY3" fmla="*/ 489098 h 978196"/>
+                  <a:gd name="connsiteX4" fmla="*/ 616689 w 1233378"/>
+                  <a:gd name="connsiteY4" fmla="*/ 0 h 978196"/>
+                  <a:gd name="connsiteX0" fmla="*/ 616689 w 1233378"/>
+                  <a:gd name="connsiteY0" fmla="*/ 0 h 978196"/>
+                  <a:gd name="connsiteX1" fmla="*/ 1150163 w 1233378"/>
+                  <a:gd name="connsiteY1" fmla="*/ 243734 h 978196"/>
+                  <a:gd name="connsiteX2" fmla="*/ 1035517 w 1233378"/>
+                  <a:gd name="connsiteY2" fmla="*/ 848092 h 978196"/>
+                  <a:gd name="connsiteX0" fmla="*/ 0 w 616710"/>
+                  <a:gd name="connsiteY0" fmla="*/ 0 h 848092"/>
+                  <a:gd name="connsiteX1" fmla="*/ 533474 w 616710"/>
+                  <a:gd name="connsiteY1" fmla="*/ 243734 h 848092"/>
+                  <a:gd name="connsiteX2" fmla="*/ 418828 w 616710"/>
+                  <a:gd name="connsiteY2" fmla="*/ 848092 h 848092"/>
+                  <a:gd name="connsiteX3" fmla="*/ 0 w 616710"/>
+                  <a:gd name="connsiteY3" fmla="*/ 489098 h 848092"/>
+                  <a:gd name="connsiteX4" fmla="*/ 0 w 616710"/>
+                  <a:gd name="connsiteY4" fmla="*/ 0 h 848092"/>
+                  <a:gd name="connsiteX0" fmla="*/ 0 w 616710"/>
+                  <a:gd name="connsiteY0" fmla="*/ 0 h 848092"/>
+                  <a:gd name="connsiteX1" fmla="*/ 533474 w 616710"/>
+                  <a:gd name="connsiteY1" fmla="*/ 243734 h 848092"/>
+                  <a:gd name="connsiteX2" fmla="*/ 355032 w 616710"/>
+                  <a:gd name="connsiteY2" fmla="*/ 677972 h 848092"/>
+                  <a:gd name="connsiteX0" fmla="*/ 0 w 616710"/>
+                  <a:gd name="connsiteY0" fmla="*/ 0 h 848092"/>
+                  <a:gd name="connsiteX1" fmla="*/ 533474 w 616710"/>
+                  <a:gd name="connsiteY1" fmla="*/ 243734 h 848092"/>
+                  <a:gd name="connsiteX2" fmla="*/ 418828 w 616710"/>
+                  <a:gd name="connsiteY2" fmla="*/ 848092 h 848092"/>
+                  <a:gd name="connsiteX3" fmla="*/ 0 w 616710"/>
+                  <a:gd name="connsiteY3" fmla="*/ 489098 h 848092"/>
+                  <a:gd name="connsiteX4" fmla="*/ 0 w 616710"/>
+                  <a:gd name="connsiteY4" fmla="*/ 0 h 848092"/>
+                  <a:gd name="connsiteX0" fmla="*/ 0 w 616710"/>
+                  <a:gd name="connsiteY0" fmla="*/ 0 h 848092"/>
+                  <a:gd name="connsiteX1" fmla="*/ 533474 w 616710"/>
+                  <a:gd name="connsiteY1" fmla="*/ 243734 h 848092"/>
+                  <a:gd name="connsiteX2" fmla="*/ 355032 w 616710"/>
+                  <a:gd name="connsiteY2" fmla="*/ 677972 h 848092"/>
+                  <a:gd name="connsiteX0" fmla="*/ 0 w 616710"/>
+                  <a:gd name="connsiteY0" fmla="*/ 0 h 848092"/>
+                  <a:gd name="connsiteX1" fmla="*/ 533474 w 616710"/>
+                  <a:gd name="connsiteY1" fmla="*/ 243734 h 848092"/>
+                  <a:gd name="connsiteX2" fmla="*/ 418828 w 616710"/>
+                  <a:gd name="connsiteY2" fmla="*/ 848092 h 848092"/>
+                  <a:gd name="connsiteX3" fmla="*/ 0 w 616710"/>
+                  <a:gd name="connsiteY3" fmla="*/ 489098 h 848092"/>
+                  <a:gd name="connsiteX4" fmla="*/ 0 w 616710"/>
+                  <a:gd name="connsiteY4" fmla="*/ 0 h 848092"/>
+                  <a:gd name="connsiteX0" fmla="*/ 0 w 616710"/>
+                  <a:gd name="connsiteY0" fmla="*/ 0 h 848092"/>
+                  <a:gd name="connsiteX1" fmla="*/ 533474 w 616710"/>
+                  <a:gd name="connsiteY1" fmla="*/ 243734 h 848092"/>
+                  <a:gd name="connsiteX2" fmla="*/ 206176 w 616710"/>
+                  <a:gd name="connsiteY2" fmla="*/ 412158 h 848092"/>
+                  <a:gd name="connsiteX0" fmla="*/ 0 w 620474"/>
+                  <a:gd name="connsiteY0" fmla="*/ 0 h 848092"/>
+                  <a:gd name="connsiteX1" fmla="*/ 533474 w 620474"/>
+                  <a:gd name="connsiteY1" fmla="*/ 243734 h 848092"/>
+                  <a:gd name="connsiteX2" fmla="*/ 418828 w 620474"/>
+                  <a:gd name="connsiteY2" fmla="*/ 848092 h 848092"/>
+                  <a:gd name="connsiteX3" fmla="*/ 0 w 620474"/>
+                  <a:gd name="connsiteY3" fmla="*/ 489098 h 848092"/>
+                  <a:gd name="connsiteX4" fmla="*/ 0 w 620474"/>
+                  <a:gd name="connsiteY4" fmla="*/ 0 h 848092"/>
+                  <a:gd name="connsiteX0" fmla="*/ 0 w 620474"/>
+                  <a:gd name="connsiteY0" fmla="*/ 0 h 848092"/>
+                  <a:gd name="connsiteX1" fmla="*/ 586637 w 620474"/>
+                  <a:gd name="connsiteY1" fmla="*/ 318162 h 848092"/>
+                  <a:gd name="connsiteX2" fmla="*/ 206176 w 620474"/>
+                  <a:gd name="connsiteY2" fmla="*/ 412158 h 848092"/>
+                  <a:gd name="connsiteX0" fmla="*/ 0 w 660233"/>
+                  <a:gd name="connsiteY0" fmla="*/ 0 h 848092"/>
+                  <a:gd name="connsiteX1" fmla="*/ 533474 w 660233"/>
+                  <a:gd name="connsiteY1" fmla="*/ 243734 h 848092"/>
+                  <a:gd name="connsiteX2" fmla="*/ 418828 w 660233"/>
+                  <a:gd name="connsiteY2" fmla="*/ 848092 h 848092"/>
+                  <a:gd name="connsiteX3" fmla="*/ 0 w 660233"/>
+                  <a:gd name="connsiteY3" fmla="*/ 489098 h 848092"/>
+                  <a:gd name="connsiteX4" fmla="*/ 0 w 660233"/>
+                  <a:gd name="connsiteY4" fmla="*/ 0 h 848092"/>
+                  <a:gd name="connsiteX0" fmla="*/ 0 w 660233"/>
+                  <a:gd name="connsiteY0" fmla="*/ 0 h 848092"/>
+                  <a:gd name="connsiteX1" fmla="*/ 629167 w 660233"/>
+                  <a:gd name="connsiteY1" fmla="*/ 467018 h 848092"/>
+                  <a:gd name="connsiteX2" fmla="*/ 206176 w 660233"/>
+                  <a:gd name="connsiteY2" fmla="*/ 412158 h 848092"/>
+                  <a:gd name="connsiteX0" fmla="*/ 0 w 660233"/>
+                  <a:gd name="connsiteY0" fmla="*/ 1411 h 849503"/>
+                  <a:gd name="connsiteX1" fmla="*/ 522842 w 660233"/>
+                  <a:gd name="connsiteY1" fmla="*/ 128187 h 849503"/>
+                  <a:gd name="connsiteX2" fmla="*/ 418828 w 660233"/>
+                  <a:gd name="connsiteY2" fmla="*/ 849503 h 849503"/>
+                  <a:gd name="connsiteX3" fmla="*/ 0 w 660233"/>
+                  <a:gd name="connsiteY3" fmla="*/ 490509 h 849503"/>
+                  <a:gd name="connsiteX4" fmla="*/ 0 w 660233"/>
+                  <a:gd name="connsiteY4" fmla="*/ 1411 h 849503"/>
+                  <a:gd name="connsiteX0" fmla="*/ 0 w 660233"/>
+                  <a:gd name="connsiteY0" fmla="*/ 1411 h 849503"/>
+                  <a:gd name="connsiteX1" fmla="*/ 629167 w 660233"/>
+                  <a:gd name="connsiteY1" fmla="*/ 468429 h 849503"/>
+                  <a:gd name="connsiteX2" fmla="*/ 206176 w 660233"/>
+                  <a:gd name="connsiteY2" fmla="*/ 413569 h 849503"/>
+                  <a:gd name="connsiteX0" fmla="*/ 0 w 660233"/>
+                  <a:gd name="connsiteY0" fmla="*/ 309 h 848401"/>
+                  <a:gd name="connsiteX1" fmla="*/ 448414 w 660233"/>
+                  <a:gd name="connsiteY1" fmla="*/ 137717 h 848401"/>
+                  <a:gd name="connsiteX2" fmla="*/ 418828 w 660233"/>
+                  <a:gd name="connsiteY2" fmla="*/ 848401 h 848401"/>
+                  <a:gd name="connsiteX3" fmla="*/ 0 w 660233"/>
+                  <a:gd name="connsiteY3" fmla="*/ 489407 h 848401"/>
+                  <a:gd name="connsiteX4" fmla="*/ 0 w 660233"/>
+                  <a:gd name="connsiteY4" fmla="*/ 309 h 848401"/>
+                  <a:gd name="connsiteX0" fmla="*/ 0 w 660233"/>
+                  <a:gd name="connsiteY0" fmla="*/ 309 h 848401"/>
+                  <a:gd name="connsiteX1" fmla="*/ 629167 w 660233"/>
+                  <a:gd name="connsiteY1" fmla="*/ 467327 h 848401"/>
+                  <a:gd name="connsiteX2" fmla="*/ 206176 w 660233"/>
+                  <a:gd name="connsiteY2" fmla="*/ 412467 h 848401"/>
+                  <a:gd name="connsiteX0" fmla="*/ 0 w 660233"/>
+                  <a:gd name="connsiteY0" fmla="*/ 6395 h 854487"/>
+                  <a:gd name="connsiteX1" fmla="*/ 480312 w 660233"/>
+                  <a:gd name="connsiteY1" fmla="*/ 111905 h 854487"/>
+                  <a:gd name="connsiteX2" fmla="*/ 418828 w 660233"/>
+                  <a:gd name="connsiteY2" fmla="*/ 854487 h 854487"/>
+                  <a:gd name="connsiteX3" fmla="*/ 0 w 660233"/>
+                  <a:gd name="connsiteY3" fmla="*/ 495493 h 854487"/>
+                  <a:gd name="connsiteX4" fmla="*/ 0 w 660233"/>
+                  <a:gd name="connsiteY4" fmla="*/ 6395 h 854487"/>
+                  <a:gd name="connsiteX0" fmla="*/ 0 w 660233"/>
+                  <a:gd name="connsiteY0" fmla="*/ 6395 h 854487"/>
+                  <a:gd name="connsiteX1" fmla="*/ 629167 w 660233"/>
+                  <a:gd name="connsiteY1" fmla="*/ 473413 h 854487"/>
+                  <a:gd name="connsiteX2" fmla="*/ 206176 w 660233"/>
+                  <a:gd name="connsiteY2" fmla="*/ 418553 h 854487"/>
+                  <a:gd name="connsiteX0" fmla="*/ 0 w 660233"/>
+                  <a:gd name="connsiteY0" fmla="*/ 0 h 848092"/>
+                  <a:gd name="connsiteX1" fmla="*/ 480312 w 660233"/>
+                  <a:gd name="connsiteY1" fmla="*/ 105510 h 848092"/>
+                  <a:gd name="connsiteX2" fmla="*/ 418828 w 660233"/>
+                  <a:gd name="connsiteY2" fmla="*/ 848092 h 848092"/>
+                  <a:gd name="connsiteX3" fmla="*/ 0 w 660233"/>
+                  <a:gd name="connsiteY3" fmla="*/ 489098 h 848092"/>
+                  <a:gd name="connsiteX4" fmla="*/ 0 w 660233"/>
+                  <a:gd name="connsiteY4" fmla="*/ 0 h 848092"/>
+                  <a:gd name="connsiteX0" fmla="*/ 0 w 660233"/>
+                  <a:gd name="connsiteY0" fmla="*/ 0 h 848092"/>
+                  <a:gd name="connsiteX1" fmla="*/ 629167 w 660233"/>
+                  <a:gd name="connsiteY1" fmla="*/ 467018 h 848092"/>
+                  <a:gd name="connsiteX2" fmla="*/ 206176 w 660233"/>
+                  <a:gd name="connsiteY2" fmla="*/ 412158 h 848092"/>
+                  <a:gd name="connsiteX0" fmla="*/ 0 w 660233"/>
+                  <a:gd name="connsiteY0" fmla="*/ 0 h 848092"/>
+                  <a:gd name="connsiteX1" fmla="*/ 480312 w 660233"/>
+                  <a:gd name="connsiteY1" fmla="*/ 105510 h 848092"/>
+                  <a:gd name="connsiteX2" fmla="*/ 418828 w 660233"/>
+                  <a:gd name="connsiteY2" fmla="*/ 848092 h 848092"/>
+                  <a:gd name="connsiteX3" fmla="*/ 0 w 660233"/>
+                  <a:gd name="connsiteY3" fmla="*/ 489098 h 848092"/>
+                  <a:gd name="connsiteX4" fmla="*/ 0 w 660233"/>
+                  <a:gd name="connsiteY4" fmla="*/ 0 h 848092"/>
+                  <a:gd name="connsiteX0" fmla="*/ 0 w 660233"/>
+                  <a:gd name="connsiteY0" fmla="*/ 0 h 848092"/>
+                  <a:gd name="connsiteX1" fmla="*/ 629167 w 660233"/>
+                  <a:gd name="connsiteY1" fmla="*/ 467018 h 848092"/>
+                  <a:gd name="connsiteX2" fmla="*/ 206176 w 660233"/>
+                  <a:gd name="connsiteY2" fmla="*/ 412158 h 848092"/>
+                  <a:gd name="connsiteX0" fmla="*/ 0 w 812373"/>
+                  <a:gd name="connsiteY0" fmla="*/ 0 h 848092"/>
+                  <a:gd name="connsiteX1" fmla="*/ 480312 w 812373"/>
+                  <a:gd name="connsiteY1" fmla="*/ 105510 h 848092"/>
+                  <a:gd name="connsiteX2" fmla="*/ 418828 w 812373"/>
+                  <a:gd name="connsiteY2" fmla="*/ 848092 h 848092"/>
+                  <a:gd name="connsiteX3" fmla="*/ 0 w 812373"/>
+                  <a:gd name="connsiteY3" fmla="*/ 489098 h 848092"/>
+                  <a:gd name="connsiteX4" fmla="*/ 0 w 812373"/>
+                  <a:gd name="connsiteY4" fmla="*/ 0 h 848092"/>
+                  <a:gd name="connsiteX0" fmla="*/ 0 w 812373"/>
+                  <a:gd name="connsiteY0" fmla="*/ 0 h 848092"/>
+                  <a:gd name="connsiteX1" fmla="*/ 788656 w 812373"/>
+                  <a:gd name="connsiteY1" fmla="*/ 350060 h 848092"/>
+                  <a:gd name="connsiteX2" fmla="*/ 206176 w 812373"/>
+                  <a:gd name="connsiteY2" fmla="*/ 412158 h 848092"/>
+                  <a:gd name="connsiteX0" fmla="*/ 0 w 788730"/>
+                  <a:gd name="connsiteY0" fmla="*/ 0 h 848092"/>
+                  <a:gd name="connsiteX1" fmla="*/ 480312 w 788730"/>
+                  <a:gd name="connsiteY1" fmla="*/ 105510 h 848092"/>
+                  <a:gd name="connsiteX2" fmla="*/ 418828 w 788730"/>
+                  <a:gd name="connsiteY2" fmla="*/ 848092 h 848092"/>
+                  <a:gd name="connsiteX3" fmla="*/ 0 w 788730"/>
+                  <a:gd name="connsiteY3" fmla="*/ 489098 h 848092"/>
+                  <a:gd name="connsiteX4" fmla="*/ 0 w 788730"/>
+                  <a:gd name="connsiteY4" fmla="*/ 0 h 848092"/>
+                  <a:gd name="connsiteX0" fmla="*/ 0 w 788730"/>
+                  <a:gd name="connsiteY0" fmla="*/ 0 h 848092"/>
+                  <a:gd name="connsiteX1" fmla="*/ 788656 w 788730"/>
+                  <a:gd name="connsiteY1" fmla="*/ 350060 h 848092"/>
+                  <a:gd name="connsiteX2" fmla="*/ 206176 w 788730"/>
+                  <a:gd name="connsiteY2" fmla="*/ 412158 h 848092"/>
+                  <a:gd name="connsiteX0" fmla="*/ 0 w 788730"/>
+                  <a:gd name="connsiteY0" fmla="*/ 0 h 848092"/>
+                  <a:gd name="connsiteX1" fmla="*/ 480312 w 788730"/>
+                  <a:gd name="connsiteY1" fmla="*/ 105510 h 848092"/>
+                  <a:gd name="connsiteX2" fmla="*/ 418828 w 788730"/>
+                  <a:gd name="connsiteY2" fmla="*/ 848092 h 848092"/>
+                  <a:gd name="connsiteX3" fmla="*/ 0 w 788730"/>
+                  <a:gd name="connsiteY3" fmla="*/ 489098 h 848092"/>
+                  <a:gd name="connsiteX4" fmla="*/ 0 w 788730"/>
+                  <a:gd name="connsiteY4" fmla="*/ 0 h 848092"/>
+                  <a:gd name="connsiteX0" fmla="*/ 0 w 788730"/>
+                  <a:gd name="connsiteY0" fmla="*/ 0 h 848092"/>
+                  <a:gd name="connsiteX1" fmla="*/ 788656 w 788730"/>
+                  <a:gd name="connsiteY1" fmla="*/ 350060 h 848092"/>
+                  <a:gd name="connsiteX2" fmla="*/ 206176 w 788730"/>
+                  <a:gd name="connsiteY2" fmla="*/ 412158 h 848092"/>
+                </a:gdLst>
+                <a:ahLst/>
+                <a:cxnLst>
+                  <a:cxn ang="0">
+                    <a:pos x="connsiteX0" y="connsiteY0"/>
+                  </a:cxn>
+                  <a:cxn ang="0">
+                    <a:pos x="connsiteX1" y="connsiteY1"/>
+                  </a:cxn>
+                  <a:cxn ang="0">
+                    <a:pos x="connsiteX2" y="connsiteY2"/>
+                  </a:cxn>
+                </a:cxnLst>
+                <a:rect l="l" t="t" r="r" b="b"/>
+                <a:pathLst>
+                  <a:path w="788730" h="848092" stroke="0" extrusionOk="0">
+                    <a:moveTo>
+                      <a:pt x="0" y="0"/>
+                    </a:moveTo>
+                    <a:cubicBezTo>
+                      <a:pt x="219898" y="0"/>
+                      <a:pt x="316269" y="15952"/>
+                      <a:pt x="480312" y="105510"/>
+                    </a:cubicBezTo>
+                    <a:cubicBezTo>
+                      <a:pt x="667564" y="207739"/>
+                      <a:pt x="630573" y="692704"/>
+                      <a:pt x="418828" y="848092"/>
+                    </a:cubicBezTo>
+                    <a:lnTo>
+                      <a:pt x="0" y="489098"/>
+                    </a:lnTo>
+                    <a:lnTo>
+                      <a:pt x="0" y="0"/>
+                    </a:lnTo>
+                    <a:close/>
+                  </a:path>
+                  <a:path w="788730" h="848092" fill="none">
+                    <a:moveTo>
+                      <a:pt x="0" y="0"/>
+                    </a:moveTo>
+                    <a:cubicBezTo>
+                      <a:pt x="219898" y="0"/>
+                      <a:pt x="688973" y="103499"/>
+                      <a:pt x="788656" y="350060"/>
+                    </a:cubicBezTo>
+                    <a:cubicBezTo>
+                      <a:pt x="795155" y="633044"/>
+                      <a:pt x="375391" y="639542"/>
+                      <a:pt x="206176" y="412158"/>
+                    </a:cubicBezTo>
+                  </a:path>
+                </a:pathLst>
+              </a:custGeom>
+              <a:ln w="12700">
+                <a:solidFill>
+                  <a:schemeClr val="tx1"/>
+                </a:solidFill>
+                <a:headEnd type="none" w="med" len="med"/>
+                <a:tailEnd type="triangle" w="med" len="med"/>
+              </a:ln>
+            </p:spPr>
+            <p:style>
+              <a:lnRef idx="1">
+                <a:schemeClr val="accent1"/>
+              </a:lnRef>
+              <a:fillRef idx="0">
+                <a:schemeClr val="accent1"/>
+              </a:fillRef>
+              <a:effectRef idx="0">
+                <a:schemeClr val="accent1"/>
+              </a:effectRef>
+              <a:fontRef idx="minor">
+                <a:schemeClr val="tx1"/>
+              </a:fontRef>
+            </p:style>
+            <p:txBody>
+              <a:bodyPr rtlCol="0" anchor="ctr"/>
+              <a:lstStyle/>
+              <a:p>
+                <a:pPr algn="ctr"/>
+                <a:endParaRPr lang="en-US"/>
+              </a:p>
+            </p:txBody>
+          </p:sp>
+        </p:grpSp>
+        <mc:AlternateContent xmlns:mc="http://schemas.openxmlformats.org/markup-compatibility/2006">
+          <mc:Choice xmlns:a14="http://schemas.microsoft.com/office/drawing/2010/main" Requires="a14">
+            <p:sp>
+              <p:nvSpPr>
+                <p:cNvPr id="35" name="TextBox 34"/>
+                <p:cNvSpPr txBox="1"/>
+                <p:nvPr/>
+              </p:nvSpPr>
+              <p:spPr>
+                <a:xfrm>
+                  <a:off x="1972339" y="5560947"/>
+                  <a:ext cx="2009524" cy="307777"/>
+                </a:xfrm>
+                <a:prstGeom prst="rect">
+                  <a:avLst/>
+                </a:prstGeom>
+                <a:noFill/>
+              </p:spPr>
+              <p:txBody>
+                <a:bodyPr wrap="none" lIns="0" tIns="0" rIns="0" bIns="0" rtlCol="0">
+                  <a:spAutoFit/>
+                </a:bodyPr>
+                <a:lstStyle/>
+                <a:p>
+                  <a:pPr/>
+                  <a14:m>
+                    <m:oMathPara xmlns:m="http://schemas.openxmlformats.org/officeDocument/2006/math">
+                      <m:oMathParaPr>
+                        <m:jc m:val="centerGroup"/>
+                      </m:oMathParaPr>
+                      <m:oMath xmlns:m="http://schemas.openxmlformats.org/officeDocument/2006/math">
+                        <m:r>
+                          <a:rPr lang="en-US" sz="2000" b="0" i="1" smtClean="0">
+                            <a:latin typeface="Cambria Math" panose="02040503050406030204" pitchFamily="18" charset="0"/>
+                            <a:cs typeface="Arial" panose="020B0604020202020204" pitchFamily="34" charset="0"/>
+                          </a:rPr>
+                          <m:t>𝑛𝑜𝑟𝑚𝑎𝑙</m:t>
+                        </m:r>
+                        <m:r>
+                          <a:rPr lang="en-US" sz="2000" b="0" i="1" smtClean="0">
+                            <a:latin typeface="Cambria Math" panose="02040503050406030204" pitchFamily="18" charset="0"/>
+                            <a:cs typeface="Arial" panose="020B0604020202020204" pitchFamily="34" charset="0"/>
+                          </a:rPr>
+                          <m:t> </m:t>
+                        </m:r>
+                        <m:r>
+                          <a:rPr lang="en-US" sz="2000" b="0" i="1" smtClean="0">
+                            <a:latin typeface="Cambria Math" panose="02040503050406030204" pitchFamily="18" charset="0"/>
+                            <a:cs typeface="Arial" panose="020B0604020202020204" pitchFamily="34" charset="0"/>
+                          </a:rPr>
+                          <m:t>𝑝𝑟𝑒𝑠𝑠𝑢𝑟𝑒</m:t>
+                        </m:r>
+                      </m:oMath>
+                    </m:oMathPara>
+                  </a14:m>
+                  <a:endParaRPr lang="en-US" sz="2000" dirty="0" smtClean="0">
+                    <a:latin typeface="Arial" panose="020B0604020202020204" pitchFamily="34" charset="0"/>
+                    <a:cs typeface="Arial" panose="020B0604020202020204" pitchFamily="34" charset="0"/>
+                  </a:endParaRPr>
+                </a:p>
+              </p:txBody>
+            </p:sp>
+          </mc:Choice>
+          <mc:Fallback>
+            <p:sp>
+              <p:nvSpPr>
+                <p:cNvPr id="35" name="TextBox 34"/>
+                <p:cNvSpPr txBox="1">
+                  <a:spLocks noRot="1" noChangeAspect="1" noMove="1" noResize="1" noEditPoints="1" noAdjustHandles="1" noChangeArrowheads="1" noChangeShapeType="1" noTextEdit="1"/>
+                </p:cNvSpPr>
+                <p:nvPr/>
+              </p:nvSpPr>
+              <p:spPr>
+                <a:xfrm>
+                  <a:off x="1972339" y="5560947"/>
+                  <a:ext cx="2009524" cy="307777"/>
+                </a:xfrm>
+                <a:prstGeom prst="rect">
+                  <a:avLst/>
+                </a:prstGeom>
+                <a:blipFill>
+                  <a:blip r:embed="rId4"/>
+                  <a:stretch>
+                    <a:fillRect l="-2424" r="-2121" b="-27451"/>
+                  </a:stretch>
+                </a:blipFill>
+              </p:spPr>
+              <p:txBody>
+                <a:bodyPr/>
+                <a:lstStyle/>
+                <a:p>
+                  <a:r>
+                    <a:rPr lang="en-US">
+                      <a:noFill/>
+                    </a:rPr>
+                    <a:t> </a:t>
+                  </a:r>
+                </a:p>
+              </p:txBody>
+            </p:sp>
+          </mc:Fallback>
+        </mc:AlternateContent>
+      </p:grpSp>
+      <p:grpSp>
+        <p:nvGrpSpPr>
+          <p:cNvPr id="62" name="Group 61"/>
+          <p:cNvGrpSpPr/>
+          <p:nvPr/>
+        </p:nvGrpSpPr>
+        <p:grpSpPr>
+          <a:xfrm>
+            <a:off x="7181635" y="3557824"/>
+            <a:ext cx="3632429" cy="2725959"/>
+            <a:chOff x="7181635" y="3557824"/>
+            <a:chExt cx="3632429" cy="2725959"/>
+          </a:xfrm>
+        </p:grpSpPr>
+        <p:grpSp>
+          <p:nvGrpSpPr>
+            <p:cNvPr id="51" name="Group 50"/>
+            <p:cNvGrpSpPr/>
+            <p:nvPr/>
+          </p:nvGrpSpPr>
+          <p:grpSpPr>
+            <a:xfrm>
+              <a:off x="7181635" y="3557824"/>
+              <a:ext cx="3632429" cy="2725959"/>
+              <a:chOff x="7181635" y="3557824"/>
+              <a:chExt cx="3632429" cy="2725959"/>
+            </a:xfrm>
+          </p:grpSpPr>
+          <p:grpSp>
+            <p:nvGrpSpPr>
+              <p:cNvPr id="42" name="Group 41"/>
+              <p:cNvGrpSpPr/>
+              <p:nvPr/>
+            </p:nvGrpSpPr>
+            <p:grpSpPr>
+              <a:xfrm>
+                <a:off x="7181635" y="3557824"/>
+                <a:ext cx="3053981" cy="2725959"/>
+                <a:chOff x="7958248" y="2551334"/>
+                <a:chExt cx="3053981" cy="2725959"/>
+              </a:xfrm>
+            </p:grpSpPr>
+            <p:sp>
+              <p:nvSpPr>
+                <p:cNvPr id="8" name="Oval 7"/>
+                <p:cNvSpPr/>
+                <p:nvPr/>
+              </p:nvSpPr>
+              <p:spPr>
+                <a:xfrm>
+                  <a:off x="7963786" y="3391786"/>
+                  <a:ext cx="1733107" cy="1733107"/>
+                </a:xfrm>
+                <a:prstGeom prst="ellipse">
+                  <a:avLst/>
+                </a:prstGeom>
+                <a:solidFill>
+                  <a:schemeClr val="accent3">
+                    <a:lumMod val="20000"/>
+                    <a:lumOff val="80000"/>
+                  </a:schemeClr>
+                </a:solidFill>
+                <a:ln w="38100">
+                  <a:solidFill>
+                    <a:schemeClr val="tx1"/>
+                  </a:solidFill>
+                </a:ln>
+              </p:spPr>
+              <p:style>
+                <a:lnRef idx="2">
+                  <a:schemeClr val="accent1">
+                    <a:shade val="50000"/>
+                  </a:schemeClr>
+                </a:lnRef>
+                <a:fillRef idx="1">
+                  <a:schemeClr val="accent1"/>
+                </a:fillRef>
+                <a:effectRef idx="0">
+                  <a:schemeClr val="accent1"/>
+                </a:effectRef>
+                <a:fontRef idx="minor">
+                  <a:schemeClr val="lt1"/>
+                </a:fontRef>
+              </p:style>
+              <p:txBody>
+                <a:bodyPr rtlCol="0" anchor="ctr"/>
+                <a:lstStyle/>
+                <a:p>
+                  <a:pPr algn="ctr"/>
+                  <a:endParaRPr lang="en-US"/>
+                </a:p>
+              </p:txBody>
+            </p:sp>
+            <p:sp>
+              <p:nvSpPr>
+                <p:cNvPr id="36" name="Oval 35"/>
+                <p:cNvSpPr/>
+                <p:nvPr/>
+              </p:nvSpPr>
+              <p:spPr>
+                <a:xfrm>
+                  <a:off x="8116187" y="5124893"/>
+                  <a:ext cx="1453116" cy="152400"/>
+                </a:xfrm>
+                <a:prstGeom prst="ellipse">
+                  <a:avLst/>
+                </a:prstGeom>
+                <a:solidFill>
+                  <a:schemeClr val="bg2">
+                    <a:lumMod val="50000"/>
+                  </a:schemeClr>
+                </a:solidFill>
+                <a:ln w="38100">
+                  <a:solidFill>
+                    <a:schemeClr val="tx1"/>
+                  </a:solidFill>
+                </a:ln>
+              </p:spPr>
+              <p:style>
+                <a:lnRef idx="2">
+                  <a:schemeClr val="accent1">
+                    <a:shade val="50000"/>
+                  </a:schemeClr>
+                </a:lnRef>
+                <a:fillRef idx="1">
+                  <a:schemeClr val="accent1"/>
+                </a:fillRef>
+                <a:effectRef idx="0">
+                  <a:schemeClr val="accent1"/>
+                </a:effectRef>
+                <a:fontRef idx="minor">
+                  <a:schemeClr val="lt1"/>
+                </a:fontRef>
+              </p:style>
+              <p:txBody>
+                <a:bodyPr rtlCol="0" anchor="ctr"/>
+                <a:lstStyle/>
+                <a:p>
+                  <a:pPr algn="ctr"/>
+                  <a:endParaRPr lang="en-US"/>
+                </a:p>
+              </p:txBody>
+            </p:sp>
+            <p:sp>
+              <p:nvSpPr>
+                <p:cNvPr id="10" name="Rectangle 9"/>
+                <p:cNvSpPr/>
+                <p:nvPr/>
+              </p:nvSpPr>
+              <p:spPr>
+                <a:xfrm>
+                  <a:off x="8775403" y="2893512"/>
+                  <a:ext cx="128169" cy="2027292"/>
+                </a:xfrm>
+                <a:prstGeom prst="rect">
+                  <a:avLst/>
+                </a:prstGeom>
+                <a:noFill/>
+                <a:ln w="38100">
+                  <a:solidFill>
+                    <a:schemeClr val="tx1"/>
+                  </a:solidFill>
+                </a:ln>
+              </p:spPr>
+              <p:style>
+                <a:lnRef idx="2">
+                  <a:schemeClr val="accent1">
+                    <a:shade val="50000"/>
+                  </a:schemeClr>
+                </a:lnRef>
+                <a:fillRef idx="1">
+                  <a:schemeClr val="accent1"/>
+                </a:fillRef>
+                <a:effectRef idx="0">
+                  <a:schemeClr val="accent1"/>
+                </a:effectRef>
+                <a:fontRef idx="minor">
+                  <a:schemeClr val="lt1"/>
+                </a:fontRef>
+              </p:style>
+              <p:txBody>
+                <a:bodyPr rtlCol="0" anchor="ctr"/>
+                <a:lstStyle/>
+                <a:p>
+                  <a:pPr algn="ctr"/>
+                  <a:endParaRPr lang="en-US"/>
+                </a:p>
+              </p:txBody>
+            </p:sp>
+            <p:sp>
+              <p:nvSpPr>
+                <p:cNvPr id="38" name="Rectangle 37"/>
+                <p:cNvSpPr/>
+                <p:nvPr/>
+              </p:nvSpPr>
+              <p:spPr>
+                <a:xfrm>
+                  <a:off x="8903572" y="2893512"/>
+                  <a:ext cx="1300583" cy="117465"/>
+                </a:xfrm>
+                <a:prstGeom prst="rect">
+                  <a:avLst/>
+                </a:prstGeom>
+                <a:noFill/>
+                <a:ln w="38100">
+                  <a:solidFill>
+                    <a:schemeClr val="tx1"/>
+                  </a:solidFill>
+                </a:ln>
+              </p:spPr>
+              <p:style>
+                <a:lnRef idx="2">
+                  <a:schemeClr val="accent1">
+                    <a:shade val="50000"/>
+                  </a:schemeClr>
+                </a:lnRef>
+                <a:fillRef idx="1">
+                  <a:schemeClr val="accent1"/>
+                </a:fillRef>
+                <a:effectRef idx="0">
+                  <a:schemeClr val="accent1"/>
+                </a:effectRef>
+                <a:fontRef idx="minor">
+                  <a:schemeClr val="lt1"/>
+                </a:fontRef>
+              </p:style>
+              <p:txBody>
+                <a:bodyPr rtlCol="0" anchor="ctr"/>
+                <a:lstStyle/>
+                <a:p>
+                  <a:pPr algn="ctr"/>
+                  <a:endParaRPr lang="en-US"/>
+                </a:p>
+              </p:txBody>
+            </p:sp>
+            <p:sp>
+              <p:nvSpPr>
+                <p:cNvPr id="11" name="Oval 10"/>
+                <p:cNvSpPr/>
+                <p:nvPr/>
+              </p:nvSpPr>
+              <p:spPr>
+                <a:xfrm>
+                  <a:off x="10204155" y="2551334"/>
+                  <a:ext cx="808074" cy="808074"/>
+                </a:xfrm>
+                <a:prstGeom prst="ellipse">
+                  <a:avLst/>
+                </a:prstGeom>
+                <a:solidFill>
+                  <a:schemeClr val="tx1"/>
+                </a:solidFill>
+                <a:ln w="38100">
+                  <a:solidFill>
+                    <a:schemeClr val="tx1"/>
+                  </a:solidFill>
+                </a:ln>
+              </p:spPr>
+              <p:style>
+                <a:lnRef idx="2">
+                  <a:schemeClr val="accent1">
+                    <a:shade val="50000"/>
+                  </a:schemeClr>
+                </a:lnRef>
+                <a:fillRef idx="1">
+                  <a:schemeClr val="accent1"/>
+                </a:fillRef>
+                <a:effectRef idx="0">
+                  <a:schemeClr val="accent1"/>
+                </a:effectRef>
+                <a:fontRef idx="minor">
+                  <a:schemeClr val="lt1"/>
+                </a:fontRef>
+              </p:style>
+              <p:txBody>
+                <a:bodyPr rtlCol="0" anchor="ctr"/>
+                <a:lstStyle/>
+                <a:p>
+                  <a:pPr algn="ctr"/>
+                  <a:endParaRPr lang="en-US"/>
+                </a:p>
+              </p:txBody>
+            </p:sp>
+            <p:sp>
+              <p:nvSpPr>
+                <p:cNvPr id="39" name="Round Same Side Corner Rectangle 38"/>
+                <p:cNvSpPr/>
+                <p:nvPr/>
+              </p:nvSpPr>
+              <p:spPr>
+                <a:xfrm>
+                  <a:off x="8463516" y="3164865"/>
+                  <a:ext cx="758457" cy="238988"/>
+                </a:xfrm>
+                <a:prstGeom prst="round2SameRect">
+                  <a:avLst/>
+                </a:prstGeom>
+                <a:solidFill>
+                  <a:schemeClr val="bg2">
+                    <a:lumMod val="90000"/>
+                  </a:schemeClr>
+                </a:solidFill>
+                <a:ln w="38100">
+                  <a:solidFill>
+                    <a:schemeClr val="tx1"/>
+                  </a:solidFill>
+                </a:ln>
+              </p:spPr>
+              <p:style>
+                <a:lnRef idx="2">
+                  <a:schemeClr val="accent1">
+                    <a:shade val="50000"/>
+                  </a:schemeClr>
+                </a:lnRef>
+                <a:fillRef idx="1">
+                  <a:schemeClr val="accent1"/>
+                </a:fillRef>
+                <a:effectRef idx="0">
+                  <a:schemeClr val="accent1"/>
+                </a:effectRef>
+                <a:fontRef idx="minor">
+                  <a:schemeClr val="lt1"/>
+                </a:fontRef>
+              </p:style>
+              <p:txBody>
+                <a:bodyPr rtlCol="0" anchor="ctr"/>
+                <a:lstStyle/>
+                <a:p>
+                  <a:pPr algn="ctr"/>
+                  <a:endParaRPr lang="en-US"/>
+                </a:p>
+              </p:txBody>
+            </p:sp>
+            <p:sp>
+              <p:nvSpPr>
+                <p:cNvPr id="40" name="Pie 39"/>
+                <p:cNvSpPr/>
+                <p:nvPr/>
+              </p:nvSpPr>
+              <p:spPr>
+                <a:xfrm>
+                  <a:off x="7958248" y="3386438"/>
+                  <a:ext cx="1749278" cy="1749278"/>
+                </a:xfrm>
+                <a:prstGeom prst="pie">
+                  <a:avLst>
+                    <a:gd name="adj1" fmla="val 0"/>
+                    <a:gd name="adj2" fmla="val 10812434"/>
+                  </a:avLst>
+                </a:prstGeom>
+                <a:solidFill>
+                  <a:schemeClr val="accent4">
+                    <a:lumMod val="40000"/>
+                    <a:lumOff val="60000"/>
+                    <a:alpha val="48000"/>
+                  </a:schemeClr>
+                </a:solidFill>
+                <a:ln w="38100">
+                  <a:noFill/>
+                </a:ln>
+              </p:spPr>
+              <p:style>
+                <a:lnRef idx="2">
+                  <a:schemeClr val="accent1">
+                    <a:shade val="50000"/>
+                  </a:schemeClr>
+                </a:lnRef>
+                <a:fillRef idx="1">
+                  <a:schemeClr val="accent1"/>
+                </a:fillRef>
+                <a:effectRef idx="0">
+                  <a:schemeClr val="accent1"/>
+                </a:effectRef>
+                <a:fontRef idx="minor">
+                  <a:schemeClr val="lt1"/>
+                </a:fontRef>
+              </p:style>
+              <p:txBody>
+                <a:bodyPr rtlCol="0" anchor="ctr"/>
+                <a:lstStyle/>
+                <a:p>
+                  <a:pPr algn="ctr"/>
+                  <a:endParaRPr lang="en-US">
+                    <a:solidFill>
+                      <a:schemeClr val="tx1"/>
+                    </a:solidFill>
+                  </a:endParaRPr>
+                </a:p>
+              </p:txBody>
+            </p:sp>
+            <p:sp>
+              <p:nvSpPr>
+                <p:cNvPr id="41" name="Teardrop 40"/>
+                <p:cNvSpPr/>
+                <p:nvPr/>
+              </p:nvSpPr>
+              <p:spPr>
+                <a:xfrm rot="2550354">
+                  <a:off x="7976006" y="2742063"/>
+                  <a:ext cx="469752" cy="426614"/>
+                </a:xfrm>
+                <a:prstGeom prst="teardrop">
+                  <a:avLst>
+                    <a:gd name="adj" fmla="val 172215"/>
+                  </a:avLst>
+                </a:prstGeom>
+                <a:pattFill prst="pct70">
+                  <a:fgClr>
+                    <a:schemeClr val="accent4">
+                      <a:lumMod val="60000"/>
+                      <a:lumOff val="40000"/>
+                    </a:schemeClr>
+                  </a:fgClr>
+                  <a:bgClr>
+                    <a:schemeClr val="bg1"/>
+                  </a:bgClr>
+                </a:pattFill>
+                <a:ln w="38100">
+                  <a:noFill/>
+                </a:ln>
+              </p:spPr>
+              <p:style>
+                <a:lnRef idx="2">
+                  <a:schemeClr val="accent1">
+                    <a:shade val="50000"/>
+                  </a:schemeClr>
+                </a:lnRef>
+                <a:fillRef idx="1">
+                  <a:schemeClr val="accent1"/>
+                </a:fillRef>
+                <a:effectRef idx="0">
+                  <a:schemeClr val="accent1"/>
+                </a:effectRef>
+                <a:fontRef idx="minor">
+                  <a:schemeClr val="lt1"/>
+                </a:fontRef>
+              </p:style>
+              <p:txBody>
+                <a:bodyPr rtlCol="0" anchor="ctr"/>
+                <a:lstStyle/>
+                <a:p>
+                  <a:pPr algn="ctr"/>
+                  <a:endParaRPr lang="en-US"/>
+                </a:p>
+              </p:txBody>
+            </p:sp>
+          </p:grpSp>
+          <p:cxnSp>
+            <p:nvCxnSpPr>
+              <p:cNvPr id="44" name="Straight Arrow Connector 43"/>
+              <p:cNvCxnSpPr/>
+              <p:nvPr/>
+            </p:nvCxnSpPr>
+            <p:spPr>
+              <a:xfrm flipH="1" flipV="1">
+                <a:off x="7222176" y="3930489"/>
+                <a:ext cx="776614" cy="25052"/>
+              </a:xfrm>
+              <a:prstGeom prst="straightConnector1">
+                <a:avLst/>
+              </a:prstGeom>
+              <a:ln w="38100">
+                <a:solidFill>
+                  <a:schemeClr val="tx1"/>
+                </a:solidFill>
+                <a:tailEnd type="triangle"/>
+              </a:ln>
+            </p:spPr>
+            <p:style>
+              <a:lnRef idx="1">
+                <a:schemeClr val="accent1"/>
+              </a:lnRef>
+              <a:fillRef idx="0">
+                <a:schemeClr val="accent1"/>
+              </a:fillRef>
+              <a:effectRef idx="0">
+                <a:schemeClr val="accent1"/>
+              </a:effectRef>
+              <a:fontRef idx="minor">
+                <a:schemeClr val="tx1"/>
+              </a:fontRef>
+            </p:style>
+          </p:cxnSp>
+          <p:cxnSp>
+            <p:nvCxnSpPr>
+              <p:cNvPr id="45" name="Straight Arrow Connector 44"/>
+              <p:cNvCxnSpPr/>
+              <p:nvPr/>
+            </p:nvCxnSpPr>
+            <p:spPr>
+              <a:xfrm flipH="1">
+                <a:off x="8053726" y="4769669"/>
+                <a:ext cx="1113798" cy="30922"/>
+              </a:xfrm>
+              <a:prstGeom prst="straightConnector1">
+                <a:avLst/>
+              </a:prstGeom>
+              <a:ln w="38100">
+                <a:solidFill>
+                  <a:schemeClr val="tx1"/>
+                </a:solidFill>
+                <a:tailEnd type="triangle"/>
+              </a:ln>
+            </p:spPr>
+            <p:style>
+              <a:lnRef idx="1">
+                <a:schemeClr val="accent1"/>
+              </a:lnRef>
+              <a:fillRef idx="0">
+                <a:schemeClr val="accent1"/>
+              </a:fillRef>
+              <a:effectRef idx="0">
+                <a:schemeClr val="accent1"/>
+              </a:effectRef>
+              <a:fontRef idx="minor">
+                <a:schemeClr val="tx1"/>
+              </a:fontRef>
+            </p:style>
+          </p:cxnSp>
+          <mc:AlternateContent xmlns:mc="http://schemas.openxmlformats.org/markup-compatibility/2006">
+            <mc:Choice xmlns:a14="http://schemas.microsoft.com/office/drawing/2010/main" Requires="a14">
+              <p:sp>
+                <p:nvSpPr>
+                  <p:cNvPr id="47" name="TextBox 46"/>
+                  <p:cNvSpPr txBox="1"/>
+                  <p:nvPr/>
+                </p:nvSpPr>
+                <p:spPr>
+                  <a:xfrm>
+                    <a:off x="9242800" y="4622518"/>
+                    <a:ext cx="1571264" cy="307777"/>
+                  </a:xfrm>
+                  <a:prstGeom prst="rect">
+                    <a:avLst/>
+                  </a:prstGeom>
+                  <a:noFill/>
+                </p:spPr>
+                <p:txBody>
+                  <a:bodyPr wrap="none" lIns="0" tIns="0" rIns="0" bIns="0" rtlCol="0">
+                    <a:spAutoFit/>
+                  </a:bodyPr>
+                  <a:lstStyle/>
+                  <a:p>
+                    <a:pPr/>
+                    <a14:m>
+                      <m:oMathPara xmlns:m="http://schemas.openxmlformats.org/officeDocument/2006/math">
+                        <m:oMathParaPr>
+                          <m:jc m:val="centerGroup"/>
+                        </m:oMathParaPr>
+                        <m:oMath xmlns:m="http://schemas.openxmlformats.org/officeDocument/2006/math">
+                          <m:r>
+                            <a:rPr lang="en-US" sz="2000" b="0" i="1" smtClean="0">
+                              <a:latin typeface="Cambria Math" panose="02040503050406030204" pitchFamily="18" charset="0"/>
+                              <a:cs typeface="Arial" panose="020B0604020202020204" pitchFamily="34" charset="0"/>
+                            </a:rPr>
+                            <m:t>𝑙𝑜𝑤</m:t>
+                          </m:r>
+                          <m:r>
+                            <a:rPr lang="en-US" sz="2000" b="0" i="1" smtClean="0">
+                              <a:latin typeface="Cambria Math" panose="02040503050406030204" pitchFamily="18" charset="0"/>
+                              <a:cs typeface="Arial" panose="020B0604020202020204" pitchFamily="34" charset="0"/>
+                            </a:rPr>
+                            <m:t> </m:t>
+                          </m:r>
+                          <m:r>
+                            <a:rPr lang="en-US" sz="2000" b="0" i="1" smtClean="0">
+                              <a:latin typeface="Cambria Math" panose="02040503050406030204" pitchFamily="18" charset="0"/>
+                              <a:cs typeface="Arial" panose="020B0604020202020204" pitchFamily="34" charset="0"/>
+                            </a:rPr>
+                            <m:t>𝑝𝑟𝑒𝑠𝑠𝑢𝑟𝑒</m:t>
+                          </m:r>
+                        </m:oMath>
+                      </m:oMathPara>
+                    </a14:m>
+                    <a:endParaRPr lang="en-US" sz="2000" dirty="0" smtClean="0">
+                      <a:latin typeface="Arial" panose="020B0604020202020204" pitchFamily="34" charset="0"/>
+                      <a:cs typeface="Arial" panose="020B0604020202020204" pitchFamily="34" charset="0"/>
+                    </a:endParaRPr>
+                  </a:p>
+                </p:txBody>
+              </p:sp>
+            </mc:Choice>
+            <mc:Fallback>
+              <p:sp>
+                <p:nvSpPr>
+                  <p:cNvPr id="47" name="TextBox 46"/>
+                  <p:cNvSpPr txBox="1">
+                    <a:spLocks noRot="1" noChangeAspect="1" noMove="1" noResize="1" noEditPoints="1" noAdjustHandles="1" noChangeArrowheads="1" noChangeShapeType="1" noTextEdit="1"/>
+                  </p:cNvSpPr>
+                  <p:nvPr/>
+                </p:nvSpPr>
+                <p:spPr>
+                  <a:xfrm>
+                    <a:off x="9242800" y="4622518"/>
+                    <a:ext cx="1571264" cy="307777"/>
+                  </a:xfrm>
+                  <a:prstGeom prst="rect">
+                    <a:avLst/>
+                  </a:prstGeom>
+                  <a:blipFill>
+                    <a:blip r:embed="rId5"/>
+                    <a:stretch>
+                      <a:fillRect l="-3101" r="-2713" b="-27451"/>
+                    </a:stretch>
+                  </a:blipFill>
+                </p:spPr>
+                <p:txBody>
+                  <a:bodyPr/>
+                  <a:lstStyle/>
+                  <a:p>
+                    <a:r>
+                      <a:rPr lang="en-US">
+                        <a:noFill/>
+                      </a:rPr>
+                      <a:t> </a:t>
+                    </a:r>
+                  </a:p>
+                </p:txBody>
+              </p:sp>
+            </mc:Fallback>
+          </mc:AlternateContent>
+          <p:cxnSp>
+            <p:nvCxnSpPr>
+              <p:cNvPr id="48" name="Straight Arrow Connector 47"/>
+              <p:cNvCxnSpPr/>
+              <p:nvPr/>
+            </p:nvCxnSpPr>
+            <p:spPr>
+              <a:xfrm flipH="1" flipV="1">
+                <a:off x="8432590" y="3968213"/>
+                <a:ext cx="732876" cy="675873"/>
+              </a:xfrm>
+              <a:prstGeom prst="straightConnector1">
+                <a:avLst/>
+              </a:prstGeom>
+              <a:ln w="38100">
+                <a:solidFill>
+                  <a:schemeClr val="tx1"/>
+                </a:solidFill>
+                <a:tailEnd type="triangle"/>
+              </a:ln>
+            </p:spPr>
+            <p:style>
+              <a:lnRef idx="1">
+                <a:schemeClr val="accent1"/>
+              </a:lnRef>
+              <a:fillRef idx="0">
+                <a:schemeClr val="accent1"/>
+              </a:fillRef>
+              <a:effectRef idx="0">
+                <a:schemeClr val="accent1"/>
+              </a:effectRef>
+              <a:fontRef idx="minor">
+                <a:schemeClr val="tx1"/>
+              </a:fontRef>
+            </p:style>
+          </p:cxnSp>
+        </p:grpSp>
+        <p:cxnSp>
+          <p:nvCxnSpPr>
+            <p:cNvPr id="53" name="Straight Arrow Connector 52"/>
+            <p:cNvCxnSpPr/>
+            <p:nvPr/>
+          </p:nvCxnSpPr>
+          <p:spPr>
+            <a:xfrm>
+              <a:off x="7459321" y="4922774"/>
+              <a:ext cx="0" cy="337351"/>
+            </a:xfrm>
+            <a:prstGeom prst="straightConnector1">
+              <a:avLst/>
+            </a:prstGeom>
+            <a:ln w="38100">
+              <a:solidFill>
+                <a:schemeClr val="tx1"/>
+              </a:solidFill>
+              <a:tailEnd type="triangle"/>
+            </a:ln>
+          </p:spPr>
+          <p:style>
+            <a:lnRef idx="1">
+              <a:schemeClr val="accent1"/>
+            </a:lnRef>
+            <a:fillRef idx="0">
+              <a:schemeClr val="accent1"/>
+            </a:fillRef>
+            <a:effectRef idx="0">
+              <a:schemeClr val="accent1"/>
+            </a:effectRef>
+            <a:fontRef idx="minor">
+              <a:schemeClr val="tx1"/>
+            </a:fontRef>
+          </p:style>
+        </p:cxnSp>
+        <p:cxnSp>
+          <p:nvCxnSpPr>
+            <p:cNvPr id="54" name="Straight Arrow Connector 53"/>
+            <p:cNvCxnSpPr/>
+            <p:nvPr/>
+          </p:nvCxnSpPr>
+          <p:spPr>
+            <a:xfrm>
+              <a:off x="7686903" y="4922774"/>
+              <a:ext cx="0" cy="337351"/>
+            </a:xfrm>
+            <a:prstGeom prst="straightConnector1">
+              <a:avLst/>
+            </a:prstGeom>
+            <a:ln w="38100">
+              <a:solidFill>
+                <a:schemeClr val="tx1"/>
+              </a:solidFill>
+              <a:tailEnd type="triangle"/>
+            </a:ln>
+          </p:spPr>
+          <p:style>
+            <a:lnRef idx="1">
+              <a:schemeClr val="accent1"/>
+            </a:lnRef>
+            <a:fillRef idx="0">
+              <a:schemeClr val="accent1"/>
+            </a:fillRef>
+            <a:effectRef idx="0">
+              <a:schemeClr val="accent1"/>
+            </a:effectRef>
+            <a:fontRef idx="minor">
+              <a:schemeClr val="tx1"/>
+            </a:fontRef>
+          </p:style>
+        </p:cxnSp>
+        <p:cxnSp>
+          <p:nvCxnSpPr>
+            <p:cNvPr id="55" name="Straight Arrow Connector 54"/>
+            <p:cNvCxnSpPr/>
+            <p:nvPr/>
+          </p:nvCxnSpPr>
+          <p:spPr>
+            <a:xfrm>
+              <a:off x="7934170" y="4922774"/>
+              <a:ext cx="0" cy="337351"/>
+            </a:xfrm>
+            <a:prstGeom prst="straightConnector1">
+              <a:avLst/>
+            </a:prstGeom>
+            <a:ln w="38100">
+              <a:solidFill>
+                <a:schemeClr val="tx1"/>
+              </a:solidFill>
+              <a:tailEnd type="triangle"/>
+            </a:ln>
+          </p:spPr>
+          <p:style>
+            <a:lnRef idx="1">
+              <a:schemeClr val="accent1"/>
+            </a:lnRef>
+            <a:fillRef idx="0">
+              <a:schemeClr val="accent1"/>
+            </a:fillRef>
+            <a:effectRef idx="0">
+              <a:schemeClr val="accent1"/>
+            </a:effectRef>
+            <a:fontRef idx="minor">
+              <a:schemeClr val="tx1"/>
+            </a:fontRef>
+          </p:style>
+        </p:cxnSp>
+        <p:cxnSp>
+          <p:nvCxnSpPr>
+            <p:cNvPr id="56" name="Straight Arrow Connector 55"/>
+            <p:cNvCxnSpPr/>
+            <p:nvPr/>
+          </p:nvCxnSpPr>
+          <p:spPr>
+            <a:xfrm>
+              <a:off x="8224356" y="4922774"/>
+              <a:ext cx="0" cy="337351"/>
+            </a:xfrm>
+            <a:prstGeom prst="straightConnector1">
+              <a:avLst/>
+            </a:prstGeom>
+            <a:ln w="38100">
+              <a:solidFill>
+                <a:schemeClr val="tx1"/>
+              </a:solidFill>
+              <a:tailEnd type="triangle"/>
+            </a:ln>
+          </p:spPr>
+          <p:style>
+            <a:lnRef idx="1">
+              <a:schemeClr val="accent1"/>
+            </a:lnRef>
+            <a:fillRef idx="0">
+              <a:schemeClr val="accent1"/>
+            </a:fillRef>
+            <a:effectRef idx="0">
+              <a:schemeClr val="accent1"/>
+            </a:effectRef>
+            <a:fontRef idx="minor">
+              <a:schemeClr val="tx1"/>
+            </a:fontRef>
+          </p:style>
+        </p:cxnSp>
+        <p:cxnSp>
+          <p:nvCxnSpPr>
+            <p:cNvPr id="57" name="Straight Arrow Connector 56"/>
+            <p:cNvCxnSpPr/>
+            <p:nvPr/>
+          </p:nvCxnSpPr>
+          <p:spPr>
+            <a:xfrm>
+              <a:off x="8457886" y="4926174"/>
+              <a:ext cx="0" cy="337351"/>
+            </a:xfrm>
+            <a:prstGeom prst="straightConnector1">
+              <a:avLst/>
+            </a:prstGeom>
+            <a:ln w="38100">
+              <a:solidFill>
+                <a:schemeClr val="tx1"/>
+              </a:solidFill>
+              <a:tailEnd type="triangle"/>
+            </a:ln>
+          </p:spPr>
+          <p:style>
+            <a:lnRef idx="1">
+              <a:schemeClr val="accent1"/>
+            </a:lnRef>
+            <a:fillRef idx="0">
+              <a:schemeClr val="accent1"/>
+            </a:fillRef>
+            <a:effectRef idx="0">
+              <a:schemeClr val="accent1"/>
+            </a:effectRef>
+            <a:fontRef idx="minor">
+              <a:schemeClr val="tx1"/>
+            </a:fontRef>
+          </p:style>
+        </p:cxnSp>
+        <p:cxnSp>
+          <p:nvCxnSpPr>
+            <p:cNvPr id="58" name="Straight Arrow Connector 57"/>
+            <p:cNvCxnSpPr/>
+            <p:nvPr/>
+          </p:nvCxnSpPr>
+          <p:spPr>
+            <a:xfrm>
+              <a:off x="8696230" y="4926174"/>
+              <a:ext cx="0" cy="337351"/>
+            </a:xfrm>
+            <a:prstGeom prst="straightConnector1">
+              <a:avLst/>
+            </a:prstGeom>
+            <a:ln w="38100">
+              <a:solidFill>
+                <a:schemeClr val="tx1"/>
+              </a:solidFill>
+              <a:tailEnd type="triangle"/>
+            </a:ln>
+          </p:spPr>
+          <p:style>
+            <a:lnRef idx="1">
+              <a:schemeClr val="accent1"/>
+            </a:lnRef>
+            <a:fillRef idx="0">
+              <a:schemeClr val="accent1"/>
+            </a:fillRef>
+            <a:effectRef idx="0">
+              <a:schemeClr val="accent1"/>
+            </a:effectRef>
+            <a:fontRef idx="minor">
+              <a:schemeClr val="tx1"/>
+            </a:fontRef>
+          </p:style>
+        </p:cxnSp>
+      </p:grpSp>
     </p:spTree>
     <p:extLst>
       <p:ext uri="{BB962C8B-B14F-4D97-AF65-F5344CB8AC3E}">
         <p14:creationId xmlns:p14="http://schemas.microsoft.com/office/powerpoint/2010/main" val="542957540"/>
+      </p:ext>
+    </p:extLst>
+  </p:cSld>
+  <p:clrMapOvr>
+    <a:masterClrMapping/>
+  </p:clrMapOvr>
+</p:sld>
+</file>
+
+<file path=ppt/slides/slide9.xml><?xml version="1.0" encoding="utf-8"?>
+<p:sld xmlns:a="http://schemas.openxmlformats.org/drawingml/2006/main" xmlns:r="http://schemas.openxmlformats.org/officeDocument/2006/relationships" xmlns:p="http://schemas.openxmlformats.org/presentationml/2006/main">
+  <p:cSld>
+    <p:spTree>
+      <p:nvGrpSpPr>
+        <p:cNvPr id="1" name=""/>
+        <p:cNvGrpSpPr/>
+        <p:nvPr/>
+      </p:nvGrpSpPr>
+      <p:grpSpPr>
+        <a:xfrm>
+          <a:off x="0" y="0"/>
+          <a:ext cx="0" cy="0"/>
+          <a:chOff x="0" y="0"/>
+          <a:chExt cx="0" cy="0"/>
+        </a:xfrm>
+      </p:grpSpPr>
+      <p:grpSp>
+        <p:nvGrpSpPr>
+          <p:cNvPr id="28" name="Group 27"/>
+          <p:cNvGrpSpPr/>
+          <p:nvPr/>
+        </p:nvGrpSpPr>
+        <p:grpSpPr>
+          <a:xfrm>
+            <a:off x="554901" y="588724"/>
+            <a:ext cx="5808321" cy="4772416"/>
+            <a:chOff x="1506879" y="1603332"/>
+            <a:chExt cx="5808321" cy="4772416"/>
+          </a:xfrm>
+        </p:grpSpPr>
+        <p:sp>
+          <p:nvSpPr>
+            <p:cNvPr id="5" name="Rectangle 4"/>
+            <p:cNvSpPr/>
+            <p:nvPr/>
+          </p:nvSpPr>
+          <p:spPr>
+            <a:xfrm>
+              <a:off x="1515649" y="1954060"/>
+              <a:ext cx="1841326" cy="1503124"/>
+            </a:xfrm>
+            <a:prstGeom prst="rect">
+              <a:avLst/>
+            </a:prstGeom>
+            <a:solidFill>
+              <a:schemeClr val="accent1">
+                <a:lumMod val="40000"/>
+                <a:lumOff val="60000"/>
+              </a:schemeClr>
+            </a:solidFill>
+            <a:ln w="38100">
+              <a:noFill/>
+            </a:ln>
+          </p:spPr>
+          <p:style>
+            <a:lnRef idx="2">
+              <a:schemeClr val="accent1">
+                <a:shade val="50000"/>
+              </a:schemeClr>
+            </a:lnRef>
+            <a:fillRef idx="1">
+              <a:schemeClr val="accent1"/>
+            </a:fillRef>
+            <a:effectRef idx="0">
+              <a:schemeClr val="accent1"/>
+            </a:effectRef>
+            <a:fontRef idx="minor">
+              <a:schemeClr val="lt1"/>
+            </a:fontRef>
+          </p:style>
+          <p:txBody>
+            <a:bodyPr rtlCol="0" anchor="ctr"/>
+            <a:lstStyle/>
+            <a:p>
+              <a:pPr algn="ctr"/>
+              <a:endParaRPr lang="en-US"/>
+            </a:p>
+          </p:txBody>
+        </p:sp>
+        <p:sp>
+          <p:nvSpPr>
+            <p:cNvPr id="4" name="Rectangle 3"/>
+            <p:cNvSpPr/>
+            <p:nvPr/>
+          </p:nvSpPr>
+          <p:spPr>
+            <a:xfrm>
+              <a:off x="1506879" y="1603332"/>
+              <a:ext cx="1850095" cy="1853852"/>
+            </a:xfrm>
+            <a:custGeom>
+              <a:avLst/>
+              <a:gdLst>
+                <a:gd name="connsiteX0" fmla="*/ 0 w 1841326"/>
+                <a:gd name="connsiteY0" fmla="*/ 0 h 1853852"/>
+                <a:gd name="connsiteX1" fmla="*/ 1841326 w 1841326"/>
+                <a:gd name="connsiteY1" fmla="*/ 0 h 1853852"/>
+                <a:gd name="connsiteX2" fmla="*/ 1841326 w 1841326"/>
+                <a:gd name="connsiteY2" fmla="*/ 1853852 h 1853852"/>
+                <a:gd name="connsiteX3" fmla="*/ 0 w 1841326"/>
+                <a:gd name="connsiteY3" fmla="*/ 1853852 h 1853852"/>
+                <a:gd name="connsiteX4" fmla="*/ 0 w 1841326"/>
+                <a:gd name="connsiteY4" fmla="*/ 0 h 1853852"/>
+                <a:gd name="connsiteX0" fmla="*/ 1841326 w 1841326"/>
+                <a:gd name="connsiteY0" fmla="*/ 0 h 1853852"/>
+                <a:gd name="connsiteX1" fmla="*/ 1841326 w 1841326"/>
+                <a:gd name="connsiteY1" fmla="*/ 1853852 h 1853852"/>
+                <a:gd name="connsiteX2" fmla="*/ 0 w 1841326"/>
+                <a:gd name="connsiteY2" fmla="*/ 1853852 h 1853852"/>
+                <a:gd name="connsiteX3" fmla="*/ 91440 w 1841326"/>
+                <a:gd name="connsiteY3" fmla="*/ 91440 h 1853852"/>
+                <a:gd name="connsiteX0" fmla="*/ 1850095 w 1850095"/>
+                <a:gd name="connsiteY0" fmla="*/ 0 h 1853852"/>
+                <a:gd name="connsiteX1" fmla="*/ 1850095 w 1850095"/>
+                <a:gd name="connsiteY1" fmla="*/ 1853852 h 1853852"/>
+                <a:gd name="connsiteX2" fmla="*/ 8769 w 1850095"/>
+                <a:gd name="connsiteY2" fmla="*/ 1853852 h 1853852"/>
+                <a:gd name="connsiteX3" fmla="*/ 0 w 1850095"/>
+                <a:gd name="connsiteY3" fmla="*/ 78914 h 1853852"/>
+              </a:gdLst>
+              <a:ahLst/>
+              <a:cxnLst>
+                <a:cxn ang="0">
+                  <a:pos x="connsiteX0" y="connsiteY0"/>
+                </a:cxn>
+                <a:cxn ang="0">
+                  <a:pos x="connsiteX1" y="connsiteY1"/>
+                </a:cxn>
+                <a:cxn ang="0">
+                  <a:pos x="connsiteX2" y="connsiteY2"/>
+                </a:cxn>
+                <a:cxn ang="0">
+                  <a:pos x="connsiteX3" y="connsiteY3"/>
+                </a:cxn>
+              </a:cxnLst>
+              <a:rect l="l" t="t" r="r" b="b"/>
+              <a:pathLst>
+                <a:path w="1850095" h="1853852">
+                  <a:moveTo>
+                    <a:pt x="1850095" y="0"/>
+                  </a:moveTo>
+                  <a:lnTo>
+                    <a:pt x="1850095" y="1853852"/>
+                  </a:lnTo>
+                  <a:lnTo>
+                    <a:pt x="8769" y="1853852"/>
+                  </a:lnTo>
+                  <a:cubicBezTo>
+                    <a:pt x="8769" y="1235901"/>
+                    <a:pt x="0" y="78914"/>
+                    <a:pt x="0" y="78914"/>
+                  </a:cubicBezTo>
+                </a:path>
+              </a:pathLst>
+            </a:custGeom>
+            <a:noFill/>
+            <a:ln w="38100">
+              <a:solidFill>
+                <a:schemeClr val="tx1"/>
+              </a:solidFill>
+            </a:ln>
+          </p:spPr>
+          <p:style>
+            <a:lnRef idx="2">
+              <a:schemeClr val="accent1">
+                <a:shade val="50000"/>
+              </a:schemeClr>
+            </a:lnRef>
+            <a:fillRef idx="1">
+              <a:schemeClr val="accent1"/>
+            </a:fillRef>
+            <a:effectRef idx="0">
+              <a:schemeClr val="accent1"/>
+            </a:effectRef>
+            <a:fontRef idx="minor">
+              <a:schemeClr val="lt1"/>
+            </a:fontRef>
+          </p:style>
+          <p:txBody>
+            <a:bodyPr rtlCol="0" anchor="ctr"/>
+            <a:lstStyle/>
+            <a:p>
+              <a:pPr algn="ctr"/>
+              <a:endParaRPr lang="en-US"/>
+            </a:p>
+          </p:txBody>
+        </p:sp>
+        <p:cxnSp>
+          <p:nvCxnSpPr>
+            <p:cNvPr id="7" name="Straight Connector 6"/>
+            <p:cNvCxnSpPr/>
+            <p:nvPr/>
+          </p:nvCxnSpPr>
+          <p:spPr>
+            <a:xfrm flipH="1">
+              <a:off x="1515650" y="3457184"/>
+              <a:ext cx="911889" cy="2680569"/>
+            </a:xfrm>
+            <a:prstGeom prst="line">
+              <a:avLst/>
+            </a:prstGeom>
+            <a:ln w="57150">
+              <a:solidFill>
+                <a:schemeClr val="accent4">
+                  <a:lumMod val="75000"/>
+                </a:schemeClr>
+              </a:solidFill>
+            </a:ln>
+          </p:spPr>
+          <p:style>
+            <a:lnRef idx="1">
+              <a:schemeClr val="accent1"/>
+            </a:lnRef>
+            <a:fillRef idx="0">
+              <a:schemeClr val="accent1"/>
+            </a:fillRef>
+            <a:effectRef idx="0">
+              <a:schemeClr val="accent1"/>
+            </a:effectRef>
+            <a:fontRef idx="minor">
+              <a:schemeClr val="tx1"/>
+            </a:fontRef>
+          </p:style>
+        </p:cxnSp>
+        <p:cxnSp>
+          <p:nvCxnSpPr>
+            <p:cNvPr id="8" name="Straight Connector 7"/>
+            <p:cNvCxnSpPr/>
+            <p:nvPr/>
+          </p:nvCxnSpPr>
+          <p:spPr>
+            <a:xfrm>
+              <a:off x="2431925" y="3435401"/>
+              <a:ext cx="4387" cy="2702352"/>
+            </a:xfrm>
+            <a:prstGeom prst="line">
+              <a:avLst/>
+            </a:prstGeom>
+            <a:ln w="57150">
+              <a:solidFill>
+                <a:schemeClr val="accent4">
+                  <a:lumMod val="75000"/>
+                </a:schemeClr>
+              </a:solidFill>
+            </a:ln>
+          </p:spPr>
+          <p:style>
+            <a:lnRef idx="1">
+              <a:schemeClr val="accent1"/>
+            </a:lnRef>
+            <a:fillRef idx="0">
+              <a:schemeClr val="accent1"/>
+            </a:fillRef>
+            <a:effectRef idx="0">
+              <a:schemeClr val="accent1"/>
+            </a:effectRef>
+            <a:fontRef idx="minor">
+              <a:schemeClr val="tx1"/>
+            </a:fontRef>
+          </p:style>
+        </p:cxnSp>
+        <p:cxnSp>
+          <p:nvCxnSpPr>
+            <p:cNvPr id="11" name="Straight Connector 10"/>
+            <p:cNvCxnSpPr/>
+            <p:nvPr/>
+          </p:nvCxnSpPr>
+          <p:spPr>
+            <a:xfrm>
+              <a:off x="2431926" y="3457184"/>
+              <a:ext cx="925049" cy="2680569"/>
+            </a:xfrm>
+            <a:prstGeom prst="line">
+              <a:avLst/>
+            </a:prstGeom>
+            <a:ln w="57150">
+              <a:solidFill>
+                <a:schemeClr val="accent4">
+                  <a:lumMod val="75000"/>
+                </a:schemeClr>
+              </a:solidFill>
+            </a:ln>
+          </p:spPr>
+          <p:style>
+            <a:lnRef idx="1">
+              <a:schemeClr val="accent1"/>
+            </a:lnRef>
+            <a:fillRef idx="0">
+              <a:schemeClr val="accent1"/>
+            </a:fillRef>
+            <a:effectRef idx="0">
+              <a:schemeClr val="accent1"/>
+            </a:effectRef>
+            <a:fontRef idx="minor">
+              <a:schemeClr val="tx1"/>
+            </a:fontRef>
+          </p:style>
+        </p:cxnSp>
+        <p:sp>
+          <p:nvSpPr>
+            <p:cNvPr id="15" name="Freeform 14"/>
+            <p:cNvSpPr/>
+            <p:nvPr/>
+          </p:nvSpPr>
+          <p:spPr>
+            <a:xfrm>
+              <a:off x="3356975" y="3435401"/>
+              <a:ext cx="3958225" cy="2757578"/>
+            </a:xfrm>
+            <a:custGeom>
+              <a:avLst/>
+              <a:gdLst>
+                <a:gd name="connsiteX0" fmla="*/ 0 w 3920647"/>
+                <a:gd name="connsiteY0" fmla="*/ 10241 h 2765967"/>
+                <a:gd name="connsiteX1" fmla="*/ 1778696 w 3920647"/>
+                <a:gd name="connsiteY1" fmla="*/ 248235 h 2765967"/>
+                <a:gd name="connsiteX2" fmla="*/ 3169085 w 3920647"/>
+                <a:gd name="connsiteY2" fmla="*/ 1676202 h 2765967"/>
+                <a:gd name="connsiteX3" fmla="*/ 3920647 w 3920647"/>
+                <a:gd name="connsiteY3" fmla="*/ 2765967 h 2765967"/>
+                <a:gd name="connsiteX0" fmla="*/ 0 w 3920647"/>
+                <a:gd name="connsiteY0" fmla="*/ 1399 h 2757125"/>
+                <a:gd name="connsiteX1" fmla="*/ 2129425 w 3920647"/>
+                <a:gd name="connsiteY1" fmla="*/ 452335 h 2757125"/>
+                <a:gd name="connsiteX2" fmla="*/ 3169085 w 3920647"/>
+                <a:gd name="connsiteY2" fmla="*/ 1667360 h 2757125"/>
+                <a:gd name="connsiteX3" fmla="*/ 3920647 w 3920647"/>
+                <a:gd name="connsiteY3" fmla="*/ 2757125 h 2757125"/>
+                <a:gd name="connsiteX0" fmla="*/ 0 w 3920647"/>
+                <a:gd name="connsiteY0" fmla="*/ 1945 h 2757671"/>
+                <a:gd name="connsiteX1" fmla="*/ 2129425 w 3920647"/>
+                <a:gd name="connsiteY1" fmla="*/ 452881 h 2757671"/>
+                <a:gd name="connsiteX2" fmla="*/ 3169085 w 3920647"/>
+                <a:gd name="connsiteY2" fmla="*/ 1667906 h 2757671"/>
+                <a:gd name="connsiteX3" fmla="*/ 3920647 w 3920647"/>
+                <a:gd name="connsiteY3" fmla="*/ 2757671 h 2757671"/>
+                <a:gd name="connsiteX0" fmla="*/ 0 w 3920647"/>
+                <a:gd name="connsiteY0" fmla="*/ 1852 h 2757578"/>
+                <a:gd name="connsiteX1" fmla="*/ 2129425 w 3920647"/>
+                <a:gd name="connsiteY1" fmla="*/ 452788 h 2757578"/>
+                <a:gd name="connsiteX2" fmla="*/ 3557392 w 3920647"/>
+                <a:gd name="connsiteY2" fmla="*/ 1993490 h 2757578"/>
+                <a:gd name="connsiteX3" fmla="*/ 3920647 w 3920647"/>
+                <a:gd name="connsiteY3" fmla="*/ 2757578 h 2757578"/>
+                <a:gd name="connsiteX0" fmla="*/ 0 w 3920647"/>
+                <a:gd name="connsiteY0" fmla="*/ 1852 h 2757578"/>
+                <a:gd name="connsiteX1" fmla="*/ 2129425 w 3920647"/>
+                <a:gd name="connsiteY1" fmla="*/ 452788 h 2757578"/>
+                <a:gd name="connsiteX2" fmla="*/ 3557392 w 3920647"/>
+                <a:gd name="connsiteY2" fmla="*/ 1993490 h 2757578"/>
+                <a:gd name="connsiteX3" fmla="*/ 3920647 w 3920647"/>
+                <a:gd name="connsiteY3" fmla="*/ 2757578 h 2757578"/>
+                <a:gd name="connsiteX0" fmla="*/ 0 w 3920647"/>
+                <a:gd name="connsiteY0" fmla="*/ 1852 h 2757578"/>
+                <a:gd name="connsiteX1" fmla="*/ 2129425 w 3920647"/>
+                <a:gd name="connsiteY1" fmla="*/ 452788 h 2757578"/>
+                <a:gd name="connsiteX2" fmla="*/ 3557392 w 3920647"/>
+                <a:gd name="connsiteY2" fmla="*/ 1993490 h 2757578"/>
+                <a:gd name="connsiteX3" fmla="*/ 3920647 w 3920647"/>
+                <a:gd name="connsiteY3" fmla="*/ 2757578 h 2757578"/>
+                <a:gd name="connsiteX0" fmla="*/ 0 w 3920647"/>
+                <a:gd name="connsiteY0" fmla="*/ 1852 h 2757578"/>
+                <a:gd name="connsiteX1" fmla="*/ 2129425 w 3920647"/>
+                <a:gd name="connsiteY1" fmla="*/ 452788 h 2757578"/>
+                <a:gd name="connsiteX2" fmla="*/ 3557392 w 3920647"/>
+                <a:gd name="connsiteY2" fmla="*/ 1993490 h 2757578"/>
+                <a:gd name="connsiteX3" fmla="*/ 3920647 w 3920647"/>
+                <a:gd name="connsiteY3" fmla="*/ 2757578 h 2757578"/>
+                <a:gd name="connsiteX0" fmla="*/ 0 w 4008329"/>
+                <a:gd name="connsiteY0" fmla="*/ 1852 h 2757578"/>
+                <a:gd name="connsiteX1" fmla="*/ 2129425 w 4008329"/>
+                <a:gd name="connsiteY1" fmla="*/ 452788 h 2757578"/>
+                <a:gd name="connsiteX2" fmla="*/ 3557392 w 4008329"/>
+                <a:gd name="connsiteY2" fmla="*/ 1993490 h 2757578"/>
+                <a:gd name="connsiteX3" fmla="*/ 4008329 w 4008329"/>
+                <a:gd name="connsiteY3" fmla="*/ 2757578 h 2757578"/>
+                <a:gd name="connsiteX0" fmla="*/ 0 w 4008329"/>
+                <a:gd name="connsiteY0" fmla="*/ 1852 h 2757578"/>
+                <a:gd name="connsiteX1" fmla="*/ 2129425 w 4008329"/>
+                <a:gd name="connsiteY1" fmla="*/ 452788 h 2757578"/>
+                <a:gd name="connsiteX2" fmla="*/ 3557392 w 4008329"/>
+                <a:gd name="connsiteY2" fmla="*/ 1993490 h 2757578"/>
+                <a:gd name="connsiteX3" fmla="*/ 4008329 w 4008329"/>
+                <a:gd name="connsiteY3" fmla="*/ 2757578 h 2757578"/>
+                <a:gd name="connsiteX0" fmla="*/ 0 w 4008329"/>
+                <a:gd name="connsiteY0" fmla="*/ 1852 h 2757578"/>
+                <a:gd name="connsiteX1" fmla="*/ 2129425 w 4008329"/>
+                <a:gd name="connsiteY1" fmla="*/ 452788 h 2757578"/>
+                <a:gd name="connsiteX2" fmla="*/ 3557392 w 4008329"/>
+                <a:gd name="connsiteY2" fmla="*/ 1993490 h 2757578"/>
+                <a:gd name="connsiteX3" fmla="*/ 4008329 w 4008329"/>
+                <a:gd name="connsiteY3" fmla="*/ 2757578 h 2757578"/>
+                <a:gd name="connsiteX0" fmla="*/ 0 w 3958225"/>
+                <a:gd name="connsiteY0" fmla="*/ 1852 h 2757578"/>
+                <a:gd name="connsiteX1" fmla="*/ 2129425 w 3958225"/>
+                <a:gd name="connsiteY1" fmla="*/ 452788 h 2757578"/>
+                <a:gd name="connsiteX2" fmla="*/ 3557392 w 3958225"/>
+                <a:gd name="connsiteY2" fmla="*/ 1993490 h 2757578"/>
+                <a:gd name="connsiteX3" fmla="*/ 3958225 w 3958225"/>
+                <a:gd name="connsiteY3" fmla="*/ 2757578 h 2757578"/>
+                <a:gd name="connsiteX0" fmla="*/ 0 w 3958225"/>
+                <a:gd name="connsiteY0" fmla="*/ 1852 h 2757578"/>
+                <a:gd name="connsiteX1" fmla="*/ 2129425 w 3958225"/>
+                <a:gd name="connsiteY1" fmla="*/ 452788 h 2757578"/>
+                <a:gd name="connsiteX2" fmla="*/ 3557392 w 3958225"/>
+                <a:gd name="connsiteY2" fmla="*/ 1993490 h 2757578"/>
+                <a:gd name="connsiteX3" fmla="*/ 3958225 w 3958225"/>
+                <a:gd name="connsiteY3" fmla="*/ 2757578 h 2757578"/>
+                <a:gd name="connsiteX0" fmla="*/ 0 w 3958225"/>
+                <a:gd name="connsiteY0" fmla="*/ 1852 h 2757578"/>
+                <a:gd name="connsiteX1" fmla="*/ 2129425 w 3958225"/>
+                <a:gd name="connsiteY1" fmla="*/ 452788 h 2757578"/>
+                <a:gd name="connsiteX2" fmla="*/ 3557392 w 3958225"/>
+                <a:gd name="connsiteY2" fmla="*/ 1993490 h 2757578"/>
+                <a:gd name="connsiteX3" fmla="*/ 3958225 w 3958225"/>
+                <a:gd name="connsiteY3" fmla="*/ 2757578 h 2757578"/>
+                <a:gd name="connsiteX0" fmla="*/ 0 w 3958225"/>
+                <a:gd name="connsiteY0" fmla="*/ 1852 h 2757578"/>
+                <a:gd name="connsiteX1" fmla="*/ 2129425 w 3958225"/>
+                <a:gd name="connsiteY1" fmla="*/ 452788 h 2757578"/>
+                <a:gd name="connsiteX2" fmla="*/ 3557392 w 3958225"/>
+                <a:gd name="connsiteY2" fmla="*/ 1993490 h 2757578"/>
+                <a:gd name="connsiteX3" fmla="*/ 3958225 w 3958225"/>
+                <a:gd name="connsiteY3" fmla="*/ 2757578 h 2757578"/>
+                <a:gd name="connsiteX0" fmla="*/ 0 w 3958225"/>
+                <a:gd name="connsiteY0" fmla="*/ 1852 h 2757578"/>
+                <a:gd name="connsiteX1" fmla="*/ 2129425 w 3958225"/>
+                <a:gd name="connsiteY1" fmla="*/ 452788 h 2757578"/>
+                <a:gd name="connsiteX2" fmla="*/ 3557392 w 3958225"/>
+                <a:gd name="connsiteY2" fmla="*/ 1993490 h 2757578"/>
+                <a:gd name="connsiteX3" fmla="*/ 3958225 w 3958225"/>
+                <a:gd name="connsiteY3" fmla="*/ 2757578 h 2757578"/>
+                <a:gd name="connsiteX0" fmla="*/ 0 w 3958225"/>
+                <a:gd name="connsiteY0" fmla="*/ 1852 h 2757578"/>
+                <a:gd name="connsiteX1" fmla="*/ 2129425 w 3958225"/>
+                <a:gd name="connsiteY1" fmla="*/ 452788 h 2757578"/>
+                <a:gd name="connsiteX2" fmla="*/ 3557392 w 3958225"/>
+                <a:gd name="connsiteY2" fmla="*/ 1993490 h 2757578"/>
+                <a:gd name="connsiteX3" fmla="*/ 3958225 w 3958225"/>
+                <a:gd name="connsiteY3" fmla="*/ 2757578 h 2757578"/>
+                <a:gd name="connsiteX0" fmla="*/ 0 w 3958225"/>
+                <a:gd name="connsiteY0" fmla="*/ 1852 h 2757578"/>
+                <a:gd name="connsiteX1" fmla="*/ 2129425 w 3958225"/>
+                <a:gd name="connsiteY1" fmla="*/ 452788 h 2757578"/>
+                <a:gd name="connsiteX2" fmla="*/ 3557392 w 3958225"/>
+                <a:gd name="connsiteY2" fmla="*/ 1993490 h 2757578"/>
+                <a:gd name="connsiteX3" fmla="*/ 3958225 w 3958225"/>
+                <a:gd name="connsiteY3" fmla="*/ 2757578 h 2757578"/>
+              </a:gdLst>
+              <a:ahLst/>
+              <a:cxnLst>
+                <a:cxn ang="0">
+                  <a:pos x="connsiteX0" y="connsiteY0"/>
+                </a:cxn>
+                <a:cxn ang="0">
+                  <a:pos x="connsiteX1" y="connsiteY1"/>
+                </a:cxn>
+                <a:cxn ang="0">
+                  <a:pos x="connsiteX2" y="connsiteY2"/>
+                </a:cxn>
+                <a:cxn ang="0">
+                  <a:pos x="connsiteX3" y="connsiteY3"/>
+                </a:cxn>
+              </a:cxnLst>
+              <a:rect l="l" t="t" r="r" b="b"/>
+              <a:pathLst>
+                <a:path w="3958225" h="2757578">
+                  <a:moveTo>
+                    <a:pt x="0" y="1852"/>
+                  </a:moveTo>
+                  <a:cubicBezTo>
+                    <a:pt x="625257" y="-17981"/>
+                    <a:pt x="1536526" y="120848"/>
+                    <a:pt x="2129425" y="452788"/>
+                  </a:cubicBezTo>
+                  <a:cubicBezTo>
+                    <a:pt x="2722324" y="784728"/>
+                    <a:pt x="3265119" y="1546728"/>
+                    <a:pt x="3557392" y="1993490"/>
+                  </a:cubicBezTo>
+                  <a:cubicBezTo>
+                    <a:pt x="3849665" y="2440252"/>
+                    <a:pt x="3760941" y="2397454"/>
+                    <a:pt x="3958225" y="2757578"/>
+                  </a:cubicBezTo>
+                </a:path>
+              </a:pathLst>
+            </a:custGeom>
+            <a:noFill/>
+            <a:ln w="57150">
+              <a:solidFill>
+                <a:srgbClr val="00B0F0"/>
+              </a:solidFill>
+              <a:prstDash val="dash"/>
+            </a:ln>
+          </p:spPr>
+          <p:style>
+            <a:lnRef idx="2">
+              <a:schemeClr val="accent1">
+                <a:shade val="50000"/>
+              </a:schemeClr>
+            </a:lnRef>
+            <a:fillRef idx="1">
+              <a:schemeClr val="accent1"/>
+            </a:fillRef>
+            <a:effectRef idx="0">
+              <a:schemeClr val="accent1"/>
+            </a:effectRef>
+            <a:fontRef idx="minor">
+              <a:schemeClr val="lt1"/>
+            </a:fontRef>
+          </p:style>
+          <p:txBody>
+            <a:bodyPr rtlCol="0" anchor="ctr"/>
+            <a:lstStyle/>
+            <a:p>
+              <a:pPr algn="ctr"/>
+              <a:endParaRPr lang="en-US"/>
+            </a:p>
+          </p:txBody>
+        </p:sp>
+        <p:cxnSp>
+          <p:nvCxnSpPr>
+            <p:cNvPr id="17" name="Straight Arrow Connector 16"/>
+            <p:cNvCxnSpPr/>
+            <p:nvPr/>
+          </p:nvCxnSpPr>
+          <p:spPr>
+            <a:xfrm>
+              <a:off x="3469710" y="3451614"/>
+              <a:ext cx="0" cy="2700500"/>
+            </a:xfrm>
+            <a:prstGeom prst="straightConnector1">
+              <a:avLst/>
+            </a:prstGeom>
+            <a:ln w="38100">
+              <a:solidFill>
+                <a:schemeClr val="tx1"/>
+              </a:solidFill>
+              <a:headEnd type="triangle"/>
+              <a:tailEnd type="triangle"/>
+            </a:ln>
+          </p:spPr>
+          <p:style>
+            <a:lnRef idx="1">
+              <a:schemeClr val="accent1"/>
+            </a:lnRef>
+            <a:fillRef idx="0">
+              <a:schemeClr val="accent1"/>
+            </a:fillRef>
+            <a:effectRef idx="0">
+              <a:schemeClr val="accent1"/>
+            </a:effectRef>
+            <a:fontRef idx="minor">
+              <a:schemeClr val="tx1"/>
+            </a:fontRef>
+          </p:style>
+        </p:cxnSp>
+        <p:cxnSp>
+          <p:nvCxnSpPr>
+            <p:cNvPr id="18" name="Straight Arrow Connector 17"/>
+            <p:cNvCxnSpPr/>
+            <p:nvPr/>
+          </p:nvCxnSpPr>
+          <p:spPr>
+            <a:xfrm>
+              <a:off x="3469710" y="1926961"/>
+              <a:ext cx="0" cy="1508440"/>
+            </a:xfrm>
+            <a:prstGeom prst="straightConnector1">
+              <a:avLst/>
+            </a:prstGeom>
+            <a:ln w="38100">
+              <a:solidFill>
+                <a:schemeClr val="tx1"/>
+              </a:solidFill>
+              <a:headEnd type="triangle"/>
+              <a:tailEnd type="triangle"/>
+            </a:ln>
+          </p:spPr>
+          <p:style>
+            <a:lnRef idx="1">
+              <a:schemeClr val="accent1"/>
+            </a:lnRef>
+            <a:fillRef idx="0">
+              <a:schemeClr val="accent1"/>
+            </a:fillRef>
+            <a:effectRef idx="0">
+              <a:schemeClr val="accent1"/>
+            </a:effectRef>
+            <a:fontRef idx="minor">
+              <a:schemeClr val="tx1"/>
+            </a:fontRef>
+          </p:style>
+        </p:cxnSp>
+        <mc:AlternateContent xmlns:mc="http://schemas.openxmlformats.org/markup-compatibility/2006">
+          <mc:Choice xmlns:a14="http://schemas.microsoft.com/office/drawing/2010/main" Requires="a14">
+            <p:sp>
+              <p:nvSpPr>
+                <p:cNvPr id="23" name="TextBox 22"/>
+                <p:cNvSpPr txBox="1"/>
+                <p:nvPr/>
+              </p:nvSpPr>
+              <p:spPr>
+                <a:xfrm>
+                  <a:off x="3501630" y="2527292"/>
+                  <a:ext cx="339410" cy="307777"/>
+                </a:xfrm>
+                <a:prstGeom prst="rect">
+                  <a:avLst/>
+                </a:prstGeom>
+                <a:noFill/>
+              </p:spPr>
+              <p:txBody>
+                <a:bodyPr wrap="square" lIns="0" tIns="0" rIns="0" bIns="0" rtlCol="0">
+                  <a:spAutoFit/>
+                </a:bodyPr>
+                <a:lstStyle/>
+                <a:p>
+                  <a14:m>
+                    <m:oMathPara xmlns:m="http://schemas.openxmlformats.org/officeDocument/2006/math">
+                      <m:oMathParaPr>
+                        <m:jc m:val="centerGroup"/>
+                      </m:oMathParaPr>
+                      <m:oMath xmlns:m="http://schemas.openxmlformats.org/officeDocument/2006/math">
+                        <m:sSub>
+                          <m:sSubPr>
+                            <m:ctrlPr>
+                              <a:rPr lang="en-US" sz="2000" b="0" i="1" smtClean="0">
+                                <a:latin typeface="Cambria Math" panose="02040503050406030204" pitchFamily="18" charset="0"/>
+                                <a:cs typeface="Arial" panose="020B0604020202020204" pitchFamily="34" charset="0"/>
+                              </a:rPr>
+                            </m:ctrlPr>
+                          </m:sSubPr>
+                          <m:e>
+                            <m:r>
+                              <a:rPr lang="en-US" sz="2000" b="0" i="1" smtClean="0">
+                                <a:latin typeface="Cambria Math" panose="02040503050406030204" pitchFamily="18" charset="0"/>
+                                <a:cs typeface="Arial" panose="020B0604020202020204" pitchFamily="34" charset="0"/>
+                              </a:rPr>
+                              <m:t>h</m:t>
+                            </m:r>
+                          </m:e>
+                          <m:sub>
+                            <m:r>
+                              <a:rPr lang="en-US" sz="2000" b="0" i="1" smtClean="0">
+                                <a:latin typeface="Cambria Math" panose="02040503050406030204" pitchFamily="18" charset="0"/>
+                                <a:cs typeface="Arial" panose="020B0604020202020204" pitchFamily="34" charset="0"/>
+                              </a:rPr>
+                              <m:t>1</m:t>
+                            </m:r>
+                          </m:sub>
+                        </m:sSub>
+                      </m:oMath>
+                    </m:oMathPara>
+                  </a14:m>
+                  <a:endParaRPr lang="en-US" sz="2000" dirty="0" smtClean="0">
+                    <a:latin typeface="Arial" panose="020B0604020202020204" pitchFamily="34" charset="0"/>
+                    <a:cs typeface="Arial" panose="020B0604020202020204" pitchFamily="34" charset="0"/>
+                  </a:endParaRPr>
+                </a:p>
+              </p:txBody>
+            </p:sp>
+          </mc:Choice>
+          <mc:Fallback>
+            <p:sp>
+              <p:nvSpPr>
+                <p:cNvPr id="23" name="TextBox 22"/>
+                <p:cNvSpPr txBox="1">
+                  <a:spLocks noRot="1" noChangeAspect="1" noMove="1" noResize="1" noEditPoints="1" noAdjustHandles="1" noChangeArrowheads="1" noChangeShapeType="1" noTextEdit="1"/>
+                </p:cNvSpPr>
+                <p:nvPr/>
+              </p:nvSpPr>
+              <p:spPr>
+                <a:xfrm>
+                  <a:off x="3501630" y="2527292"/>
+                  <a:ext cx="339410" cy="307777"/>
+                </a:xfrm>
+                <a:prstGeom prst="rect">
+                  <a:avLst/>
+                </a:prstGeom>
+                <a:blipFill>
+                  <a:blip r:embed="rId2"/>
+                  <a:stretch>
+                    <a:fillRect l="-14286" r="-1786" b="-17647"/>
+                  </a:stretch>
+                </a:blipFill>
+              </p:spPr>
+              <p:txBody>
+                <a:bodyPr/>
+                <a:lstStyle/>
+                <a:p>
+                  <a:r>
+                    <a:rPr lang="en-US">
+                      <a:noFill/>
+                    </a:rPr>
+                    <a:t> </a:t>
+                  </a:r>
+                </a:p>
+              </p:txBody>
+            </p:sp>
+          </mc:Fallback>
+        </mc:AlternateContent>
+        <mc:AlternateContent xmlns:mc="http://schemas.openxmlformats.org/markup-compatibility/2006">
+          <mc:Choice xmlns:a14="http://schemas.microsoft.com/office/drawing/2010/main" Requires="a14">
+            <p:sp>
+              <p:nvSpPr>
+                <p:cNvPr id="24" name="TextBox 23"/>
+                <p:cNvSpPr txBox="1"/>
+                <p:nvPr/>
+              </p:nvSpPr>
+              <p:spPr>
+                <a:xfrm>
+                  <a:off x="3594971" y="4647049"/>
+                  <a:ext cx="339410" cy="307777"/>
+                </a:xfrm>
+                <a:prstGeom prst="rect">
+                  <a:avLst/>
+                </a:prstGeom>
+                <a:noFill/>
+              </p:spPr>
+              <p:txBody>
+                <a:bodyPr wrap="square" lIns="0" tIns="0" rIns="0" bIns="0" rtlCol="0">
+                  <a:spAutoFit/>
+                </a:bodyPr>
+                <a:lstStyle/>
+                <a:p>
+                  <a14:m>
+                    <m:oMathPara xmlns:m="http://schemas.openxmlformats.org/officeDocument/2006/math">
+                      <m:oMathParaPr>
+                        <m:jc m:val="centerGroup"/>
+                      </m:oMathParaPr>
+                      <m:oMath xmlns:m="http://schemas.openxmlformats.org/officeDocument/2006/math">
+                        <m:sSub>
+                          <m:sSubPr>
+                            <m:ctrlPr>
+                              <a:rPr lang="en-US" sz="2000" b="0" i="1" smtClean="0">
+                                <a:latin typeface="Cambria Math" panose="02040503050406030204" pitchFamily="18" charset="0"/>
+                                <a:cs typeface="Arial" panose="020B0604020202020204" pitchFamily="34" charset="0"/>
+                              </a:rPr>
+                            </m:ctrlPr>
+                          </m:sSubPr>
+                          <m:e>
+                            <m:r>
+                              <a:rPr lang="en-US" sz="2000" b="0" i="1" smtClean="0">
+                                <a:latin typeface="Cambria Math" panose="02040503050406030204" pitchFamily="18" charset="0"/>
+                                <a:cs typeface="Arial" panose="020B0604020202020204" pitchFamily="34" charset="0"/>
+                              </a:rPr>
+                              <m:t>h</m:t>
+                            </m:r>
+                          </m:e>
+                          <m:sub>
+                            <m:r>
+                              <a:rPr lang="en-US" sz="2000" b="0" i="1" smtClean="0">
+                                <a:latin typeface="Cambria Math" panose="02040503050406030204" pitchFamily="18" charset="0"/>
+                                <a:cs typeface="Arial" panose="020B0604020202020204" pitchFamily="34" charset="0"/>
+                              </a:rPr>
+                              <m:t>2</m:t>
+                            </m:r>
+                          </m:sub>
+                        </m:sSub>
+                      </m:oMath>
+                    </m:oMathPara>
+                  </a14:m>
+                  <a:endParaRPr lang="en-US" sz="2000" dirty="0" smtClean="0">
+                    <a:latin typeface="Arial" panose="020B0604020202020204" pitchFamily="34" charset="0"/>
+                    <a:cs typeface="Arial" panose="020B0604020202020204" pitchFamily="34" charset="0"/>
+                  </a:endParaRPr>
+                </a:p>
+              </p:txBody>
+            </p:sp>
+          </mc:Choice>
+          <mc:Fallback>
+            <p:sp>
+              <p:nvSpPr>
+                <p:cNvPr id="24" name="TextBox 23"/>
+                <p:cNvSpPr txBox="1">
+                  <a:spLocks noRot="1" noChangeAspect="1" noMove="1" noResize="1" noEditPoints="1" noAdjustHandles="1" noChangeArrowheads="1" noChangeShapeType="1" noTextEdit="1"/>
+                </p:cNvSpPr>
+                <p:nvPr/>
+              </p:nvSpPr>
+              <p:spPr>
+                <a:xfrm>
+                  <a:off x="3594971" y="4647049"/>
+                  <a:ext cx="339410" cy="307777"/>
+                </a:xfrm>
+                <a:prstGeom prst="rect">
+                  <a:avLst/>
+                </a:prstGeom>
+                <a:blipFill>
+                  <a:blip r:embed="rId3"/>
+                  <a:stretch>
+                    <a:fillRect l="-16364" r="-3636" b="-20000"/>
+                  </a:stretch>
+                </a:blipFill>
+              </p:spPr>
+              <p:txBody>
+                <a:bodyPr/>
+                <a:lstStyle/>
+                <a:p>
+                  <a:r>
+                    <a:rPr lang="en-US">
+                      <a:noFill/>
+                    </a:rPr>
+                    <a:t> </a:t>
+                  </a:r>
+                </a:p>
+              </p:txBody>
+            </p:sp>
+          </mc:Fallback>
+        </mc:AlternateContent>
+        <p:cxnSp>
+          <p:nvCxnSpPr>
+            <p:cNvPr id="26" name="Straight Arrow Connector 25"/>
+            <p:cNvCxnSpPr/>
+            <p:nvPr/>
+          </p:nvCxnSpPr>
+          <p:spPr>
+            <a:xfrm flipV="1">
+              <a:off x="3305728" y="6368959"/>
+              <a:ext cx="4009472" cy="6789"/>
+            </a:xfrm>
+            <a:prstGeom prst="straightConnector1">
+              <a:avLst/>
+            </a:prstGeom>
+            <a:ln w="38100">
+              <a:solidFill>
+                <a:schemeClr val="tx1"/>
+              </a:solidFill>
+              <a:headEnd type="triangle"/>
+              <a:tailEnd type="triangle"/>
+            </a:ln>
+          </p:spPr>
+          <p:style>
+            <a:lnRef idx="1">
+              <a:schemeClr val="accent1"/>
+            </a:lnRef>
+            <a:fillRef idx="0">
+              <a:schemeClr val="accent1"/>
+            </a:fillRef>
+            <a:effectRef idx="0">
+              <a:schemeClr val="accent1"/>
+            </a:effectRef>
+            <a:fontRef idx="minor">
+              <a:schemeClr val="tx1"/>
+            </a:fontRef>
+          </p:style>
+        </p:cxnSp>
+        <mc:AlternateContent xmlns:mc="http://schemas.openxmlformats.org/markup-compatibility/2006">
+          <mc:Choice xmlns:a14="http://schemas.microsoft.com/office/drawing/2010/main" Requires="a14">
+            <p:sp>
+              <p:nvSpPr>
+                <p:cNvPr id="27" name="TextBox 26"/>
+                <p:cNvSpPr txBox="1"/>
+                <p:nvPr/>
+              </p:nvSpPr>
+              <p:spPr>
+                <a:xfrm>
+                  <a:off x="5136577" y="6062889"/>
+                  <a:ext cx="227755" cy="307777"/>
+                </a:xfrm>
+                <a:prstGeom prst="rect">
+                  <a:avLst/>
+                </a:prstGeom>
+                <a:noFill/>
+              </p:spPr>
+              <p:txBody>
+                <a:bodyPr wrap="square" lIns="0" tIns="0" rIns="0" bIns="0" rtlCol="0">
+                  <a:spAutoFit/>
+                </a:bodyPr>
+                <a:lstStyle/>
+                <a:p>
+                  <a14:m>
+                    <m:oMathPara xmlns:m="http://schemas.openxmlformats.org/officeDocument/2006/math">
+                      <m:oMathParaPr>
+                        <m:jc m:val="centerGroup"/>
+                      </m:oMathParaPr>
+                      <m:oMath xmlns:m="http://schemas.openxmlformats.org/officeDocument/2006/math">
+                        <m:r>
+                          <a:rPr lang="en-US" sz="2000" b="0" i="1" smtClean="0">
+                            <a:latin typeface="Cambria Math" panose="02040503050406030204" pitchFamily="18" charset="0"/>
+                            <a:cs typeface="Arial" panose="020B0604020202020204" pitchFamily="34" charset="0"/>
+                          </a:rPr>
+                          <m:t>𝑑</m:t>
+                        </m:r>
+                      </m:oMath>
+                    </m:oMathPara>
+                  </a14:m>
+                  <a:endParaRPr lang="en-US" sz="2000" dirty="0" smtClean="0">
+                    <a:latin typeface="Arial" panose="020B0604020202020204" pitchFamily="34" charset="0"/>
+                    <a:cs typeface="Arial" panose="020B0604020202020204" pitchFamily="34" charset="0"/>
+                  </a:endParaRPr>
+                </a:p>
+              </p:txBody>
+            </p:sp>
+          </mc:Choice>
+          <mc:Fallback>
+            <p:sp>
+              <p:nvSpPr>
+                <p:cNvPr id="27" name="TextBox 26"/>
+                <p:cNvSpPr txBox="1">
+                  <a:spLocks noRot="1" noChangeAspect="1" noMove="1" noResize="1" noEditPoints="1" noAdjustHandles="1" noChangeArrowheads="1" noChangeShapeType="1" noTextEdit="1"/>
+                </p:cNvSpPr>
+                <p:nvPr/>
+              </p:nvSpPr>
+              <p:spPr>
+                <a:xfrm>
+                  <a:off x="5136577" y="6062889"/>
+                  <a:ext cx="227755" cy="307777"/>
+                </a:xfrm>
+                <a:prstGeom prst="rect">
+                  <a:avLst/>
+                </a:prstGeom>
+                <a:blipFill>
+                  <a:blip r:embed="rId4"/>
+                  <a:stretch>
+                    <a:fillRect l="-23684" r="-18421" b="-9804"/>
+                  </a:stretch>
+                </a:blipFill>
+              </p:spPr>
+              <p:txBody>
+                <a:bodyPr/>
+                <a:lstStyle/>
+                <a:p>
+                  <a:r>
+                    <a:rPr lang="en-US">
+                      <a:noFill/>
+                    </a:rPr>
+                    <a:t> </a:t>
+                  </a:r>
+                </a:p>
+              </p:txBody>
+            </p:sp>
+          </mc:Fallback>
+        </mc:AlternateContent>
+      </p:grpSp>
+      <p:grpSp>
+        <p:nvGrpSpPr>
+          <p:cNvPr id="29" name="Group 28"/>
+          <p:cNvGrpSpPr/>
+          <p:nvPr/>
+        </p:nvGrpSpPr>
+        <p:grpSpPr>
+          <a:xfrm>
+            <a:off x="2150360" y="4495989"/>
+            <a:ext cx="898789" cy="709995"/>
+            <a:chOff x="758520" y="708040"/>
+            <a:chExt cx="2596102" cy="2135605"/>
+          </a:xfrm>
+        </p:grpSpPr>
+        <p:grpSp>
+          <p:nvGrpSpPr>
+            <p:cNvPr id="30" name="Group 29"/>
+            <p:cNvGrpSpPr/>
+            <p:nvPr/>
+          </p:nvGrpSpPr>
+          <p:grpSpPr>
+            <a:xfrm>
+              <a:off x="758520" y="708040"/>
+              <a:ext cx="2596102" cy="2135605"/>
+              <a:chOff x="785815" y="680744"/>
+              <a:chExt cx="2596102" cy="2135605"/>
+            </a:xfrm>
+          </p:grpSpPr>
+          <p:cxnSp>
+            <p:nvCxnSpPr>
+              <p:cNvPr id="32" name="Straight Arrow Connector 31"/>
+              <p:cNvCxnSpPr/>
+              <p:nvPr/>
+            </p:nvCxnSpPr>
+            <p:spPr>
+              <a:xfrm flipV="1">
+                <a:off x="1516583" y="680744"/>
+                <a:ext cx="7683" cy="1859535"/>
+              </a:xfrm>
+              <a:prstGeom prst="straightConnector1">
+                <a:avLst/>
+              </a:prstGeom>
+              <a:ln w="38100">
+                <a:solidFill>
+                  <a:schemeClr val="tx1"/>
+                </a:solidFill>
+                <a:tailEnd type="triangle"/>
+              </a:ln>
+            </p:spPr>
+            <p:style>
+              <a:lnRef idx="1">
+                <a:schemeClr val="accent1"/>
+              </a:lnRef>
+              <a:fillRef idx="0">
+                <a:schemeClr val="accent1"/>
+              </a:fillRef>
+              <a:effectRef idx="0">
+                <a:schemeClr val="accent1"/>
+              </a:effectRef>
+              <a:fontRef idx="minor">
+                <a:schemeClr val="tx1"/>
+              </a:fontRef>
+            </p:style>
+          </p:cxnSp>
+          <p:cxnSp>
+            <p:nvCxnSpPr>
+              <p:cNvPr id="33" name="Straight Arrow Connector 32"/>
+              <p:cNvCxnSpPr/>
+              <p:nvPr/>
+            </p:nvCxnSpPr>
+            <p:spPr>
+              <a:xfrm flipV="1">
+                <a:off x="1507013" y="2535259"/>
+                <a:ext cx="1874904" cy="1"/>
+              </a:xfrm>
+              <a:prstGeom prst="straightConnector1">
+                <a:avLst/>
+              </a:prstGeom>
+              <a:ln w="38100">
+                <a:solidFill>
+                  <a:schemeClr val="tx1"/>
+                </a:solidFill>
+                <a:tailEnd type="triangle"/>
+              </a:ln>
+            </p:spPr>
+            <p:style>
+              <a:lnRef idx="1">
+                <a:schemeClr val="accent1"/>
+              </a:lnRef>
+              <a:fillRef idx="0">
+                <a:schemeClr val="accent1"/>
+              </a:fillRef>
+              <a:effectRef idx="0">
+                <a:schemeClr val="accent1"/>
+              </a:effectRef>
+              <a:fontRef idx="minor">
+                <a:schemeClr val="tx1"/>
+              </a:fontRef>
+            </p:style>
+          </p:cxnSp>
+          <mc:AlternateContent xmlns:mc="http://schemas.openxmlformats.org/markup-compatibility/2006" xmlns:a14="http://schemas.microsoft.com/office/drawing/2010/main">
+            <mc:Choice Requires="a14">
+              <p:sp>
+                <p:nvSpPr>
+                  <p:cNvPr id="34" name="Rectangle 33"/>
+                  <p:cNvSpPr/>
+                  <p:nvPr/>
+                </p:nvSpPr>
+                <p:spPr>
+                  <a:xfrm>
+                    <a:off x="2697555" y="2447016"/>
+                    <a:ext cx="367985" cy="369333"/>
+                  </a:xfrm>
+                  <a:prstGeom prst="rect">
+                    <a:avLst/>
+                  </a:prstGeom>
+                </p:spPr>
+                <p:txBody>
+                  <a:bodyPr wrap="none">
+                    <a:spAutoFit/>
+                  </a:bodyPr>
+                  <a:lstStyle/>
+                  <a:p>
+                    <a:pPr/>
+                    <a14:m>
+                      <m:oMathPara xmlns:m="http://schemas.openxmlformats.org/officeDocument/2006/math">
+                        <m:oMathParaPr>
+                          <m:jc m:val="centerGroup"/>
+                        </m:oMathParaPr>
+                        <m:oMath xmlns:m="http://schemas.openxmlformats.org/officeDocument/2006/math">
+                          <m:r>
+                            <a:rPr lang="en-US" i="1">
+                              <a:latin typeface="Cambria Math" panose="02040503050406030204" pitchFamily="18" charset="0"/>
+                              <a:cs typeface="Arial" panose="020B0604020202020204" pitchFamily="34" charset="0"/>
+                            </a:rPr>
+                            <m:t>𝑥</m:t>
+                          </m:r>
+                        </m:oMath>
+                      </m:oMathPara>
+                    </a14:m>
+                    <a:endParaRPr lang="en-CA" dirty="0"/>
+                  </a:p>
+                </p:txBody>
+              </p:sp>
+            </mc:Choice>
+            <mc:Fallback xmlns="">
+              <p:sp>
+                <p:nvSpPr>
+                  <p:cNvPr id="107" name="Rectangle 106"/>
+                  <p:cNvSpPr>
+                    <a:spLocks noRot="1" noChangeAspect="1" noMove="1" noResize="1" noEditPoints="1" noAdjustHandles="1" noChangeArrowheads="1" noChangeShapeType="1" noTextEdit="1"/>
+                  </p:cNvSpPr>
+                  <p:nvPr/>
+                </p:nvSpPr>
+                <p:spPr>
+                  <a:xfrm>
+                    <a:off x="2697555" y="2447016"/>
+                    <a:ext cx="367985" cy="369333"/>
+                  </a:xfrm>
+                  <a:prstGeom prst="rect">
+                    <a:avLst/>
+                  </a:prstGeom>
+                  <a:blipFill>
+                    <a:blip r:embed="rId27"/>
+                    <a:stretch>
+                      <a:fillRect r="-95238" b="-160000"/>
+                    </a:stretch>
+                  </a:blipFill>
+                </p:spPr>
+                <p:txBody>
+                  <a:bodyPr/>
+                  <a:lstStyle/>
+                  <a:p>
+                    <a:r>
+                      <a:rPr lang="en-US">
+                        <a:noFill/>
+                      </a:rPr>
+                      <a:t> </a:t>
+                    </a:r>
+                  </a:p>
+                </p:txBody>
+              </p:sp>
+            </mc:Fallback>
+          </mc:AlternateContent>
+          <mc:AlternateContent xmlns:mc="http://schemas.openxmlformats.org/markup-compatibility/2006" xmlns:a14="http://schemas.microsoft.com/office/drawing/2010/main">
+            <mc:Choice Requires="a14">
+              <p:sp>
+                <p:nvSpPr>
+                  <p:cNvPr id="35" name="Rectangle 34"/>
+                  <p:cNvSpPr/>
+                  <p:nvPr/>
+                </p:nvSpPr>
+                <p:spPr>
+                  <a:xfrm>
+                    <a:off x="785815" y="912420"/>
+                    <a:ext cx="371385" cy="369333"/>
+                  </a:xfrm>
+                  <a:prstGeom prst="rect">
+                    <a:avLst/>
+                  </a:prstGeom>
+                </p:spPr>
+                <p:txBody>
+                  <a:bodyPr wrap="none">
+                    <a:spAutoFit/>
+                  </a:bodyPr>
+                  <a:lstStyle/>
+                  <a:p>
+                    <a:pPr/>
+                    <a14:m>
+                      <m:oMathPara xmlns:m="http://schemas.openxmlformats.org/officeDocument/2006/math">
+                        <m:oMathParaPr>
+                          <m:jc m:val="centerGroup"/>
+                        </m:oMathParaPr>
+                        <m:oMath xmlns:m="http://schemas.openxmlformats.org/officeDocument/2006/math">
+                          <m:r>
+                            <a:rPr lang="en-US" b="0" i="1" smtClean="0">
+                              <a:latin typeface="Cambria Math" panose="02040503050406030204" pitchFamily="18" charset="0"/>
+                            </a:rPr>
+                            <m:t>𝑦</m:t>
+                          </m:r>
+                        </m:oMath>
+                      </m:oMathPara>
+                    </a14:m>
+                    <a:endParaRPr lang="en-CA" dirty="0"/>
+                  </a:p>
+                </p:txBody>
+              </p:sp>
+            </mc:Choice>
+            <mc:Fallback xmlns="">
+              <p:sp>
+                <p:nvSpPr>
+                  <p:cNvPr id="108" name="Rectangle 107"/>
+                  <p:cNvSpPr>
+                    <a:spLocks noRot="1" noChangeAspect="1" noMove="1" noResize="1" noEditPoints="1" noAdjustHandles="1" noChangeArrowheads="1" noChangeShapeType="1" noTextEdit="1"/>
+                  </p:cNvSpPr>
+                  <p:nvPr/>
+                </p:nvSpPr>
+                <p:spPr>
+                  <a:xfrm>
+                    <a:off x="785815" y="912420"/>
+                    <a:ext cx="371385" cy="369333"/>
+                  </a:xfrm>
+                  <a:prstGeom prst="rect">
+                    <a:avLst/>
+                  </a:prstGeom>
+                  <a:blipFill>
+                    <a:blip r:embed="rId28"/>
+                    <a:stretch>
+                      <a:fillRect l="-19048" r="-114286" b="-220000"/>
+                    </a:stretch>
+                  </a:blipFill>
+                </p:spPr>
+                <p:txBody>
+                  <a:bodyPr/>
+                  <a:lstStyle/>
+                  <a:p>
+                    <a:r>
+                      <a:rPr lang="en-US">
+                        <a:noFill/>
+                      </a:rPr>
+                      <a:t> </a:t>
+                    </a:r>
+                  </a:p>
+                </p:txBody>
+              </p:sp>
+            </mc:Fallback>
+          </mc:AlternateContent>
+          <mc:AlternateContent xmlns:mc="http://schemas.openxmlformats.org/markup-compatibility/2006" xmlns:a14="http://schemas.microsoft.com/office/drawing/2010/main">
+            <mc:Choice Requires="a14">
+              <p:sp>
+                <p:nvSpPr>
+                  <p:cNvPr id="36" name="Rectangle 35"/>
+                  <p:cNvSpPr/>
+                  <p:nvPr/>
+                </p:nvSpPr>
+                <p:spPr>
+                  <a:xfrm>
+                    <a:off x="1006642" y="2350591"/>
+                    <a:ext cx="367985" cy="369333"/>
+                  </a:xfrm>
+                  <a:prstGeom prst="rect">
+                    <a:avLst/>
+                  </a:prstGeom>
+                </p:spPr>
+                <p:txBody>
+                  <a:bodyPr wrap="none">
+                    <a:spAutoFit/>
+                  </a:bodyPr>
+                  <a:lstStyle/>
+                  <a:p>
+                    <a:pPr/>
+                    <a14:m>
+                      <m:oMathPara xmlns:m="http://schemas.openxmlformats.org/officeDocument/2006/math">
+                        <m:oMathParaPr>
+                          <m:jc m:val="centerGroup"/>
+                        </m:oMathParaPr>
+                        <m:oMath xmlns:m="http://schemas.openxmlformats.org/officeDocument/2006/math">
+                          <m:r>
+                            <a:rPr lang="en-US" b="0" i="1" smtClean="0">
+                              <a:latin typeface="Cambria Math" panose="02040503050406030204" pitchFamily="18" charset="0"/>
+                              <a:cs typeface="Arial" panose="020B0604020202020204" pitchFamily="34" charset="0"/>
+                            </a:rPr>
+                            <m:t>0</m:t>
+                          </m:r>
+                        </m:oMath>
+                      </m:oMathPara>
+                    </a14:m>
+                    <a:endParaRPr lang="en-CA" dirty="0"/>
+                  </a:p>
+                </p:txBody>
+              </p:sp>
+            </mc:Choice>
+            <mc:Fallback xmlns="">
+              <p:sp>
+                <p:nvSpPr>
+                  <p:cNvPr id="109" name="Rectangle 108"/>
+                  <p:cNvSpPr>
+                    <a:spLocks noRot="1" noChangeAspect="1" noMove="1" noResize="1" noEditPoints="1" noAdjustHandles="1" noChangeArrowheads="1" noChangeShapeType="1" noTextEdit="1"/>
+                  </p:cNvSpPr>
+                  <p:nvPr/>
+                </p:nvSpPr>
+                <p:spPr>
+                  <a:xfrm>
+                    <a:off x="1006642" y="2350591"/>
+                    <a:ext cx="367985" cy="369333"/>
+                  </a:xfrm>
+                  <a:prstGeom prst="rect">
+                    <a:avLst/>
+                  </a:prstGeom>
+                  <a:blipFill>
+                    <a:blip r:embed="rId29"/>
+                    <a:stretch>
+                      <a:fillRect l="-14286" r="-114286" b="-180000"/>
+                    </a:stretch>
+                  </a:blipFill>
+                </p:spPr>
+                <p:txBody>
+                  <a:bodyPr/>
+                  <a:lstStyle/>
+                  <a:p>
+                    <a:r>
+                      <a:rPr lang="en-US">
+                        <a:noFill/>
+                      </a:rPr>
+                      <a:t> </a:t>
+                    </a:r>
+                  </a:p>
+                </p:txBody>
+              </p:sp>
+            </mc:Fallback>
+          </mc:AlternateContent>
+        </p:grpSp>
+        <p:sp>
+          <p:nvSpPr>
+            <p:cNvPr id="31" name="Rectangle 30"/>
+            <p:cNvSpPr/>
+            <p:nvPr/>
+          </p:nvSpPr>
+          <p:spPr>
+            <a:xfrm>
+              <a:off x="1129904" y="1614682"/>
+              <a:ext cx="184731" cy="369332"/>
+            </a:xfrm>
+            <a:prstGeom prst="rect">
+              <a:avLst/>
+            </a:prstGeom>
+          </p:spPr>
+          <p:txBody>
+            <a:bodyPr wrap="none">
+              <a:spAutoFit/>
+            </a:bodyPr>
+            <a:lstStyle/>
+            <a:p>
+              <a:endParaRPr lang="en-CA" dirty="0"/>
+            </a:p>
+          </p:txBody>
+        </p:sp>
+      </p:grpSp>
+    </p:spTree>
+    <p:extLst>
+      <p:ext uri="{BB962C8B-B14F-4D97-AF65-F5344CB8AC3E}">
+        <p14:creationId xmlns:p14="http://schemas.microsoft.com/office/powerpoint/2010/main" val="3361877712"/>
       </p:ext>
     </p:extLst>
   </p:cSld>

--- a/tex/figures/FluidMechanics/Figures.pptx
+++ b/tex/figures/FluidMechanics/Figures.pptx
@@ -7,15 +7,16 @@
   <p:sldIdLst>
     <p:sldId id="271" r:id="rId2"/>
     <p:sldId id="272" r:id="rId3"/>
-    <p:sldId id="273" r:id="rId4"/>
-    <p:sldId id="274" r:id="rId5"/>
-    <p:sldId id="275" r:id="rId6"/>
-    <p:sldId id="276" r:id="rId7"/>
-    <p:sldId id="277" r:id="rId8"/>
-    <p:sldId id="278" r:id="rId9"/>
-    <p:sldId id="279" r:id="rId10"/>
-    <p:sldId id="280" r:id="rId11"/>
-    <p:sldId id="281" r:id="rId12"/>
+    <p:sldId id="282" r:id="rId4"/>
+    <p:sldId id="273" r:id="rId5"/>
+    <p:sldId id="274" r:id="rId6"/>
+    <p:sldId id="275" r:id="rId7"/>
+    <p:sldId id="276" r:id="rId8"/>
+    <p:sldId id="277" r:id="rId9"/>
+    <p:sldId id="278" r:id="rId10"/>
+    <p:sldId id="279" r:id="rId11"/>
+    <p:sldId id="280" r:id="rId12"/>
+    <p:sldId id="281" r:id="rId13"/>
   </p:sldIdLst>
   <p:sldSz cx="12192000" cy="6858000"/>
   <p:notesSz cx="6858000" cy="9144000"/>
@@ -253,7 +254,7 @@
           <a:p>
             <a:fld id="{F7249F8D-641B-4CAF-BAE5-10524742F6F1}" type="datetimeFigureOut">
               <a:rPr lang="en-CA" smtClean="0"/>
-              <a:t>2018-07-23</a:t>
+              <a:t>2018-07-25</a:t>
             </a:fld>
             <a:endParaRPr lang="en-CA"/>
           </a:p>
@@ -423,7 +424,7 @@
           <a:p>
             <a:fld id="{F7249F8D-641B-4CAF-BAE5-10524742F6F1}" type="datetimeFigureOut">
               <a:rPr lang="en-CA" smtClean="0"/>
-              <a:t>2018-07-23</a:t>
+              <a:t>2018-07-25</a:t>
             </a:fld>
             <a:endParaRPr lang="en-CA"/>
           </a:p>
@@ -603,7 +604,7 @@
           <a:p>
             <a:fld id="{F7249F8D-641B-4CAF-BAE5-10524742F6F1}" type="datetimeFigureOut">
               <a:rPr lang="en-CA" smtClean="0"/>
-              <a:t>2018-07-23</a:t>
+              <a:t>2018-07-25</a:t>
             </a:fld>
             <a:endParaRPr lang="en-CA"/>
           </a:p>
@@ -773,7 +774,7 @@
           <a:p>
             <a:fld id="{F7249F8D-641B-4CAF-BAE5-10524742F6F1}" type="datetimeFigureOut">
               <a:rPr lang="en-CA" smtClean="0"/>
-              <a:t>2018-07-23</a:t>
+              <a:t>2018-07-25</a:t>
             </a:fld>
             <a:endParaRPr lang="en-CA"/>
           </a:p>
@@ -1019,7 +1020,7 @@
           <a:p>
             <a:fld id="{F7249F8D-641B-4CAF-BAE5-10524742F6F1}" type="datetimeFigureOut">
               <a:rPr lang="en-CA" smtClean="0"/>
-              <a:t>2018-07-23</a:t>
+              <a:t>2018-07-25</a:t>
             </a:fld>
             <a:endParaRPr lang="en-CA"/>
           </a:p>
@@ -1251,7 +1252,7 @@
           <a:p>
             <a:fld id="{F7249F8D-641B-4CAF-BAE5-10524742F6F1}" type="datetimeFigureOut">
               <a:rPr lang="en-CA" smtClean="0"/>
-              <a:t>2018-07-23</a:t>
+              <a:t>2018-07-25</a:t>
             </a:fld>
             <a:endParaRPr lang="en-CA"/>
           </a:p>
@@ -1618,7 +1619,7 @@
           <a:p>
             <a:fld id="{F7249F8D-641B-4CAF-BAE5-10524742F6F1}" type="datetimeFigureOut">
               <a:rPr lang="en-CA" smtClean="0"/>
-              <a:t>2018-07-23</a:t>
+              <a:t>2018-07-25</a:t>
             </a:fld>
             <a:endParaRPr lang="en-CA"/>
           </a:p>
@@ -1736,7 +1737,7 @@
           <a:p>
             <a:fld id="{F7249F8D-641B-4CAF-BAE5-10524742F6F1}" type="datetimeFigureOut">
               <a:rPr lang="en-CA" smtClean="0"/>
-              <a:t>2018-07-23</a:t>
+              <a:t>2018-07-25</a:t>
             </a:fld>
             <a:endParaRPr lang="en-CA"/>
           </a:p>
@@ -1831,7 +1832,7 @@
           <a:p>
             <a:fld id="{F7249F8D-641B-4CAF-BAE5-10524742F6F1}" type="datetimeFigureOut">
               <a:rPr lang="en-CA" smtClean="0"/>
-              <a:t>2018-07-23</a:t>
+              <a:t>2018-07-25</a:t>
             </a:fld>
             <a:endParaRPr lang="en-CA"/>
           </a:p>
@@ -2108,7 +2109,7 @@
           <a:p>
             <a:fld id="{F7249F8D-641B-4CAF-BAE5-10524742F6F1}" type="datetimeFigureOut">
               <a:rPr lang="en-CA" smtClean="0"/>
-              <a:t>2018-07-23</a:t>
+              <a:t>2018-07-25</a:t>
             </a:fld>
             <a:endParaRPr lang="en-CA"/>
           </a:p>
@@ -2361,7 +2362,7 @@
           <a:p>
             <a:fld id="{F7249F8D-641B-4CAF-BAE5-10524742F6F1}" type="datetimeFigureOut">
               <a:rPr lang="en-CA" smtClean="0"/>
-              <a:t>2018-07-23</a:t>
+              <a:t>2018-07-25</a:t>
             </a:fld>
             <a:endParaRPr lang="en-CA"/>
           </a:p>
@@ -2574,7 +2575,7 @@
           <a:p>
             <a:fld id="{F7249F8D-641B-4CAF-BAE5-10524742F6F1}" type="datetimeFigureOut">
               <a:rPr lang="en-CA" smtClean="0"/>
-              <a:t>2018-07-23</a:t>
+              <a:t>2018-07-25</a:t>
             </a:fld>
             <a:endParaRPr lang="en-CA"/>
           </a:p>
@@ -5331,6 +5332,1337 @@
       </p:grpSpPr>
       <p:grpSp>
         <p:nvGrpSpPr>
+          <p:cNvPr id="28" name="Group 27"/>
+          <p:cNvGrpSpPr/>
+          <p:nvPr/>
+        </p:nvGrpSpPr>
+        <p:grpSpPr>
+          <a:xfrm>
+            <a:off x="554901" y="588724"/>
+            <a:ext cx="5808321" cy="4772416"/>
+            <a:chOff x="1506879" y="1603332"/>
+            <a:chExt cx="5808321" cy="4772416"/>
+          </a:xfrm>
+        </p:grpSpPr>
+        <p:sp>
+          <p:nvSpPr>
+            <p:cNvPr id="5" name="Rectangle 4"/>
+            <p:cNvSpPr/>
+            <p:nvPr/>
+          </p:nvSpPr>
+          <p:spPr>
+            <a:xfrm>
+              <a:off x="1515649" y="1954060"/>
+              <a:ext cx="1841326" cy="1503124"/>
+            </a:xfrm>
+            <a:prstGeom prst="rect">
+              <a:avLst/>
+            </a:prstGeom>
+            <a:solidFill>
+              <a:schemeClr val="accent1">
+                <a:lumMod val="40000"/>
+                <a:lumOff val="60000"/>
+              </a:schemeClr>
+            </a:solidFill>
+            <a:ln w="38100">
+              <a:noFill/>
+            </a:ln>
+          </p:spPr>
+          <p:style>
+            <a:lnRef idx="2">
+              <a:schemeClr val="accent1">
+                <a:shade val="50000"/>
+              </a:schemeClr>
+            </a:lnRef>
+            <a:fillRef idx="1">
+              <a:schemeClr val="accent1"/>
+            </a:fillRef>
+            <a:effectRef idx="0">
+              <a:schemeClr val="accent1"/>
+            </a:effectRef>
+            <a:fontRef idx="minor">
+              <a:schemeClr val="lt1"/>
+            </a:fontRef>
+          </p:style>
+          <p:txBody>
+            <a:bodyPr rtlCol="0" anchor="ctr"/>
+            <a:lstStyle/>
+            <a:p>
+              <a:pPr algn="ctr"/>
+              <a:endParaRPr lang="en-US"/>
+            </a:p>
+          </p:txBody>
+        </p:sp>
+        <p:sp>
+          <p:nvSpPr>
+            <p:cNvPr id="4" name="Rectangle 3"/>
+            <p:cNvSpPr/>
+            <p:nvPr/>
+          </p:nvSpPr>
+          <p:spPr>
+            <a:xfrm>
+              <a:off x="1506879" y="1603332"/>
+              <a:ext cx="1850095" cy="1853852"/>
+            </a:xfrm>
+            <a:custGeom>
+              <a:avLst/>
+              <a:gdLst>
+                <a:gd name="connsiteX0" fmla="*/ 0 w 1841326"/>
+                <a:gd name="connsiteY0" fmla="*/ 0 h 1853852"/>
+                <a:gd name="connsiteX1" fmla="*/ 1841326 w 1841326"/>
+                <a:gd name="connsiteY1" fmla="*/ 0 h 1853852"/>
+                <a:gd name="connsiteX2" fmla="*/ 1841326 w 1841326"/>
+                <a:gd name="connsiteY2" fmla="*/ 1853852 h 1853852"/>
+                <a:gd name="connsiteX3" fmla="*/ 0 w 1841326"/>
+                <a:gd name="connsiteY3" fmla="*/ 1853852 h 1853852"/>
+                <a:gd name="connsiteX4" fmla="*/ 0 w 1841326"/>
+                <a:gd name="connsiteY4" fmla="*/ 0 h 1853852"/>
+                <a:gd name="connsiteX0" fmla="*/ 1841326 w 1841326"/>
+                <a:gd name="connsiteY0" fmla="*/ 0 h 1853852"/>
+                <a:gd name="connsiteX1" fmla="*/ 1841326 w 1841326"/>
+                <a:gd name="connsiteY1" fmla="*/ 1853852 h 1853852"/>
+                <a:gd name="connsiteX2" fmla="*/ 0 w 1841326"/>
+                <a:gd name="connsiteY2" fmla="*/ 1853852 h 1853852"/>
+                <a:gd name="connsiteX3" fmla="*/ 91440 w 1841326"/>
+                <a:gd name="connsiteY3" fmla="*/ 91440 h 1853852"/>
+                <a:gd name="connsiteX0" fmla="*/ 1850095 w 1850095"/>
+                <a:gd name="connsiteY0" fmla="*/ 0 h 1853852"/>
+                <a:gd name="connsiteX1" fmla="*/ 1850095 w 1850095"/>
+                <a:gd name="connsiteY1" fmla="*/ 1853852 h 1853852"/>
+                <a:gd name="connsiteX2" fmla="*/ 8769 w 1850095"/>
+                <a:gd name="connsiteY2" fmla="*/ 1853852 h 1853852"/>
+                <a:gd name="connsiteX3" fmla="*/ 0 w 1850095"/>
+                <a:gd name="connsiteY3" fmla="*/ 78914 h 1853852"/>
+              </a:gdLst>
+              <a:ahLst/>
+              <a:cxnLst>
+                <a:cxn ang="0">
+                  <a:pos x="connsiteX0" y="connsiteY0"/>
+                </a:cxn>
+                <a:cxn ang="0">
+                  <a:pos x="connsiteX1" y="connsiteY1"/>
+                </a:cxn>
+                <a:cxn ang="0">
+                  <a:pos x="connsiteX2" y="connsiteY2"/>
+                </a:cxn>
+                <a:cxn ang="0">
+                  <a:pos x="connsiteX3" y="connsiteY3"/>
+                </a:cxn>
+              </a:cxnLst>
+              <a:rect l="l" t="t" r="r" b="b"/>
+              <a:pathLst>
+                <a:path w="1850095" h="1853852">
+                  <a:moveTo>
+                    <a:pt x="1850095" y="0"/>
+                  </a:moveTo>
+                  <a:lnTo>
+                    <a:pt x="1850095" y="1853852"/>
+                  </a:lnTo>
+                  <a:lnTo>
+                    <a:pt x="8769" y="1853852"/>
+                  </a:lnTo>
+                  <a:cubicBezTo>
+                    <a:pt x="8769" y="1235901"/>
+                    <a:pt x="0" y="78914"/>
+                    <a:pt x="0" y="78914"/>
+                  </a:cubicBezTo>
+                </a:path>
+              </a:pathLst>
+            </a:custGeom>
+            <a:noFill/>
+            <a:ln w="38100">
+              <a:solidFill>
+                <a:schemeClr val="tx1"/>
+              </a:solidFill>
+            </a:ln>
+          </p:spPr>
+          <p:style>
+            <a:lnRef idx="2">
+              <a:schemeClr val="accent1">
+                <a:shade val="50000"/>
+              </a:schemeClr>
+            </a:lnRef>
+            <a:fillRef idx="1">
+              <a:schemeClr val="accent1"/>
+            </a:fillRef>
+            <a:effectRef idx="0">
+              <a:schemeClr val="accent1"/>
+            </a:effectRef>
+            <a:fontRef idx="minor">
+              <a:schemeClr val="lt1"/>
+            </a:fontRef>
+          </p:style>
+          <p:txBody>
+            <a:bodyPr rtlCol="0" anchor="ctr"/>
+            <a:lstStyle/>
+            <a:p>
+              <a:pPr algn="ctr"/>
+              <a:endParaRPr lang="en-US"/>
+            </a:p>
+          </p:txBody>
+        </p:sp>
+        <p:cxnSp>
+          <p:nvCxnSpPr>
+            <p:cNvPr id="7" name="Straight Connector 6"/>
+            <p:cNvCxnSpPr/>
+            <p:nvPr/>
+          </p:nvCxnSpPr>
+          <p:spPr>
+            <a:xfrm flipH="1">
+              <a:off x="1515650" y="3457184"/>
+              <a:ext cx="911889" cy="2680569"/>
+            </a:xfrm>
+            <a:prstGeom prst="line">
+              <a:avLst/>
+            </a:prstGeom>
+            <a:ln w="57150">
+              <a:solidFill>
+                <a:schemeClr val="accent4">
+                  <a:lumMod val="75000"/>
+                </a:schemeClr>
+              </a:solidFill>
+            </a:ln>
+          </p:spPr>
+          <p:style>
+            <a:lnRef idx="1">
+              <a:schemeClr val="accent1"/>
+            </a:lnRef>
+            <a:fillRef idx="0">
+              <a:schemeClr val="accent1"/>
+            </a:fillRef>
+            <a:effectRef idx="0">
+              <a:schemeClr val="accent1"/>
+            </a:effectRef>
+            <a:fontRef idx="minor">
+              <a:schemeClr val="tx1"/>
+            </a:fontRef>
+          </p:style>
+        </p:cxnSp>
+        <p:cxnSp>
+          <p:nvCxnSpPr>
+            <p:cNvPr id="8" name="Straight Connector 7"/>
+            <p:cNvCxnSpPr/>
+            <p:nvPr/>
+          </p:nvCxnSpPr>
+          <p:spPr>
+            <a:xfrm>
+              <a:off x="2431925" y="3435401"/>
+              <a:ext cx="4387" cy="2702352"/>
+            </a:xfrm>
+            <a:prstGeom prst="line">
+              <a:avLst/>
+            </a:prstGeom>
+            <a:ln w="57150">
+              <a:solidFill>
+                <a:schemeClr val="accent4">
+                  <a:lumMod val="75000"/>
+                </a:schemeClr>
+              </a:solidFill>
+            </a:ln>
+          </p:spPr>
+          <p:style>
+            <a:lnRef idx="1">
+              <a:schemeClr val="accent1"/>
+            </a:lnRef>
+            <a:fillRef idx="0">
+              <a:schemeClr val="accent1"/>
+            </a:fillRef>
+            <a:effectRef idx="0">
+              <a:schemeClr val="accent1"/>
+            </a:effectRef>
+            <a:fontRef idx="minor">
+              <a:schemeClr val="tx1"/>
+            </a:fontRef>
+          </p:style>
+        </p:cxnSp>
+        <p:cxnSp>
+          <p:nvCxnSpPr>
+            <p:cNvPr id="11" name="Straight Connector 10"/>
+            <p:cNvCxnSpPr/>
+            <p:nvPr/>
+          </p:nvCxnSpPr>
+          <p:spPr>
+            <a:xfrm>
+              <a:off x="2431926" y="3457184"/>
+              <a:ext cx="925049" cy="2680569"/>
+            </a:xfrm>
+            <a:prstGeom prst="line">
+              <a:avLst/>
+            </a:prstGeom>
+            <a:ln w="57150">
+              <a:solidFill>
+                <a:schemeClr val="accent4">
+                  <a:lumMod val="75000"/>
+                </a:schemeClr>
+              </a:solidFill>
+            </a:ln>
+          </p:spPr>
+          <p:style>
+            <a:lnRef idx="1">
+              <a:schemeClr val="accent1"/>
+            </a:lnRef>
+            <a:fillRef idx="0">
+              <a:schemeClr val="accent1"/>
+            </a:fillRef>
+            <a:effectRef idx="0">
+              <a:schemeClr val="accent1"/>
+            </a:effectRef>
+            <a:fontRef idx="minor">
+              <a:schemeClr val="tx1"/>
+            </a:fontRef>
+          </p:style>
+        </p:cxnSp>
+        <p:sp>
+          <p:nvSpPr>
+            <p:cNvPr id="15" name="Freeform 14"/>
+            <p:cNvSpPr/>
+            <p:nvPr/>
+          </p:nvSpPr>
+          <p:spPr>
+            <a:xfrm>
+              <a:off x="3356975" y="3435401"/>
+              <a:ext cx="3958225" cy="2757578"/>
+            </a:xfrm>
+            <a:custGeom>
+              <a:avLst/>
+              <a:gdLst>
+                <a:gd name="connsiteX0" fmla="*/ 0 w 3920647"/>
+                <a:gd name="connsiteY0" fmla="*/ 10241 h 2765967"/>
+                <a:gd name="connsiteX1" fmla="*/ 1778696 w 3920647"/>
+                <a:gd name="connsiteY1" fmla="*/ 248235 h 2765967"/>
+                <a:gd name="connsiteX2" fmla="*/ 3169085 w 3920647"/>
+                <a:gd name="connsiteY2" fmla="*/ 1676202 h 2765967"/>
+                <a:gd name="connsiteX3" fmla="*/ 3920647 w 3920647"/>
+                <a:gd name="connsiteY3" fmla="*/ 2765967 h 2765967"/>
+                <a:gd name="connsiteX0" fmla="*/ 0 w 3920647"/>
+                <a:gd name="connsiteY0" fmla="*/ 1399 h 2757125"/>
+                <a:gd name="connsiteX1" fmla="*/ 2129425 w 3920647"/>
+                <a:gd name="connsiteY1" fmla="*/ 452335 h 2757125"/>
+                <a:gd name="connsiteX2" fmla="*/ 3169085 w 3920647"/>
+                <a:gd name="connsiteY2" fmla="*/ 1667360 h 2757125"/>
+                <a:gd name="connsiteX3" fmla="*/ 3920647 w 3920647"/>
+                <a:gd name="connsiteY3" fmla="*/ 2757125 h 2757125"/>
+                <a:gd name="connsiteX0" fmla="*/ 0 w 3920647"/>
+                <a:gd name="connsiteY0" fmla="*/ 1945 h 2757671"/>
+                <a:gd name="connsiteX1" fmla="*/ 2129425 w 3920647"/>
+                <a:gd name="connsiteY1" fmla="*/ 452881 h 2757671"/>
+                <a:gd name="connsiteX2" fmla="*/ 3169085 w 3920647"/>
+                <a:gd name="connsiteY2" fmla="*/ 1667906 h 2757671"/>
+                <a:gd name="connsiteX3" fmla="*/ 3920647 w 3920647"/>
+                <a:gd name="connsiteY3" fmla="*/ 2757671 h 2757671"/>
+                <a:gd name="connsiteX0" fmla="*/ 0 w 3920647"/>
+                <a:gd name="connsiteY0" fmla="*/ 1852 h 2757578"/>
+                <a:gd name="connsiteX1" fmla="*/ 2129425 w 3920647"/>
+                <a:gd name="connsiteY1" fmla="*/ 452788 h 2757578"/>
+                <a:gd name="connsiteX2" fmla="*/ 3557392 w 3920647"/>
+                <a:gd name="connsiteY2" fmla="*/ 1993490 h 2757578"/>
+                <a:gd name="connsiteX3" fmla="*/ 3920647 w 3920647"/>
+                <a:gd name="connsiteY3" fmla="*/ 2757578 h 2757578"/>
+                <a:gd name="connsiteX0" fmla="*/ 0 w 3920647"/>
+                <a:gd name="connsiteY0" fmla="*/ 1852 h 2757578"/>
+                <a:gd name="connsiteX1" fmla="*/ 2129425 w 3920647"/>
+                <a:gd name="connsiteY1" fmla="*/ 452788 h 2757578"/>
+                <a:gd name="connsiteX2" fmla="*/ 3557392 w 3920647"/>
+                <a:gd name="connsiteY2" fmla="*/ 1993490 h 2757578"/>
+                <a:gd name="connsiteX3" fmla="*/ 3920647 w 3920647"/>
+                <a:gd name="connsiteY3" fmla="*/ 2757578 h 2757578"/>
+                <a:gd name="connsiteX0" fmla="*/ 0 w 3920647"/>
+                <a:gd name="connsiteY0" fmla="*/ 1852 h 2757578"/>
+                <a:gd name="connsiteX1" fmla="*/ 2129425 w 3920647"/>
+                <a:gd name="connsiteY1" fmla="*/ 452788 h 2757578"/>
+                <a:gd name="connsiteX2" fmla="*/ 3557392 w 3920647"/>
+                <a:gd name="connsiteY2" fmla="*/ 1993490 h 2757578"/>
+                <a:gd name="connsiteX3" fmla="*/ 3920647 w 3920647"/>
+                <a:gd name="connsiteY3" fmla="*/ 2757578 h 2757578"/>
+                <a:gd name="connsiteX0" fmla="*/ 0 w 3920647"/>
+                <a:gd name="connsiteY0" fmla="*/ 1852 h 2757578"/>
+                <a:gd name="connsiteX1" fmla="*/ 2129425 w 3920647"/>
+                <a:gd name="connsiteY1" fmla="*/ 452788 h 2757578"/>
+                <a:gd name="connsiteX2" fmla="*/ 3557392 w 3920647"/>
+                <a:gd name="connsiteY2" fmla="*/ 1993490 h 2757578"/>
+                <a:gd name="connsiteX3" fmla="*/ 3920647 w 3920647"/>
+                <a:gd name="connsiteY3" fmla="*/ 2757578 h 2757578"/>
+                <a:gd name="connsiteX0" fmla="*/ 0 w 4008329"/>
+                <a:gd name="connsiteY0" fmla="*/ 1852 h 2757578"/>
+                <a:gd name="connsiteX1" fmla="*/ 2129425 w 4008329"/>
+                <a:gd name="connsiteY1" fmla="*/ 452788 h 2757578"/>
+                <a:gd name="connsiteX2" fmla="*/ 3557392 w 4008329"/>
+                <a:gd name="connsiteY2" fmla="*/ 1993490 h 2757578"/>
+                <a:gd name="connsiteX3" fmla="*/ 4008329 w 4008329"/>
+                <a:gd name="connsiteY3" fmla="*/ 2757578 h 2757578"/>
+                <a:gd name="connsiteX0" fmla="*/ 0 w 4008329"/>
+                <a:gd name="connsiteY0" fmla="*/ 1852 h 2757578"/>
+                <a:gd name="connsiteX1" fmla="*/ 2129425 w 4008329"/>
+                <a:gd name="connsiteY1" fmla="*/ 452788 h 2757578"/>
+                <a:gd name="connsiteX2" fmla="*/ 3557392 w 4008329"/>
+                <a:gd name="connsiteY2" fmla="*/ 1993490 h 2757578"/>
+                <a:gd name="connsiteX3" fmla="*/ 4008329 w 4008329"/>
+                <a:gd name="connsiteY3" fmla="*/ 2757578 h 2757578"/>
+                <a:gd name="connsiteX0" fmla="*/ 0 w 4008329"/>
+                <a:gd name="connsiteY0" fmla="*/ 1852 h 2757578"/>
+                <a:gd name="connsiteX1" fmla="*/ 2129425 w 4008329"/>
+                <a:gd name="connsiteY1" fmla="*/ 452788 h 2757578"/>
+                <a:gd name="connsiteX2" fmla="*/ 3557392 w 4008329"/>
+                <a:gd name="connsiteY2" fmla="*/ 1993490 h 2757578"/>
+                <a:gd name="connsiteX3" fmla="*/ 4008329 w 4008329"/>
+                <a:gd name="connsiteY3" fmla="*/ 2757578 h 2757578"/>
+                <a:gd name="connsiteX0" fmla="*/ 0 w 3958225"/>
+                <a:gd name="connsiteY0" fmla="*/ 1852 h 2757578"/>
+                <a:gd name="connsiteX1" fmla="*/ 2129425 w 3958225"/>
+                <a:gd name="connsiteY1" fmla="*/ 452788 h 2757578"/>
+                <a:gd name="connsiteX2" fmla="*/ 3557392 w 3958225"/>
+                <a:gd name="connsiteY2" fmla="*/ 1993490 h 2757578"/>
+                <a:gd name="connsiteX3" fmla="*/ 3958225 w 3958225"/>
+                <a:gd name="connsiteY3" fmla="*/ 2757578 h 2757578"/>
+                <a:gd name="connsiteX0" fmla="*/ 0 w 3958225"/>
+                <a:gd name="connsiteY0" fmla="*/ 1852 h 2757578"/>
+                <a:gd name="connsiteX1" fmla="*/ 2129425 w 3958225"/>
+                <a:gd name="connsiteY1" fmla="*/ 452788 h 2757578"/>
+                <a:gd name="connsiteX2" fmla="*/ 3557392 w 3958225"/>
+                <a:gd name="connsiteY2" fmla="*/ 1993490 h 2757578"/>
+                <a:gd name="connsiteX3" fmla="*/ 3958225 w 3958225"/>
+                <a:gd name="connsiteY3" fmla="*/ 2757578 h 2757578"/>
+                <a:gd name="connsiteX0" fmla="*/ 0 w 3958225"/>
+                <a:gd name="connsiteY0" fmla="*/ 1852 h 2757578"/>
+                <a:gd name="connsiteX1" fmla="*/ 2129425 w 3958225"/>
+                <a:gd name="connsiteY1" fmla="*/ 452788 h 2757578"/>
+                <a:gd name="connsiteX2" fmla="*/ 3557392 w 3958225"/>
+                <a:gd name="connsiteY2" fmla="*/ 1993490 h 2757578"/>
+                <a:gd name="connsiteX3" fmla="*/ 3958225 w 3958225"/>
+                <a:gd name="connsiteY3" fmla="*/ 2757578 h 2757578"/>
+                <a:gd name="connsiteX0" fmla="*/ 0 w 3958225"/>
+                <a:gd name="connsiteY0" fmla="*/ 1852 h 2757578"/>
+                <a:gd name="connsiteX1" fmla="*/ 2129425 w 3958225"/>
+                <a:gd name="connsiteY1" fmla="*/ 452788 h 2757578"/>
+                <a:gd name="connsiteX2" fmla="*/ 3557392 w 3958225"/>
+                <a:gd name="connsiteY2" fmla="*/ 1993490 h 2757578"/>
+                <a:gd name="connsiteX3" fmla="*/ 3958225 w 3958225"/>
+                <a:gd name="connsiteY3" fmla="*/ 2757578 h 2757578"/>
+                <a:gd name="connsiteX0" fmla="*/ 0 w 3958225"/>
+                <a:gd name="connsiteY0" fmla="*/ 1852 h 2757578"/>
+                <a:gd name="connsiteX1" fmla="*/ 2129425 w 3958225"/>
+                <a:gd name="connsiteY1" fmla="*/ 452788 h 2757578"/>
+                <a:gd name="connsiteX2" fmla="*/ 3557392 w 3958225"/>
+                <a:gd name="connsiteY2" fmla="*/ 1993490 h 2757578"/>
+                <a:gd name="connsiteX3" fmla="*/ 3958225 w 3958225"/>
+                <a:gd name="connsiteY3" fmla="*/ 2757578 h 2757578"/>
+                <a:gd name="connsiteX0" fmla="*/ 0 w 3958225"/>
+                <a:gd name="connsiteY0" fmla="*/ 1852 h 2757578"/>
+                <a:gd name="connsiteX1" fmla="*/ 2129425 w 3958225"/>
+                <a:gd name="connsiteY1" fmla="*/ 452788 h 2757578"/>
+                <a:gd name="connsiteX2" fmla="*/ 3557392 w 3958225"/>
+                <a:gd name="connsiteY2" fmla="*/ 1993490 h 2757578"/>
+                <a:gd name="connsiteX3" fmla="*/ 3958225 w 3958225"/>
+                <a:gd name="connsiteY3" fmla="*/ 2757578 h 2757578"/>
+                <a:gd name="connsiteX0" fmla="*/ 0 w 3958225"/>
+                <a:gd name="connsiteY0" fmla="*/ 1852 h 2757578"/>
+                <a:gd name="connsiteX1" fmla="*/ 2129425 w 3958225"/>
+                <a:gd name="connsiteY1" fmla="*/ 452788 h 2757578"/>
+                <a:gd name="connsiteX2" fmla="*/ 3557392 w 3958225"/>
+                <a:gd name="connsiteY2" fmla="*/ 1993490 h 2757578"/>
+                <a:gd name="connsiteX3" fmla="*/ 3958225 w 3958225"/>
+                <a:gd name="connsiteY3" fmla="*/ 2757578 h 2757578"/>
+              </a:gdLst>
+              <a:ahLst/>
+              <a:cxnLst>
+                <a:cxn ang="0">
+                  <a:pos x="connsiteX0" y="connsiteY0"/>
+                </a:cxn>
+                <a:cxn ang="0">
+                  <a:pos x="connsiteX1" y="connsiteY1"/>
+                </a:cxn>
+                <a:cxn ang="0">
+                  <a:pos x="connsiteX2" y="connsiteY2"/>
+                </a:cxn>
+                <a:cxn ang="0">
+                  <a:pos x="connsiteX3" y="connsiteY3"/>
+                </a:cxn>
+              </a:cxnLst>
+              <a:rect l="l" t="t" r="r" b="b"/>
+              <a:pathLst>
+                <a:path w="3958225" h="2757578">
+                  <a:moveTo>
+                    <a:pt x="0" y="1852"/>
+                  </a:moveTo>
+                  <a:cubicBezTo>
+                    <a:pt x="625257" y="-17981"/>
+                    <a:pt x="1536526" y="120848"/>
+                    <a:pt x="2129425" y="452788"/>
+                  </a:cubicBezTo>
+                  <a:cubicBezTo>
+                    <a:pt x="2722324" y="784728"/>
+                    <a:pt x="3265119" y="1546728"/>
+                    <a:pt x="3557392" y="1993490"/>
+                  </a:cubicBezTo>
+                  <a:cubicBezTo>
+                    <a:pt x="3849665" y="2440252"/>
+                    <a:pt x="3760941" y="2397454"/>
+                    <a:pt x="3958225" y="2757578"/>
+                  </a:cubicBezTo>
+                </a:path>
+              </a:pathLst>
+            </a:custGeom>
+            <a:noFill/>
+            <a:ln w="57150">
+              <a:solidFill>
+                <a:srgbClr val="00B0F0"/>
+              </a:solidFill>
+              <a:prstDash val="dash"/>
+            </a:ln>
+          </p:spPr>
+          <p:style>
+            <a:lnRef idx="2">
+              <a:schemeClr val="accent1">
+                <a:shade val="50000"/>
+              </a:schemeClr>
+            </a:lnRef>
+            <a:fillRef idx="1">
+              <a:schemeClr val="accent1"/>
+            </a:fillRef>
+            <a:effectRef idx="0">
+              <a:schemeClr val="accent1"/>
+            </a:effectRef>
+            <a:fontRef idx="minor">
+              <a:schemeClr val="lt1"/>
+            </a:fontRef>
+          </p:style>
+          <p:txBody>
+            <a:bodyPr rtlCol="0" anchor="ctr"/>
+            <a:lstStyle/>
+            <a:p>
+              <a:pPr algn="ctr"/>
+              <a:endParaRPr lang="en-US"/>
+            </a:p>
+          </p:txBody>
+        </p:sp>
+        <p:cxnSp>
+          <p:nvCxnSpPr>
+            <p:cNvPr id="17" name="Straight Arrow Connector 16"/>
+            <p:cNvCxnSpPr/>
+            <p:nvPr/>
+          </p:nvCxnSpPr>
+          <p:spPr>
+            <a:xfrm>
+              <a:off x="3469710" y="3451614"/>
+              <a:ext cx="0" cy="2700500"/>
+            </a:xfrm>
+            <a:prstGeom prst="straightConnector1">
+              <a:avLst/>
+            </a:prstGeom>
+            <a:ln w="38100">
+              <a:solidFill>
+                <a:schemeClr val="tx1"/>
+              </a:solidFill>
+              <a:headEnd type="triangle"/>
+              <a:tailEnd type="triangle"/>
+            </a:ln>
+          </p:spPr>
+          <p:style>
+            <a:lnRef idx="1">
+              <a:schemeClr val="accent1"/>
+            </a:lnRef>
+            <a:fillRef idx="0">
+              <a:schemeClr val="accent1"/>
+            </a:fillRef>
+            <a:effectRef idx="0">
+              <a:schemeClr val="accent1"/>
+            </a:effectRef>
+            <a:fontRef idx="minor">
+              <a:schemeClr val="tx1"/>
+            </a:fontRef>
+          </p:style>
+        </p:cxnSp>
+        <p:cxnSp>
+          <p:nvCxnSpPr>
+            <p:cNvPr id="18" name="Straight Arrow Connector 17"/>
+            <p:cNvCxnSpPr/>
+            <p:nvPr/>
+          </p:nvCxnSpPr>
+          <p:spPr>
+            <a:xfrm>
+              <a:off x="3469710" y="1926961"/>
+              <a:ext cx="0" cy="1508440"/>
+            </a:xfrm>
+            <a:prstGeom prst="straightConnector1">
+              <a:avLst/>
+            </a:prstGeom>
+            <a:ln w="38100">
+              <a:solidFill>
+                <a:schemeClr val="tx1"/>
+              </a:solidFill>
+              <a:headEnd type="triangle"/>
+              <a:tailEnd type="triangle"/>
+            </a:ln>
+          </p:spPr>
+          <p:style>
+            <a:lnRef idx="1">
+              <a:schemeClr val="accent1"/>
+            </a:lnRef>
+            <a:fillRef idx="0">
+              <a:schemeClr val="accent1"/>
+            </a:fillRef>
+            <a:effectRef idx="0">
+              <a:schemeClr val="accent1"/>
+            </a:effectRef>
+            <a:fontRef idx="minor">
+              <a:schemeClr val="tx1"/>
+            </a:fontRef>
+          </p:style>
+        </p:cxnSp>
+        <mc:AlternateContent xmlns:mc="http://schemas.openxmlformats.org/markup-compatibility/2006" xmlns:a14="http://schemas.microsoft.com/office/drawing/2010/main">
+          <mc:Choice Requires="a14">
+            <p:sp>
+              <p:nvSpPr>
+                <p:cNvPr id="23" name="TextBox 22"/>
+                <p:cNvSpPr txBox="1"/>
+                <p:nvPr/>
+              </p:nvSpPr>
+              <p:spPr>
+                <a:xfrm>
+                  <a:off x="3501630" y="2527292"/>
+                  <a:ext cx="339410" cy="307777"/>
+                </a:xfrm>
+                <a:prstGeom prst="rect">
+                  <a:avLst/>
+                </a:prstGeom>
+                <a:noFill/>
+              </p:spPr>
+              <p:txBody>
+                <a:bodyPr wrap="square" lIns="0" tIns="0" rIns="0" bIns="0" rtlCol="0">
+                  <a:spAutoFit/>
+                </a:bodyPr>
+                <a:lstStyle/>
+                <a:p>
+                  <a:pPr/>
+                  <a14:m>
+                    <m:oMathPara xmlns:m="http://schemas.openxmlformats.org/officeDocument/2006/math">
+                      <m:oMathParaPr>
+                        <m:jc m:val="centerGroup"/>
+                      </m:oMathParaPr>
+                      <m:oMath xmlns:m="http://schemas.openxmlformats.org/officeDocument/2006/math">
+                        <m:sSub>
+                          <m:sSubPr>
+                            <m:ctrlPr>
+                              <a:rPr lang="en-US" sz="2000" b="0" i="1" smtClean="0">
+                                <a:latin typeface="Cambria Math" panose="02040503050406030204" pitchFamily="18" charset="0"/>
+                                <a:cs typeface="Arial" panose="020B0604020202020204" pitchFamily="34" charset="0"/>
+                              </a:rPr>
+                            </m:ctrlPr>
+                          </m:sSubPr>
+                          <m:e>
+                            <m:r>
+                              <a:rPr lang="en-US" sz="2000" b="0" i="1" smtClean="0">
+                                <a:latin typeface="Cambria Math" panose="02040503050406030204" pitchFamily="18" charset="0"/>
+                                <a:cs typeface="Arial" panose="020B0604020202020204" pitchFamily="34" charset="0"/>
+                              </a:rPr>
+                              <m:t>h</m:t>
+                            </m:r>
+                          </m:e>
+                          <m:sub>
+                            <m:r>
+                              <a:rPr lang="en-US" sz="2000" b="0" i="1" smtClean="0">
+                                <a:latin typeface="Cambria Math" panose="02040503050406030204" pitchFamily="18" charset="0"/>
+                                <a:cs typeface="Arial" panose="020B0604020202020204" pitchFamily="34" charset="0"/>
+                              </a:rPr>
+                              <m:t>1</m:t>
+                            </m:r>
+                          </m:sub>
+                        </m:sSub>
+                      </m:oMath>
+                    </m:oMathPara>
+                  </a14:m>
+                  <a:endParaRPr lang="en-US" sz="2000" dirty="0" smtClean="0">
+                    <a:latin typeface="Arial" panose="020B0604020202020204" pitchFamily="34" charset="0"/>
+                    <a:cs typeface="Arial" panose="020B0604020202020204" pitchFamily="34" charset="0"/>
+                  </a:endParaRPr>
+                </a:p>
+              </p:txBody>
+            </p:sp>
+          </mc:Choice>
+          <mc:Fallback xmlns="">
+            <p:sp>
+              <p:nvSpPr>
+                <p:cNvPr id="23" name="TextBox 22"/>
+                <p:cNvSpPr txBox="1">
+                  <a:spLocks noRot="1" noChangeAspect="1" noMove="1" noResize="1" noEditPoints="1" noAdjustHandles="1" noChangeArrowheads="1" noChangeShapeType="1" noTextEdit="1"/>
+                </p:cNvSpPr>
+                <p:nvPr/>
+              </p:nvSpPr>
+              <p:spPr>
+                <a:xfrm>
+                  <a:off x="3501630" y="2527292"/>
+                  <a:ext cx="339410" cy="307777"/>
+                </a:xfrm>
+                <a:prstGeom prst="rect">
+                  <a:avLst/>
+                </a:prstGeom>
+                <a:blipFill>
+                  <a:blip r:embed="rId2"/>
+                  <a:stretch>
+                    <a:fillRect l="-14286" r="-1786" b="-17647"/>
+                  </a:stretch>
+                </a:blipFill>
+              </p:spPr>
+              <p:txBody>
+                <a:bodyPr/>
+                <a:lstStyle/>
+                <a:p>
+                  <a:r>
+                    <a:rPr lang="en-US">
+                      <a:noFill/>
+                    </a:rPr>
+                    <a:t> </a:t>
+                  </a:r>
+                </a:p>
+              </p:txBody>
+            </p:sp>
+          </mc:Fallback>
+        </mc:AlternateContent>
+        <mc:AlternateContent xmlns:mc="http://schemas.openxmlformats.org/markup-compatibility/2006" xmlns:a14="http://schemas.microsoft.com/office/drawing/2010/main">
+          <mc:Choice Requires="a14">
+            <p:sp>
+              <p:nvSpPr>
+                <p:cNvPr id="24" name="TextBox 23"/>
+                <p:cNvSpPr txBox="1"/>
+                <p:nvPr/>
+              </p:nvSpPr>
+              <p:spPr>
+                <a:xfrm>
+                  <a:off x="3594971" y="4647049"/>
+                  <a:ext cx="339410" cy="307777"/>
+                </a:xfrm>
+                <a:prstGeom prst="rect">
+                  <a:avLst/>
+                </a:prstGeom>
+                <a:noFill/>
+              </p:spPr>
+              <p:txBody>
+                <a:bodyPr wrap="square" lIns="0" tIns="0" rIns="0" bIns="0" rtlCol="0">
+                  <a:spAutoFit/>
+                </a:bodyPr>
+                <a:lstStyle/>
+                <a:p>
+                  <a:pPr/>
+                  <a14:m>
+                    <m:oMathPara xmlns:m="http://schemas.openxmlformats.org/officeDocument/2006/math">
+                      <m:oMathParaPr>
+                        <m:jc m:val="centerGroup"/>
+                      </m:oMathParaPr>
+                      <m:oMath xmlns:m="http://schemas.openxmlformats.org/officeDocument/2006/math">
+                        <m:sSub>
+                          <m:sSubPr>
+                            <m:ctrlPr>
+                              <a:rPr lang="en-US" sz="2000" b="0" i="1" smtClean="0">
+                                <a:latin typeface="Cambria Math" panose="02040503050406030204" pitchFamily="18" charset="0"/>
+                                <a:cs typeface="Arial" panose="020B0604020202020204" pitchFamily="34" charset="0"/>
+                              </a:rPr>
+                            </m:ctrlPr>
+                          </m:sSubPr>
+                          <m:e>
+                            <m:r>
+                              <a:rPr lang="en-US" sz="2000" b="0" i="1" smtClean="0">
+                                <a:latin typeface="Cambria Math" panose="02040503050406030204" pitchFamily="18" charset="0"/>
+                                <a:cs typeface="Arial" panose="020B0604020202020204" pitchFamily="34" charset="0"/>
+                              </a:rPr>
+                              <m:t>h</m:t>
+                            </m:r>
+                          </m:e>
+                          <m:sub>
+                            <m:r>
+                              <a:rPr lang="en-US" sz="2000" b="0" i="1" smtClean="0">
+                                <a:latin typeface="Cambria Math" panose="02040503050406030204" pitchFamily="18" charset="0"/>
+                                <a:cs typeface="Arial" panose="020B0604020202020204" pitchFamily="34" charset="0"/>
+                              </a:rPr>
+                              <m:t>2</m:t>
+                            </m:r>
+                          </m:sub>
+                        </m:sSub>
+                      </m:oMath>
+                    </m:oMathPara>
+                  </a14:m>
+                  <a:endParaRPr lang="en-US" sz="2000" dirty="0" smtClean="0">
+                    <a:latin typeface="Arial" panose="020B0604020202020204" pitchFamily="34" charset="0"/>
+                    <a:cs typeface="Arial" panose="020B0604020202020204" pitchFamily="34" charset="0"/>
+                  </a:endParaRPr>
+                </a:p>
+              </p:txBody>
+            </p:sp>
+          </mc:Choice>
+          <mc:Fallback xmlns="">
+            <p:sp>
+              <p:nvSpPr>
+                <p:cNvPr id="24" name="TextBox 23"/>
+                <p:cNvSpPr txBox="1">
+                  <a:spLocks noRot="1" noChangeAspect="1" noMove="1" noResize="1" noEditPoints="1" noAdjustHandles="1" noChangeArrowheads="1" noChangeShapeType="1" noTextEdit="1"/>
+                </p:cNvSpPr>
+                <p:nvPr/>
+              </p:nvSpPr>
+              <p:spPr>
+                <a:xfrm>
+                  <a:off x="3594971" y="4647049"/>
+                  <a:ext cx="339410" cy="307777"/>
+                </a:xfrm>
+                <a:prstGeom prst="rect">
+                  <a:avLst/>
+                </a:prstGeom>
+                <a:blipFill>
+                  <a:blip r:embed="rId3"/>
+                  <a:stretch>
+                    <a:fillRect l="-16364" r="-3636" b="-20000"/>
+                  </a:stretch>
+                </a:blipFill>
+              </p:spPr>
+              <p:txBody>
+                <a:bodyPr/>
+                <a:lstStyle/>
+                <a:p>
+                  <a:r>
+                    <a:rPr lang="en-US">
+                      <a:noFill/>
+                    </a:rPr>
+                    <a:t> </a:t>
+                  </a:r>
+                </a:p>
+              </p:txBody>
+            </p:sp>
+          </mc:Fallback>
+        </mc:AlternateContent>
+        <p:cxnSp>
+          <p:nvCxnSpPr>
+            <p:cNvPr id="26" name="Straight Arrow Connector 25"/>
+            <p:cNvCxnSpPr/>
+            <p:nvPr/>
+          </p:nvCxnSpPr>
+          <p:spPr>
+            <a:xfrm flipV="1">
+              <a:off x="3305728" y="6368959"/>
+              <a:ext cx="4009472" cy="6789"/>
+            </a:xfrm>
+            <a:prstGeom prst="straightConnector1">
+              <a:avLst/>
+            </a:prstGeom>
+            <a:ln w="38100">
+              <a:solidFill>
+                <a:schemeClr val="tx1"/>
+              </a:solidFill>
+              <a:headEnd type="triangle"/>
+              <a:tailEnd type="triangle"/>
+            </a:ln>
+          </p:spPr>
+          <p:style>
+            <a:lnRef idx="1">
+              <a:schemeClr val="accent1"/>
+            </a:lnRef>
+            <a:fillRef idx="0">
+              <a:schemeClr val="accent1"/>
+            </a:fillRef>
+            <a:effectRef idx="0">
+              <a:schemeClr val="accent1"/>
+            </a:effectRef>
+            <a:fontRef idx="minor">
+              <a:schemeClr val="tx1"/>
+            </a:fontRef>
+          </p:style>
+        </p:cxnSp>
+        <mc:AlternateContent xmlns:mc="http://schemas.openxmlformats.org/markup-compatibility/2006" xmlns:a14="http://schemas.microsoft.com/office/drawing/2010/main">
+          <mc:Choice Requires="a14">
+            <p:sp>
+              <p:nvSpPr>
+                <p:cNvPr id="27" name="TextBox 26"/>
+                <p:cNvSpPr txBox="1"/>
+                <p:nvPr/>
+              </p:nvSpPr>
+              <p:spPr>
+                <a:xfrm>
+                  <a:off x="5136577" y="6062889"/>
+                  <a:ext cx="227755" cy="307777"/>
+                </a:xfrm>
+                <a:prstGeom prst="rect">
+                  <a:avLst/>
+                </a:prstGeom>
+                <a:noFill/>
+              </p:spPr>
+              <p:txBody>
+                <a:bodyPr wrap="square" lIns="0" tIns="0" rIns="0" bIns="0" rtlCol="0">
+                  <a:spAutoFit/>
+                </a:bodyPr>
+                <a:lstStyle/>
+                <a:p>
+                  <a:pPr/>
+                  <a14:m>
+                    <m:oMathPara xmlns:m="http://schemas.openxmlformats.org/officeDocument/2006/math">
+                      <m:oMathParaPr>
+                        <m:jc m:val="centerGroup"/>
+                      </m:oMathParaPr>
+                      <m:oMath xmlns:m="http://schemas.openxmlformats.org/officeDocument/2006/math">
+                        <m:r>
+                          <a:rPr lang="en-US" sz="2000" b="0" i="1" smtClean="0">
+                            <a:latin typeface="Cambria Math" panose="02040503050406030204" pitchFamily="18" charset="0"/>
+                            <a:cs typeface="Arial" panose="020B0604020202020204" pitchFamily="34" charset="0"/>
+                          </a:rPr>
+                          <m:t>𝑑</m:t>
+                        </m:r>
+                      </m:oMath>
+                    </m:oMathPara>
+                  </a14:m>
+                  <a:endParaRPr lang="en-US" sz="2000" dirty="0" smtClean="0">
+                    <a:latin typeface="Arial" panose="020B0604020202020204" pitchFamily="34" charset="0"/>
+                    <a:cs typeface="Arial" panose="020B0604020202020204" pitchFamily="34" charset="0"/>
+                  </a:endParaRPr>
+                </a:p>
+              </p:txBody>
+            </p:sp>
+          </mc:Choice>
+          <mc:Fallback xmlns="">
+            <p:sp>
+              <p:nvSpPr>
+                <p:cNvPr id="27" name="TextBox 26"/>
+                <p:cNvSpPr txBox="1">
+                  <a:spLocks noRot="1" noChangeAspect="1" noMove="1" noResize="1" noEditPoints="1" noAdjustHandles="1" noChangeArrowheads="1" noChangeShapeType="1" noTextEdit="1"/>
+                </p:cNvSpPr>
+                <p:nvPr/>
+              </p:nvSpPr>
+              <p:spPr>
+                <a:xfrm>
+                  <a:off x="5136577" y="6062889"/>
+                  <a:ext cx="227755" cy="307777"/>
+                </a:xfrm>
+                <a:prstGeom prst="rect">
+                  <a:avLst/>
+                </a:prstGeom>
+                <a:blipFill>
+                  <a:blip r:embed="rId4"/>
+                  <a:stretch>
+                    <a:fillRect l="-23684" r="-18421" b="-9804"/>
+                  </a:stretch>
+                </a:blipFill>
+              </p:spPr>
+              <p:txBody>
+                <a:bodyPr/>
+                <a:lstStyle/>
+                <a:p>
+                  <a:r>
+                    <a:rPr lang="en-US">
+                      <a:noFill/>
+                    </a:rPr>
+                    <a:t> </a:t>
+                  </a:r>
+                </a:p>
+              </p:txBody>
+            </p:sp>
+          </mc:Fallback>
+        </mc:AlternateContent>
+      </p:grpSp>
+      <p:grpSp>
+        <p:nvGrpSpPr>
+          <p:cNvPr id="29" name="Group 28"/>
+          <p:cNvGrpSpPr/>
+          <p:nvPr/>
+        </p:nvGrpSpPr>
+        <p:grpSpPr>
+          <a:xfrm>
+            <a:off x="2150360" y="4495989"/>
+            <a:ext cx="898789" cy="709995"/>
+            <a:chOff x="758520" y="708040"/>
+            <a:chExt cx="2596102" cy="2135605"/>
+          </a:xfrm>
+        </p:grpSpPr>
+        <p:grpSp>
+          <p:nvGrpSpPr>
+            <p:cNvPr id="30" name="Group 29"/>
+            <p:cNvGrpSpPr/>
+            <p:nvPr/>
+          </p:nvGrpSpPr>
+          <p:grpSpPr>
+            <a:xfrm>
+              <a:off x="758520" y="708040"/>
+              <a:ext cx="2596102" cy="2135605"/>
+              <a:chOff x="785815" y="680744"/>
+              <a:chExt cx="2596102" cy="2135605"/>
+            </a:xfrm>
+          </p:grpSpPr>
+          <p:cxnSp>
+            <p:nvCxnSpPr>
+              <p:cNvPr id="32" name="Straight Arrow Connector 31"/>
+              <p:cNvCxnSpPr/>
+              <p:nvPr/>
+            </p:nvCxnSpPr>
+            <p:spPr>
+              <a:xfrm flipV="1">
+                <a:off x="1516583" y="680744"/>
+                <a:ext cx="7683" cy="1859535"/>
+              </a:xfrm>
+              <a:prstGeom prst="straightConnector1">
+                <a:avLst/>
+              </a:prstGeom>
+              <a:ln w="38100">
+                <a:solidFill>
+                  <a:schemeClr val="tx1"/>
+                </a:solidFill>
+                <a:tailEnd type="triangle"/>
+              </a:ln>
+            </p:spPr>
+            <p:style>
+              <a:lnRef idx="1">
+                <a:schemeClr val="accent1"/>
+              </a:lnRef>
+              <a:fillRef idx="0">
+                <a:schemeClr val="accent1"/>
+              </a:fillRef>
+              <a:effectRef idx="0">
+                <a:schemeClr val="accent1"/>
+              </a:effectRef>
+              <a:fontRef idx="minor">
+                <a:schemeClr val="tx1"/>
+              </a:fontRef>
+            </p:style>
+          </p:cxnSp>
+          <p:cxnSp>
+            <p:nvCxnSpPr>
+              <p:cNvPr id="33" name="Straight Arrow Connector 32"/>
+              <p:cNvCxnSpPr/>
+              <p:nvPr/>
+            </p:nvCxnSpPr>
+            <p:spPr>
+              <a:xfrm flipV="1">
+                <a:off x="1507013" y="2535259"/>
+                <a:ext cx="1874904" cy="1"/>
+              </a:xfrm>
+              <a:prstGeom prst="straightConnector1">
+                <a:avLst/>
+              </a:prstGeom>
+              <a:ln w="38100">
+                <a:solidFill>
+                  <a:schemeClr val="tx1"/>
+                </a:solidFill>
+                <a:tailEnd type="triangle"/>
+              </a:ln>
+            </p:spPr>
+            <p:style>
+              <a:lnRef idx="1">
+                <a:schemeClr val="accent1"/>
+              </a:lnRef>
+              <a:fillRef idx="0">
+                <a:schemeClr val="accent1"/>
+              </a:fillRef>
+              <a:effectRef idx="0">
+                <a:schemeClr val="accent1"/>
+              </a:effectRef>
+              <a:fontRef idx="minor">
+                <a:schemeClr val="tx1"/>
+              </a:fontRef>
+            </p:style>
+          </p:cxnSp>
+          <mc:AlternateContent xmlns:mc="http://schemas.openxmlformats.org/markup-compatibility/2006" xmlns:a14="http://schemas.microsoft.com/office/drawing/2010/main">
+            <mc:Choice Requires="a14">
+              <p:sp>
+                <p:nvSpPr>
+                  <p:cNvPr id="34" name="Rectangle 33"/>
+                  <p:cNvSpPr/>
+                  <p:nvPr/>
+                </p:nvSpPr>
+                <p:spPr>
+                  <a:xfrm>
+                    <a:off x="2697555" y="2447016"/>
+                    <a:ext cx="367985" cy="369333"/>
+                  </a:xfrm>
+                  <a:prstGeom prst="rect">
+                    <a:avLst/>
+                  </a:prstGeom>
+                </p:spPr>
+                <p:txBody>
+                  <a:bodyPr wrap="none">
+                    <a:spAutoFit/>
+                  </a:bodyPr>
+                  <a:lstStyle/>
+                  <a:p>
+                    <a:pPr/>
+                    <a14:m>
+                      <m:oMathPara xmlns:m="http://schemas.openxmlformats.org/officeDocument/2006/math">
+                        <m:oMathParaPr>
+                          <m:jc m:val="centerGroup"/>
+                        </m:oMathParaPr>
+                        <m:oMath xmlns:m="http://schemas.openxmlformats.org/officeDocument/2006/math">
+                          <m:r>
+                            <a:rPr lang="en-US" i="1">
+                              <a:latin typeface="Cambria Math" panose="02040503050406030204" pitchFamily="18" charset="0"/>
+                              <a:cs typeface="Arial" panose="020B0604020202020204" pitchFamily="34" charset="0"/>
+                            </a:rPr>
+                            <m:t>𝑥</m:t>
+                          </m:r>
+                        </m:oMath>
+                      </m:oMathPara>
+                    </a14:m>
+                    <a:endParaRPr lang="en-CA" dirty="0"/>
+                  </a:p>
+                </p:txBody>
+              </p:sp>
+            </mc:Choice>
+            <mc:Fallback xmlns="">
+              <p:sp>
+                <p:nvSpPr>
+                  <p:cNvPr id="107" name="Rectangle 106"/>
+                  <p:cNvSpPr>
+                    <a:spLocks noRot="1" noChangeAspect="1" noMove="1" noResize="1" noEditPoints="1" noAdjustHandles="1" noChangeArrowheads="1" noChangeShapeType="1" noTextEdit="1"/>
+                  </p:cNvSpPr>
+                  <p:nvPr/>
+                </p:nvSpPr>
+                <p:spPr>
+                  <a:xfrm>
+                    <a:off x="2697555" y="2447016"/>
+                    <a:ext cx="367985" cy="369333"/>
+                  </a:xfrm>
+                  <a:prstGeom prst="rect">
+                    <a:avLst/>
+                  </a:prstGeom>
+                  <a:blipFill>
+                    <a:blip r:embed="rId27"/>
+                    <a:stretch>
+                      <a:fillRect r="-95238" b="-160000"/>
+                    </a:stretch>
+                  </a:blipFill>
+                </p:spPr>
+                <p:txBody>
+                  <a:bodyPr/>
+                  <a:lstStyle/>
+                  <a:p>
+                    <a:r>
+                      <a:rPr lang="en-US">
+                        <a:noFill/>
+                      </a:rPr>
+                      <a:t> </a:t>
+                    </a:r>
+                  </a:p>
+                </p:txBody>
+              </p:sp>
+            </mc:Fallback>
+          </mc:AlternateContent>
+          <mc:AlternateContent xmlns:mc="http://schemas.openxmlformats.org/markup-compatibility/2006" xmlns:a14="http://schemas.microsoft.com/office/drawing/2010/main">
+            <mc:Choice Requires="a14">
+              <p:sp>
+                <p:nvSpPr>
+                  <p:cNvPr id="35" name="Rectangle 34"/>
+                  <p:cNvSpPr/>
+                  <p:nvPr/>
+                </p:nvSpPr>
+                <p:spPr>
+                  <a:xfrm>
+                    <a:off x="785815" y="912420"/>
+                    <a:ext cx="371385" cy="369333"/>
+                  </a:xfrm>
+                  <a:prstGeom prst="rect">
+                    <a:avLst/>
+                  </a:prstGeom>
+                </p:spPr>
+                <p:txBody>
+                  <a:bodyPr wrap="none">
+                    <a:spAutoFit/>
+                  </a:bodyPr>
+                  <a:lstStyle/>
+                  <a:p>
+                    <a:pPr/>
+                    <a14:m>
+                      <m:oMathPara xmlns:m="http://schemas.openxmlformats.org/officeDocument/2006/math">
+                        <m:oMathParaPr>
+                          <m:jc m:val="centerGroup"/>
+                        </m:oMathParaPr>
+                        <m:oMath xmlns:m="http://schemas.openxmlformats.org/officeDocument/2006/math">
+                          <m:r>
+                            <a:rPr lang="en-US" b="0" i="1" smtClean="0">
+                              <a:latin typeface="Cambria Math" panose="02040503050406030204" pitchFamily="18" charset="0"/>
+                            </a:rPr>
+                            <m:t>𝑦</m:t>
+                          </m:r>
+                        </m:oMath>
+                      </m:oMathPara>
+                    </a14:m>
+                    <a:endParaRPr lang="en-CA" dirty="0"/>
+                  </a:p>
+                </p:txBody>
+              </p:sp>
+            </mc:Choice>
+            <mc:Fallback xmlns="">
+              <p:sp>
+                <p:nvSpPr>
+                  <p:cNvPr id="108" name="Rectangle 107"/>
+                  <p:cNvSpPr>
+                    <a:spLocks noRot="1" noChangeAspect="1" noMove="1" noResize="1" noEditPoints="1" noAdjustHandles="1" noChangeArrowheads="1" noChangeShapeType="1" noTextEdit="1"/>
+                  </p:cNvSpPr>
+                  <p:nvPr/>
+                </p:nvSpPr>
+                <p:spPr>
+                  <a:xfrm>
+                    <a:off x="785815" y="912420"/>
+                    <a:ext cx="371385" cy="369333"/>
+                  </a:xfrm>
+                  <a:prstGeom prst="rect">
+                    <a:avLst/>
+                  </a:prstGeom>
+                  <a:blipFill>
+                    <a:blip r:embed="rId28"/>
+                    <a:stretch>
+                      <a:fillRect l="-19048" r="-114286" b="-220000"/>
+                    </a:stretch>
+                  </a:blipFill>
+                </p:spPr>
+                <p:txBody>
+                  <a:bodyPr/>
+                  <a:lstStyle/>
+                  <a:p>
+                    <a:r>
+                      <a:rPr lang="en-US">
+                        <a:noFill/>
+                      </a:rPr>
+                      <a:t> </a:t>
+                    </a:r>
+                  </a:p>
+                </p:txBody>
+              </p:sp>
+            </mc:Fallback>
+          </mc:AlternateContent>
+          <mc:AlternateContent xmlns:mc="http://schemas.openxmlformats.org/markup-compatibility/2006" xmlns:a14="http://schemas.microsoft.com/office/drawing/2010/main">
+            <mc:Choice Requires="a14">
+              <p:sp>
+                <p:nvSpPr>
+                  <p:cNvPr id="36" name="Rectangle 35"/>
+                  <p:cNvSpPr/>
+                  <p:nvPr/>
+                </p:nvSpPr>
+                <p:spPr>
+                  <a:xfrm>
+                    <a:off x="1006642" y="2350591"/>
+                    <a:ext cx="367985" cy="369333"/>
+                  </a:xfrm>
+                  <a:prstGeom prst="rect">
+                    <a:avLst/>
+                  </a:prstGeom>
+                </p:spPr>
+                <p:txBody>
+                  <a:bodyPr wrap="none">
+                    <a:spAutoFit/>
+                  </a:bodyPr>
+                  <a:lstStyle/>
+                  <a:p>
+                    <a:pPr/>
+                    <a14:m>
+                      <m:oMathPara xmlns:m="http://schemas.openxmlformats.org/officeDocument/2006/math">
+                        <m:oMathParaPr>
+                          <m:jc m:val="centerGroup"/>
+                        </m:oMathParaPr>
+                        <m:oMath xmlns:m="http://schemas.openxmlformats.org/officeDocument/2006/math">
+                          <m:r>
+                            <a:rPr lang="en-US" b="0" i="1" smtClean="0">
+                              <a:latin typeface="Cambria Math" panose="02040503050406030204" pitchFamily="18" charset="0"/>
+                              <a:cs typeface="Arial" panose="020B0604020202020204" pitchFamily="34" charset="0"/>
+                            </a:rPr>
+                            <m:t>0</m:t>
+                          </m:r>
+                        </m:oMath>
+                      </m:oMathPara>
+                    </a14:m>
+                    <a:endParaRPr lang="en-CA" dirty="0"/>
+                  </a:p>
+                </p:txBody>
+              </p:sp>
+            </mc:Choice>
+            <mc:Fallback xmlns="">
+              <p:sp>
+                <p:nvSpPr>
+                  <p:cNvPr id="109" name="Rectangle 108"/>
+                  <p:cNvSpPr>
+                    <a:spLocks noRot="1" noChangeAspect="1" noMove="1" noResize="1" noEditPoints="1" noAdjustHandles="1" noChangeArrowheads="1" noChangeShapeType="1" noTextEdit="1"/>
+                  </p:cNvSpPr>
+                  <p:nvPr/>
+                </p:nvSpPr>
+                <p:spPr>
+                  <a:xfrm>
+                    <a:off x="1006642" y="2350591"/>
+                    <a:ext cx="367985" cy="369333"/>
+                  </a:xfrm>
+                  <a:prstGeom prst="rect">
+                    <a:avLst/>
+                  </a:prstGeom>
+                  <a:blipFill>
+                    <a:blip r:embed="rId29"/>
+                    <a:stretch>
+                      <a:fillRect l="-14286" r="-114286" b="-180000"/>
+                    </a:stretch>
+                  </a:blipFill>
+                </p:spPr>
+                <p:txBody>
+                  <a:bodyPr/>
+                  <a:lstStyle/>
+                  <a:p>
+                    <a:r>
+                      <a:rPr lang="en-US">
+                        <a:noFill/>
+                      </a:rPr>
+                      <a:t> </a:t>
+                    </a:r>
+                  </a:p>
+                </p:txBody>
+              </p:sp>
+            </mc:Fallback>
+          </mc:AlternateContent>
+        </p:grpSp>
+        <p:sp>
+          <p:nvSpPr>
+            <p:cNvPr id="31" name="Rectangle 30"/>
+            <p:cNvSpPr/>
+            <p:nvPr/>
+          </p:nvSpPr>
+          <p:spPr>
+            <a:xfrm>
+              <a:off x="1129904" y="1614682"/>
+              <a:ext cx="184731" cy="369332"/>
+            </a:xfrm>
+            <a:prstGeom prst="rect">
+              <a:avLst/>
+            </a:prstGeom>
+          </p:spPr>
+          <p:txBody>
+            <a:bodyPr wrap="none">
+              <a:spAutoFit/>
+            </a:bodyPr>
+            <a:lstStyle/>
+            <a:p>
+              <a:endParaRPr lang="en-CA" dirty="0"/>
+            </a:p>
+          </p:txBody>
+        </p:sp>
+      </p:grpSp>
+    </p:spTree>
+    <p:extLst>
+      <p:ext uri="{BB962C8B-B14F-4D97-AF65-F5344CB8AC3E}">
+        <p14:creationId xmlns:p14="http://schemas.microsoft.com/office/powerpoint/2010/main" val="3361877712"/>
+      </p:ext>
+    </p:extLst>
+  </p:cSld>
+  <p:clrMapOvr>
+    <a:masterClrMapping/>
+  </p:clrMapOvr>
+</p:sld>
+</file>
+
+<file path=ppt/slides/slide11.xml><?xml version="1.0" encoding="utf-8"?>
+<p:sld xmlns:a="http://schemas.openxmlformats.org/drawingml/2006/main" xmlns:r="http://schemas.openxmlformats.org/officeDocument/2006/relationships" xmlns:p="http://schemas.openxmlformats.org/presentationml/2006/main">
+  <p:cSld>
+    <p:spTree>
+      <p:nvGrpSpPr>
+        <p:cNvPr id="1" name=""/>
+        <p:cNvGrpSpPr/>
+        <p:nvPr/>
+      </p:nvGrpSpPr>
+      <p:grpSpPr>
+        <a:xfrm>
+          <a:off x="0" y="0"/>
+          <a:ext cx="0" cy="0"/>
+          <a:chOff x="0" y="0"/>
+          <a:chExt cx="0" cy="0"/>
+        </a:xfrm>
+      </p:grpSpPr>
+      <p:grpSp>
+        <p:nvGrpSpPr>
           <p:cNvPr id="24" name="Group 23"/>
           <p:cNvGrpSpPr/>
           <p:nvPr/>
@@ -5762,8 +7094,8 @@
               </a:fontRef>
             </p:style>
           </p:cxnSp>
-          <mc:AlternateContent xmlns:mc="http://schemas.openxmlformats.org/markup-compatibility/2006">
-            <mc:Choice xmlns:a14="http://schemas.microsoft.com/office/drawing/2010/main" Requires="a14">
+          <mc:AlternateContent xmlns:mc="http://schemas.openxmlformats.org/markup-compatibility/2006" xmlns:a14="http://schemas.microsoft.com/office/drawing/2010/main">
+            <mc:Choice Requires="a14">
               <p:sp>
                 <p:nvSpPr>
                   <p:cNvPr id="18" name="TextBox 17"/>
@@ -5786,6 +7118,7 @@
                   </a:bodyPr>
                   <a:lstStyle/>
                   <a:p>
+                    <a:pPr/>
                     <a14:m>
                       <m:oMathPara xmlns:m="http://schemas.openxmlformats.org/officeDocument/2006/math">
                         <m:oMathParaPr>
@@ -5810,7 +7143,7 @@
                 </p:txBody>
               </p:sp>
             </mc:Choice>
-            <mc:Fallback>
+            <mc:Fallback xmlns="">
               <p:sp>
                 <p:nvSpPr>
                   <p:cNvPr id="18" name="TextBox 17"/>
@@ -5849,8 +7182,8 @@
               </p:sp>
             </mc:Fallback>
           </mc:AlternateContent>
-          <mc:AlternateContent xmlns:mc="http://schemas.openxmlformats.org/markup-compatibility/2006">
-            <mc:Choice xmlns:a14="http://schemas.microsoft.com/office/drawing/2010/main" Requires="a14">
+          <mc:AlternateContent xmlns:mc="http://schemas.openxmlformats.org/markup-compatibility/2006" xmlns:a14="http://schemas.microsoft.com/office/drawing/2010/main">
+            <mc:Choice Requires="a14">
               <p:sp>
                 <p:nvSpPr>
                   <p:cNvPr id="19" name="TextBox 18"/>
@@ -5873,6 +7206,7 @@
                   </a:bodyPr>
                   <a:lstStyle/>
                   <a:p>
+                    <a:pPr/>
                     <a14:m>
                       <m:oMathPara xmlns:m="http://schemas.openxmlformats.org/officeDocument/2006/math">
                         <m:oMathParaPr>
@@ -5897,7 +7231,7 @@
                 </p:txBody>
               </p:sp>
             </mc:Choice>
-            <mc:Fallback>
+            <mc:Fallback xmlns="">
               <p:sp>
                 <p:nvSpPr>
                   <p:cNvPr id="19" name="TextBox 18"/>
@@ -5936,8 +7270,8 @@
               </p:sp>
             </mc:Fallback>
           </mc:AlternateContent>
-          <mc:AlternateContent xmlns:mc="http://schemas.openxmlformats.org/markup-compatibility/2006">
-            <mc:Choice xmlns:a14="http://schemas.microsoft.com/office/drawing/2010/main" Requires="a14">
+          <mc:AlternateContent xmlns:mc="http://schemas.openxmlformats.org/markup-compatibility/2006" xmlns:a14="http://schemas.microsoft.com/office/drawing/2010/main">
+            <mc:Choice Requires="a14">
               <p:sp>
                 <p:nvSpPr>
                   <p:cNvPr id="20" name="TextBox 19"/>
@@ -5960,6 +7294,7 @@
                   </a:bodyPr>
                   <a:lstStyle/>
                   <a:p>
+                    <a:pPr/>
                     <a14:m>
                       <m:oMathPara xmlns:m="http://schemas.openxmlformats.org/officeDocument/2006/math">
                         <m:oMathParaPr>
@@ -5984,7 +7319,7 @@
                 </p:txBody>
               </p:sp>
             </mc:Choice>
-            <mc:Fallback>
+            <mc:Fallback xmlns="">
               <p:sp>
                 <p:nvSpPr>
                   <p:cNvPr id="20" name="TextBox 19"/>
@@ -6024,8 +7359,8 @@
             </mc:Fallback>
           </mc:AlternateContent>
         </p:grpSp>
-        <mc:AlternateContent xmlns:mc="http://schemas.openxmlformats.org/markup-compatibility/2006">
-          <mc:Choice xmlns:a14="http://schemas.microsoft.com/office/drawing/2010/main" Requires="a14">
+        <mc:AlternateContent xmlns:mc="http://schemas.openxmlformats.org/markup-compatibility/2006" xmlns:a14="http://schemas.microsoft.com/office/drawing/2010/main">
+          <mc:Choice Requires="a14">
             <p:sp>
               <p:nvSpPr>
                 <p:cNvPr id="23" name="TextBox 22"/>
@@ -6048,6 +7383,7 @@
                 </a:bodyPr>
                 <a:lstStyle/>
                 <a:p>
+                  <a:pPr/>
                   <a14:m>
                     <m:oMathPara xmlns:m="http://schemas.openxmlformats.org/officeDocument/2006/math">
                       <m:oMathParaPr>
@@ -6072,7 +7408,7 @@
               </p:txBody>
             </p:sp>
           </mc:Choice>
-          <mc:Fallback>
+          <mc:Fallback xmlns="">
             <p:sp>
               <p:nvSpPr>
                 <p:cNvPr id="23" name="TextBox 22"/>
@@ -6507,8 +7843,8 @@
               </a:fontRef>
             </p:style>
           </p:cxnSp>
-          <mc:AlternateContent xmlns:mc="http://schemas.openxmlformats.org/markup-compatibility/2006">
-            <mc:Choice xmlns:a14="http://schemas.microsoft.com/office/drawing/2010/main" Requires="a14">
+          <mc:AlternateContent xmlns:mc="http://schemas.openxmlformats.org/markup-compatibility/2006" xmlns:a14="http://schemas.microsoft.com/office/drawing/2010/main">
+            <mc:Choice Requires="a14">
               <p:sp>
                 <p:nvSpPr>
                   <p:cNvPr id="42" name="TextBox 41"/>
@@ -6531,6 +7867,7 @@
                   </a:bodyPr>
                   <a:lstStyle/>
                   <a:p>
+                    <a:pPr/>
                     <a14:m>
                       <m:oMathPara xmlns:m="http://schemas.openxmlformats.org/officeDocument/2006/math">
                         <m:oMathParaPr>
@@ -6568,7 +7905,7 @@
                 </p:txBody>
               </p:sp>
             </mc:Choice>
-            <mc:Fallback>
+            <mc:Fallback xmlns="">
               <p:sp>
                 <p:nvSpPr>
                   <p:cNvPr id="42" name="TextBox 41"/>
@@ -6643,8 +7980,8 @@
               </a:fontRef>
             </p:style>
           </p:cxnSp>
-          <mc:AlternateContent xmlns:mc="http://schemas.openxmlformats.org/markup-compatibility/2006">
-            <mc:Choice xmlns:a14="http://schemas.microsoft.com/office/drawing/2010/main" Requires="a14">
+          <mc:AlternateContent xmlns:mc="http://schemas.openxmlformats.org/markup-compatibility/2006" xmlns:a14="http://schemas.microsoft.com/office/drawing/2010/main">
+            <mc:Choice Requires="a14">
               <p:sp>
                 <p:nvSpPr>
                   <p:cNvPr id="44" name="TextBox 43"/>
@@ -6667,6 +8004,7 @@
                   </a:bodyPr>
                   <a:lstStyle/>
                   <a:p>
+                    <a:pPr/>
                     <a14:m>
                       <m:oMathPara xmlns:m="http://schemas.openxmlformats.org/officeDocument/2006/math">
                         <m:oMathParaPr>
@@ -6704,7 +8042,7 @@
                 </p:txBody>
               </p:sp>
             </mc:Choice>
-            <mc:Fallback>
+            <mc:Fallback xmlns="">
               <p:sp>
                 <p:nvSpPr>
                   <p:cNvPr id="44" name="TextBox 43"/>
@@ -6743,8 +8081,8 @@
               </p:sp>
             </mc:Fallback>
           </mc:AlternateContent>
-          <mc:AlternateContent xmlns:mc="http://schemas.openxmlformats.org/markup-compatibility/2006">
-            <mc:Choice xmlns:a14="http://schemas.microsoft.com/office/drawing/2010/main" Requires="a14">
+          <mc:AlternateContent xmlns:mc="http://schemas.openxmlformats.org/markup-compatibility/2006" xmlns:a14="http://schemas.microsoft.com/office/drawing/2010/main">
+            <mc:Choice Requires="a14">
               <p:sp>
                 <p:nvSpPr>
                   <p:cNvPr id="45" name="TextBox 44"/>
@@ -6767,6 +8105,7 @@
                   </a:bodyPr>
                   <a:lstStyle/>
                   <a:p>
+                    <a:pPr/>
                     <a14:m>
                       <m:oMathPara xmlns:m="http://schemas.openxmlformats.org/officeDocument/2006/math">
                         <m:oMathParaPr>
@@ -6798,7 +8137,7 @@
                 </p:txBody>
               </p:sp>
             </mc:Choice>
-            <mc:Fallback>
+            <mc:Fallback xmlns="">
               <p:sp>
                 <p:nvSpPr>
                   <p:cNvPr id="45" name="TextBox 44"/>
@@ -6875,8 +8214,8 @@
             </a:fontRef>
           </p:style>
         </p:cxnSp>
-        <mc:AlternateContent xmlns:mc="http://schemas.openxmlformats.org/markup-compatibility/2006">
-          <mc:Choice xmlns:a14="http://schemas.microsoft.com/office/drawing/2010/main" Requires="a14">
+        <mc:AlternateContent xmlns:mc="http://schemas.openxmlformats.org/markup-compatibility/2006" xmlns:a14="http://schemas.microsoft.com/office/drawing/2010/main">
+          <mc:Choice Requires="a14">
             <p:sp>
               <p:nvSpPr>
                 <p:cNvPr id="50" name="TextBox 49"/>
@@ -6899,6 +8238,7 @@
                 </a:bodyPr>
                 <a:lstStyle/>
                 <a:p>
+                  <a:pPr/>
                   <a14:m>
                     <m:oMathPara xmlns:m="http://schemas.openxmlformats.org/officeDocument/2006/math">
                       <m:oMathParaPr>
@@ -6923,7 +8263,7 @@
               </p:txBody>
             </p:sp>
           </mc:Choice>
-          <mc:Fallback>
+          <mc:Fallback xmlns="">
             <p:sp>
               <p:nvSpPr>
                 <p:cNvPr id="50" name="TextBox 49"/>
@@ -6976,7 +8316,7 @@
 </p:sld>
 </file>
 
-<file path=ppt/slides/slide11.xml><?xml version="1.0" encoding="utf-8"?>
+<file path=ppt/slides/slide12.xml><?xml version="1.0" encoding="utf-8"?>
 <p:sld xmlns:a="http://schemas.openxmlformats.org/drawingml/2006/main" xmlns:r="http://schemas.openxmlformats.org/officeDocument/2006/relationships" xmlns:p="http://schemas.openxmlformats.org/presentationml/2006/main">
   <p:cSld>
     <p:spTree>
@@ -7849,8 +9189,8 @@
               </a:fontRef>
             </p:style>
           </p:cxnSp>
-          <mc:AlternateContent xmlns:mc="http://schemas.openxmlformats.org/markup-compatibility/2006">
-            <mc:Choice xmlns:a14="http://schemas.microsoft.com/office/drawing/2010/main" Requires="a14">
+          <mc:AlternateContent xmlns:mc="http://schemas.openxmlformats.org/markup-compatibility/2006" xmlns:a14="http://schemas.microsoft.com/office/drawing/2010/main">
+            <mc:Choice Requires="a14">
               <p:sp>
                 <p:nvSpPr>
                   <p:cNvPr id="9" name="TextBox 8"/>
@@ -7873,6 +9213,7 @@
                   </a:bodyPr>
                   <a:lstStyle/>
                   <a:p>
+                    <a:pPr/>
                     <a14:m>
                       <m:oMathPara xmlns:m="http://schemas.openxmlformats.org/officeDocument/2006/math">
                         <m:oMathParaPr>
@@ -7907,7 +9248,7 @@
                 </p:txBody>
               </p:sp>
             </mc:Choice>
-            <mc:Fallback>
+            <mc:Fallback xmlns="">
               <p:sp>
                 <p:nvSpPr>
                   <p:cNvPr id="9" name="TextBox 8"/>
@@ -7946,8 +9287,8 @@
               </p:sp>
             </mc:Fallback>
           </mc:AlternateContent>
-          <mc:AlternateContent xmlns:mc="http://schemas.openxmlformats.org/markup-compatibility/2006">
-            <mc:Choice xmlns:a14="http://schemas.microsoft.com/office/drawing/2010/main" Requires="a14">
+          <mc:AlternateContent xmlns:mc="http://schemas.openxmlformats.org/markup-compatibility/2006" xmlns:a14="http://schemas.microsoft.com/office/drawing/2010/main">
+            <mc:Choice Requires="a14">
               <p:sp>
                 <p:nvSpPr>
                   <p:cNvPr id="10" name="TextBox 9"/>
@@ -7970,6 +9311,7 @@
                   </a:bodyPr>
                   <a:lstStyle/>
                   <a:p>
+                    <a:pPr/>
                     <a14:m>
                       <m:oMathPara xmlns:m="http://schemas.openxmlformats.org/officeDocument/2006/math">
                         <m:oMathParaPr>
@@ -8015,7 +9357,7 @@
                 </p:txBody>
               </p:sp>
             </mc:Choice>
-            <mc:Fallback>
+            <mc:Fallback xmlns="">
               <p:sp>
                 <p:nvSpPr>
                   <p:cNvPr id="10" name="TextBox 9"/>
@@ -8054,8 +9396,8 @@
               </p:sp>
             </mc:Fallback>
           </mc:AlternateContent>
-          <mc:AlternateContent xmlns:mc="http://schemas.openxmlformats.org/markup-compatibility/2006">
-            <mc:Choice xmlns:a14="http://schemas.microsoft.com/office/drawing/2010/main" Requires="a14">
+          <mc:AlternateContent xmlns:mc="http://schemas.openxmlformats.org/markup-compatibility/2006" xmlns:a14="http://schemas.microsoft.com/office/drawing/2010/main">
+            <mc:Choice Requires="a14">
               <p:sp>
                 <p:nvSpPr>
                   <p:cNvPr id="11" name="TextBox 10"/>
@@ -8078,6 +9420,7 @@
                   </a:bodyPr>
                   <a:lstStyle/>
                   <a:p>
+                    <a:pPr/>
                     <a14:m>
                       <m:oMathPara xmlns:m="http://schemas.openxmlformats.org/officeDocument/2006/math">
                         <m:oMathParaPr>
@@ -8123,7 +9466,7 @@
                 </p:txBody>
               </p:sp>
             </mc:Choice>
-            <mc:Fallback>
+            <mc:Fallback xmlns="">
               <p:sp>
                 <p:nvSpPr>
                   <p:cNvPr id="11" name="TextBox 10"/>
@@ -8163,8 +9506,8 @@
             </mc:Fallback>
           </mc:AlternateContent>
         </p:grpSp>
-        <mc:AlternateContent xmlns:mc="http://schemas.openxmlformats.org/markup-compatibility/2006">
-          <mc:Choice xmlns:a14="http://schemas.microsoft.com/office/drawing/2010/main" Requires="a14">
+        <mc:AlternateContent xmlns:mc="http://schemas.openxmlformats.org/markup-compatibility/2006" xmlns:a14="http://schemas.microsoft.com/office/drawing/2010/main">
+          <mc:Choice Requires="a14">
             <p:sp>
               <p:nvSpPr>
                 <p:cNvPr id="13" name="TextBox 12"/>
@@ -8187,6 +9530,7 @@
                 </a:bodyPr>
                 <a:lstStyle/>
                 <a:p>
+                  <a:pPr/>
                   <a14:m>
                     <m:oMathPara xmlns:m="http://schemas.openxmlformats.org/officeDocument/2006/math">
                       <m:oMathParaPr>
@@ -8218,7 +9562,7 @@
               </p:txBody>
             </p:sp>
           </mc:Choice>
-          <mc:Fallback>
+          <mc:Fallback xmlns="">
             <p:sp>
               <p:nvSpPr>
                 <p:cNvPr id="13" name="TextBox 12"/>
@@ -8257,8 +9601,8 @@
             </p:sp>
           </mc:Fallback>
         </mc:AlternateContent>
-        <mc:AlternateContent xmlns:mc="http://schemas.openxmlformats.org/markup-compatibility/2006">
-          <mc:Choice xmlns:a14="http://schemas.microsoft.com/office/drawing/2010/main" Requires="a14">
+        <mc:AlternateContent xmlns:mc="http://schemas.openxmlformats.org/markup-compatibility/2006" xmlns:a14="http://schemas.microsoft.com/office/drawing/2010/main">
+          <mc:Choice Requires="a14">
             <p:sp>
               <p:nvSpPr>
                 <p:cNvPr id="14" name="TextBox 13"/>
@@ -8281,6 +9625,7 @@
                 </a:bodyPr>
                 <a:lstStyle/>
                 <a:p>
+                  <a:pPr/>
                   <a14:m>
                     <m:oMathPara xmlns:m="http://schemas.openxmlformats.org/officeDocument/2006/math">
                       <m:oMathParaPr>
@@ -8312,7 +9657,7 @@
               </p:txBody>
             </p:sp>
           </mc:Choice>
-          <mc:Fallback>
+          <mc:Fallback xmlns="">
             <p:sp>
               <p:nvSpPr>
                 <p:cNvPr id="14" name="TextBox 13"/>
@@ -8351,8 +9696,8 @@
             </p:sp>
           </mc:Fallback>
         </mc:AlternateContent>
-        <mc:AlternateContent xmlns:mc="http://schemas.openxmlformats.org/markup-compatibility/2006">
-          <mc:Choice xmlns:a14="http://schemas.microsoft.com/office/drawing/2010/main" Requires="a14">
+        <mc:AlternateContent xmlns:mc="http://schemas.openxmlformats.org/markup-compatibility/2006" xmlns:a14="http://schemas.microsoft.com/office/drawing/2010/main">
+          <mc:Choice Requires="a14">
             <p:sp>
               <p:nvSpPr>
                 <p:cNvPr id="15" name="TextBox 14"/>
@@ -8375,6 +9720,7 @@
                 </a:bodyPr>
                 <a:lstStyle/>
                 <a:p>
+                  <a:pPr/>
                   <a14:m>
                     <m:oMathPara xmlns:m="http://schemas.openxmlformats.org/officeDocument/2006/math">
                       <m:oMathParaPr>
@@ -8399,7 +9745,7 @@
               </p:txBody>
             </p:sp>
           </mc:Choice>
-          <mc:Fallback>
+          <mc:Fallback xmlns="">
             <p:sp>
               <p:nvSpPr>
                 <p:cNvPr id="15" name="TextBox 14"/>
@@ -8438,8 +9784,8 @@
             </p:sp>
           </mc:Fallback>
         </mc:AlternateContent>
-        <mc:AlternateContent xmlns:mc="http://schemas.openxmlformats.org/markup-compatibility/2006">
-          <mc:Choice xmlns:a14="http://schemas.microsoft.com/office/drawing/2010/main" Requires="a14">
+        <mc:AlternateContent xmlns:mc="http://schemas.openxmlformats.org/markup-compatibility/2006" xmlns:a14="http://schemas.microsoft.com/office/drawing/2010/main">
+          <mc:Choice Requires="a14">
             <p:sp>
               <p:nvSpPr>
                 <p:cNvPr id="16" name="TextBox 15"/>
@@ -8462,6 +9808,7 @@
                 </a:bodyPr>
                 <a:lstStyle/>
                 <a:p>
+                  <a:pPr/>
                   <a14:m>
                     <m:oMathPara xmlns:m="http://schemas.openxmlformats.org/officeDocument/2006/math">
                       <m:oMathParaPr>
@@ -8486,7 +9833,7 @@
               </p:txBody>
             </p:sp>
           </mc:Choice>
-          <mc:Fallback>
+          <mc:Fallback xmlns="">
             <p:sp>
               <p:nvSpPr>
                 <p:cNvPr id="16" name="TextBox 15"/>
@@ -12427,6 +13774,890 @@
       </p:grpSpPr>
       <p:grpSp>
         <p:nvGrpSpPr>
+          <p:cNvPr id="23" name="Group 22"/>
+          <p:cNvGrpSpPr/>
+          <p:nvPr/>
+        </p:nvGrpSpPr>
+        <p:grpSpPr>
+          <a:xfrm>
+            <a:off x="1371600" y="1467293"/>
+            <a:ext cx="4364258" cy="1977657"/>
+            <a:chOff x="1371600" y="1467293"/>
+            <a:chExt cx="4364258" cy="1977657"/>
+          </a:xfrm>
+        </p:grpSpPr>
+        <p:sp>
+          <p:nvSpPr>
+            <p:cNvPr id="11" name="Rectangle 10"/>
+            <p:cNvSpPr/>
+            <p:nvPr/>
+          </p:nvSpPr>
+          <p:spPr>
+            <a:xfrm>
+              <a:off x="1371600" y="1467293"/>
+              <a:ext cx="1116419" cy="1956391"/>
+            </a:xfrm>
+            <a:prstGeom prst="rect">
+              <a:avLst/>
+            </a:prstGeom>
+            <a:noFill/>
+            <a:ln w="38100">
+              <a:solidFill>
+                <a:schemeClr val="tx1"/>
+              </a:solidFill>
+            </a:ln>
+          </p:spPr>
+          <p:style>
+            <a:lnRef idx="2">
+              <a:schemeClr val="accent1">
+                <a:shade val="50000"/>
+              </a:schemeClr>
+            </a:lnRef>
+            <a:fillRef idx="1">
+              <a:schemeClr val="accent1"/>
+            </a:fillRef>
+            <a:effectRef idx="0">
+              <a:schemeClr val="accent1"/>
+            </a:effectRef>
+            <a:fontRef idx="minor">
+              <a:schemeClr val="lt1"/>
+            </a:fontRef>
+          </p:style>
+          <p:txBody>
+            <a:bodyPr rtlCol="0" anchor="ctr"/>
+            <a:lstStyle/>
+            <a:p>
+              <a:pPr algn="ctr"/>
+              <a:endParaRPr lang="en-US"/>
+            </a:p>
+          </p:txBody>
+        </p:sp>
+        <p:sp>
+          <p:nvSpPr>
+            <p:cNvPr id="12" name="Rectangle 11"/>
+            <p:cNvSpPr/>
+            <p:nvPr/>
+          </p:nvSpPr>
+          <p:spPr>
+            <a:xfrm>
+              <a:off x="2747630" y="1477925"/>
+              <a:ext cx="1116419" cy="1956391"/>
+            </a:xfrm>
+            <a:custGeom>
+              <a:avLst/>
+              <a:gdLst>
+                <a:gd name="connsiteX0" fmla="*/ 0 w 1116419"/>
+                <a:gd name="connsiteY0" fmla="*/ 0 h 1956391"/>
+                <a:gd name="connsiteX1" fmla="*/ 1116419 w 1116419"/>
+                <a:gd name="connsiteY1" fmla="*/ 0 h 1956391"/>
+                <a:gd name="connsiteX2" fmla="*/ 1116419 w 1116419"/>
+                <a:gd name="connsiteY2" fmla="*/ 1956391 h 1956391"/>
+                <a:gd name="connsiteX3" fmla="*/ 0 w 1116419"/>
+                <a:gd name="connsiteY3" fmla="*/ 1956391 h 1956391"/>
+                <a:gd name="connsiteX4" fmla="*/ 0 w 1116419"/>
+                <a:gd name="connsiteY4" fmla="*/ 0 h 1956391"/>
+                <a:gd name="connsiteX0" fmla="*/ 0 w 1116419"/>
+                <a:gd name="connsiteY0" fmla="*/ 0 h 1956391"/>
+                <a:gd name="connsiteX1" fmla="*/ 1116419 w 1116419"/>
+                <a:gd name="connsiteY1" fmla="*/ 0 h 1956391"/>
+                <a:gd name="connsiteX2" fmla="*/ 765544 w 1116419"/>
+                <a:gd name="connsiteY2" fmla="*/ 1935126 h 1956391"/>
+                <a:gd name="connsiteX3" fmla="*/ 0 w 1116419"/>
+                <a:gd name="connsiteY3" fmla="*/ 1956391 h 1956391"/>
+                <a:gd name="connsiteX4" fmla="*/ 0 w 1116419"/>
+                <a:gd name="connsiteY4" fmla="*/ 0 h 1956391"/>
+                <a:gd name="connsiteX0" fmla="*/ 0 w 1116419"/>
+                <a:gd name="connsiteY0" fmla="*/ 0 h 1956391"/>
+                <a:gd name="connsiteX1" fmla="*/ 1116419 w 1116419"/>
+                <a:gd name="connsiteY1" fmla="*/ 0 h 1956391"/>
+                <a:gd name="connsiteX2" fmla="*/ 765544 w 1116419"/>
+                <a:gd name="connsiteY2" fmla="*/ 1935126 h 1956391"/>
+                <a:gd name="connsiteX3" fmla="*/ 393404 w 1116419"/>
+                <a:gd name="connsiteY3" fmla="*/ 1956391 h 1956391"/>
+                <a:gd name="connsiteX4" fmla="*/ 0 w 1116419"/>
+                <a:gd name="connsiteY4" fmla="*/ 0 h 1956391"/>
+                <a:gd name="connsiteX0" fmla="*/ 0 w 1116419"/>
+                <a:gd name="connsiteY0" fmla="*/ 0 h 1956391"/>
+                <a:gd name="connsiteX1" fmla="*/ 1116419 w 1116419"/>
+                <a:gd name="connsiteY1" fmla="*/ 0 h 1956391"/>
+                <a:gd name="connsiteX2" fmla="*/ 765544 w 1116419"/>
+                <a:gd name="connsiteY2" fmla="*/ 1935126 h 1956391"/>
+                <a:gd name="connsiteX3" fmla="*/ 393404 w 1116419"/>
+                <a:gd name="connsiteY3" fmla="*/ 1956391 h 1956391"/>
+                <a:gd name="connsiteX4" fmla="*/ 0 w 1116419"/>
+                <a:gd name="connsiteY4" fmla="*/ 0 h 1956391"/>
+                <a:gd name="connsiteX0" fmla="*/ 0 w 1116419"/>
+                <a:gd name="connsiteY0" fmla="*/ 0 h 1956391"/>
+                <a:gd name="connsiteX1" fmla="*/ 1116419 w 1116419"/>
+                <a:gd name="connsiteY1" fmla="*/ 0 h 1956391"/>
+                <a:gd name="connsiteX2" fmla="*/ 765544 w 1116419"/>
+                <a:gd name="connsiteY2" fmla="*/ 1935126 h 1956391"/>
+                <a:gd name="connsiteX3" fmla="*/ 393404 w 1116419"/>
+                <a:gd name="connsiteY3" fmla="*/ 1956391 h 1956391"/>
+                <a:gd name="connsiteX4" fmla="*/ 0 w 1116419"/>
+                <a:gd name="connsiteY4" fmla="*/ 0 h 1956391"/>
+                <a:gd name="connsiteX0" fmla="*/ 0 w 1116419"/>
+                <a:gd name="connsiteY0" fmla="*/ 0 h 1956391"/>
+                <a:gd name="connsiteX1" fmla="*/ 1116419 w 1116419"/>
+                <a:gd name="connsiteY1" fmla="*/ 0 h 1956391"/>
+                <a:gd name="connsiteX2" fmla="*/ 765544 w 1116419"/>
+                <a:gd name="connsiteY2" fmla="*/ 1935126 h 1956391"/>
+                <a:gd name="connsiteX3" fmla="*/ 393404 w 1116419"/>
+                <a:gd name="connsiteY3" fmla="*/ 1956391 h 1956391"/>
+                <a:gd name="connsiteX4" fmla="*/ 0 w 1116419"/>
+                <a:gd name="connsiteY4" fmla="*/ 0 h 1956391"/>
+                <a:gd name="connsiteX0" fmla="*/ 0 w 1116419"/>
+                <a:gd name="connsiteY0" fmla="*/ 0 h 1977656"/>
+                <a:gd name="connsiteX1" fmla="*/ 1116419 w 1116419"/>
+                <a:gd name="connsiteY1" fmla="*/ 0 h 1977656"/>
+                <a:gd name="connsiteX2" fmla="*/ 754911 w 1116419"/>
+                <a:gd name="connsiteY2" fmla="*/ 1977656 h 1977656"/>
+                <a:gd name="connsiteX3" fmla="*/ 393404 w 1116419"/>
+                <a:gd name="connsiteY3" fmla="*/ 1956391 h 1977656"/>
+                <a:gd name="connsiteX4" fmla="*/ 0 w 1116419"/>
+                <a:gd name="connsiteY4" fmla="*/ 0 h 1977656"/>
+                <a:gd name="connsiteX0" fmla="*/ 0 w 1116419"/>
+                <a:gd name="connsiteY0" fmla="*/ 0 h 1956391"/>
+                <a:gd name="connsiteX1" fmla="*/ 1116419 w 1116419"/>
+                <a:gd name="connsiteY1" fmla="*/ 0 h 1956391"/>
+                <a:gd name="connsiteX2" fmla="*/ 765543 w 1116419"/>
+                <a:gd name="connsiteY2" fmla="*/ 1945759 h 1956391"/>
+                <a:gd name="connsiteX3" fmla="*/ 393404 w 1116419"/>
+                <a:gd name="connsiteY3" fmla="*/ 1956391 h 1956391"/>
+                <a:gd name="connsiteX4" fmla="*/ 0 w 1116419"/>
+                <a:gd name="connsiteY4" fmla="*/ 0 h 1956391"/>
+                <a:gd name="connsiteX0" fmla="*/ 0 w 1116419"/>
+                <a:gd name="connsiteY0" fmla="*/ 0 h 1960046"/>
+                <a:gd name="connsiteX1" fmla="*/ 1116419 w 1116419"/>
+                <a:gd name="connsiteY1" fmla="*/ 0 h 1960046"/>
+                <a:gd name="connsiteX2" fmla="*/ 765543 w 1116419"/>
+                <a:gd name="connsiteY2" fmla="*/ 1960046 h 1960046"/>
+                <a:gd name="connsiteX3" fmla="*/ 393404 w 1116419"/>
+                <a:gd name="connsiteY3" fmla="*/ 1956391 h 1960046"/>
+                <a:gd name="connsiteX4" fmla="*/ 0 w 1116419"/>
+                <a:gd name="connsiteY4" fmla="*/ 0 h 1960046"/>
+                <a:gd name="connsiteX0" fmla="*/ 0 w 1116419"/>
+                <a:gd name="connsiteY0" fmla="*/ 0 h 1956391"/>
+                <a:gd name="connsiteX1" fmla="*/ 1116419 w 1116419"/>
+                <a:gd name="connsiteY1" fmla="*/ 0 h 1956391"/>
+                <a:gd name="connsiteX2" fmla="*/ 765543 w 1116419"/>
+                <a:gd name="connsiteY2" fmla="*/ 1950521 h 1956391"/>
+                <a:gd name="connsiteX3" fmla="*/ 393404 w 1116419"/>
+                <a:gd name="connsiteY3" fmla="*/ 1956391 h 1956391"/>
+                <a:gd name="connsiteX4" fmla="*/ 0 w 1116419"/>
+                <a:gd name="connsiteY4" fmla="*/ 0 h 1956391"/>
+              </a:gdLst>
+              <a:ahLst/>
+              <a:cxnLst>
+                <a:cxn ang="0">
+                  <a:pos x="connsiteX0" y="connsiteY0"/>
+                </a:cxn>
+                <a:cxn ang="0">
+                  <a:pos x="connsiteX1" y="connsiteY1"/>
+                </a:cxn>
+                <a:cxn ang="0">
+                  <a:pos x="connsiteX2" y="connsiteY2"/>
+                </a:cxn>
+                <a:cxn ang="0">
+                  <a:pos x="connsiteX3" y="connsiteY3"/>
+                </a:cxn>
+                <a:cxn ang="0">
+                  <a:pos x="connsiteX4" y="connsiteY4"/>
+                </a:cxn>
+              </a:cxnLst>
+              <a:rect l="l" t="t" r="r" b="b"/>
+              <a:pathLst>
+                <a:path w="1116419" h="1956391">
+                  <a:moveTo>
+                    <a:pt x="0" y="0"/>
+                  </a:moveTo>
+                  <a:lnTo>
+                    <a:pt x="1116419" y="0"/>
+                  </a:lnTo>
+                  <a:cubicBezTo>
+                    <a:pt x="999461" y="645042"/>
+                    <a:pt x="606054" y="1294846"/>
+                    <a:pt x="765543" y="1950521"/>
+                  </a:cubicBezTo>
+                  <a:lnTo>
+                    <a:pt x="393404" y="1956391"/>
+                  </a:lnTo>
+                  <a:cubicBezTo>
+                    <a:pt x="570613" y="1219201"/>
+                    <a:pt x="131135" y="652130"/>
+                    <a:pt x="0" y="0"/>
+                  </a:cubicBezTo>
+                  <a:close/>
+                </a:path>
+              </a:pathLst>
+            </a:custGeom>
+            <a:noFill/>
+            <a:ln w="38100">
+              <a:solidFill>
+                <a:schemeClr val="tx1"/>
+              </a:solidFill>
+            </a:ln>
+          </p:spPr>
+          <p:style>
+            <a:lnRef idx="2">
+              <a:schemeClr val="accent1">
+                <a:shade val="50000"/>
+              </a:schemeClr>
+            </a:lnRef>
+            <a:fillRef idx="1">
+              <a:schemeClr val="accent1"/>
+            </a:fillRef>
+            <a:effectRef idx="0">
+              <a:schemeClr val="accent1"/>
+            </a:effectRef>
+            <a:fontRef idx="minor">
+              <a:schemeClr val="lt1"/>
+            </a:fontRef>
+          </p:style>
+          <p:txBody>
+            <a:bodyPr rtlCol="0" anchor="ctr"/>
+            <a:lstStyle/>
+            <a:p>
+              <a:pPr algn="ctr"/>
+              <a:endParaRPr lang="en-US"/>
+            </a:p>
+          </p:txBody>
+        </p:sp>
+        <p:sp>
+          <p:nvSpPr>
+            <p:cNvPr id="13" name="Rectangle 12"/>
+            <p:cNvSpPr/>
+            <p:nvPr/>
+          </p:nvSpPr>
+          <p:spPr>
+            <a:xfrm>
+              <a:off x="3953539" y="1467293"/>
+              <a:ext cx="1116419" cy="1977657"/>
+            </a:xfrm>
+            <a:custGeom>
+              <a:avLst/>
+              <a:gdLst>
+                <a:gd name="connsiteX0" fmla="*/ 0 w 1116419"/>
+                <a:gd name="connsiteY0" fmla="*/ 0 h 1956391"/>
+                <a:gd name="connsiteX1" fmla="*/ 1116419 w 1116419"/>
+                <a:gd name="connsiteY1" fmla="*/ 0 h 1956391"/>
+                <a:gd name="connsiteX2" fmla="*/ 1116419 w 1116419"/>
+                <a:gd name="connsiteY2" fmla="*/ 1956391 h 1956391"/>
+                <a:gd name="connsiteX3" fmla="*/ 0 w 1116419"/>
+                <a:gd name="connsiteY3" fmla="*/ 1956391 h 1956391"/>
+                <a:gd name="connsiteX4" fmla="*/ 0 w 1116419"/>
+                <a:gd name="connsiteY4" fmla="*/ 0 h 1956391"/>
+                <a:gd name="connsiteX0" fmla="*/ 393404 w 1116419"/>
+                <a:gd name="connsiteY0" fmla="*/ 0 h 1967023"/>
+                <a:gd name="connsiteX1" fmla="*/ 1116419 w 1116419"/>
+                <a:gd name="connsiteY1" fmla="*/ 10632 h 1967023"/>
+                <a:gd name="connsiteX2" fmla="*/ 1116419 w 1116419"/>
+                <a:gd name="connsiteY2" fmla="*/ 1967023 h 1967023"/>
+                <a:gd name="connsiteX3" fmla="*/ 0 w 1116419"/>
+                <a:gd name="connsiteY3" fmla="*/ 1967023 h 1967023"/>
+                <a:gd name="connsiteX4" fmla="*/ 393404 w 1116419"/>
+                <a:gd name="connsiteY4" fmla="*/ 0 h 1967023"/>
+                <a:gd name="connsiteX0" fmla="*/ 393404 w 1116419"/>
+                <a:gd name="connsiteY0" fmla="*/ 1 h 1967024"/>
+                <a:gd name="connsiteX1" fmla="*/ 691116 w 1116419"/>
+                <a:gd name="connsiteY1" fmla="*/ 0 h 1967024"/>
+                <a:gd name="connsiteX2" fmla="*/ 1116419 w 1116419"/>
+                <a:gd name="connsiteY2" fmla="*/ 1967024 h 1967024"/>
+                <a:gd name="connsiteX3" fmla="*/ 0 w 1116419"/>
+                <a:gd name="connsiteY3" fmla="*/ 1967024 h 1967024"/>
+                <a:gd name="connsiteX4" fmla="*/ 393404 w 1116419"/>
+                <a:gd name="connsiteY4" fmla="*/ 1 h 1967024"/>
+                <a:gd name="connsiteX0" fmla="*/ 393404 w 1116419"/>
+                <a:gd name="connsiteY0" fmla="*/ 1 h 1967024"/>
+                <a:gd name="connsiteX1" fmla="*/ 691116 w 1116419"/>
+                <a:gd name="connsiteY1" fmla="*/ 0 h 1967024"/>
+                <a:gd name="connsiteX2" fmla="*/ 1116419 w 1116419"/>
+                <a:gd name="connsiteY2" fmla="*/ 1967024 h 1967024"/>
+                <a:gd name="connsiteX3" fmla="*/ 0 w 1116419"/>
+                <a:gd name="connsiteY3" fmla="*/ 1967024 h 1967024"/>
+                <a:gd name="connsiteX4" fmla="*/ 393404 w 1116419"/>
+                <a:gd name="connsiteY4" fmla="*/ 1 h 1967024"/>
+                <a:gd name="connsiteX0" fmla="*/ 393404 w 1116419"/>
+                <a:gd name="connsiteY0" fmla="*/ 1 h 1967024"/>
+                <a:gd name="connsiteX1" fmla="*/ 691116 w 1116419"/>
+                <a:gd name="connsiteY1" fmla="*/ 0 h 1967024"/>
+                <a:gd name="connsiteX2" fmla="*/ 1116419 w 1116419"/>
+                <a:gd name="connsiteY2" fmla="*/ 1967024 h 1967024"/>
+                <a:gd name="connsiteX3" fmla="*/ 0 w 1116419"/>
+                <a:gd name="connsiteY3" fmla="*/ 1967024 h 1967024"/>
+                <a:gd name="connsiteX4" fmla="*/ 393404 w 1116419"/>
+                <a:gd name="connsiteY4" fmla="*/ 1 h 1967024"/>
+                <a:gd name="connsiteX0" fmla="*/ 393404 w 1116419"/>
+                <a:gd name="connsiteY0" fmla="*/ 1 h 1967024"/>
+                <a:gd name="connsiteX1" fmla="*/ 691116 w 1116419"/>
+                <a:gd name="connsiteY1" fmla="*/ 0 h 1967024"/>
+                <a:gd name="connsiteX2" fmla="*/ 1116419 w 1116419"/>
+                <a:gd name="connsiteY2" fmla="*/ 1967024 h 1967024"/>
+                <a:gd name="connsiteX3" fmla="*/ 0 w 1116419"/>
+                <a:gd name="connsiteY3" fmla="*/ 1967024 h 1967024"/>
+                <a:gd name="connsiteX4" fmla="*/ 393404 w 1116419"/>
+                <a:gd name="connsiteY4" fmla="*/ 1 h 1967024"/>
+                <a:gd name="connsiteX0" fmla="*/ 393404 w 1116419"/>
+                <a:gd name="connsiteY0" fmla="*/ 10634 h 1977657"/>
+                <a:gd name="connsiteX1" fmla="*/ 691116 w 1116419"/>
+                <a:gd name="connsiteY1" fmla="*/ 0 h 1977657"/>
+                <a:gd name="connsiteX2" fmla="*/ 1116419 w 1116419"/>
+                <a:gd name="connsiteY2" fmla="*/ 1977657 h 1977657"/>
+                <a:gd name="connsiteX3" fmla="*/ 0 w 1116419"/>
+                <a:gd name="connsiteY3" fmla="*/ 1977657 h 1977657"/>
+                <a:gd name="connsiteX4" fmla="*/ 393404 w 1116419"/>
+                <a:gd name="connsiteY4" fmla="*/ 10634 h 1977657"/>
+                <a:gd name="connsiteX0" fmla="*/ 393404 w 1116419"/>
+                <a:gd name="connsiteY0" fmla="*/ 0 h 1986073"/>
+                <a:gd name="connsiteX1" fmla="*/ 691116 w 1116419"/>
+                <a:gd name="connsiteY1" fmla="*/ 8416 h 1986073"/>
+                <a:gd name="connsiteX2" fmla="*/ 1116419 w 1116419"/>
+                <a:gd name="connsiteY2" fmla="*/ 1986073 h 1986073"/>
+                <a:gd name="connsiteX3" fmla="*/ 0 w 1116419"/>
+                <a:gd name="connsiteY3" fmla="*/ 1986073 h 1986073"/>
+                <a:gd name="connsiteX4" fmla="*/ 393404 w 1116419"/>
+                <a:gd name="connsiteY4" fmla="*/ 0 h 1986073"/>
+                <a:gd name="connsiteX0" fmla="*/ 393404 w 1116419"/>
+                <a:gd name="connsiteY0" fmla="*/ 1109 h 1977657"/>
+                <a:gd name="connsiteX1" fmla="*/ 691116 w 1116419"/>
+                <a:gd name="connsiteY1" fmla="*/ 0 h 1977657"/>
+                <a:gd name="connsiteX2" fmla="*/ 1116419 w 1116419"/>
+                <a:gd name="connsiteY2" fmla="*/ 1977657 h 1977657"/>
+                <a:gd name="connsiteX3" fmla="*/ 0 w 1116419"/>
+                <a:gd name="connsiteY3" fmla="*/ 1977657 h 1977657"/>
+                <a:gd name="connsiteX4" fmla="*/ 393404 w 1116419"/>
+                <a:gd name="connsiteY4" fmla="*/ 1109 h 1977657"/>
+              </a:gdLst>
+              <a:ahLst/>
+              <a:cxnLst>
+                <a:cxn ang="0">
+                  <a:pos x="connsiteX0" y="connsiteY0"/>
+                </a:cxn>
+                <a:cxn ang="0">
+                  <a:pos x="connsiteX1" y="connsiteY1"/>
+                </a:cxn>
+                <a:cxn ang="0">
+                  <a:pos x="connsiteX2" y="connsiteY2"/>
+                </a:cxn>
+                <a:cxn ang="0">
+                  <a:pos x="connsiteX3" y="connsiteY3"/>
+                </a:cxn>
+                <a:cxn ang="0">
+                  <a:pos x="connsiteX4" y="connsiteY4"/>
+                </a:cxn>
+              </a:cxnLst>
+              <a:rect l="l" t="t" r="r" b="b"/>
+              <a:pathLst>
+                <a:path w="1116419" h="1977657">
+                  <a:moveTo>
+                    <a:pt x="393404" y="1109"/>
+                  </a:moveTo>
+                  <a:lnTo>
+                    <a:pt x="691116" y="0"/>
+                  </a:lnTo>
+                  <a:cubicBezTo>
+                    <a:pt x="567070" y="857694"/>
+                    <a:pt x="974651" y="1321982"/>
+                    <a:pt x="1116419" y="1977657"/>
+                  </a:cubicBezTo>
+                  <a:lnTo>
+                    <a:pt x="0" y="1977657"/>
+                  </a:lnTo>
+                  <a:cubicBezTo>
+                    <a:pt x="131135" y="1321983"/>
+                    <a:pt x="559980" y="678048"/>
+                    <a:pt x="393404" y="1109"/>
+                  </a:cubicBezTo>
+                  <a:close/>
+                </a:path>
+              </a:pathLst>
+            </a:custGeom>
+            <a:noFill/>
+            <a:ln w="38100">
+              <a:solidFill>
+                <a:schemeClr val="tx1"/>
+              </a:solidFill>
+            </a:ln>
+          </p:spPr>
+          <p:style>
+            <a:lnRef idx="2">
+              <a:schemeClr val="accent1">
+                <a:shade val="50000"/>
+              </a:schemeClr>
+            </a:lnRef>
+            <a:fillRef idx="1">
+              <a:schemeClr val="accent1"/>
+            </a:fillRef>
+            <a:effectRef idx="0">
+              <a:schemeClr val="accent1"/>
+            </a:effectRef>
+            <a:fontRef idx="minor">
+              <a:schemeClr val="lt1"/>
+            </a:fontRef>
+          </p:style>
+          <p:txBody>
+            <a:bodyPr rtlCol="0" anchor="ctr"/>
+            <a:lstStyle/>
+            <a:p>
+              <a:pPr algn="ctr"/>
+              <a:endParaRPr lang="en-US"/>
+            </a:p>
+          </p:txBody>
+        </p:sp>
+        <mc:AlternateContent xmlns:mc="http://schemas.openxmlformats.org/markup-compatibility/2006">
+          <mc:Choice xmlns:a14="http://schemas.microsoft.com/office/drawing/2010/main" Requires="a14">
+            <p:sp>
+              <p:nvSpPr>
+                <p:cNvPr id="14" name="TextBox 13"/>
+                <p:cNvSpPr txBox="1"/>
+                <p:nvPr/>
+              </p:nvSpPr>
+              <p:spPr>
+                <a:xfrm>
+                  <a:off x="1779934" y="1823484"/>
+                  <a:ext cx="234936" cy="307777"/>
+                </a:xfrm>
+                <a:prstGeom prst="rect">
+                  <a:avLst/>
+                </a:prstGeom>
+                <a:noFill/>
+              </p:spPr>
+              <p:txBody>
+                <a:bodyPr wrap="none" lIns="0" tIns="0" rIns="0" bIns="0" rtlCol="0">
+                  <a:spAutoFit/>
+                </a:bodyPr>
+                <a:lstStyle/>
+                <a:p>
+                  <a14:m>
+                    <m:oMathPara xmlns:m="http://schemas.openxmlformats.org/officeDocument/2006/math">
+                      <m:oMathParaPr>
+                        <m:jc m:val="centerGroup"/>
+                      </m:oMathParaPr>
+                      <m:oMath xmlns:m="http://schemas.openxmlformats.org/officeDocument/2006/math">
+                        <m:r>
+                          <a:rPr lang="en-US" sz="2000" b="0" i="1" smtClean="0">
+                            <a:latin typeface="Cambria Math" panose="02040503050406030204" pitchFamily="18" charset="0"/>
+                            <a:cs typeface="Arial" panose="020B0604020202020204" pitchFamily="34" charset="0"/>
+                          </a:rPr>
+                          <m:t>𝐴</m:t>
+                        </m:r>
+                      </m:oMath>
+                    </m:oMathPara>
+                  </a14:m>
+                  <a:endParaRPr lang="en-US" sz="2000" dirty="0" smtClean="0">
+                    <a:latin typeface="Arial" panose="020B0604020202020204" pitchFamily="34" charset="0"/>
+                    <a:cs typeface="Arial" panose="020B0604020202020204" pitchFamily="34" charset="0"/>
+                  </a:endParaRPr>
+                </a:p>
+              </p:txBody>
+            </p:sp>
+          </mc:Choice>
+          <mc:Fallback>
+            <p:sp>
+              <p:nvSpPr>
+                <p:cNvPr id="14" name="TextBox 13"/>
+                <p:cNvSpPr txBox="1">
+                  <a:spLocks noRot="1" noChangeAspect="1" noMove="1" noResize="1" noEditPoints="1" noAdjustHandles="1" noChangeArrowheads="1" noChangeShapeType="1" noTextEdit="1"/>
+                </p:cNvSpPr>
+                <p:nvPr/>
+              </p:nvSpPr>
+              <p:spPr>
+                <a:xfrm>
+                  <a:off x="1779934" y="1823484"/>
+                  <a:ext cx="234936" cy="307777"/>
+                </a:xfrm>
+                <a:prstGeom prst="rect">
+                  <a:avLst/>
+                </a:prstGeom>
+                <a:blipFill>
+                  <a:blip r:embed="rId2"/>
+                  <a:stretch>
+                    <a:fillRect l="-23077" r="-20513" b="-9804"/>
+                  </a:stretch>
+                </a:blipFill>
+              </p:spPr>
+              <p:txBody>
+                <a:bodyPr/>
+                <a:lstStyle/>
+                <a:p>
+                  <a:r>
+                    <a:rPr lang="en-US">
+                      <a:noFill/>
+                    </a:rPr>
+                    <a:t> </a:t>
+                  </a:r>
+                </a:p>
+              </p:txBody>
+            </p:sp>
+          </mc:Fallback>
+        </mc:AlternateContent>
+        <mc:AlternateContent xmlns:mc="http://schemas.openxmlformats.org/markup-compatibility/2006">
+          <mc:Choice xmlns:a14="http://schemas.microsoft.com/office/drawing/2010/main" Requires="a14">
+            <p:sp>
+              <p:nvSpPr>
+                <p:cNvPr id="15" name="TextBox 14"/>
+                <p:cNvSpPr txBox="1"/>
+                <p:nvPr/>
+              </p:nvSpPr>
+              <p:spPr>
+                <a:xfrm>
+                  <a:off x="3188371" y="1791303"/>
+                  <a:ext cx="245708" cy="307777"/>
+                </a:xfrm>
+                <a:prstGeom prst="rect">
+                  <a:avLst/>
+                </a:prstGeom>
+                <a:noFill/>
+              </p:spPr>
+              <p:txBody>
+                <a:bodyPr wrap="none" lIns="0" tIns="0" rIns="0" bIns="0" rtlCol="0">
+                  <a:spAutoFit/>
+                </a:bodyPr>
+                <a:lstStyle/>
+                <a:p>
+                  <a14:m>
+                    <m:oMathPara xmlns:m="http://schemas.openxmlformats.org/officeDocument/2006/math">
+                      <m:oMathParaPr>
+                        <m:jc m:val="centerGroup"/>
+                      </m:oMathParaPr>
+                      <m:oMath xmlns:m="http://schemas.openxmlformats.org/officeDocument/2006/math">
+                        <m:r>
+                          <a:rPr lang="en-US" sz="2000" b="0" i="1" smtClean="0">
+                            <a:latin typeface="Cambria Math" panose="02040503050406030204" pitchFamily="18" charset="0"/>
+                            <a:cs typeface="Arial" panose="020B0604020202020204" pitchFamily="34" charset="0"/>
+                          </a:rPr>
+                          <m:t>𝐵</m:t>
+                        </m:r>
+                      </m:oMath>
+                    </m:oMathPara>
+                  </a14:m>
+                  <a:endParaRPr lang="en-US" sz="2000" dirty="0" smtClean="0">
+                    <a:latin typeface="Arial" panose="020B0604020202020204" pitchFamily="34" charset="0"/>
+                    <a:cs typeface="Arial" panose="020B0604020202020204" pitchFamily="34" charset="0"/>
+                  </a:endParaRPr>
+                </a:p>
+              </p:txBody>
+            </p:sp>
+          </mc:Choice>
+          <mc:Fallback>
+            <p:sp>
+              <p:nvSpPr>
+                <p:cNvPr id="15" name="TextBox 14"/>
+                <p:cNvSpPr txBox="1">
+                  <a:spLocks noRot="1" noChangeAspect="1" noMove="1" noResize="1" noEditPoints="1" noAdjustHandles="1" noChangeArrowheads="1" noChangeShapeType="1" noTextEdit="1"/>
+                </p:cNvSpPr>
+                <p:nvPr/>
+              </p:nvSpPr>
+              <p:spPr>
+                <a:xfrm>
+                  <a:off x="3188371" y="1791303"/>
+                  <a:ext cx="245708" cy="307777"/>
+                </a:xfrm>
+                <a:prstGeom prst="rect">
+                  <a:avLst/>
+                </a:prstGeom>
+                <a:blipFill>
+                  <a:blip r:embed="rId3"/>
+                  <a:stretch>
+                    <a:fillRect l="-20000" r="-22500" b="-10000"/>
+                  </a:stretch>
+                </a:blipFill>
+              </p:spPr>
+              <p:txBody>
+                <a:bodyPr/>
+                <a:lstStyle/>
+                <a:p>
+                  <a:r>
+                    <a:rPr lang="en-US">
+                      <a:noFill/>
+                    </a:rPr>
+                    <a:t> </a:t>
+                  </a:r>
+                </a:p>
+              </p:txBody>
+            </p:sp>
+          </mc:Fallback>
+        </mc:AlternateContent>
+        <mc:AlternateContent xmlns:mc="http://schemas.openxmlformats.org/markup-compatibility/2006">
+          <mc:Choice xmlns:a14="http://schemas.microsoft.com/office/drawing/2010/main" Requires="a14">
+            <p:sp>
+              <p:nvSpPr>
+                <p:cNvPr id="16" name="TextBox 15"/>
+                <p:cNvSpPr txBox="1"/>
+                <p:nvPr/>
+              </p:nvSpPr>
+              <p:spPr>
+                <a:xfrm>
+                  <a:off x="4373014" y="1780669"/>
+                  <a:ext cx="234936" cy="307777"/>
+                </a:xfrm>
+                <a:prstGeom prst="rect">
+                  <a:avLst/>
+                </a:prstGeom>
+                <a:noFill/>
+              </p:spPr>
+              <p:txBody>
+                <a:bodyPr wrap="none" lIns="0" tIns="0" rIns="0" bIns="0" rtlCol="0">
+                  <a:spAutoFit/>
+                </a:bodyPr>
+                <a:lstStyle/>
+                <a:p>
+                  <a14:m>
+                    <m:oMathPara xmlns:m="http://schemas.openxmlformats.org/officeDocument/2006/math">
+                      <m:oMathParaPr>
+                        <m:jc m:val="centerGroup"/>
+                      </m:oMathParaPr>
+                      <m:oMath xmlns:m="http://schemas.openxmlformats.org/officeDocument/2006/math">
+                        <m:r>
+                          <a:rPr lang="en-US" sz="2000" b="0" i="1" smtClean="0">
+                            <a:latin typeface="Cambria Math" panose="02040503050406030204" pitchFamily="18" charset="0"/>
+                            <a:cs typeface="Arial" panose="020B0604020202020204" pitchFamily="34" charset="0"/>
+                          </a:rPr>
+                          <m:t>𝐶</m:t>
+                        </m:r>
+                      </m:oMath>
+                    </m:oMathPara>
+                  </a14:m>
+                  <a:endParaRPr lang="en-US" sz="2000" dirty="0" smtClean="0">
+                    <a:latin typeface="Arial" panose="020B0604020202020204" pitchFamily="34" charset="0"/>
+                    <a:cs typeface="Arial" panose="020B0604020202020204" pitchFamily="34" charset="0"/>
+                  </a:endParaRPr>
+                </a:p>
+              </p:txBody>
+            </p:sp>
+          </mc:Choice>
+          <mc:Fallback>
+            <p:sp>
+              <p:nvSpPr>
+                <p:cNvPr id="16" name="TextBox 15"/>
+                <p:cNvSpPr txBox="1">
+                  <a:spLocks noRot="1" noChangeAspect="1" noMove="1" noResize="1" noEditPoints="1" noAdjustHandles="1" noChangeArrowheads="1" noChangeShapeType="1" noTextEdit="1"/>
+                </p:cNvSpPr>
+                <p:nvPr/>
+              </p:nvSpPr>
+              <p:spPr>
+                <a:xfrm>
+                  <a:off x="4373014" y="1780669"/>
+                  <a:ext cx="234936" cy="307777"/>
+                </a:xfrm>
+                <a:prstGeom prst="rect">
+                  <a:avLst/>
+                </a:prstGeom>
+                <a:blipFill>
+                  <a:blip r:embed="rId4"/>
+                  <a:stretch>
+                    <a:fillRect l="-20513" r="-17949" b="-9804"/>
+                  </a:stretch>
+                </a:blipFill>
+              </p:spPr>
+              <p:txBody>
+                <a:bodyPr/>
+                <a:lstStyle/>
+                <a:p>
+                  <a:r>
+                    <a:rPr lang="en-US">
+                      <a:noFill/>
+                    </a:rPr>
+                    <a:t> </a:t>
+                  </a:r>
+                </a:p>
+              </p:txBody>
+            </p:sp>
+          </mc:Fallback>
+        </mc:AlternateContent>
+        <p:cxnSp>
+          <p:nvCxnSpPr>
+            <p:cNvPr id="18" name="Straight Connector 17"/>
+            <p:cNvCxnSpPr/>
+            <p:nvPr/>
+          </p:nvCxnSpPr>
+          <p:spPr>
+            <a:xfrm>
+              <a:off x="1371600" y="2264735"/>
+              <a:ext cx="4146698" cy="0"/>
+            </a:xfrm>
+            <a:prstGeom prst="line">
+              <a:avLst/>
+            </a:prstGeom>
+            <a:ln w="19050">
+              <a:solidFill>
+                <a:schemeClr val="tx1"/>
+              </a:solidFill>
+              <a:prstDash val="dash"/>
+            </a:ln>
+          </p:spPr>
+          <p:style>
+            <a:lnRef idx="1">
+              <a:schemeClr val="accent1"/>
+            </a:lnRef>
+            <a:fillRef idx="0">
+              <a:schemeClr val="accent1"/>
+            </a:fillRef>
+            <a:effectRef idx="0">
+              <a:schemeClr val="accent1"/>
+            </a:effectRef>
+            <a:fontRef idx="minor">
+              <a:schemeClr val="tx1"/>
+            </a:fontRef>
+          </p:style>
+        </p:cxnSp>
+        <p:cxnSp>
+          <p:nvCxnSpPr>
+            <p:cNvPr id="20" name="Straight Arrow Connector 19"/>
+            <p:cNvCxnSpPr/>
+            <p:nvPr/>
+          </p:nvCxnSpPr>
+          <p:spPr>
+            <a:xfrm>
+              <a:off x="5401340" y="2286000"/>
+              <a:ext cx="21265" cy="1158950"/>
+            </a:xfrm>
+            <a:prstGeom prst="straightConnector1">
+              <a:avLst/>
+            </a:prstGeom>
+            <a:ln w="38100">
+              <a:solidFill>
+                <a:schemeClr val="tx1"/>
+              </a:solidFill>
+              <a:headEnd type="triangle"/>
+              <a:tailEnd type="triangle"/>
+            </a:ln>
+          </p:spPr>
+          <p:style>
+            <a:lnRef idx="1">
+              <a:schemeClr val="accent1"/>
+            </a:lnRef>
+            <a:fillRef idx="0">
+              <a:schemeClr val="accent1"/>
+            </a:fillRef>
+            <a:effectRef idx="0">
+              <a:schemeClr val="accent1"/>
+            </a:effectRef>
+            <a:fontRef idx="minor">
+              <a:schemeClr val="tx1"/>
+            </a:fontRef>
+          </p:style>
+        </p:cxnSp>
+        <mc:AlternateContent xmlns:mc="http://schemas.openxmlformats.org/markup-compatibility/2006">
+          <mc:Choice xmlns:a14="http://schemas.microsoft.com/office/drawing/2010/main" Requires="a14">
+            <p:sp>
+              <p:nvSpPr>
+                <p:cNvPr id="21" name="TextBox 20"/>
+                <p:cNvSpPr txBox="1"/>
+                <p:nvPr/>
+              </p:nvSpPr>
+              <p:spPr>
+                <a:xfrm>
+                  <a:off x="5518298" y="2690321"/>
+                  <a:ext cx="217560" cy="307777"/>
+                </a:xfrm>
+                <a:prstGeom prst="rect">
+                  <a:avLst/>
+                </a:prstGeom>
+                <a:noFill/>
+              </p:spPr>
+              <p:txBody>
+                <a:bodyPr wrap="none" lIns="0" tIns="0" rIns="0" bIns="0" rtlCol="0">
+                  <a:spAutoFit/>
+                </a:bodyPr>
+                <a:lstStyle/>
+                <a:p>
+                  <a14:m>
+                    <m:oMathPara xmlns:m="http://schemas.openxmlformats.org/officeDocument/2006/math">
+                      <m:oMathParaPr>
+                        <m:jc m:val="centerGroup"/>
+                      </m:oMathParaPr>
+                      <m:oMath xmlns:m="http://schemas.openxmlformats.org/officeDocument/2006/math">
+                        <m:r>
+                          <a:rPr lang="en-US" sz="2000" b="0" i="1" smtClean="0">
+                            <a:latin typeface="Cambria Math" panose="02040503050406030204" pitchFamily="18" charset="0"/>
+                            <a:cs typeface="Arial" panose="020B0604020202020204" pitchFamily="34" charset="0"/>
+                          </a:rPr>
+                          <m:t>h</m:t>
+                        </m:r>
+                      </m:oMath>
+                    </m:oMathPara>
+                  </a14:m>
+                  <a:endParaRPr lang="en-US" sz="2000" dirty="0" smtClean="0">
+                    <a:latin typeface="Arial" panose="020B0604020202020204" pitchFamily="34" charset="0"/>
+                    <a:cs typeface="Arial" panose="020B0604020202020204" pitchFamily="34" charset="0"/>
+                  </a:endParaRPr>
+                </a:p>
+              </p:txBody>
+            </p:sp>
+          </mc:Choice>
+          <mc:Fallback>
+            <p:sp>
+              <p:nvSpPr>
+                <p:cNvPr id="21" name="TextBox 20"/>
+                <p:cNvSpPr txBox="1">
+                  <a:spLocks noRot="1" noChangeAspect="1" noMove="1" noResize="1" noEditPoints="1" noAdjustHandles="1" noChangeArrowheads="1" noChangeShapeType="1" noTextEdit="1"/>
+                </p:cNvSpPr>
+                <p:nvPr/>
+              </p:nvSpPr>
+              <p:spPr>
+                <a:xfrm>
+                  <a:off x="5518298" y="2690321"/>
+                  <a:ext cx="217560" cy="307777"/>
+                </a:xfrm>
+                <a:prstGeom prst="rect">
+                  <a:avLst/>
+                </a:prstGeom>
+                <a:blipFill>
+                  <a:blip r:embed="rId5"/>
+                  <a:stretch>
+                    <a:fillRect l="-25000" r="-22222" b="-9804"/>
+                  </a:stretch>
+                </a:blipFill>
+              </p:spPr>
+              <p:txBody>
+                <a:bodyPr/>
+                <a:lstStyle/>
+                <a:p>
+                  <a:r>
+                    <a:rPr lang="en-US">
+                      <a:noFill/>
+                    </a:rPr>
+                    <a:t> </a:t>
+                  </a:r>
+                </a:p>
+              </p:txBody>
+            </p:sp>
+          </mc:Fallback>
+        </mc:AlternateContent>
+      </p:grpSp>
+    </p:spTree>
+    <p:extLst>
+      <p:ext uri="{BB962C8B-B14F-4D97-AF65-F5344CB8AC3E}">
+        <p14:creationId xmlns:p14="http://schemas.microsoft.com/office/powerpoint/2010/main" val="987206375"/>
+      </p:ext>
+    </p:extLst>
+  </p:cSld>
+  <p:clrMapOvr>
+    <a:masterClrMapping/>
+  </p:clrMapOvr>
+</p:sld>
+</file>
+
+<file path=ppt/slides/slide4.xml><?xml version="1.0" encoding="utf-8"?>
+<p:sld xmlns:a="http://schemas.openxmlformats.org/drawingml/2006/main" xmlns:r="http://schemas.openxmlformats.org/officeDocument/2006/relationships" xmlns:p="http://schemas.openxmlformats.org/presentationml/2006/main">
+  <p:cSld>
+    <p:spTree>
+      <p:nvGrpSpPr>
+        <p:cNvPr id="1" name=""/>
+        <p:cNvGrpSpPr/>
+        <p:nvPr/>
+      </p:nvGrpSpPr>
+      <p:grpSpPr>
+        <a:xfrm>
+          <a:off x="0" y="0"/>
+          <a:ext cx="0" cy="0"/>
+          <a:chOff x="0" y="0"/>
+          <a:chExt cx="0" cy="0"/>
+        </a:xfrm>
+      </p:grpSpPr>
+      <p:grpSp>
+        <p:nvGrpSpPr>
           <p:cNvPr id="29" name="Group 28"/>
           <p:cNvGrpSpPr/>
           <p:nvPr/>
@@ -14684,7 +16915,7 @@
 </p:sld>
 </file>
 
-<file path=ppt/slides/slide4.xml><?xml version="1.0" encoding="utf-8"?>
+<file path=ppt/slides/slide5.xml><?xml version="1.0" encoding="utf-8"?>
 <p:sld xmlns:a="http://schemas.openxmlformats.org/drawingml/2006/main" xmlns:r="http://schemas.openxmlformats.org/officeDocument/2006/relationships" xmlns:p="http://schemas.openxmlformats.org/presentationml/2006/main">
   <p:cSld>
     <p:spTree>
@@ -15863,911 +18094,1014 @@
       </p:grpSp>
       <p:grpSp>
         <p:nvGrpSpPr>
-          <p:cNvPr id="25" name="Group 24"/>
+          <p:cNvPr id="48" name="Group 47"/>
           <p:cNvGrpSpPr/>
           <p:nvPr/>
         </p:nvGrpSpPr>
         <p:grpSpPr>
           <a:xfrm>
-            <a:off x="5408672" y="1240737"/>
+            <a:off x="4385807" y="815435"/>
             <a:ext cx="3398995" cy="4172067"/>
-            <a:chOff x="1185314" y="1045695"/>
+            <a:chOff x="4385807" y="815435"/>
             <a:chExt cx="3398995" cy="4172067"/>
           </a:xfrm>
         </p:grpSpPr>
         <p:grpSp>
           <p:nvGrpSpPr>
-            <p:cNvPr id="26" name="Group 25"/>
+            <p:cNvPr id="25" name="Group 24"/>
             <p:cNvGrpSpPr/>
             <p:nvPr/>
           </p:nvGrpSpPr>
           <p:grpSpPr>
             <a:xfrm>
-              <a:off x="1185314" y="1045695"/>
+              <a:off x="4385807" y="815435"/>
               <a:ext cx="3398995" cy="4172067"/>
-              <a:chOff x="5882575" y="331712"/>
+              <a:chOff x="1185314" y="1045695"/>
               <a:chExt cx="3398995" cy="4172067"/>
             </a:xfrm>
           </p:grpSpPr>
           <p:grpSp>
             <p:nvGrpSpPr>
-              <p:cNvPr id="28" name="Group 27"/>
+              <p:cNvPr id="26" name="Group 25"/>
               <p:cNvGrpSpPr/>
               <p:nvPr/>
             </p:nvGrpSpPr>
             <p:grpSpPr>
               <a:xfrm>
-                <a:off x="5882575" y="331712"/>
+                <a:off x="1185314" y="1045695"/>
                 <a:ext cx="3398995" cy="4172067"/>
-                <a:chOff x="5474376" y="903072"/>
+                <a:chOff x="5882575" y="331712"/>
                 <a:chExt cx="3398995" cy="4172067"/>
               </a:xfrm>
             </p:grpSpPr>
-            <p:sp>
-              <p:nvSpPr>
-                <p:cNvPr id="31" name="Freeform 30"/>
-                <p:cNvSpPr/>
+            <p:grpSp>
+              <p:nvGrpSpPr>
+                <p:cNvPr id="28" name="Group 27"/>
+                <p:cNvGrpSpPr/>
                 <p:nvPr/>
-              </p:nvSpPr>
-              <p:spPr>
+              </p:nvGrpSpPr>
+              <p:grpSpPr>
                 <a:xfrm>
-                  <a:off x="5782053" y="2316026"/>
-                  <a:ext cx="2764133" cy="2751151"/>
+                  <a:off x="5882575" y="331712"/>
+                  <a:ext cx="3398995" cy="4172067"/>
+                  <a:chOff x="5474376" y="903072"/>
+                  <a:chExt cx="3398995" cy="4172067"/>
                 </a:xfrm>
-                <a:custGeom>
-                  <a:avLst/>
-                  <a:gdLst>
-                    <a:gd name="connsiteX0" fmla="*/ 7951 w 2759103"/>
-                    <a:gd name="connsiteY0" fmla="*/ 7951 h 2759102"/>
-                    <a:gd name="connsiteX1" fmla="*/ 0 w 2759103"/>
-                    <a:gd name="connsiteY1" fmla="*/ 2759102 h 2759102"/>
-                    <a:gd name="connsiteX2" fmla="*/ 2759103 w 2759103"/>
-                    <a:gd name="connsiteY2" fmla="*/ 2751151 h 2759102"/>
-                    <a:gd name="connsiteX3" fmla="*/ 2751151 w 2759103"/>
-                    <a:gd name="connsiteY3" fmla="*/ 0 h 2759102"/>
-                    <a:gd name="connsiteX4" fmla="*/ 2433099 w 2759103"/>
-                    <a:gd name="connsiteY4" fmla="*/ 7951 h 2759102"/>
-                    <a:gd name="connsiteX5" fmla="*/ 2441051 w 2759103"/>
-                    <a:gd name="connsiteY5" fmla="*/ 2456953 h 2759102"/>
-                    <a:gd name="connsiteX6" fmla="*/ 310101 w 2759103"/>
-                    <a:gd name="connsiteY6" fmla="*/ 2456953 h 2759102"/>
-                    <a:gd name="connsiteX7" fmla="*/ 310101 w 2759103"/>
-                    <a:gd name="connsiteY7" fmla="*/ 7951 h 2759102"/>
-                    <a:gd name="connsiteX8" fmla="*/ 7951 w 2759103"/>
-                    <a:gd name="connsiteY8" fmla="*/ 7951 h 2759102"/>
-                    <a:gd name="connsiteX0" fmla="*/ 7951 w 2759103"/>
-                    <a:gd name="connsiteY0" fmla="*/ 7951 h 2759102"/>
-                    <a:gd name="connsiteX1" fmla="*/ 0 w 2759103"/>
-                    <a:gd name="connsiteY1" fmla="*/ 2759102 h 2759102"/>
-                    <a:gd name="connsiteX2" fmla="*/ 2759103 w 2759103"/>
-                    <a:gd name="connsiteY2" fmla="*/ 2751151 h 2759102"/>
-                    <a:gd name="connsiteX3" fmla="*/ 2751151 w 2759103"/>
-                    <a:gd name="connsiteY3" fmla="*/ 0 h 2759102"/>
-                    <a:gd name="connsiteX4" fmla="*/ 2458151 w 2759103"/>
-                    <a:gd name="connsiteY4" fmla="*/ 746987 h 2759102"/>
-                    <a:gd name="connsiteX5" fmla="*/ 2441051 w 2759103"/>
-                    <a:gd name="connsiteY5" fmla="*/ 2456953 h 2759102"/>
-                    <a:gd name="connsiteX6" fmla="*/ 310101 w 2759103"/>
-                    <a:gd name="connsiteY6" fmla="*/ 2456953 h 2759102"/>
-                    <a:gd name="connsiteX7" fmla="*/ 310101 w 2759103"/>
-                    <a:gd name="connsiteY7" fmla="*/ 7951 h 2759102"/>
-                    <a:gd name="connsiteX8" fmla="*/ 7951 w 2759103"/>
-                    <a:gd name="connsiteY8" fmla="*/ 7951 h 2759102"/>
-                    <a:gd name="connsiteX0" fmla="*/ 7951 w 2759103"/>
-                    <a:gd name="connsiteY0" fmla="*/ 0 h 2751151"/>
-                    <a:gd name="connsiteX1" fmla="*/ 0 w 2759103"/>
-                    <a:gd name="connsiteY1" fmla="*/ 2751151 h 2751151"/>
-                    <a:gd name="connsiteX2" fmla="*/ 2759103 w 2759103"/>
-                    <a:gd name="connsiteY2" fmla="*/ 2743200 h 2751151"/>
-                    <a:gd name="connsiteX3" fmla="*/ 2751151 w 2759103"/>
-                    <a:gd name="connsiteY3" fmla="*/ 731085 h 2751151"/>
-                    <a:gd name="connsiteX4" fmla="*/ 2458151 w 2759103"/>
-                    <a:gd name="connsiteY4" fmla="*/ 739036 h 2751151"/>
-                    <a:gd name="connsiteX5" fmla="*/ 2441051 w 2759103"/>
-                    <a:gd name="connsiteY5" fmla="*/ 2449002 h 2751151"/>
-                    <a:gd name="connsiteX6" fmla="*/ 310101 w 2759103"/>
-                    <a:gd name="connsiteY6" fmla="*/ 2449002 h 2751151"/>
-                    <a:gd name="connsiteX7" fmla="*/ 310101 w 2759103"/>
-                    <a:gd name="connsiteY7" fmla="*/ 0 h 2751151"/>
-                    <a:gd name="connsiteX8" fmla="*/ 7951 w 2759103"/>
-                    <a:gd name="connsiteY8" fmla="*/ 0 h 2751151"/>
-                    <a:gd name="connsiteX0" fmla="*/ 7951 w 2759103"/>
-                    <a:gd name="connsiteY0" fmla="*/ 463463 h 3214614"/>
-                    <a:gd name="connsiteX1" fmla="*/ 0 w 2759103"/>
-                    <a:gd name="connsiteY1" fmla="*/ 3214614 h 3214614"/>
-                    <a:gd name="connsiteX2" fmla="*/ 2759103 w 2759103"/>
-                    <a:gd name="connsiteY2" fmla="*/ 3206663 h 3214614"/>
-                    <a:gd name="connsiteX3" fmla="*/ 2751151 w 2759103"/>
-                    <a:gd name="connsiteY3" fmla="*/ 1194548 h 3214614"/>
-                    <a:gd name="connsiteX4" fmla="*/ 2433099 w 2759103"/>
-                    <a:gd name="connsiteY4" fmla="*/ 0 h 3214614"/>
-                    <a:gd name="connsiteX5" fmla="*/ 2441051 w 2759103"/>
-                    <a:gd name="connsiteY5" fmla="*/ 2912465 h 3214614"/>
-                    <a:gd name="connsiteX6" fmla="*/ 310101 w 2759103"/>
-                    <a:gd name="connsiteY6" fmla="*/ 2912465 h 3214614"/>
-                    <a:gd name="connsiteX7" fmla="*/ 310101 w 2759103"/>
-                    <a:gd name="connsiteY7" fmla="*/ 463463 h 3214614"/>
-                    <a:gd name="connsiteX8" fmla="*/ 7951 w 2759103"/>
-                    <a:gd name="connsiteY8" fmla="*/ 463463 h 3214614"/>
-                    <a:gd name="connsiteX0" fmla="*/ 7951 w 2759103"/>
-                    <a:gd name="connsiteY0" fmla="*/ 483940 h 3235091"/>
-                    <a:gd name="connsiteX1" fmla="*/ 0 w 2759103"/>
-                    <a:gd name="connsiteY1" fmla="*/ 3235091 h 3235091"/>
-                    <a:gd name="connsiteX2" fmla="*/ 2759103 w 2759103"/>
-                    <a:gd name="connsiteY2" fmla="*/ 3227140 h 3235091"/>
-                    <a:gd name="connsiteX3" fmla="*/ 2738625 w 2759103"/>
-                    <a:gd name="connsiteY3" fmla="*/ 0 h 3235091"/>
-                    <a:gd name="connsiteX4" fmla="*/ 2433099 w 2759103"/>
-                    <a:gd name="connsiteY4" fmla="*/ 20477 h 3235091"/>
-                    <a:gd name="connsiteX5" fmla="*/ 2441051 w 2759103"/>
-                    <a:gd name="connsiteY5" fmla="*/ 2932942 h 3235091"/>
-                    <a:gd name="connsiteX6" fmla="*/ 310101 w 2759103"/>
-                    <a:gd name="connsiteY6" fmla="*/ 2932942 h 3235091"/>
-                    <a:gd name="connsiteX7" fmla="*/ 310101 w 2759103"/>
-                    <a:gd name="connsiteY7" fmla="*/ 483940 h 3235091"/>
-                    <a:gd name="connsiteX8" fmla="*/ 7951 w 2759103"/>
-                    <a:gd name="connsiteY8" fmla="*/ 483940 h 3235091"/>
-                    <a:gd name="connsiteX0" fmla="*/ 7951 w 2759103"/>
-                    <a:gd name="connsiteY0" fmla="*/ 463463 h 3214614"/>
-                    <a:gd name="connsiteX1" fmla="*/ 0 w 2759103"/>
-                    <a:gd name="connsiteY1" fmla="*/ 3214614 h 3214614"/>
-                    <a:gd name="connsiteX2" fmla="*/ 2759103 w 2759103"/>
-                    <a:gd name="connsiteY2" fmla="*/ 3206663 h 3214614"/>
-                    <a:gd name="connsiteX3" fmla="*/ 2738625 w 2759103"/>
-                    <a:gd name="connsiteY3" fmla="*/ 29627 h 3214614"/>
-                    <a:gd name="connsiteX4" fmla="*/ 2433099 w 2759103"/>
-                    <a:gd name="connsiteY4" fmla="*/ 0 h 3214614"/>
-                    <a:gd name="connsiteX5" fmla="*/ 2441051 w 2759103"/>
-                    <a:gd name="connsiteY5" fmla="*/ 2912465 h 3214614"/>
-                    <a:gd name="connsiteX6" fmla="*/ 310101 w 2759103"/>
-                    <a:gd name="connsiteY6" fmla="*/ 2912465 h 3214614"/>
-                    <a:gd name="connsiteX7" fmla="*/ 310101 w 2759103"/>
-                    <a:gd name="connsiteY7" fmla="*/ 463463 h 3214614"/>
-                    <a:gd name="connsiteX8" fmla="*/ 7951 w 2759103"/>
-                    <a:gd name="connsiteY8" fmla="*/ 463463 h 3214614"/>
-                    <a:gd name="connsiteX0" fmla="*/ 7951 w 2759103"/>
-                    <a:gd name="connsiteY0" fmla="*/ 463463 h 3214614"/>
-                    <a:gd name="connsiteX1" fmla="*/ 0 w 2759103"/>
-                    <a:gd name="connsiteY1" fmla="*/ 3214614 h 3214614"/>
-                    <a:gd name="connsiteX2" fmla="*/ 2759103 w 2759103"/>
-                    <a:gd name="connsiteY2" fmla="*/ 3206663 h 3214614"/>
-                    <a:gd name="connsiteX3" fmla="*/ 2751151 w 2759103"/>
-                    <a:gd name="connsiteY3" fmla="*/ 4575 h 3214614"/>
-                    <a:gd name="connsiteX4" fmla="*/ 2433099 w 2759103"/>
-                    <a:gd name="connsiteY4" fmla="*/ 0 h 3214614"/>
-                    <a:gd name="connsiteX5" fmla="*/ 2441051 w 2759103"/>
-                    <a:gd name="connsiteY5" fmla="*/ 2912465 h 3214614"/>
-                    <a:gd name="connsiteX6" fmla="*/ 310101 w 2759103"/>
-                    <a:gd name="connsiteY6" fmla="*/ 2912465 h 3214614"/>
-                    <a:gd name="connsiteX7" fmla="*/ 310101 w 2759103"/>
-                    <a:gd name="connsiteY7" fmla="*/ 463463 h 3214614"/>
-                    <a:gd name="connsiteX8" fmla="*/ 7951 w 2759103"/>
-                    <a:gd name="connsiteY8" fmla="*/ 463463 h 3214614"/>
-                    <a:gd name="connsiteX0" fmla="*/ 7951 w 2759103"/>
-                    <a:gd name="connsiteY0" fmla="*/ 458888 h 3210039"/>
-                    <a:gd name="connsiteX1" fmla="*/ 0 w 2759103"/>
-                    <a:gd name="connsiteY1" fmla="*/ 3210039 h 3210039"/>
-                    <a:gd name="connsiteX2" fmla="*/ 2759103 w 2759103"/>
-                    <a:gd name="connsiteY2" fmla="*/ 3202088 h 3210039"/>
-                    <a:gd name="connsiteX3" fmla="*/ 2751151 w 2759103"/>
-                    <a:gd name="connsiteY3" fmla="*/ 0 h 3210039"/>
-                    <a:gd name="connsiteX4" fmla="*/ 2470677 w 2759103"/>
-                    <a:gd name="connsiteY4" fmla="*/ 2187480 h 3210039"/>
-                    <a:gd name="connsiteX5" fmla="*/ 2441051 w 2759103"/>
-                    <a:gd name="connsiteY5" fmla="*/ 2907890 h 3210039"/>
-                    <a:gd name="connsiteX6" fmla="*/ 310101 w 2759103"/>
-                    <a:gd name="connsiteY6" fmla="*/ 2907890 h 3210039"/>
-                    <a:gd name="connsiteX7" fmla="*/ 310101 w 2759103"/>
-                    <a:gd name="connsiteY7" fmla="*/ 458888 h 3210039"/>
-                    <a:gd name="connsiteX8" fmla="*/ 7951 w 2759103"/>
-                    <a:gd name="connsiteY8" fmla="*/ 458888 h 3210039"/>
-                    <a:gd name="connsiteX0" fmla="*/ 7951 w 2764133"/>
-                    <a:gd name="connsiteY0" fmla="*/ 0 h 2751151"/>
-                    <a:gd name="connsiteX1" fmla="*/ 0 w 2764133"/>
-                    <a:gd name="connsiteY1" fmla="*/ 2751151 h 2751151"/>
-                    <a:gd name="connsiteX2" fmla="*/ 2759103 w 2764133"/>
-                    <a:gd name="connsiteY2" fmla="*/ 2743200 h 2751151"/>
-                    <a:gd name="connsiteX3" fmla="*/ 2763677 w 2764133"/>
-                    <a:gd name="connsiteY3" fmla="*/ 1695588 h 2751151"/>
-                    <a:gd name="connsiteX4" fmla="*/ 2470677 w 2764133"/>
-                    <a:gd name="connsiteY4" fmla="*/ 1728592 h 2751151"/>
-                    <a:gd name="connsiteX5" fmla="*/ 2441051 w 2764133"/>
-                    <a:gd name="connsiteY5" fmla="*/ 2449002 h 2751151"/>
-                    <a:gd name="connsiteX6" fmla="*/ 310101 w 2764133"/>
-                    <a:gd name="connsiteY6" fmla="*/ 2449002 h 2751151"/>
-                    <a:gd name="connsiteX7" fmla="*/ 310101 w 2764133"/>
-                    <a:gd name="connsiteY7" fmla="*/ 0 h 2751151"/>
-                    <a:gd name="connsiteX8" fmla="*/ 7951 w 2764133"/>
-                    <a:gd name="connsiteY8" fmla="*/ 0 h 2751151"/>
-                    <a:gd name="connsiteX0" fmla="*/ 7951 w 2764133"/>
-                    <a:gd name="connsiteY0" fmla="*/ 0 h 2751151"/>
-                    <a:gd name="connsiteX1" fmla="*/ 0 w 2764133"/>
-                    <a:gd name="connsiteY1" fmla="*/ 2751151 h 2751151"/>
-                    <a:gd name="connsiteX2" fmla="*/ 2759103 w 2764133"/>
-                    <a:gd name="connsiteY2" fmla="*/ 2743200 h 2751151"/>
-                    <a:gd name="connsiteX3" fmla="*/ 2763677 w 2764133"/>
-                    <a:gd name="connsiteY3" fmla="*/ 1695588 h 2751151"/>
-                    <a:gd name="connsiteX4" fmla="*/ 2470677 w 2764133"/>
-                    <a:gd name="connsiteY4" fmla="*/ 1703540 h 2751151"/>
-                    <a:gd name="connsiteX5" fmla="*/ 2441051 w 2764133"/>
-                    <a:gd name="connsiteY5" fmla="*/ 2449002 h 2751151"/>
-                    <a:gd name="connsiteX6" fmla="*/ 310101 w 2764133"/>
-                    <a:gd name="connsiteY6" fmla="*/ 2449002 h 2751151"/>
-                    <a:gd name="connsiteX7" fmla="*/ 310101 w 2764133"/>
-                    <a:gd name="connsiteY7" fmla="*/ 0 h 2751151"/>
-                    <a:gd name="connsiteX8" fmla="*/ 7951 w 2764133"/>
-                    <a:gd name="connsiteY8" fmla="*/ 0 h 2751151"/>
-                  </a:gdLst>
-                  <a:ahLst/>
-                  <a:cxnLst>
-                    <a:cxn ang="0">
-                      <a:pos x="connsiteX0" y="connsiteY0"/>
-                    </a:cxn>
-                    <a:cxn ang="0">
-                      <a:pos x="connsiteX1" y="connsiteY1"/>
-                    </a:cxn>
-                    <a:cxn ang="0">
-                      <a:pos x="connsiteX2" y="connsiteY2"/>
-                    </a:cxn>
-                    <a:cxn ang="0">
-                      <a:pos x="connsiteX3" y="connsiteY3"/>
-                    </a:cxn>
-                    <a:cxn ang="0">
-                      <a:pos x="connsiteX4" y="connsiteY4"/>
-                    </a:cxn>
-                    <a:cxn ang="0">
-                      <a:pos x="connsiteX5" y="connsiteY5"/>
-                    </a:cxn>
-                    <a:cxn ang="0">
-                      <a:pos x="connsiteX6" y="connsiteY6"/>
-                    </a:cxn>
-                    <a:cxn ang="0">
-                      <a:pos x="connsiteX7" y="connsiteY7"/>
-                    </a:cxn>
-                    <a:cxn ang="0">
-                      <a:pos x="connsiteX8" y="connsiteY8"/>
-                    </a:cxn>
-                  </a:cxnLst>
-                  <a:rect l="l" t="t" r="r" b="b"/>
-                  <a:pathLst>
-                    <a:path w="2764133" h="2751151">
-                      <a:moveTo>
-                        <a:pt x="7951" y="0"/>
-                      </a:moveTo>
-                      <a:cubicBezTo>
-                        <a:pt x="5301" y="917050"/>
-                        <a:pt x="2650" y="1834101"/>
-                        <a:pt x="0" y="2751151"/>
-                      </a:cubicBezTo>
-                      <a:lnTo>
-                        <a:pt x="2759103" y="2743200"/>
-                      </a:lnTo>
-                      <a:cubicBezTo>
-                        <a:pt x="2756452" y="1826150"/>
-                        <a:pt x="2766328" y="2612638"/>
-                        <a:pt x="2763677" y="1695588"/>
-                      </a:cubicBezTo>
-                      <a:lnTo>
-                        <a:pt x="2470677" y="1703540"/>
-                      </a:lnTo>
-                      <a:cubicBezTo>
-                        <a:pt x="2473328" y="2519874"/>
-                        <a:pt x="2438400" y="1632668"/>
-                        <a:pt x="2441051" y="2449002"/>
-                      </a:cubicBezTo>
-                      <a:lnTo>
-                        <a:pt x="310101" y="2449002"/>
-                      </a:lnTo>
-                      <a:lnTo>
-                        <a:pt x="310101" y="0"/>
-                      </a:lnTo>
-                      <a:lnTo>
-                        <a:pt x="7951" y="0"/>
-                      </a:lnTo>
-                      <a:close/>
-                    </a:path>
-                  </a:pathLst>
-                </a:custGeom>
-                <a:solidFill>
-                  <a:schemeClr val="accent1">
-                    <a:lumMod val="40000"/>
-                    <a:lumOff val="60000"/>
-                  </a:schemeClr>
-                </a:solidFill>
-                <a:ln w="38100">
+              </p:grpSpPr>
+              <p:sp>
+                <p:nvSpPr>
+                  <p:cNvPr id="31" name="Freeform 30"/>
+                  <p:cNvSpPr/>
+                  <p:nvPr/>
+                </p:nvSpPr>
+                <p:spPr>
+                  <a:xfrm>
+                    <a:off x="5782053" y="2316026"/>
+                    <a:ext cx="2764133" cy="2751151"/>
+                  </a:xfrm>
+                  <a:custGeom>
+                    <a:avLst/>
+                    <a:gdLst>
+                      <a:gd name="connsiteX0" fmla="*/ 7951 w 2759103"/>
+                      <a:gd name="connsiteY0" fmla="*/ 7951 h 2759102"/>
+                      <a:gd name="connsiteX1" fmla="*/ 0 w 2759103"/>
+                      <a:gd name="connsiteY1" fmla="*/ 2759102 h 2759102"/>
+                      <a:gd name="connsiteX2" fmla="*/ 2759103 w 2759103"/>
+                      <a:gd name="connsiteY2" fmla="*/ 2751151 h 2759102"/>
+                      <a:gd name="connsiteX3" fmla="*/ 2751151 w 2759103"/>
+                      <a:gd name="connsiteY3" fmla="*/ 0 h 2759102"/>
+                      <a:gd name="connsiteX4" fmla="*/ 2433099 w 2759103"/>
+                      <a:gd name="connsiteY4" fmla="*/ 7951 h 2759102"/>
+                      <a:gd name="connsiteX5" fmla="*/ 2441051 w 2759103"/>
+                      <a:gd name="connsiteY5" fmla="*/ 2456953 h 2759102"/>
+                      <a:gd name="connsiteX6" fmla="*/ 310101 w 2759103"/>
+                      <a:gd name="connsiteY6" fmla="*/ 2456953 h 2759102"/>
+                      <a:gd name="connsiteX7" fmla="*/ 310101 w 2759103"/>
+                      <a:gd name="connsiteY7" fmla="*/ 7951 h 2759102"/>
+                      <a:gd name="connsiteX8" fmla="*/ 7951 w 2759103"/>
+                      <a:gd name="connsiteY8" fmla="*/ 7951 h 2759102"/>
+                      <a:gd name="connsiteX0" fmla="*/ 7951 w 2759103"/>
+                      <a:gd name="connsiteY0" fmla="*/ 7951 h 2759102"/>
+                      <a:gd name="connsiteX1" fmla="*/ 0 w 2759103"/>
+                      <a:gd name="connsiteY1" fmla="*/ 2759102 h 2759102"/>
+                      <a:gd name="connsiteX2" fmla="*/ 2759103 w 2759103"/>
+                      <a:gd name="connsiteY2" fmla="*/ 2751151 h 2759102"/>
+                      <a:gd name="connsiteX3" fmla="*/ 2751151 w 2759103"/>
+                      <a:gd name="connsiteY3" fmla="*/ 0 h 2759102"/>
+                      <a:gd name="connsiteX4" fmla="*/ 2458151 w 2759103"/>
+                      <a:gd name="connsiteY4" fmla="*/ 746987 h 2759102"/>
+                      <a:gd name="connsiteX5" fmla="*/ 2441051 w 2759103"/>
+                      <a:gd name="connsiteY5" fmla="*/ 2456953 h 2759102"/>
+                      <a:gd name="connsiteX6" fmla="*/ 310101 w 2759103"/>
+                      <a:gd name="connsiteY6" fmla="*/ 2456953 h 2759102"/>
+                      <a:gd name="connsiteX7" fmla="*/ 310101 w 2759103"/>
+                      <a:gd name="connsiteY7" fmla="*/ 7951 h 2759102"/>
+                      <a:gd name="connsiteX8" fmla="*/ 7951 w 2759103"/>
+                      <a:gd name="connsiteY8" fmla="*/ 7951 h 2759102"/>
+                      <a:gd name="connsiteX0" fmla="*/ 7951 w 2759103"/>
+                      <a:gd name="connsiteY0" fmla="*/ 0 h 2751151"/>
+                      <a:gd name="connsiteX1" fmla="*/ 0 w 2759103"/>
+                      <a:gd name="connsiteY1" fmla="*/ 2751151 h 2751151"/>
+                      <a:gd name="connsiteX2" fmla="*/ 2759103 w 2759103"/>
+                      <a:gd name="connsiteY2" fmla="*/ 2743200 h 2751151"/>
+                      <a:gd name="connsiteX3" fmla="*/ 2751151 w 2759103"/>
+                      <a:gd name="connsiteY3" fmla="*/ 731085 h 2751151"/>
+                      <a:gd name="connsiteX4" fmla="*/ 2458151 w 2759103"/>
+                      <a:gd name="connsiteY4" fmla="*/ 739036 h 2751151"/>
+                      <a:gd name="connsiteX5" fmla="*/ 2441051 w 2759103"/>
+                      <a:gd name="connsiteY5" fmla="*/ 2449002 h 2751151"/>
+                      <a:gd name="connsiteX6" fmla="*/ 310101 w 2759103"/>
+                      <a:gd name="connsiteY6" fmla="*/ 2449002 h 2751151"/>
+                      <a:gd name="connsiteX7" fmla="*/ 310101 w 2759103"/>
+                      <a:gd name="connsiteY7" fmla="*/ 0 h 2751151"/>
+                      <a:gd name="connsiteX8" fmla="*/ 7951 w 2759103"/>
+                      <a:gd name="connsiteY8" fmla="*/ 0 h 2751151"/>
+                      <a:gd name="connsiteX0" fmla="*/ 7951 w 2759103"/>
+                      <a:gd name="connsiteY0" fmla="*/ 463463 h 3214614"/>
+                      <a:gd name="connsiteX1" fmla="*/ 0 w 2759103"/>
+                      <a:gd name="connsiteY1" fmla="*/ 3214614 h 3214614"/>
+                      <a:gd name="connsiteX2" fmla="*/ 2759103 w 2759103"/>
+                      <a:gd name="connsiteY2" fmla="*/ 3206663 h 3214614"/>
+                      <a:gd name="connsiteX3" fmla="*/ 2751151 w 2759103"/>
+                      <a:gd name="connsiteY3" fmla="*/ 1194548 h 3214614"/>
+                      <a:gd name="connsiteX4" fmla="*/ 2433099 w 2759103"/>
+                      <a:gd name="connsiteY4" fmla="*/ 0 h 3214614"/>
+                      <a:gd name="connsiteX5" fmla="*/ 2441051 w 2759103"/>
+                      <a:gd name="connsiteY5" fmla="*/ 2912465 h 3214614"/>
+                      <a:gd name="connsiteX6" fmla="*/ 310101 w 2759103"/>
+                      <a:gd name="connsiteY6" fmla="*/ 2912465 h 3214614"/>
+                      <a:gd name="connsiteX7" fmla="*/ 310101 w 2759103"/>
+                      <a:gd name="connsiteY7" fmla="*/ 463463 h 3214614"/>
+                      <a:gd name="connsiteX8" fmla="*/ 7951 w 2759103"/>
+                      <a:gd name="connsiteY8" fmla="*/ 463463 h 3214614"/>
+                      <a:gd name="connsiteX0" fmla="*/ 7951 w 2759103"/>
+                      <a:gd name="connsiteY0" fmla="*/ 483940 h 3235091"/>
+                      <a:gd name="connsiteX1" fmla="*/ 0 w 2759103"/>
+                      <a:gd name="connsiteY1" fmla="*/ 3235091 h 3235091"/>
+                      <a:gd name="connsiteX2" fmla="*/ 2759103 w 2759103"/>
+                      <a:gd name="connsiteY2" fmla="*/ 3227140 h 3235091"/>
+                      <a:gd name="connsiteX3" fmla="*/ 2738625 w 2759103"/>
+                      <a:gd name="connsiteY3" fmla="*/ 0 h 3235091"/>
+                      <a:gd name="connsiteX4" fmla="*/ 2433099 w 2759103"/>
+                      <a:gd name="connsiteY4" fmla="*/ 20477 h 3235091"/>
+                      <a:gd name="connsiteX5" fmla="*/ 2441051 w 2759103"/>
+                      <a:gd name="connsiteY5" fmla="*/ 2932942 h 3235091"/>
+                      <a:gd name="connsiteX6" fmla="*/ 310101 w 2759103"/>
+                      <a:gd name="connsiteY6" fmla="*/ 2932942 h 3235091"/>
+                      <a:gd name="connsiteX7" fmla="*/ 310101 w 2759103"/>
+                      <a:gd name="connsiteY7" fmla="*/ 483940 h 3235091"/>
+                      <a:gd name="connsiteX8" fmla="*/ 7951 w 2759103"/>
+                      <a:gd name="connsiteY8" fmla="*/ 483940 h 3235091"/>
+                      <a:gd name="connsiteX0" fmla="*/ 7951 w 2759103"/>
+                      <a:gd name="connsiteY0" fmla="*/ 463463 h 3214614"/>
+                      <a:gd name="connsiteX1" fmla="*/ 0 w 2759103"/>
+                      <a:gd name="connsiteY1" fmla="*/ 3214614 h 3214614"/>
+                      <a:gd name="connsiteX2" fmla="*/ 2759103 w 2759103"/>
+                      <a:gd name="connsiteY2" fmla="*/ 3206663 h 3214614"/>
+                      <a:gd name="connsiteX3" fmla="*/ 2738625 w 2759103"/>
+                      <a:gd name="connsiteY3" fmla="*/ 29627 h 3214614"/>
+                      <a:gd name="connsiteX4" fmla="*/ 2433099 w 2759103"/>
+                      <a:gd name="connsiteY4" fmla="*/ 0 h 3214614"/>
+                      <a:gd name="connsiteX5" fmla="*/ 2441051 w 2759103"/>
+                      <a:gd name="connsiteY5" fmla="*/ 2912465 h 3214614"/>
+                      <a:gd name="connsiteX6" fmla="*/ 310101 w 2759103"/>
+                      <a:gd name="connsiteY6" fmla="*/ 2912465 h 3214614"/>
+                      <a:gd name="connsiteX7" fmla="*/ 310101 w 2759103"/>
+                      <a:gd name="connsiteY7" fmla="*/ 463463 h 3214614"/>
+                      <a:gd name="connsiteX8" fmla="*/ 7951 w 2759103"/>
+                      <a:gd name="connsiteY8" fmla="*/ 463463 h 3214614"/>
+                      <a:gd name="connsiteX0" fmla="*/ 7951 w 2759103"/>
+                      <a:gd name="connsiteY0" fmla="*/ 463463 h 3214614"/>
+                      <a:gd name="connsiteX1" fmla="*/ 0 w 2759103"/>
+                      <a:gd name="connsiteY1" fmla="*/ 3214614 h 3214614"/>
+                      <a:gd name="connsiteX2" fmla="*/ 2759103 w 2759103"/>
+                      <a:gd name="connsiteY2" fmla="*/ 3206663 h 3214614"/>
+                      <a:gd name="connsiteX3" fmla="*/ 2751151 w 2759103"/>
+                      <a:gd name="connsiteY3" fmla="*/ 4575 h 3214614"/>
+                      <a:gd name="connsiteX4" fmla="*/ 2433099 w 2759103"/>
+                      <a:gd name="connsiteY4" fmla="*/ 0 h 3214614"/>
+                      <a:gd name="connsiteX5" fmla="*/ 2441051 w 2759103"/>
+                      <a:gd name="connsiteY5" fmla="*/ 2912465 h 3214614"/>
+                      <a:gd name="connsiteX6" fmla="*/ 310101 w 2759103"/>
+                      <a:gd name="connsiteY6" fmla="*/ 2912465 h 3214614"/>
+                      <a:gd name="connsiteX7" fmla="*/ 310101 w 2759103"/>
+                      <a:gd name="connsiteY7" fmla="*/ 463463 h 3214614"/>
+                      <a:gd name="connsiteX8" fmla="*/ 7951 w 2759103"/>
+                      <a:gd name="connsiteY8" fmla="*/ 463463 h 3214614"/>
+                      <a:gd name="connsiteX0" fmla="*/ 7951 w 2759103"/>
+                      <a:gd name="connsiteY0" fmla="*/ 458888 h 3210039"/>
+                      <a:gd name="connsiteX1" fmla="*/ 0 w 2759103"/>
+                      <a:gd name="connsiteY1" fmla="*/ 3210039 h 3210039"/>
+                      <a:gd name="connsiteX2" fmla="*/ 2759103 w 2759103"/>
+                      <a:gd name="connsiteY2" fmla="*/ 3202088 h 3210039"/>
+                      <a:gd name="connsiteX3" fmla="*/ 2751151 w 2759103"/>
+                      <a:gd name="connsiteY3" fmla="*/ 0 h 3210039"/>
+                      <a:gd name="connsiteX4" fmla="*/ 2470677 w 2759103"/>
+                      <a:gd name="connsiteY4" fmla="*/ 2187480 h 3210039"/>
+                      <a:gd name="connsiteX5" fmla="*/ 2441051 w 2759103"/>
+                      <a:gd name="connsiteY5" fmla="*/ 2907890 h 3210039"/>
+                      <a:gd name="connsiteX6" fmla="*/ 310101 w 2759103"/>
+                      <a:gd name="connsiteY6" fmla="*/ 2907890 h 3210039"/>
+                      <a:gd name="connsiteX7" fmla="*/ 310101 w 2759103"/>
+                      <a:gd name="connsiteY7" fmla="*/ 458888 h 3210039"/>
+                      <a:gd name="connsiteX8" fmla="*/ 7951 w 2759103"/>
+                      <a:gd name="connsiteY8" fmla="*/ 458888 h 3210039"/>
+                      <a:gd name="connsiteX0" fmla="*/ 7951 w 2764133"/>
+                      <a:gd name="connsiteY0" fmla="*/ 0 h 2751151"/>
+                      <a:gd name="connsiteX1" fmla="*/ 0 w 2764133"/>
+                      <a:gd name="connsiteY1" fmla="*/ 2751151 h 2751151"/>
+                      <a:gd name="connsiteX2" fmla="*/ 2759103 w 2764133"/>
+                      <a:gd name="connsiteY2" fmla="*/ 2743200 h 2751151"/>
+                      <a:gd name="connsiteX3" fmla="*/ 2763677 w 2764133"/>
+                      <a:gd name="connsiteY3" fmla="*/ 1695588 h 2751151"/>
+                      <a:gd name="connsiteX4" fmla="*/ 2470677 w 2764133"/>
+                      <a:gd name="connsiteY4" fmla="*/ 1728592 h 2751151"/>
+                      <a:gd name="connsiteX5" fmla="*/ 2441051 w 2764133"/>
+                      <a:gd name="connsiteY5" fmla="*/ 2449002 h 2751151"/>
+                      <a:gd name="connsiteX6" fmla="*/ 310101 w 2764133"/>
+                      <a:gd name="connsiteY6" fmla="*/ 2449002 h 2751151"/>
+                      <a:gd name="connsiteX7" fmla="*/ 310101 w 2764133"/>
+                      <a:gd name="connsiteY7" fmla="*/ 0 h 2751151"/>
+                      <a:gd name="connsiteX8" fmla="*/ 7951 w 2764133"/>
+                      <a:gd name="connsiteY8" fmla="*/ 0 h 2751151"/>
+                      <a:gd name="connsiteX0" fmla="*/ 7951 w 2764133"/>
+                      <a:gd name="connsiteY0" fmla="*/ 0 h 2751151"/>
+                      <a:gd name="connsiteX1" fmla="*/ 0 w 2764133"/>
+                      <a:gd name="connsiteY1" fmla="*/ 2751151 h 2751151"/>
+                      <a:gd name="connsiteX2" fmla="*/ 2759103 w 2764133"/>
+                      <a:gd name="connsiteY2" fmla="*/ 2743200 h 2751151"/>
+                      <a:gd name="connsiteX3" fmla="*/ 2763677 w 2764133"/>
+                      <a:gd name="connsiteY3" fmla="*/ 1695588 h 2751151"/>
+                      <a:gd name="connsiteX4" fmla="*/ 2470677 w 2764133"/>
+                      <a:gd name="connsiteY4" fmla="*/ 1703540 h 2751151"/>
+                      <a:gd name="connsiteX5" fmla="*/ 2441051 w 2764133"/>
+                      <a:gd name="connsiteY5" fmla="*/ 2449002 h 2751151"/>
+                      <a:gd name="connsiteX6" fmla="*/ 310101 w 2764133"/>
+                      <a:gd name="connsiteY6" fmla="*/ 2449002 h 2751151"/>
+                      <a:gd name="connsiteX7" fmla="*/ 310101 w 2764133"/>
+                      <a:gd name="connsiteY7" fmla="*/ 0 h 2751151"/>
+                      <a:gd name="connsiteX8" fmla="*/ 7951 w 2764133"/>
+                      <a:gd name="connsiteY8" fmla="*/ 0 h 2751151"/>
+                    </a:gdLst>
+                    <a:ahLst/>
+                    <a:cxnLst>
+                      <a:cxn ang="0">
+                        <a:pos x="connsiteX0" y="connsiteY0"/>
+                      </a:cxn>
+                      <a:cxn ang="0">
+                        <a:pos x="connsiteX1" y="connsiteY1"/>
+                      </a:cxn>
+                      <a:cxn ang="0">
+                        <a:pos x="connsiteX2" y="connsiteY2"/>
+                      </a:cxn>
+                      <a:cxn ang="0">
+                        <a:pos x="connsiteX3" y="connsiteY3"/>
+                      </a:cxn>
+                      <a:cxn ang="0">
+                        <a:pos x="connsiteX4" y="connsiteY4"/>
+                      </a:cxn>
+                      <a:cxn ang="0">
+                        <a:pos x="connsiteX5" y="connsiteY5"/>
+                      </a:cxn>
+                      <a:cxn ang="0">
+                        <a:pos x="connsiteX6" y="connsiteY6"/>
+                      </a:cxn>
+                      <a:cxn ang="0">
+                        <a:pos x="connsiteX7" y="connsiteY7"/>
+                      </a:cxn>
+                      <a:cxn ang="0">
+                        <a:pos x="connsiteX8" y="connsiteY8"/>
+                      </a:cxn>
+                    </a:cxnLst>
+                    <a:rect l="l" t="t" r="r" b="b"/>
+                    <a:pathLst>
+                      <a:path w="2764133" h="2751151">
+                        <a:moveTo>
+                          <a:pt x="7951" y="0"/>
+                        </a:moveTo>
+                        <a:cubicBezTo>
+                          <a:pt x="5301" y="917050"/>
+                          <a:pt x="2650" y="1834101"/>
+                          <a:pt x="0" y="2751151"/>
+                        </a:cubicBezTo>
+                        <a:lnTo>
+                          <a:pt x="2759103" y="2743200"/>
+                        </a:lnTo>
+                        <a:cubicBezTo>
+                          <a:pt x="2756452" y="1826150"/>
+                          <a:pt x="2766328" y="2612638"/>
+                          <a:pt x="2763677" y="1695588"/>
+                        </a:cubicBezTo>
+                        <a:lnTo>
+                          <a:pt x="2470677" y="1703540"/>
+                        </a:lnTo>
+                        <a:cubicBezTo>
+                          <a:pt x="2473328" y="2519874"/>
+                          <a:pt x="2438400" y="1632668"/>
+                          <a:pt x="2441051" y="2449002"/>
+                        </a:cubicBezTo>
+                        <a:lnTo>
+                          <a:pt x="310101" y="2449002"/>
+                        </a:lnTo>
+                        <a:lnTo>
+                          <a:pt x="310101" y="0"/>
+                        </a:lnTo>
+                        <a:lnTo>
+                          <a:pt x="7951" y="0"/>
+                        </a:lnTo>
+                        <a:close/>
+                      </a:path>
+                    </a:pathLst>
+                  </a:custGeom>
+                  <a:solidFill>
+                    <a:schemeClr val="accent1">
+                      <a:lumMod val="40000"/>
+                      <a:lumOff val="60000"/>
+                    </a:schemeClr>
+                  </a:solidFill>
+                  <a:ln w="38100">
+                    <a:noFill/>
+                  </a:ln>
+                </p:spPr>
+                <p:style>
+                  <a:lnRef idx="2">
+                    <a:schemeClr val="accent1">
+                      <a:shade val="50000"/>
+                    </a:schemeClr>
+                  </a:lnRef>
+                  <a:fillRef idx="1">
+                    <a:schemeClr val="accent1"/>
+                  </a:fillRef>
+                  <a:effectRef idx="0">
+                    <a:schemeClr val="accent1"/>
+                  </a:effectRef>
+                  <a:fontRef idx="minor">
+                    <a:schemeClr val="lt1"/>
+                  </a:fontRef>
+                </p:style>
+                <p:txBody>
+                  <a:bodyPr rtlCol="0" anchor="ctr"/>
+                  <a:lstStyle/>
+                  <a:p>
+                    <a:pPr algn="ctr"/>
+                    <a:endParaRPr lang="en-US"/>
+                  </a:p>
+                </p:txBody>
+              </p:sp>
+              <p:sp>
+                <p:nvSpPr>
+                  <p:cNvPr id="32" name="Freeform 31"/>
+                  <p:cNvSpPr/>
+                  <p:nvPr/>
+                </p:nvSpPr>
+                <p:spPr>
+                  <a:xfrm>
+                    <a:off x="5758762" y="1356304"/>
+                    <a:ext cx="2793304" cy="3718835"/>
+                  </a:xfrm>
+                  <a:custGeom>
+                    <a:avLst/>
+                    <a:gdLst>
+                      <a:gd name="connsiteX0" fmla="*/ 0 w 3607496"/>
+                      <a:gd name="connsiteY0" fmla="*/ 0 h 3269294"/>
+                      <a:gd name="connsiteX1" fmla="*/ 0 w 3607496"/>
+                      <a:gd name="connsiteY1" fmla="*/ 3269294 h 3269294"/>
+                      <a:gd name="connsiteX2" fmla="*/ 2793304 w 3607496"/>
+                      <a:gd name="connsiteY2" fmla="*/ 3269294 h 3269294"/>
+                      <a:gd name="connsiteX3" fmla="*/ 2768252 w 3607496"/>
+                      <a:gd name="connsiteY3" fmla="*/ 62631 h 3269294"/>
+                      <a:gd name="connsiteX4" fmla="*/ 3607496 w 3607496"/>
+                      <a:gd name="connsiteY4" fmla="*/ 62631 h 3269294"/>
+                      <a:gd name="connsiteX0" fmla="*/ 0 w 2793304"/>
+                      <a:gd name="connsiteY0" fmla="*/ 0 h 3269294"/>
+                      <a:gd name="connsiteX1" fmla="*/ 0 w 2793304"/>
+                      <a:gd name="connsiteY1" fmla="*/ 3269294 h 3269294"/>
+                      <a:gd name="connsiteX2" fmla="*/ 2793304 w 2793304"/>
+                      <a:gd name="connsiteY2" fmla="*/ 3269294 h 3269294"/>
+                      <a:gd name="connsiteX3" fmla="*/ 2768252 w 2793304"/>
+                      <a:gd name="connsiteY3" fmla="*/ 62631 h 3269294"/>
+                      <a:gd name="connsiteX0" fmla="*/ 0 w 2793304"/>
+                      <a:gd name="connsiteY0" fmla="*/ 245146 h 3514440"/>
+                      <a:gd name="connsiteX1" fmla="*/ 0 w 2793304"/>
+                      <a:gd name="connsiteY1" fmla="*/ 3514440 h 3514440"/>
+                      <a:gd name="connsiteX2" fmla="*/ 2793304 w 2793304"/>
+                      <a:gd name="connsiteY2" fmla="*/ 3514440 h 3514440"/>
+                      <a:gd name="connsiteX3" fmla="*/ 2755726 w 2793304"/>
+                      <a:gd name="connsiteY3" fmla="*/ 0 h 3514440"/>
+                    </a:gdLst>
+                    <a:ahLst/>
+                    <a:cxnLst>
+                      <a:cxn ang="0">
+                        <a:pos x="connsiteX0" y="connsiteY0"/>
+                      </a:cxn>
+                      <a:cxn ang="0">
+                        <a:pos x="connsiteX1" y="connsiteY1"/>
+                      </a:cxn>
+                      <a:cxn ang="0">
+                        <a:pos x="connsiteX2" y="connsiteY2"/>
+                      </a:cxn>
+                      <a:cxn ang="0">
+                        <a:pos x="connsiteX3" y="connsiteY3"/>
+                      </a:cxn>
+                    </a:cxnLst>
+                    <a:rect l="l" t="t" r="r" b="b"/>
+                    <a:pathLst>
+                      <a:path w="2793304" h="3514440">
+                        <a:moveTo>
+                          <a:pt x="0" y="245146"/>
+                        </a:moveTo>
+                        <a:lnTo>
+                          <a:pt x="0" y="3514440"/>
+                        </a:lnTo>
+                        <a:lnTo>
+                          <a:pt x="2793304" y="3514440"/>
+                        </a:lnTo>
+                        <a:lnTo>
+                          <a:pt x="2755726" y="0"/>
+                        </a:lnTo>
+                      </a:path>
+                    </a:pathLst>
+                  </a:custGeom>
                   <a:noFill/>
-                </a:ln>
-              </p:spPr>
-              <p:style>
-                <a:lnRef idx="2">
-                  <a:schemeClr val="accent1">
-                    <a:shade val="50000"/>
-                  </a:schemeClr>
-                </a:lnRef>
-                <a:fillRef idx="1">
-                  <a:schemeClr val="accent1"/>
-                </a:fillRef>
-                <a:effectRef idx="0">
-                  <a:schemeClr val="accent1"/>
-                </a:effectRef>
-                <a:fontRef idx="minor">
-                  <a:schemeClr val="lt1"/>
-                </a:fontRef>
-              </p:style>
-              <p:txBody>
-                <a:bodyPr rtlCol="0" anchor="ctr"/>
-                <a:lstStyle/>
-                <a:p>
-                  <a:pPr algn="ctr"/>
-                  <a:endParaRPr lang="en-US"/>
-                </a:p>
-              </p:txBody>
-            </p:sp>
-            <p:sp>
-              <p:nvSpPr>
-                <p:cNvPr id="32" name="Freeform 31"/>
-                <p:cNvSpPr/>
-                <p:nvPr/>
-              </p:nvSpPr>
-              <p:spPr>
-                <a:xfrm>
-                  <a:off x="5758762" y="1356304"/>
-                  <a:ext cx="2793304" cy="3718835"/>
-                </a:xfrm>
-                <a:custGeom>
-                  <a:avLst/>
-                  <a:gdLst>
-                    <a:gd name="connsiteX0" fmla="*/ 0 w 3607496"/>
-                    <a:gd name="connsiteY0" fmla="*/ 0 h 3269294"/>
-                    <a:gd name="connsiteX1" fmla="*/ 0 w 3607496"/>
-                    <a:gd name="connsiteY1" fmla="*/ 3269294 h 3269294"/>
-                    <a:gd name="connsiteX2" fmla="*/ 2793304 w 3607496"/>
-                    <a:gd name="connsiteY2" fmla="*/ 3269294 h 3269294"/>
-                    <a:gd name="connsiteX3" fmla="*/ 2768252 w 3607496"/>
-                    <a:gd name="connsiteY3" fmla="*/ 62631 h 3269294"/>
-                    <a:gd name="connsiteX4" fmla="*/ 3607496 w 3607496"/>
-                    <a:gd name="connsiteY4" fmla="*/ 62631 h 3269294"/>
-                    <a:gd name="connsiteX0" fmla="*/ 0 w 2793304"/>
-                    <a:gd name="connsiteY0" fmla="*/ 0 h 3269294"/>
-                    <a:gd name="connsiteX1" fmla="*/ 0 w 2793304"/>
-                    <a:gd name="connsiteY1" fmla="*/ 3269294 h 3269294"/>
-                    <a:gd name="connsiteX2" fmla="*/ 2793304 w 2793304"/>
-                    <a:gd name="connsiteY2" fmla="*/ 3269294 h 3269294"/>
-                    <a:gd name="connsiteX3" fmla="*/ 2768252 w 2793304"/>
-                    <a:gd name="connsiteY3" fmla="*/ 62631 h 3269294"/>
-                    <a:gd name="connsiteX0" fmla="*/ 0 w 2793304"/>
-                    <a:gd name="connsiteY0" fmla="*/ 245146 h 3514440"/>
-                    <a:gd name="connsiteX1" fmla="*/ 0 w 2793304"/>
-                    <a:gd name="connsiteY1" fmla="*/ 3514440 h 3514440"/>
-                    <a:gd name="connsiteX2" fmla="*/ 2793304 w 2793304"/>
-                    <a:gd name="connsiteY2" fmla="*/ 3514440 h 3514440"/>
-                    <a:gd name="connsiteX3" fmla="*/ 2755726 w 2793304"/>
-                    <a:gd name="connsiteY3" fmla="*/ 0 h 3514440"/>
-                  </a:gdLst>
-                  <a:ahLst/>
-                  <a:cxnLst>
-                    <a:cxn ang="0">
-                      <a:pos x="connsiteX0" y="connsiteY0"/>
-                    </a:cxn>
-                    <a:cxn ang="0">
-                      <a:pos x="connsiteX1" y="connsiteY1"/>
-                    </a:cxn>
-                    <a:cxn ang="0">
-                      <a:pos x="connsiteX2" y="connsiteY2"/>
-                    </a:cxn>
-                    <a:cxn ang="0">
-                      <a:pos x="connsiteX3" y="connsiteY3"/>
-                    </a:cxn>
-                  </a:cxnLst>
-                  <a:rect l="l" t="t" r="r" b="b"/>
-                  <a:pathLst>
-                    <a:path w="2793304" h="3514440">
-                      <a:moveTo>
-                        <a:pt x="0" y="245146"/>
-                      </a:moveTo>
-                      <a:lnTo>
-                        <a:pt x="0" y="3514440"/>
-                      </a:lnTo>
-                      <a:lnTo>
-                        <a:pt x="2793304" y="3514440"/>
-                      </a:lnTo>
-                      <a:lnTo>
-                        <a:pt x="2755726" y="0"/>
-                      </a:lnTo>
-                    </a:path>
-                  </a:pathLst>
-                </a:custGeom>
-                <a:noFill/>
-                <a:ln w="38100">
-                  <a:solidFill>
+                  <a:ln w="38100">
+                    <a:solidFill>
+                      <a:schemeClr val="tx1"/>
+                    </a:solidFill>
+                  </a:ln>
+                </p:spPr>
+                <p:style>
+                  <a:lnRef idx="2">
+                    <a:schemeClr val="accent1">
+                      <a:shade val="50000"/>
+                    </a:schemeClr>
+                  </a:lnRef>
+                  <a:fillRef idx="1">
+                    <a:schemeClr val="accent1"/>
+                  </a:fillRef>
+                  <a:effectRef idx="0">
+                    <a:schemeClr val="accent1"/>
+                  </a:effectRef>
+                  <a:fontRef idx="minor">
+                    <a:schemeClr val="lt1"/>
+                  </a:fontRef>
+                </p:style>
+                <p:txBody>
+                  <a:bodyPr rtlCol="0" anchor="ctr"/>
+                  <a:lstStyle/>
+                  <a:p>
+                    <a:pPr algn="ctr"/>
+                    <a:endParaRPr lang="en-US"/>
+                  </a:p>
+                </p:txBody>
+              </p:sp>
+              <p:sp>
+                <p:nvSpPr>
+                  <p:cNvPr id="33" name="Freeform 32"/>
+                  <p:cNvSpPr/>
+                  <p:nvPr/>
+                </p:nvSpPr>
+                <p:spPr>
+                  <a:xfrm>
+                    <a:off x="6087648" y="1377863"/>
+                    <a:ext cx="2141951" cy="3407079"/>
+                  </a:xfrm>
+                  <a:custGeom>
+                    <a:avLst/>
+                    <a:gdLst>
+                      <a:gd name="connsiteX0" fmla="*/ 0 w 3294346"/>
+                      <a:gd name="connsiteY0" fmla="*/ 225469 h 3407079"/>
+                      <a:gd name="connsiteX1" fmla="*/ 25052 w 3294346"/>
+                      <a:gd name="connsiteY1" fmla="*/ 3407079 h 3407079"/>
+                      <a:gd name="connsiteX2" fmla="*/ 2141951 w 3294346"/>
+                      <a:gd name="connsiteY2" fmla="*/ 3407079 h 3407079"/>
+                      <a:gd name="connsiteX3" fmla="*/ 2104373 w 3294346"/>
+                      <a:gd name="connsiteY3" fmla="*/ 0 h 3407079"/>
+                      <a:gd name="connsiteX4" fmla="*/ 3294346 w 3294346"/>
+                      <a:gd name="connsiteY4" fmla="*/ 0 h 3407079"/>
+                      <a:gd name="connsiteX0" fmla="*/ 0 w 2141951"/>
+                      <a:gd name="connsiteY0" fmla="*/ 225469 h 3407079"/>
+                      <a:gd name="connsiteX1" fmla="*/ 25052 w 2141951"/>
+                      <a:gd name="connsiteY1" fmla="*/ 3407079 h 3407079"/>
+                      <a:gd name="connsiteX2" fmla="*/ 2141951 w 2141951"/>
+                      <a:gd name="connsiteY2" fmla="*/ 3407079 h 3407079"/>
+                      <a:gd name="connsiteX3" fmla="*/ 2104373 w 2141951"/>
+                      <a:gd name="connsiteY3" fmla="*/ 0 h 3407079"/>
+                    </a:gdLst>
+                    <a:ahLst/>
+                    <a:cxnLst>
+                      <a:cxn ang="0">
+                        <a:pos x="connsiteX0" y="connsiteY0"/>
+                      </a:cxn>
+                      <a:cxn ang="0">
+                        <a:pos x="connsiteX1" y="connsiteY1"/>
+                      </a:cxn>
+                      <a:cxn ang="0">
+                        <a:pos x="connsiteX2" y="connsiteY2"/>
+                      </a:cxn>
+                      <a:cxn ang="0">
+                        <a:pos x="connsiteX3" y="connsiteY3"/>
+                      </a:cxn>
+                    </a:cxnLst>
+                    <a:rect l="l" t="t" r="r" b="b"/>
+                    <a:pathLst>
+                      <a:path w="2141951" h="3407079">
+                        <a:moveTo>
+                          <a:pt x="0" y="225469"/>
+                        </a:moveTo>
+                        <a:lnTo>
+                          <a:pt x="25052" y="3407079"/>
+                        </a:lnTo>
+                        <a:lnTo>
+                          <a:pt x="2141951" y="3407079"/>
+                        </a:lnTo>
+                        <a:lnTo>
+                          <a:pt x="2104373" y="0"/>
+                        </a:lnTo>
+                      </a:path>
+                    </a:pathLst>
+                  </a:custGeom>
+                  <a:noFill/>
+                  <a:ln w="38100">
+                    <a:solidFill>
+                      <a:schemeClr val="tx1"/>
+                    </a:solidFill>
+                  </a:ln>
+                </p:spPr>
+                <p:style>
+                  <a:lnRef idx="2">
+                    <a:schemeClr val="accent1">
+                      <a:shade val="50000"/>
+                    </a:schemeClr>
+                  </a:lnRef>
+                  <a:fillRef idx="1">
+                    <a:schemeClr val="accent1"/>
+                  </a:fillRef>
+                  <a:effectRef idx="0">
+                    <a:schemeClr val="accent1"/>
+                  </a:effectRef>
+                  <a:fontRef idx="minor">
+                    <a:schemeClr val="lt1"/>
+                  </a:fontRef>
+                </p:style>
+                <p:txBody>
+                  <a:bodyPr rtlCol="0" anchor="ctr"/>
+                  <a:lstStyle/>
+                  <a:p>
+                    <a:pPr algn="ctr"/>
+                    <a:endParaRPr lang="en-US"/>
+                  </a:p>
+                </p:txBody>
+              </p:sp>
+              <mc:AlternateContent xmlns:mc="http://schemas.openxmlformats.org/markup-compatibility/2006" xmlns:a14="http://schemas.microsoft.com/office/drawing/2010/main">
+                <mc:Choice Requires="a14">
+                  <p:sp>
+                    <p:nvSpPr>
+                      <p:cNvPr id="34" name="TextBox 33"/>
+                      <p:cNvSpPr txBox="1"/>
+                      <p:nvPr/>
+                    </p:nvSpPr>
+                    <p:spPr>
+                      <a:xfrm>
+                        <a:off x="5474376" y="1088970"/>
+                        <a:ext cx="923515" cy="307777"/>
+                      </a:xfrm>
+                      <a:prstGeom prst="rect">
+                        <a:avLst/>
+                      </a:prstGeom>
+                      <a:noFill/>
+                    </p:spPr>
+                    <p:txBody>
+                      <a:bodyPr wrap="square" lIns="0" tIns="0" rIns="0" bIns="0" rtlCol="0">
+                        <a:spAutoFit/>
+                      </a:bodyPr>
+                      <a:lstStyle/>
+                      <a:p>
+                        <a:pPr/>
+                        <a14:m>
+                          <m:oMathPara xmlns:m="http://schemas.openxmlformats.org/officeDocument/2006/math">
+                            <m:oMathParaPr>
+                              <m:jc m:val="centerGroup"/>
+                            </m:oMathParaPr>
+                            <m:oMath xmlns:m="http://schemas.openxmlformats.org/officeDocument/2006/math">
+                              <m:r>
+                                <a:rPr lang="en-US" sz="2000" b="0" i="1" smtClean="0">
+                                  <a:latin typeface="Cambria Math" panose="02040503050406030204" pitchFamily="18" charset="0"/>
+                                  <a:cs typeface="Arial" panose="020B0604020202020204" pitchFamily="34" charset="0"/>
+                                </a:rPr>
+                                <m:t>𝑃</m:t>
+                              </m:r>
+                              <m:r>
+                                <a:rPr lang="en-US" sz="2000" b="0" i="1" smtClean="0">
+                                  <a:latin typeface="Cambria Math" panose="02040503050406030204" pitchFamily="18" charset="0"/>
+                                  <a:cs typeface="Arial" panose="020B0604020202020204" pitchFamily="34" charset="0"/>
+                                </a:rPr>
+                                <m:t>=0</m:t>
+                              </m:r>
+                            </m:oMath>
+                          </m:oMathPara>
+                        </a14:m>
+                        <a:endParaRPr lang="en-US" sz="2000" dirty="0" smtClean="0">
+                          <a:latin typeface="Arial" panose="020B0604020202020204" pitchFamily="34" charset="0"/>
+                          <a:cs typeface="Arial" panose="020B0604020202020204" pitchFamily="34" charset="0"/>
+                        </a:endParaRPr>
+                      </a:p>
+                    </p:txBody>
+                  </p:sp>
+                </mc:Choice>
+                <mc:Fallback xmlns="">
+                  <p:sp>
+                    <p:nvSpPr>
+                      <p:cNvPr id="34" name="TextBox 33"/>
+                      <p:cNvSpPr txBox="1">
+                        <a:spLocks noRot="1" noChangeAspect="1" noMove="1" noResize="1" noEditPoints="1" noAdjustHandles="1" noChangeArrowheads="1" noChangeShapeType="1" noTextEdit="1"/>
+                      </p:cNvSpPr>
+                      <p:nvPr/>
+                    </p:nvSpPr>
+                    <p:spPr>
+                      <a:xfrm>
+                        <a:off x="5474376" y="1088970"/>
+                        <a:ext cx="923515" cy="307777"/>
+                      </a:xfrm>
+                      <a:prstGeom prst="rect">
+                        <a:avLst/>
+                      </a:prstGeom>
+                      <a:blipFill>
+                        <a:blip r:embed="rId7"/>
+                        <a:stretch>
+                          <a:fillRect b="-9804"/>
+                        </a:stretch>
+                      </a:blipFill>
+                    </p:spPr>
+                    <p:txBody>
+                      <a:bodyPr/>
+                      <a:lstStyle/>
+                      <a:p>
+                        <a:r>
+                          <a:rPr lang="en-US">
+                            <a:noFill/>
+                          </a:rPr>
+                          <a:t> </a:t>
+                        </a:r>
+                      </a:p>
+                    </p:txBody>
+                  </p:sp>
+                </mc:Fallback>
+              </mc:AlternateContent>
+              <mc:AlternateContent xmlns:mc="http://schemas.openxmlformats.org/markup-compatibility/2006" xmlns:a14="http://schemas.microsoft.com/office/drawing/2010/main">
+                <mc:Choice Requires="a14">
+                  <p:sp>
+                    <p:nvSpPr>
+                      <p:cNvPr id="35" name="TextBox 34"/>
+                      <p:cNvSpPr txBox="1"/>
+                      <p:nvPr/>
+                    </p:nvSpPr>
+                    <p:spPr>
+                      <a:xfrm>
+                        <a:off x="8552066" y="903072"/>
+                        <a:ext cx="321305" cy="307777"/>
+                      </a:xfrm>
+                      <a:prstGeom prst="rect">
+                        <a:avLst/>
+                      </a:prstGeom>
+                      <a:noFill/>
+                    </p:spPr>
+                    <p:txBody>
+                      <a:bodyPr wrap="none" lIns="0" tIns="0" rIns="0" bIns="0" rtlCol="0">
+                        <a:spAutoFit/>
+                      </a:bodyPr>
+                      <a:lstStyle/>
+                      <a:p>
+                        <a:pPr/>
+                        <a14:m>
+                          <m:oMathPara xmlns:m="http://schemas.openxmlformats.org/officeDocument/2006/math">
+                            <m:oMathParaPr>
+                              <m:jc m:val="centerGroup"/>
+                            </m:oMathParaPr>
+                            <m:oMath xmlns:m="http://schemas.openxmlformats.org/officeDocument/2006/math">
+                              <m:sSub>
+                                <m:sSubPr>
+                                  <m:ctrlPr>
+                                    <a:rPr lang="en-US" sz="2000" b="0" i="1" smtClean="0">
+                                      <a:latin typeface="Cambria Math" panose="02040503050406030204" pitchFamily="18" charset="0"/>
+                                      <a:cs typeface="Arial" panose="020B0604020202020204" pitchFamily="34" charset="0"/>
+                                    </a:rPr>
+                                  </m:ctrlPr>
+                                </m:sSubPr>
+                                <m:e>
+                                  <m:r>
+                                    <a:rPr lang="en-US" sz="2000" b="0" i="1" smtClean="0">
+                                      <a:latin typeface="Cambria Math" panose="02040503050406030204" pitchFamily="18" charset="0"/>
+                                      <a:cs typeface="Arial" panose="020B0604020202020204" pitchFamily="34" charset="0"/>
+                                    </a:rPr>
+                                    <m:t>𝑃</m:t>
+                                  </m:r>
+                                </m:e>
+                                <m:sub>
+                                  <m:r>
+                                    <a:rPr lang="en-US" sz="2000" b="0" i="1" smtClean="0">
+                                      <a:latin typeface="Cambria Math" panose="02040503050406030204" pitchFamily="18" charset="0"/>
+                                      <a:cs typeface="Arial" panose="020B0604020202020204" pitchFamily="34" charset="0"/>
+                                    </a:rPr>
+                                    <m:t>1</m:t>
+                                  </m:r>
+                                </m:sub>
+                              </m:sSub>
+                            </m:oMath>
+                          </m:oMathPara>
+                        </a14:m>
+                        <a:endParaRPr lang="en-US" sz="2000" dirty="0" smtClean="0">
+                          <a:latin typeface="Arial" panose="020B0604020202020204" pitchFamily="34" charset="0"/>
+                          <a:cs typeface="Arial" panose="020B0604020202020204" pitchFamily="34" charset="0"/>
+                        </a:endParaRPr>
+                      </a:p>
+                    </p:txBody>
+                  </p:sp>
+                </mc:Choice>
+                <mc:Fallback xmlns="">
+                  <p:sp>
+                    <p:nvSpPr>
+                      <p:cNvPr id="35" name="TextBox 34"/>
+                      <p:cNvSpPr txBox="1">
+                        <a:spLocks noRot="1" noChangeAspect="1" noMove="1" noResize="1" noEditPoints="1" noAdjustHandles="1" noChangeArrowheads="1" noChangeShapeType="1" noTextEdit="1"/>
+                      </p:cNvSpPr>
+                      <p:nvPr/>
+                    </p:nvSpPr>
+                    <p:spPr>
+                      <a:xfrm>
+                        <a:off x="8552066" y="903072"/>
+                        <a:ext cx="321305" cy="307777"/>
+                      </a:xfrm>
+                      <a:prstGeom prst="rect">
+                        <a:avLst/>
+                      </a:prstGeom>
+                      <a:blipFill>
+                        <a:blip r:embed="rId8"/>
+                        <a:stretch>
+                          <a:fillRect l="-15094" r="-1887" b="-20000"/>
+                        </a:stretch>
+                      </a:blipFill>
+                    </p:spPr>
+                    <p:txBody>
+                      <a:bodyPr/>
+                      <a:lstStyle/>
+                      <a:p>
+                        <a:r>
+                          <a:rPr lang="en-US">
+                            <a:noFill/>
+                          </a:rPr>
+                          <a:t> </a:t>
+                        </a:r>
+                      </a:p>
+                    </p:txBody>
+                  </p:sp>
+                </mc:Fallback>
+              </mc:AlternateContent>
+              <p:cxnSp>
+                <p:nvCxnSpPr>
+                  <p:cNvPr id="36" name="Straight Arrow Connector 35"/>
+                  <p:cNvCxnSpPr/>
+                  <p:nvPr/>
+                </p:nvCxnSpPr>
+                <p:spPr>
+                  <a:xfrm flipH="1">
+                    <a:off x="8381113" y="1018258"/>
+                    <a:ext cx="2843" cy="564858"/>
+                  </a:xfrm>
+                  <a:prstGeom prst="straightConnector1">
+                    <a:avLst/>
+                  </a:prstGeom>
+                  <a:ln w="38100">
+                    <a:solidFill>
+                      <a:schemeClr val="tx1"/>
+                    </a:solidFill>
+                    <a:tailEnd type="triangle"/>
+                  </a:ln>
+                </p:spPr>
+                <p:style>
+                  <a:lnRef idx="1">
+                    <a:schemeClr val="accent1"/>
+                  </a:lnRef>
+                  <a:fillRef idx="0">
+                    <a:schemeClr val="accent1"/>
+                  </a:fillRef>
+                  <a:effectRef idx="0">
+                    <a:schemeClr val="accent1"/>
+                  </a:effectRef>
+                  <a:fontRef idx="minor">
                     <a:schemeClr val="tx1"/>
-                  </a:solidFill>
-                </a:ln>
-              </p:spPr>
-              <p:style>
-                <a:lnRef idx="2">
-                  <a:schemeClr val="accent1">
-                    <a:shade val="50000"/>
-                  </a:schemeClr>
-                </a:lnRef>
-                <a:fillRef idx="1">
-                  <a:schemeClr val="accent1"/>
-                </a:fillRef>
-                <a:effectRef idx="0">
-                  <a:schemeClr val="accent1"/>
-                </a:effectRef>
-                <a:fontRef idx="minor">
-                  <a:schemeClr val="lt1"/>
-                </a:fontRef>
-              </p:style>
-              <p:txBody>
-                <a:bodyPr rtlCol="0" anchor="ctr"/>
-                <a:lstStyle/>
-                <a:p>
-                  <a:pPr algn="ctr"/>
-                  <a:endParaRPr lang="en-US"/>
-                </a:p>
-              </p:txBody>
-            </p:sp>
-            <p:sp>
-              <p:nvSpPr>
-                <p:cNvPr id="33" name="Freeform 32"/>
-                <p:cNvSpPr/>
-                <p:nvPr/>
-              </p:nvSpPr>
-              <p:spPr>
-                <a:xfrm>
-                  <a:off x="6087648" y="1377863"/>
-                  <a:ext cx="2141951" cy="3407079"/>
-                </a:xfrm>
-                <a:custGeom>
-                  <a:avLst/>
-                  <a:gdLst>
-                    <a:gd name="connsiteX0" fmla="*/ 0 w 3294346"/>
-                    <a:gd name="connsiteY0" fmla="*/ 225469 h 3407079"/>
-                    <a:gd name="connsiteX1" fmla="*/ 25052 w 3294346"/>
-                    <a:gd name="connsiteY1" fmla="*/ 3407079 h 3407079"/>
-                    <a:gd name="connsiteX2" fmla="*/ 2141951 w 3294346"/>
-                    <a:gd name="connsiteY2" fmla="*/ 3407079 h 3407079"/>
-                    <a:gd name="connsiteX3" fmla="*/ 2104373 w 3294346"/>
-                    <a:gd name="connsiteY3" fmla="*/ 0 h 3407079"/>
-                    <a:gd name="connsiteX4" fmla="*/ 3294346 w 3294346"/>
-                    <a:gd name="connsiteY4" fmla="*/ 0 h 3407079"/>
-                    <a:gd name="connsiteX0" fmla="*/ 0 w 2141951"/>
-                    <a:gd name="connsiteY0" fmla="*/ 225469 h 3407079"/>
-                    <a:gd name="connsiteX1" fmla="*/ 25052 w 2141951"/>
-                    <a:gd name="connsiteY1" fmla="*/ 3407079 h 3407079"/>
-                    <a:gd name="connsiteX2" fmla="*/ 2141951 w 2141951"/>
-                    <a:gd name="connsiteY2" fmla="*/ 3407079 h 3407079"/>
-                    <a:gd name="connsiteX3" fmla="*/ 2104373 w 2141951"/>
-                    <a:gd name="connsiteY3" fmla="*/ 0 h 3407079"/>
-                  </a:gdLst>
-                  <a:ahLst/>
-                  <a:cxnLst>
-                    <a:cxn ang="0">
-                      <a:pos x="connsiteX0" y="connsiteY0"/>
-                    </a:cxn>
-                    <a:cxn ang="0">
-                      <a:pos x="connsiteX1" y="connsiteY1"/>
-                    </a:cxn>
-                    <a:cxn ang="0">
-                      <a:pos x="connsiteX2" y="connsiteY2"/>
-                    </a:cxn>
-                    <a:cxn ang="0">
-                      <a:pos x="connsiteX3" y="connsiteY3"/>
-                    </a:cxn>
-                  </a:cxnLst>
-                  <a:rect l="l" t="t" r="r" b="b"/>
-                  <a:pathLst>
-                    <a:path w="2141951" h="3407079">
-                      <a:moveTo>
-                        <a:pt x="0" y="225469"/>
-                      </a:moveTo>
-                      <a:lnTo>
-                        <a:pt x="25052" y="3407079"/>
-                      </a:lnTo>
-                      <a:lnTo>
-                        <a:pt x="2141951" y="3407079"/>
-                      </a:lnTo>
-                      <a:lnTo>
-                        <a:pt x="2104373" y="0"/>
-                      </a:lnTo>
-                    </a:path>
-                  </a:pathLst>
-                </a:custGeom>
-                <a:noFill/>
-                <a:ln w="38100">
-                  <a:solidFill>
+                  </a:fontRef>
+                </p:style>
+              </p:cxnSp>
+              <p:cxnSp>
+                <p:nvCxnSpPr>
+                  <p:cNvPr id="37" name="Straight Connector 36"/>
+                  <p:cNvCxnSpPr/>
+                  <p:nvPr/>
+                </p:nvCxnSpPr>
+                <p:spPr>
+                  <a:xfrm>
+                    <a:off x="6087649" y="2316026"/>
+                    <a:ext cx="2079321" cy="0"/>
+                  </a:xfrm>
+                  <a:prstGeom prst="line">
+                    <a:avLst/>
+                  </a:prstGeom>
+                  <a:ln w="19050">
+                    <a:solidFill>
+                      <a:schemeClr val="tx1"/>
+                    </a:solidFill>
+                    <a:prstDash val="sysDot"/>
+                  </a:ln>
+                </p:spPr>
+                <p:style>
+                  <a:lnRef idx="1">
+                    <a:schemeClr val="accent1"/>
+                  </a:lnRef>
+                  <a:fillRef idx="0">
+                    <a:schemeClr val="accent1"/>
+                  </a:fillRef>
+                  <a:effectRef idx="0">
+                    <a:schemeClr val="accent1"/>
+                  </a:effectRef>
+                  <a:fontRef idx="minor">
                     <a:schemeClr val="tx1"/>
-                  </a:solidFill>
-                </a:ln>
-              </p:spPr>
-              <p:style>
-                <a:lnRef idx="2">
-                  <a:schemeClr val="accent1">
-                    <a:shade val="50000"/>
-                  </a:schemeClr>
-                </a:lnRef>
-                <a:fillRef idx="1">
-                  <a:schemeClr val="accent1"/>
-                </a:fillRef>
-                <a:effectRef idx="0">
-                  <a:schemeClr val="accent1"/>
-                </a:effectRef>
-                <a:fontRef idx="minor">
-                  <a:schemeClr val="lt1"/>
-                </a:fontRef>
-              </p:style>
-              <p:txBody>
-                <a:bodyPr rtlCol="0" anchor="ctr"/>
-                <a:lstStyle/>
-                <a:p>
-                  <a:pPr algn="ctr"/>
-                  <a:endParaRPr lang="en-US"/>
-                </a:p>
-              </p:txBody>
-            </p:sp>
+                  </a:fontRef>
+                </p:style>
+              </p:cxnSp>
+              <p:cxnSp>
+                <p:nvCxnSpPr>
+                  <p:cNvPr id="38" name="Straight Connector 37"/>
+                  <p:cNvCxnSpPr/>
+                  <p:nvPr/>
+                </p:nvCxnSpPr>
+                <p:spPr>
+                  <a:xfrm>
+                    <a:off x="6150278" y="4024140"/>
+                    <a:ext cx="2079321" cy="0"/>
+                  </a:xfrm>
+                  <a:prstGeom prst="line">
+                    <a:avLst/>
+                  </a:prstGeom>
+                  <a:ln w="19050">
+                    <a:solidFill>
+                      <a:schemeClr val="tx1"/>
+                    </a:solidFill>
+                    <a:prstDash val="sysDot"/>
+                  </a:ln>
+                </p:spPr>
+                <p:style>
+                  <a:lnRef idx="1">
+                    <a:schemeClr val="accent1"/>
+                  </a:lnRef>
+                  <a:fillRef idx="0">
+                    <a:schemeClr val="accent1"/>
+                  </a:fillRef>
+                  <a:effectRef idx="0">
+                    <a:schemeClr val="accent1"/>
+                  </a:effectRef>
+                  <a:fontRef idx="minor">
+                    <a:schemeClr val="tx1"/>
+                  </a:fontRef>
+                </p:style>
+              </p:cxnSp>
+              <p:cxnSp>
+                <p:nvCxnSpPr>
+                  <p:cNvPr id="39" name="Straight Arrow Connector 38"/>
+                  <p:cNvCxnSpPr/>
+                  <p:nvPr/>
+                </p:nvCxnSpPr>
+                <p:spPr>
+                  <a:xfrm>
+                    <a:off x="6393964" y="2332383"/>
+                    <a:ext cx="3927" cy="1713317"/>
+                  </a:xfrm>
+                  <a:prstGeom prst="straightConnector1">
+                    <a:avLst/>
+                  </a:prstGeom>
+                  <a:ln w="38100">
+                    <a:solidFill>
+                      <a:schemeClr val="tx1"/>
+                    </a:solidFill>
+                    <a:headEnd type="triangle"/>
+                    <a:tailEnd type="triangle"/>
+                  </a:ln>
+                </p:spPr>
+                <p:style>
+                  <a:lnRef idx="1">
+                    <a:schemeClr val="accent1"/>
+                  </a:lnRef>
+                  <a:fillRef idx="0">
+                    <a:schemeClr val="accent1"/>
+                  </a:fillRef>
+                  <a:effectRef idx="0">
+                    <a:schemeClr val="accent1"/>
+                  </a:effectRef>
+                  <a:fontRef idx="minor">
+                    <a:schemeClr val="tx1"/>
+                  </a:fontRef>
+                </p:style>
+              </p:cxnSp>
+              <mc:AlternateContent xmlns:mc="http://schemas.openxmlformats.org/markup-compatibility/2006" xmlns:a14="http://schemas.microsoft.com/office/drawing/2010/main">
+                <mc:Choice Requires="a14">
+                  <p:sp>
+                    <p:nvSpPr>
+                      <p:cNvPr id="40" name="TextBox 39"/>
+                      <p:cNvSpPr txBox="1"/>
+                      <p:nvPr/>
+                    </p:nvSpPr>
+                    <p:spPr>
+                      <a:xfrm>
+                        <a:off x="6573497" y="2998204"/>
+                        <a:ext cx="217560" cy="307777"/>
+                      </a:xfrm>
+                      <a:prstGeom prst="rect">
+                        <a:avLst/>
+                      </a:prstGeom>
+                      <a:noFill/>
+                    </p:spPr>
+                    <p:txBody>
+                      <a:bodyPr wrap="none" lIns="0" tIns="0" rIns="0" bIns="0" rtlCol="0">
+                        <a:spAutoFit/>
+                      </a:bodyPr>
+                      <a:lstStyle/>
+                      <a:p>
+                        <a:pPr/>
+                        <a14:m>
+                          <m:oMathPara xmlns:m="http://schemas.openxmlformats.org/officeDocument/2006/math">
+                            <m:oMathParaPr>
+                              <m:jc m:val="centerGroup"/>
+                            </m:oMathParaPr>
+                            <m:oMath xmlns:m="http://schemas.openxmlformats.org/officeDocument/2006/math">
+                              <m:r>
+                                <a:rPr lang="en-US" sz="2000" b="0" i="1" smtClean="0">
+                                  <a:latin typeface="Cambria Math" panose="02040503050406030204" pitchFamily="18" charset="0"/>
+                                  <a:cs typeface="Arial" panose="020B0604020202020204" pitchFamily="34" charset="0"/>
+                                </a:rPr>
+                                <m:t>h</m:t>
+                              </m:r>
+                            </m:oMath>
+                          </m:oMathPara>
+                        </a14:m>
+                        <a:endParaRPr lang="en-US" sz="2000" dirty="0" smtClean="0">
+                          <a:latin typeface="Arial" panose="020B0604020202020204" pitchFamily="34" charset="0"/>
+                          <a:cs typeface="Arial" panose="020B0604020202020204" pitchFamily="34" charset="0"/>
+                        </a:endParaRPr>
+                      </a:p>
+                    </p:txBody>
+                  </p:sp>
+                </mc:Choice>
+                <mc:Fallback xmlns="">
+                  <p:sp>
+                    <p:nvSpPr>
+                      <p:cNvPr id="40" name="TextBox 39"/>
+                      <p:cNvSpPr txBox="1">
+                        <a:spLocks noRot="1" noChangeAspect="1" noMove="1" noResize="1" noEditPoints="1" noAdjustHandles="1" noChangeArrowheads="1" noChangeShapeType="1" noTextEdit="1"/>
+                      </p:cNvSpPr>
+                      <p:nvPr/>
+                    </p:nvSpPr>
+                    <p:spPr>
+                      <a:xfrm>
+                        <a:off x="6573497" y="2998204"/>
+                        <a:ext cx="217560" cy="307777"/>
+                      </a:xfrm>
+                      <a:prstGeom prst="rect">
+                        <a:avLst/>
+                      </a:prstGeom>
+                      <a:blipFill>
+                        <a:blip r:embed="rId9"/>
+                        <a:stretch>
+                          <a:fillRect l="-25714" r="-25714" b="-9804"/>
+                        </a:stretch>
+                      </a:blipFill>
+                    </p:spPr>
+                    <p:txBody>
+                      <a:bodyPr/>
+                      <a:lstStyle/>
+                      <a:p>
+                        <a:r>
+                          <a:rPr lang="en-US">
+                            <a:noFill/>
+                          </a:rPr>
+                          <a:t> </a:t>
+                        </a:r>
+                      </a:p>
+                    </p:txBody>
+                  </p:sp>
+                </mc:Fallback>
+              </mc:AlternateContent>
+            </p:grpSp>
             <mc:AlternateContent xmlns:mc="http://schemas.openxmlformats.org/markup-compatibility/2006" xmlns:a14="http://schemas.microsoft.com/office/drawing/2010/main">
               <mc:Choice Requires="a14">
                 <p:sp>
                   <p:nvSpPr>
-                    <p:cNvPr id="34" name="TextBox 33"/>
+                    <p:cNvPr id="29" name="TextBox 28"/>
                     <p:cNvSpPr txBox="1"/>
                     <p:nvPr/>
                   </p:nvSpPr>
                   <p:spPr>
                     <a:xfrm>
-                      <a:off x="5474376" y="1088970"/>
-                      <a:ext cx="923515" cy="307777"/>
-                    </a:xfrm>
-                    <a:prstGeom prst="rect">
-                      <a:avLst/>
-                    </a:prstGeom>
-                    <a:noFill/>
-                  </p:spPr>
-                  <p:txBody>
-                    <a:bodyPr wrap="square" lIns="0" tIns="0" rIns="0" bIns="0" rtlCol="0">
-                      <a:spAutoFit/>
-                    </a:bodyPr>
-                    <a:lstStyle/>
-                    <a:p>
-                      <a:pPr/>
-                      <a14:m>
-                        <m:oMathPara xmlns:m="http://schemas.openxmlformats.org/officeDocument/2006/math">
-                          <m:oMathParaPr>
-                            <m:jc m:val="centerGroup"/>
-                          </m:oMathParaPr>
-                          <m:oMath xmlns:m="http://schemas.openxmlformats.org/officeDocument/2006/math">
-                            <m:r>
-                              <a:rPr lang="en-US" sz="2000" b="0" i="1" smtClean="0">
-                                <a:latin typeface="Cambria Math" panose="02040503050406030204" pitchFamily="18" charset="0"/>
-                                <a:cs typeface="Arial" panose="020B0604020202020204" pitchFamily="34" charset="0"/>
-                              </a:rPr>
-                              <m:t>𝑃</m:t>
-                            </m:r>
-                            <m:r>
-                              <a:rPr lang="en-US" sz="2000" b="0" i="1" smtClean="0">
-                                <a:latin typeface="Cambria Math" panose="02040503050406030204" pitchFamily="18" charset="0"/>
-                                <a:cs typeface="Arial" panose="020B0604020202020204" pitchFamily="34" charset="0"/>
-                              </a:rPr>
-                              <m:t>=0</m:t>
-                            </m:r>
-                          </m:oMath>
-                        </m:oMathPara>
-                      </a14:m>
-                      <a:endParaRPr lang="en-US" sz="2000" dirty="0" smtClean="0">
-                        <a:latin typeface="Arial" panose="020B0604020202020204" pitchFamily="34" charset="0"/>
-                        <a:cs typeface="Arial" panose="020B0604020202020204" pitchFamily="34" charset="0"/>
-                      </a:endParaRPr>
-                    </a:p>
-                  </p:txBody>
-                </p:sp>
-              </mc:Choice>
-              <mc:Fallback xmlns="">
-                <p:sp>
-                  <p:nvSpPr>
-                    <p:cNvPr id="34" name="TextBox 33"/>
-                    <p:cNvSpPr txBox="1">
-                      <a:spLocks noRot="1" noChangeAspect="1" noMove="1" noResize="1" noEditPoints="1" noAdjustHandles="1" noChangeArrowheads="1" noChangeShapeType="1" noTextEdit="1"/>
-                    </p:cNvSpPr>
-                    <p:nvPr/>
-                  </p:nvSpPr>
-                  <p:spPr>
-                    <a:xfrm>
-                      <a:off x="5474376" y="1088970"/>
-                      <a:ext cx="923515" cy="307777"/>
-                    </a:xfrm>
-                    <a:prstGeom prst="rect">
-                      <a:avLst/>
-                    </a:prstGeom>
-                    <a:blipFill>
-                      <a:blip r:embed="rId7"/>
-                      <a:stretch>
-                        <a:fillRect b="-9804"/>
-                      </a:stretch>
-                    </a:blipFill>
-                  </p:spPr>
-                  <p:txBody>
-                    <a:bodyPr/>
-                    <a:lstStyle/>
-                    <a:p>
-                      <a:r>
-                        <a:rPr lang="en-US">
-                          <a:noFill/>
-                        </a:rPr>
-                        <a:t> </a:t>
-                      </a:r>
-                    </a:p>
-                  </p:txBody>
-                </p:sp>
-              </mc:Fallback>
-            </mc:AlternateContent>
-            <mc:AlternateContent xmlns:mc="http://schemas.openxmlformats.org/markup-compatibility/2006" xmlns:a14="http://schemas.microsoft.com/office/drawing/2010/main">
-              <mc:Choice Requires="a14">
-                <p:sp>
-                  <p:nvSpPr>
-                    <p:cNvPr id="35" name="TextBox 34"/>
-                    <p:cNvSpPr txBox="1"/>
-                    <p:nvPr/>
-                  </p:nvSpPr>
-                  <p:spPr>
-                    <a:xfrm>
-                      <a:off x="8552066" y="903072"/>
-                      <a:ext cx="321305" cy="307777"/>
-                    </a:xfrm>
-                    <a:prstGeom prst="rect">
-                      <a:avLst/>
-                    </a:prstGeom>
-                    <a:noFill/>
-                  </p:spPr>
-                  <p:txBody>
-                    <a:bodyPr wrap="none" lIns="0" tIns="0" rIns="0" bIns="0" rtlCol="0">
-                      <a:spAutoFit/>
-                    </a:bodyPr>
-                    <a:lstStyle/>
-                    <a:p>
-                      <a:pPr/>
-                      <a14:m>
-                        <m:oMathPara xmlns:m="http://schemas.openxmlformats.org/officeDocument/2006/math">
-                          <m:oMathParaPr>
-                            <m:jc m:val="centerGroup"/>
-                          </m:oMathParaPr>
-                          <m:oMath xmlns:m="http://schemas.openxmlformats.org/officeDocument/2006/math">
-                            <m:sSub>
-                              <m:sSubPr>
-                                <m:ctrlPr>
-                                  <a:rPr lang="en-US" sz="2000" b="0" i="1" smtClean="0">
-                                    <a:latin typeface="Cambria Math" panose="02040503050406030204" pitchFamily="18" charset="0"/>
-                                    <a:cs typeface="Arial" panose="020B0604020202020204" pitchFamily="34" charset="0"/>
-                                  </a:rPr>
-                                </m:ctrlPr>
-                              </m:sSubPr>
-                              <m:e>
-                                <m:r>
-                                  <a:rPr lang="en-US" sz="2000" b="0" i="1" smtClean="0">
-                                    <a:latin typeface="Cambria Math" panose="02040503050406030204" pitchFamily="18" charset="0"/>
-                                    <a:cs typeface="Arial" panose="020B0604020202020204" pitchFamily="34" charset="0"/>
-                                  </a:rPr>
-                                  <m:t>𝑃</m:t>
-                                </m:r>
-                              </m:e>
-                              <m:sub>
-                                <m:r>
-                                  <a:rPr lang="en-US" sz="2000" b="0" i="1" smtClean="0">
-                                    <a:latin typeface="Cambria Math" panose="02040503050406030204" pitchFamily="18" charset="0"/>
-                                    <a:cs typeface="Arial" panose="020B0604020202020204" pitchFamily="34" charset="0"/>
-                                  </a:rPr>
-                                  <m:t>1</m:t>
-                                </m:r>
-                              </m:sub>
-                            </m:sSub>
-                          </m:oMath>
-                        </m:oMathPara>
-                      </a14:m>
-                      <a:endParaRPr lang="en-US" sz="2000" dirty="0" smtClean="0">
-                        <a:latin typeface="Arial" panose="020B0604020202020204" pitchFamily="34" charset="0"/>
-                        <a:cs typeface="Arial" panose="020B0604020202020204" pitchFamily="34" charset="0"/>
-                      </a:endParaRPr>
-                    </a:p>
-                  </p:txBody>
-                </p:sp>
-              </mc:Choice>
-              <mc:Fallback xmlns="">
-                <p:sp>
-                  <p:nvSpPr>
-                    <p:cNvPr id="35" name="TextBox 34"/>
-                    <p:cNvSpPr txBox="1">
-                      <a:spLocks noRot="1" noChangeAspect="1" noMove="1" noResize="1" noEditPoints="1" noAdjustHandles="1" noChangeArrowheads="1" noChangeShapeType="1" noTextEdit="1"/>
-                    </p:cNvSpPr>
-                    <p:nvPr/>
-                  </p:nvSpPr>
-                  <p:spPr>
-                    <a:xfrm>
-                      <a:off x="8552066" y="903072"/>
-                      <a:ext cx="321305" cy="307777"/>
-                    </a:xfrm>
-                    <a:prstGeom prst="rect">
-                      <a:avLst/>
-                    </a:prstGeom>
-                    <a:blipFill>
-                      <a:blip r:embed="rId8"/>
-                      <a:stretch>
-                        <a:fillRect l="-15094" r="-1887" b="-20000"/>
-                      </a:stretch>
-                    </a:blipFill>
-                  </p:spPr>
-                  <p:txBody>
-                    <a:bodyPr/>
-                    <a:lstStyle/>
-                    <a:p>
-                      <a:r>
-                        <a:rPr lang="en-US">
-                          <a:noFill/>
-                        </a:rPr>
-                        <a:t> </a:t>
-                      </a:r>
-                    </a:p>
-                  </p:txBody>
-                </p:sp>
-              </mc:Fallback>
-            </mc:AlternateContent>
-            <p:cxnSp>
-              <p:nvCxnSpPr>
-                <p:cNvPr id="36" name="Straight Arrow Connector 35"/>
-                <p:cNvCxnSpPr/>
-                <p:nvPr/>
-              </p:nvCxnSpPr>
-              <p:spPr>
-                <a:xfrm flipH="1">
-                  <a:off x="8381113" y="1018258"/>
-                  <a:ext cx="2843" cy="564858"/>
-                </a:xfrm>
-                <a:prstGeom prst="straightConnector1">
-                  <a:avLst/>
-                </a:prstGeom>
-                <a:ln w="38100">
-                  <a:solidFill>
-                    <a:schemeClr val="tx1"/>
-                  </a:solidFill>
-                  <a:tailEnd type="triangle"/>
-                </a:ln>
-              </p:spPr>
-              <p:style>
-                <a:lnRef idx="1">
-                  <a:schemeClr val="accent1"/>
-                </a:lnRef>
-                <a:fillRef idx="0">
-                  <a:schemeClr val="accent1"/>
-                </a:fillRef>
-                <a:effectRef idx="0">
-                  <a:schemeClr val="accent1"/>
-                </a:effectRef>
-                <a:fontRef idx="minor">
-                  <a:schemeClr val="tx1"/>
-                </a:fontRef>
-              </p:style>
-            </p:cxnSp>
-            <p:cxnSp>
-              <p:nvCxnSpPr>
-                <p:cNvPr id="37" name="Straight Connector 36"/>
-                <p:cNvCxnSpPr/>
-                <p:nvPr/>
-              </p:nvCxnSpPr>
-              <p:spPr>
-                <a:xfrm>
-                  <a:off x="6087649" y="2316026"/>
-                  <a:ext cx="2079321" cy="0"/>
-                </a:xfrm>
-                <a:prstGeom prst="line">
-                  <a:avLst/>
-                </a:prstGeom>
-                <a:ln w="19050">
-                  <a:solidFill>
-                    <a:schemeClr val="tx1"/>
-                  </a:solidFill>
-                  <a:prstDash val="sysDot"/>
-                </a:ln>
-              </p:spPr>
-              <p:style>
-                <a:lnRef idx="1">
-                  <a:schemeClr val="accent1"/>
-                </a:lnRef>
-                <a:fillRef idx="0">
-                  <a:schemeClr val="accent1"/>
-                </a:fillRef>
-                <a:effectRef idx="0">
-                  <a:schemeClr val="accent1"/>
-                </a:effectRef>
-                <a:fontRef idx="minor">
-                  <a:schemeClr val="tx1"/>
-                </a:fontRef>
-              </p:style>
-            </p:cxnSp>
-            <p:cxnSp>
-              <p:nvCxnSpPr>
-                <p:cNvPr id="38" name="Straight Connector 37"/>
-                <p:cNvCxnSpPr/>
-                <p:nvPr/>
-              </p:nvCxnSpPr>
-              <p:spPr>
-                <a:xfrm>
-                  <a:off x="6150278" y="4024140"/>
-                  <a:ext cx="2079321" cy="0"/>
-                </a:xfrm>
-                <a:prstGeom prst="line">
-                  <a:avLst/>
-                </a:prstGeom>
-                <a:ln w="19050">
-                  <a:solidFill>
-                    <a:schemeClr val="tx1"/>
-                  </a:solidFill>
-                  <a:prstDash val="sysDot"/>
-                </a:ln>
-              </p:spPr>
-              <p:style>
-                <a:lnRef idx="1">
-                  <a:schemeClr val="accent1"/>
-                </a:lnRef>
-                <a:fillRef idx="0">
-                  <a:schemeClr val="accent1"/>
-                </a:fillRef>
-                <a:effectRef idx="0">
-                  <a:schemeClr val="accent1"/>
-                </a:effectRef>
-                <a:fontRef idx="minor">
-                  <a:schemeClr val="tx1"/>
-                </a:fontRef>
-              </p:style>
-            </p:cxnSp>
-            <p:cxnSp>
-              <p:nvCxnSpPr>
-                <p:cNvPr id="39" name="Straight Arrow Connector 38"/>
-                <p:cNvCxnSpPr/>
-                <p:nvPr/>
-              </p:nvCxnSpPr>
-              <p:spPr>
-                <a:xfrm>
-                  <a:off x="6393964" y="2332383"/>
-                  <a:ext cx="3927" cy="1713317"/>
-                </a:xfrm>
-                <a:prstGeom prst="straightConnector1">
-                  <a:avLst/>
-                </a:prstGeom>
-                <a:ln w="38100">
-                  <a:solidFill>
-                    <a:schemeClr val="tx1"/>
-                  </a:solidFill>
-                  <a:headEnd type="triangle"/>
-                  <a:tailEnd type="triangle"/>
-                </a:ln>
-              </p:spPr>
-              <p:style>
-                <a:lnRef idx="1">
-                  <a:schemeClr val="accent1"/>
-                </a:lnRef>
-                <a:fillRef idx="0">
-                  <a:schemeClr val="accent1"/>
-                </a:fillRef>
-                <a:effectRef idx="0">
-                  <a:schemeClr val="accent1"/>
-                </a:effectRef>
-                <a:fontRef idx="minor">
-                  <a:schemeClr val="tx1"/>
-                </a:fontRef>
-              </p:style>
-            </p:cxnSp>
-            <mc:AlternateContent xmlns:mc="http://schemas.openxmlformats.org/markup-compatibility/2006" xmlns:a14="http://schemas.microsoft.com/office/drawing/2010/main">
-              <mc:Choice Requires="a14">
-                <p:sp>
-                  <p:nvSpPr>
-                    <p:cNvPr id="40" name="TextBox 39"/>
-                    <p:cNvSpPr txBox="1"/>
-                    <p:nvPr/>
-                  </p:nvSpPr>
-                  <p:spPr>
-                    <a:xfrm>
-                      <a:off x="6573497" y="2998204"/>
-                      <a:ext cx="217560" cy="307777"/>
+                      <a:off x="5886973" y="3320451"/>
+                      <a:ext cx="234936" cy="307777"/>
                     </a:xfrm>
                     <a:prstGeom prst="rect">
                       <a:avLst/>
@@ -16792,7 +19126,7 @@
                                 <a:latin typeface="Cambria Math" panose="02040503050406030204" pitchFamily="18" charset="0"/>
                                 <a:cs typeface="Arial" panose="020B0604020202020204" pitchFamily="34" charset="0"/>
                               </a:rPr>
-                              <m:t>h</m:t>
+                              <m:t>𝐴</m:t>
                             </m:r>
                           </m:oMath>
                         </m:oMathPara>
@@ -16808,7 +19142,7 @@
               <mc:Fallback xmlns="">
                 <p:sp>
                   <p:nvSpPr>
-                    <p:cNvPr id="40" name="TextBox 39"/>
+                    <p:cNvPr id="29" name="TextBox 28"/>
                     <p:cNvSpPr txBox="1">
                       <a:spLocks noRot="1" noChangeAspect="1" noMove="1" noResize="1" noEditPoints="1" noAdjustHandles="1" noChangeArrowheads="1" noChangeShapeType="1" noTextEdit="1"/>
                     </p:cNvSpPr>
@@ -16816,16 +19150,104 @@
                   </p:nvSpPr>
                   <p:spPr>
                     <a:xfrm>
-                      <a:off x="6573497" y="2998204"/>
-                      <a:ext cx="217560" cy="307777"/>
+                      <a:off x="5886973" y="3320451"/>
+                      <a:ext cx="234936" cy="307777"/>
                     </a:xfrm>
                     <a:prstGeom prst="rect">
                       <a:avLst/>
                     </a:prstGeom>
                     <a:blipFill>
-                      <a:blip r:embed="rId9"/>
+                      <a:blip r:embed="rId10"/>
                       <a:stretch>
-                        <a:fillRect l="-25714" r="-25714" b="-9804"/>
+                        <a:fillRect l="-23077" r="-20513" b="-10000"/>
+                      </a:stretch>
+                    </a:blipFill>
+                  </p:spPr>
+                  <p:txBody>
+                    <a:bodyPr/>
+                    <a:lstStyle/>
+                    <a:p>
+                      <a:r>
+                        <a:rPr lang="en-US">
+                          <a:noFill/>
+                        </a:rPr>
+                        <a:t> </a:t>
+                      </a:r>
+                    </a:p>
+                  </p:txBody>
+                </p:sp>
+              </mc:Fallback>
+            </mc:AlternateContent>
+            <mc:AlternateContent xmlns:mc="http://schemas.openxmlformats.org/markup-compatibility/2006" xmlns:a14="http://schemas.microsoft.com/office/drawing/2010/main">
+              <mc:Choice Requires="a14">
+                <p:sp>
+                  <p:nvSpPr>
+                    <p:cNvPr id="30" name="TextBox 29"/>
+                    <p:cNvSpPr txBox="1"/>
+                    <p:nvPr/>
+                  </p:nvSpPr>
+                  <p:spPr>
+                    <a:xfrm>
+                      <a:off x="8946466" y="3298891"/>
+                      <a:ext cx="245708" cy="307777"/>
+                    </a:xfrm>
+                    <a:prstGeom prst="rect">
+                      <a:avLst/>
+                    </a:prstGeom>
+                    <a:noFill/>
+                  </p:spPr>
+                  <p:txBody>
+                    <a:bodyPr wrap="none" lIns="0" tIns="0" rIns="0" bIns="0" rtlCol="0">
+                      <a:spAutoFit/>
+                    </a:bodyPr>
+                    <a:lstStyle/>
+                    <a:p>
+                      <a:pPr/>
+                      <a14:m>
+                        <m:oMathPara xmlns:m="http://schemas.openxmlformats.org/officeDocument/2006/math">
+                          <m:oMathParaPr>
+                            <m:jc m:val="centerGroup"/>
+                          </m:oMathParaPr>
+                          <m:oMath xmlns:m="http://schemas.openxmlformats.org/officeDocument/2006/math">
+                            <m:r>
+                              <a:rPr lang="en-US" sz="2000" b="0" i="1" smtClean="0">
+                                <a:latin typeface="Cambria Math" panose="02040503050406030204" pitchFamily="18" charset="0"/>
+                                <a:cs typeface="Arial" panose="020B0604020202020204" pitchFamily="34" charset="0"/>
+                              </a:rPr>
+                              <m:t>𝐵</m:t>
+                            </m:r>
+                          </m:oMath>
+                        </m:oMathPara>
+                      </a14:m>
+                      <a:endParaRPr lang="en-US" sz="2000" dirty="0" smtClean="0">
+                        <a:latin typeface="Arial" panose="020B0604020202020204" pitchFamily="34" charset="0"/>
+                        <a:cs typeface="Arial" panose="020B0604020202020204" pitchFamily="34" charset="0"/>
+                      </a:endParaRPr>
+                    </a:p>
+                  </p:txBody>
+                </p:sp>
+              </mc:Choice>
+              <mc:Fallback xmlns="">
+                <p:sp>
+                  <p:nvSpPr>
+                    <p:cNvPr id="30" name="TextBox 29"/>
+                    <p:cNvSpPr txBox="1">
+                      <a:spLocks noRot="1" noChangeAspect="1" noMove="1" noResize="1" noEditPoints="1" noAdjustHandles="1" noChangeArrowheads="1" noChangeShapeType="1" noTextEdit="1"/>
+                    </p:cNvSpPr>
+                    <p:nvPr/>
+                  </p:nvSpPr>
+                  <p:spPr>
+                    <a:xfrm>
+                      <a:off x="8946466" y="3298891"/>
+                      <a:ext cx="245708" cy="307777"/>
+                    </a:xfrm>
+                    <a:prstGeom prst="rect">
+                      <a:avLst/>
+                    </a:prstGeom>
+                    <a:blipFill>
+                      <a:blip r:embed="rId11"/>
+                      <a:stretch>
+                        <a:fillRect l="-22500" r="-20000" b="-9804"/>
                       </a:stretch>
                     </a:blipFill>
                   </p:spPr>
@@ -16845,196 +19267,519 @@
               </mc:Fallback>
             </mc:AlternateContent>
           </p:grpSp>
-          <mc:AlternateContent xmlns:mc="http://schemas.openxmlformats.org/markup-compatibility/2006" xmlns:a14="http://schemas.microsoft.com/office/drawing/2010/main">
-            <mc:Choice Requires="a14">
-              <p:sp>
-                <p:nvSpPr>
-                  <p:cNvPr id="29" name="TextBox 28"/>
-                  <p:cNvSpPr txBox="1"/>
-                  <p:nvPr/>
-                </p:nvSpPr>
-                <p:spPr>
-                  <a:xfrm>
-                    <a:off x="5886973" y="3320451"/>
-                    <a:ext cx="234936" cy="307777"/>
-                  </a:xfrm>
-                  <a:prstGeom prst="rect">
-                    <a:avLst/>
-                  </a:prstGeom>
-                  <a:noFill/>
-                </p:spPr>
-                <p:txBody>
-                  <a:bodyPr wrap="none" lIns="0" tIns="0" rIns="0" bIns="0" rtlCol="0">
-                    <a:spAutoFit/>
-                  </a:bodyPr>
-                  <a:lstStyle/>
-                  <a:p>
-                    <a:pPr/>
-                    <a14:m>
-                      <m:oMathPara xmlns:m="http://schemas.openxmlformats.org/officeDocument/2006/math">
-                        <m:oMathParaPr>
-                          <m:jc m:val="centerGroup"/>
-                        </m:oMathParaPr>
-                        <m:oMath xmlns:m="http://schemas.openxmlformats.org/officeDocument/2006/math">
-                          <m:r>
-                            <a:rPr lang="en-US" sz="2000" b="0" i="1" smtClean="0">
-                              <a:latin typeface="Cambria Math" panose="02040503050406030204" pitchFamily="18" charset="0"/>
-                              <a:cs typeface="Arial" panose="020B0604020202020204" pitchFamily="34" charset="0"/>
-                            </a:rPr>
-                            <m:t>𝐴</m:t>
-                          </m:r>
-                        </m:oMath>
-                      </m:oMathPara>
-                    </a14:m>
-                    <a:endParaRPr lang="en-US" sz="2000" dirty="0" smtClean="0">
-                      <a:latin typeface="Arial" panose="020B0604020202020204" pitchFamily="34" charset="0"/>
-                      <a:cs typeface="Arial" panose="020B0604020202020204" pitchFamily="34" charset="0"/>
-                    </a:endParaRPr>
-                  </a:p>
-                </p:txBody>
-              </p:sp>
-            </mc:Choice>
-            <mc:Fallback xmlns="">
-              <p:sp>
-                <p:nvSpPr>
-                  <p:cNvPr id="29" name="TextBox 28"/>
-                  <p:cNvSpPr txBox="1">
-                    <a:spLocks noRot="1" noChangeAspect="1" noMove="1" noResize="1" noEditPoints="1" noAdjustHandles="1" noChangeArrowheads="1" noChangeShapeType="1" noTextEdit="1"/>
-                  </p:cNvSpPr>
-                  <p:nvPr/>
-                </p:nvSpPr>
-                <p:spPr>
-                  <a:xfrm>
-                    <a:off x="5886973" y="3320451"/>
-                    <a:ext cx="234936" cy="307777"/>
-                  </a:xfrm>
-                  <a:prstGeom prst="rect">
-                    <a:avLst/>
-                  </a:prstGeom>
-                  <a:blipFill>
-                    <a:blip r:embed="rId10"/>
-                    <a:stretch>
-                      <a:fillRect l="-23077" r="-20513" b="-10000"/>
-                    </a:stretch>
-                  </a:blipFill>
-                </p:spPr>
-                <p:txBody>
-                  <a:bodyPr/>
-                  <a:lstStyle/>
-                  <a:p>
-                    <a:r>
-                      <a:rPr lang="en-US">
-                        <a:noFill/>
-                      </a:rPr>
-                      <a:t> </a:t>
-                    </a:r>
-                  </a:p>
-                </p:txBody>
-              </p:sp>
-            </mc:Fallback>
-          </mc:AlternateContent>
-          <mc:AlternateContent xmlns:mc="http://schemas.openxmlformats.org/markup-compatibility/2006" xmlns:a14="http://schemas.microsoft.com/office/drawing/2010/main">
-            <mc:Choice Requires="a14">
-              <p:sp>
-                <p:nvSpPr>
-                  <p:cNvPr id="30" name="TextBox 29"/>
-                  <p:cNvSpPr txBox="1"/>
-                  <p:nvPr/>
-                </p:nvSpPr>
-                <p:spPr>
-                  <a:xfrm>
-                    <a:off x="8946466" y="3298891"/>
-                    <a:ext cx="245708" cy="307777"/>
-                  </a:xfrm>
-                  <a:prstGeom prst="rect">
-                    <a:avLst/>
-                  </a:prstGeom>
-                  <a:noFill/>
-                </p:spPr>
-                <p:txBody>
-                  <a:bodyPr wrap="none" lIns="0" tIns="0" rIns="0" bIns="0" rtlCol="0">
-                    <a:spAutoFit/>
-                  </a:bodyPr>
-                  <a:lstStyle/>
-                  <a:p>
-                    <a:pPr/>
-                    <a14:m>
-                      <m:oMathPara xmlns:m="http://schemas.openxmlformats.org/officeDocument/2006/math">
-                        <m:oMathParaPr>
-                          <m:jc m:val="centerGroup"/>
-                        </m:oMathParaPr>
-                        <m:oMath xmlns:m="http://schemas.openxmlformats.org/officeDocument/2006/math">
-                          <m:r>
-                            <a:rPr lang="en-US" sz="2000" b="0" i="1" smtClean="0">
-                              <a:latin typeface="Cambria Math" panose="02040503050406030204" pitchFamily="18" charset="0"/>
-                              <a:cs typeface="Arial" panose="020B0604020202020204" pitchFamily="34" charset="0"/>
-                            </a:rPr>
-                            <m:t>𝐵</m:t>
-                          </m:r>
-                        </m:oMath>
-                      </m:oMathPara>
-                    </a14:m>
-                    <a:endParaRPr lang="en-US" sz="2000" dirty="0" smtClean="0">
-                      <a:latin typeface="Arial" panose="020B0604020202020204" pitchFamily="34" charset="0"/>
-                      <a:cs typeface="Arial" panose="020B0604020202020204" pitchFamily="34" charset="0"/>
-                    </a:endParaRPr>
-                  </a:p>
-                </p:txBody>
-              </p:sp>
-            </mc:Choice>
-            <mc:Fallback xmlns="">
-              <p:sp>
-                <p:nvSpPr>
-                  <p:cNvPr id="30" name="TextBox 29"/>
-                  <p:cNvSpPr txBox="1">
-                    <a:spLocks noRot="1" noChangeAspect="1" noMove="1" noResize="1" noEditPoints="1" noAdjustHandles="1" noChangeArrowheads="1" noChangeShapeType="1" noTextEdit="1"/>
-                  </p:cNvSpPr>
-                  <p:nvPr/>
-                </p:nvSpPr>
-                <p:spPr>
-                  <a:xfrm>
-                    <a:off x="8946466" y="3298891"/>
-                    <a:ext cx="245708" cy="307777"/>
-                  </a:xfrm>
-                  <a:prstGeom prst="rect">
-                    <a:avLst/>
-                  </a:prstGeom>
-                  <a:blipFill>
-                    <a:blip r:embed="rId11"/>
-                    <a:stretch>
-                      <a:fillRect l="-22500" r="-20000" b="-9804"/>
-                    </a:stretch>
-                  </a:blipFill>
-                </p:spPr>
-                <p:txBody>
-                  <a:bodyPr/>
-                  <a:lstStyle/>
-                  <a:p>
-                    <a:r>
-                      <a:rPr lang="en-US">
-                        <a:noFill/>
-                      </a:rPr>
-                      <a:t> </a:t>
-                    </a:r>
-                  </a:p>
-                </p:txBody>
-              </p:sp>
-            </mc:Fallback>
-          </mc:AlternateContent>
+          <p:cxnSp>
+            <p:nvCxnSpPr>
+              <p:cNvPr id="27" name="Straight Connector 26"/>
+              <p:cNvCxnSpPr>
+                <a:stCxn id="32" idx="0"/>
+                <a:endCxn id="33" idx="0"/>
+              </p:cNvCxnSpPr>
+              <p:nvPr/>
+            </p:nvCxnSpPr>
+            <p:spPr>
+              <a:xfrm flipV="1">
+                <a:off x="1469700" y="1745955"/>
+                <a:ext cx="328886" cy="12375"/>
+              </a:xfrm>
+              <a:prstGeom prst="line">
+                <a:avLst/>
+              </a:prstGeom>
+              <a:ln w="38100">
+                <a:solidFill>
+                  <a:schemeClr val="tx1"/>
+                </a:solidFill>
+              </a:ln>
+            </p:spPr>
+            <p:style>
+              <a:lnRef idx="1">
+                <a:schemeClr val="accent1"/>
+              </a:lnRef>
+              <a:fillRef idx="0">
+                <a:schemeClr val="accent1"/>
+              </a:fillRef>
+              <a:effectRef idx="0">
+                <a:schemeClr val="accent1"/>
+              </a:effectRef>
+              <a:fontRef idx="minor">
+                <a:schemeClr val="tx1"/>
+              </a:fontRef>
+            </p:style>
+          </p:cxnSp>
         </p:grpSp>
         <p:cxnSp>
           <p:nvCxnSpPr>
-            <p:cNvPr id="27" name="Straight Connector 26"/>
+            <p:cNvPr id="46" name="Straight Arrow Connector 45"/>
+            <p:cNvCxnSpPr/>
+            <p:nvPr/>
+          </p:nvCxnSpPr>
+          <p:spPr>
+            <a:xfrm>
+              <a:off x="4830548" y="1283527"/>
+              <a:ext cx="17016" cy="581423"/>
+            </a:xfrm>
+            <a:prstGeom prst="straightConnector1">
+              <a:avLst/>
+            </a:prstGeom>
+            <a:ln w="19050">
+              <a:solidFill>
+                <a:schemeClr val="tx1"/>
+              </a:solidFill>
+              <a:tailEnd type="triangle"/>
+            </a:ln>
+          </p:spPr>
+          <p:style>
+            <a:lnRef idx="1">
+              <a:schemeClr val="accent1"/>
+            </a:lnRef>
+            <a:fillRef idx="0">
+              <a:schemeClr val="accent1"/>
+            </a:fillRef>
+            <a:effectRef idx="0">
+              <a:schemeClr val="accent1"/>
+            </a:effectRef>
+            <a:fontRef idx="minor">
+              <a:schemeClr val="tx1"/>
+            </a:fontRef>
+          </p:style>
+        </p:cxnSp>
+      </p:grpSp>
+      <p:grpSp>
+        <p:nvGrpSpPr>
+          <p:cNvPr id="54" name="Group 53"/>
+          <p:cNvGrpSpPr/>
+          <p:nvPr/>
+        </p:nvGrpSpPr>
+        <p:grpSpPr>
+          <a:xfrm>
+            <a:off x="8601740" y="1229023"/>
+            <a:ext cx="2948763" cy="3750516"/>
+            <a:chOff x="8601740" y="1229023"/>
+            <a:chExt cx="2948763" cy="3750516"/>
+          </a:xfrm>
+        </p:grpSpPr>
+        <p:sp>
+          <p:nvSpPr>
+            <p:cNvPr id="4" name="Rectangle 3"/>
+            <p:cNvSpPr/>
+            <p:nvPr/>
+          </p:nvSpPr>
+          <p:spPr>
+            <a:xfrm>
+              <a:off x="9919613" y="2481138"/>
+              <a:ext cx="282327" cy="2048332"/>
+            </a:xfrm>
+            <a:prstGeom prst="rect">
+              <a:avLst/>
+            </a:prstGeom>
+            <a:solidFill>
+              <a:schemeClr val="accent1">
+                <a:lumMod val="60000"/>
+                <a:lumOff val="40000"/>
+              </a:schemeClr>
+            </a:solidFill>
+            <a:ln w="38100">
+              <a:noFill/>
+            </a:ln>
+          </p:spPr>
+          <p:style>
+            <a:lnRef idx="2">
+              <a:schemeClr val="accent1">
+                <a:shade val="50000"/>
+              </a:schemeClr>
+            </a:lnRef>
+            <a:fillRef idx="1">
+              <a:schemeClr val="accent1"/>
+            </a:fillRef>
+            <a:effectRef idx="0">
+              <a:schemeClr val="accent1"/>
+            </a:effectRef>
+            <a:fontRef idx="minor">
+              <a:schemeClr val="lt1"/>
+            </a:fontRef>
+          </p:style>
+          <p:txBody>
+            <a:bodyPr rtlCol="0" anchor="ctr"/>
+            <a:lstStyle/>
+            <a:p>
+              <a:pPr algn="ctr"/>
+              <a:endParaRPr lang="en-US"/>
+            </a:p>
+          </p:txBody>
+        </p:sp>
+        <p:sp>
+          <p:nvSpPr>
+            <p:cNvPr id="2" name="Rectangle 1"/>
+            <p:cNvSpPr/>
+            <p:nvPr/>
+          </p:nvSpPr>
+          <p:spPr>
+            <a:xfrm>
+              <a:off x="8601740" y="4365728"/>
+              <a:ext cx="2945218" cy="613811"/>
+            </a:xfrm>
+            <a:custGeom>
+              <a:avLst/>
+              <a:gdLst>
+                <a:gd name="connsiteX0" fmla="*/ 0 w 2945218"/>
+                <a:gd name="connsiteY0" fmla="*/ 0 h 598926"/>
+                <a:gd name="connsiteX1" fmla="*/ 2945218 w 2945218"/>
+                <a:gd name="connsiteY1" fmla="*/ 0 h 598926"/>
+                <a:gd name="connsiteX2" fmla="*/ 2945218 w 2945218"/>
+                <a:gd name="connsiteY2" fmla="*/ 598926 h 598926"/>
+                <a:gd name="connsiteX3" fmla="*/ 0 w 2945218"/>
+                <a:gd name="connsiteY3" fmla="*/ 598926 h 598926"/>
+                <a:gd name="connsiteX4" fmla="*/ 0 w 2945218"/>
+                <a:gd name="connsiteY4" fmla="*/ 0 h 598926"/>
+                <a:gd name="connsiteX0" fmla="*/ 2945218 w 2945218"/>
+                <a:gd name="connsiteY0" fmla="*/ 0 h 598926"/>
+                <a:gd name="connsiteX1" fmla="*/ 2945218 w 2945218"/>
+                <a:gd name="connsiteY1" fmla="*/ 598926 h 598926"/>
+                <a:gd name="connsiteX2" fmla="*/ 0 w 2945218"/>
+                <a:gd name="connsiteY2" fmla="*/ 598926 h 598926"/>
+                <a:gd name="connsiteX3" fmla="*/ 91440 w 2945218"/>
+                <a:gd name="connsiteY3" fmla="*/ 91440 h 598926"/>
+                <a:gd name="connsiteX0" fmla="*/ 2945218 w 2945218"/>
+                <a:gd name="connsiteY0" fmla="*/ 0 h 598926"/>
+                <a:gd name="connsiteX1" fmla="*/ 2945218 w 2945218"/>
+                <a:gd name="connsiteY1" fmla="*/ 598926 h 598926"/>
+                <a:gd name="connsiteX2" fmla="*/ 0 w 2945218"/>
+                <a:gd name="connsiteY2" fmla="*/ 598926 h 598926"/>
+                <a:gd name="connsiteX3" fmla="*/ 6379 w 2945218"/>
+                <a:gd name="connsiteY3" fmla="*/ 80808 h 598926"/>
+                <a:gd name="connsiteX0" fmla="*/ 2945218 w 2945218"/>
+                <a:gd name="connsiteY0" fmla="*/ 14885 h 613811"/>
+                <a:gd name="connsiteX1" fmla="*/ 2945218 w 2945218"/>
+                <a:gd name="connsiteY1" fmla="*/ 613811 h 613811"/>
+                <a:gd name="connsiteX2" fmla="*/ 0 w 2945218"/>
+                <a:gd name="connsiteY2" fmla="*/ 613811 h 613811"/>
+                <a:gd name="connsiteX3" fmla="*/ 6379 w 2945218"/>
+                <a:gd name="connsiteY3" fmla="*/ 0 h 613811"/>
+              </a:gdLst>
+              <a:ahLst/>
+              <a:cxnLst>
+                <a:cxn ang="0">
+                  <a:pos x="connsiteX0" y="connsiteY0"/>
+                </a:cxn>
+                <a:cxn ang="0">
+                  <a:pos x="connsiteX1" y="connsiteY1"/>
+                </a:cxn>
+                <a:cxn ang="0">
+                  <a:pos x="connsiteX2" y="connsiteY2"/>
+                </a:cxn>
+                <a:cxn ang="0">
+                  <a:pos x="connsiteX3" y="connsiteY3"/>
+                </a:cxn>
+              </a:cxnLst>
+              <a:rect l="l" t="t" r="r" b="b"/>
+              <a:pathLst>
+                <a:path w="2945218" h="613811">
+                  <a:moveTo>
+                    <a:pt x="2945218" y="14885"/>
+                  </a:moveTo>
+                  <a:lnTo>
+                    <a:pt x="2945218" y="613811"/>
+                  </a:lnTo>
+                  <a:lnTo>
+                    <a:pt x="0" y="613811"/>
+                  </a:lnTo>
+                  <a:cubicBezTo>
+                    <a:pt x="0" y="414169"/>
+                    <a:pt x="6379" y="0"/>
+                    <a:pt x="6379" y="0"/>
+                  </a:cubicBezTo>
+                </a:path>
+              </a:pathLst>
+            </a:custGeom>
+            <a:solidFill>
+              <a:schemeClr val="accent1">
+                <a:lumMod val="60000"/>
+                <a:lumOff val="40000"/>
+              </a:schemeClr>
+            </a:solidFill>
+            <a:ln w="38100">
+              <a:solidFill>
+                <a:schemeClr val="tx1"/>
+              </a:solidFill>
+            </a:ln>
+          </p:spPr>
+          <p:style>
+            <a:lnRef idx="2">
+              <a:schemeClr val="accent1">
+                <a:shade val="50000"/>
+              </a:schemeClr>
+            </a:lnRef>
+            <a:fillRef idx="1">
+              <a:schemeClr val="accent1"/>
+            </a:fillRef>
+            <a:effectRef idx="0">
+              <a:schemeClr val="accent1"/>
+            </a:effectRef>
+            <a:fontRef idx="minor">
+              <a:schemeClr val="lt1"/>
+            </a:fontRef>
+          </p:style>
+          <p:txBody>
+            <a:bodyPr rtlCol="0" anchor="ctr"/>
+            <a:lstStyle/>
+            <a:p>
+              <a:pPr algn="ctr"/>
+              <a:endParaRPr lang="en-US"/>
+            </a:p>
+          </p:txBody>
+        </p:sp>
+        <p:sp>
+          <p:nvSpPr>
+            <p:cNvPr id="3" name="Rectangle 2"/>
+            <p:cNvSpPr/>
+            <p:nvPr/>
+          </p:nvSpPr>
+          <p:spPr>
+            <a:xfrm>
+              <a:off x="9925493" y="1645595"/>
+              <a:ext cx="304091" cy="2992670"/>
+            </a:xfrm>
+            <a:custGeom>
+              <a:avLst/>
+              <a:gdLst>
+                <a:gd name="connsiteX0" fmla="*/ 0 w 276447"/>
+                <a:gd name="connsiteY0" fmla="*/ 0 h 2992670"/>
+                <a:gd name="connsiteX1" fmla="*/ 276447 w 276447"/>
+                <a:gd name="connsiteY1" fmla="*/ 0 h 2992670"/>
+                <a:gd name="connsiteX2" fmla="*/ 276447 w 276447"/>
+                <a:gd name="connsiteY2" fmla="*/ 2992670 h 2992670"/>
+                <a:gd name="connsiteX3" fmla="*/ 0 w 276447"/>
+                <a:gd name="connsiteY3" fmla="*/ 2992670 h 2992670"/>
+                <a:gd name="connsiteX4" fmla="*/ 0 w 276447"/>
+                <a:gd name="connsiteY4" fmla="*/ 0 h 2992670"/>
+                <a:gd name="connsiteX0" fmla="*/ 0 w 367887"/>
+                <a:gd name="connsiteY0" fmla="*/ 2992670 h 3084110"/>
+                <a:gd name="connsiteX1" fmla="*/ 0 w 367887"/>
+                <a:gd name="connsiteY1" fmla="*/ 0 h 3084110"/>
+                <a:gd name="connsiteX2" fmla="*/ 276447 w 367887"/>
+                <a:gd name="connsiteY2" fmla="*/ 0 h 3084110"/>
+                <a:gd name="connsiteX3" fmla="*/ 367887 w 367887"/>
+                <a:gd name="connsiteY3" fmla="*/ 3084110 h 3084110"/>
+                <a:gd name="connsiteX0" fmla="*/ 0 w 304091"/>
+                <a:gd name="connsiteY0" fmla="*/ 2992670 h 2999050"/>
+                <a:gd name="connsiteX1" fmla="*/ 0 w 304091"/>
+                <a:gd name="connsiteY1" fmla="*/ 0 h 2999050"/>
+                <a:gd name="connsiteX2" fmla="*/ 276447 w 304091"/>
+                <a:gd name="connsiteY2" fmla="*/ 0 h 2999050"/>
+                <a:gd name="connsiteX3" fmla="*/ 304091 w 304091"/>
+                <a:gd name="connsiteY3" fmla="*/ 2999050 h 2999050"/>
+                <a:gd name="connsiteX0" fmla="*/ 0 w 304091"/>
+                <a:gd name="connsiteY0" fmla="*/ 2992670 h 2992670"/>
+                <a:gd name="connsiteX1" fmla="*/ 0 w 304091"/>
+                <a:gd name="connsiteY1" fmla="*/ 0 h 2992670"/>
+                <a:gd name="connsiteX2" fmla="*/ 276447 w 304091"/>
+                <a:gd name="connsiteY2" fmla="*/ 0 h 2992670"/>
+                <a:gd name="connsiteX3" fmla="*/ 304091 w 304091"/>
+                <a:gd name="connsiteY3" fmla="*/ 2977785 h 2992670"/>
+              </a:gdLst>
+              <a:ahLst/>
+              <a:cxnLst>
+                <a:cxn ang="0">
+                  <a:pos x="connsiteX0" y="connsiteY0"/>
+                </a:cxn>
+                <a:cxn ang="0">
+                  <a:pos x="connsiteX1" y="connsiteY1"/>
+                </a:cxn>
+                <a:cxn ang="0">
+                  <a:pos x="connsiteX2" y="connsiteY2"/>
+                </a:cxn>
+                <a:cxn ang="0">
+                  <a:pos x="connsiteX3" y="connsiteY3"/>
+                </a:cxn>
+              </a:cxnLst>
+              <a:rect l="l" t="t" r="r" b="b"/>
+              <a:pathLst>
+                <a:path w="304091" h="2992670">
+                  <a:moveTo>
+                    <a:pt x="0" y="2992670"/>
+                  </a:moveTo>
+                  <a:lnTo>
+                    <a:pt x="0" y="0"/>
+                  </a:lnTo>
+                  <a:lnTo>
+                    <a:pt x="276447" y="0"/>
+                  </a:lnTo>
+                  <a:cubicBezTo>
+                    <a:pt x="276447" y="997557"/>
+                    <a:pt x="304091" y="2977785"/>
+                    <a:pt x="304091" y="2977785"/>
+                  </a:cubicBezTo>
+                </a:path>
+              </a:pathLst>
+            </a:custGeom>
+            <a:noFill/>
+            <a:ln w="38100">
+              <a:solidFill>
+                <a:schemeClr val="tx1"/>
+              </a:solidFill>
+            </a:ln>
+          </p:spPr>
+          <p:style>
+            <a:lnRef idx="2">
+              <a:schemeClr val="accent1">
+                <a:shade val="50000"/>
+              </a:schemeClr>
+            </a:lnRef>
+            <a:fillRef idx="1">
+              <a:schemeClr val="accent1"/>
+            </a:fillRef>
+            <a:effectRef idx="0">
+              <a:schemeClr val="accent1"/>
+            </a:effectRef>
+            <a:fontRef idx="minor">
+              <a:schemeClr val="lt1"/>
+            </a:fontRef>
+          </p:style>
+          <p:txBody>
+            <a:bodyPr rtlCol="0" anchor="ctr"/>
+            <a:lstStyle/>
+            <a:p>
+              <a:pPr algn="ctr"/>
+              <a:endParaRPr lang="en-US"/>
+            </a:p>
+          </p:txBody>
+        </p:sp>
+        <p:cxnSp>
+          <p:nvCxnSpPr>
+            <p:cNvPr id="41" name="Straight Arrow Connector 40"/>
+            <p:cNvCxnSpPr/>
+            <p:nvPr/>
+          </p:nvCxnSpPr>
+          <p:spPr>
+            <a:xfrm>
+              <a:off x="10388009" y="2516160"/>
+              <a:ext cx="17853" cy="1843691"/>
+            </a:xfrm>
+            <a:prstGeom prst="straightConnector1">
+              <a:avLst/>
+            </a:prstGeom>
+            <a:ln w="38100">
+              <a:solidFill>
+                <a:schemeClr val="tx1"/>
+              </a:solidFill>
+              <a:headEnd type="triangle"/>
+              <a:tailEnd type="triangle"/>
+            </a:ln>
+          </p:spPr>
+          <p:style>
+            <a:lnRef idx="1">
+              <a:schemeClr val="accent1"/>
+            </a:lnRef>
+            <a:fillRef idx="0">
+              <a:schemeClr val="accent1"/>
+            </a:fillRef>
+            <a:effectRef idx="0">
+              <a:schemeClr val="accent1"/>
+            </a:effectRef>
+            <a:fontRef idx="minor">
+              <a:schemeClr val="tx1"/>
+            </a:fontRef>
+          </p:style>
+        </p:cxnSp>
+        <mc:AlternateContent xmlns:mc="http://schemas.openxmlformats.org/markup-compatibility/2006">
+          <mc:Choice xmlns:a14="http://schemas.microsoft.com/office/drawing/2010/main" Requires="a14">
+            <p:sp>
+              <p:nvSpPr>
+                <p:cNvPr id="42" name="TextBox 41"/>
+                <p:cNvSpPr txBox="1"/>
+                <p:nvPr/>
+              </p:nvSpPr>
+              <p:spPr>
+                <a:xfrm>
+                  <a:off x="10581468" y="3312355"/>
+                  <a:ext cx="217560" cy="307777"/>
+                </a:xfrm>
+                <a:prstGeom prst="rect">
+                  <a:avLst/>
+                </a:prstGeom>
+                <a:noFill/>
+              </p:spPr>
+              <p:txBody>
+                <a:bodyPr wrap="square" lIns="0" tIns="0" rIns="0" bIns="0" rtlCol="0">
+                  <a:spAutoFit/>
+                </a:bodyPr>
+                <a:lstStyle/>
+                <a:p>
+                  <a:pPr/>
+                  <a14:m>
+                    <m:oMathPara xmlns:m="http://schemas.openxmlformats.org/officeDocument/2006/math">
+                      <m:oMathParaPr>
+                        <m:jc m:val="centerGroup"/>
+                      </m:oMathParaPr>
+                      <m:oMath xmlns:m="http://schemas.openxmlformats.org/officeDocument/2006/math">
+                        <m:r>
+                          <a:rPr lang="en-US" sz="2000" b="0" i="1" smtClean="0">
+                            <a:latin typeface="Cambria Math" panose="02040503050406030204" pitchFamily="18" charset="0"/>
+                            <a:cs typeface="Arial" panose="020B0604020202020204" pitchFamily="34" charset="0"/>
+                          </a:rPr>
+                          <m:t>h</m:t>
+                        </m:r>
+                      </m:oMath>
+                    </m:oMathPara>
+                  </a14:m>
+                  <a:endParaRPr lang="en-US" sz="2000" dirty="0" smtClean="0">
+                    <a:latin typeface="Arial" panose="020B0604020202020204" pitchFamily="34" charset="0"/>
+                    <a:cs typeface="Arial" panose="020B0604020202020204" pitchFamily="34" charset="0"/>
+                  </a:endParaRPr>
+                </a:p>
+              </p:txBody>
+            </p:sp>
+          </mc:Choice>
+          <mc:Fallback>
+            <p:sp>
+              <p:nvSpPr>
+                <p:cNvPr id="42" name="TextBox 41"/>
+                <p:cNvSpPr txBox="1">
+                  <a:spLocks noRot="1" noChangeAspect="1" noMove="1" noResize="1" noEditPoints="1" noAdjustHandles="1" noChangeArrowheads="1" noChangeShapeType="1" noTextEdit="1"/>
+                </p:cNvSpPr>
+                <p:nvPr/>
+              </p:nvSpPr>
+              <p:spPr>
+                <a:xfrm>
+                  <a:off x="10581468" y="3312355"/>
+                  <a:ext cx="217560" cy="307777"/>
+                </a:xfrm>
+                <a:prstGeom prst="rect">
+                  <a:avLst/>
+                </a:prstGeom>
+                <a:blipFill>
+                  <a:blip r:embed="rId12"/>
+                  <a:stretch>
+                    <a:fillRect l="-25714" r="-25714" b="-9804"/>
+                  </a:stretch>
+                </a:blipFill>
+              </p:spPr>
+              <p:txBody>
+                <a:bodyPr/>
+                <a:lstStyle/>
+                <a:p>
+                  <a:r>
+                    <a:rPr lang="en-US">
+                      <a:noFill/>
+                    </a:rPr>
+                    <a:t> </a:t>
+                  </a:r>
+                </a:p>
+              </p:txBody>
+            </p:sp>
+          </mc:Fallback>
+        </mc:AlternateContent>
+        <p:cxnSp>
+          <p:nvCxnSpPr>
+            <p:cNvPr id="22" name="Straight Connector 21"/>
             <p:cNvCxnSpPr>
-              <a:stCxn id="32" idx="0"/>
-              <a:endCxn id="33" idx="0"/>
+              <a:stCxn id="2" idx="2"/>
             </p:cNvCxnSpPr>
             <p:nvPr/>
           </p:nvCxnSpPr>
           <p:spPr>
             <a:xfrm flipV="1">
-              <a:off x="1469700" y="1745955"/>
-              <a:ext cx="328886" cy="12375"/>
+              <a:off x="8601740" y="4111951"/>
+              <a:ext cx="0" cy="867588"/>
             </a:xfrm>
             <a:prstGeom prst="line">
               <a:avLst/>
@@ -17060,6 +19805,280 @@
             </a:fontRef>
           </p:style>
         </p:cxnSp>
+        <p:cxnSp>
+          <p:nvCxnSpPr>
+            <p:cNvPr id="43" name="Straight Connector 42"/>
+            <p:cNvCxnSpPr/>
+            <p:nvPr/>
+          </p:nvCxnSpPr>
+          <p:spPr>
+            <a:xfrm flipV="1">
+              <a:off x="11550503" y="4090391"/>
+              <a:ext cx="0" cy="867588"/>
+            </a:xfrm>
+            <a:prstGeom prst="line">
+              <a:avLst/>
+            </a:prstGeom>
+            <a:ln w="38100">
+              <a:solidFill>
+                <a:schemeClr val="tx1"/>
+              </a:solidFill>
+            </a:ln>
+          </p:spPr>
+          <p:style>
+            <a:lnRef idx="1">
+              <a:schemeClr val="accent1"/>
+            </a:lnRef>
+            <a:fillRef idx="0">
+              <a:schemeClr val="accent1"/>
+            </a:fillRef>
+            <a:effectRef idx="0">
+              <a:schemeClr val="accent1"/>
+            </a:effectRef>
+            <a:fontRef idx="minor">
+              <a:schemeClr val="tx1"/>
+            </a:fontRef>
+          </p:style>
+        </p:cxnSp>
+        <mc:AlternateContent xmlns:mc="http://schemas.openxmlformats.org/markup-compatibility/2006">
+          <mc:Choice xmlns:a14="http://schemas.microsoft.com/office/drawing/2010/main" Requires="a14">
+            <p:sp>
+              <p:nvSpPr>
+                <p:cNvPr id="44" name="TextBox 43"/>
+                <p:cNvSpPr txBox="1"/>
+                <p:nvPr/>
+              </p:nvSpPr>
+              <p:spPr>
+                <a:xfrm>
+                  <a:off x="9612591" y="1229023"/>
+                  <a:ext cx="923515" cy="307777"/>
+                </a:xfrm>
+                <a:prstGeom prst="rect">
+                  <a:avLst/>
+                </a:prstGeom>
+                <a:noFill/>
+              </p:spPr>
+              <p:txBody>
+                <a:bodyPr wrap="square" lIns="0" tIns="0" rIns="0" bIns="0" rtlCol="0">
+                  <a:spAutoFit/>
+                </a:bodyPr>
+                <a:lstStyle/>
+                <a:p>
+                  <a:pPr/>
+                  <a14:m>
+                    <m:oMathPara xmlns:m="http://schemas.openxmlformats.org/officeDocument/2006/math">
+                      <m:oMathParaPr>
+                        <m:jc m:val="centerGroup"/>
+                      </m:oMathParaPr>
+                      <m:oMath xmlns:m="http://schemas.openxmlformats.org/officeDocument/2006/math">
+                        <m:r>
+                          <a:rPr lang="en-US" sz="2000" b="0" i="1" smtClean="0">
+                            <a:latin typeface="Cambria Math" panose="02040503050406030204" pitchFamily="18" charset="0"/>
+                            <a:cs typeface="Arial" panose="020B0604020202020204" pitchFamily="34" charset="0"/>
+                          </a:rPr>
+                          <m:t>𝑃</m:t>
+                        </m:r>
+                        <m:r>
+                          <a:rPr lang="en-US" sz="2000" b="0" i="1" smtClean="0">
+                            <a:latin typeface="Cambria Math" panose="02040503050406030204" pitchFamily="18" charset="0"/>
+                            <a:cs typeface="Arial" panose="020B0604020202020204" pitchFamily="34" charset="0"/>
+                          </a:rPr>
+                          <m:t>=0</m:t>
+                        </m:r>
+                      </m:oMath>
+                    </m:oMathPara>
+                  </a14:m>
+                  <a:endParaRPr lang="en-US" sz="2000" dirty="0" smtClean="0">
+                    <a:latin typeface="Arial" panose="020B0604020202020204" pitchFamily="34" charset="0"/>
+                    <a:cs typeface="Arial" panose="020B0604020202020204" pitchFamily="34" charset="0"/>
+                  </a:endParaRPr>
+                </a:p>
+              </p:txBody>
+            </p:sp>
+          </mc:Choice>
+          <mc:Fallback>
+            <p:sp>
+              <p:nvSpPr>
+                <p:cNvPr id="44" name="TextBox 43"/>
+                <p:cNvSpPr txBox="1">
+                  <a:spLocks noRot="1" noChangeAspect="1" noMove="1" noResize="1" noEditPoints="1" noAdjustHandles="1" noChangeArrowheads="1" noChangeShapeType="1" noTextEdit="1"/>
+                </p:cNvSpPr>
+                <p:nvPr/>
+              </p:nvSpPr>
+              <p:spPr>
+                <a:xfrm>
+                  <a:off x="9612591" y="1229023"/>
+                  <a:ext cx="923515" cy="307777"/>
+                </a:xfrm>
+                <a:prstGeom prst="rect">
+                  <a:avLst/>
+                </a:prstGeom>
+                <a:blipFill>
+                  <a:blip r:embed="rId13"/>
+                  <a:stretch>
+                    <a:fillRect b="-10000"/>
+                  </a:stretch>
+                </a:blipFill>
+              </p:spPr>
+              <p:txBody>
+                <a:bodyPr/>
+                <a:lstStyle/>
+                <a:p>
+                  <a:r>
+                    <a:rPr lang="en-US">
+                      <a:noFill/>
+                    </a:rPr>
+                    <a:t> </a:t>
+                  </a:r>
+                </a:p>
+              </p:txBody>
+            </p:sp>
+          </mc:Fallback>
+        </mc:AlternateContent>
+        <p:cxnSp>
+          <p:nvCxnSpPr>
+            <p:cNvPr id="49" name="Straight Arrow Connector 48"/>
+            <p:cNvCxnSpPr/>
+            <p:nvPr/>
+          </p:nvCxnSpPr>
+          <p:spPr>
+            <a:xfrm flipH="1">
+              <a:off x="10074348" y="1551046"/>
+              <a:ext cx="47" cy="588818"/>
+            </a:xfrm>
+            <a:prstGeom prst="straightConnector1">
+              <a:avLst/>
+            </a:prstGeom>
+            <a:ln w="19050">
+              <a:solidFill>
+                <a:schemeClr val="tx1"/>
+              </a:solidFill>
+              <a:tailEnd type="triangle"/>
+            </a:ln>
+          </p:spPr>
+          <p:style>
+            <a:lnRef idx="1">
+              <a:schemeClr val="accent1"/>
+            </a:lnRef>
+            <a:fillRef idx="0">
+              <a:schemeClr val="accent1"/>
+            </a:fillRef>
+            <a:effectRef idx="0">
+              <a:schemeClr val="accent1"/>
+            </a:effectRef>
+            <a:fontRef idx="minor">
+              <a:schemeClr val="tx1"/>
+            </a:fontRef>
+          </p:style>
+        </p:cxnSp>
+        <mc:AlternateContent xmlns:mc="http://schemas.openxmlformats.org/markup-compatibility/2006">
+          <mc:Choice xmlns:a14="http://schemas.microsoft.com/office/drawing/2010/main" Requires="a14">
+            <p:sp>
+              <p:nvSpPr>
+                <p:cNvPr id="53" name="TextBox 52"/>
+                <p:cNvSpPr txBox="1"/>
+                <p:nvPr/>
+              </p:nvSpPr>
+              <p:spPr>
+                <a:xfrm>
+                  <a:off x="9241657" y="3885476"/>
+                  <a:ext cx="321305" cy="307777"/>
+                </a:xfrm>
+                <a:prstGeom prst="rect">
+                  <a:avLst/>
+                </a:prstGeom>
+                <a:noFill/>
+              </p:spPr>
+              <p:txBody>
+                <a:bodyPr wrap="none" lIns="0" tIns="0" rIns="0" bIns="0" rtlCol="0">
+                  <a:spAutoFit/>
+                </a:bodyPr>
+                <a:lstStyle/>
+                <a:p>
+                  <a14:m>
+                    <m:oMathPara xmlns:m="http://schemas.openxmlformats.org/officeDocument/2006/math">
+                      <m:oMathParaPr>
+                        <m:jc m:val="centerGroup"/>
+                      </m:oMathParaPr>
+                      <m:oMath xmlns:m="http://schemas.openxmlformats.org/officeDocument/2006/math">
+                        <m:sSub>
+                          <m:sSubPr>
+                            <m:ctrlPr>
+                              <a:rPr lang="en-US" sz="2000" b="0" i="1" smtClean="0">
+                                <a:latin typeface="Cambria Math" panose="02040503050406030204" pitchFamily="18" charset="0"/>
+                                <a:cs typeface="Arial" panose="020B0604020202020204" pitchFamily="34" charset="0"/>
+                              </a:rPr>
+                            </m:ctrlPr>
+                          </m:sSubPr>
+                          <m:e>
+                            <m:r>
+                              <a:rPr lang="en-US" sz="2000" b="0" i="1" smtClean="0">
+                                <a:latin typeface="Cambria Math" panose="02040503050406030204" pitchFamily="18" charset="0"/>
+                                <a:cs typeface="Arial" panose="020B0604020202020204" pitchFamily="34" charset="0"/>
+                              </a:rPr>
+                              <m:t>𝑃</m:t>
+                            </m:r>
+                          </m:e>
+                          <m:sub>
+                            <m:r>
+                              <a:rPr lang="en-US" sz="2000" b="0" i="1" smtClean="0">
+                                <a:latin typeface="Cambria Math" panose="02040503050406030204" pitchFamily="18" charset="0"/>
+                                <a:cs typeface="Arial" panose="020B0604020202020204" pitchFamily="34" charset="0"/>
+                              </a:rPr>
+                              <m:t>0</m:t>
+                            </m:r>
+                          </m:sub>
+                        </m:sSub>
+                      </m:oMath>
+                    </m:oMathPara>
+                  </a14:m>
+                  <a:endParaRPr lang="en-US" sz="2000" dirty="0" smtClean="0">
+                    <a:latin typeface="Arial" panose="020B0604020202020204" pitchFamily="34" charset="0"/>
+                    <a:cs typeface="Arial" panose="020B0604020202020204" pitchFamily="34" charset="0"/>
+                  </a:endParaRPr>
+                </a:p>
+              </p:txBody>
+            </p:sp>
+          </mc:Choice>
+          <mc:Fallback>
+            <p:sp>
+              <p:nvSpPr>
+                <p:cNvPr id="53" name="TextBox 52"/>
+                <p:cNvSpPr txBox="1">
+                  <a:spLocks noRot="1" noChangeAspect="1" noMove="1" noResize="1" noEditPoints="1" noAdjustHandles="1" noChangeArrowheads="1" noChangeShapeType="1" noTextEdit="1"/>
+                </p:cNvSpPr>
+                <p:nvPr/>
+              </p:nvSpPr>
+              <p:spPr>
+                <a:xfrm>
+                  <a:off x="9241657" y="3885476"/>
+                  <a:ext cx="321305" cy="307777"/>
+                </a:xfrm>
+                <a:prstGeom prst="rect">
+                  <a:avLst/>
+                </a:prstGeom>
+                <a:blipFill>
+                  <a:blip r:embed="rId14"/>
+                  <a:stretch>
+                    <a:fillRect l="-15094" r="-5660" b="-19608"/>
+                  </a:stretch>
+                </a:blipFill>
+              </p:spPr>
+              <p:txBody>
+                <a:bodyPr/>
+                <a:lstStyle/>
+                <a:p>
+                  <a:r>
+                    <a:rPr lang="en-US">
+                      <a:noFill/>
+                    </a:rPr>
+                    <a:t> </a:t>
+                  </a:r>
+                </a:p>
+              </p:txBody>
+            </p:sp>
+          </mc:Fallback>
+        </mc:AlternateContent>
       </p:grpSp>
     </p:spTree>
     <p:extLst>
@@ -17074,7 +20093,7 @@
 </p:sld>
 </file>
 
-<file path=ppt/slides/slide5.xml><?xml version="1.0" encoding="utf-8"?>
+<file path=ppt/slides/slide6.xml><?xml version="1.0" encoding="utf-8"?>
 <p:sld xmlns:a="http://schemas.openxmlformats.org/drawingml/2006/main" xmlns:r="http://schemas.openxmlformats.org/officeDocument/2006/relationships" xmlns:p="http://schemas.openxmlformats.org/presentationml/2006/main">
   <p:cSld>
     <p:spTree>
@@ -18908,7 +21927,7 @@
 </p:sld>
 </file>
 
-<file path=ppt/slides/slide6.xml><?xml version="1.0" encoding="utf-8"?>
+<file path=ppt/slides/slide7.xml><?xml version="1.0" encoding="utf-8"?>
 <p:sld xmlns:a="http://schemas.openxmlformats.org/drawingml/2006/main" xmlns:r="http://schemas.openxmlformats.org/officeDocument/2006/relationships" xmlns:p="http://schemas.openxmlformats.org/presentationml/2006/main">
   <p:cSld>
     <p:spTree>
@@ -22392,6 +25411,327 @@
           </mc:Fallback>
         </mc:AlternateContent>
       </p:grpSp>
+      <p:grpSp>
+        <p:nvGrpSpPr>
+          <p:cNvPr id="9" name="Group 8"/>
+          <p:cNvGrpSpPr/>
+          <p:nvPr/>
+        </p:nvGrpSpPr>
+        <p:grpSpPr>
+          <a:xfrm>
+            <a:off x="8516679" y="3724979"/>
+            <a:ext cx="871870" cy="2476841"/>
+            <a:chOff x="8516679" y="3724979"/>
+            <a:chExt cx="871870" cy="2476841"/>
+          </a:xfrm>
+        </p:grpSpPr>
+        <p:sp>
+          <p:nvSpPr>
+            <p:cNvPr id="2" name="Rectangle 1"/>
+            <p:cNvSpPr/>
+            <p:nvPr/>
+          </p:nvSpPr>
+          <p:spPr>
+            <a:xfrm>
+              <a:off x="8516679" y="4150360"/>
+              <a:ext cx="871870" cy="167640"/>
+            </a:xfrm>
+            <a:prstGeom prst="rect">
+              <a:avLst/>
+            </a:prstGeom>
+            <a:noFill/>
+            <a:ln w="38100">
+              <a:solidFill>
+                <a:schemeClr val="tx1"/>
+              </a:solidFill>
+            </a:ln>
+          </p:spPr>
+          <p:style>
+            <a:lnRef idx="2">
+              <a:schemeClr val="accent1">
+                <a:shade val="50000"/>
+              </a:schemeClr>
+            </a:lnRef>
+            <a:fillRef idx="1">
+              <a:schemeClr val="accent1"/>
+            </a:fillRef>
+            <a:effectRef idx="0">
+              <a:schemeClr val="accent1"/>
+            </a:effectRef>
+            <a:fontRef idx="minor">
+              <a:schemeClr val="lt1"/>
+            </a:fontRef>
+          </p:style>
+          <p:txBody>
+            <a:bodyPr rtlCol="0" anchor="ctr"/>
+            <a:lstStyle/>
+            <a:p>
+              <a:pPr algn="ctr"/>
+              <a:endParaRPr lang="en-US"/>
+            </a:p>
+          </p:txBody>
+        </p:sp>
+        <p:sp>
+          <p:nvSpPr>
+            <p:cNvPr id="48" name="Rectangle 47"/>
+            <p:cNvSpPr/>
+            <p:nvPr/>
+          </p:nvSpPr>
+          <p:spPr>
+            <a:xfrm>
+              <a:off x="8704668" y="3724979"/>
+              <a:ext cx="495891" cy="425381"/>
+            </a:xfrm>
+            <a:prstGeom prst="rect">
+              <a:avLst/>
+            </a:prstGeom>
+            <a:noFill/>
+            <a:ln w="38100">
+              <a:solidFill>
+                <a:schemeClr val="tx1"/>
+              </a:solidFill>
+            </a:ln>
+          </p:spPr>
+          <p:style>
+            <a:lnRef idx="2">
+              <a:schemeClr val="accent1">
+                <a:shade val="50000"/>
+              </a:schemeClr>
+            </a:lnRef>
+            <a:fillRef idx="1">
+              <a:schemeClr val="accent1"/>
+            </a:fillRef>
+            <a:effectRef idx="0">
+              <a:schemeClr val="accent1"/>
+            </a:effectRef>
+            <a:fontRef idx="minor">
+              <a:schemeClr val="lt1"/>
+            </a:fontRef>
+          </p:style>
+          <p:txBody>
+            <a:bodyPr rtlCol="0" anchor="ctr"/>
+            <a:lstStyle/>
+            <a:p>
+              <a:pPr algn="ctr"/>
+              <a:endParaRPr lang="en-US"/>
+            </a:p>
+          </p:txBody>
+        </p:sp>
+        <p:sp>
+          <p:nvSpPr>
+            <p:cNvPr id="3" name="Rectangle 2"/>
+            <p:cNvSpPr/>
+            <p:nvPr/>
+          </p:nvSpPr>
+          <p:spPr>
+            <a:xfrm>
+              <a:off x="8516680" y="4339266"/>
+              <a:ext cx="871869" cy="1862554"/>
+            </a:xfrm>
+            <a:custGeom>
+              <a:avLst/>
+              <a:gdLst>
+                <a:gd name="connsiteX0" fmla="*/ 0 w 871870"/>
+                <a:gd name="connsiteY0" fmla="*/ 0 h 1841289"/>
+                <a:gd name="connsiteX1" fmla="*/ 871870 w 871870"/>
+                <a:gd name="connsiteY1" fmla="*/ 0 h 1841289"/>
+                <a:gd name="connsiteX2" fmla="*/ 871870 w 871870"/>
+                <a:gd name="connsiteY2" fmla="*/ 1841289 h 1841289"/>
+                <a:gd name="connsiteX3" fmla="*/ 0 w 871870"/>
+                <a:gd name="connsiteY3" fmla="*/ 1841289 h 1841289"/>
+                <a:gd name="connsiteX4" fmla="*/ 0 w 871870"/>
+                <a:gd name="connsiteY4" fmla="*/ 0 h 1841289"/>
+                <a:gd name="connsiteX0" fmla="*/ 0 w 871870"/>
+                <a:gd name="connsiteY0" fmla="*/ 0 h 1841289"/>
+                <a:gd name="connsiteX1" fmla="*/ 871870 w 871870"/>
+                <a:gd name="connsiteY1" fmla="*/ 0 h 1841289"/>
+                <a:gd name="connsiteX2" fmla="*/ 552893 w 871870"/>
+                <a:gd name="connsiteY2" fmla="*/ 1830657 h 1841289"/>
+                <a:gd name="connsiteX3" fmla="*/ 0 w 871870"/>
+                <a:gd name="connsiteY3" fmla="*/ 1841289 h 1841289"/>
+                <a:gd name="connsiteX4" fmla="*/ 0 w 871870"/>
+                <a:gd name="connsiteY4" fmla="*/ 0 h 1841289"/>
+                <a:gd name="connsiteX0" fmla="*/ 0 w 871870"/>
+                <a:gd name="connsiteY0" fmla="*/ 0 h 1830657"/>
+                <a:gd name="connsiteX1" fmla="*/ 871870 w 871870"/>
+                <a:gd name="connsiteY1" fmla="*/ 0 h 1830657"/>
+                <a:gd name="connsiteX2" fmla="*/ 552893 w 871870"/>
+                <a:gd name="connsiteY2" fmla="*/ 1830657 h 1830657"/>
+                <a:gd name="connsiteX3" fmla="*/ 329609 w 871870"/>
+                <a:gd name="connsiteY3" fmla="*/ 1820024 h 1830657"/>
+                <a:gd name="connsiteX4" fmla="*/ 0 w 871870"/>
+                <a:gd name="connsiteY4" fmla="*/ 0 h 1830657"/>
+                <a:gd name="connsiteX0" fmla="*/ 0 w 871870"/>
+                <a:gd name="connsiteY0" fmla="*/ 0 h 1830657"/>
+                <a:gd name="connsiteX1" fmla="*/ 871870 w 871870"/>
+                <a:gd name="connsiteY1" fmla="*/ 0 h 1830657"/>
+                <a:gd name="connsiteX2" fmla="*/ 552893 w 871870"/>
+                <a:gd name="connsiteY2" fmla="*/ 1830657 h 1830657"/>
+                <a:gd name="connsiteX3" fmla="*/ 329609 w 871870"/>
+                <a:gd name="connsiteY3" fmla="*/ 1820024 h 1830657"/>
+                <a:gd name="connsiteX4" fmla="*/ 0 w 871870"/>
+                <a:gd name="connsiteY4" fmla="*/ 0 h 1830657"/>
+                <a:gd name="connsiteX0" fmla="*/ 0 w 871870"/>
+                <a:gd name="connsiteY0" fmla="*/ 0 h 1830657"/>
+                <a:gd name="connsiteX1" fmla="*/ 871870 w 871870"/>
+                <a:gd name="connsiteY1" fmla="*/ 0 h 1830657"/>
+                <a:gd name="connsiteX2" fmla="*/ 552893 w 871870"/>
+                <a:gd name="connsiteY2" fmla="*/ 1830657 h 1830657"/>
+                <a:gd name="connsiteX3" fmla="*/ 329609 w 871870"/>
+                <a:gd name="connsiteY3" fmla="*/ 1820024 h 1830657"/>
+                <a:gd name="connsiteX4" fmla="*/ 0 w 871870"/>
+                <a:gd name="connsiteY4" fmla="*/ 0 h 1830657"/>
+                <a:gd name="connsiteX0" fmla="*/ 0 w 871870"/>
+                <a:gd name="connsiteY0" fmla="*/ 0 h 1830657"/>
+                <a:gd name="connsiteX1" fmla="*/ 871870 w 871870"/>
+                <a:gd name="connsiteY1" fmla="*/ 0 h 1830657"/>
+                <a:gd name="connsiteX2" fmla="*/ 552893 w 871870"/>
+                <a:gd name="connsiteY2" fmla="*/ 1830657 h 1830657"/>
+                <a:gd name="connsiteX3" fmla="*/ 329609 w 871870"/>
+                <a:gd name="connsiteY3" fmla="*/ 1820024 h 1830657"/>
+                <a:gd name="connsiteX4" fmla="*/ 0 w 871870"/>
+                <a:gd name="connsiteY4" fmla="*/ 0 h 1830657"/>
+                <a:gd name="connsiteX0" fmla="*/ 0 w 871870"/>
+                <a:gd name="connsiteY0" fmla="*/ 0 h 1830657"/>
+                <a:gd name="connsiteX1" fmla="*/ 871870 w 871870"/>
+                <a:gd name="connsiteY1" fmla="*/ 0 h 1830657"/>
+                <a:gd name="connsiteX2" fmla="*/ 552893 w 871870"/>
+                <a:gd name="connsiteY2" fmla="*/ 1830657 h 1830657"/>
+                <a:gd name="connsiteX3" fmla="*/ 329609 w 871870"/>
+                <a:gd name="connsiteY3" fmla="*/ 1820024 h 1830657"/>
+                <a:gd name="connsiteX4" fmla="*/ 0 w 871870"/>
+                <a:gd name="connsiteY4" fmla="*/ 0 h 1830657"/>
+                <a:gd name="connsiteX0" fmla="*/ 0 w 871870"/>
+                <a:gd name="connsiteY0" fmla="*/ 0 h 1862554"/>
+                <a:gd name="connsiteX1" fmla="*/ 871870 w 871870"/>
+                <a:gd name="connsiteY1" fmla="*/ 0 h 1862554"/>
+                <a:gd name="connsiteX2" fmla="*/ 552893 w 871870"/>
+                <a:gd name="connsiteY2" fmla="*/ 1830657 h 1862554"/>
+                <a:gd name="connsiteX3" fmla="*/ 308344 w 871870"/>
+                <a:gd name="connsiteY3" fmla="*/ 1862554 h 1862554"/>
+                <a:gd name="connsiteX4" fmla="*/ 0 w 871870"/>
+                <a:gd name="connsiteY4" fmla="*/ 0 h 1862554"/>
+                <a:gd name="connsiteX0" fmla="*/ 0 w 871870"/>
+                <a:gd name="connsiteY0" fmla="*/ 0 h 1862554"/>
+                <a:gd name="connsiteX1" fmla="*/ 871870 w 871870"/>
+                <a:gd name="connsiteY1" fmla="*/ 0 h 1862554"/>
+                <a:gd name="connsiteX2" fmla="*/ 552893 w 871870"/>
+                <a:gd name="connsiteY2" fmla="*/ 1830657 h 1862554"/>
+                <a:gd name="connsiteX3" fmla="*/ 308344 w 871870"/>
+                <a:gd name="connsiteY3" fmla="*/ 1862554 h 1862554"/>
+                <a:gd name="connsiteX4" fmla="*/ 0 w 871870"/>
+                <a:gd name="connsiteY4" fmla="*/ 0 h 1862554"/>
+                <a:gd name="connsiteX0" fmla="*/ 0 w 871870"/>
+                <a:gd name="connsiteY0" fmla="*/ 0 h 1862554"/>
+                <a:gd name="connsiteX1" fmla="*/ 871870 w 871870"/>
+                <a:gd name="connsiteY1" fmla="*/ 0 h 1862554"/>
+                <a:gd name="connsiteX2" fmla="*/ 552893 w 871870"/>
+                <a:gd name="connsiteY2" fmla="*/ 1830657 h 1862554"/>
+                <a:gd name="connsiteX3" fmla="*/ 308344 w 871870"/>
+                <a:gd name="connsiteY3" fmla="*/ 1862554 h 1862554"/>
+                <a:gd name="connsiteX4" fmla="*/ 0 w 871870"/>
+                <a:gd name="connsiteY4" fmla="*/ 0 h 1862554"/>
+                <a:gd name="connsiteX0" fmla="*/ 0 w 871870"/>
+                <a:gd name="connsiteY0" fmla="*/ 0 h 1862554"/>
+                <a:gd name="connsiteX1" fmla="*/ 871870 w 871870"/>
+                <a:gd name="connsiteY1" fmla="*/ 0 h 1862554"/>
+                <a:gd name="connsiteX2" fmla="*/ 531628 w 871870"/>
+                <a:gd name="connsiteY2" fmla="*/ 1851922 h 1862554"/>
+                <a:gd name="connsiteX3" fmla="*/ 308344 w 871870"/>
+                <a:gd name="connsiteY3" fmla="*/ 1862554 h 1862554"/>
+                <a:gd name="connsiteX4" fmla="*/ 0 w 871870"/>
+                <a:gd name="connsiteY4" fmla="*/ 0 h 1862554"/>
+                <a:gd name="connsiteX0" fmla="*/ 0 w 871870"/>
+                <a:gd name="connsiteY0" fmla="*/ 0 h 1862554"/>
+                <a:gd name="connsiteX1" fmla="*/ 871870 w 871870"/>
+                <a:gd name="connsiteY1" fmla="*/ 0 h 1862554"/>
+                <a:gd name="connsiteX2" fmla="*/ 531628 w 871870"/>
+                <a:gd name="connsiteY2" fmla="*/ 1851922 h 1862554"/>
+                <a:gd name="connsiteX3" fmla="*/ 308344 w 871870"/>
+                <a:gd name="connsiteY3" fmla="*/ 1862554 h 1862554"/>
+                <a:gd name="connsiteX4" fmla="*/ 0 w 871870"/>
+                <a:gd name="connsiteY4" fmla="*/ 0 h 1862554"/>
+              </a:gdLst>
+              <a:ahLst/>
+              <a:cxnLst>
+                <a:cxn ang="0">
+                  <a:pos x="connsiteX0" y="connsiteY0"/>
+                </a:cxn>
+                <a:cxn ang="0">
+                  <a:pos x="connsiteX1" y="connsiteY1"/>
+                </a:cxn>
+                <a:cxn ang="0">
+                  <a:pos x="connsiteX2" y="connsiteY2"/>
+                </a:cxn>
+                <a:cxn ang="0">
+                  <a:pos x="connsiteX3" y="connsiteY3"/>
+                </a:cxn>
+                <a:cxn ang="0">
+                  <a:pos x="connsiteX4" y="connsiteY4"/>
+                </a:cxn>
+              </a:cxnLst>
+              <a:rect l="l" t="t" r="r" b="b"/>
+              <a:pathLst>
+                <a:path w="871870" h="1862554">
+                  <a:moveTo>
+                    <a:pt x="0" y="0"/>
+                  </a:moveTo>
+                  <a:lnTo>
+                    <a:pt x="871870" y="0"/>
+                  </a:lnTo>
+                  <a:cubicBezTo>
+                    <a:pt x="595423" y="610219"/>
+                    <a:pt x="584791" y="1231071"/>
+                    <a:pt x="531628" y="1851922"/>
+                  </a:cubicBezTo>
+                  <a:lnTo>
+                    <a:pt x="308344" y="1862554"/>
+                  </a:lnTo>
+                  <a:cubicBezTo>
+                    <a:pt x="283534" y="1223981"/>
+                    <a:pt x="269359" y="585410"/>
+                    <a:pt x="0" y="0"/>
+                  </a:cubicBezTo>
+                  <a:close/>
+                </a:path>
+              </a:pathLst>
+            </a:custGeom>
+            <a:solidFill>
+              <a:schemeClr val="accent1">
+                <a:lumMod val="60000"/>
+                <a:lumOff val="40000"/>
+              </a:schemeClr>
+            </a:solidFill>
+            <a:ln w="38100">
+              <a:noFill/>
+            </a:ln>
+          </p:spPr>
+          <p:style>
+            <a:lnRef idx="2">
+              <a:schemeClr val="accent1">
+                <a:shade val="50000"/>
+              </a:schemeClr>
+            </a:lnRef>
+            <a:fillRef idx="1">
+              <a:schemeClr val="accent1"/>
+            </a:fillRef>
+            <a:effectRef idx="0">
+              <a:schemeClr val="accent1"/>
+            </a:effectRef>
+            <a:fontRef idx="minor">
+              <a:schemeClr val="lt1"/>
+            </a:fontRef>
+          </p:style>
+          <p:txBody>
+            <a:bodyPr rtlCol="0" anchor="ctr"/>
+            <a:lstStyle/>
+            <a:p>
+              <a:pPr algn="ctr"/>
+              <a:endParaRPr lang="en-US"/>
+            </a:p>
+          </p:txBody>
+        </p:sp>
+      </p:grpSp>
     </p:spTree>
     <p:extLst>
       <p:ext uri="{BB962C8B-B14F-4D97-AF65-F5344CB8AC3E}">
@@ -22405,7 +25745,7 @@
 </p:sld>
 </file>
 
-<file path=ppt/slides/slide7.xml><?xml version="1.0" encoding="utf-8"?>
+<file path=ppt/slides/slide8.xml><?xml version="1.0" encoding="utf-8"?>
 <p:sld xmlns:a="http://schemas.openxmlformats.org/drawingml/2006/main" xmlns:r="http://schemas.openxmlformats.org/officeDocument/2006/relationships" xmlns:p="http://schemas.openxmlformats.org/presentationml/2006/main">
   <p:cSld>
     <p:spTree>
@@ -26734,7 +30074,7 @@
 </p:sld>
 </file>
 
-<file path=ppt/slides/slide8.xml><?xml version="1.0" encoding="utf-8"?>
+<file path=ppt/slides/slide9.xml><?xml version="1.0" encoding="utf-8"?>
 <p:sld xmlns:a="http://schemas.openxmlformats.org/drawingml/2006/main" xmlns:r="http://schemas.openxmlformats.org/officeDocument/2006/relationships" xmlns:p="http://schemas.openxmlformats.org/presentationml/2006/main">
   <p:cSld>
     <p:spTree>
@@ -28819,8 +32159,8 @@
               </a:p>
             </p:txBody>
           </p:sp>
-          <mc:AlternateContent xmlns:mc="http://schemas.openxmlformats.org/markup-compatibility/2006">
-            <mc:Choice xmlns:a14="http://schemas.microsoft.com/office/drawing/2010/main" Requires="a14">
+          <mc:AlternateContent xmlns:mc="http://schemas.openxmlformats.org/markup-compatibility/2006" xmlns:a14="http://schemas.microsoft.com/office/drawing/2010/main">
+            <mc:Choice Requires="a14">
               <p:sp>
                 <p:nvSpPr>
                   <p:cNvPr id="33" name="TextBox 32"/>
@@ -28882,7 +32222,7 @@
                 </p:txBody>
               </p:sp>
             </mc:Choice>
-            <mc:Fallback>
+            <mc:Fallback xmlns="">
               <p:sp>
                 <p:nvSpPr>
                   <p:cNvPr id="33" name="TextBox 32"/>
@@ -29245,8 +32585,8 @@
             </p:txBody>
           </p:sp>
         </p:grpSp>
-        <mc:AlternateContent xmlns:mc="http://schemas.openxmlformats.org/markup-compatibility/2006">
-          <mc:Choice xmlns:a14="http://schemas.microsoft.com/office/drawing/2010/main" Requires="a14">
+        <mc:AlternateContent xmlns:mc="http://schemas.openxmlformats.org/markup-compatibility/2006" xmlns:a14="http://schemas.microsoft.com/office/drawing/2010/main">
+          <mc:Choice Requires="a14">
             <p:sp>
               <p:nvSpPr>
                 <p:cNvPr id="35" name="TextBox 34"/>
@@ -29308,7 +32648,7 @@
               </p:txBody>
             </p:sp>
           </mc:Choice>
-          <mc:Fallback>
+          <mc:Fallback xmlns="">
             <p:sp>
               <p:nvSpPr>
                 <p:cNvPr id="35" name="TextBox 34"/>
@@ -29867,8 +33207,8 @@
               </a:fontRef>
             </p:style>
           </p:cxnSp>
-          <mc:AlternateContent xmlns:mc="http://schemas.openxmlformats.org/markup-compatibility/2006">
-            <mc:Choice xmlns:a14="http://schemas.microsoft.com/office/drawing/2010/main" Requires="a14">
+          <mc:AlternateContent xmlns:mc="http://schemas.openxmlformats.org/markup-compatibility/2006" xmlns:a14="http://schemas.microsoft.com/office/drawing/2010/main">
+            <mc:Choice Requires="a14">
               <p:sp>
                 <p:nvSpPr>
                   <p:cNvPr id="47" name="TextBox 46"/>
@@ -29930,7 +33270,7 @@
                 </p:txBody>
               </p:sp>
             </mc:Choice>
-            <mc:Fallback>
+            <mc:Fallback xmlns="">
               <p:sp>
                 <p:nvSpPr>
                   <p:cNvPr id="47" name="TextBox 46"/>
@@ -30227,1334 +33567,6 @@
     <p:extLst>
       <p:ext uri="{BB962C8B-B14F-4D97-AF65-F5344CB8AC3E}">
         <p14:creationId xmlns:p14="http://schemas.microsoft.com/office/powerpoint/2010/main" val="542957540"/>
-      </p:ext>
-    </p:extLst>
-  </p:cSld>
-  <p:clrMapOvr>
-    <a:masterClrMapping/>
-  </p:clrMapOvr>
-</p:sld>
-</file>
-
-<file path=ppt/slides/slide9.xml><?xml version="1.0" encoding="utf-8"?>
-<p:sld xmlns:a="http://schemas.openxmlformats.org/drawingml/2006/main" xmlns:r="http://schemas.openxmlformats.org/officeDocument/2006/relationships" xmlns:p="http://schemas.openxmlformats.org/presentationml/2006/main">
-  <p:cSld>
-    <p:spTree>
-      <p:nvGrpSpPr>
-        <p:cNvPr id="1" name=""/>
-        <p:cNvGrpSpPr/>
-        <p:nvPr/>
-      </p:nvGrpSpPr>
-      <p:grpSpPr>
-        <a:xfrm>
-          <a:off x="0" y="0"/>
-          <a:ext cx="0" cy="0"/>
-          <a:chOff x="0" y="0"/>
-          <a:chExt cx="0" cy="0"/>
-        </a:xfrm>
-      </p:grpSpPr>
-      <p:grpSp>
-        <p:nvGrpSpPr>
-          <p:cNvPr id="28" name="Group 27"/>
-          <p:cNvGrpSpPr/>
-          <p:nvPr/>
-        </p:nvGrpSpPr>
-        <p:grpSpPr>
-          <a:xfrm>
-            <a:off x="554901" y="588724"/>
-            <a:ext cx="5808321" cy="4772416"/>
-            <a:chOff x="1506879" y="1603332"/>
-            <a:chExt cx="5808321" cy="4772416"/>
-          </a:xfrm>
-        </p:grpSpPr>
-        <p:sp>
-          <p:nvSpPr>
-            <p:cNvPr id="5" name="Rectangle 4"/>
-            <p:cNvSpPr/>
-            <p:nvPr/>
-          </p:nvSpPr>
-          <p:spPr>
-            <a:xfrm>
-              <a:off x="1515649" y="1954060"/>
-              <a:ext cx="1841326" cy="1503124"/>
-            </a:xfrm>
-            <a:prstGeom prst="rect">
-              <a:avLst/>
-            </a:prstGeom>
-            <a:solidFill>
-              <a:schemeClr val="accent1">
-                <a:lumMod val="40000"/>
-                <a:lumOff val="60000"/>
-              </a:schemeClr>
-            </a:solidFill>
-            <a:ln w="38100">
-              <a:noFill/>
-            </a:ln>
-          </p:spPr>
-          <p:style>
-            <a:lnRef idx="2">
-              <a:schemeClr val="accent1">
-                <a:shade val="50000"/>
-              </a:schemeClr>
-            </a:lnRef>
-            <a:fillRef idx="1">
-              <a:schemeClr val="accent1"/>
-            </a:fillRef>
-            <a:effectRef idx="0">
-              <a:schemeClr val="accent1"/>
-            </a:effectRef>
-            <a:fontRef idx="minor">
-              <a:schemeClr val="lt1"/>
-            </a:fontRef>
-          </p:style>
-          <p:txBody>
-            <a:bodyPr rtlCol="0" anchor="ctr"/>
-            <a:lstStyle/>
-            <a:p>
-              <a:pPr algn="ctr"/>
-              <a:endParaRPr lang="en-US"/>
-            </a:p>
-          </p:txBody>
-        </p:sp>
-        <p:sp>
-          <p:nvSpPr>
-            <p:cNvPr id="4" name="Rectangle 3"/>
-            <p:cNvSpPr/>
-            <p:nvPr/>
-          </p:nvSpPr>
-          <p:spPr>
-            <a:xfrm>
-              <a:off x="1506879" y="1603332"/>
-              <a:ext cx="1850095" cy="1853852"/>
-            </a:xfrm>
-            <a:custGeom>
-              <a:avLst/>
-              <a:gdLst>
-                <a:gd name="connsiteX0" fmla="*/ 0 w 1841326"/>
-                <a:gd name="connsiteY0" fmla="*/ 0 h 1853852"/>
-                <a:gd name="connsiteX1" fmla="*/ 1841326 w 1841326"/>
-                <a:gd name="connsiteY1" fmla="*/ 0 h 1853852"/>
-                <a:gd name="connsiteX2" fmla="*/ 1841326 w 1841326"/>
-                <a:gd name="connsiteY2" fmla="*/ 1853852 h 1853852"/>
-                <a:gd name="connsiteX3" fmla="*/ 0 w 1841326"/>
-                <a:gd name="connsiteY3" fmla="*/ 1853852 h 1853852"/>
-                <a:gd name="connsiteX4" fmla="*/ 0 w 1841326"/>
-                <a:gd name="connsiteY4" fmla="*/ 0 h 1853852"/>
-                <a:gd name="connsiteX0" fmla="*/ 1841326 w 1841326"/>
-                <a:gd name="connsiteY0" fmla="*/ 0 h 1853852"/>
-                <a:gd name="connsiteX1" fmla="*/ 1841326 w 1841326"/>
-                <a:gd name="connsiteY1" fmla="*/ 1853852 h 1853852"/>
-                <a:gd name="connsiteX2" fmla="*/ 0 w 1841326"/>
-                <a:gd name="connsiteY2" fmla="*/ 1853852 h 1853852"/>
-                <a:gd name="connsiteX3" fmla="*/ 91440 w 1841326"/>
-                <a:gd name="connsiteY3" fmla="*/ 91440 h 1853852"/>
-                <a:gd name="connsiteX0" fmla="*/ 1850095 w 1850095"/>
-                <a:gd name="connsiteY0" fmla="*/ 0 h 1853852"/>
-                <a:gd name="connsiteX1" fmla="*/ 1850095 w 1850095"/>
-                <a:gd name="connsiteY1" fmla="*/ 1853852 h 1853852"/>
-                <a:gd name="connsiteX2" fmla="*/ 8769 w 1850095"/>
-                <a:gd name="connsiteY2" fmla="*/ 1853852 h 1853852"/>
-                <a:gd name="connsiteX3" fmla="*/ 0 w 1850095"/>
-                <a:gd name="connsiteY3" fmla="*/ 78914 h 1853852"/>
-              </a:gdLst>
-              <a:ahLst/>
-              <a:cxnLst>
-                <a:cxn ang="0">
-                  <a:pos x="connsiteX0" y="connsiteY0"/>
-                </a:cxn>
-                <a:cxn ang="0">
-                  <a:pos x="connsiteX1" y="connsiteY1"/>
-                </a:cxn>
-                <a:cxn ang="0">
-                  <a:pos x="connsiteX2" y="connsiteY2"/>
-                </a:cxn>
-                <a:cxn ang="0">
-                  <a:pos x="connsiteX3" y="connsiteY3"/>
-                </a:cxn>
-              </a:cxnLst>
-              <a:rect l="l" t="t" r="r" b="b"/>
-              <a:pathLst>
-                <a:path w="1850095" h="1853852">
-                  <a:moveTo>
-                    <a:pt x="1850095" y="0"/>
-                  </a:moveTo>
-                  <a:lnTo>
-                    <a:pt x="1850095" y="1853852"/>
-                  </a:lnTo>
-                  <a:lnTo>
-                    <a:pt x="8769" y="1853852"/>
-                  </a:lnTo>
-                  <a:cubicBezTo>
-                    <a:pt x="8769" y="1235901"/>
-                    <a:pt x="0" y="78914"/>
-                    <a:pt x="0" y="78914"/>
-                  </a:cubicBezTo>
-                </a:path>
-              </a:pathLst>
-            </a:custGeom>
-            <a:noFill/>
-            <a:ln w="38100">
-              <a:solidFill>
-                <a:schemeClr val="tx1"/>
-              </a:solidFill>
-            </a:ln>
-          </p:spPr>
-          <p:style>
-            <a:lnRef idx="2">
-              <a:schemeClr val="accent1">
-                <a:shade val="50000"/>
-              </a:schemeClr>
-            </a:lnRef>
-            <a:fillRef idx="1">
-              <a:schemeClr val="accent1"/>
-            </a:fillRef>
-            <a:effectRef idx="0">
-              <a:schemeClr val="accent1"/>
-            </a:effectRef>
-            <a:fontRef idx="minor">
-              <a:schemeClr val="lt1"/>
-            </a:fontRef>
-          </p:style>
-          <p:txBody>
-            <a:bodyPr rtlCol="0" anchor="ctr"/>
-            <a:lstStyle/>
-            <a:p>
-              <a:pPr algn="ctr"/>
-              <a:endParaRPr lang="en-US"/>
-            </a:p>
-          </p:txBody>
-        </p:sp>
-        <p:cxnSp>
-          <p:nvCxnSpPr>
-            <p:cNvPr id="7" name="Straight Connector 6"/>
-            <p:cNvCxnSpPr/>
-            <p:nvPr/>
-          </p:nvCxnSpPr>
-          <p:spPr>
-            <a:xfrm flipH="1">
-              <a:off x="1515650" y="3457184"/>
-              <a:ext cx="911889" cy="2680569"/>
-            </a:xfrm>
-            <a:prstGeom prst="line">
-              <a:avLst/>
-            </a:prstGeom>
-            <a:ln w="57150">
-              <a:solidFill>
-                <a:schemeClr val="accent4">
-                  <a:lumMod val="75000"/>
-                </a:schemeClr>
-              </a:solidFill>
-            </a:ln>
-          </p:spPr>
-          <p:style>
-            <a:lnRef idx="1">
-              <a:schemeClr val="accent1"/>
-            </a:lnRef>
-            <a:fillRef idx="0">
-              <a:schemeClr val="accent1"/>
-            </a:fillRef>
-            <a:effectRef idx="0">
-              <a:schemeClr val="accent1"/>
-            </a:effectRef>
-            <a:fontRef idx="minor">
-              <a:schemeClr val="tx1"/>
-            </a:fontRef>
-          </p:style>
-        </p:cxnSp>
-        <p:cxnSp>
-          <p:nvCxnSpPr>
-            <p:cNvPr id="8" name="Straight Connector 7"/>
-            <p:cNvCxnSpPr/>
-            <p:nvPr/>
-          </p:nvCxnSpPr>
-          <p:spPr>
-            <a:xfrm>
-              <a:off x="2431925" y="3435401"/>
-              <a:ext cx="4387" cy="2702352"/>
-            </a:xfrm>
-            <a:prstGeom prst="line">
-              <a:avLst/>
-            </a:prstGeom>
-            <a:ln w="57150">
-              <a:solidFill>
-                <a:schemeClr val="accent4">
-                  <a:lumMod val="75000"/>
-                </a:schemeClr>
-              </a:solidFill>
-            </a:ln>
-          </p:spPr>
-          <p:style>
-            <a:lnRef idx="1">
-              <a:schemeClr val="accent1"/>
-            </a:lnRef>
-            <a:fillRef idx="0">
-              <a:schemeClr val="accent1"/>
-            </a:fillRef>
-            <a:effectRef idx="0">
-              <a:schemeClr val="accent1"/>
-            </a:effectRef>
-            <a:fontRef idx="minor">
-              <a:schemeClr val="tx1"/>
-            </a:fontRef>
-          </p:style>
-        </p:cxnSp>
-        <p:cxnSp>
-          <p:nvCxnSpPr>
-            <p:cNvPr id="11" name="Straight Connector 10"/>
-            <p:cNvCxnSpPr/>
-            <p:nvPr/>
-          </p:nvCxnSpPr>
-          <p:spPr>
-            <a:xfrm>
-              <a:off x="2431926" y="3457184"/>
-              <a:ext cx="925049" cy="2680569"/>
-            </a:xfrm>
-            <a:prstGeom prst="line">
-              <a:avLst/>
-            </a:prstGeom>
-            <a:ln w="57150">
-              <a:solidFill>
-                <a:schemeClr val="accent4">
-                  <a:lumMod val="75000"/>
-                </a:schemeClr>
-              </a:solidFill>
-            </a:ln>
-          </p:spPr>
-          <p:style>
-            <a:lnRef idx="1">
-              <a:schemeClr val="accent1"/>
-            </a:lnRef>
-            <a:fillRef idx="0">
-              <a:schemeClr val="accent1"/>
-            </a:fillRef>
-            <a:effectRef idx="0">
-              <a:schemeClr val="accent1"/>
-            </a:effectRef>
-            <a:fontRef idx="minor">
-              <a:schemeClr val="tx1"/>
-            </a:fontRef>
-          </p:style>
-        </p:cxnSp>
-        <p:sp>
-          <p:nvSpPr>
-            <p:cNvPr id="15" name="Freeform 14"/>
-            <p:cNvSpPr/>
-            <p:nvPr/>
-          </p:nvSpPr>
-          <p:spPr>
-            <a:xfrm>
-              <a:off x="3356975" y="3435401"/>
-              <a:ext cx="3958225" cy="2757578"/>
-            </a:xfrm>
-            <a:custGeom>
-              <a:avLst/>
-              <a:gdLst>
-                <a:gd name="connsiteX0" fmla="*/ 0 w 3920647"/>
-                <a:gd name="connsiteY0" fmla="*/ 10241 h 2765967"/>
-                <a:gd name="connsiteX1" fmla="*/ 1778696 w 3920647"/>
-                <a:gd name="connsiteY1" fmla="*/ 248235 h 2765967"/>
-                <a:gd name="connsiteX2" fmla="*/ 3169085 w 3920647"/>
-                <a:gd name="connsiteY2" fmla="*/ 1676202 h 2765967"/>
-                <a:gd name="connsiteX3" fmla="*/ 3920647 w 3920647"/>
-                <a:gd name="connsiteY3" fmla="*/ 2765967 h 2765967"/>
-                <a:gd name="connsiteX0" fmla="*/ 0 w 3920647"/>
-                <a:gd name="connsiteY0" fmla="*/ 1399 h 2757125"/>
-                <a:gd name="connsiteX1" fmla="*/ 2129425 w 3920647"/>
-                <a:gd name="connsiteY1" fmla="*/ 452335 h 2757125"/>
-                <a:gd name="connsiteX2" fmla="*/ 3169085 w 3920647"/>
-                <a:gd name="connsiteY2" fmla="*/ 1667360 h 2757125"/>
-                <a:gd name="connsiteX3" fmla="*/ 3920647 w 3920647"/>
-                <a:gd name="connsiteY3" fmla="*/ 2757125 h 2757125"/>
-                <a:gd name="connsiteX0" fmla="*/ 0 w 3920647"/>
-                <a:gd name="connsiteY0" fmla="*/ 1945 h 2757671"/>
-                <a:gd name="connsiteX1" fmla="*/ 2129425 w 3920647"/>
-                <a:gd name="connsiteY1" fmla="*/ 452881 h 2757671"/>
-                <a:gd name="connsiteX2" fmla="*/ 3169085 w 3920647"/>
-                <a:gd name="connsiteY2" fmla="*/ 1667906 h 2757671"/>
-                <a:gd name="connsiteX3" fmla="*/ 3920647 w 3920647"/>
-                <a:gd name="connsiteY3" fmla="*/ 2757671 h 2757671"/>
-                <a:gd name="connsiteX0" fmla="*/ 0 w 3920647"/>
-                <a:gd name="connsiteY0" fmla="*/ 1852 h 2757578"/>
-                <a:gd name="connsiteX1" fmla="*/ 2129425 w 3920647"/>
-                <a:gd name="connsiteY1" fmla="*/ 452788 h 2757578"/>
-                <a:gd name="connsiteX2" fmla="*/ 3557392 w 3920647"/>
-                <a:gd name="connsiteY2" fmla="*/ 1993490 h 2757578"/>
-                <a:gd name="connsiteX3" fmla="*/ 3920647 w 3920647"/>
-                <a:gd name="connsiteY3" fmla="*/ 2757578 h 2757578"/>
-                <a:gd name="connsiteX0" fmla="*/ 0 w 3920647"/>
-                <a:gd name="connsiteY0" fmla="*/ 1852 h 2757578"/>
-                <a:gd name="connsiteX1" fmla="*/ 2129425 w 3920647"/>
-                <a:gd name="connsiteY1" fmla="*/ 452788 h 2757578"/>
-                <a:gd name="connsiteX2" fmla="*/ 3557392 w 3920647"/>
-                <a:gd name="connsiteY2" fmla="*/ 1993490 h 2757578"/>
-                <a:gd name="connsiteX3" fmla="*/ 3920647 w 3920647"/>
-                <a:gd name="connsiteY3" fmla="*/ 2757578 h 2757578"/>
-                <a:gd name="connsiteX0" fmla="*/ 0 w 3920647"/>
-                <a:gd name="connsiteY0" fmla="*/ 1852 h 2757578"/>
-                <a:gd name="connsiteX1" fmla="*/ 2129425 w 3920647"/>
-                <a:gd name="connsiteY1" fmla="*/ 452788 h 2757578"/>
-                <a:gd name="connsiteX2" fmla="*/ 3557392 w 3920647"/>
-                <a:gd name="connsiteY2" fmla="*/ 1993490 h 2757578"/>
-                <a:gd name="connsiteX3" fmla="*/ 3920647 w 3920647"/>
-                <a:gd name="connsiteY3" fmla="*/ 2757578 h 2757578"/>
-                <a:gd name="connsiteX0" fmla="*/ 0 w 3920647"/>
-                <a:gd name="connsiteY0" fmla="*/ 1852 h 2757578"/>
-                <a:gd name="connsiteX1" fmla="*/ 2129425 w 3920647"/>
-                <a:gd name="connsiteY1" fmla="*/ 452788 h 2757578"/>
-                <a:gd name="connsiteX2" fmla="*/ 3557392 w 3920647"/>
-                <a:gd name="connsiteY2" fmla="*/ 1993490 h 2757578"/>
-                <a:gd name="connsiteX3" fmla="*/ 3920647 w 3920647"/>
-                <a:gd name="connsiteY3" fmla="*/ 2757578 h 2757578"/>
-                <a:gd name="connsiteX0" fmla="*/ 0 w 4008329"/>
-                <a:gd name="connsiteY0" fmla="*/ 1852 h 2757578"/>
-                <a:gd name="connsiteX1" fmla="*/ 2129425 w 4008329"/>
-                <a:gd name="connsiteY1" fmla="*/ 452788 h 2757578"/>
-                <a:gd name="connsiteX2" fmla="*/ 3557392 w 4008329"/>
-                <a:gd name="connsiteY2" fmla="*/ 1993490 h 2757578"/>
-                <a:gd name="connsiteX3" fmla="*/ 4008329 w 4008329"/>
-                <a:gd name="connsiteY3" fmla="*/ 2757578 h 2757578"/>
-                <a:gd name="connsiteX0" fmla="*/ 0 w 4008329"/>
-                <a:gd name="connsiteY0" fmla="*/ 1852 h 2757578"/>
-                <a:gd name="connsiteX1" fmla="*/ 2129425 w 4008329"/>
-                <a:gd name="connsiteY1" fmla="*/ 452788 h 2757578"/>
-                <a:gd name="connsiteX2" fmla="*/ 3557392 w 4008329"/>
-                <a:gd name="connsiteY2" fmla="*/ 1993490 h 2757578"/>
-                <a:gd name="connsiteX3" fmla="*/ 4008329 w 4008329"/>
-                <a:gd name="connsiteY3" fmla="*/ 2757578 h 2757578"/>
-                <a:gd name="connsiteX0" fmla="*/ 0 w 4008329"/>
-                <a:gd name="connsiteY0" fmla="*/ 1852 h 2757578"/>
-                <a:gd name="connsiteX1" fmla="*/ 2129425 w 4008329"/>
-                <a:gd name="connsiteY1" fmla="*/ 452788 h 2757578"/>
-                <a:gd name="connsiteX2" fmla="*/ 3557392 w 4008329"/>
-                <a:gd name="connsiteY2" fmla="*/ 1993490 h 2757578"/>
-                <a:gd name="connsiteX3" fmla="*/ 4008329 w 4008329"/>
-                <a:gd name="connsiteY3" fmla="*/ 2757578 h 2757578"/>
-                <a:gd name="connsiteX0" fmla="*/ 0 w 3958225"/>
-                <a:gd name="connsiteY0" fmla="*/ 1852 h 2757578"/>
-                <a:gd name="connsiteX1" fmla="*/ 2129425 w 3958225"/>
-                <a:gd name="connsiteY1" fmla="*/ 452788 h 2757578"/>
-                <a:gd name="connsiteX2" fmla="*/ 3557392 w 3958225"/>
-                <a:gd name="connsiteY2" fmla="*/ 1993490 h 2757578"/>
-                <a:gd name="connsiteX3" fmla="*/ 3958225 w 3958225"/>
-                <a:gd name="connsiteY3" fmla="*/ 2757578 h 2757578"/>
-                <a:gd name="connsiteX0" fmla="*/ 0 w 3958225"/>
-                <a:gd name="connsiteY0" fmla="*/ 1852 h 2757578"/>
-                <a:gd name="connsiteX1" fmla="*/ 2129425 w 3958225"/>
-                <a:gd name="connsiteY1" fmla="*/ 452788 h 2757578"/>
-                <a:gd name="connsiteX2" fmla="*/ 3557392 w 3958225"/>
-                <a:gd name="connsiteY2" fmla="*/ 1993490 h 2757578"/>
-                <a:gd name="connsiteX3" fmla="*/ 3958225 w 3958225"/>
-                <a:gd name="connsiteY3" fmla="*/ 2757578 h 2757578"/>
-                <a:gd name="connsiteX0" fmla="*/ 0 w 3958225"/>
-                <a:gd name="connsiteY0" fmla="*/ 1852 h 2757578"/>
-                <a:gd name="connsiteX1" fmla="*/ 2129425 w 3958225"/>
-                <a:gd name="connsiteY1" fmla="*/ 452788 h 2757578"/>
-                <a:gd name="connsiteX2" fmla="*/ 3557392 w 3958225"/>
-                <a:gd name="connsiteY2" fmla="*/ 1993490 h 2757578"/>
-                <a:gd name="connsiteX3" fmla="*/ 3958225 w 3958225"/>
-                <a:gd name="connsiteY3" fmla="*/ 2757578 h 2757578"/>
-                <a:gd name="connsiteX0" fmla="*/ 0 w 3958225"/>
-                <a:gd name="connsiteY0" fmla="*/ 1852 h 2757578"/>
-                <a:gd name="connsiteX1" fmla="*/ 2129425 w 3958225"/>
-                <a:gd name="connsiteY1" fmla="*/ 452788 h 2757578"/>
-                <a:gd name="connsiteX2" fmla="*/ 3557392 w 3958225"/>
-                <a:gd name="connsiteY2" fmla="*/ 1993490 h 2757578"/>
-                <a:gd name="connsiteX3" fmla="*/ 3958225 w 3958225"/>
-                <a:gd name="connsiteY3" fmla="*/ 2757578 h 2757578"/>
-                <a:gd name="connsiteX0" fmla="*/ 0 w 3958225"/>
-                <a:gd name="connsiteY0" fmla="*/ 1852 h 2757578"/>
-                <a:gd name="connsiteX1" fmla="*/ 2129425 w 3958225"/>
-                <a:gd name="connsiteY1" fmla="*/ 452788 h 2757578"/>
-                <a:gd name="connsiteX2" fmla="*/ 3557392 w 3958225"/>
-                <a:gd name="connsiteY2" fmla="*/ 1993490 h 2757578"/>
-                <a:gd name="connsiteX3" fmla="*/ 3958225 w 3958225"/>
-                <a:gd name="connsiteY3" fmla="*/ 2757578 h 2757578"/>
-                <a:gd name="connsiteX0" fmla="*/ 0 w 3958225"/>
-                <a:gd name="connsiteY0" fmla="*/ 1852 h 2757578"/>
-                <a:gd name="connsiteX1" fmla="*/ 2129425 w 3958225"/>
-                <a:gd name="connsiteY1" fmla="*/ 452788 h 2757578"/>
-                <a:gd name="connsiteX2" fmla="*/ 3557392 w 3958225"/>
-                <a:gd name="connsiteY2" fmla="*/ 1993490 h 2757578"/>
-                <a:gd name="connsiteX3" fmla="*/ 3958225 w 3958225"/>
-                <a:gd name="connsiteY3" fmla="*/ 2757578 h 2757578"/>
-                <a:gd name="connsiteX0" fmla="*/ 0 w 3958225"/>
-                <a:gd name="connsiteY0" fmla="*/ 1852 h 2757578"/>
-                <a:gd name="connsiteX1" fmla="*/ 2129425 w 3958225"/>
-                <a:gd name="connsiteY1" fmla="*/ 452788 h 2757578"/>
-                <a:gd name="connsiteX2" fmla="*/ 3557392 w 3958225"/>
-                <a:gd name="connsiteY2" fmla="*/ 1993490 h 2757578"/>
-                <a:gd name="connsiteX3" fmla="*/ 3958225 w 3958225"/>
-                <a:gd name="connsiteY3" fmla="*/ 2757578 h 2757578"/>
-              </a:gdLst>
-              <a:ahLst/>
-              <a:cxnLst>
-                <a:cxn ang="0">
-                  <a:pos x="connsiteX0" y="connsiteY0"/>
-                </a:cxn>
-                <a:cxn ang="0">
-                  <a:pos x="connsiteX1" y="connsiteY1"/>
-                </a:cxn>
-                <a:cxn ang="0">
-                  <a:pos x="connsiteX2" y="connsiteY2"/>
-                </a:cxn>
-                <a:cxn ang="0">
-                  <a:pos x="connsiteX3" y="connsiteY3"/>
-                </a:cxn>
-              </a:cxnLst>
-              <a:rect l="l" t="t" r="r" b="b"/>
-              <a:pathLst>
-                <a:path w="3958225" h="2757578">
-                  <a:moveTo>
-                    <a:pt x="0" y="1852"/>
-                  </a:moveTo>
-                  <a:cubicBezTo>
-                    <a:pt x="625257" y="-17981"/>
-                    <a:pt x="1536526" y="120848"/>
-                    <a:pt x="2129425" y="452788"/>
-                  </a:cubicBezTo>
-                  <a:cubicBezTo>
-                    <a:pt x="2722324" y="784728"/>
-                    <a:pt x="3265119" y="1546728"/>
-                    <a:pt x="3557392" y="1993490"/>
-                  </a:cubicBezTo>
-                  <a:cubicBezTo>
-                    <a:pt x="3849665" y="2440252"/>
-                    <a:pt x="3760941" y="2397454"/>
-                    <a:pt x="3958225" y="2757578"/>
-                  </a:cubicBezTo>
-                </a:path>
-              </a:pathLst>
-            </a:custGeom>
-            <a:noFill/>
-            <a:ln w="57150">
-              <a:solidFill>
-                <a:srgbClr val="00B0F0"/>
-              </a:solidFill>
-              <a:prstDash val="dash"/>
-            </a:ln>
-          </p:spPr>
-          <p:style>
-            <a:lnRef idx="2">
-              <a:schemeClr val="accent1">
-                <a:shade val="50000"/>
-              </a:schemeClr>
-            </a:lnRef>
-            <a:fillRef idx="1">
-              <a:schemeClr val="accent1"/>
-            </a:fillRef>
-            <a:effectRef idx="0">
-              <a:schemeClr val="accent1"/>
-            </a:effectRef>
-            <a:fontRef idx="minor">
-              <a:schemeClr val="lt1"/>
-            </a:fontRef>
-          </p:style>
-          <p:txBody>
-            <a:bodyPr rtlCol="0" anchor="ctr"/>
-            <a:lstStyle/>
-            <a:p>
-              <a:pPr algn="ctr"/>
-              <a:endParaRPr lang="en-US"/>
-            </a:p>
-          </p:txBody>
-        </p:sp>
-        <p:cxnSp>
-          <p:nvCxnSpPr>
-            <p:cNvPr id="17" name="Straight Arrow Connector 16"/>
-            <p:cNvCxnSpPr/>
-            <p:nvPr/>
-          </p:nvCxnSpPr>
-          <p:spPr>
-            <a:xfrm>
-              <a:off x="3469710" y="3451614"/>
-              <a:ext cx="0" cy="2700500"/>
-            </a:xfrm>
-            <a:prstGeom prst="straightConnector1">
-              <a:avLst/>
-            </a:prstGeom>
-            <a:ln w="38100">
-              <a:solidFill>
-                <a:schemeClr val="tx1"/>
-              </a:solidFill>
-              <a:headEnd type="triangle"/>
-              <a:tailEnd type="triangle"/>
-            </a:ln>
-          </p:spPr>
-          <p:style>
-            <a:lnRef idx="1">
-              <a:schemeClr val="accent1"/>
-            </a:lnRef>
-            <a:fillRef idx="0">
-              <a:schemeClr val="accent1"/>
-            </a:fillRef>
-            <a:effectRef idx="0">
-              <a:schemeClr val="accent1"/>
-            </a:effectRef>
-            <a:fontRef idx="minor">
-              <a:schemeClr val="tx1"/>
-            </a:fontRef>
-          </p:style>
-        </p:cxnSp>
-        <p:cxnSp>
-          <p:nvCxnSpPr>
-            <p:cNvPr id="18" name="Straight Arrow Connector 17"/>
-            <p:cNvCxnSpPr/>
-            <p:nvPr/>
-          </p:nvCxnSpPr>
-          <p:spPr>
-            <a:xfrm>
-              <a:off x="3469710" y="1926961"/>
-              <a:ext cx="0" cy="1508440"/>
-            </a:xfrm>
-            <a:prstGeom prst="straightConnector1">
-              <a:avLst/>
-            </a:prstGeom>
-            <a:ln w="38100">
-              <a:solidFill>
-                <a:schemeClr val="tx1"/>
-              </a:solidFill>
-              <a:headEnd type="triangle"/>
-              <a:tailEnd type="triangle"/>
-            </a:ln>
-          </p:spPr>
-          <p:style>
-            <a:lnRef idx="1">
-              <a:schemeClr val="accent1"/>
-            </a:lnRef>
-            <a:fillRef idx="0">
-              <a:schemeClr val="accent1"/>
-            </a:fillRef>
-            <a:effectRef idx="0">
-              <a:schemeClr val="accent1"/>
-            </a:effectRef>
-            <a:fontRef idx="minor">
-              <a:schemeClr val="tx1"/>
-            </a:fontRef>
-          </p:style>
-        </p:cxnSp>
-        <mc:AlternateContent xmlns:mc="http://schemas.openxmlformats.org/markup-compatibility/2006">
-          <mc:Choice xmlns:a14="http://schemas.microsoft.com/office/drawing/2010/main" Requires="a14">
-            <p:sp>
-              <p:nvSpPr>
-                <p:cNvPr id="23" name="TextBox 22"/>
-                <p:cNvSpPr txBox="1"/>
-                <p:nvPr/>
-              </p:nvSpPr>
-              <p:spPr>
-                <a:xfrm>
-                  <a:off x="3501630" y="2527292"/>
-                  <a:ext cx="339410" cy="307777"/>
-                </a:xfrm>
-                <a:prstGeom prst="rect">
-                  <a:avLst/>
-                </a:prstGeom>
-                <a:noFill/>
-              </p:spPr>
-              <p:txBody>
-                <a:bodyPr wrap="square" lIns="0" tIns="0" rIns="0" bIns="0" rtlCol="0">
-                  <a:spAutoFit/>
-                </a:bodyPr>
-                <a:lstStyle/>
-                <a:p>
-                  <a14:m>
-                    <m:oMathPara xmlns:m="http://schemas.openxmlformats.org/officeDocument/2006/math">
-                      <m:oMathParaPr>
-                        <m:jc m:val="centerGroup"/>
-                      </m:oMathParaPr>
-                      <m:oMath xmlns:m="http://schemas.openxmlformats.org/officeDocument/2006/math">
-                        <m:sSub>
-                          <m:sSubPr>
-                            <m:ctrlPr>
-                              <a:rPr lang="en-US" sz="2000" b="0" i="1" smtClean="0">
-                                <a:latin typeface="Cambria Math" panose="02040503050406030204" pitchFamily="18" charset="0"/>
-                                <a:cs typeface="Arial" panose="020B0604020202020204" pitchFamily="34" charset="0"/>
-                              </a:rPr>
-                            </m:ctrlPr>
-                          </m:sSubPr>
-                          <m:e>
-                            <m:r>
-                              <a:rPr lang="en-US" sz="2000" b="0" i="1" smtClean="0">
-                                <a:latin typeface="Cambria Math" panose="02040503050406030204" pitchFamily="18" charset="0"/>
-                                <a:cs typeface="Arial" panose="020B0604020202020204" pitchFamily="34" charset="0"/>
-                              </a:rPr>
-                              <m:t>h</m:t>
-                            </m:r>
-                          </m:e>
-                          <m:sub>
-                            <m:r>
-                              <a:rPr lang="en-US" sz="2000" b="0" i="1" smtClean="0">
-                                <a:latin typeface="Cambria Math" panose="02040503050406030204" pitchFamily="18" charset="0"/>
-                                <a:cs typeface="Arial" panose="020B0604020202020204" pitchFamily="34" charset="0"/>
-                              </a:rPr>
-                              <m:t>1</m:t>
-                            </m:r>
-                          </m:sub>
-                        </m:sSub>
-                      </m:oMath>
-                    </m:oMathPara>
-                  </a14:m>
-                  <a:endParaRPr lang="en-US" sz="2000" dirty="0" smtClean="0">
-                    <a:latin typeface="Arial" panose="020B0604020202020204" pitchFamily="34" charset="0"/>
-                    <a:cs typeface="Arial" panose="020B0604020202020204" pitchFamily="34" charset="0"/>
-                  </a:endParaRPr>
-                </a:p>
-              </p:txBody>
-            </p:sp>
-          </mc:Choice>
-          <mc:Fallback>
-            <p:sp>
-              <p:nvSpPr>
-                <p:cNvPr id="23" name="TextBox 22"/>
-                <p:cNvSpPr txBox="1">
-                  <a:spLocks noRot="1" noChangeAspect="1" noMove="1" noResize="1" noEditPoints="1" noAdjustHandles="1" noChangeArrowheads="1" noChangeShapeType="1" noTextEdit="1"/>
-                </p:cNvSpPr>
-                <p:nvPr/>
-              </p:nvSpPr>
-              <p:spPr>
-                <a:xfrm>
-                  <a:off x="3501630" y="2527292"/>
-                  <a:ext cx="339410" cy="307777"/>
-                </a:xfrm>
-                <a:prstGeom prst="rect">
-                  <a:avLst/>
-                </a:prstGeom>
-                <a:blipFill>
-                  <a:blip r:embed="rId2"/>
-                  <a:stretch>
-                    <a:fillRect l="-14286" r="-1786" b="-17647"/>
-                  </a:stretch>
-                </a:blipFill>
-              </p:spPr>
-              <p:txBody>
-                <a:bodyPr/>
-                <a:lstStyle/>
-                <a:p>
-                  <a:r>
-                    <a:rPr lang="en-US">
-                      <a:noFill/>
-                    </a:rPr>
-                    <a:t> </a:t>
-                  </a:r>
-                </a:p>
-              </p:txBody>
-            </p:sp>
-          </mc:Fallback>
-        </mc:AlternateContent>
-        <mc:AlternateContent xmlns:mc="http://schemas.openxmlformats.org/markup-compatibility/2006">
-          <mc:Choice xmlns:a14="http://schemas.microsoft.com/office/drawing/2010/main" Requires="a14">
-            <p:sp>
-              <p:nvSpPr>
-                <p:cNvPr id="24" name="TextBox 23"/>
-                <p:cNvSpPr txBox="1"/>
-                <p:nvPr/>
-              </p:nvSpPr>
-              <p:spPr>
-                <a:xfrm>
-                  <a:off x="3594971" y="4647049"/>
-                  <a:ext cx="339410" cy="307777"/>
-                </a:xfrm>
-                <a:prstGeom prst="rect">
-                  <a:avLst/>
-                </a:prstGeom>
-                <a:noFill/>
-              </p:spPr>
-              <p:txBody>
-                <a:bodyPr wrap="square" lIns="0" tIns="0" rIns="0" bIns="0" rtlCol="0">
-                  <a:spAutoFit/>
-                </a:bodyPr>
-                <a:lstStyle/>
-                <a:p>
-                  <a14:m>
-                    <m:oMathPara xmlns:m="http://schemas.openxmlformats.org/officeDocument/2006/math">
-                      <m:oMathParaPr>
-                        <m:jc m:val="centerGroup"/>
-                      </m:oMathParaPr>
-                      <m:oMath xmlns:m="http://schemas.openxmlformats.org/officeDocument/2006/math">
-                        <m:sSub>
-                          <m:sSubPr>
-                            <m:ctrlPr>
-                              <a:rPr lang="en-US" sz="2000" b="0" i="1" smtClean="0">
-                                <a:latin typeface="Cambria Math" panose="02040503050406030204" pitchFamily="18" charset="0"/>
-                                <a:cs typeface="Arial" panose="020B0604020202020204" pitchFamily="34" charset="0"/>
-                              </a:rPr>
-                            </m:ctrlPr>
-                          </m:sSubPr>
-                          <m:e>
-                            <m:r>
-                              <a:rPr lang="en-US" sz="2000" b="0" i="1" smtClean="0">
-                                <a:latin typeface="Cambria Math" panose="02040503050406030204" pitchFamily="18" charset="0"/>
-                                <a:cs typeface="Arial" panose="020B0604020202020204" pitchFamily="34" charset="0"/>
-                              </a:rPr>
-                              <m:t>h</m:t>
-                            </m:r>
-                          </m:e>
-                          <m:sub>
-                            <m:r>
-                              <a:rPr lang="en-US" sz="2000" b="0" i="1" smtClean="0">
-                                <a:latin typeface="Cambria Math" panose="02040503050406030204" pitchFamily="18" charset="0"/>
-                                <a:cs typeface="Arial" panose="020B0604020202020204" pitchFamily="34" charset="0"/>
-                              </a:rPr>
-                              <m:t>2</m:t>
-                            </m:r>
-                          </m:sub>
-                        </m:sSub>
-                      </m:oMath>
-                    </m:oMathPara>
-                  </a14:m>
-                  <a:endParaRPr lang="en-US" sz="2000" dirty="0" smtClean="0">
-                    <a:latin typeface="Arial" panose="020B0604020202020204" pitchFamily="34" charset="0"/>
-                    <a:cs typeface="Arial" panose="020B0604020202020204" pitchFamily="34" charset="0"/>
-                  </a:endParaRPr>
-                </a:p>
-              </p:txBody>
-            </p:sp>
-          </mc:Choice>
-          <mc:Fallback>
-            <p:sp>
-              <p:nvSpPr>
-                <p:cNvPr id="24" name="TextBox 23"/>
-                <p:cNvSpPr txBox="1">
-                  <a:spLocks noRot="1" noChangeAspect="1" noMove="1" noResize="1" noEditPoints="1" noAdjustHandles="1" noChangeArrowheads="1" noChangeShapeType="1" noTextEdit="1"/>
-                </p:cNvSpPr>
-                <p:nvPr/>
-              </p:nvSpPr>
-              <p:spPr>
-                <a:xfrm>
-                  <a:off x="3594971" y="4647049"/>
-                  <a:ext cx="339410" cy="307777"/>
-                </a:xfrm>
-                <a:prstGeom prst="rect">
-                  <a:avLst/>
-                </a:prstGeom>
-                <a:blipFill>
-                  <a:blip r:embed="rId3"/>
-                  <a:stretch>
-                    <a:fillRect l="-16364" r="-3636" b="-20000"/>
-                  </a:stretch>
-                </a:blipFill>
-              </p:spPr>
-              <p:txBody>
-                <a:bodyPr/>
-                <a:lstStyle/>
-                <a:p>
-                  <a:r>
-                    <a:rPr lang="en-US">
-                      <a:noFill/>
-                    </a:rPr>
-                    <a:t> </a:t>
-                  </a:r>
-                </a:p>
-              </p:txBody>
-            </p:sp>
-          </mc:Fallback>
-        </mc:AlternateContent>
-        <p:cxnSp>
-          <p:nvCxnSpPr>
-            <p:cNvPr id="26" name="Straight Arrow Connector 25"/>
-            <p:cNvCxnSpPr/>
-            <p:nvPr/>
-          </p:nvCxnSpPr>
-          <p:spPr>
-            <a:xfrm flipV="1">
-              <a:off x="3305728" y="6368959"/>
-              <a:ext cx="4009472" cy="6789"/>
-            </a:xfrm>
-            <a:prstGeom prst="straightConnector1">
-              <a:avLst/>
-            </a:prstGeom>
-            <a:ln w="38100">
-              <a:solidFill>
-                <a:schemeClr val="tx1"/>
-              </a:solidFill>
-              <a:headEnd type="triangle"/>
-              <a:tailEnd type="triangle"/>
-            </a:ln>
-          </p:spPr>
-          <p:style>
-            <a:lnRef idx="1">
-              <a:schemeClr val="accent1"/>
-            </a:lnRef>
-            <a:fillRef idx="0">
-              <a:schemeClr val="accent1"/>
-            </a:fillRef>
-            <a:effectRef idx="0">
-              <a:schemeClr val="accent1"/>
-            </a:effectRef>
-            <a:fontRef idx="minor">
-              <a:schemeClr val="tx1"/>
-            </a:fontRef>
-          </p:style>
-        </p:cxnSp>
-        <mc:AlternateContent xmlns:mc="http://schemas.openxmlformats.org/markup-compatibility/2006">
-          <mc:Choice xmlns:a14="http://schemas.microsoft.com/office/drawing/2010/main" Requires="a14">
-            <p:sp>
-              <p:nvSpPr>
-                <p:cNvPr id="27" name="TextBox 26"/>
-                <p:cNvSpPr txBox="1"/>
-                <p:nvPr/>
-              </p:nvSpPr>
-              <p:spPr>
-                <a:xfrm>
-                  <a:off x="5136577" y="6062889"/>
-                  <a:ext cx="227755" cy="307777"/>
-                </a:xfrm>
-                <a:prstGeom prst="rect">
-                  <a:avLst/>
-                </a:prstGeom>
-                <a:noFill/>
-              </p:spPr>
-              <p:txBody>
-                <a:bodyPr wrap="square" lIns="0" tIns="0" rIns="0" bIns="0" rtlCol="0">
-                  <a:spAutoFit/>
-                </a:bodyPr>
-                <a:lstStyle/>
-                <a:p>
-                  <a14:m>
-                    <m:oMathPara xmlns:m="http://schemas.openxmlformats.org/officeDocument/2006/math">
-                      <m:oMathParaPr>
-                        <m:jc m:val="centerGroup"/>
-                      </m:oMathParaPr>
-                      <m:oMath xmlns:m="http://schemas.openxmlformats.org/officeDocument/2006/math">
-                        <m:r>
-                          <a:rPr lang="en-US" sz="2000" b="0" i="1" smtClean="0">
-                            <a:latin typeface="Cambria Math" panose="02040503050406030204" pitchFamily="18" charset="0"/>
-                            <a:cs typeface="Arial" panose="020B0604020202020204" pitchFamily="34" charset="0"/>
-                          </a:rPr>
-                          <m:t>𝑑</m:t>
-                        </m:r>
-                      </m:oMath>
-                    </m:oMathPara>
-                  </a14:m>
-                  <a:endParaRPr lang="en-US" sz="2000" dirty="0" smtClean="0">
-                    <a:latin typeface="Arial" panose="020B0604020202020204" pitchFamily="34" charset="0"/>
-                    <a:cs typeface="Arial" panose="020B0604020202020204" pitchFamily="34" charset="0"/>
-                  </a:endParaRPr>
-                </a:p>
-              </p:txBody>
-            </p:sp>
-          </mc:Choice>
-          <mc:Fallback>
-            <p:sp>
-              <p:nvSpPr>
-                <p:cNvPr id="27" name="TextBox 26"/>
-                <p:cNvSpPr txBox="1">
-                  <a:spLocks noRot="1" noChangeAspect="1" noMove="1" noResize="1" noEditPoints="1" noAdjustHandles="1" noChangeArrowheads="1" noChangeShapeType="1" noTextEdit="1"/>
-                </p:cNvSpPr>
-                <p:nvPr/>
-              </p:nvSpPr>
-              <p:spPr>
-                <a:xfrm>
-                  <a:off x="5136577" y="6062889"/>
-                  <a:ext cx="227755" cy="307777"/>
-                </a:xfrm>
-                <a:prstGeom prst="rect">
-                  <a:avLst/>
-                </a:prstGeom>
-                <a:blipFill>
-                  <a:blip r:embed="rId4"/>
-                  <a:stretch>
-                    <a:fillRect l="-23684" r="-18421" b="-9804"/>
-                  </a:stretch>
-                </a:blipFill>
-              </p:spPr>
-              <p:txBody>
-                <a:bodyPr/>
-                <a:lstStyle/>
-                <a:p>
-                  <a:r>
-                    <a:rPr lang="en-US">
-                      <a:noFill/>
-                    </a:rPr>
-                    <a:t> </a:t>
-                  </a:r>
-                </a:p>
-              </p:txBody>
-            </p:sp>
-          </mc:Fallback>
-        </mc:AlternateContent>
-      </p:grpSp>
-      <p:grpSp>
-        <p:nvGrpSpPr>
-          <p:cNvPr id="29" name="Group 28"/>
-          <p:cNvGrpSpPr/>
-          <p:nvPr/>
-        </p:nvGrpSpPr>
-        <p:grpSpPr>
-          <a:xfrm>
-            <a:off x="2150360" y="4495989"/>
-            <a:ext cx="898789" cy="709995"/>
-            <a:chOff x="758520" y="708040"/>
-            <a:chExt cx="2596102" cy="2135605"/>
-          </a:xfrm>
-        </p:grpSpPr>
-        <p:grpSp>
-          <p:nvGrpSpPr>
-            <p:cNvPr id="30" name="Group 29"/>
-            <p:cNvGrpSpPr/>
-            <p:nvPr/>
-          </p:nvGrpSpPr>
-          <p:grpSpPr>
-            <a:xfrm>
-              <a:off x="758520" y="708040"/>
-              <a:ext cx="2596102" cy="2135605"/>
-              <a:chOff x="785815" y="680744"/>
-              <a:chExt cx="2596102" cy="2135605"/>
-            </a:xfrm>
-          </p:grpSpPr>
-          <p:cxnSp>
-            <p:nvCxnSpPr>
-              <p:cNvPr id="32" name="Straight Arrow Connector 31"/>
-              <p:cNvCxnSpPr/>
-              <p:nvPr/>
-            </p:nvCxnSpPr>
-            <p:spPr>
-              <a:xfrm flipV="1">
-                <a:off x="1516583" y="680744"/>
-                <a:ext cx="7683" cy="1859535"/>
-              </a:xfrm>
-              <a:prstGeom prst="straightConnector1">
-                <a:avLst/>
-              </a:prstGeom>
-              <a:ln w="38100">
-                <a:solidFill>
-                  <a:schemeClr val="tx1"/>
-                </a:solidFill>
-                <a:tailEnd type="triangle"/>
-              </a:ln>
-            </p:spPr>
-            <p:style>
-              <a:lnRef idx="1">
-                <a:schemeClr val="accent1"/>
-              </a:lnRef>
-              <a:fillRef idx="0">
-                <a:schemeClr val="accent1"/>
-              </a:fillRef>
-              <a:effectRef idx="0">
-                <a:schemeClr val="accent1"/>
-              </a:effectRef>
-              <a:fontRef idx="minor">
-                <a:schemeClr val="tx1"/>
-              </a:fontRef>
-            </p:style>
-          </p:cxnSp>
-          <p:cxnSp>
-            <p:nvCxnSpPr>
-              <p:cNvPr id="33" name="Straight Arrow Connector 32"/>
-              <p:cNvCxnSpPr/>
-              <p:nvPr/>
-            </p:nvCxnSpPr>
-            <p:spPr>
-              <a:xfrm flipV="1">
-                <a:off x="1507013" y="2535259"/>
-                <a:ext cx="1874904" cy="1"/>
-              </a:xfrm>
-              <a:prstGeom prst="straightConnector1">
-                <a:avLst/>
-              </a:prstGeom>
-              <a:ln w="38100">
-                <a:solidFill>
-                  <a:schemeClr val="tx1"/>
-                </a:solidFill>
-                <a:tailEnd type="triangle"/>
-              </a:ln>
-            </p:spPr>
-            <p:style>
-              <a:lnRef idx="1">
-                <a:schemeClr val="accent1"/>
-              </a:lnRef>
-              <a:fillRef idx="0">
-                <a:schemeClr val="accent1"/>
-              </a:fillRef>
-              <a:effectRef idx="0">
-                <a:schemeClr val="accent1"/>
-              </a:effectRef>
-              <a:fontRef idx="minor">
-                <a:schemeClr val="tx1"/>
-              </a:fontRef>
-            </p:style>
-          </p:cxnSp>
-          <mc:AlternateContent xmlns:mc="http://schemas.openxmlformats.org/markup-compatibility/2006" xmlns:a14="http://schemas.microsoft.com/office/drawing/2010/main">
-            <mc:Choice Requires="a14">
-              <p:sp>
-                <p:nvSpPr>
-                  <p:cNvPr id="34" name="Rectangle 33"/>
-                  <p:cNvSpPr/>
-                  <p:nvPr/>
-                </p:nvSpPr>
-                <p:spPr>
-                  <a:xfrm>
-                    <a:off x="2697555" y="2447016"/>
-                    <a:ext cx="367985" cy="369333"/>
-                  </a:xfrm>
-                  <a:prstGeom prst="rect">
-                    <a:avLst/>
-                  </a:prstGeom>
-                </p:spPr>
-                <p:txBody>
-                  <a:bodyPr wrap="none">
-                    <a:spAutoFit/>
-                  </a:bodyPr>
-                  <a:lstStyle/>
-                  <a:p>
-                    <a:pPr/>
-                    <a14:m>
-                      <m:oMathPara xmlns:m="http://schemas.openxmlformats.org/officeDocument/2006/math">
-                        <m:oMathParaPr>
-                          <m:jc m:val="centerGroup"/>
-                        </m:oMathParaPr>
-                        <m:oMath xmlns:m="http://schemas.openxmlformats.org/officeDocument/2006/math">
-                          <m:r>
-                            <a:rPr lang="en-US" i="1">
-                              <a:latin typeface="Cambria Math" panose="02040503050406030204" pitchFamily="18" charset="0"/>
-                              <a:cs typeface="Arial" panose="020B0604020202020204" pitchFamily="34" charset="0"/>
-                            </a:rPr>
-                            <m:t>𝑥</m:t>
-                          </m:r>
-                        </m:oMath>
-                      </m:oMathPara>
-                    </a14:m>
-                    <a:endParaRPr lang="en-CA" dirty="0"/>
-                  </a:p>
-                </p:txBody>
-              </p:sp>
-            </mc:Choice>
-            <mc:Fallback xmlns="">
-              <p:sp>
-                <p:nvSpPr>
-                  <p:cNvPr id="107" name="Rectangle 106"/>
-                  <p:cNvSpPr>
-                    <a:spLocks noRot="1" noChangeAspect="1" noMove="1" noResize="1" noEditPoints="1" noAdjustHandles="1" noChangeArrowheads="1" noChangeShapeType="1" noTextEdit="1"/>
-                  </p:cNvSpPr>
-                  <p:nvPr/>
-                </p:nvSpPr>
-                <p:spPr>
-                  <a:xfrm>
-                    <a:off x="2697555" y="2447016"/>
-                    <a:ext cx="367985" cy="369333"/>
-                  </a:xfrm>
-                  <a:prstGeom prst="rect">
-                    <a:avLst/>
-                  </a:prstGeom>
-                  <a:blipFill>
-                    <a:blip r:embed="rId27"/>
-                    <a:stretch>
-                      <a:fillRect r="-95238" b="-160000"/>
-                    </a:stretch>
-                  </a:blipFill>
-                </p:spPr>
-                <p:txBody>
-                  <a:bodyPr/>
-                  <a:lstStyle/>
-                  <a:p>
-                    <a:r>
-                      <a:rPr lang="en-US">
-                        <a:noFill/>
-                      </a:rPr>
-                      <a:t> </a:t>
-                    </a:r>
-                  </a:p>
-                </p:txBody>
-              </p:sp>
-            </mc:Fallback>
-          </mc:AlternateContent>
-          <mc:AlternateContent xmlns:mc="http://schemas.openxmlformats.org/markup-compatibility/2006" xmlns:a14="http://schemas.microsoft.com/office/drawing/2010/main">
-            <mc:Choice Requires="a14">
-              <p:sp>
-                <p:nvSpPr>
-                  <p:cNvPr id="35" name="Rectangle 34"/>
-                  <p:cNvSpPr/>
-                  <p:nvPr/>
-                </p:nvSpPr>
-                <p:spPr>
-                  <a:xfrm>
-                    <a:off x="785815" y="912420"/>
-                    <a:ext cx="371385" cy="369333"/>
-                  </a:xfrm>
-                  <a:prstGeom prst="rect">
-                    <a:avLst/>
-                  </a:prstGeom>
-                </p:spPr>
-                <p:txBody>
-                  <a:bodyPr wrap="none">
-                    <a:spAutoFit/>
-                  </a:bodyPr>
-                  <a:lstStyle/>
-                  <a:p>
-                    <a:pPr/>
-                    <a14:m>
-                      <m:oMathPara xmlns:m="http://schemas.openxmlformats.org/officeDocument/2006/math">
-                        <m:oMathParaPr>
-                          <m:jc m:val="centerGroup"/>
-                        </m:oMathParaPr>
-                        <m:oMath xmlns:m="http://schemas.openxmlformats.org/officeDocument/2006/math">
-                          <m:r>
-                            <a:rPr lang="en-US" b="0" i="1" smtClean="0">
-                              <a:latin typeface="Cambria Math" panose="02040503050406030204" pitchFamily="18" charset="0"/>
-                            </a:rPr>
-                            <m:t>𝑦</m:t>
-                          </m:r>
-                        </m:oMath>
-                      </m:oMathPara>
-                    </a14:m>
-                    <a:endParaRPr lang="en-CA" dirty="0"/>
-                  </a:p>
-                </p:txBody>
-              </p:sp>
-            </mc:Choice>
-            <mc:Fallback xmlns="">
-              <p:sp>
-                <p:nvSpPr>
-                  <p:cNvPr id="108" name="Rectangle 107"/>
-                  <p:cNvSpPr>
-                    <a:spLocks noRot="1" noChangeAspect="1" noMove="1" noResize="1" noEditPoints="1" noAdjustHandles="1" noChangeArrowheads="1" noChangeShapeType="1" noTextEdit="1"/>
-                  </p:cNvSpPr>
-                  <p:nvPr/>
-                </p:nvSpPr>
-                <p:spPr>
-                  <a:xfrm>
-                    <a:off x="785815" y="912420"/>
-                    <a:ext cx="371385" cy="369333"/>
-                  </a:xfrm>
-                  <a:prstGeom prst="rect">
-                    <a:avLst/>
-                  </a:prstGeom>
-                  <a:blipFill>
-                    <a:blip r:embed="rId28"/>
-                    <a:stretch>
-                      <a:fillRect l="-19048" r="-114286" b="-220000"/>
-                    </a:stretch>
-                  </a:blipFill>
-                </p:spPr>
-                <p:txBody>
-                  <a:bodyPr/>
-                  <a:lstStyle/>
-                  <a:p>
-                    <a:r>
-                      <a:rPr lang="en-US">
-                        <a:noFill/>
-                      </a:rPr>
-                      <a:t> </a:t>
-                    </a:r>
-                  </a:p>
-                </p:txBody>
-              </p:sp>
-            </mc:Fallback>
-          </mc:AlternateContent>
-          <mc:AlternateContent xmlns:mc="http://schemas.openxmlformats.org/markup-compatibility/2006" xmlns:a14="http://schemas.microsoft.com/office/drawing/2010/main">
-            <mc:Choice Requires="a14">
-              <p:sp>
-                <p:nvSpPr>
-                  <p:cNvPr id="36" name="Rectangle 35"/>
-                  <p:cNvSpPr/>
-                  <p:nvPr/>
-                </p:nvSpPr>
-                <p:spPr>
-                  <a:xfrm>
-                    <a:off x="1006642" y="2350591"/>
-                    <a:ext cx="367985" cy="369333"/>
-                  </a:xfrm>
-                  <a:prstGeom prst="rect">
-                    <a:avLst/>
-                  </a:prstGeom>
-                </p:spPr>
-                <p:txBody>
-                  <a:bodyPr wrap="none">
-                    <a:spAutoFit/>
-                  </a:bodyPr>
-                  <a:lstStyle/>
-                  <a:p>
-                    <a:pPr/>
-                    <a14:m>
-                      <m:oMathPara xmlns:m="http://schemas.openxmlformats.org/officeDocument/2006/math">
-                        <m:oMathParaPr>
-                          <m:jc m:val="centerGroup"/>
-                        </m:oMathParaPr>
-                        <m:oMath xmlns:m="http://schemas.openxmlformats.org/officeDocument/2006/math">
-                          <m:r>
-                            <a:rPr lang="en-US" b="0" i="1" smtClean="0">
-                              <a:latin typeface="Cambria Math" panose="02040503050406030204" pitchFamily="18" charset="0"/>
-                              <a:cs typeface="Arial" panose="020B0604020202020204" pitchFamily="34" charset="0"/>
-                            </a:rPr>
-                            <m:t>0</m:t>
-                          </m:r>
-                        </m:oMath>
-                      </m:oMathPara>
-                    </a14:m>
-                    <a:endParaRPr lang="en-CA" dirty="0"/>
-                  </a:p>
-                </p:txBody>
-              </p:sp>
-            </mc:Choice>
-            <mc:Fallback xmlns="">
-              <p:sp>
-                <p:nvSpPr>
-                  <p:cNvPr id="109" name="Rectangle 108"/>
-                  <p:cNvSpPr>
-                    <a:spLocks noRot="1" noChangeAspect="1" noMove="1" noResize="1" noEditPoints="1" noAdjustHandles="1" noChangeArrowheads="1" noChangeShapeType="1" noTextEdit="1"/>
-                  </p:cNvSpPr>
-                  <p:nvPr/>
-                </p:nvSpPr>
-                <p:spPr>
-                  <a:xfrm>
-                    <a:off x="1006642" y="2350591"/>
-                    <a:ext cx="367985" cy="369333"/>
-                  </a:xfrm>
-                  <a:prstGeom prst="rect">
-                    <a:avLst/>
-                  </a:prstGeom>
-                  <a:blipFill>
-                    <a:blip r:embed="rId29"/>
-                    <a:stretch>
-                      <a:fillRect l="-14286" r="-114286" b="-180000"/>
-                    </a:stretch>
-                  </a:blipFill>
-                </p:spPr>
-                <p:txBody>
-                  <a:bodyPr/>
-                  <a:lstStyle/>
-                  <a:p>
-                    <a:r>
-                      <a:rPr lang="en-US">
-                        <a:noFill/>
-                      </a:rPr>
-                      <a:t> </a:t>
-                    </a:r>
-                  </a:p>
-                </p:txBody>
-              </p:sp>
-            </mc:Fallback>
-          </mc:AlternateContent>
-        </p:grpSp>
-        <p:sp>
-          <p:nvSpPr>
-            <p:cNvPr id="31" name="Rectangle 30"/>
-            <p:cNvSpPr/>
-            <p:nvPr/>
-          </p:nvSpPr>
-          <p:spPr>
-            <a:xfrm>
-              <a:off x="1129904" y="1614682"/>
-              <a:ext cx="184731" cy="369332"/>
-            </a:xfrm>
-            <a:prstGeom prst="rect">
-              <a:avLst/>
-            </a:prstGeom>
-          </p:spPr>
-          <p:txBody>
-            <a:bodyPr wrap="none">
-              <a:spAutoFit/>
-            </a:bodyPr>
-            <a:lstStyle/>
-            <a:p>
-              <a:endParaRPr lang="en-CA" dirty="0"/>
-            </a:p>
-          </p:txBody>
-        </p:sp>
-      </p:grpSp>
-    </p:spTree>
-    <p:extLst>
-      <p:ext uri="{BB962C8B-B14F-4D97-AF65-F5344CB8AC3E}">
-        <p14:creationId xmlns:p14="http://schemas.microsoft.com/office/powerpoint/2010/main" val="3361877712"/>
       </p:ext>
     </p:extLst>
   </p:cSld>

--- a/tex/figures/FluidMechanics/Figures.pptx
+++ b/tex/figures/FluidMechanics/Figures.pptx
@@ -208,7 +208,7 @@
           <a:p>
             <a:fld id="{FA15A6B2-55AC-CD4B-A1E6-BB01091FE9DC}" type="datetimeFigureOut">
               <a:rPr lang="en-US" smtClean="0"/>
-              <a:t>8/9/18</a:t>
+              <a:t>8/23/18</a:t>
             </a:fld>
             <a:endParaRPr lang="en-US"/>
           </a:p>
@@ -691,7 +691,7 @@
           <a:p>
             <a:fld id="{F7249F8D-641B-4CAF-BAE5-10524742F6F1}" type="datetimeFigureOut">
               <a:rPr lang="en-CA" smtClean="0"/>
-              <a:t>2018-08-09</a:t>
+              <a:t>2018-08-23</a:t>
             </a:fld>
             <a:endParaRPr lang="en-CA"/>
           </a:p>
@@ -861,7 +861,7 @@
           <a:p>
             <a:fld id="{F7249F8D-641B-4CAF-BAE5-10524742F6F1}" type="datetimeFigureOut">
               <a:rPr lang="en-CA" smtClean="0"/>
-              <a:t>2018-08-09</a:t>
+              <a:t>2018-08-23</a:t>
             </a:fld>
             <a:endParaRPr lang="en-CA"/>
           </a:p>
@@ -1041,7 +1041,7 @@
           <a:p>
             <a:fld id="{F7249F8D-641B-4CAF-BAE5-10524742F6F1}" type="datetimeFigureOut">
               <a:rPr lang="en-CA" smtClean="0"/>
-              <a:t>2018-08-09</a:t>
+              <a:t>2018-08-23</a:t>
             </a:fld>
             <a:endParaRPr lang="en-CA"/>
           </a:p>
@@ -1211,7 +1211,7 @@
           <a:p>
             <a:fld id="{F7249F8D-641B-4CAF-BAE5-10524742F6F1}" type="datetimeFigureOut">
               <a:rPr lang="en-CA" smtClean="0"/>
-              <a:t>2018-08-09</a:t>
+              <a:t>2018-08-23</a:t>
             </a:fld>
             <a:endParaRPr lang="en-CA"/>
           </a:p>
@@ -1457,7 +1457,7 @@
           <a:p>
             <a:fld id="{F7249F8D-641B-4CAF-BAE5-10524742F6F1}" type="datetimeFigureOut">
               <a:rPr lang="en-CA" smtClean="0"/>
-              <a:t>2018-08-09</a:t>
+              <a:t>2018-08-23</a:t>
             </a:fld>
             <a:endParaRPr lang="en-CA"/>
           </a:p>
@@ -1689,7 +1689,7 @@
           <a:p>
             <a:fld id="{F7249F8D-641B-4CAF-BAE5-10524742F6F1}" type="datetimeFigureOut">
               <a:rPr lang="en-CA" smtClean="0"/>
-              <a:t>2018-08-09</a:t>
+              <a:t>2018-08-23</a:t>
             </a:fld>
             <a:endParaRPr lang="en-CA"/>
           </a:p>
@@ -2056,7 +2056,7 @@
           <a:p>
             <a:fld id="{F7249F8D-641B-4CAF-BAE5-10524742F6F1}" type="datetimeFigureOut">
               <a:rPr lang="en-CA" smtClean="0"/>
-              <a:t>2018-08-09</a:t>
+              <a:t>2018-08-23</a:t>
             </a:fld>
             <a:endParaRPr lang="en-CA"/>
           </a:p>
@@ -2174,7 +2174,7 @@
           <a:p>
             <a:fld id="{F7249F8D-641B-4CAF-BAE5-10524742F6F1}" type="datetimeFigureOut">
               <a:rPr lang="en-CA" smtClean="0"/>
-              <a:t>2018-08-09</a:t>
+              <a:t>2018-08-23</a:t>
             </a:fld>
             <a:endParaRPr lang="en-CA"/>
           </a:p>
@@ -2269,7 +2269,7 @@
           <a:p>
             <a:fld id="{F7249F8D-641B-4CAF-BAE5-10524742F6F1}" type="datetimeFigureOut">
               <a:rPr lang="en-CA" smtClean="0"/>
-              <a:t>2018-08-09</a:t>
+              <a:t>2018-08-23</a:t>
             </a:fld>
             <a:endParaRPr lang="en-CA"/>
           </a:p>
@@ -2546,7 +2546,7 @@
           <a:p>
             <a:fld id="{F7249F8D-641B-4CAF-BAE5-10524742F6F1}" type="datetimeFigureOut">
               <a:rPr lang="en-CA" smtClean="0"/>
-              <a:t>2018-08-09</a:t>
+              <a:t>2018-08-23</a:t>
             </a:fld>
             <a:endParaRPr lang="en-CA"/>
           </a:p>
@@ -2799,7 +2799,7 @@
           <a:p>
             <a:fld id="{F7249F8D-641B-4CAF-BAE5-10524742F6F1}" type="datetimeFigureOut">
               <a:rPr lang="en-CA" smtClean="0"/>
-              <a:t>2018-08-09</a:t>
+              <a:t>2018-08-23</a:t>
             </a:fld>
             <a:endParaRPr lang="en-CA"/>
           </a:p>
@@ -3012,7 +3012,7 @@
           <a:p>
             <a:fld id="{F7249F8D-641B-4CAF-BAE5-10524742F6F1}" type="datetimeFigureOut">
               <a:rPr lang="en-CA" smtClean="0"/>
-              <a:t>2018-08-09</a:t>
+              <a:t>2018-08-23</a:t>
             </a:fld>
             <a:endParaRPr lang="en-CA"/>
           </a:p>
@@ -6928,6 +6928,1598 @@
           </p:sp>
         </p:grpSp>
       </p:grpSp>
+      <p:grpSp>
+        <p:nvGrpSpPr>
+          <p:cNvPr id="11" name="Group 10"/>
+          <p:cNvGrpSpPr/>
+          <p:nvPr/>
+        </p:nvGrpSpPr>
+        <p:grpSpPr>
+          <a:xfrm>
+            <a:off x="6322369" y="627713"/>
+            <a:ext cx="5558515" cy="2731443"/>
+            <a:chOff x="6516943" y="1566716"/>
+            <a:chExt cx="5558515" cy="2731443"/>
+          </a:xfrm>
+        </p:grpSpPr>
+        <p:sp>
+          <p:nvSpPr>
+            <p:cNvPr id="4" name="Rectangle 3"/>
+            <p:cNvSpPr/>
+            <p:nvPr/>
+          </p:nvSpPr>
+          <p:spPr>
+            <a:xfrm>
+              <a:off x="6516943" y="2473518"/>
+              <a:ext cx="5558515" cy="1824641"/>
+            </a:xfrm>
+            <a:prstGeom prst="rect">
+              <a:avLst/>
+            </a:prstGeom>
+            <a:solidFill>
+              <a:schemeClr val="accent1">
+                <a:lumMod val="60000"/>
+                <a:lumOff val="40000"/>
+              </a:schemeClr>
+            </a:solidFill>
+            <a:ln w="38100">
+              <a:solidFill>
+                <a:schemeClr val="tx1"/>
+              </a:solidFill>
+            </a:ln>
+          </p:spPr>
+          <p:style>
+            <a:lnRef idx="2">
+              <a:schemeClr val="accent1">
+                <a:shade val="50000"/>
+              </a:schemeClr>
+            </a:lnRef>
+            <a:fillRef idx="1">
+              <a:schemeClr val="accent1"/>
+            </a:fillRef>
+            <a:effectRef idx="0">
+              <a:schemeClr val="accent1"/>
+            </a:effectRef>
+            <a:fontRef idx="minor">
+              <a:schemeClr val="lt1"/>
+            </a:fontRef>
+          </p:style>
+          <p:txBody>
+            <a:bodyPr rtlCol="0" anchor="ctr"/>
+            <a:lstStyle/>
+            <a:p>
+              <a:pPr algn="ctr"/>
+              <a:endParaRPr lang="en-US"/>
+            </a:p>
+          </p:txBody>
+        </p:sp>
+        <p:sp>
+          <p:nvSpPr>
+            <p:cNvPr id="25" name="Rectangle 24"/>
+            <p:cNvSpPr/>
+            <p:nvPr/>
+          </p:nvSpPr>
+          <p:spPr>
+            <a:xfrm>
+              <a:off x="7663432" y="2473518"/>
+              <a:ext cx="3384176" cy="413117"/>
+            </a:xfrm>
+            <a:prstGeom prst="rect">
+              <a:avLst/>
+            </a:prstGeom>
+            <a:solidFill>
+              <a:schemeClr val="accent4">
+                <a:lumMod val="75000"/>
+              </a:schemeClr>
+            </a:solidFill>
+            <a:ln w="38100">
+              <a:solidFill>
+                <a:schemeClr val="tx1"/>
+              </a:solidFill>
+            </a:ln>
+          </p:spPr>
+          <p:style>
+            <a:lnRef idx="2">
+              <a:schemeClr val="accent1">
+                <a:shade val="50000"/>
+              </a:schemeClr>
+            </a:lnRef>
+            <a:fillRef idx="1">
+              <a:schemeClr val="accent1"/>
+            </a:fillRef>
+            <a:effectRef idx="0">
+              <a:schemeClr val="accent1"/>
+            </a:effectRef>
+            <a:fontRef idx="minor">
+              <a:schemeClr val="lt1"/>
+            </a:fontRef>
+          </p:style>
+          <p:txBody>
+            <a:bodyPr rtlCol="0" anchor="ctr"/>
+            <a:lstStyle/>
+            <a:p>
+              <a:pPr algn="ctr"/>
+              <a:endParaRPr lang="en-US"/>
+            </a:p>
+          </p:txBody>
+        </p:sp>
+        <p:sp>
+          <p:nvSpPr>
+            <p:cNvPr id="37" name="Rectangle 36"/>
+            <p:cNvSpPr/>
+            <p:nvPr/>
+          </p:nvSpPr>
+          <p:spPr>
+            <a:xfrm>
+              <a:off x="8044433" y="1566716"/>
+              <a:ext cx="1207143" cy="906802"/>
+            </a:xfrm>
+            <a:prstGeom prst="rect">
+              <a:avLst/>
+            </a:prstGeom>
+            <a:solidFill>
+              <a:schemeClr val="bg2">
+                <a:lumMod val="75000"/>
+              </a:schemeClr>
+            </a:solidFill>
+            <a:ln w="38100">
+              <a:solidFill>
+                <a:schemeClr val="tx1"/>
+              </a:solidFill>
+            </a:ln>
+          </p:spPr>
+          <p:style>
+            <a:lnRef idx="2">
+              <a:schemeClr val="accent1">
+                <a:shade val="50000"/>
+              </a:schemeClr>
+            </a:lnRef>
+            <a:fillRef idx="1">
+              <a:schemeClr val="accent1"/>
+            </a:fillRef>
+            <a:effectRef idx="0">
+              <a:schemeClr val="accent1"/>
+            </a:effectRef>
+            <a:fontRef idx="minor">
+              <a:schemeClr val="lt1"/>
+            </a:fontRef>
+          </p:style>
+          <p:txBody>
+            <a:bodyPr rtlCol="0" anchor="ctr"/>
+            <a:lstStyle/>
+            <a:p>
+              <a:pPr algn="ctr"/>
+              <a:endParaRPr lang="en-US"/>
+            </a:p>
+          </p:txBody>
+        </p:sp>
+        <p:sp>
+          <p:nvSpPr>
+            <p:cNvPr id="38" name="Rectangle 37"/>
+            <p:cNvSpPr/>
+            <p:nvPr/>
+          </p:nvSpPr>
+          <p:spPr>
+            <a:xfrm>
+              <a:off x="9414643" y="1566716"/>
+              <a:ext cx="1207143" cy="906802"/>
+            </a:xfrm>
+            <a:prstGeom prst="rect">
+              <a:avLst/>
+            </a:prstGeom>
+            <a:solidFill>
+              <a:schemeClr val="bg2">
+                <a:lumMod val="75000"/>
+              </a:schemeClr>
+            </a:solidFill>
+            <a:ln w="38100">
+              <a:solidFill>
+                <a:schemeClr val="tx1"/>
+              </a:solidFill>
+            </a:ln>
+          </p:spPr>
+          <p:style>
+            <a:lnRef idx="2">
+              <a:schemeClr val="accent1">
+                <a:shade val="50000"/>
+              </a:schemeClr>
+            </a:lnRef>
+            <a:fillRef idx="1">
+              <a:schemeClr val="accent1"/>
+            </a:fillRef>
+            <a:effectRef idx="0">
+              <a:schemeClr val="accent1"/>
+            </a:effectRef>
+            <a:fontRef idx="minor">
+              <a:schemeClr val="lt1"/>
+            </a:fontRef>
+          </p:style>
+          <p:txBody>
+            <a:bodyPr rtlCol="0" anchor="ctr"/>
+            <a:lstStyle/>
+            <a:p>
+              <a:pPr algn="ctr"/>
+              <a:endParaRPr lang="en-US"/>
+            </a:p>
+          </p:txBody>
+        </p:sp>
+        <mc:AlternateContent xmlns:mc="http://schemas.openxmlformats.org/markup-compatibility/2006">
+          <mc:Choice xmlns:a14="http://schemas.microsoft.com/office/drawing/2010/main" Requires="a14">
+            <p:sp>
+              <p:nvSpPr>
+                <p:cNvPr id="5" name="TextBox 4"/>
+                <p:cNvSpPr txBox="1"/>
+                <p:nvPr/>
+              </p:nvSpPr>
+              <p:spPr>
+                <a:xfrm>
+                  <a:off x="8190411" y="1642101"/>
+                  <a:ext cx="915186" cy="307777"/>
+                </a:xfrm>
+                <a:prstGeom prst="rect">
+                  <a:avLst/>
+                </a:prstGeom>
+                <a:noFill/>
+              </p:spPr>
+              <p:txBody>
+                <a:bodyPr wrap="none" lIns="0" tIns="0" rIns="0" bIns="0" rtlCol="0">
+                  <a:spAutoFit/>
+                </a:bodyPr>
+                <a:lstStyle/>
+                <a:p>
+                  <a14:m>
+                    <m:oMathPara xmlns:m="http://schemas.openxmlformats.org/officeDocument/2006/math">
+                      <m:oMathParaPr>
+                        <m:jc m:val="centerGroup"/>
+                      </m:oMathParaPr>
+                      <m:oMath xmlns:m="http://schemas.openxmlformats.org/officeDocument/2006/math">
+                        <m:r>
+                          <a:rPr lang="en-CA" sz="2000" b="0" i="1" smtClean="0">
+                            <a:latin typeface="Cambria Math" charset="0"/>
+                            <a:cs typeface="Arial" panose="020B0604020202020204" pitchFamily="34" charset="0"/>
+                          </a:rPr>
+                          <m:t>𝑅𝑒𝑏𝑒𝑘𝑎</m:t>
+                        </m:r>
+                      </m:oMath>
+                    </m:oMathPara>
+                  </a14:m>
+                  <a:endParaRPr lang="en-CA" sz="2000" b="0" dirty="0" smtClean="0">
+                    <a:latin typeface="Arial" panose="020B0604020202020204" pitchFamily="34" charset="0"/>
+                    <a:cs typeface="Arial" panose="020B0604020202020204" pitchFamily="34" charset="0"/>
+                  </a:endParaRPr>
+                </a:p>
+              </p:txBody>
+            </p:sp>
+          </mc:Choice>
+          <mc:Fallback>
+            <p:sp>
+              <p:nvSpPr>
+                <p:cNvPr id="5" name="TextBox 4"/>
+                <p:cNvSpPr txBox="1">
+                  <a:spLocks noRot="1" noChangeAspect="1" noMove="1" noResize="1" noEditPoints="1" noAdjustHandles="1" noChangeArrowheads="1" noChangeShapeType="1" noTextEdit="1"/>
+                </p:cNvSpPr>
+                <p:nvPr/>
+              </p:nvSpPr>
+              <p:spPr>
+                <a:xfrm>
+                  <a:off x="8190411" y="1642101"/>
+                  <a:ext cx="915186" cy="307777"/>
+                </a:xfrm>
+                <a:prstGeom prst="rect">
+                  <a:avLst/>
+                </a:prstGeom>
+                <a:blipFill rotWithShape="0">
+                  <a:blip r:embed="rId30"/>
+                  <a:stretch>
+                    <a:fillRect l="-6667" r="-5333" b="-13725"/>
+                  </a:stretch>
+                </a:blipFill>
+              </p:spPr>
+              <p:txBody>
+                <a:bodyPr/>
+                <a:lstStyle/>
+                <a:p>
+                  <a:r>
+                    <a:rPr lang="en-US">
+                      <a:noFill/>
+                    </a:rPr>
+                    <a:t> </a:t>
+                  </a:r>
+                </a:p>
+              </p:txBody>
+            </p:sp>
+          </mc:Fallback>
+        </mc:AlternateContent>
+        <mc:AlternateContent xmlns:mc="http://schemas.openxmlformats.org/markup-compatibility/2006">
+          <mc:Choice xmlns:a14="http://schemas.microsoft.com/office/drawing/2010/main" Requires="a14">
+            <p:sp>
+              <p:nvSpPr>
+                <p:cNvPr id="39" name="TextBox 38"/>
+                <p:cNvSpPr txBox="1"/>
+                <p:nvPr/>
+              </p:nvSpPr>
+              <p:spPr>
+                <a:xfrm>
+                  <a:off x="9733103" y="1649631"/>
+                  <a:ext cx="570221" cy="307777"/>
+                </a:xfrm>
+                <a:prstGeom prst="rect">
+                  <a:avLst/>
+                </a:prstGeom>
+                <a:noFill/>
+              </p:spPr>
+              <p:txBody>
+                <a:bodyPr wrap="none" lIns="0" tIns="0" rIns="0" bIns="0" rtlCol="0">
+                  <a:spAutoFit/>
+                </a:bodyPr>
+                <a:lstStyle/>
+                <a:p>
+                  <a14:m>
+                    <m:oMathPara xmlns:m="http://schemas.openxmlformats.org/officeDocument/2006/math">
+                      <m:oMathParaPr>
+                        <m:jc m:val="centerGroup"/>
+                      </m:oMathParaPr>
+                      <m:oMath xmlns:m="http://schemas.openxmlformats.org/officeDocument/2006/math">
+                        <m:r>
+                          <a:rPr lang="en-CA" sz="2000" b="0" i="1" smtClean="0">
+                            <a:latin typeface="Cambria Math" charset="0"/>
+                            <a:cs typeface="Arial" panose="020B0604020202020204" pitchFamily="34" charset="0"/>
+                          </a:rPr>
+                          <m:t>𝐽𝑜𝑠h</m:t>
+                        </m:r>
+                      </m:oMath>
+                    </m:oMathPara>
+                  </a14:m>
+                  <a:endParaRPr lang="en-CA" sz="2000" b="0" dirty="0" smtClean="0">
+                    <a:latin typeface="Arial" panose="020B0604020202020204" pitchFamily="34" charset="0"/>
+                    <a:cs typeface="Arial" panose="020B0604020202020204" pitchFamily="34" charset="0"/>
+                  </a:endParaRPr>
+                </a:p>
+              </p:txBody>
+            </p:sp>
+          </mc:Choice>
+          <mc:Fallback>
+            <p:sp>
+              <p:nvSpPr>
+                <p:cNvPr id="39" name="TextBox 38"/>
+                <p:cNvSpPr txBox="1">
+                  <a:spLocks noRot="1" noChangeAspect="1" noMove="1" noResize="1" noEditPoints="1" noAdjustHandles="1" noChangeArrowheads="1" noChangeShapeType="1" noTextEdit="1"/>
+                </p:cNvSpPr>
+                <p:nvPr/>
+              </p:nvSpPr>
+              <p:spPr>
+                <a:xfrm>
+                  <a:off x="9733103" y="1649631"/>
+                  <a:ext cx="570221" cy="307777"/>
+                </a:xfrm>
+                <a:prstGeom prst="rect">
+                  <a:avLst/>
+                </a:prstGeom>
+                <a:blipFill rotWithShape="0">
+                  <a:blip r:embed="rId31"/>
+                  <a:stretch>
+                    <a:fillRect l="-13978" r="-12903" b="-36000"/>
+                  </a:stretch>
+                </a:blipFill>
+              </p:spPr>
+              <p:txBody>
+                <a:bodyPr/>
+                <a:lstStyle/>
+                <a:p>
+                  <a:r>
+                    <a:rPr lang="en-US">
+                      <a:noFill/>
+                    </a:rPr>
+                    <a:t> </a:t>
+                  </a:r>
+                </a:p>
+              </p:txBody>
+            </p:sp>
+          </mc:Fallback>
+        </mc:AlternateContent>
+        <mc:AlternateContent xmlns:mc="http://schemas.openxmlformats.org/markup-compatibility/2006">
+          <mc:Choice xmlns:a14="http://schemas.microsoft.com/office/drawing/2010/main" Requires="a14">
+            <p:sp>
+              <p:nvSpPr>
+                <p:cNvPr id="40" name="TextBox 39"/>
+                <p:cNvSpPr txBox="1"/>
+                <p:nvPr/>
+              </p:nvSpPr>
+              <p:spPr>
+                <a:xfrm>
+                  <a:off x="8311373" y="2060867"/>
+                  <a:ext cx="673261" cy="307777"/>
+                </a:xfrm>
+                <a:prstGeom prst="rect">
+                  <a:avLst/>
+                </a:prstGeom>
+                <a:noFill/>
+              </p:spPr>
+              <p:txBody>
+                <a:bodyPr wrap="none" lIns="0" tIns="0" rIns="0" bIns="0" rtlCol="0">
+                  <a:spAutoFit/>
+                </a:bodyPr>
+                <a:lstStyle/>
+                <a:p>
+                  <a14:m>
+                    <m:oMathPara xmlns:m="http://schemas.openxmlformats.org/officeDocument/2006/math">
+                      <m:oMathParaPr>
+                        <m:jc m:val="centerGroup"/>
+                      </m:oMathParaPr>
+                      <m:oMath xmlns:m="http://schemas.openxmlformats.org/officeDocument/2006/math">
+                        <m:r>
+                          <a:rPr lang="en-CA" sz="2000" b="0" i="1" smtClean="0">
+                            <a:latin typeface="Cambria Math" charset="0"/>
+                            <a:cs typeface="Arial" panose="020B0604020202020204" pitchFamily="34" charset="0"/>
+                          </a:rPr>
+                          <m:t>57 </m:t>
+                        </m:r>
+                        <m:r>
+                          <m:rPr>
+                            <m:nor/>
+                          </m:rPr>
+                          <a:rPr lang="en-CA" sz="2000" b="0" i="0" smtClean="0">
+                            <a:latin typeface="Cambria Math" charset="0"/>
+                            <a:cs typeface="Arial" panose="020B0604020202020204" pitchFamily="34" charset="0"/>
+                          </a:rPr>
+                          <m:t>kg</m:t>
+                        </m:r>
+                      </m:oMath>
+                    </m:oMathPara>
+                  </a14:m>
+                  <a:endParaRPr lang="en-CA" sz="2000" b="0" dirty="0" smtClean="0">
+                    <a:latin typeface="Arial" panose="020B0604020202020204" pitchFamily="34" charset="0"/>
+                    <a:cs typeface="Arial" panose="020B0604020202020204" pitchFamily="34" charset="0"/>
+                  </a:endParaRPr>
+                </a:p>
+              </p:txBody>
+            </p:sp>
+          </mc:Choice>
+          <mc:Fallback>
+            <p:sp>
+              <p:nvSpPr>
+                <p:cNvPr id="40" name="TextBox 39"/>
+                <p:cNvSpPr txBox="1">
+                  <a:spLocks noRot="1" noChangeAspect="1" noMove="1" noResize="1" noEditPoints="1" noAdjustHandles="1" noChangeArrowheads="1" noChangeShapeType="1" noTextEdit="1"/>
+                </p:cNvSpPr>
+                <p:nvPr/>
+              </p:nvSpPr>
+              <p:spPr>
+                <a:xfrm>
+                  <a:off x="8311373" y="2060867"/>
+                  <a:ext cx="673261" cy="307777"/>
+                </a:xfrm>
+                <a:prstGeom prst="rect">
+                  <a:avLst/>
+                </a:prstGeom>
+                <a:blipFill rotWithShape="0">
+                  <a:blip r:embed="rId32"/>
+                  <a:stretch>
+                    <a:fillRect l="-8108" t="-139216" r="-12613" b="-178431"/>
+                  </a:stretch>
+                </a:blipFill>
+              </p:spPr>
+              <p:txBody>
+                <a:bodyPr/>
+                <a:lstStyle/>
+                <a:p>
+                  <a:r>
+                    <a:rPr lang="en-US">
+                      <a:noFill/>
+                    </a:rPr>
+                    <a:t> </a:t>
+                  </a:r>
+                </a:p>
+              </p:txBody>
+            </p:sp>
+          </mc:Fallback>
+        </mc:AlternateContent>
+        <mc:AlternateContent xmlns:mc="http://schemas.openxmlformats.org/markup-compatibility/2006">
+          <mc:Choice xmlns:a14="http://schemas.microsoft.com/office/drawing/2010/main" Requires="a14">
+            <p:sp>
+              <p:nvSpPr>
+                <p:cNvPr id="41" name="TextBox 40"/>
+                <p:cNvSpPr txBox="1"/>
+                <p:nvPr/>
+              </p:nvSpPr>
+              <p:spPr>
+                <a:xfrm>
+                  <a:off x="9681582" y="2057810"/>
+                  <a:ext cx="673261" cy="307777"/>
+                </a:xfrm>
+                <a:prstGeom prst="rect">
+                  <a:avLst/>
+                </a:prstGeom>
+                <a:noFill/>
+              </p:spPr>
+              <p:txBody>
+                <a:bodyPr wrap="none" lIns="0" tIns="0" rIns="0" bIns="0" rtlCol="0">
+                  <a:spAutoFit/>
+                </a:bodyPr>
+                <a:lstStyle/>
+                <a:p>
+                  <a14:m>
+                    <m:oMathPara xmlns:m="http://schemas.openxmlformats.org/officeDocument/2006/math">
+                      <m:oMathParaPr>
+                        <m:jc m:val="centerGroup"/>
+                      </m:oMathParaPr>
+                      <m:oMath xmlns:m="http://schemas.openxmlformats.org/officeDocument/2006/math">
+                        <m:r>
+                          <a:rPr lang="en-CA" sz="2000" i="1" smtClean="0">
+                            <a:latin typeface="Cambria Math" charset="0"/>
+                            <a:cs typeface="Arial" panose="020B0604020202020204" pitchFamily="34" charset="0"/>
+                          </a:rPr>
+                          <m:t>6</m:t>
+                        </m:r>
+                        <m:r>
+                          <a:rPr lang="en-CA" sz="2000" b="0" i="1" smtClean="0">
+                            <a:latin typeface="Cambria Math" charset="0"/>
+                            <a:cs typeface="Arial" panose="020B0604020202020204" pitchFamily="34" charset="0"/>
+                          </a:rPr>
+                          <m:t>3</m:t>
+                        </m:r>
+                        <m:r>
+                          <a:rPr lang="en-CA" sz="2000" b="0" i="1" smtClean="0">
+                            <a:latin typeface="Cambria Math" charset="0"/>
+                            <a:cs typeface="Arial" panose="020B0604020202020204" pitchFamily="34" charset="0"/>
+                          </a:rPr>
+                          <m:t> </m:t>
+                        </m:r>
+                        <m:r>
+                          <m:rPr>
+                            <m:nor/>
+                          </m:rPr>
+                          <a:rPr lang="en-CA" sz="2000" b="0" i="0" smtClean="0">
+                            <a:latin typeface="Cambria Math" charset="0"/>
+                            <a:cs typeface="Arial" panose="020B0604020202020204" pitchFamily="34" charset="0"/>
+                          </a:rPr>
+                          <m:t>kg</m:t>
+                        </m:r>
+                      </m:oMath>
+                    </m:oMathPara>
+                  </a14:m>
+                  <a:endParaRPr lang="en-CA" sz="2000" b="0" dirty="0" smtClean="0">
+                    <a:latin typeface="Arial" panose="020B0604020202020204" pitchFamily="34" charset="0"/>
+                    <a:cs typeface="Arial" panose="020B0604020202020204" pitchFamily="34" charset="0"/>
+                  </a:endParaRPr>
+                </a:p>
+              </p:txBody>
+            </p:sp>
+          </mc:Choice>
+          <mc:Fallback>
+            <p:sp>
+              <p:nvSpPr>
+                <p:cNvPr id="41" name="TextBox 40"/>
+                <p:cNvSpPr txBox="1">
+                  <a:spLocks noRot="1" noChangeAspect="1" noMove="1" noResize="1" noEditPoints="1" noAdjustHandles="1" noChangeArrowheads="1" noChangeShapeType="1" noTextEdit="1"/>
+                </p:cNvSpPr>
+                <p:nvPr/>
+              </p:nvSpPr>
+              <p:spPr>
+                <a:xfrm>
+                  <a:off x="9681582" y="2057810"/>
+                  <a:ext cx="673261" cy="307777"/>
+                </a:xfrm>
+                <a:prstGeom prst="rect">
+                  <a:avLst/>
+                </a:prstGeom>
+                <a:blipFill rotWithShape="0">
+                  <a:blip r:embed="rId33"/>
+                  <a:stretch>
+                    <a:fillRect l="-8108" t="-142000" r="-12613" b="-184000"/>
+                  </a:stretch>
+                </a:blipFill>
+              </p:spPr>
+              <p:txBody>
+                <a:bodyPr/>
+                <a:lstStyle/>
+                <a:p>
+                  <a:r>
+                    <a:rPr lang="en-US">
+                      <a:noFill/>
+                    </a:rPr>
+                    <a:t> </a:t>
+                  </a:r>
+                </a:p>
+              </p:txBody>
+            </p:sp>
+          </mc:Fallback>
+        </mc:AlternateContent>
+        <mc:AlternateContent xmlns:mc="http://schemas.openxmlformats.org/markup-compatibility/2006">
+          <mc:Choice xmlns:a14="http://schemas.microsoft.com/office/drawing/2010/main" Requires="a14">
+            <p:sp>
+              <p:nvSpPr>
+                <p:cNvPr id="42" name="TextBox 41"/>
+                <p:cNvSpPr txBox="1"/>
+                <p:nvPr/>
+              </p:nvSpPr>
+              <p:spPr>
+                <a:xfrm>
+                  <a:off x="8984634" y="2491076"/>
+                  <a:ext cx="619593" cy="307777"/>
+                </a:xfrm>
+                <a:prstGeom prst="rect">
+                  <a:avLst/>
+                </a:prstGeom>
+                <a:noFill/>
+              </p:spPr>
+              <p:txBody>
+                <a:bodyPr wrap="none" lIns="0" tIns="0" rIns="0" bIns="0" rtlCol="0">
+                  <a:spAutoFit/>
+                </a:bodyPr>
+                <a:lstStyle/>
+                <a:p>
+                  <a14:m>
+                    <m:oMathPara xmlns:m="http://schemas.openxmlformats.org/officeDocument/2006/math">
+                      <m:oMathParaPr>
+                        <m:jc m:val="centerGroup"/>
+                      </m:oMathParaPr>
+                      <m:oMath xmlns:m="http://schemas.openxmlformats.org/officeDocument/2006/math">
+                        <m:r>
+                          <a:rPr lang="en-CA" sz="2000" b="0" i="1" smtClean="0">
+                            <a:latin typeface="Cambria Math" charset="0"/>
+                            <a:cs typeface="Arial" panose="020B0604020202020204" pitchFamily="34" charset="0"/>
+                          </a:rPr>
+                          <m:t>𝑑𝑜𝑜𝑟</m:t>
+                        </m:r>
+                      </m:oMath>
+                    </m:oMathPara>
+                  </a14:m>
+                  <a:endParaRPr lang="en-CA" sz="2000" b="0" dirty="0" smtClean="0">
+                    <a:latin typeface="Arial" panose="020B0604020202020204" pitchFamily="34" charset="0"/>
+                    <a:cs typeface="Arial" panose="020B0604020202020204" pitchFamily="34" charset="0"/>
+                  </a:endParaRPr>
+                </a:p>
+              </p:txBody>
+            </p:sp>
+          </mc:Choice>
+          <mc:Fallback>
+            <p:sp>
+              <p:nvSpPr>
+                <p:cNvPr id="42" name="TextBox 41"/>
+                <p:cNvSpPr txBox="1">
+                  <a:spLocks noRot="1" noChangeAspect="1" noMove="1" noResize="1" noEditPoints="1" noAdjustHandles="1" noChangeArrowheads="1" noChangeShapeType="1" noTextEdit="1"/>
+                </p:cNvSpPr>
+                <p:nvPr/>
+              </p:nvSpPr>
+              <p:spPr>
+                <a:xfrm>
+                  <a:off x="8984634" y="2491076"/>
+                  <a:ext cx="619593" cy="307777"/>
+                </a:xfrm>
+                <a:prstGeom prst="rect">
+                  <a:avLst/>
+                </a:prstGeom>
+                <a:blipFill rotWithShape="0">
+                  <a:blip r:embed="rId34"/>
+                  <a:stretch>
+                    <a:fillRect l="-9804" r="-6863" b="-14000"/>
+                  </a:stretch>
+                </a:blipFill>
+              </p:spPr>
+              <p:txBody>
+                <a:bodyPr/>
+                <a:lstStyle/>
+                <a:p>
+                  <a:r>
+                    <a:rPr lang="en-US">
+                      <a:noFill/>
+                    </a:rPr>
+                    <a:t> </a:t>
+                  </a:r>
+                </a:p>
+              </p:txBody>
+            </p:sp>
+          </mc:Fallback>
+        </mc:AlternateContent>
+        <p:cxnSp>
+          <p:nvCxnSpPr>
+            <p:cNvPr id="8" name="Straight Arrow Connector 7"/>
+            <p:cNvCxnSpPr/>
+            <p:nvPr/>
+          </p:nvCxnSpPr>
+          <p:spPr>
+            <a:xfrm>
+              <a:off x="7490012" y="2491076"/>
+              <a:ext cx="0" cy="395559"/>
+            </a:xfrm>
+            <a:prstGeom prst="straightConnector1">
+              <a:avLst/>
+            </a:prstGeom>
+            <a:ln w="38100">
+              <a:solidFill>
+                <a:schemeClr val="tx1"/>
+              </a:solidFill>
+              <a:headEnd type="triangle"/>
+              <a:tailEnd type="triangle"/>
+            </a:ln>
+          </p:spPr>
+          <p:style>
+            <a:lnRef idx="1">
+              <a:schemeClr val="accent1"/>
+            </a:lnRef>
+            <a:fillRef idx="0">
+              <a:schemeClr val="accent1"/>
+            </a:fillRef>
+            <a:effectRef idx="0">
+              <a:schemeClr val="accent1"/>
+            </a:effectRef>
+            <a:fontRef idx="minor">
+              <a:schemeClr val="tx1"/>
+            </a:fontRef>
+          </p:style>
+        </p:cxnSp>
+        <p:cxnSp>
+          <p:nvCxnSpPr>
+            <p:cNvPr id="43" name="Straight Arrow Connector 42"/>
+            <p:cNvCxnSpPr/>
+            <p:nvPr/>
+          </p:nvCxnSpPr>
+          <p:spPr>
+            <a:xfrm flipH="1">
+              <a:off x="7663432" y="3079376"/>
+              <a:ext cx="3384176" cy="0"/>
+            </a:xfrm>
+            <a:prstGeom prst="straightConnector1">
+              <a:avLst/>
+            </a:prstGeom>
+            <a:ln w="38100">
+              <a:solidFill>
+                <a:schemeClr val="tx1"/>
+              </a:solidFill>
+              <a:headEnd type="triangle"/>
+              <a:tailEnd type="triangle"/>
+            </a:ln>
+          </p:spPr>
+          <p:style>
+            <a:lnRef idx="1">
+              <a:schemeClr val="accent1"/>
+            </a:lnRef>
+            <a:fillRef idx="0">
+              <a:schemeClr val="accent1"/>
+            </a:fillRef>
+            <a:effectRef idx="0">
+              <a:schemeClr val="accent1"/>
+            </a:effectRef>
+            <a:fontRef idx="minor">
+              <a:schemeClr val="tx1"/>
+            </a:fontRef>
+          </p:style>
+        </p:cxnSp>
+        <mc:AlternateContent xmlns:mc="http://schemas.openxmlformats.org/markup-compatibility/2006">
+          <mc:Choice xmlns:a14="http://schemas.microsoft.com/office/drawing/2010/main" Requires="a14">
+            <p:sp>
+              <p:nvSpPr>
+                <p:cNvPr id="10" name="TextBox 9"/>
+                <p:cNvSpPr txBox="1"/>
+                <p:nvPr/>
+              </p:nvSpPr>
+              <p:spPr>
+                <a:xfrm>
+                  <a:off x="9053178" y="3227102"/>
+                  <a:ext cx="482504" cy="307777"/>
+                </a:xfrm>
+                <a:prstGeom prst="rect">
+                  <a:avLst/>
+                </a:prstGeom>
+                <a:noFill/>
+              </p:spPr>
+              <p:txBody>
+                <a:bodyPr wrap="none" lIns="0" tIns="0" rIns="0" bIns="0" rtlCol="0">
+                  <a:spAutoFit/>
+                </a:bodyPr>
+                <a:lstStyle/>
+                <a:p>
+                  <a14:m>
+                    <m:oMathPara xmlns:m="http://schemas.openxmlformats.org/officeDocument/2006/math">
+                      <m:oMathParaPr>
+                        <m:jc m:val="centerGroup"/>
+                      </m:oMathParaPr>
+                      <m:oMath xmlns:m="http://schemas.openxmlformats.org/officeDocument/2006/math">
+                        <m:r>
+                          <a:rPr lang="en-CA" sz="2000" b="0" i="1" smtClean="0">
+                            <a:latin typeface="Cambria Math" charset="0"/>
+                            <a:cs typeface="Arial" panose="020B0604020202020204" pitchFamily="34" charset="0"/>
+                          </a:rPr>
+                          <m:t>1 </m:t>
+                        </m:r>
+                        <m:r>
+                          <m:rPr>
+                            <m:nor/>
+                          </m:rPr>
+                          <a:rPr lang="en-CA" sz="2000" b="0" i="0" smtClean="0">
+                            <a:latin typeface="Cambria Math" charset="0"/>
+                            <a:cs typeface="Arial" panose="020B0604020202020204" pitchFamily="34" charset="0"/>
+                          </a:rPr>
+                          <m:t>m</m:t>
+                        </m:r>
+                      </m:oMath>
+                    </m:oMathPara>
+                  </a14:m>
+                  <a:endParaRPr lang="en-US" sz="2000" dirty="0" smtClean="0">
+                    <a:latin typeface="Arial" panose="020B0604020202020204" pitchFamily="34" charset="0"/>
+                    <a:cs typeface="Arial" panose="020B0604020202020204" pitchFamily="34" charset="0"/>
+                  </a:endParaRPr>
+                </a:p>
+              </p:txBody>
+            </p:sp>
+          </mc:Choice>
+          <mc:Fallback>
+            <p:sp>
+              <p:nvSpPr>
+                <p:cNvPr id="10" name="TextBox 9"/>
+                <p:cNvSpPr txBox="1">
+                  <a:spLocks noRot="1" noChangeAspect="1" noMove="1" noResize="1" noEditPoints="1" noAdjustHandles="1" noChangeArrowheads="1" noChangeShapeType="1" noTextEdit="1"/>
+                </p:cNvSpPr>
+                <p:nvPr/>
+              </p:nvSpPr>
+              <p:spPr>
+                <a:xfrm>
+                  <a:off x="9053178" y="3227102"/>
+                  <a:ext cx="482504" cy="307777"/>
+                </a:xfrm>
+                <a:prstGeom prst="rect">
+                  <a:avLst/>
+                </a:prstGeom>
+                <a:blipFill rotWithShape="0">
+                  <a:blip r:embed="rId35"/>
+                  <a:stretch>
+                    <a:fillRect l="-10127" t="-137255" r="-6329" b="-180392"/>
+                  </a:stretch>
+                </a:blipFill>
+              </p:spPr>
+              <p:txBody>
+                <a:bodyPr/>
+                <a:lstStyle/>
+                <a:p>
+                  <a:r>
+                    <a:rPr lang="en-US">
+                      <a:noFill/>
+                    </a:rPr>
+                    <a:t> </a:t>
+                  </a:r>
+                </a:p>
+              </p:txBody>
+            </p:sp>
+          </mc:Fallback>
+        </mc:AlternateContent>
+        <mc:AlternateContent xmlns:mc="http://schemas.openxmlformats.org/markup-compatibility/2006">
+          <mc:Choice xmlns:a14="http://schemas.microsoft.com/office/drawing/2010/main" Requires="a14">
+            <p:sp>
+              <p:nvSpPr>
+                <p:cNvPr id="44" name="TextBox 43"/>
+                <p:cNvSpPr txBox="1"/>
+                <p:nvPr/>
+              </p:nvSpPr>
+              <p:spPr>
+                <a:xfrm>
+                  <a:off x="6569783" y="2526187"/>
+                  <a:ext cx="820738" cy="307777"/>
+                </a:xfrm>
+                <a:prstGeom prst="rect">
+                  <a:avLst/>
+                </a:prstGeom>
+                <a:noFill/>
+              </p:spPr>
+              <p:txBody>
+                <a:bodyPr wrap="none" lIns="0" tIns="0" rIns="0" bIns="0" rtlCol="0">
+                  <a:spAutoFit/>
+                </a:bodyPr>
+                <a:lstStyle/>
+                <a:p>
+                  <a14:m>
+                    <m:oMathPara xmlns:m="http://schemas.openxmlformats.org/officeDocument/2006/math">
+                      <m:oMathParaPr>
+                        <m:jc m:val="centerGroup"/>
+                      </m:oMathParaPr>
+                      <m:oMath xmlns:m="http://schemas.openxmlformats.org/officeDocument/2006/math">
+                        <m:r>
+                          <a:rPr lang="en-CA" sz="2000" b="0" i="1" smtClean="0">
+                            <a:latin typeface="Cambria Math" charset="0"/>
+                            <a:cs typeface="Arial" panose="020B0604020202020204" pitchFamily="34" charset="0"/>
+                          </a:rPr>
+                          <m:t>0.12 </m:t>
+                        </m:r>
+                        <m:r>
+                          <m:rPr>
+                            <m:nor/>
+                          </m:rPr>
+                          <a:rPr lang="en-CA" sz="2000" b="0" i="0" smtClean="0">
+                            <a:latin typeface="Cambria Math" charset="0"/>
+                            <a:cs typeface="Arial" panose="020B0604020202020204" pitchFamily="34" charset="0"/>
+                          </a:rPr>
+                          <m:t>m</m:t>
+                        </m:r>
+                      </m:oMath>
+                    </m:oMathPara>
+                  </a14:m>
+                  <a:endParaRPr lang="en-US" sz="2000" dirty="0" smtClean="0">
+                    <a:latin typeface="Arial" panose="020B0604020202020204" pitchFamily="34" charset="0"/>
+                    <a:cs typeface="Arial" panose="020B0604020202020204" pitchFamily="34" charset="0"/>
+                  </a:endParaRPr>
+                </a:p>
+              </p:txBody>
+            </p:sp>
+          </mc:Choice>
+          <mc:Fallback>
+            <p:sp>
+              <p:nvSpPr>
+                <p:cNvPr id="44" name="TextBox 43"/>
+                <p:cNvSpPr txBox="1">
+                  <a:spLocks noRot="1" noChangeAspect="1" noMove="1" noResize="1" noEditPoints="1" noAdjustHandles="1" noChangeArrowheads="1" noChangeShapeType="1" noTextEdit="1"/>
+                </p:cNvSpPr>
+                <p:nvPr/>
+              </p:nvSpPr>
+              <p:spPr>
+                <a:xfrm>
+                  <a:off x="6569783" y="2526187"/>
+                  <a:ext cx="820738" cy="307777"/>
+                </a:xfrm>
+                <a:prstGeom prst="rect">
+                  <a:avLst/>
+                </a:prstGeom>
+                <a:blipFill rotWithShape="0">
+                  <a:blip r:embed="rId36"/>
+                  <a:stretch>
+                    <a:fillRect l="-6716" t="-137255" r="-3731" b="-180392"/>
+                  </a:stretch>
+                </a:blipFill>
+              </p:spPr>
+              <p:txBody>
+                <a:bodyPr/>
+                <a:lstStyle/>
+                <a:p>
+                  <a:r>
+                    <a:rPr lang="en-US">
+                      <a:noFill/>
+                    </a:rPr>
+                    <a:t> </a:t>
+                  </a:r>
+                </a:p>
+              </p:txBody>
+            </p:sp>
+          </mc:Fallback>
+        </mc:AlternateContent>
+        <mc:AlternateContent xmlns:mc="http://schemas.openxmlformats.org/markup-compatibility/2006">
+          <mc:Choice xmlns:a14="http://schemas.microsoft.com/office/drawing/2010/main" Requires="a14">
+            <p:sp>
+              <p:nvSpPr>
+                <p:cNvPr id="45" name="TextBox 44"/>
+                <p:cNvSpPr txBox="1"/>
+                <p:nvPr/>
+              </p:nvSpPr>
+              <p:spPr>
+                <a:xfrm>
+                  <a:off x="10836939" y="3762439"/>
+                  <a:ext cx="746551" cy="307777"/>
+                </a:xfrm>
+                <a:prstGeom prst="rect">
+                  <a:avLst/>
+                </a:prstGeom>
+                <a:noFill/>
+              </p:spPr>
+              <p:txBody>
+                <a:bodyPr wrap="none" lIns="0" tIns="0" rIns="0" bIns="0" rtlCol="0">
+                  <a:spAutoFit/>
+                </a:bodyPr>
+                <a:lstStyle/>
+                <a:p>
+                  <a14:m>
+                    <m:oMathPara xmlns:m="http://schemas.openxmlformats.org/officeDocument/2006/math">
+                      <m:oMathParaPr>
+                        <m:jc m:val="centerGroup"/>
+                      </m:oMathParaPr>
+                      <m:oMath xmlns:m="http://schemas.openxmlformats.org/officeDocument/2006/math">
+                        <m:r>
+                          <a:rPr lang="en-CA" sz="2000" b="0" i="1" smtClean="0">
+                            <a:latin typeface="Cambria Math" charset="0"/>
+                            <a:cs typeface="Arial" panose="020B0604020202020204" pitchFamily="34" charset="0"/>
+                          </a:rPr>
+                          <m:t>𝑜𝑐𝑒𝑎𝑛</m:t>
+                        </m:r>
+                      </m:oMath>
+                    </m:oMathPara>
+                  </a14:m>
+                  <a:endParaRPr lang="en-CA" sz="2000" b="0" dirty="0" smtClean="0">
+                    <a:latin typeface="Arial" panose="020B0604020202020204" pitchFamily="34" charset="0"/>
+                    <a:cs typeface="Arial" panose="020B0604020202020204" pitchFamily="34" charset="0"/>
+                  </a:endParaRPr>
+                </a:p>
+              </p:txBody>
+            </p:sp>
+          </mc:Choice>
+          <mc:Fallback>
+            <p:sp>
+              <p:nvSpPr>
+                <p:cNvPr id="45" name="TextBox 44"/>
+                <p:cNvSpPr txBox="1">
+                  <a:spLocks noRot="1" noChangeAspect="1" noMove="1" noResize="1" noEditPoints="1" noAdjustHandles="1" noChangeArrowheads="1" noChangeShapeType="1" noTextEdit="1"/>
+                </p:cNvSpPr>
+                <p:nvPr/>
+              </p:nvSpPr>
+              <p:spPr>
+                <a:xfrm>
+                  <a:off x="10836939" y="3762439"/>
+                  <a:ext cx="746551" cy="307777"/>
+                </a:xfrm>
+                <a:prstGeom prst="rect">
+                  <a:avLst/>
+                </a:prstGeom>
+                <a:blipFill rotWithShape="0">
+                  <a:blip r:embed="rId37"/>
+                  <a:stretch>
+                    <a:fillRect l="-4098" r="-2459" b="-1961"/>
+                  </a:stretch>
+                </a:blipFill>
+              </p:spPr>
+              <p:txBody>
+                <a:bodyPr/>
+                <a:lstStyle/>
+                <a:p>
+                  <a:r>
+                    <a:rPr lang="en-US">
+                      <a:noFill/>
+                    </a:rPr>
+                    <a:t> </a:t>
+                  </a:r>
+                </a:p>
+              </p:txBody>
+            </p:sp>
+          </mc:Fallback>
+        </mc:AlternateContent>
+      </p:grpSp>
+      <p:grpSp>
+        <p:nvGrpSpPr>
+          <p:cNvPr id="21" name="Group 20"/>
+          <p:cNvGrpSpPr/>
+          <p:nvPr/>
+        </p:nvGrpSpPr>
+        <p:grpSpPr>
+          <a:xfrm>
+            <a:off x="8404794" y="3617267"/>
+            <a:ext cx="1991608" cy="3033896"/>
+            <a:chOff x="8404794" y="3617267"/>
+            <a:chExt cx="1991608" cy="3033896"/>
+          </a:xfrm>
+        </p:grpSpPr>
+        <p:sp>
+          <p:nvSpPr>
+            <p:cNvPr id="12" name="Oval 11"/>
+            <p:cNvSpPr/>
+            <p:nvPr/>
+          </p:nvSpPr>
+          <p:spPr>
+            <a:xfrm>
+              <a:off x="9065169" y="4903354"/>
+              <a:ext cx="324000" cy="324000"/>
+            </a:xfrm>
+            <a:prstGeom prst="ellipse">
+              <a:avLst/>
+            </a:prstGeom>
+            <a:solidFill>
+              <a:schemeClr val="tx1"/>
+            </a:solidFill>
+            <a:ln w="38100">
+              <a:solidFill>
+                <a:schemeClr val="tx1"/>
+              </a:solidFill>
+            </a:ln>
+          </p:spPr>
+          <p:style>
+            <a:lnRef idx="2">
+              <a:schemeClr val="accent1">
+                <a:shade val="50000"/>
+              </a:schemeClr>
+            </a:lnRef>
+            <a:fillRef idx="1">
+              <a:schemeClr val="accent1"/>
+            </a:fillRef>
+            <a:effectRef idx="0">
+              <a:schemeClr val="accent1"/>
+            </a:effectRef>
+            <a:fontRef idx="minor">
+              <a:schemeClr val="lt1"/>
+            </a:fontRef>
+          </p:style>
+          <p:txBody>
+            <a:bodyPr rtlCol="0" anchor="ctr"/>
+            <a:lstStyle/>
+            <a:p>
+              <a:pPr algn="ctr"/>
+              <a:endParaRPr lang="en-US"/>
+            </a:p>
+          </p:txBody>
+        </p:sp>
+        <p:cxnSp>
+          <p:nvCxnSpPr>
+            <p:cNvPr id="14" name="Straight Arrow Connector 13"/>
+            <p:cNvCxnSpPr/>
+            <p:nvPr/>
+          </p:nvCxnSpPr>
+          <p:spPr>
+            <a:xfrm flipV="1">
+              <a:off x="9220069" y="3617267"/>
+              <a:ext cx="7100" cy="1444900"/>
+            </a:xfrm>
+            <a:prstGeom prst="straightConnector1">
+              <a:avLst/>
+            </a:prstGeom>
+            <a:ln w="38100">
+              <a:solidFill>
+                <a:schemeClr val="tx1"/>
+              </a:solidFill>
+              <a:tailEnd type="triangle"/>
+            </a:ln>
+          </p:spPr>
+          <p:style>
+            <a:lnRef idx="1">
+              <a:schemeClr val="accent1"/>
+            </a:lnRef>
+            <a:fillRef idx="0">
+              <a:schemeClr val="accent1"/>
+            </a:fillRef>
+            <a:effectRef idx="0">
+              <a:schemeClr val="accent1"/>
+            </a:effectRef>
+            <a:fontRef idx="minor">
+              <a:schemeClr val="tx1"/>
+            </a:fontRef>
+          </p:style>
+        </p:cxnSp>
+        <p:cxnSp>
+          <p:nvCxnSpPr>
+            <p:cNvPr id="46" name="Straight Arrow Connector 45"/>
+            <p:cNvCxnSpPr/>
+            <p:nvPr/>
+          </p:nvCxnSpPr>
+          <p:spPr>
+            <a:xfrm>
+              <a:off x="9164068" y="5206263"/>
+              <a:ext cx="7100" cy="1444900"/>
+            </a:xfrm>
+            <a:prstGeom prst="straightConnector1">
+              <a:avLst/>
+            </a:prstGeom>
+            <a:ln w="38100">
+              <a:solidFill>
+                <a:schemeClr val="tx1"/>
+              </a:solidFill>
+              <a:tailEnd type="triangle"/>
+            </a:ln>
+          </p:spPr>
+          <p:style>
+            <a:lnRef idx="1">
+              <a:schemeClr val="accent1"/>
+            </a:lnRef>
+            <a:fillRef idx="0">
+              <a:schemeClr val="accent1"/>
+            </a:fillRef>
+            <a:effectRef idx="0">
+              <a:schemeClr val="accent1"/>
+            </a:effectRef>
+            <a:fontRef idx="minor">
+              <a:schemeClr val="tx1"/>
+            </a:fontRef>
+          </p:style>
+        </p:cxnSp>
+        <p:cxnSp>
+          <p:nvCxnSpPr>
+            <p:cNvPr id="47" name="Straight Arrow Connector 46"/>
+            <p:cNvCxnSpPr/>
+            <p:nvPr/>
+          </p:nvCxnSpPr>
+          <p:spPr>
+            <a:xfrm>
+              <a:off x="9307114" y="5199854"/>
+              <a:ext cx="7100" cy="1444900"/>
+            </a:xfrm>
+            <a:prstGeom prst="straightConnector1">
+              <a:avLst/>
+            </a:prstGeom>
+            <a:ln w="38100">
+              <a:solidFill>
+                <a:schemeClr val="tx1"/>
+              </a:solidFill>
+              <a:tailEnd type="triangle"/>
+            </a:ln>
+          </p:spPr>
+          <p:style>
+            <a:lnRef idx="1">
+              <a:schemeClr val="accent1"/>
+            </a:lnRef>
+            <a:fillRef idx="0">
+              <a:schemeClr val="accent1"/>
+            </a:fillRef>
+            <a:effectRef idx="0">
+              <a:schemeClr val="accent1"/>
+            </a:effectRef>
+            <a:fontRef idx="minor">
+              <a:schemeClr val="tx1"/>
+            </a:fontRef>
+          </p:style>
+        </p:cxnSp>
+        <mc:AlternateContent xmlns:mc="http://schemas.openxmlformats.org/markup-compatibility/2006">
+          <mc:Choice xmlns:a14="http://schemas.microsoft.com/office/drawing/2010/main" Requires="a14">
+            <p:sp>
+              <p:nvSpPr>
+                <p:cNvPr id="20" name="TextBox 19"/>
+                <p:cNvSpPr txBox="1"/>
+                <p:nvPr/>
+              </p:nvSpPr>
+              <p:spPr>
+                <a:xfrm>
+                  <a:off x="8404794" y="5767603"/>
+                  <a:ext cx="695062" cy="377219"/>
+                </a:xfrm>
+                <a:prstGeom prst="rect">
+                  <a:avLst/>
+                </a:prstGeom>
+                <a:noFill/>
+              </p:spPr>
+              <p:txBody>
+                <a:bodyPr wrap="none" lIns="0" tIns="0" rIns="0" bIns="0" rtlCol="0">
+                  <a:spAutoFit/>
+                </a:bodyPr>
+                <a:lstStyle/>
+                <a:p>
+                  <a14:m>
+                    <m:oMathPara xmlns:m="http://schemas.openxmlformats.org/officeDocument/2006/math">
+                      <m:oMathParaPr>
+                        <m:jc m:val="centerGroup"/>
+                      </m:oMathParaPr>
+                      <m:oMath xmlns:m="http://schemas.openxmlformats.org/officeDocument/2006/math">
+                        <m:sSubSup>
+                          <m:sSubSupPr>
+                            <m:ctrlPr>
+                              <a:rPr lang="en-CA" sz="2000" b="0" i="1" smtClean="0">
+                                <a:latin typeface="Cambria Math" charset="0"/>
+                                <a:cs typeface="Arial" panose="020B0604020202020204" pitchFamily="34" charset="0"/>
+                              </a:rPr>
+                            </m:ctrlPr>
+                          </m:sSubSupPr>
+                          <m:e>
+                            <m:acc>
+                              <m:accPr>
+                                <m:chr m:val="⃗"/>
+                                <m:ctrlPr>
+                                  <a:rPr lang="en-US" sz="2000" i="1" smtClean="0">
+                                    <a:latin typeface="Cambria Math" charset="0"/>
+                                    <a:cs typeface="Arial" panose="020B0604020202020204" pitchFamily="34" charset="0"/>
+                                  </a:rPr>
+                                </m:ctrlPr>
+                              </m:accPr>
+                              <m:e>
+                                <m:r>
+                                  <a:rPr lang="en-CA" sz="2000" b="0" i="1" smtClean="0">
+                                    <a:latin typeface="Cambria Math" charset="0"/>
+                                    <a:cs typeface="Arial" panose="020B0604020202020204" pitchFamily="34" charset="0"/>
+                                  </a:rPr>
+                                  <m:t>𝐹</m:t>
+                                </m:r>
+                              </m:e>
+                            </m:acc>
+                          </m:e>
+                          <m:sub>
+                            <m:r>
+                              <a:rPr lang="en-CA" sz="2000" b="0" i="1" smtClean="0">
+                                <a:latin typeface="Cambria Math" charset="0"/>
+                                <a:cs typeface="Arial" panose="020B0604020202020204" pitchFamily="34" charset="0"/>
+                              </a:rPr>
+                              <m:t>𝑔</m:t>
+                            </m:r>
+                          </m:sub>
+                          <m:sup>
+                            <m:r>
+                              <a:rPr lang="en-CA" sz="2000" b="0" i="1" smtClean="0">
+                                <a:latin typeface="Cambria Math" charset="0"/>
+                                <a:cs typeface="Arial" panose="020B0604020202020204" pitchFamily="34" charset="0"/>
+                              </a:rPr>
+                              <m:t>𝑑𝑜𝑜𝑟</m:t>
+                            </m:r>
+                          </m:sup>
+                        </m:sSubSup>
+                      </m:oMath>
+                    </m:oMathPara>
+                  </a14:m>
+                  <a:endParaRPr lang="en-US" sz="2000" dirty="0" smtClean="0">
+                    <a:latin typeface="Arial" panose="020B0604020202020204" pitchFamily="34" charset="0"/>
+                    <a:cs typeface="Arial" panose="020B0604020202020204" pitchFamily="34" charset="0"/>
+                  </a:endParaRPr>
+                </a:p>
+              </p:txBody>
+            </p:sp>
+          </mc:Choice>
+          <mc:Fallback>
+            <p:sp>
+              <p:nvSpPr>
+                <p:cNvPr id="20" name="TextBox 19"/>
+                <p:cNvSpPr txBox="1">
+                  <a:spLocks noRot="1" noChangeAspect="1" noMove="1" noResize="1" noEditPoints="1" noAdjustHandles="1" noChangeArrowheads="1" noChangeShapeType="1" noTextEdit="1"/>
+                </p:cNvSpPr>
+                <p:nvPr/>
+              </p:nvSpPr>
+              <p:spPr>
+                <a:xfrm>
+                  <a:off x="8404794" y="5767603"/>
+                  <a:ext cx="695062" cy="377219"/>
+                </a:xfrm>
+                <a:prstGeom prst="rect">
+                  <a:avLst/>
+                </a:prstGeom>
+                <a:blipFill rotWithShape="0">
+                  <a:blip r:embed="rId38"/>
+                  <a:stretch>
+                    <a:fillRect l="-7895" t="-30645" r="-2632" b="-20968"/>
+                  </a:stretch>
+                </a:blipFill>
+              </p:spPr>
+              <p:txBody>
+                <a:bodyPr/>
+                <a:lstStyle/>
+                <a:p>
+                  <a:r>
+                    <a:rPr lang="en-US">
+                      <a:noFill/>
+                    </a:rPr>
+                    <a:t> </a:t>
+                  </a:r>
+                </a:p>
+              </p:txBody>
+            </p:sp>
+          </mc:Fallback>
+        </mc:AlternateContent>
+        <mc:AlternateContent xmlns:mc="http://schemas.openxmlformats.org/markup-compatibility/2006">
+          <mc:Choice xmlns:a14="http://schemas.microsoft.com/office/drawing/2010/main" Requires="a14">
+            <p:sp>
+              <p:nvSpPr>
+                <p:cNvPr id="48" name="TextBox 47"/>
+                <p:cNvSpPr txBox="1"/>
+                <p:nvPr/>
+              </p:nvSpPr>
+              <p:spPr>
+                <a:xfrm>
+                  <a:off x="9526933" y="5761194"/>
+                  <a:ext cx="869469" cy="392736"/>
+                </a:xfrm>
+                <a:prstGeom prst="rect">
+                  <a:avLst/>
+                </a:prstGeom>
+                <a:noFill/>
+              </p:spPr>
+              <p:txBody>
+                <a:bodyPr wrap="none" lIns="0" tIns="0" rIns="0" bIns="0" rtlCol="0">
+                  <a:spAutoFit/>
+                </a:bodyPr>
+                <a:lstStyle/>
+                <a:p>
+                  <a14:m>
+                    <m:oMathPara xmlns:m="http://schemas.openxmlformats.org/officeDocument/2006/math">
+                      <m:oMathParaPr>
+                        <m:jc m:val="centerGroup"/>
+                      </m:oMathParaPr>
+                      <m:oMath xmlns:m="http://schemas.openxmlformats.org/officeDocument/2006/math">
+                        <m:sSubSup>
+                          <m:sSubSupPr>
+                            <m:ctrlPr>
+                              <a:rPr lang="en-CA" sz="2000" b="0" i="1" smtClean="0">
+                                <a:latin typeface="Cambria Math" charset="0"/>
+                                <a:cs typeface="Arial" panose="020B0604020202020204" pitchFamily="34" charset="0"/>
+                              </a:rPr>
+                            </m:ctrlPr>
+                          </m:sSubSupPr>
+                          <m:e>
+                            <m:acc>
+                              <m:accPr>
+                                <m:chr m:val="⃗"/>
+                                <m:ctrlPr>
+                                  <a:rPr lang="en-US" sz="2000" i="1" smtClean="0">
+                                    <a:latin typeface="Cambria Math" charset="0"/>
+                                    <a:cs typeface="Arial" panose="020B0604020202020204" pitchFamily="34" charset="0"/>
+                                  </a:rPr>
+                                </m:ctrlPr>
+                              </m:accPr>
+                              <m:e>
+                                <m:r>
+                                  <a:rPr lang="en-CA" sz="2000" b="0" i="1" smtClean="0">
+                                    <a:latin typeface="Cambria Math" charset="0"/>
+                                    <a:cs typeface="Arial" panose="020B0604020202020204" pitchFamily="34" charset="0"/>
+                                  </a:rPr>
+                                  <m:t>𝐹</m:t>
+                                </m:r>
+                              </m:e>
+                            </m:acc>
+                          </m:e>
+                          <m:sub>
+                            <m:r>
+                              <a:rPr lang="en-CA" sz="2000" b="0" i="1" smtClean="0">
+                                <a:latin typeface="Cambria Math" charset="0"/>
+                                <a:cs typeface="Arial" panose="020B0604020202020204" pitchFamily="34" charset="0"/>
+                              </a:rPr>
+                              <m:t>𝑔</m:t>
+                            </m:r>
+                          </m:sub>
+                          <m:sup>
+                            <m:r>
+                              <a:rPr lang="en-CA" sz="2000" b="0" i="1" smtClean="0">
+                                <a:latin typeface="Cambria Math" charset="0"/>
+                                <a:cs typeface="Arial" panose="020B0604020202020204" pitchFamily="34" charset="0"/>
+                              </a:rPr>
+                              <m:t>𝑝𝑒𝑜𝑝𝑙𝑒</m:t>
+                            </m:r>
+                          </m:sup>
+                        </m:sSubSup>
+                      </m:oMath>
+                    </m:oMathPara>
+                  </a14:m>
+                  <a:endParaRPr lang="en-US" sz="2000" dirty="0" smtClean="0">
+                    <a:latin typeface="Arial" panose="020B0604020202020204" pitchFamily="34" charset="0"/>
+                    <a:cs typeface="Arial" panose="020B0604020202020204" pitchFamily="34" charset="0"/>
+                  </a:endParaRPr>
+                </a:p>
+              </p:txBody>
+            </p:sp>
+          </mc:Choice>
+          <mc:Fallback>
+            <p:sp>
+              <p:nvSpPr>
+                <p:cNvPr id="48" name="TextBox 47"/>
+                <p:cNvSpPr txBox="1">
+                  <a:spLocks noRot="1" noChangeAspect="1" noMove="1" noResize="1" noEditPoints="1" noAdjustHandles="1" noChangeArrowheads="1" noChangeShapeType="1" noTextEdit="1"/>
+                </p:cNvSpPr>
+                <p:nvPr/>
+              </p:nvSpPr>
+              <p:spPr>
+                <a:xfrm>
+                  <a:off x="9526933" y="5761194"/>
+                  <a:ext cx="869469" cy="392736"/>
+                </a:xfrm>
+                <a:prstGeom prst="rect">
+                  <a:avLst/>
+                </a:prstGeom>
+                <a:blipFill rotWithShape="0">
+                  <a:blip r:embed="rId39"/>
+                  <a:stretch>
+                    <a:fillRect l="-6338" t="-27692" r="-4225" b="-20000"/>
+                  </a:stretch>
+                </a:blipFill>
+              </p:spPr>
+              <p:txBody>
+                <a:bodyPr/>
+                <a:lstStyle/>
+                <a:p>
+                  <a:r>
+                    <a:rPr lang="en-US">
+                      <a:noFill/>
+                    </a:rPr>
+                    <a:t> </a:t>
+                  </a:r>
+                </a:p>
+              </p:txBody>
+            </p:sp>
+          </mc:Fallback>
+        </mc:AlternateContent>
+        <mc:AlternateContent xmlns:mc="http://schemas.openxmlformats.org/markup-compatibility/2006">
+          <mc:Choice xmlns:a14="http://schemas.microsoft.com/office/drawing/2010/main" Requires="a14">
+            <p:sp>
+              <p:nvSpPr>
+                <p:cNvPr id="49" name="TextBox 48"/>
+                <p:cNvSpPr txBox="1"/>
+                <p:nvPr/>
+              </p:nvSpPr>
+              <p:spPr>
+                <a:xfrm>
+                  <a:off x="9409653" y="4062759"/>
+                  <a:ext cx="341888" cy="345159"/>
+                </a:xfrm>
+                <a:prstGeom prst="rect">
+                  <a:avLst/>
+                </a:prstGeom>
+                <a:noFill/>
+              </p:spPr>
+              <p:txBody>
+                <a:bodyPr wrap="none" lIns="0" tIns="0" rIns="0" bIns="0" rtlCol="0">
+                  <a:spAutoFit/>
+                </a:bodyPr>
+                <a:lstStyle/>
+                <a:p>
+                  <a14:m>
+                    <m:oMathPara xmlns:m="http://schemas.openxmlformats.org/officeDocument/2006/math">
+                      <m:oMathParaPr>
+                        <m:jc m:val="centerGroup"/>
+                      </m:oMathParaPr>
+                      <m:oMath xmlns:m="http://schemas.openxmlformats.org/officeDocument/2006/math">
+                        <m:sSub>
+                          <m:sSubPr>
+                            <m:ctrlPr>
+                              <a:rPr lang="en-CA" sz="2000" b="0" i="1" smtClean="0">
+                                <a:latin typeface="Cambria Math" charset="0"/>
+                                <a:cs typeface="Arial" panose="020B0604020202020204" pitchFamily="34" charset="0"/>
+                              </a:rPr>
+                            </m:ctrlPr>
+                          </m:sSubPr>
+                          <m:e>
+                            <m:acc>
+                              <m:accPr>
+                                <m:chr m:val="⃗"/>
+                                <m:ctrlPr>
+                                  <a:rPr lang="en-CA" sz="2000" b="0" i="1" smtClean="0">
+                                    <a:latin typeface="Cambria Math" charset="0"/>
+                                    <a:cs typeface="Arial" panose="020B0604020202020204" pitchFamily="34" charset="0"/>
+                                  </a:rPr>
+                                </m:ctrlPr>
+                              </m:accPr>
+                              <m:e>
+                                <m:r>
+                                  <a:rPr lang="en-CA" sz="2000" b="0" i="1" smtClean="0">
+                                    <a:latin typeface="Cambria Math" charset="0"/>
+                                    <a:cs typeface="Arial" panose="020B0604020202020204" pitchFamily="34" charset="0"/>
+                                  </a:rPr>
+                                  <m:t>𝐹</m:t>
+                                </m:r>
+                              </m:e>
+                            </m:acc>
+                          </m:e>
+                          <m:sub>
+                            <m:r>
+                              <a:rPr lang="en-CA" sz="2000" b="0" i="1" smtClean="0">
+                                <a:latin typeface="Cambria Math" charset="0"/>
+                                <a:cs typeface="Arial" panose="020B0604020202020204" pitchFamily="34" charset="0"/>
+                              </a:rPr>
+                              <m:t>𝐵</m:t>
+                            </m:r>
+                          </m:sub>
+                        </m:sSub>
+                      </m:oMath>
+                    </m:oMathPara>
+                  </a14:m>
+                  <a:endParaRPr lang="en-US" sz="2000" dirty="0" smtClean="0">
+                    <a:latin typeface="Arial" panose="020B0604020202020204" pitchFamily="34" charset="0"/>
+                    <a:cs typeface="Arial" panose="020B0604020202020204" pitchFamily="34" charset="0"/>
+                  </a:endParaRPr>
+                </a:p>
+              </p:txBody>
+            </p:sp>
+          </mc:Choice>
+          <mc:Fallback>
+            <p:sp>
+              <p:nvSpPr>
+                <p:cNvPr id="49" name="TextBox 48"/>
+                <p:cNvSpPr txBox="1">
+                  <a:spLocks noRot="1" noChangeAspect="1" noMove="1" noResize="1" noEditPoints="1" noAdjustHandles="1" noChangeArrowheads="1" noChangeShapeType="1" noTextEdit="1"/>
+                </p:cNvSpPr>
+                <p:nvPr/>
+              </p:nvSpPr>
+              <p:spPr>
+                <a:xfrm>
+                  <a:off x="9409653" y="4062759"/>
+                  <a:ext cx="341888" cy="345159"/>
+                </a:xfrm>
+                <a:prstGeom prst="rect">
+                  <a:avLst/>
+                </a:prstGeom>
+                <a:blipFill rotWithShape="0">
+                  <a:blip r:embed="rId40"/>
+                  <a:stretch>
+                    <a:fillRect l="-16071" t="-33333" r="-62500" b="-17544"/>
+                  </a:stretch>
+                </a:blipFill>
+              </p:spPr>
+              <p:txBody>
+                <a:bodyPr/>
+                <a:lstStyle/>
+                <a:p>
+                  <a:r>
+                    <a:rPr lang="en-US">
+                      <a:noFill/>
+                    </a:rPr>
+                    <a:t> </a:t>
+                  </a:r>
+                </a:p>
+              </p:txBody>
+            </p:sp>
+          </mc:Fallback>
+        </mc:AlternateContent>
+      </p:grpSp>
     </p:spTree>
     <p:extLst>
       <p:ext uri="{BB962C8B-B14F-4D97-AF65-F5344CB8AC3E}">
@@ -10143,6 +11735,1545 @@
                   <a:blip r:embed="rId8"/>
                   <a:stretch>
                     <a:fillRect l="-8333" r="-6481" b="-9804"/>
+                  </a:stretch>
+                </a:blipFill>
+              </p:spPr>
+              <p:txBody>
+                <a:bodyPr/>
+                <a:lstStyle/>
+                <a:p>
+                  <a:r>
+                    <a:rPr lang="en-US">
+                      <a:noFill/>
+                    </a:rPr>
+                    <a:t> </a:t>
+                  </a:r>
+                </a:p>
+              </p:txBody>
+            </p:sp>
+          </mc:Fallback>
+        </mc:AlternateContent>
+      </p:grpSp>
+      <p:grpSp>
+        <p:nvGrpSpPr>
+          <p:cNvPr id="26" name="Group 25"/>
+          <p:cNvGrpSpPr/>
+          <p:nvPr/>
+        </p:nvGrpSpPr>
+        <p:grpSpPr>
+          <a:xfrm>
+            <a:off x="5853733" y="3406253"/>
+            <a:ext cx="4709558" cy="2520000"/>
+            <a:chOff x="4947539" y="2885737"/>
+            <a:chExt cx="4709558" cy="2520000"/>
+          </a:xfrm>
+        </p:grpSpPr>
+        <p:sp>
+          <p:nvSpPr>
+            <p:cNvPr id="4" name="Freeform 3"/>
+            <p:cNvSpPr/>
+            <p:nvPr/>
+          </p:nvSpPr>
+          <p:spPr>
+            <a:xfrm>
+              <a:off x="8618944" y="2997583"/>
+              <a:ext cx="1038153" cy="1141280"/>
+            </a:xfrm>
+            <a:custGeom>
+              <a:avLst/>
+              <a:gdLst>
+                <a:gd name="connsiteX0" fmla="*/ 0 w 1038153"/>
+                <a:gd name="connsiteY0" fmla="*/ 0 h 1223783"/>
+                <a:gd name="connsiteX1" fmla="*/ 1038153 w 1038153"/>
+                <a:gd name="connsiteY1" fmla="*/ 0 h 1223783"/>
+                <a:gd name="connsiteX2" fmla="*/ 1038153 w 1038153"/>
+                <a:gd name="connsiteY2" fmla="*/ 900649 h 1223783"/>
+                <a:gd name="connsiteX3" fmla="*/ 618767 w 1038153"/>
+                <a:gd name="connsiteY3" fmla="*/ 1223783 h 1223783"/>
+                <a:gd name="connsiteX4" fmla="*/ 419386 w 1038153"/>
+                <a:gd name="connsiteY4" fmla="*/ 1223783 h 1223783"/>
+                <a:gd name="connsiteX5" fmla="*/ 0 w 1038153"/>
+                <a:gd name="connsiteY5" fmla="*/ 900649 h 1223783"/>
+                <a:gd name="connsiteX6" fmla="*/ 0 w 1038153"/>
+                <a:gd name="connsiteY6" fmla="*/ 0 h 1223783"/>
+                <a:gd name="connsiteX0" fmla="*/ 6875 w 1038153"/>
+                <a:gd name="connsiteY0" fmla="*/ 89377 h 1223783"/>
+                <a:gd name="connsiteX1" fmla="*/ 1038153 w 1038153"/>
+                <a:gd name="connsiteY1" fmla="*/ 0 h 1223783"/>
+                <a:gd name="connsiteX2" fmla="*/ 1038153 w 1038153"/>
+                <a:gd name="connsiteY2" fmla="*/ 900649 h 1223783"/>
+                <a:gd name="connsiteX3" fmla="*/ 618767 w 1038153"/>
+                <a:gd name="connsiteY3" fmla="*/ 1223783 h 1223783"/>
+                <a:gd name="connsiteX4" fmla="*/ 419386 w 1038153"/>
+                <a:gd name="connsiteY4" fmla="*/ 1223783 h 1223783"/>
+                <a:gd name="connsiteX5" fmla="*/ 0 w 1038153"/>
+                <a:gd name="connsiteY5" fmla="*/ 900649 h 1223783"/>
+                <a:gd name="connsiteX6" fmla="*/ 6875 w 1038153"/>
+                <a:gd name="connsiteY6" fmla="*/ 89377 h 1223783"/>
+                <a:gd name="connsiteX0" fmla="*/ 6875 w 1038153"/>
+                <a:gd name="connsiteY0" fmla="*/ 6874 h 1141280"/>
+                <a:gd name="connsiteX1" fmla="*/ 1038153 w 1038153"/>
+                <a:gd name="connsiteY1" fmla="*/ 0 h 1141280"/>
+                <a:gd name="connsiteX2" fmla="*/ 1038153 w 1038153"/>
+                <a:gd name="connsiteY2" fmla="*/ 818146 h 1141280"/>
+                <a:gd name="connsiteX3" fmla="*/ 618767 w 1038153"/>
+                <a:gd name="connsiteY3" fmla="*/ 1141280 h 1141280"/>
+                <a:gd name="connsiteX4" fmla="*/ 419386 w 1038153"/>
+                <a:gd name="connsiteY4" fmla="*/ 1141280 h 1141280"/>
+                <a:gd name="connsiteX5" fmla="*/ 0 w 1038153"/>
+                <a:gd name="connsiteY5" fmla="*/ 818146 h 1141280"/>
+                <a:gd name="connsiteX6" fmla="*/ 6875 w 1038153"/>
+                <a:gd name="connsiteY6" fmla="*/ 6874 h 1141280"/>
+              </a:gdLst>
+              <a:ahLst/>
+              <a:cxnLst>
+                <a:cxn ang="0">
+                  <a:pos x="connsiteX0" y="connsiteY0"/>
+                </a:cxn>
+                <a:cxn ang="0">
+                  <a:pos x="connsiteX1" y="connsiteY1"/>
+                </a:cxn>
+                <a:cxn ang="0">
+                  <a:pos x="connsiteX2" y="connsiteY2"/>
+                </a:cxn>
+                <a:cxn ang="0">
+                  <a:pos x="connsiteX3" y="connsiteY3"/>
+                </a:cxn>
+                <a:cxn ang="0">
+                  <a:pos x="connsiteX4" y="connsiteY4"/>
+                </a:cxn>
+                <a:cxn ang="0">
+                  <a:pos x="connsiteX5" y="connsiteY5"/>
+                </a:cxn>
+                <a:cxn ang="0">
+                  <a:pos x="connsiteX6" y="connsiteY6"/>
+                </a:cxn>
+              </a:cxnLst>
+              <a:rect l="l" t="t" r="r" b="b"/>
+              <a:pathLst>
+                <a:path w="1038153" h="1141280">
+                  <a:moveTo>
+                    <a:pt x="6875" y="6874"/>
+                  </a:moveTo>
+                  <a:lnTo>
+                    <a:pt x="1038153" y="0"/>
+                  </a:lnTo>
+                  <a:lnTo>
+                    <a:pt x="1038153" y="818146"/>
+                  </a:lnTo>
+                  <a:lnTo>
+                    <a:pt x="618767" y="1141280"/>
+                  </a:lnTo>
+                  <a:lnTo>
+                    <a:pt x="419386" y="1141280"/>
+                  </a:lnTo>
+                  <a:lnTo>
+                    <a:pt x="0" y="818146"/>
+                  </a:lnTo>
+                  <a:cubicBezTo>
+                    <a:pt x="2292" y="520221"/>
+                    <a:pt x="11458" y="311674"/>
+                    <a:pt x="6875" y="6874"/>
+                  </a:cubicBezTo>
+                  <a:close/>
+                </a:path>
+              </a:pathLst>
+            </a:custGeom>
+            <a:solidFill>
+              <a:schemeClr val="accent1">
+                <a:lumMod val="40000"/>
+                <a:lumOff val="60000"/>
+              </a:schemeClr>
+            </a:solidFill>
+            <a:ln w="28575">
+              <a:solidFill>
+                <a:schemeClr val="tx1"/>
+              </a:solidFill>
+            </a:ln>
+          </p:spPr>
+          <p:style>
+            <a:lnRef idx="2">
+              <a:schemeClr val="accent1">
+                <a:shade val="50000"/>
+              </a:schemeClr>
+            </a:lnRef>
+            <a:fillRef idx="1">
+              <a:schemeClr val="accent1"/>
+            </a:fillRef>
+            <a:effectRef idx="0">
+              <a:schemeClr val="accent1"/>
+            </a:effectRef>
+            <a:fontRef idx="minor">
+              <a:schemeClr val="lt1"/>
+            </a:fontRef>
+          </p:style>
+          <p:txBody>
+            <a:bodyPr rtlCol="0" anchor="ctr"/>
+            <a:lstStyle/>
+            <a:p>
+              <a:pPr algn="ctr"/>
+              <a:endParaRPr lang="en-US"/>
+            </a:p>
+          </p:txBody>
+        </p:sp>
+        <p:sp>
+          <p:nvSpPr>
+            <p:cNvPr id="18" name="Freeform 17"/>
+            <p:cNvSpPr/>
+            <p:nvPr/>
+          </p:nvSpPr>
+          <p:spPr>
+            <a:xfrm>
+              <a:off x="8618943" y="2915079"/>
+              <a:ext cx="1038153" cy="1223783"/>
+            </a:xfrm>
+            <a:custGeom>
+              <a:avLst/>
+              <a:gdLst>
+                <a:gd name="connsiteX0" fmla="*/ 0 w 1038153"/>
+                <a:gd name="connsiteY0" fmla="*/ 0 h 1223783"/>
+                <a:gd name="connsiteX1" fmla="*/ 1038153 w 1038153"/>
+                <a:gd name="connsiteY1" fmla="*/ 0 h 1223783"/>
+                <a:gd name="connsiteX2" fmla="*/ 1038153 w 1038153"/>
+                <a:gd name="connsiteY2" fmla="*/ 900649 h 1223783"/>
+                <a:gd name="connsiteX3" fmla="*/ 618767 w 1038153"/>
+                <a:gd name="connsiteY3" fmla="*/ 1223783 h 1223783"/>
+                <a:gd name="connsiteX4" fmla="*/ 419386 w 1038153"/>
+                <a:gd name="connsiteY4" fmla="*/ 1223783 h 1223783"/>
+                <a:gd name="connsiteX5" fmla="*/ 0 w 1038153"/>
+                <a:gd name="connsiteY5" fmla="*/ 900649 h 1223783"/>
+                <a:gd name="connsiteX6" fmla="*/ 0 w 1038153"/>
+                <a:gd name="connsiteY6" fmla="*/ 0 h 1223783"/>
+              </a:gdLst>
+              <a:ahLst/>
+              <a:cxnLst>
+                <a:cxn ang="0">
+                  <a:pos x="connsiteX0" y="connsiteY0"/>
+                </a:cxn>
+                <a:cxn ang="0">
+                  <a:pos x="connsiteX1" y="connsiteY1"/>
+                </a:cxn>
+                <a:cxn ang="0">
+                  <a:pos x="connsiteX2" y="connsiteY2"/>
+                </a:cxn>
+                <a:cxn ang="0">
+                  <a:pos x="connsiteX3" y="connsiteY3"/>
+                </a:cxn>
+                <a:cxn ang="0">
+                  <a:pos x="connsiteX4" y="connsiteY4"/>
+                </a:cxn>
+                <a:cxn ang="0">
+                  <a:pos x="connsiteX5" y="connsiteY5"/>
+                </a:cxn>
+                <a:cxn ang="0">
+                  <a:pos x="connsiteX6" y="connsiteY6"/>
+                </a:cxn>
+              </a:cxnLst>
+              <a:rect l="l" t="t" r="r" b="b"/>
+              <a:pathLst>
+                <a:path w="1038153" h="1223783">
+                  <a:moveTo>
+                    <a:pt x="0" y="0"/>
+                  </a:moveTo>
+                  <a:lnTo>
+                    <a:pt x="1038153" y="0"/>
+                  </a:lnTo>
+                  <a:lnTo>
+                    <a:pt x="1038153" y="900649"/>
+                  </a:lnTo>
+                  <a:lnTo>
+                    <a:pt x="618767" y="1223783"/>
+                  </a:lnTo>
+                  <a:lnTo>
+                    <a:pt x="419386" y="1223783"/>
+                  </a:lnTo>
+                  <a:lnTo>
+                    <a:pt x="0" y="900649"/>
+                  </a:lnTo>
+                  <a:cubicBezTo>
+                    <a:pt x="2292" y="602724"/>
+                    <a:pt x="4583" y="304800"/>
+                    <a:pt x="0" y="0"/>
+                  </a:cubicBezTo>
+                  <a:close/>
+                </a:path>
+              </a:pathLst>
+            </a:custGeom>
+            <a:noFill/>
+            <a:ln w="28575">
+              <a:solidFill>
+                <a:schemeClr val="tx1"/>
+              </a:solidFill>
+            </a:ln>
+          </p:spPr>
+          <p:style>
+            <a:lnRef idx="2">
+              <a:schemeClr val="accent1">
+                <a:shade val="50000"/>
+              </a:schemeClr>
+            </a:lnRef>
+            <a:fillRef idx="1">
+              <a:schemeClr val="accent1"/>
+            </a:fillRef>
+            <a:effectRef idx="0">
+              <a:schemeClr val="accent1"/>
+            </a:effectRef>
+            <a:fontRef idx="minor">
+              <a:schemeClr val="lt1"/>
+            </a:fontRef>
+          </p:style>
+          <p:txBody>
+            <a:bodyPr rtlCol="0" anchor="ctr"/>
+            <a:lstStyle/>
+            <a:p>
+              <a:pPr algn="ctr"/>
+              <a:endParaRPr lang="en-US"/>
+            </a:p>
+          </p:txBody>
+        </p:sp>
+        <p:sp>
+          <p:nvSpPr>
+            <p:cNvPr id="7" name="Block Arc 6"/>
+            <p:cNvSpPr/>
+            <p:nvPr/>
+          </p:nvSpPr>
+          <p:spPr>
+            <a:xfrm rot="10800000">
+              <a:off x="7383953" y="2885737"/>
+              <a:ext cx="1800000" cy="2520000"/>
+            </a:xfrm>
+            <a:prstGeom prst="blockArc">
+              <a:avLst>
+                <a:gd name="adj1" fmla="val 10800000"/>
+                <a:gd name="adj2" fmla="val 16283777"/>
+                <a:gd name="adj3" fmla="val 4844"/>
+              </a:avLst>
+            </a:prstGeom>
+            <a:solidFill>
+              <a:schemeClr val="accent1">
+                <a:lumMod val="40000"/>
+                <a:lumOff val="60000"/>
+              </a:schemeClr>
+            </a:solidFill>
+            <a:ln w="28575">
+              <a:solidFill>
+                <a:schemeClr val="tx1"/>
+              </a:solidFill>
+            </a:ln>
+          </p:spPr>
+          <p:style>
+            <a:lnRef idx="2">
+              <a:schemeClr val="accent1">
+                <a:shade val="50000"/>
+              </a:schemeClr>
+            </a:lnRef>
+            <a:fillRef idx="1">
+              <a:schemeClr val="accent1"/>
+            </a:fillRef>
+            <a:effectRef idx="0">
+              <a:schemeClr val="accent1"/>
+            </a:effectRef>
+            <a:fontRef idx="minor">
+              <a:schemeClr val="lt1"/>
+            </a:fontRef>
+          </p:style>
+          <p:txBody>
+            <a:bodyPr rtlCol="0" anchor="ctr"/>
+            <a:lstStyle/>
+            <a:p>
+              <a:pPr algn="ctr"/>
+              <a:endParaRPr lang="en-US">
+                <a:solidFill>
+                  <a:schemeClr val="tx1"/>
+                </a:solidFill>
+              </a:endParaRPr>
+            </a:p>
+          </p:txBody>
+        </p:sp>
+        <p:sp>
+          <p:nvSpPr>
+            <p:cNvPr id="19" name="Rectangle 18"/>
+            <p:cNvSpPr/>
+            <p:nvPr/>
+          </p:nvSpPr>
+          <p:spPr>
+            <a:xfrm>
+              <a:off x="7988968" y="5335146"/>
+              <a:ext cx="281883" cy="56841"/>
+            </a:xfrm>
+            <a:prstGeom prst="rect">
+              <a:avLst/>
+            </a:prstGeom>
+            <a:solidFill>
+              <a:schemeClr val="bg2">
+                <a:lumMod val="75000"/>
+              </a:schemeClr>
+            </a:solidFill>
+            <a:ln w="28575">
+              <a:solidFill>
+                <a:schemeClr val="tx1"/>
+              </a:solidFill>
+            </a:ln>
+          </p:spPr>
+          <p:style>
+            <a:lnRef idx="2">
+              <a:schemeClr val="accent1">
+                <a:shade val="50000"/>
+              </a:schemeClr>
+            </a:lnRef>
+            <a:fillRef idx="1">
+              <a:schemeClr val="accent1"/>
+            </a:fillRef>
+            <a:effectRef idx="0">
+              <a:schemeClr val="accent1"/>
+            </a:effectRef>
+            <a:fontRef idx="minor">
+              <a:schemeClr val="lt1"/>
+            </a:fontRef>
+          </p:style>
+          <p:txBody>
+            <a:bodyPr rtlCol="0" anchor="ctr"/>
+            <a:lstStyle/>
+            <a:p>
+              <a:pPr algn="ctr"/>
+              <a:endParaRPr lang="en-US"/>
+            </a:p>
+          </p:txBody>
+        </p:sp>
+        <p:sp>
+          <p:nvSpPr>
+            <p:cNvPr id="20" name="Rectangle 19"/>
+            <p:cNvSpPr/>
+            <p:nvPr/>
+          </p:nvSpPr>
+          <p:spPr>
+            <a:xfrm>
+              <a:off x="5866259" y="4273538"/>
+              <a:ext cx="1630145" cy="153889"/>
+            </a:xfrm>
+            <a:prstGeom prst="rect">
+              <a:avLst/>
+            </a:prstGeom>
+            <a:solidFill>
+              <a:schemeClr val="bg2">
+                <a:lumMod val="75000"/>
+              </a:schemeClr>
+            </a:solidFill>
+            <a:ln w="28575">
+              <a:solidFill>
+                <a:schemeClr val="tx1"/>
+              </a:solidFill>
+            </a:ln>
+          </p:spPr>
+          <p:style>
+            <a:lnRef idx="2">
+              <a:schemeClr val="accent1">
+                <a:shade val="50000"/>
+              </a:schemeClr>
+            </a:lnRef>
+            <a:fillRef idx="1">
+              <a:schemeClr val="accent1"/>
+            </a:fillRef>
+            <a:effectRef idx="0">
+              <a:schemeClr val="accent1"/>
+            </a:effectRef>
+            <a:fontRef idx="minor">
+              <a:schemeClr val="lt1"/>
+            </a:fontRef>
+          </p:style>
+          <p:txBody>
+            <a:bodyPr rtlCol="0" anchor="ctr"/>
+            <a:lstStyle/>
+            <a:p>
+              <a:pPr algn="ctr"/>
+              <a:endParaRPr lang="en-US"/>
+            </a:p>
+          </p:txBody>
+        </p:sp>
+        <p:cxnSp>
+          <p:nvCxnSpPr>
+            <p:cNvPr id="22" name="Straight Arrow Connector 21"/>
+            <p:cNvCxnSpPr/>
+            <p:nvPr/>
+          </p:nvCxnSpPr>
+          <p:spPr>
+            <a:xfrm flipV="1">
+              <a:off x="5866259" y="4620127"/>
+              <a:ext cx="1630145" cy="0"/>
+            </a:xfrm>
+            <a:prstGeom prst="straightConnector1">
+              <a:avLst/>
+            </a:prstGeom>
+            <a:ln w="28575">
+              <a:solidFill>
+                <a:schemeClr val="tx1"/>
+              </a:solidFill>
+              <a:headEnd type="triangle"/>
+              <a:tailEnd type="triangle"/>
+            </a:ln>
+          </p:spPr>
+          <p:style>
+            <a:lnRef idx="1">
+              <a:schemeClr val="accent1"/>
+            </a:lnRef>
+            <a:fillRef idx="0">
+              <a:schemeClr val="accent1"/>
+            </a:fillRef>
+            <a:effectRef idx="0">
+              <a:schemeClr val="accent1"/>
+            </a:effectRef>
+            <a:fontRef idx="minor">
+              <a:schemeClr val="tx1"/>
+            </a:fontRef>
+          </p:style>
+        </p:cxnSp>
+        <p:cxnSp>
+          <p:nvCxnSpPr>
+            <p:cNvPr id="23" name="Straight Arrow Connector 22"/>
+            <p:cNvCxnSpPr/>
+            <p:nvPr/>
+          </p:nvCxnSpPr>
+          <p:spPr>
+            <a:xfrm flipV="1">
+              <a:off x="5757402" y="4224482"/>
+              <a:ext cx="0" cy="252000"/>
+            </a:xfrm>
+            <a:prstGeom prst="straightConnector1">
+              <a:avLst/>
+            </a:prstGeom>
+            <a:ln w="28575">
+              <a:solidFill>
+                <a:schemeClr val="tx1"/>
+              </a:solidFill>
+              <a:headEnd type="triangle"/>
+              <a:tailEnd type="triangle"/>
+            </a:ln>
+          </p:spPr>
+          <p:style>
+            <a:lnRef idx="1">
+              <a:schemeClr val="accent1"/>
+            </a:lnRef>
+            <a:fillRef idx="0">
+              <a:schemeClr val="accent1"/>
+            </a:fillRef>
+            <a:effectRef idx="0">
+              <a:schemeClr val="accent1"/>
+            </a:effectRef>
+            <a:fontRef idx="minor">
+              <a:schemeClr val="tx1"/>
+            </a:fontRef>
+          </p:style>
+        </p:cxnSp>
+        <mc:AlternateContent xmlns:mc="http://schemas.openxmlformats.org/markup-compatibility/2006">
+          <mc:Choice xmlns:a14="http://schemas.microsoft.com/office/drawing/2010/main" Requires="a14">
+            <p:sp>
+              <p:nvSpPr>
+                <p:cNvPr id="24" name="TextBox 23"/>
+                <p:cNvSpPr txBox="1"/>
+                <p:nvPr/>
+              </p:nvSpPr>
+              <p:spPr>
+                <a:xfrm>
+                  <a:off x="6348458" y="4705106"/>
+                  <a:ext cx="586699" cy="215444"/>
+                </a:xfrm>
+                <a:prstGeom prst="rect">
+                  <a:avLst/>
+                </a:prstGeom>
+                <a:noFill/>
+              </p:spPr>
+              <p:txBody>
+                <a:bodyPr wrap="none" lIns="0" tIns="0" rIns="0" bIns="0" rtlCol="0">
+                  <a:spAutoFit/>
+                </a:bodyPr>
+                <a:lstStyle/>
+                <a:p>
+                  <a14:m>
+                    <m:oMathPara xmlns:m="http://schemas.openxmlformats.org/officeDocument/2006/math">
+                      <m:oMathParaPr>
+                        <m:jc m:val="centerGroup"/>
+                      </m:oMathParaPr>
+                      <m:oMath xmlns:m="http://schemas.openxmlformats.org/officeDocument/2006/math">
+                        <m:r>
+                          <a:rPr lang="en-CA" sz="1400" b="0" i="1" smtClean="0">
+                            <a:latin typeface="Cambria Math" charset="0"/>
+                            <a:cs typeface="Arial" panose="020B0604020202020204" pitchFamily="34" charset="0"/>
+                          </a:rPr>
+                          <m:t>32 </m:t>
+                        </m:r>
+                        <m:r>
+                          <m:rPr>
+                            <m:nor/>
+                          </m:rPr>
+                          <a:rPr lang="en-CA" sz="1400" b="0" i="0" smtClean="0">
+                            <a:latin typeface="Cambria Math" charset="0"/>
+                            <a:cs typeface="Arial" panose="020B0604020202020204" pitchFamily="34" charset="0"/>
+                          </a:rPr>
+                          <m:t>mm</m:t>
+                        </m:r>
+                      </m:oMath>
+                    </m:oMathPara>
+                  </a14:m>
+                  <a:endParaRPr lang="en-US" sz="1400" dirty="0" smtClean="0">
+                    <a:latin typeface="Arial" panose="020B0604020202020204" pitchFamily="34" charset="0"/>
+                    <a:cs typeface="Arial" panose="020B0604020202020204" pitchFamily="34" charset="0"/>
+                  </a:endParaRPr>
+                </a:p>
+              </p:txBody>
+            </p:sp>
+          </mc:Choice>
+          <mc:Fallback>
+            <p:sp>
+              <p:nvSpPr>
+                <p:cNvPr id="24" name="TextBox 23"/>
+                <p:cNvSpPr txBox="1">
+                  <a:spLocks noRot="1" noChangeAspect="1" noMove="1" noResize="1" noEditPoints="1" noAdjustHandles="1" noChangeArrowheads="1" noChangeShapeType="1" noTextEdit="1"/>
+                </p:cNvSpPr>
+                <p:nvPr/>
+              </p:nvSpPr>
+              <p:spPr>
+                <a:xfrm>
+                  <a:off x="6348458" y="4705106"/>
+                  <a:ext cx="586699" cy="215444"/>
+                </a:xfrm>
+                <a:prstGeom prst="rect">
+                  <a:avLst/>
+                </a:prstGeom>
+                <a:blipFill rotWithShape="0">
+                  <a:blip r:embed="rId9"/>
+                  <a:stretch>
+                    <a:fillRect l="-6250" t="-136111" r="-3125" b="-172222"/>
+                  </a:stretch>
+                </a:blipFill>
+              </p:spPr>
+              <p:txBody>
+                <a:bodyPr/>
+                <a:lstStyle/>
+                <a:p>
+                  <a:r>
+                    <a:rPr lang="en-US">
+                      <a:noFill/>
+                    </a:rPr>
+                    <a:t> </a:t>
+                  </a:r>
+                </a:p>
+              </p:txBody>
+            </p:sp>
+          </mc:Fallback>
+        </mc:AlternateContent>
+        <mc:AlternateContent xmlns:mc="http://schemas.openxmlformats.org/markup-compatibility/2006">
+          <mc:Choice xmlns:a14="http://schemas.microsoft.com/office/drawing/2010/main" Requires="a14">
+            <p:sp>
+              <p:nvSpPr>
+                <p:cNvPr id="25" name="TextBox 24"/>
+                <p:cNvSpPr txBox="1"/>
+                <p:nvPr/>
+              </p:nvSpPr>
+              <p:spPr>
+                <a:xfrm>
+                  <a:off x="4947539" y="4203727"/>
+                  <a:ext cx="722954" cy="215444"/>
+                </a:xfrm>
+                <a:prstGeom prst="rect">
+                  <a:avLst/>
+                </a:prstGeom>
+                <a:noFill/>
+              </p:spPr>
+              <p:txBody>
+                <a:bodyPr wrap="none" lIns="0" tIns="0" rIns="0" bIns="0" rtlCol="0">
+                  <a:spAutoFit/>
+                </a:bodyPr>
+                <a:lstStyle/>
+                <a:p>
+                  <a14:m>
+                    <m:oMathPara xmlns:m="http://schemas.openxmlformats.org/officeDocument/2006/math">
+                      <m:oMathParaPr>
+                        <m:jc m:val="centerGroup"/>
+                      </m:oMathParaPr>
+                      <m:oMath xmlns:m="http://schemas.openxmlformats.org/officeDocument/2006/math">
+                        <m:r>
+                          <a:rPr lang="en-CA" sz="1400" i="1" smtClean="0">
+                            <a:latin typeface="Cambria Math" charset="0"/>
+                            <a:cs typeface="Arial" panose="020B0604020202020204" pitchFamily="34" charset="0"/>
+                          </a:rPr>
+                          <m:t>0</m:t>
+                        </m:r>
+                        <m:r>
+                          <a:rPr lang="en-CA" sz="1400" b="0" i="1" smtClean="0">
+                            <a:latin typeface="Cambria Math" charset="0"/>
+                            <a:cs typeface="Arial" panose="020B0604020202020204" pitchFamily="34" charset="0"/>
+                          </a:rPr>
+                          <m:t>.60</m:t>
+                        </m:r>
+                        <m:r>
+                          <a:rPr lang="en-CA" sz="1400" b="0" i="1" smtClean="0">
+                            <a:latin typeface="Cambria Math" charset="0"/>
+                            <a:cs typeface="Arial" panose="020B0604020202020204" pitchFamily="34" charset="0"/>
+                          </a:rPr>
+                          <m:t> </m:t>
+                        </m:r>
+                        <m:r>
+                          <m:rPr>
+                            <m:nor/>
+                          </m:rPr>
+                          <a:rPr lang="en-CA" sz="1400" b="0" i="0" smtClean="0">
+                            <a:latin typeface="Cambria Math" charset="0"/>
+                            <a:cs typeface="Arial" panose="020B0604020202020204" pitchFamily="34" charset="0"/>
+                          </a:rPr>
+                          <m:t>mm</m:t>
+                        </m:r>
+                      </m:oMath>
+                    </m:oMathPara>
+                  </a14:m>
+                  <a:endParaRPr lang="en-US" sz="1400" dirty="0" smtClean="0">
+                    <a:latin typeface="Arial" panose="020B0604020202020204" pitchFamily="34" charset="0"/>
+                    <a:cs typeface="Arial" panose="020B0604020202020204" pitchFamily="34" charset="0"/>
+                  </a:endParaRPr>
+                </a:p>
+              </p:txBody>
+            </p:sp>
+          </mc:Choice>
+          <mc:Fallback>
+            <p:sp>
+              <p:nvSpPr>
+                <p:cNvPr id="25" name="TextBox 24"/>
+                <p:cNvSpPr txBox="1">
+                  <a:spLocks noRot="1" noChangeAspect="1" noMove="1" noResize="1" noEditPoints="1" noAdjustHandles="1" noChangeArrowheads="1" noChangeShapeType="1" noTextEdit="1"/>
+                </p:cNvSpPr>
+                <p:nvPr/>
+              </p:nvSpPr>
+              <p:spPr>
+                <a:xfrm>
+                  <a:off x="4947539" y="4203727"/>
+                  <a:ext cx="722954" cy="215444"/>
+                </a:xfrm>
+                <a:prstGeom prst="rect">
+                  <a:avLst/>
+                </a:prstGeom>
+                <a:blipFill rotWithShape="0">
+                  <a:blip r:embed="rId10"/>
+                  <a:stretch>
+                    <a:fillRect l="-4202" t="-140000" r="-1681" b="-180000"/>
+                  </a:stretch>
+                </a:blipFill>
+              </p:spPr>
+              <p:txBody>
+                <a:bodyPr/>
+                <a:lstStyle/>
+                <a:p>
+                  <a:r>
+                    <a:rPr lang="en-US">
+                      <a:noFill/>
+                    </a:rPr>
+                    <a:t> </a:t>
+                  </a:r>
+                </a:p>
+              </p:txBody>
+            </p:sp>
+          </mc:Fallback>
+        </mc:AlternateContent>
+      </p:grpSp>
+      <p:grpSp>
+        <p:nvGrpSpPr>
+          <p:cNvPr id="43" name="Group 42"/>
+          <p:cNvGrpSpPr/>
+          <p:nvPr/>
+        </p:nvGrpSpPr>
+        <p:grpSpPr>
+          <a:xfrm>
+            <a:off x="7576383" y="48318"/>
+            <a:ext cx="3897507" cy="3015170"/>
+            <a:chOff x="7732637" y="-51560"/>
+            <a:chExt cx="3897507" cy="3015170"/>
+          </a:xfrm>
+        </p:grpSpPr>
+        <p:grpSp>
+          <p:nvGrpSpPr>
+            <p:cNvPr id="37" name="Group 36"/>
+            <p:cNvGrpSpPr/>
+            <p:nvPr/>
+          </p:nvGrpSpPr>
+          <p:grpSpPr>
+            <a:xfrm>
+              <a:off x="7732637" y="399067"/>
+              <a:ext cx="2273144" cy="2520000"/>
+              <a:chOff x="7732637" y="186703"/>
+              <a:chExt cx="2273144" cy="2520000"/>
+            </a:xfrm>
+          </p:grpSpPr>
+          <p:sp>
+            <p:nvSpPr>
+              <p:cNvPr id="30" name="Freeform 29"/>
+              <p:cNvSpPr/>
+              <p:nvPr/>
+            </p:nvSpPr>
+            <p:spPr>
+              <a:xfrm>
+                <a:off x="8967628" y="298549"/>
+                <a:ext cx="1038153" cy="1141280"/>
+              </a:xfrm>
+              <a:custGeom>
+                <a:avLst/>
+                <a:gdLst>
+                  <a:gd name="connsiteX0" fmla="*/ 0 w 1038153"/>
+                  <a:gd name="connsiteY0" fmla="*/ 0 h 1223783"/>
+                  <a:gd name="connsiteX1" fmla="*/ 1038153 w 1038153"/>
+                  <a:gd name="connsiteY1" fmla="*/ 0 h 1223783"/>
+                  <a:gd name="connsiteX2" fmla="*/ 1038153 w 1038153"/>
+                  <a:gd name="connsiteY2" fmla="*/ 900649 h 1223783"/>
+                  <a:gd name="connsiteX3" fmla="*/ 618767 w 1038153"/>
+                  <a:gd name="connsiteY3" fmla="*/ 1223783 h 1223783"/>
+                  <a:gd name="connsiteX4" fmla="*/ 419386 w 1038153"/>
+                  <a:gd name="connsiteY4" fmla="*/ 1223783 h 1223783"/>
+                  <a:gd name="connsiteX5" fmla="*/ 0 w 1038153"/>
+                  <a:gd name="connsiteY5" fmla="*/ 900649 h 1223783"/>
+                  <a:gd name="connsiteX6" fmla="*/ 0 w 1038153"/>
+                  <a:gd name="connsiteY6" fmla="*/ 0 h 1223783"/>
+                  <a:gd name="connsiteX0" fmla="*/ 6875 w 1038153"/>
+                  <a:gd name="connsiteY0" fmla="*/ 89377 h 1223783"/>
+                  <a:gd name="connsiteX1" fmla="*/ 1038153 w 1038153"/>
+                  <a:gd name="connsiteY1" fmla="*/ 0 h 1223783"/>
+                  <a:gd name="connsiteX2" fmla="*/ 1038153 w 1038153"/>
+                  <a:gd name="connsiteY2" fmla="*/ 900649 h 1223783"/>
+                  <a:gd name="connsiteX3" fmla="*/ 618767 w 1038153"/>
+                  <a:gd name="connsiteY3" fmla="*/ 1223783 h 1223783"/>
+                  <a:gd name="connsiteX4" fmla="*/ 419386 w 1038153"/>
+                  <a:gd name="connsiteY4" fmla="*/ 1223783 h 1223783"/>
+                  <a:gd name="connsiteX5" fmla="*/ 0 w 1038153"/>
+                  <a:gd name="connsiteY5" fmla="*/ 900649 h 1223783"/>
+                  <a:gd name="connsiteX6" fmla="*/ 6875 w 1038153"/>
+                  <a:gd name="connsiteY6" fmla="*/ 89377 h 1223783"/>
+                  <a:gd name="connsiteX0" fmla="*/ 6875 w 1038153"/>
+                  <a:gd name="connsiteY0" fmla="*/ 6874 h 1141280"/>
+                  <a:gd name="connsiteX1" fmla="*/ 1038153 w 1038153"/>
+                  <a:gd name="connsiteY1" fmla="*/ 0 h 1141280"/>
+                  <a:gd name="connsiteX2" fmla="*/ 1038153 w 1038153"/>
+                  <a:gd name="connsiteY2" fmla="*/ 818146 h 1141280"/>
+                  <a:gd name="connsiteX3" fmla="*/ 618767 w 1038153"/>
+                  <a:gd name="connsiteY3" fmla="*/ 1141280 h 1141280"/>
+                  <a:gd name="connsiteX4" fmla="*/ 419386 w 1038153"/>
+                  <a:gd name="connsiteY4" fmla="*/ 1141280 h 1141280"/>
+                  <a:gd name="connsiteX5" fmla="*/ 0 w 1038153"/>
+                  <a:gd name="connsiteY5" fmla="*/ 818146 h 1141280"/>
+                  <a:gd name="connsiteX6" fmla="*/ 6875 w 1038153"/>
+                  <a:gd name="connsiteY6" fmla="*/ 6874 h 1141280"/>
+                </a:gdLst>
+                <a:ahLst/>
+                <a:cxnLst>
+                  <a:cxn ang="0">
+                    <a:pos x="connsiteX0" y="connsiteY0"/>
+                  </a:cxn>
+                  <a:cxn ang="0">
+                    <a:pos x="connsiteX1" y="connsiteY1"/>
+                  </a:cxn>
+                  <a:cxn ang="0">
+                    <a:pos x="connsiteX2" y="connsiteY2"/>
+                  </a:cxn>
+                  <a:cxn ang="0">
+                    <a:pos x="connsiteX3" y="connsiteY3"/>
+                  </a:cxn>
+                  <a:cxn ang="0">
+                    <a:pos x="connsiteX4" y="connsiteY4"/>
+                  </a:cxn>
+                  <a:cxn ang="0">
+                    <a:pos x="connsiteX5" y="connsiteY5"/>
+                  </a:cxn>
+                  <a:cxn ang="0">
+                    <a:pos x="connsiteX6" y="connsiteY6"/>
+                  </a:cxn>
+                </a:cxnLst>
+                <a:rect l="l" t="t" r="r" b="b"/>
+                <a:pathLst>
+                  <a:path w="1038153" h="1141280">
+                    <a:moveTo>
+                      <a:pt x="6875" y="6874"/>
+                    </a:moveTo>
+                    <a:lnTo>
+                      <a:pt x="1038153" y="0"/>
+                    </a:lnTo>
+                    <a:lnTo>
+                      <a:pt x="1038153" y="818146"/>
+                    </a:lnTo>
+                    <a:lnTo>
+                      <a:pt x="618767" y="1141280"/>
+                    </a:lnTo>
+                    <a:lnTo>
+                      <a:pt x="419386" y="1141280"/>
+                    </a:lnTo>
+                    <a:lnTo>
+                      <a:pt x="0" y="818146"/>
+                    </a:lnTo>
+                    <a:cubicBezTo>
+                      <a:pt x="2292" y="520221"/>
+                      <a:pt x="11458" y="311674"/>
+                      <a:pt x="6875" y="6874"/>
+                    </a:cubicBezTo>
+                    <a:close/>
+                  </a:path>
+                </a:pathLst>
+              </a:custGeom>
+              <a:solidFill>
+                <a:schemeClr val="accent1">
+                  <a:lumMod val="40000"/>
+                  <a:lumOff val="60000"/>
+                </a:schemeClr>
+              </a:solidFill>
+              <a:ln w="28575">
+                <a:solidFill>
+                  <a:schemeClr val="tx1"/>
+                </a:solidFill>
+              </a:ln>
+            </p:spPr>
+            <p:style>
+              <a:lnRef idx="2">
+                <a:schemeClr val="accent1">
+                  <a:shade val="50000"/>
+                </a:schemeClr>
+              </a:lnRef>
+              <a:fillRef idx="1">
+                <a:schemeClr val="accent1"/>
+              </a:fillRef>
+              <a:effectRef idx="0">
+                <a:schemeClr val="accent1"/>
+              </a:effectRef>
+              <a:fontRef idx="minor">
+                <a:schemeClr val="lt1"/>
+              </a:fontRef>
+            </p:style>
+            <p:txBody>
+              <a:bodyPr rtlCol="0" anchor="ctr"/>
+              <a:lstStyle/>
+              <a:p>
+                <a:pPr algn="ctr"/>
+                <a:endParaRPr lang="en-US"/>
+              </a:p>
+            </p:txBody>
+          </p:sp>
+          <p:sp>
+            <p:nvSpPr>
+              <p:cNvPr id="31" name="Freeform 30"/>
+              <p:cNvSpPr/>
+              <p:nvPr/>
+            </p:nvSpPr>
+            <p:spPr>
+              <a:xfrm>
+                <a:off x="8967627" y="216045"/>
+                <a:ext cx="1038153" cy="1223783"/>
+              </a:xfrm>
+              <a:custGeom>
+                <a:avLst/>
+                <a:gdLst>
+                  <a:gd name="connsiteX0" fmla="*/ 0 w 1038153"/>
+                  <a:gd name="connsiteY0" fmla="*/ 0 h 1223783"/>
+                  <a:gd name="connsiteX1" fmla="*/ 1038153 w 1038153"/>
+                  <a:gd name="connsiteY1" fmla="*/ 0 h 1223783"/>
+                  <a:gd name="connsiteX2" fmla="*/ 1038153 w 1038153"/>
+                  <a:gd name="connsiteY2" fmla="*/ 900649 h 1223783"/>
+                  <a:gd name="connsiteX3" fmla="*/ 618767 w 1038153"/>
+                  <a:gd name="connsiteY3" fmla="*/ 1223783 h 1223783"/>
+                  <a:gd name="connsiteX4" fmla="*/ 419386 w 1038153"/>
+                  <a:gd name="connsiteY4" fmla="*/ 1223783 h 1223783"/>
+                  <a:gd name="connsiteX5" fmla="*/ 0 w 1038153"/>
+                  <a:gd name="connsiteY5" fmla="*/ 900649 h 1223783"/>
+                  <a:gd name="connsiteX6" fmla="*/ 0 w 1038153"/>
+                  <a:gd name="connsiteY6" fmla="*/ 0 h 1223783"/>
+                </a:gdLst>
+                <a:ahLst/>
+                <a:cxnLst>
+                  <a:cxn ang="0">
+                    <a:pos x="connsiteX0" y="connsiteY0"/>
+                  </a:cxn>
+                  <a:cxn ang="0">
+                    <a:pos x="connsiteX1" y="connsiteY1"/>
+                  </a:cxn>
+                  <a:cxn ang="0">
+                    <a:pos x="connsiteX2" y="connsiteY2"/>
+                  </a:cxn>
+                  <a:cxn ang="0">
+                    <a:pos x="connsiteX3" y="connsiteY3"/>
+                  </a:cxn>
+                  <a:cxn ang="0">
+                    <a:pos x="connsiteX4" y="connsiteY4"/>
+                  </a:cxn>
+                  <a:cxn ang="0">
+                    <a:pos x="connsiteX5" y="connsiteY5"/>
+                  </a:cxn>
+                  <a:cxn ang="0">
+                    <a:pos x="connsiteX6" y="connsiteY6"/>
+                  </a:cxn>
+                </a:cxnLst>
+                <a:rect l="l" t="t" r="r" b="b"/>
+                <a:pathLst>
+                  <a:path w="1038153" h="1223783">
+                    <a:moveTo>
+                      <a:pt x="0" y="0"/>
+                    </a:moveTo>
+                    <a:lnTo>
+                      <a:pt x="1038153" y="0"/>
+                    </a:lnTo>
+                    <a:lnTo>
+                      <a:pt x="1038153" y="900649"/>
+                    </a:lnTo>
+                    <a:lnTo>
+                      <a:pt x="618767" y="1223783"/>
+                    </a:lnTo>
+                    <a:lnTo>
+                      <a:pt x="419386" y="1223783"/>
+                    </a:lnTo>
+                    <a:lnTo>
+                      <a:pt x="0" y="900649"/>
+                    </a:lnTo>
+                    <a:cubicBezTo>
+                      <a:pt x="2292" y="602724"/>
+                      <a:pt x="4583" y="304800"/>
+                      <a:pt x="0" y="0"/>
+                    </a:cubicBezTo>
+                    <a:close/>
+                  </a:path>
+                </a:pathLst>
+              </a:custGeom>
+              <a:noFill/>
+              <a:ln w="28575">
+                <a:solidFill>
+                  <a:schemeClr val="tx1"/>
+                </a:solidFill>
+              </a:ln>
+            </p:spPr>
+            <p:style>
+              <a:lnRef idx="2">
+                <a:schemeClr val="accent1">
+                  <a:shade val="50000"/>
+                </a:schemeClr>
+              </a:lnRef>
+              <a:fillRef idx="1">
+                <a:schemeClr val="accent1"/>
+              </a:fillRef>
+              <a:effectRef idx="0">
+                <a:schemeClr val="accent1"/>
+              </a:effectRef>
+              <a:fontRef idx="minor">
+                <a:schemeClr val="lt1"/>
+              </a:fontRef>
+            </p:style>
+            <p:txBody>
+              <a:bodyPr rtlCol="0" anchor="ctr"/>
+              <a:lstStyle/>
+              <a:p>
+                <a:pPr algn="ctr"/>
+                <a:endParaRPr lang="en-US"/>
+              </a:p>
+            </p:txBody>
+          </p:sp>
+          <p:sp>
+            <p:nvSpPr>
+              <p:cNvPr id="32" name="Block Arc 31"/>
+              <p:cNvSpPr/>
+              <p:nvPr/>
+            </p:nvSpPr>
+            <p:spPr>
+              <a:xfrm rot="10800000">
+                <a:off x="7732637" y="186703"/>
+                <a:ext cx="1800000" cy="2520000"/>
+              </a:xfrm>
+              <a:prstGeom prst="blockArc">
+                <a:avLst>
+                  <a:gd name="adj1" fmla="val 10800000"/>
+                  <a:gd name="adj2" fmla="val 16283777"/>
+                  <a:gd name="adj3" fmla="val 4844"/>
+                </a:avLst>
+              </a:prstGeom>
+              <a:solidFill>
+                <a:schemeClr val="accent1">
+                  <a:lumMod val="40000"/>
+                  <a:lumOff val="60000"/>
+                </a:schemeClr>
+              </a:solidFill>
+              <a:ln w="28575">
+                <a:solidFill>
+                  <a:schemeClr val="tx1"/>
+                </a:solidFill>
+              </a:ln>
+            </p:spPr>
+            <p:style>
+              <a:lnRef idx="2">
+                <a:schemeClr val="accent1">
+                  <a:shade val="50000"/>
+                </a:schemeClr>
+              </a:lnRef>
+              <a:fillRef idx="1">
+                <a:schemeClr val="accent1"/>
+              </a:fillRef>
+              <a:effectRef idx="0">
+                <a:schemeClr val="accent1"/>
+              </a:effectRef>
+              <a:fontRef idx="minor">
+                <a:schemeClr val="lt1"/>
+              </a:fontRef>
+            </p:style>
+            <p:txBody>
+              <a:bodyPr rtlCol="0" anchor="ctr"/>
+              <a:lstStyle/>
+              <a:p>
+                <a:pPr algn="ctr"/>
+                <a:endParaRPr lang="en-US">
+                  <a:solidFill>
+                    <a:schemeClr val="tx1"/>
+                  </a:solidFill>
+                </a:endParaRPr>
+              </a:p>
+            </p:txBody>
+          </p:sp>
+          <p:sp>
+            <p:nvSpPr>
+              <p:cNvPr id="33" name="Rectangle 32"/>
+              <p:cNvSpPr/>
+              <p:nvPr/>
+            </p:nvSpPr>
+            <p:spPr>
+              <a:xfrm>
+                <a:off x="8337652" y="2636112"/>
+                <a:ext cx="281883" cy="56841"/>
+              </a:xfrm>
+              <a:prstGeom prst="rect">
+                <a:avLst/>
+              </a:prstGeom>
+              <a:solidFill>
+                <a:schemeClr val="bg2">
+                  <a:lumMod val="75000"/>
+                </a:schemeClr>
+              </a:solidFill>
+              <a:ln w="28575">
+                <a:solidFill>
+                  <a:schemeClr val="tx1"/>
+                </a:solidFill>
+              </a:ln>
+            </p:spPr>
+            <p:style>
+              <a:lnRef idx="2">
+                <a:schemeClr val="accent1">
+                  <a:shade val="50000"/>
+                </a:schemeClr>
+              </a:lnRef>
+              <a:fillRef idx="1">
+                <a:schemeClr val="accent1"/>
+              </a:fillRef>
+              <a:effectRef idx="0">
+                <a:schemeClr val="accent1"/>
+              </a:effectRef>
+              <a:fontRef idx="minor">
+                <a:schemeClr val="lt1"/>
+              </a:fontRef>
+            </p:style>
+            <p:txBody>
+              <a:bodyPr rtlCol="0" anchor="ctr"/>
+              <a:lstStyle/>
+              <a:p>
+                <a:pPr algn="ctr"/>
+                <a:endParaRPr lang="en-US"/>
+              </a:p>
+            </p:txBody>
+          </p:sp>
+        </p:grpSp>
+        <p:cxnSp>
+          <p:nvCxnSpPr>
+            <p:cNvPr id="35" name="Straight Arrow Connector 34"/>
+            <p:cNvCxnSpPr/>
+            <p:nvPr/>
+          </p:nvCxnSpPr>
+          <p:spPr>
+            <a:xfrm flipV="1">
+              <a:off x="10470912" y="4692"/>
+              <a:ext cx="0" cy="2880000"/>
+            </a:xfrm>
+            <a:prstGeom prst="straightConnector1">
+              <a:avLst/>
+            </a:prstGeom>
+            <a:ln w="38100">
+              <a:solidFill>
+                <a:schemeClr val="tx1"/>
+              </a:solidFill>
+              <a:tailEnd type="triangle"/>
+            </a:ln>
+          </p:spPr>
+          <p:style>
+            <a:lnRef idx="1">
+              <a:schemeClr val="accent1"/>
+            </a:lnRef>
+            <a:fillRef idx="0">
+              <a:schemeClr val="accent1"/>
+            </a:fillRef>
+            <a:effectRef idx="0">
+              <a:schemeClr val="accent1"/>
+            </a:effectRef>
+            <a:fontRef idx="minor">
+              <a:schemeClr val="tx1"/>
+            </a:fontRef>
+          </p:style>
+        </p:cxnSp>
+        <mc:AlternateContent xmlns:mc="http://schemas.openxmlformats.org/markup-compatibility/2006">
+          <mc:Choice xmlns:a14="http://schemas.microsoft.com/office/drawing/2010/main" Requires="a14">
+            <p:sp>
+              <p:nvSpPr>
+                <p:cNvPr id="36" name="TextBox 35"/>
+                <p:cNvSpPr txBox="1"/>
+                <p:nvPr/>
+              </p:nvSpPr>
+              <p:spPr>
+                <a:xfrm>
+                  <a:off x="11096275" y="308895"/>
+                  <a:ext cx="326693" cy="307777"/>
+                </a:xfrm>
+                <a:prstGeom prst="rect">
+                  <a:avLst/>
+                </a:prstGeom>
+                <a:noFill/>
+              </p:spPr>
+              <p:txBody>
+                <a:bodyPr wrap="none" lIns="0" tIns="0" rIns="0" bIns="0" rtlCol="0">
+                  <a:spAutoFit/>
+                </a:bodyPr>
+                <a:lstStyle/>
+                <a:p>
+                  <a14:m>
+                    <m:oMathPara xmlns:m="http://schemas.openxmlformats.org/officeDocument/2006/math">
+                      <m:oMathParaPr>
+                        <m:jc m:val="centerGroup"/>
+                      </m:oMathParaPr>
+                      <m:oMath xmlns:m="http://schemas.openxmlformats.org/officeDocument/2006/math">
+                        <m:sSub>
+                          <m:sSubPr>
+                            <m:ctrlPr>
+                              <a:rPr lang="en-CA" sz="2000" b="0" i="1" smtClean="0">
+                                <a:latin typeface="Cambria Math" charset="0"/>
+                                <a:cs typeface="Arial" panose="020B0604020202020204" pitchFamily="34" charset="0"/>
+                              </a:rPr>
+                            </m:ctrlPr>
+                          </m:sSubPr>
+                          <m:e>
+                            <m:r>
+                              <a:rPr lang="en-CA" sz="2000" b="0" i="1" smtClean="0">
+                                <a:latin typeface="Cambria Math" charset="0"/>
+                                <a:cs typeface="Arial" panose="020B0604020202020204" pitchFamily="34" charset="0"/>
+                              </a:rPr>
+                              <m:t>𝑦</m:t>
+                            </m:r>
+                          </m:e>
+                          <m:sub>
+                            <m:r>
+                              <a:rPr lang="en-CA" sz="2000" b="0" i="1" smtClean="0">
+                                <a:latin typeface="Cambria Math" charset="0"/>
+                                <a:cs typeface="Arial" panose="020B0604020202020204" pitchFamily="34" charset="0"/>
+                              </a:rPr>
+                              <m:t>0</m:t>
+                            </m:r>
+                          </m:sub>
+                        </m:sSub>
+                      </m:oMath>
+                    </m:oMathPara>
+                  </a14:m>
+                  <a:endParaRPr lang="en-US" sz="2000" dirty="0" smtClean="0">
+                    <a:latin typeface="Arial" panose="020B0604020202020204" pitchFamily="34" charset="0"/>
+                    <a:cs typeface="Arial" panose="020B0604020202020204" pitchFamily="34" charset="0"/>
+                  </a:endParaRPr>
+                </a:p>
+              </p:txBody>
+            </p:sp>
+          </mc:Choice>
+          <mc:Fallback>
+            <p:sp>
+              <p:nvSpPr>
+                <p:cNvPr id="36" name="TextBox 35"/>
+                <p:cNvSpPr txBox="1">
+                  <a:spLocks noRot="1" noChangeAspect="1" noMove="1" noResize="1" noEditPoints="1" noAdjustHandles="1" noChangeArrowheads="1" noChangeShapeType="1" noTextEdit="1"/>
+                </p:cNvSpPr>
+                <p:nvPr/>
+              </p:nvSpPr>
+              <p:spPr>
+                <a:xfrm>
+                  <a:off x="11096275" y="308895"/>
+                  <a:ext cx="326693" cy="307777"/>
+                </a:xfrm>
+                <a:prstGeom prst="rect">
+                  <a:avLst/>
+                </a:prstGeom>
+                <a:blipFill rotWithShape="0">
+                  <a:blip r:embed="rId11"/>
+                  <a:stretch>
+                    <a:fillRect l="-16981" r="-7547" b="-27451"/>
+                  </a:stretch>
+                </a:blipFill>
+              </p:spPr>
+              <p:txBody>
+                <a:bodyPr/>
+                <a:lstStyle/>
+                <a:p>
+                  <a:r>
+                    <a:rPr lang="en-US">
+                      <a:noFill/>
+                    </a:rPr>
+                    <a:t> </a:t>
+                  </a:r>
+                </a:p>
+              </p:txBody>
+            </p:sp>
+          </mc:Fallback>
+        </mc:AlternateContent>
+        <mc:AlternateContent xmlns:mc="http://schemas.openxmlformats.org/markup-compatibility/2006">
+          <mc:Choice xmlns:a14="http://schemas.microsoft.com/office/drawing/2010/main" Requires="a14">
+            <p:sp>
+              <p:nvSpPr>
+                <p:cNvPr id="38" name="TextBox 37"/>
+                <p:cNvSpPr txBox="1"/>
+                <p:nvPr/>
+              </p:nvSpPr>
+              <p:spPr>
+                <a:xfrm>
+                  <a:off x="10831912" y="2655833"/>
+                  <a:ext cx="798232" cy="307777"/>
+                </a:xfrm>
+                <a:prstGeom prst="rect">
+                  <a:avLst/>
+                </a:prstGeom>
+                <a:noFill/>
+              </p:spPr>
+              <p:txBody>
+                <a:bodyPr wrap="none" lIns="0" tIns="0" rIns="0" bIns="0" rtlCol="0">
+                  <a:spAutoFit/>
+                </a:bodyPr>
+                <a:lstStyle/>
+                <a:p>
+                  <a14:m>
+                    <m:oMathPara xmlns:m="http://schemas.openxmlformats.org/officeDocument/2006/math">
+                      <m:oMathParaPr>
+                        <m:jc m:val="centerGroup"/>
+                      </m:oMathParaPr>
+                      <m:oMath xmlns:m="http://schemas.openxmlformats.org/officeDocument/2006/math">
+                        <m:sSub>
+                          <m:sSubPr>
+                            <m:ctrlPr>
+                              <a:rPr lang="en-CA" sz="2000" b="0" i="1" smtClean="0">
+                                <a:latin typeface="Cambria Math" charset="0"/>
+                                <a:cs typeface="Arial" panose="020B0604020202020204" pitchFamily="34" charset="0"/>
+                              </a:rPr>
+                            </m:ctrlPr>
+                          </m:sSubPr>
+                          <m:e>
+                            <m:r>
+                              <a:rPr lang="en-CA" sz="2000" b="0" i="1" smtClean="0">
+                                <a:latin typeface="Cambria Math" charset="0"/>
+                                <a:cs typeface="Arial" panose="020B0604020202020204" pitchFamily="34" charset="0"/>
+                              </a:rPr>
+                              <m:t>𝑦</m:t>
+                            </m:r>
+                          </m:e>
+                          <m:sub>
+                            <m:r>
+                              <a:rPr lang="en-CA" sz="2000" b="0" i="1" smtClean="0">
+                                <a:latin typeface="Cambria Math" charset="0"/>
+                                <a:cs typeface="Arial" panose="020B0604020202020204" pitchFamily="34" charset="0"/>
+                              </a:rPr>
+                              <m:t>1</m:t>
+                            </m:r>
+                          </m:sub>
+                        </m:sSub>
+                        <m:r>
+                          <a:rPr lang="en-CA" sz="2000" b="0" i="1" smtClean="0">
+                            <a:latin typeface="Cambria Math" charset="0"/>
+                            <a:cs typeface="Arial" panose="020B0604020202020204" pitchFamily="34" charset="0"/>
+                          </a:rPr>
+                          <m:t>=0</m:t>
+                        </m:r>
+                      </m:oMath>
+                    </m:oMathPara>
+                  </a14:m>
+                  <a:endParaRPr lang="en-US" sz="2000" dirty="0" smtClean="0">
+                    <a:latin typeface="Arial" panose="020B0604020202020204" pitchFamily="34" charset="0"/>
+                    <a:cs typeface="Arial" panose="020B0604020202020204" pitchFamily="34" charset="0"/>
+                  </a:endParaRPr>
+                </a:p>
+              </p:txBody>
+            </p:sp>
+          </mc:Choice>
+          <mc:Fallback>
+            <p:sp>
+              <p:nvSpPr>
+                <p:cNvPr id="38" name="TextBox 37"/>
+                <p:cNvSpPr txBox="1">
+                  <a:spLocks noRot="1" noChangeAspect="1" noMove="1" noResize="1" noEditPoints="1" noAdjustHandles="1" noChangeArrowheads="1" noChangeShapeType="1" noTextEdit="1"/>
+                </p:cNvSpPr>
+                <p:nvPr/>
+              </p:nvSpPr>
+              <p:spPr>
+                <a:xfrm>
+                  <a:off x="10831912" y="2655833"/>
+                  <a:ext cx="798232" cy="307777"/>
+                </a:xfrm>
+                <a:prstGeom prst="rect">
+                  <a:avLst/>
+                </a:prstGeom>
+                <a:blipFill rotWithShape="0">
+                  <a:blip r:embed="rId12"/>
+                  <a:stretch>
+                    <a:fillRect l="-6870" r="-6107" b="-27451"/>
+                  </a:stretch>
+                </a:blipFill>
+              </p:spPr>
+              <p:txBody>
+                <a:bodyPr/>
+                <a:lstStyle/>
+                <a:p>
+                  <a:r>
+                    <a:rPr lang="en-US">
+                      <a:noFill/>
+                    </a:rPr>
+                    <a:t> </a:t>
+                  </a:r>
+                </a:p>
+              </p:txBody>
+            </p:sp>
+          </mc:Fallback>
+        </mc:AlternateContent>
+        <p:cxnSp>
+          <p:nvCxnSpPr>
+            <p:cNvPr id="40" name="Straight Connector 39"/>
+            <p:cNvCxnSpPr/>
+            <p:nvPr/>
+          </p:nvCxnSpPr>
+          <p:spPr>
+            <a:xfrm flipV="1">
+              <a:off x="8632637" y="2876896"/>
+              <a:ext cx="2133260" cy="1"/>
+            </a:xfrm>
+            <a:prstGeom prst="line">
+              <a:avLst/>
+            </a:prstGeom>
+            <a:ln w="28575">
+              <a:solidFill>
+                <a:schemeClr val="tx1"/>
+              </a:solidFill>
+              <a:prstDash val="sysDash"/>
+            </a:ln>
+          </p:spPr>
+          <p:style>
+            <a:lnRef idx="1">
+              <a:schemeClr val="accent1"/>
+            </a:lnRef>
+            <a:fillRef idx="0">
+              <a:schemeClr val="accent1"/>
+            </a:fillRef>
+            <a:effectRef idx="0">
+              <a:schemeClr val="accent1"/>
+            </a:effectRef>
+            <a:fontRef idx="minor">
+              <a:schemeClr val="tx1"/>
+            </a:fontRef>
+          </p:style>
+        </p:cxnSp>
+        <p:cxnSp>
+          <p:nvCxnSpPr>
+            <p:cNvPr id="41" name="Straight Connector 40"/>
+            <p:cNvCxnSpPr/>
+            <p:nvPr/>
+          </p:nvCxnSpPr>
+          <p:spPr>
+            <a:xfrm flipV="1">
+              <a:off x="8945862" y="510912"/>
+              <a:ext cx="2133260" cy="1"/>
+            </a:xfrm>
+            <a:prstGeom prst="line">
+              <a:avLst/>
+            </a:prstGeom>
+            <a:ln w="28575">
+              <a:solidFill>
+                <a:schemeClr val="tx1"/>
+              </a:solidFill>
+              <a:prstDash val="sysDash"/>
+            </a:ln>
+          </p:spPr>
+          <p:style>
+            <a:lnRef idx="1">
+              <a:schemeClr val="accent1"/>
+            </a:lnRef>
+            <a:fillRef idx="0">
+              <a:schemeClr val="accent1"/>
+            </a:fillRef>
+            <a:effectRef idx="0">
+              <a:schemeClr val="accent1"/>
+            </a:effectRef>
+            <a:fontRef idx="minor">
+              <a:schemeClr val="tx1"/>
+            </a:fontRef>
+          </p:style>
+        </p:cxnSp>
+        <mc:AlternateContent xmlns:mc="http://schemas.openxmlformats.org/markup-compatibility/2006">
+          <mc:Choice xmlns:a14="http://schemas.microsoft.com/office/drawing/2010/main" Requires="a14">
+            <p:sp>
+              <p:nvSpPr>
+                <p:cNvPr id="42" name="TextBox 41"/>
+                <p:cNvSpPr txBox="1"/>
+                <p:nvPr/>
+              </p:nvSpPr>
+              <p:spPr>
+                <a:xfrm>
+                  <a:off x="10545322" y="-51560"/>
+                  <a:ext cx="219163" cy="307777"/>
+                </a:xfrm>
+                <a:prstGeom prst="rect">
+                  <a:avLst/>
+                </a:prstGeom>
+                <a:noFill/>
+              </p:spPr>
+              <p:txBody>
+                <a:bodyPr wrap="none" lIns="0" tIns="0" rIns="0" bIns="0" rtlCol="0">
+                  <a:spAutoFit/>
+                </a:bodyPr>
+                <a:lstStyle/>
+                <a:p>
+                  <a14:m>
+                    <m:oMathPara xmlns:m="http://schemas.openxmlformats.org/officeDocument/2006/math">
+                      <m:oMathParaPr>
+                        <m:jc m:val="centerGroup"/>
+                      </m:oMathParaPr>
+                      <m:oMath xmlns:m="http://schemas.openxmlformats.org/officeDocument/2006/math">
+                        <m:r>
+                          <a:rPr lang="en-CA" sz="2000" b="0" i="1" smtClean="0">
+                            <a:latin typeface="Cambria Math" charset="0"/>
+                            <a:cs typeface="Arial" panose="020B0604020202020204" pitchFamily="34" charset="0"/>
+                          </a:rPr>
+                          <m:t>𝑦</m:t>
+                        </m:r>
+                      </m:oMath>
+                    </m:oMathPara>
+                  </a14:m>
+                  <a:endParaRPr lang="en-US" sz="2000" dirty="0" smtClean="0">
+                    <a:latin typeface="Arial" panose="020B0604020202020204" pitchFamily="34" charset="0"/>
+                    <a:cs typeface="Arial" panose="020B0604020202020204" pitchFamily="34" charset="0"/>
+                  </a:endParaRPr>
+                </a:p>
+              </p:txBody>
+            </p:sp>
+          </mc:Choice>
+          <mc:Fallback>
+            <p:sp>
+              <p:nvSpPr>
+                <p:cNvPr id="42" name="TextBox 41"/>
+                <p:cNvSpPr txBox="1">
+                  <a:spLocks noRot="1" noChangeAspect="1" noMove="1" noResize="1" noEditPoints="1" noAdjustHandles="1" noChangeArrowheads="1" noChangeShapeType="1" noTextEdit="1"/>
+                </p:cNvSpPr>
+                <p:nvPr/>
+              </p:nvSpPr>
+              <p:spPr>
+                <a:xfrm>
+                  <a:off x="10545322" y="-51560"/>
+                  <a:ext cx="219163" cy="307777"/>
+                </a:xfrm>
+                <a:prstGeom prst="rect">
+                  <a:avLst/>
+                </a:prstGeom>
+                <a:blipFill rotWithShape="0">
+                  <a:blip r:embed="rId13"/>
+                  <a:stretch>
+                    <a:fillRect l="-25000" r="-25000" b="-30000"/>
                   </a:stretch>
                 </a:blipFill>
               </p:spPr>
@@ -15164,8 +18295,8 @@
             </a:fontRef>
           </p:style>
         </p:cxnSp>
-        <mc:AlternateContent xmlns:mc="http://schemas.openxmlformats.org/markup-compatibility/2006">
-          <mc:Choice xmlns:a14="http://schemas.microsoft.com/office/drawing/2010/main" Requires="a14">
+        <mc:AlternateContent xmlns:mc="http://schemas.openxmlformats.org/markup-compatibility/2006" xmlns:a14="http://schemas.microsoft.com/office/drawing/2010/main">
+          <mc:Choice Requires="a14">
             <p:sp>
               <p:nvSpPr>
                 <p:cNvPr id="27" name="TextBox 26"/>
@@ -15188,6 +18319,7 @@
                 </a:bodyPr>
                 <a:lstStyle/>
                 <a:p>
+                  <a:pPr/>
                   <a14:m>
                     <m:oMathPara xmlns:m="http://schemas.openxmlformats.org/officeDocument/2006/math">
                       <m:oMathParaPr>
@@ -15208,7 +18340,7 @@
               </p:txBody>
             </p:sp>
           </mc:Choice>
-          <mc:Fallback>
+          <mc:Fallback xmlns="">
             <p:sp>
               <p:nvSpPr>
                 <p:cNvPr id="27" name="TextBox 26"/>
@@ -15247,8 +18379,8 @@
             </p:sp>
           </mc:Fallback>
         </mc:AlternateContent>
-        <mc:AlternateContent xmlns:mc="http://schemas.openxmlformats.org/markup-compatibility/2006">
-          <mc:Choice xmlns:a14="http://schemas.microsoft.com/office/drawing/2010/main" Requires="a14">
+        <mc:AlternateContent xmlns:mc="http://schemas.openxmlformats.org/markup-compatibility/2006" xmlns:a14="http://schemas.microsoft.com/office/drawing/2010/main">
+          <mc:Choice Requires="a14">
             <p:sp>
               <p:nvSpPr>
                 <p:cNvPr id="28" name="TextBox 27"/>
@@ -15271,6 +18403,7 @@
                 </a:bodyPr>
                 <a:lstStyle/>
                 <a:p>
+                  <a:pPr/>
                   <a14:m>
                     <m:oMathPara xmlns:m="http://schemas.openxmlformats.org/officeDocument/2006/math">
                       <m:oMathParaPr>
@@ -15291,7 +18424,7 @@
               </p:txBody>
             </p:sp>
           </mc:Choice>
-          <mc:Fallback>
+          <mc:Fallback xmlns="">
             <p:sp>
               <p:nvSpPr>
                 <p:cNvPr id="28" name="TextBox 27"/>
@@ -15330,8 +18463,8 @@
             </p:sp>
           </mc:Fallback>
         </mc:AlternateContent>
-        <mc:AlternateContent xmlns:mc="http://schemas.openxmlformats.org/markup-compatibility/2006">
-          <mc:Choice xmlns:a14="http://schemas.microsoft.com/office/drawing/2010/main" Requires="a14">
+        <mc:AlternateContent xmlns:mc="http://schemas.openxmlformats.org/markup-compatibility/2006" xmlns:a14="http://schemas.microsoft.com/office/drawing/2010/main">
+          <mc:Choice Requires="a14">
             <p:sp>
               <p:nvSpPr>
                 <p:cNvPr id="29" name="TextBox 28"/>
@@ -15354,6 +18487,7 @@
                 </a:bodyPr>
                 <a:lstStyle/>
                 <a:p>
+                  <a:pPr/>
                   <a14:m>
                     <m:oMathPara xmlns:m="http://schemas.openxmlformats.org/officeDocument/2006/math">
                       <m:oMathParaPr>
@@ -15374,7 +18508,7 @@
               </p:txBody>
             </p:sp>
           </mc:Choice>
-          <mc:Fallback>
+          <mc:Fallback xmlns="">
             <p:sp>
               <p:nvSpPr>
                 <p:cNvPr id="29" name="TextBox 28"/>
@@ -15413,8 +18547,8 @@
             </p:sp>
           </mc:Fallback>
         </mc:AlternateContent>
-        <mc:AlternateContent xmlns:mc="http://schemas.openxmlformats.org/markup-compatibility/2006">
-          <mc:Choice xmlns:a14="http://schemas.microsoft.com/office/drawing/2010/main" Requires="a14">
+        <mc:AlternateContent xmlns:mc="http://schemas.openxmlformats.org/markup-compatibility/2006" xmlns:a14="http://schemas.microsoft.com/office/drawing/2010/main">
+          <mc:Choice Requires="a14">
             <p:sp>
               <p:nvSpPr>
                 <p:cNvPr id="30" name="TextBox 29"/>
@@ -15437,6 +18571,7 @@
                 </a:bodyPr>
                 <a:lstStyle/>
                 <a:p>
+                  <a:pPr/>
                   <a14:m>
                     <m:oMathPara xmlns:m="http://schemas.openxmlformats.org/officeDocument/2006/math">
                       <m:oMathParaPr>
@@ -15457,7 +18592,7 @@
               </p:txBody>
             </p:sp>
           </mc:Choice>
-          <mc:Fallback>
+          <mc:Fallback xmlns="">
             <p:sp>
               <p:nvSpPr>
                 <p:cNvPr id="30" name="TextBox 29"/>

--- a/tex/figures/FluidMechanics/Figures.pptx
+++ b/tex/figures/FluidMechanics/Figures.pptx
@@ -208,7 +208,7 @@
           <a:p>
             <a:fld id="{FA15A6B2-55AC-CD4B-A1E6-BB01091FE9DC}" type="datetimeFigureOut">
               <a:rPr lang="en-US" smtClean="0"/>
-              <a:t>8/23/18</a:t>
+              <a:t>8/24/18</a:t>
             </a:fld>
             <a:endParaRPr lang="en-US"/>
           </a:p>
@@ -691,7 +691,7 @@
           <a:p>
             <a:fld id="{F7249F8D-641B-4CAF-BAE5-10524742F6F1}" type="datetimeFigureOut">
               <a:rPr lang="en-CA" smtClean="0"/>
-              <a:t>2018-08-23</a:t>
+              <a:t>2018-08-24</a:t>
             </a:fld>
             <a:endParaRPr lang="en-CA"/>
           </a:p>
@@ -861,7 +861,7 @@
           <a:p>
             <a:fld id="{F7249F8D-641B-4CAF-BAE5-10524742F6F1}" type="datetimeFigureOut">
               <a:rPr lang="en-CA" smtClean="0"/>
-              <a:t>2018-08-23</a:t>
+              <a:t>2018-08-24</a:t>
             </a:fld>
             <a:endParaRPr lang="en-CA"/>
           </a:p>
@@ -1041,7 +1041,7 @@
           <a:p>
             <a:fld id="{F7249F8D-641B-4CAF-BAE5-10524742F6F1}" type="datetimeFigureOut">
               <a:rPr lang="en-CA" smtClean="0"/>
-              <a:t>2018-08-23</a:t>
+              <a:t>2018-08-24</a:t>
             </a:fld>
             <a:endParaRPr lang="en-CA"/>
           </a:p>
@@ -1211,7 +1211,7 @@
           <a:p>
             <a:fld id="{F7249F8D-641B-4CAF-BAE5-10524742F6F1}" type="datetimeFigureOut">
               <a:rPr lang="en-CA" smtClean="0"/>
-              <a:t>2018-08-23</a:t>
+              <a:t>2018-08-24</a:t>
             </a:fld>
             <a:endParaRPr lang="en-CA"/>
           </a:p>
@@ -1457,7 +1457,7 @@
           <a:p>
             <a:fld id="{F7249F8D-641B-4CAF-BAE5-10524742F6F1}" type="datetimeFigureOut">
               <a:rPr lang="en-CA" smtClean="0"/>
-              <a:t>2018-08-23</a:t>
+              <a:t>2018-08-24</a:t>
             </a:fld>
             <a:endParaRPr lang="en-CA"/>
           </a:p>
@@ -1689,7 +1689,7 @@
           <a:p>
             <a:fld id="{F7249F8D-641B-4CAF-BAE5-10524742F6F1}" type="datetimeFigureOut">
               <a:rPr lang="en-CA" smtClean="0"/>
-              <a:t>2018-08-23</a:t>
+              <a:t>2018-08-24</a:t>
             </a:fld>
             <a:endParaRPr lang="en-CA"/>
           </a:p>
@@ -2056,7 +2056,7 @@
           <a:p>
             <a:fld id="{F7249F8D-641B-4CAF-BAE5-10524742F6F1}" type="datetimeFigureOut">
               <a:rPr lang="en-CA" smtClean="0"/>
-              <a:t>2018-08-23</a:t>
+              <a:t>2018-08-24</a:t>
             </a:fld>
             <a:endParaRPr lang="en-CA"/>
           </a:p>
@@ -2174,7 +2174,7 @@
           <a:p>
             <a:fld id="{F7249F8D-641B-4CAF-BAE5-10524742F6F1}" type="datetimeFigureOut">
               <a:rPr lang="en-CA" smtClean="0"/>
-              <a:t>2018-08-23</a:t>
+              <a:t>2018-08-24</a:t>
             </a:fld>
             <a:endParaRPr lang="en-CA"/>
           </a:p>
@@ -2269,7 +2269,7 @@
           <a:p>
             <a:fld id="{F7249F8D-641B-4CAF-BAE5-10524742F6F1}" type="datetimeFigureOut">
               <a:rPr lang="en-CA" smtClean="0"/>
-              <a:t>2018-08-23</a:t>
+              <a:t>2018-08-24</a:t>
             </a:fld>
             <a:endParaRPr lang="en-CA"/>
           </a:p>
@@ -2546,7 +2546,7 @@
           <a:p>
             <a:fld id="{F7249F8D-641B-4CAF-BAE5-10524742F6F1}" type="datetimeFigureOut">
               <a:rPr lang="en-CA" smtClean="0"/>
-              <a:t>2018-08-23</a:t>
+              <a:t>2018-08-24</a:t>
             </a:fld>
             <a:endParaRPr lang="en-CA"/>
           </a:p>
@@ -2799,7 +2799,7 @@
           <a:p>
             <a:fld id="{F7249F8D-641B-4CAF-BAE5-10524742F6F1}" type="datetimeFigureOut">
               <a:rPr lang="en-CA" smtClean="0"/>
-              <a:t>2018-08-23</a:t>
+              <a:t>2018-08-24</a:t>
             </a:fld>
             <a:endParaRPr lang="en-CA"/>
           </a:p>
@@ -3012,7 +3012,7 @@
           <a:p>
             <a:fld id="{F7249F8D-641B-4CAF-BAE5-10524742F6F1}" type="datetimeFigureOut">
               <a:rPr lang="en-CA" smtClean="0"/>
-              <a:t>2018-08-23</a:t>
+              <a:t>2018-08-24</a:t>
             </a:fld>
             <a:endParaRPr lang="en-CA"/>
           </a:p>
@@ -7143,8 +7143,8 @@
             </a:p>
           </p:txBody>
         </p:sp>
-        <mc:AlternateContent xmlns:mc="http://schemas.openxmlformats.org/markup-compatibility/2006">
-          <mc:Choice xmlns:a14="http://schemas.microsoft.com/office/drawing/2010/main" Requires="a14">
+        <mc:AlternateContent xmlns:mc="http://schemas.openxmlformats.org/markup-compatibility/2006" xmlns:a14="http://schemas.microsoft.com/office/drawing/2010/main">
+          <mc:Choice Requires="a14">
             <p:sp>
               <p:nvSpPr>
                 <p:cNvPr id="5" name="TextBox 4"/>
@@ -7167,6 +7167,7 @@
                 </a:bodyPr>
                 <a:lstStyle/>
                 <a:p>
+                  <a:pPr/>
                   <a14:m>
                     <m:oMathPara xmlns:m="http://schemas.openxmlformats.org/officeDocument/2006/math">
                       <m:oMathParaPr>
@@ -7191,7 +7192,7 @@
               </p:txBody>
             </p:sp>
           </mc:Choice>
-          <mc:Fallback>
+          <mc:Fallback xmlns="">
             <p:sp>
               <p:nvSpPr>
                 <p:cNvPr id="5" name="TextBox 4"/>
@@ -7230,8 +7231,8 @@
             </p:sp>
           </mc:Fallback>
         </mc:AlternateContent>
-        <mc:AlternateContent xmlns:mc="http://schemas.openxmlformats.org/markup-compatibility/2006">
-          <mc:Choice xmlns:a14="http://schemas.microsoft.com/office/drawing/2010/main" Requires="a14">
+        <mc:AlternateContent xmlns:mc="http://schemas.openxmlformats.org/markup-compatibility/2006" xmlns:a14="http://schemas.microsoft.com/office/drawing/2010/main">
+          <mc:Choice Requires="a14">
             <p:sp>
               <p:nvSpPr>
                 <p:cNvPr id="39" name="TextBox 38"/>
@@ -7254,6 +7255,7 @@
                 </a:bodyPr>
                 <a:lstStyle/>
                 <a:p>
+                  <a:pPr/>
                   <a14:m>
                     <m:oMathPara xmlns:m="http://schemas.openxmlformats.org/officeDocument/2006/math">
                       <m:oMathParaPr>
@@ -7278,7 +7280,7 @@
               </p:txBody>
             </p:sp>
           </mc:Choice>
-          <mc:Fallback>
+          <mc:Fallback xmlns="">
             <p:sp>
               <p:nvSpPr>
                 <p:cNvPr id="39" name="TextBox 38"/>
@@ -7317,8 +7319,8 @@
             </p:sp>
           </mc:Fallback>
         </mc:AlternateContent>
-        <mc:AlternateContent xmlns:mc="http://schemas.openxmlformats.org/markup-compatibility/2006">
-          <mc:Choice xmlns:a14="http://schemas.microsoft.com/office/drawing/2010/main" Requires="a14">
+        <mc:AlternateContent xmlns:mc="http://schemas.openxmlformats.org/markup-compatibility/2006" xmlns:a14="http://schemas.microsoft.com/office/drawing/2010/main">
+          <mc:Choice Requires="a14">
             <p:sp>
               <p:nvSpPr>
                 <p:cNvPr id="40" name="TextBox 39"/>
@@ -7341,6 +7343,7 @@
                 </a:bodyPr>
                 <a:lstStyle/>
                 <a:p>
+                  <a:pPr/>
                   <a14:m>
                     <m:oMathPara xmlns:m="http://schemas.openxmlformats.org/officeDocument/2006/math">
                       <m:oMathParaPr>
@@ -7375,7 +7378,7 @@
               </p:txBody>
             </p:sp>
           </mc:Choice>
-          <mc:Fallback>
+          <mc:Fallback xmlns="">
             <p:sp>
               <p:nvSpPr>
                 <p:cNvPr id="40" name="TextBox 39"/>
@@ -7414,8 +7417,8 @@
             </p:sp>
           </mc:Fallback>
         </mc:AlternateContent>
-        <mc:AlternateContent xmlns:mc="http://schemas.openxmlformats.org/markup-compatibility/2006">
-          <mc:Choice xmlns:a14="http://schemas.microsoft.com/office/drawing/2010/main" Requires="a14">
+        <mc:AlternateContent xmlns:mc="http://schemas.openxmlformats.org/markup-compatibility/2006" xmlns:a14="http://schemas.microsoft.com/office/drawing/2010/main">
+          <mc:Choice Requires="a14">
             <p:sp>
               <p:nvSpPr>
                 <p:cNvPr id="41" name="TextBox 40"/>
@@ -7438,6 +7441,7 @@
                 </a:bodyPr>
                 <a:lstStyle/>
                 <a:p>
+                  <a:pPr/>
                   <a14:m>
                     <m:oMathPara xmlns:m="http://schemas.openxmlformats.org/officeDocument/2006/math">
                       <m:oMathParaPr>
@@ -7456,14 +7460,7 @@
                             <a:latin typeface="Cambria Math" charset="0"/>
                             <a:cs typeface="Arial" panose="020B0604020202020204" pitchFamily="34" charset="0"/>
                           </a:rPr>
-                          <m:t>3</m:t>
-                        </m:r>
-                        <m:r>
-                          <a:rPr lang="en-CA" sz="2000" b="0" i="1" smtClean="0">
-                            <a:latin typeface="Cambria Math" charset="0"/>
-                            <a:cs typeface="Arial" panose="020B0604020202020204" pitchFamily="34" charset="0"/>
-                          </a:rPr>
-                          <m:t> </m:t>
+                          <m:t>3 </m:t>
                         </m:r>
                         <m:r>
                           <m:rPr>
@@ -7486,7 +7483,7 @@
               </p:txBody>
             </p:sp>
           </mc:Choice>
-          <mc:Fallback>
+          <mc:Fallback xmlns="">
             <p:sp>
               <p:nvSpPr>
                 <p:cNvPr id="41" name="TextBox 40"/>
@@ -7525,8 +7522,8 @@
             </p:sp>
           </mc:Fallback>
         </mc:AlternateContent>
-        <mc:AlternateContent xmlns:mc="http://schemas.openxmlformats.org/markup-compatibility/2006">
-          <mc:Choice xmlns:a14="http://schemas.microsoft.com/office/drawing/2010/main" Requires="a14">
+        <mc:AlternateContent xmlns:mc="http://schemas.openxmlformats.org/markup-compatibility/2006" xmlns:a14="http://schemas.microsoft.com/office/drawing/2010/main">
+          <mc:Choice Requires="a14">
             <p:sp>
               <p:nvSpPr>
                 <p:cNvPr id="42" name="TextBox 41"/>
@@ -7549,6 +7546,7 @@
                 </a:bodyPr>
                 <a:lstStyle/>
                 <a:p>
+                  <a:pPr/>
                   <a14:m>
                     <m:oMathPara xmlns:m="http://schemas.openxmlformats.org/officeDocument/2006/math">
                       <m:oMathParaPr>
@@ -7573,7 +7571,7 @@
               </p:txBody>
             </p:sp>
           </mc:Choice>
-          <mc:Fallback>
+          <mc:Fallback xmlns="">
             <p:sp>
               <p:nvSpPr>
                 <p:cNvPr id="42" name="TextBox 41"/>
@@ -7686,8 +7684,8 @@
             </a:fontRef>
           </p:style>
         </p:cxnSp>
-        <mc:AlternateContent xmlns:mc="http://schemas.openxmlformats.org/markup-compatibility/2006">
-          <mc:Choice xmlns:a14="http://schemas.microsoft.com/office/drawing/2010/main" Requires="a14">
+        <mc:AlternateContent xmlns:mc="http://schemas.openxmlformats.org/markup-compatibility/2006" xmlns:a14="http://schemas.microsoft.com/office/drawing/2010/main">
+          <mc:Choice Requires="a14">
             <p:sp>
               <p:nvSpPr>
                 <p:cNvPr id="10" name="TextBox 9"/>
@@ -7710,6 +7708,7 @@
                 </a:bodyPr>
                 <a:lstStyle/>
                 <a:p>
+                  <a:pPr/>
                   <a14:m>
                     <m:oMathPara xmlns:m="http://schemas.openxmlformats.org/officeDocument/2006/math">
                       <m:oMathParaPr>
@@ -7744,7 +7743,7 @@
               </p:txBody>
             </p:sp>
           </mc:Choice>
-          <mc:Fallback>
+          <mc:Fallback xmlns="">
             <p:sp>
               <p:nvSpPr>
                 <p:cNvPr id="10" name="TextBox 9"/>
@@ -7783,8 +7782,8 @@
             </p:sp>
           </mc:Fallback>
         </mc:AlternateContent>
-        <mc:AlternateContent xmlns:mc="http://schemas.openxmlformats.org/markup-compatibility/2006">
-          <mc:Choice xmlns:a14="http://schemas.microsoft.com/office/drawing/2010/main" Requires="a14">
+        <mc:AlternateContent xmlns:mc="http://schemas.openxmlformats.org/markup-compatibility/2006" xmlns:a14="http://schemas.microsoft.com/office/drawing/2010/main">
+          <mc:Choice Requires="a14">
             <p:sp>
               <p:nvSpPr>
                 <p:cNvPr id="44" name="TextBox 43"/>
@@ -7807,6 +7806,7 @@
                 </a:bodyPr>
                 <a:lstStyle/>
                 <a:p>
+                  <a:pPr/>
                   <a14:m>
                     <m:oMathPara xmlns:m="http://schemas.openxmlformats.org/officeDocument/2006/math">
                       <m:oMathParaPr>
@@ -7841,7 +7841,7 @@
               </p:txBody>
             </p:sp>
           </mc:Choice>
-          <mc:Fallback>
+          <mc:Fallback xmlns="">
             <p:sp>
               <p:nvSpPr>
                 <p:cNvPr id="44" name="TextBox 43"/>
@@ -7880,8 +7880,8 @@
             </p:sp>
           </mc:Fallback>
         </mc:AlternateContent>
-        <mc:AlternateContent xmlns:mc="http://schemas.openxmlformats.org/markup-compatibility/2006">
-          <mc:Choice xmlns:a14="http://schemas.microsoft.com/office/drawing/2010/main" Requires="a14">
+        <mc:AlternateContent xmlns:mc="http://schemas.openxmlformats.org/markup-compatibility/2006" xmlns:a14="http://schemas.microsoft.com/office/drawing/2010/main">
+          <mc:Choice Requires="a14">
             <p:sp>
               <p:nvSpPr>
                 <p:cNvPr id="45" name="TextBox 44"/>
@@ -7904,6 +7904,7 @@
                 </a:bodyPr>
                 <a:lstStyle/>
                 <a:p>
+                  <a:pPr/>
                   <a14:m>
                     <m:oMathPara xmlns:m="http://schemas.openxmlformats.org/officeDocument/2006/math">
                       <m:oMathParaPr>
@@ -7928,7 +7929,7 @@
               </p:txBody>
             </p:sp>
           </mc:Choice>
-          <mc:Fallback>
+          <mc:Fallback xmlns="">
             <p:sp>
               <p:nvSpPr>
                 <p:cNvPr id="45" name="TextBox 44"/>
@@ -8138,8 +8139,8 @@
             </a:fontRef>
           </p:style>
         </p:cxnSp>
-        <mc:AlternateContent xmlns:mc="http://schemas.openxmlformats.org/markup-compatibility/2006">
-          <mc:Choice xmlns:a14="http://schemas.microsoft.com/office/drawing/2010/main" Requires="a14">
+        <mc:AlternateContent xmlns:mc="http://schemas.openxmlformats.org/markup-compatibility/2006" xmlns:a14="http://schemas.microsoft.com/office/drawing/2010/main">
+          <mc:Choice Requires="a14">
             <p:sp>
               <p:nvSpPr>
                 <p:cNvPr id="20" name="TextBox 19"/>
@@ -8162,6 +8163,7 @@
                 </a:bodyPr>
                 <a:lstStyle/>
                 <a:p>
+                  <a:pPr/>
                   <a14:m>
                     <m:oMathPara xmlns:m="http://schemas.openxmlformats.org/officeDocument/2006/math">
                       <m:oMathParaPr>
@@ -8229,7 +8231,7 @@
               </p:txBody>
             </p:sp>
           </mc:Choice>
-          <mc:Fallback>
+          <mc:Fallback xmlns="">
             <p:sp>
               <p:nvSpPr>
                 <p:cNvPr id="20" name="TextBox 19"/>
@@ -8268,8 +8270,8 @@
             </p:sp>
           </mc:Fallback>
         </mc:AlternateContent>
-        <mc:AlternateContent xmlns:mc="http://schemas.openxmlformats.org/markup-compatibility/2006">
-          <mc:Choice xmlns:a14="http://schemas.microsoft.com/office/drawing/2010/main" Requires="a14">
+        <mc:AlternateContent xmlns:mc="http://schemas.openxmlformats.org/markup-compatibility/2006" xmlns:a14="http://schemas.microsoft.com/office/drawing/2010/main">
+          <mc:Choice Requires="a14">
             <p:sp>
               <p:nvSpPr>
                 <p:cNvPr id="48" name="TextBox 47"/>
@@ -8292,6 +8294,7 @@
                 </a:bodyPr>
                 <a:lstStyle/>
                 <a:p>
+                  <a:pPr/>
                   <a14:m>
                     <m:oMathPara xmlns:m="http://schemas.openxmlformats.org/officeDocument/2006/math">
                       <m:oMathParaPr>
@@ -8359,7 +8362,7 @@
               </p:txBody>
             </p:sp>
           </mc:Choice>
-          <mc:Fallback>
+          <mc:Fallback xmlns="">
             <p:sp>
               <p:nvSpPr>
                 <p:cNvPr id="48" name="TextBox 47"/>
@@ -8398,8 +8401,8 @@
             </p:sp>
           </mc:Fallback>
         </mc:AlternateContent>
-        <mc:AlternateContent xmlns:mc="http://schemas.openxmlformats.org/markup-compatibility/2006">
-          <mc:Choice xmlns:a14="http://schemas.microsoft.com/office/drawing/2010/main" Requires="a14">
+        <mc:AlternateContent xmlns:mc="http://schemas.openxmlformats.org/markup-compatibility/2006" xmlns:a14="http://schemas.microsoft.com/office/drawing/2010/main">
+          <mc:Choice Requires="a14">
             <p:sp>
               <p:nvSpPr>
                 <p:cNvPr id="49" name="TextBox 48"/>
@@ -8422,6 +8425,7 @@
                 </a:bodyPr>
                 <a:lstStyle/>
                 <a:p>
+                  <a:pPr/>
                   <a14:m>
                     <m:oMathPara xmlns:m="http://schemas.openxmlformats.org/officeDocument/2006/math">
                       <m:oMathParaPr>
@@ -8480,7 +8484,7 @@
               </p:txBody>
             </p:sp>
           </mc:Choice>
-          <mc:Fallback>
+          <mc:Fallback xmlns="">
             <p:sp>
               <p:nvSpPr>
                 <p:cNvPr id="49" name="TextBox 48"/>
@@ -11756,725 +11760,6 @@
       </p:grpSp>
       <p:grpSp>
         <p:nvGrpSpPr>
-          <p:cNvPr id="26" name="Group 25"/>
-          <p:cNvGrpSpPr/>
-          <p:nvPr/>
-        </p:nvGrpSpPr>
-        <p:grpSpPr>
-          <a:xfrm>
-            <a:off x="5853733" y="3406253"/>
-            <a:ext cx="4709558" cy="2520000"/>
-            <a:chOff x="4947539" y="2885737"/>
-            <a:chExt cx="4709558" cy="2520000"/>
-          </a:xfrm>
-        </p:grpSpPr>
-        <p:sp>
-          <p:nvSpPr>
-            <p:cNvPr id="4" name="Freeform 3"/>
-            <p:cNvSpPr/>
-            <p:nvPr/>
-          </p:nvSpPr>
-          <p:spPr>
-            <a:xfrm>
-              <a:off x="8618944" y="2997583"/>
-              <a:ext cx="1038153" cy="1141280"/>
-            </a:xfrm>
-            <a:custGeom>
-              <a:avLst/>
-              <a:gdLst>
-                <a:gd name="connsiteX0" fmla="*/ 0 w 1038153"/>
-                <a:gd name="connsiteY0" fmla="*/ 0 h 1223783"/>
-                <a:gd name="connsiteX1" fmla="*/ 1038153 w 1038153"/>
-                <a:gd name="connsiteY1" fmla="*/ 0 h 1223783"/>
-                <a:gd name="connsiteX2" fmla="*/ 1038153 w 1038153"/>
-                <a:gd name="connsiteY2" fmla="*/ 900649 h 1223783"/>
-                <a:gd name="connsiteX3" fmla="*/ 618767 w 1038153"/>
-                <a:gd name="connsiteY3" fmla="*/ 1223783 h 1223783"/>
-                <a:gd name="connsiteX4" fmla="*/ 419386 w 1038153"/>
-                <a:gd name="connsiteY4" fmla="*/ 1223783 h 1223783"/>
-                <a:gd name="connsiteX5" fmla="*/ 0 w 1038153"/>
-                <a:gd name="connsiteY5" fmla="*/ 900649 h 1223783"/>
-                <a:gd name="connsiteX6" fmla="*/ 0 w 1038153"/>
-                <a:gd name="connsiteY6" fmla="*/ 0 h 1223783"/>
-                <a:gd name="connsiteX0" fmla="*/ 6875 w 1038153"/>
-                <a:gd name="connsiteY0" fmla="*/ 89377 h 1223783"/>
-                <a:gd name="connsiteX1" fmla="*/ 1038153 w 1038153"/>
-                <a:gd name="connsiteY1" fmla="*/ 0 h 1223783"/>
-                <a:gd name="connsiteX2" fmla="*/ 1038153 w 1038153"/>
-                <a:gd name="connsiteY2" fmla="*/ 900649 h 1223783"/>
-                <a:gd name="connsiteX3" fmla="*/ 618767 w 1038153"/>
-                <a:gd name="connsiteY3" fmla="*/ 1223783 h 1223783"/>
-                <a:gd name="connsiteX4" fmla="*/ 419386 w 1038153"/>
-                <a:gd name="connsiteY4" fmla="*/ 1223783 h 1223783"/>
-                <a:gd name="connsiteX5" fmla="*/ 0 w 1038153"/>
-                <a:gd name="connsiteY5" fmla="*/ 900649 h 1223783"/>
-                <a:gd name="connsiteX6" fmla="*/ 6875 w 1038153"/>
-                <a:gd name="connsiteY6" fmla="*/ 89377 h 1223783"/>
-                <a:gd name="connsiteX0" fmla="*/ 6875 w 1038153"/>
-                <a:gd name="connsiteY0" fmla="*/ 6874 h 1141280"/>
-                <a:gd name="connsiteX1" fmla="*/ 1038153 w 1038153"/>
-                <a:gd name="connsiteY1" fmla="*/ 0 h 1141280"/>
-                <a:gd name="connsiteX2" fmla="*/ 1038153 w 1038153"/>
-                <a:gd name="connsiteY2" fmla="*/ 818146 h 1141280"/>
-                <a:gd name="connsiteX3" fmla="*/ 618767 w 1038153"/>
-                <a:gd name="connsiteY3" fmla="*/ 1141280 h 1141280"/>
-                <a:gd name="connsiteX4" fmla="*/ 419386 w 1038153"/>
-                <a:gd name="connsiteY4" fmla="*/ 1141280 h 1141280"/>
-                <a:gd name="connsiteX5" fmla="*/ 0 w 1038153"/>
-                <a:gd name="connsiteY5" fmla="*/ 818146 h 1141280"/>
-                <a:gd name="connsiteX6" fmla="*/ 6875 w 1038153"/>
-                <a:gd name="connsiteY6" fmla="*/ 6874 h 1141280"/>
-              </a:gdLst>
-              <a:ahLst/>
-              <a:cxnLst>
-                <a:cxn ang="0">
-                  <a:pos x="connsiteX0" y="connsiteY0"/>
-                </a:cxn>
-                <a:cxn ang="0">
-                  <a:pos x="connsiteX1" y="connsiteY1"/>
-                </a:cxn>
-                <a:cxn ang="0">
-                  <a:pos x="connsiteX2" y="connsiteY2"/>
-                </a:cxn>
-                <a:cxn ang="0">
-                  <a:pos x="connsiteX3" y="connsiteY3"/>
-                </a:cxn>
-                <a:cxn ang="0">
-                  <a:pos x="connsiteX4" y="connsiteY4"/>
-                </a:cxn>
-                <a:cxn ang="0">
-                  <a:pos x="connsiteX5" y="connsiteY5"/>
-                </a:cxn>
-                <a:cxn ang="0">
-                  <a:pos x="connsiteX6" y="connsiteY6"/>
-                </a:cxn>
-              </a:cxnLst>
-              <a:rect l="l" t="t" r="r" b="b"/>
-              <a:pathLst>
-                <a:path w="1038153" h="1141280">
-                  <a:moveTo>
-                    <a:pt x="6875" y="6874"/>
-                  </a:moveTo>
-                  <a:lnTo>
-                    <a:pt x="1038153" y="0"/>
-                  </a:lnTo>
-                  <a:lnTo>
-                    <a:pt x="1038153" y="818146"/>
-                  </a:lnTo>
-                  <a:lnTo>
-                    <a:pt x="618767" y="1141280"/>
-                  </a:lnTo>
-                  <a:lnTo>
-                    <a:pt x="419386" y="1141280"/>
-                  </a:lnTo>
-                  <a:lnTo>
-                    <a:pt x="0" y="818146"/>
-                  </a:lnTo>
-                  <a:cubicBezTo>
-                    <a:pt x="2292" y="520221"/>
-                    <a:pt x="11458" y="311674"/>
-                    <a:pt x="6875" y="6874"/>
-                  </a:cubicBezTo>
-                  <a:close/>
-                </a:path>
-              </a:pathLst>
-            </a:custGeom>
-            <a:solidFill>
-              <a:schemeClr val="accent1">
-                <a:lumMod val="40000"/>
-                <a:lumOff val="60000"/>
-              </a:schemeClr>
-            </a:solidFill>
-            <a:ln w="28575">
-              <a:solidFill>
-                <a:schemeClr val="tx1"/>
-              </a:solidFill>
-            </a:ln>
-          </p:spPr>
-          <p:style>
-            <a:lnRef idx="2">
-              <a:schemeClr val="accent1">
-                <a:shade val="50000"/>
-              </a:schemeClr>
-            </a:lnRef>
-            <a:fillRef idx="1">
-              <a:schemeClr val="accent1"/>
-            </a:fillRef>
-            <a:effectRef idx="0">
-              <a:schemeClr val="accent1"/>
-            </a:effectRef>
-            <a:fontRef idx="minor">
-              <a:schemeClr val="lt1"/>
-            </a:fontRef>
-          </p:style>
-          <p:txBody>
-            <a:bodyPr rtlCol="0" anchor="ctr"/>
-            <a:lstStyle/>
-            <a:p>
-              <a:pPr algn="ctr"/>
-              <a:endParaRPr lang="en-US"/>
-            </a:p>
-          </p:txBody>
-        </p:sp>
-        <p:sp>
-          <p:nvSpPr>
-            <p:cNvPr id="18" name="Freeform 17"/>
-            <p:cNvSpPr/>
-            <p:nvPr/>
-          </p:nvSpPr>
-          <p:spPr>
-            <a:xfrm>
-              <a:off x="8618943" y="2915079"/>
-              <a:ext cx="1038153" cy="1223783"/>
-            </a:xfrm>
-            <a:custGeom>
-              <a:avLst/>
-              <a:gdLst>
-                <a:gd name="connsiteX0" fmla="*/ 0 w 1038153"/>
-                <a:gd name="connsiteY0" fmla="*/ 0 h 1223783"/>
-                <a:gd name="connsiteX1" fmla="*/ 1038153 w 1038153"/>
-                <a:gd name="connsiteY1" fmla="*/ 0 h 1223783"/>
-                <a:gd name="connsiteX2" fmla="*/ 1038153 w 1038153"/>
-                <a:gd name="connsiteY2" fmla="*/ 900649 h 1223783"/>
-                <a:gd name="connsiteX3" fmla="*/ 618767 w 1038153"/>
-                <a:gd name="connsiteY3" fmla="*/ 1223783 h 1223783"/>
-                <a:gd name="connsiteX4" fmla="*/ 419386 w 1038153"/>
-                <a:gd name="connsiteY4" fmla="*/ 1223783 h 1223783"/>
-                <a:gd name="connsiteX5" fmla="*/ 0 w 1038153"/>
-                <a:gd name="connsiteY5" fmla="*/ 900649 h 1223783"/>
-                <a:gd name="connsiteX6" fmla="*/ 0 w 1038153"/>
-                <a:gd name="connsiteY6" fmla="*/ 0 h 1223783"/>
-              </a:gdLst>
-              <a:ahLst/>
-              <a:cxnLst>
-                <a:cxn ang="0">
-                  <a:pos x="connsiteX0" y="connsiteY0"/>
-                </a:cxn>
-                <a:cxn ang="0">
-                  <a:pos x="connsiteX1" y="connsiteY1"/>
-                </a:cxn>
-                <a:cxn ang="0">
-                  <a:pos x="connsiteX2" y="connsiteY2"/>
-                </a:cxn>
-                <a:cxn ang="0">
-                  <a:pos x="connsiteX3" y="connsiteY3"/>
-                </a:cxn>
-                <a:cxn ang="0">
-                  <a:pos x="connsiteX4" y="connsiteY4"/>
-                </a:cxn>
-                <a:cxn ang="0">
-                  <a:pos x="connsiteX5" y="connsiteY5"/>
-                </a:cxn>
-                <a:cxn ang="0">
-                  <a:pos x="connsiteX6" y="connsiteY6"/>
-                </a:cxn>
-              </a:cxnLst>
-              <a:rect l="l" t="t" r="r" b="b"/>
-              <a:pathLst>
-                <a:path w="1038153" h="1223783">
-                  <a:moveTo>
-                    <a:pt x="0" y="0"/>
-                  </a:moveTo>
-                  <a:lnTo>
-                    <a:pt x="1038153" y="0"/>
-                  </a:lnTo>
-                  <a:lnTo>
-                    <a:pt x="1038153" y="900649"/>
-                  </a:lnTo>
-                  <a:lnTo>
-                    <a:pt x="618767" y="1223783"/>
-                  </a:lnTo>
-                  <a:lnTo>
-                    <a:pt x="419386" y="1223783"/>
-                  </a:lnTo>
-                  <a:lnTo>
-                    <a:pt x="0" y="900649"/>
-                  </a:lnTo>
-                  <a:cubicBezTo>
-                    <a:pt x="2292" y="602724"/>
-                    <a:pt x="4583" y="304800"/>
-                    <a:pt x="0" y="0"/>
-                  </a:cubicBezTo>
-                  <a:close/>
-                </a:path>
-              </a:pathLst>
-            </a:custGeom>
-            <a:noFill/>
-            <a:ln w="28575">
-              <a:solidFill>
-                <a:schemeClr val="tx1"/>
-              </a:solidFill>
-            </a:ln>
-          </p:spPr>
-          <p:style>
-            <a:lnRef idx="2">
-              <a:schemeClr val="accent1">
-                <a:shade val="50000"/>
-              </a:schemeClr>
-            </a:lnRef>
-            <a:fillRef idx="1">
-              <a:schemeClr val="accent1"/>
-            </a:fillRef>
-            <a:effectRef idx="0">
-              <a:schemeClr val="accent1"/>
-            </a:effectRef>
-            <a:fontRef idx="minor">
-              <a:schemeClr val="lt1"/>
-            </a:fontRef>
-          </p:style>
-          <p:txBody>
-            <a:bodyPr rtlCol="0" anchor="ctr"/>
-            <a:lstStyle/>
-            <a:p>
-              <a:pPr algn="ctr"/>
-              <a:endParaRPr lang="en-US"/>
-            </a:p>
-          </p:txBody>
-        </p:sp>
-        <p:sp>
-          <p:nvSpPr>
-            <p:cNvPr id="7" name="Block Arc 6"/>
-            <p:cNvSpPr/>
-            <p:nvPr/>
-          </p:nvSpPr>
-          <p:spPr>
-            <a:xfrm rot="10800000">
-              <a:off x="7383953" y="2885737"/>
-              <a:ext cx="1800000" cy="2520000"/>
-            </a:xfrm>
-            <a:prstGeom prst="blockArc">
-              <a:avLst>
-                <a:gd name="adj1" fmla="val 10800000"/>
-                <a:gd name="adj2" fmla="val 16283777"/>
-                <a:gd name="adj3" fmla="val 4844"/>
-              </a:avLst>
-            </a:prstGeom>
-            <a:solidFill>
-              <a:schemeClr val="accent1">
-                <a:lumMod val="40000"/>
-                <a:lumOff val="60000"/>
-              </a:schemeClr>
-            </a:solidFill>
-            <a:ln w="28575">
-              <a:solidFill>
-                <a:schemeClr val="tx1"/>
-              </a:solidFill>
-            </a:ln>
-          </p:spPr>
-          <p:style>
-            <a:lnRef idx="2">
-              <a:schemeClr val="accent1">
-                <a:shade val="50000"/>
-              </a:schemeClr>
-            </a:lnRef>
-            <a:fillRef idx="1">
-              <a:schemeClr val="accent1"/>
-            </a:fillRef>
-            <a:effectRef idx="0">
-              <a:schemeClr val="accent1"/>
-            </a:effectRef>
-            <a:fontRef idx="minor">
-              <a:schemeClr val="lt1"/>
-            </a:fontRef>
-          </p:style>
-          <p:txBody>
-            <a:bodyPr rtlCol="0" anchor="ctr"/>
-            <a:lstStyle/>
-            <a:p>
-              <a:pPr algn="ctr"/>
-              <a:endParaRPr lang="en-US">
-                <a:solidFill>
-                  <a:schemeClr val="tx1"/>
-                </a:solidFill>
-              </a:endParaRPr>
-            </a:p>
-          </p:txBody>
-        </p:sp>
-        <p:sp>
-          <p:nvSpPr>
-            <p:cNvPr id="19" name="Rectangle 18"/>
-            <p:cNvSpPr/>
-            <p:nvPr/>
-          </p:nvSpPr>
-          <p:spPr>
-            <a:xfrm>
-              <a:off x="7988968" y="5335146"/>
-              <a:ext cx="281883" cy="56841"/>
-            </a:xfrm>
-            <a:prstGeom prst="rect">
-              <a:avLst/>
-            </a:prstGeom>
-            <a:solidFill>
-              <a:schemeClr val="bg2">
-                <a:lumMod val="75000"/>
-              </a:schemeClr>
-            </a:solidFill>
-            <a:ln w="28575">
-              <a:solidFill>
-                <a:schemeClr val="tx1"/>
-              </a:solidFill>
-            </a:ln>
-          </p:spPr>
-          <p:style>
-            <a:lnRef idx="2">
-              <a:schemeClr val="accent1">
-                <a:shade val="50000"/>
-              </a:schemeClr>
-            </a:lnRef>
-            <a:fillRef idx="1">
-              <a:schemeClr val="accent1"/>
-            </a:fillRef>
-            <a:effectRef idx="0">
-              <a:schemeClr val="accent1"/>
-            </a:effectRef>
-            <a:fontRef idx="minor">
-              <a:schemeClr val="lt1"/>
-            </a:fontRef>
-          </p:style>
-          <p:txBody>
-            <a:bodyPr rtlCol="0" anchor="ctr"/>
-            <a:lstStyle/>
-            <a:p>
-              <a:pPr algn="ctr"/>
-              <a:endParaRPr lang="en-US"/>
-            </a:p>
-          </p:txBody>
-        </p:sp>
-        <p:sp>
-          <p:nvSpPr>
-            <p:cNvPr id="20" name="Rectangle 19"/>
-            <p:cNvSpPr/>
-            <p:nvPr/>
-          </p:nvSpPr>
-          <p:spPr>
-            <a:xfrm>
-              <a:off x="5866259" y="4273538"/>
-              <a:ext cx="1630145" cy="153889"/>
-            </a:xfrm>
-            <a:prstGeom prst="rect">
-              <a:avLst/>
-            </a:prstGeom>
-            <a:solidFill>
-              <a:schemeClr val="bg2">
-                <a:lumMod val="75000"/>
-              </a:schemeClr>
-            </a:solidFill>
-            <a:ln w="28575">
-              <a:solidFill>
-                <a:schemeClr val="tx1"/>
-              </a:solidFill>
-            </a:ln>
-          </p:spPr>
-          <p:style>
-            <a:lnRef idx="2">
-              <a:schemeClr val="accent1">
-                <a:shade val="50000"/>
-              </a:schemeClr>
-            </a:lnRef>
-            <a:fillRef idx="1">
-              <a:schemeClr val="accent1"/>
-            </a:fillRef>
-            <a:effectRef idx="0">
-              <a:schemeClr val="accent1"/>
-            </a:effectRef>
-            <a:fontRef idx="minor">
-              <a:schemeClr val="lt1"/>
-            </a:fontRef>
-          </p:style>
-          <p:txBody>
-            <a:bodyPr rtlCol="0" anchor="ctr"/>
-            <a:lstStyle/>
-            <a:p>
-              <a:pPr algn="ctr"/>
-              <a:endParaRPr lang="en-US"/>
-            </a:p>
-          </p:txBody>
-        </p:sp>
-        <p:cxnSp>
-          <p:nvCxnSpPr>
-            <p:cNvPr id="22" name="Straight Arrow Connector 21"/>
-            <p:cNvCxnSpPr/>
-            <p:nvPr/>
-          </p:nvCxnSpPr>
-          <p:spPr>
-            <a:xfrm flipV="1">
-              <a:off x="5866259" y="4620127"/>
-              <a:ext cx="1630145" cy="0"/>
-            </a:xfrm>
-            <a:prstGeom prst="straightConnector1">
-              <a:avLst/>
-            </a:prstGeom>
-            <a:ln w="28575">
-              <a:solidFill>
-                <a:schemeClr val="tx1"/>
-              </a:solidFill>
-              <a:headEnd type="triangle"/>
-              <a:tailEnd type="triangle"/>
-            </a:ln>
-          </p:spPr>
-          <p:style>
-            <a:lnRef idx="1">
-              <a:schemeClr val="accent1"/>
-            </a:lnRef>
-            <a:fillRef idx="0">
-              <a:schemeClr val="accent1"/>
-            </a:fillRef>
-            <a:effectRef idx="0">
-              <a:schemeClr val="accent1"/>
-            </a:effectRef>
-            <a:fontRef idx="minor">
-              <a:schemeClr val="tx1"/>
-            </a:fontRef>
-          </p:style>
-        </p:cxnSp>
-        <p:cxnSp>
-          <p:nvCxnSpPr>
-            <p:cNvPr id="23" name="Straight Arrow Connector 22"/>
-            <p:cNvCxnSpPr/>
-            <p:nvPr/>
-          </p:nvCxnSpPr>
-          <p:spPr>
-            <a:xfrm flipV="1">
-              <a:off x="5757402" y="4224482"/>
-              <a:ext cx="0" cy="252000"/>
-            </a:xfrm>
-            <a:prstGeom prst="straightConnector1">
-              <a:avLst/>
-            </a:prstGeom>
-            <a:ln w="28575">
-              <a:solidFill>
-                <a:schemeClr val="tx1"/>
-              </a:solidFill>
-              <a:headEnd type="triangle"/>
-              <a:tailEnd type="triangle"/>
-            </a:ln>
-          </p:spPr>
-          <p:style>
-            <a:lnRef idx="1">
-              <a:schemeClr val="accent1"/>
-            </a:lnRef>
-            <a:fillRef idx="0">
-              <a:schemeClr val="accent1"/>
-            </a:fillRef>
-            <a:effectRef idx="0">
-              <a:schemeClr val="accent1"/>
-            </a:effectRef>
-            <a:fontRef idx="minor">
-              <a:schemeClr val="tx1"/>
-            </a:fontRef>
-          </p:style>
-        </p:cxnSp>
-        <mc:AlternateContent xmlns:mc="http://schemas.openxmlformats.org/markup-compatibility/2006">
-          <mc:Choice xmlns:a14="http://schemas.microsoft.com/office/drawing/2010/main" Requires="a14">
-            <p:sp>
-              <p:nvSpPr>
-                <p:cNvPr id="24" name="TextBox 23"/>
-                <p:cNvSpPr txBox="1"/>
-                <p:nvPr/>
-              </p:nvSpPr>
-              <p:spPr>
-                <a:xfrm>
-                  <a:off x="6348458" y="4705106"/>
-                  <a:ext cx="586699" cy="215444"/>
-                </a:xfrm>
-                <a:prstGeom prst="rect">
-                  <a:avLst/>
-                </a:prstGeom>
-                <a:noFill/>
-              </p:spPr>
-              <p:txBody>
-                <a:bodyPr wrap="none" lIns="0" tIns="0" rIns="0" bIns="0" rtlCol="0">
-                  <a:spAutoFit/>
-                </a:bodyPr>
-                <a:lstStyle/>
-                <a:p>
-                  <a14:m>
-                    <m:oMathPara xmlns:m="http://schemas.openxmlformats.org/officeDocument/2006/math">
-                      <m:oMathParaPr>
-                        <m:jc m:val="centerGroup"/>
-                      </m:oMathParaPr>
-                      <m:oMath xmlns:m="http://schemas.openxmlformats.org/officeDocument/2006/math">
-                        <m:r>
-                          <a:rPr lang="en-CA" sz="1400" b="0" i="1" smtClean="0">
-                            <a:latin typeface="Cambria Math" charset="0"/>
-                            <a:cs typeface="Arial" panose="020B0604020202020204" pitchFamily="34" charset="0"/>
-                          </a:rPr>
-                          <m:t>32 </m:t>
-                        </m:r>
-                        <m:r>
-                          <m:rPr>
-                            <m:nor/>
-                          </m:rPr>
-                          <a:rPr lang="en-CA" sz="1400" b="0" i="0" smtClean="0">
-                            <a:latin typeface="Cambria Math" charset="0"/>
-                            <a:cs typeface="Arial" panose="020B0604020202020204" pitchFamily="34" charset="0"/>
-                          </a:rPr>
-                          <m:t>mm</m:t>
-                        </m:r>
-                      </m:oMath>
-                    </m:oMathPara>
-                  </a14:m>
-                  <a:endParaRPr lang="en-US" sz="1400" dirty="0" smtClean="0">
-                    <a:latin typeface="Arial" panose="020B0604020202020204" pitchFamily="34" charset="0"/>
-                    <a:cs typeface="Arial" panose="020B0604020202020204" pitchFamily="34" charset="0"/>
-                  </a:endParaRPr>
-                </a:p>
-              </p:txBody>
-            </p:sp>
-          </mc:Choice>
-          <mc:Fallback>
-            <p:sp>
-              <p:nvSpPr>
-                <p:cNvPr id="24" name="TextBox 23"/>
-                <p:cNvSpPr txBox="1">
-                  <a:spLocks noRot="1" noChangeAspect="1" noMove="1" noResize="1" noEditPoints="1" noAdjustHandles="1" noChangeArrowheads="1" noChangeShapeType="1" noTextEdit="1"/>
-                </p:cNvSpPr>
-                <p:nvPr/>
-              </p:nvSpPr>
-              <p:spPr>
-                <a:xfrm>
-                  <a:off x="6348458" y="4705106"/>
-                  <a:ext cx="586699" cy="215444"/>
-                </a:xfrm>
-                <a:prstGeom prst="rect">
-                  <a:avLst/>
-                </a:prstGeom>
-                <a:blipFill rotWithShape="0">
-                  <a:blip r:embed="rId9"/>
-                  <a:stretch>
-                    <a:fillRect l="-6250" t="-136111" r="-3125" b="-172222"/>
-                  </a:stretch>
-                </a:blipFill>
-              </p:spPr>
-              <p:txBody>
-                <a:bodyPr/>
-                <a:lstStyle/>
-                <a:p>
-                  <a:r>
-                    <a:rPr lang="en-US">
-                      <a:noFill/>
-                    </a:rPr>
-                    <a:t> </a:t>
-                  </a:r>
-                </a:p>
-              </p:txBody>
-            </p:sp>
-          </mc:Fallback>
-        </mc:AlternateContent>
-        <mc:AlternateContent xmlns:mc="http://schemas.openxmlformats.org/markup-compatibility/2006">
-          <mc:Choice xmlns:a14="http://schemas.microsoft.com/office/drawing/2010/main" Requires="a14">
-            <p:sp>
-              <p:nvSpPr>
-                <p:cNvPr id="25" name="TextBox 24"/>
-                <p:cNvSpPr txBox="1"/>
-                <p:nvPr/>
-              </p:nvSpPr>
-              <p:spPr>
-                <a:xfrm>
-                  <a:off x="4947539" y="4203727"/>
-                  <a:ext cx="722954" cy="215444"/>
-                </a:xfrm>
-                <a:prstGeom prst="rect">
-                  <a:avLst/>
-                </a:prstGeom>
-                <a:noFill/>
-              </p:spPr>
-              <p:txBody>
-                <a:bodyPr wrap="none" lIns="0" tIns="0" rIns="0" bIns="0" rtlCol="0">
-                  <a:spAutoFit/>
-                </a:bodyPr>
-                <a:lstStyle/>
-                <a:p>
-                  <a14:m>
-                    <m:oMathPara xmlns:m="http://schemas.openxmlformats.org/officeDocument/2006/math">
-                      <m:oMathParaPr>
-                        <m:jc m:val="centerGroup"/>
-                      </m:oMathParaPr>
-                      <m:oMath xmlns:m="http://schemas.openxmlformats.org/officeDocument/2006/math">
-                        <m:r>
-                          <a:rPr lang="en-CA" sz="1400" i="1" smtClean="0">
-                            <a:latin typeface="Cambria Math" charset="0"/>
-                            <a:cs typeface="Arial" panose="020B0604020202020204" pitchFamily="34" charset="0"/>
-                          </a:rPr>
-                          <m:t>0</m:t>
-                        </m:r>
-                        <m:r>
-                          <a:rPr lang="en-CA" sz="1400" b="0" i="1" smtClean="0">
-                            <a:latin typeface="Cambria Math" charset="0"/>
-                            <a:cs typeface="Arial" panose="020B0604020202020204" pitchFamily="34" charset="0"/>
-                          </a:rPr>
-                          <m:t>.60</m:t>
-                        </m:r>
-                        <m:r>
-                          <a:rPr lang="en-CA" sz="1400" b="0" i="1" smtClean="0">
-                            <a:latin typeface="Cambria Math" charset="0"/>
-                            <a:cs typeface="Arial" panose="020B0604020202020204" pitchFamily="34" charset="0"/>
-                          </a:rPr>
-                          <m:t> </m:t>
-                        </m:r>
-                        <m:r>
-                          <m:rPr>
-                            <m:nor/>
-                          </m:rPr>
-                          <a:rPr lang="en-CA" sz="1400" b="0" i="0" smtClean="0">
-                            <a:latin typeface="Cambria Math" charset="0"/>
-                            <a:cs typeface="Arial" panose="020B0604020202020204" pitchFamily="34" charset="0"/>
-                          </a:rPr>
-                          <m:t>mm</m:t>
-                        </m:r>
-                      </m:oMath>
-                    </m:oMathPara>
-                  </a14:m>
-                  <a:endParaRPr lang="en-US" sz="1400" dirty="0" smtClean="0">
-                    <a:latin typeface="Arial" panose="020B0604020202020204" pitchFamily="34" charset="0"/>
-                    <a:cs typeface="Arial" panose="020B0604020202020204" pitchFamily="34" charset="0"/>
-                  </a:endParaRPr>
-                </a:p>
-              </p:txBody>
-            </p:sp>
-          </mc:Choice>
-          <mc:Fallback>
-            <p:sp>
-              <p:nvSpPr>
-                <p:cNvPr id="25" name="TextBox 24"/>
-                <p:cNvSpPr txBox="1">
-                  <a:spLocks noRot="1" noChangeAspect="1" noMove="1" noResize="1" noEditPoints="1" noAdjustHandles="1" noChangeArrowheads="1" noChangeShapeType="1" noTextEdit="1"/>
-                </p:cNvSpPr>
-                <p:nvPr/>
-              </p:nvSpPr>
-              <p:spPr>
-                <a:xfrm>
-                  <a:off x="4947539" y="4203727"/>
-                  <a:ext cx="722954" cy="215444"/>
-                </a:xfrm>
-                <a:prstGeom prst="rect">
-                  <a:avLst/>
-                </a:prstGeom>
-                <a:blipFill rotWithShape="0">
-                  <a:blip r:embed="rId10"/>
-                  <a:stretch>
-                    <a:fillRect l="-4202" t="-140000" r="-1681" b="-180000"/>
-                  </a:stretch>
-                </a:blipFill>
-              </p:spPr>
-              <p:txBody>
-                <a:bodyPr/>
-                <a:lstStyle/>
-                <a:p>
-                  <a:r>
-                    <a:rPr lang="en-US">
-                      <a:noFill/>
-                    </a:rPr>
-                    <a:t> </a:t>
-                  </a:r>
-                </a:p>
-              </p:txBody>
-            </p:sp>
-          </mc:Fallback>
-        </mc:AlternateContent>
-      </p:grpSp>
-      <p:grpSp>
-        <p:nvGrpSpPr>
           <p:cNvPr id="43" name="Group 42"/>
           <p:cNvGrpSpPr/>
           <p:nvPr/>
@@ -12910,8 +12195,8 @@
             </a:fontRef>
           </p:style>
         </p:cxnSp>
-        <mc:AlternateContent xmlns:mc="http://schemas.openxmlformats.org/markup-compatibility/2006">
-          <mc:Choice xmlns:a14="http://schemas.microsoft.com/office/drawing/2010/main" Requires="a14">
+        <mc:AlternateContent xmlns:mc="http://schemas.openxmlformats.org/markup-compatibility/2006" xmlns:a14="http://schemas.microsoft.com/office/drawing/2010/main">
+          <mc:Choice Requires="a14">
             <p:sp>
               <p:nvSpPr>
                 <p:cNvPr id="36" name="TextBox 35"/>
@@ -12934,6 +12219,7 @@
                 </a:bodyPr>
                 <a:lstStyle/>
                 <a:p>
+                  <a:pPr/>
                   <a14:m>
                     <m:oMathPara xmlns:m="http://schemas.openxmlformats.org/officeDocument/2006/math">
                       <m:oMathParaPr>
@@ -12979,7 +12265,7 @@
               </p:txBody>
             </p:sp>
           </mc:Choice>
-          <mc:Fallback>
+          <mc:Fallback xmlns="">
             <p:sp>
               <p:nvSpPr>
                 <p:cNvPr id="36" name="TextBox 35"/>
@@ -13018,8 +12304,8 @@
             </p:sp>
           </mc:Fallback>
         </mc:AlternateContent>
-        <mc:AlternateContent xmlns:mc="http://schemas.openxmlformats.org/markup-compatibility/2006">
-          <mc:Choice xmlns:a14="http://schemas.microsoft.com/office/drawing/2010/main" Requires="a14">
+        <mc:AlternateContent xmlns:mc="http://schemas.openxmlformats.org/markup-compatibility/2006" xmlns:a14="http://schemas.microsoft.com/office/drawing/2010/main">
+          <mc:Choice Requires="a14">
             <p:sp>
               <p:nvSpPr>
                 <p:cNvPr id="38" name="TextBox 37"/>
@@ -13042,6 +12328,7 @@
                 </a:bodyPr>
                 <a:lstStyle/>
                 <a:p>
+                  <a:pPr/>
                   <a14:m>
                     <m:oMathPara xmlns:m="http://schemas.openxmlformats.org/officeDocument/2006/math">
                       <m:oMathParaPr>
@@ -13094,7 +12381,7 @@
               </p:txBody>
             </p:sp>
           </mc:Choice>
-          <mc:Fallback>
+          <mc:Fallback xmlns="">
             <p:sp>
               <p:nvSpPr>
                 <p:cNvPr id="38" name="TextBox 37"/>
@@ -13205,8 +12492,8 @@
             </a:fontRef>
           </p:style>
         </p:cxnSp>
-        <mc:AlternateContent xmlns:mc="http://schemas.openxmlformats.org/markup-compatibility/2006">
-          <mc:Choice xmlns:a14="http://schemas.microsoft.com/office/drawing/2010/main" Requires="a14">
+        <mc:AlternateContent xmlns:mc="http://schemas.openxmlformats.org/markup-compatibility/2006" xmlns:a14="http://schemas.microsoft.com/office/drawing/2010/main">
+          <mc:Choice Requires="a14">
             <p:sp>
               <p:nvSpPr>
                 <p:cNvPr id="42" name="TextBox 41"/>
@@ -13229,6 +12516,7 @@
                 </a:bodyPr>
                 <a:lstStyle/>
                 <a:p>
+                  <a:pPr/>
                   <a14:m>
                     <m:oMathPara xmlns:m="http://schemas.openxmlformats.org/officeDocument/2006/math">
                       <m:oMathParaPr>
@@ -13253,7 +12541,7 @@
               </p:txBody>
             </p:sp>
           </mc:Choice>
-          <mc:Fallback>
+          <mc:Fallback xmlns="">
             <p:sp>
               <p:nvSpPr>
                 <p:cNvPr id="42" name="TextBox 41"/>
@@ -13274,6 +12562,1010 @@
                   <a:blip r:embed="rId13"/>
                   <a:stretch>
                     <a:fillRect l="-25000" r="-25000" b="-30000"/>
+                  </a:stretch>
+                </a:blipFill>
+              </p:spPr>
+              <p:txBody>
+                <a:bodyPr/>
+                <a:lstStyle/>
+                <a:p>
+                  <a:r>
+                    <a:rPr lang="en-US">
+                      <a:noFill/>
+                    </a:rPr>
+                    <a:t> </a:t>
+                  </a:r>
+                </a:p>
+              </p:txBody>
+            </p:sp>
+          </mc:Fallback>
+        </mc:AlternateContent>
+      </p:grpSp>
+      <p:grpSp>
+        <p:nvGrpSpPr>
+          <p:cNvPr id="3" name="Group 2"/>
+          <p:cNvGrpSpPr/>
+          <p:nvPr/>
+        </p:nvGrpSpPr>
+        <p:grpSpPr>
+          <a:xfrm>
+            <a:off x="5853733" y="3406253"/>
+            <a:ext cx="4779616" cy="2907309"/>
+            <a:chOff x="5853733" y="3406253"/>
+            <a:chExt cx="4779616" cy="2907309"/>
+          </a:xfrm>
+        </p:grpSpPr>
+        <p:grpSp>
+          <p:nvGrpSpPr>
+            <p:cNvPr id="26" name="Group 25"/>
+            <p:cNvGrpSpPr/>
+            <p:nvPr/>
+          </p:nvGrpSpPr>
+          <p:grpSpPr>
+            <a:xfrm>
+              <a:off x="5853733" y="3406253"/>
+              <a:ext cx="4709558" cy="2520000"/>
+              <a:chOff x="4947539" y="2885737"/>
+              <a:chExt cx="4709558" cy="2520000"/>
+            </a:xfrm>
+          </p:grpSpPr>
+          <p:sp>
+            <p:nvSpPr>
+              <p:cNvPr id="4" name="Freeform 3"/>
+              <p:cNvSpPr/>
+              <p:nvPr/>
+            </p:nvSpPr>
+            <p:spPr>
+              <a:xfrm>
+                <a:off x="8618944" y="2997583"/>
+                <a:ext cx="1038153" cy="1141280"/>
+              </a:xfrm>
+              <a:custGeom>
+                <a:avLst/>
+                <a:gdLst>
+                  <a:gd name="connsiteX0" fmla="*/ 0 w 1038153"/>
+                  <a:gd name="connsiteY0" fmla="*/ 0 h 1223783"/>
+                  <a:gd name="connsiteX1" fmla="*/ 1038153 w 1038153"/>
+                  <a:gd name="connsiteY1" fmla="*/ 0 h 1223783"/>
+                  <a:gd name="connsiteX2" fmla="*/ 1038153 w 1038153"/>
+                  <a:gd name="connsiteY2" fmla="*/ 900649 h 1223783"/>
+                  <a:gd name="connsiteX3" fmla="*/ 618767 w 1038153"/>
+                  <a:gd name="connsiteY3" fmla="*/ 1223783 h 1223783"/>
+                  <a:gd name="connsiteX4" fmla="*/ 419386 w 1038153"/>
+                  <a:gd name="connsiteY4" fmla="*/ 1223783 h 1223783"/>
+                  <a:gd name="connsiteX5" fmla="*/ 0 w 1038153"/>
+                  <a:gd name="connsiteY5" fmla="*/ 900649 h 1223783"/>
+                  <a:gd name="connsiteX6" fmla="*/ 0 w 1038153"/>
+                  <a:gd name="connsiteY6" fmla="*/ 0 h 1223783"/>
+                  <a:gd name="connsiteX0" fmla="*/ 6875 w 1038153"/>
+                  <a:gd name="connsiteY0" fmla="*/ 89377 h 1223783"/>
+                  <a:gd name="connsiteX1" fmla="*/ 1038153 w 1038153"/>
+                  <a:gd name="connsiteY1" fmla="*/ 0 h 1223783"/>
+                  <a:gd name="connsiteX2" fmla="*/ 1038153 w 1038153"/>
+                  <a:gd name="connsiteY2" fmla="*/ 900649 h 1223783"/>
+                  <a:gd name="connsiteX3" fmla="*/ 618767 w 1038153"/>
+                  <a:gd name="connsiteY3" fmla="*/ 1223783 h 1223783"/>
+                  <a:gd name="connsiteX4" fmla="*/ 419386 w 1038153"/>
+                  <a:gd name="connsiteY4" fmla="*/ 1223783 h 1223783"/>
+                  <a:gd name="connsiteX5" fmla="*/ 0 w 1038153"/>
+                  <a:gd name="connsiteY5" fmla="*/ 900649 h 1223783"/>
+                  <a:gd name="connsiteX6" fmla="*/ 6875 w 1038153"/>
+                  <a:gd name="connsiteY6" fmla="*/ 89377 h 1223783"/>
+                  <a:gd name="connsiteX0" fmla="*/ 6875 w 1038153"/>
+                  <a:gd name="connsiteY0" fmla="*/ 6874 h 1141280"/>
+                  <a:gd name="connsiteX1" fmla="*/ 1038153 w 1038153"/>
+                  <a:gd name="connsiteY1" fmla="*/ 0 h 1141280"/>
+                  <a:gd name="connsiteX2" fmla="*/ 1038153 w 1038153"/>
+                  <a:gd name="connsiteY2" fmla="*/ 818146 h 1141280"/>
+                  <a:gd name="connsiteX3" fmla="*/ 618767 w 1038153"/>
+                  <a:gd name="connsiteY3" fmla="*/ 1141280 h 1141280"/>
+                  <a:gd name="connsiteX4" fmla="*/ 419386 w 1038153"/>
+                  <a:gd name="connsiteY4" fmla="*/ 1141280 h 1141280"/>
+                  <a:gd name="connsiteX5" fmla="*/ 0 w 1038153"/>
+                  <a:gd name="connsiteY5" fmla="*/ 818146 h 1141280"/>
+                  <a:gd name="connsiteX6" fmla="*/ 6875 w 1038153"/>
+                  <a:gd name="connsiteY6" fmla="*/ 6874 h 1141280"/>
+                </a:gdLst>
+                <a:ahLst/>
+                <a:cxnLst>
+                  <a:cxn ang="0">
+                    <a:pos x="connsiteX0" y="connsiteY0"/>
+                  </a:cxn>
+                  <a:cxn ang="0">
+                    <a:pos x="connsiteX1" y="connsiteY1"/>
+                  </a:cxn>
+                  <a:cxn ang="0">
+                    <a:pos x="connsiteX2" y="connsiteY2"/>
+                  </a:cxn>
+                  <a:cxn ang="0">
+                    <a:pos x="connsiteX3" y="connsiteY3"/>
+                  </a:cxn>
+                  <a:cxn ang="0">
+                    <a:pos x="connsiteX4" y="connsiteY4"/>
+                  </a:cxn>
+                  <a:cxn ang="0">
+                    <a:pos x="connsiteX5" y="connsiteY5"/>
+                  </a:cxn>
+                  <a:cxn ang="0">
+                    <a:pos x="connsiteX6" y="connsiteY6"/>
+                  </a:cxn>
+                </a:cxnLst>
+                <a:rect l="l" t="t" r="r" b="b"/>
+                <a:pathLst>
+                  <a:path w="1038153" h="1141280">
+                    <a:moveTo>
+                      <a:pt x="6875" y="6874"/>
+                    </a:moveTo>
+                    <a:lnTo>
+                      <a:pt x="1038153" y="0"/>
+                    </a:lnTo>
+                    <a:lnTo>
+                      <a:pt x="1038153" y="818146"/>
+                    </a:lnTo>
+                    <a:lnTo>
+                      <a:pt x="618767" y="1141280"/>
+                    </a:lnTo>
+                    <a:lnTo>
+                      <a:pt x="419386" y="1141280"/>
+                    </a:lnTo>
+                    <a:lnTo>
+                      <a:pt x="0" y="818146"/>
+                    </a:lnTo>
+                    <a:cubicBezTo>
+                      <a:pt x="2292" y="520221"/>
+                      <a:pt x="11458" y="311674"/>
+                      <a:pt x="6875" y="6874"/>
+                    </a:cubicBezTo>
+                    <a:close/>
+                  </a:path>
+                </a:pathLst>
+              </a:custGeom>
+              <a:solidFill>
+                <a:schemeClr val="accent1">
+                  <a:lumMod val="40000"/>
+                  <a:lumOff val="60000"/>
+                </a:schemeClr>
+              </a:solidFill>
+              <a:ln w="28575">
+                <a:solidFill>
+                  <a:schemeClr val="tx1"/>
+                </a:solidFill>
+              </a:ln>
+            </p:spPr>
+            <p:style>
+              <a:lnRef idx="2">
+                <a:schemeClr val="accent1">
+                  <a:shade val="50000"/>
+                </a:schemeClr>
+              </a:lnRef>
+              <a:fillRef idx="1">
+                <a:schemeClr val="accent1"/>
+              </a:fillRef>
+              <a:effectRef idx="0">
+                <a:schemeClr val="accent1"/>
+              </a:effectRef>
+              <a:fontRef idx="minor">
+                <a:schemeClr val="lt1"/>
+              </a:fontRef>
+            </p:style>
+            <p:txBody>
+              <a:bodyPr rtlCol="0" anchor="ctr"/>
+              <a:lstStyle/>
+              <a:p>
+                <a:pPr algn="ctr"/>
+                <a:endParaRPr lang="en-US"/>
+              </a:p>
+            </p:txBody>
+          </p:sp>
+          <p:sp>
+            <p:nvSpPr>
+              <p:cNvPr id="18" name="Freeform 17"/>
+              <p:cNvSpPr/>
+              <p:nvPr/>
+            </p:nvSpPr>
+            <p:spPr>
+              <a:xfrm>
+                <a:off x="8618943" y="2915079"/>
+                <a:ext cx="1038153" cy="1223783"/>
+              </a:xfrm>
+              <a:custGeom>
+                <a:avLst/>
+                <a:gdLst>
+                  <a:gd name="connsiteX0" fmla="*/ 0 w 1038153"/>
+                  <a:gd name="connsiteY0" fmla="*/ 0 h 1223783"/>
+                  <a:gd name="connsiteX1" fmla="*/ 1038153 w 1038153"/>
+                  <a:gd name="connsiteY1" fmla="*/ 0 h 1223783"/>
+                  <a:gd name="connsiteX2" fmla="*/ 1038153 w 1038153"/>
+                  <a:gd name="connsiteY2" fmla="*/ 900649 h 1223783"/>
+                  <a:gd name="connsiteX3" fmla="*/ 618767 w 1038153"/>
+                  <a:gd name="connsiteY3" fmla="*/ 1223783 h 1223783"/>
+                  <a:gd name="connsiteX4" fmla="*/ 419386 w 1038153"/>
+                  <a:gd name="connsiteY4" fmla="*/ 1223783 h 1223783"/>
+                  <a:gd name="connsiteX5" fmla="*/ 0 w 1038153"/>
+                  <a:gd name="connsiteY5" fmla="*/ 900649 h 1223783"/>
+                  <a:gd name="connsiteX6" fmla="*/ 0 w 1038153"/>
+                  <a:gd name="connsiteY6" fmla="*/ 0 h 1223783"/>
+                </a:gdLst>
+                <a:ahLst/>
+                <a:cxnLst>
+                  <a:cxn ang="0">
+                    <a:pos x="connsiteX0" y="connsiteY0"/>
+                  </a:cxn>
+                  <a:cxn ang="0">
+                    <a:pos x="connsiteX1" y="connsiteY1"/>
+                  </a:cxn>
+                  <a:cxn ang="0">
+                    <a:pos x="connsiteX2" y="connsiteY2"/>
+                  </a:cxn>
+                  <a:cxn ang="0">
+                    <a:pos x="connsiteX3" y="connsiteY3"/>
+                  </a:cxn>
+                  <a:cxn ang="0">
+                    <a:pos x="connsiteX4" y="connsiteY4"/>
+                  </a:cxn>
+                  <a:cxn ang="0">
+                    <a:pos x="connsiteX5" y="connsiteY5"/>
+                  </a:cxn>
+                  <a:cxn ang="0">
+                    <a:pos x="connsiteX6" y="connsiteY6"/>
+                  </a:cxn>
+                </a:cxnLst>
+                <a:rect l="l" t="t" r="r" b="b"/>
+                <a:pathLst>
+                  <a:path w="1038153" h="1223783">
+                    <a:moveTo>
+                      <a:pt x="0" y="0"/>
+                    </a:moveTo>
+                    <a:lnTo>
+                      <a:pt x="1038153" y="0"/>
+                    </a:lnTo>
+                    <a:lnTo>
+                      <a:pt x="1038153" y="900649"/>
+                    </a:lnTo>
+                    <a:lnTo>
+                      <a:pt x="618767" y="1223783"/>
+                    </a:lnTo>
+                    <a:lnTo>
+                      <a:pt x="419386" y="1223783"/>
+                    </a:lnTo>
+                    <a:lnTo>
+                      <a:pt x="0" y="900649"/>
+                    </a:lnTo>
+                    <a:cubicBezTo>
+                      <a:pt x="2292" y="602724"/>
+                      <a:pt x="4583" y="304800"/>
+                      <a:pt x="0" y="0"/>
+                    </a:cubicBezTo>
+                    <a:close/>
+                  </a:path>
+                </a:pathLst>
+              </a:custGeom>
+              <a:noFill/>
+              <a:ln w="28575">
+                <a:solidFill>
+                  <a:schemeClr val="tx1"/>
+                </a:solidFill>
+              </a:ln>
+            </p:spPr>
+            <p:style>
+              <a:lnRef idx="2">
+                <a:schemeClr val="accent1">
+                  <a:shade val="50000"/>
+                </a:schemeClr>
+              </a:lnRef>
+              <a:fillRef idx="1">
+                <a:schemeClr val="accent1"/>
+              </a:fillRef>
+              <a:effectRef idx="0">
+                <a:schemeClr val="accent1"/>
+              </a:effectRef>
+              <a:fontRef idx="minor">
+                <a:schemeClr val="lt1"/>
+              </a:fontRef>
+            </p:style>
+            <p:txBody>
+              <a:bodyPr rtlCol="0" anchor="ctr"/>
+              <a:lstStyle/>
+              <a:p>
+                <a:pPr algn="ctr"/>
+                <a:endParaRPr lang="en-US"/>
+              </a:p>
+            </p:txBody>
+          </p:sp>
+          <p:sp>
+            <p:nvSpPr>
+              <p:cNvPr id="7" name="Block Arc 6"/>
+              <p:cNvSpPr/>
+              <p:nvPr/>
+            </p:nvSpPr>
+            <p:spPr>
+              <a:xfrm rot="10800000">
+                <a:off x="7383953" y="2885737"/>
+                <a:ext cx="1800000" cy="2520000"/>
+              </a:xfrm>
+              <a:prstGeom prst="blockArc">
+                <a:avLst>
+                  <a:gd name="adj1" fmla="val 10800000"/>
+                  <a:gd name="adj2" fmla="val 16283777"/>
+                  <a:gd name="adj3" fmla="val 4844"/>
+                </a:avLst>
+              </a:prstGeom>
+              <a:solidFill>
+                <a:schemeClr val="accent1">
+                  <a:lumMod val="40000"/>
+                  <a:lumOff val="60000"/>
+                </a:schemeClr>
+              </a:solidFill>
+              <a:ln w="28575">
+                <a:solidFill>
+                  <a:schemeClr val="tx1"/>
+                </a:solidFill>
+              </a:ln>
+            </p:spPr>
+            <p:style>
+              <a:lnRef idx="2">
+                <a:schemeClr val="accent1">
+                  <a:shade val="50000"/>
+                </a:schemeClr>
+              </a:lnRef>
+              <a:fillRef idx="1">
+                <a:schemeClr val="accent1"/>
+              </a:fillRef>
+              <a:effectRef idx="0">
+                <a:schemeClr val="accent1"/>
+              </a:effectRef>
+              <a:fontRef idx="minor">
+                <a:schemeClr val="lt1"/>
+              </a:fontRef>
+            </p:style>
+            <p:txBody>
+              <a:bodyPr rtlCol="0" anchor="ctr"/>
+              <a:lstStyle/>
+              <a:p>
+                <a:pPr algn="ctr"/>
+                <a:endParaRPr lang="en-US">
+                  <a:solidFill>
+                    <a:schemeClr val="tx1"/>
+                  </a:solidFill>
+                </a:endParaRPr>
+              </a:p>
+            </p:txBody>
+          </p:sp>
+          <p:sp>
+            <p:nvSpPr>
+              <p:cNvPr id="19" name="Rectangle 18"/>
+              <p:cNvSpPr/>
+              <p:nvPr/>
+            </p:nvSpPr>
+            <p:spPr>
+              <a:xfrm>
+                <a:off x="7988968" y="5335146"/>
+                <a:ext cx="281883" cy="56841"/>
+              </a:xfrm>
+              <a:prstGeom prst="rect">
+                <a:avLst/>
+              </a:prstGeom>
+              <a:solidFill>
+                <a:schemeClr val="bg2">
+                  <a:lumMod val="75000"/>
+                </a:schemeClr>
+              </a:solidFill>
+              <a:ln w="28575">
+                <a:solidFill>
+                  <a:schemeClr val="tx1"/>
+                </a:solidFill>
+              </a:ln>
+            </p:spPr>
+            <p:style>
+              <a:lnRef idx="2">
+                <a:schemeClr val="accent1">
+                  <a:shade val="50000"/>
+                </a:schemeClr>
+              </a:lnRef>
+              <a:fillRef idx="1">
+                <a:schemeClr val="accent1"/>
+              </a:fillRef>
+              <a:effectRef idx="0">
+                <a:schemeClr val="accent1"/>
+              </a:effectRef>
+              <a:fontRef idx="minor">
+                <a:schemeClr val="lt1"/>
+              </a:fontRef>
+            </p:style>
+            <p:txBody>
+              <a:bodyPr rtlCol="0" anchor="ctr"/>
+              <a:lstStyle/>
+              <a:p>
+                <a:pPr algn="ctr"/>
+                <a:endParaRPr lang="en-US"/>
+              </a:p>
+            </p:txBody>
+          </p:sp>
+          <p:sp>
+            <p:nvSpPr>
+              <p:cNvPr id="20" name="Rectangle 19"/>
+              <p:cNvSpPr/>
+              <p:nvPr/>
+            </p:nvSpPr>
+            <p:spPr>
+              <a:xfrm>
+                <a:off x="5866259" y="4273538"/>
+                <a:ext cx="1630145" cy="153889"/>
+              </a:xfrm>
+              <a:prstGeom prst="rect">
+                <a:avLst/>
+              </a:prstGeom>
+              <a:solidFill>
+                <a:schemeClr val="bg2">
+                  <a:lumMod val="75000"/>
+                </a:schemeClr>
+              </a:solidFill>
+              <a:ln w="28575">
+                <a:solidFill>
+                  <a:schemeClr val="tx1"/>
+                </a:solidFill>
+              </a:ln>
+            </p:spPr>
+            <p:style>
+              <a:lnRef idx="2">
+                <a:schemeClr val="accent1">
+                  <a:shade val="50000"/>
+                </a:schemeClr>
+              </a:lnRef>
+              <a:fillRef idx="1">
+                <a:schemeClr val="accent1"/>
+              </a:fillRef>
+              <a:effectRef idx="0">
+                <a:schemeClr val="accent1"/>
+              </a:effectRef>
+              <a:fontRef idx="minor">
+                <a:schemeClr val="lt1"/>
+              </a:fontRef>
+            </p:style>
+            <p:txBody>
+              <a:bodyPr rtlCol="0" anchor="ctr"/>
+              <a:lstStyle/>
+              <a:p>
+                <a:pPr algn="ctr"/>
+                <a:endParaRPr lang="en-US"/>
+              </a:p>
+            </p:txBody>
+          </p:sp>
+          <p:cxnSp>
+            <p:nvCxnSpPr>
+              <p:cNvPr id="22" name="Straight Arrow Connector 21"/>
+              <p:cNvCxnSpPr/>
+              <p:nvPr/>
+            </p:nvCxnSpPr>
+            <p:spPr>
+              <a:xfrm flipV="1">
+                <a:off x="5866259" y="4620127"/>
+                <a:ext cx="1630145" cy="0"/>
+              </a:xfrm>
+              <a:prstGeom prst="straightConnector1">
+                <a:avLst/>
+              </a:prstGeom>
+              <a:ln w="28575">
+                <a:solidFill>
+                  <a:schemeClr val="tx1"/>
+                </a:solidFill>
+                <a:headEnd type="triangle"/>
+                <a:tailEnd type="triangle"/>
+              </a:ln>
+            </p:spPr>
+            <p:style>
+              <a:lnRef idx="1">
+                <a:schemeClr val="accent1"/>
+              </a:lnRef>
+              <a:fillRef idx="0">
+                <a:schemeClr val="accent1"/>
+              </a:fillRef>
+              <a:effectRef idx="0">
+                <a:schemeClr val="accent1"/>
+              </a:effectRef>
+              <a:fontRef idx="minor">
+                <a:schemeClr val="tx1"/>
+              </a:fontRef>
+            </p:style>
+          </p:cxnSp>
+          <p:cxnSp>
+            <p:nvCxnSpPr>
+              <p:cNvPr id="23" name="Straight Arrow Connector 22"/>
+              <p:cNvCxnSpPr/>
+              <p:nvPr/>
+            </p:nvCxnSpPr>
+            <p:spPr>
+              <a:xfrm flipV="1">
+                <a:off x="5757402" y="4224482"/>
+                <a:ext cx="0" cy="252000"/>
+              </a:xfrm>
+              <a:prstGeom prst="straightConnector1">
+                <a:avLst/>
+              </a:prstGeom>
+              <a:ln w="28575">
+                <a:solidFill>
+                  <a:schemeClr val="tx1"/>
+                </a:solidFill>
+                <a:headEnd type="triangle"/>
+                <a:tailEnd type="triangle"/>
+              </a:ln>
+            </p:spPr>
+            <p:style>
+              <a:lnRef idx="1">
+                <a:schemeClr val="accent1"/>
+              </a:lnRef>
+              <a:fillRef idx="0">
+                <a:schemeClr val="accent1"/>
+              </a:fillRef>
+              <a:effectRef idx="0">
+                <a:schemeClr val="accent1"/>
+              </a:effectRef>
+              <a:fontRef idx="minor">
+                <a:schemeClr val="tx1"/>
+              </a:fontRef>
+            </p:style>
+          </p:cxnSp>
+          <mc:AlternateContent xmlns:mc="http://schemas.openxmlformats.org/markup-compatibility/2006" xmlns:a14="http://schemas.microsoft.com/office/drawing/2010/main">
+            <mc:Choice Requires="a14">
+              <p:sp>
+                <p:nvSpPr>
+                  <p:cNvPr id="24" name="TextBox 23"/>
+                  <p:cNvSpPr txBox="1"/>
+                  <p:nvPr/>
+                </p:nvSpPr>
+                <p:spPr>
+                  <a:xfrm>
+                    <a:off x="6348458" y="4705106"/>
+                    <a:ext cx="586699" cy="215444"/>
+                  </a:xfrm>
+                  <a:prstGeom prst="rect">
+                    <a:avLst/>
+                  </a:prstGeom>
+                  <a:noFill/>
+                </p:spPr>
+                <p:txBody>
+                  <a:bodyPr wrap="none" lIns="0" tIns="0" rIns="0" bIns="0" rtlCol="0">
+                    <a:spAutoFit/>
+                  </a:bodyPr>
+                  <a:lstStyle/>
+                  <a:p>
+                    <a:pPr/>
+                    <a14:m>
+                      <m:oMathPara xmlns:m="http://schemas.openxmlformats.org/officeDocument/2006/math">
+                        <m:oMathParaPr>
+                          <m:jc m:val="centerGroup"/>
+                        </m:oMathParaPr>
+                        <m:oMath xmlns:m="http://schemas.openxmlformats.org/officeDocument/2006/math">
+                          <m:r>
+                            <a:rPr lang="en-CA" sz="1400" b="0" i="1" smtClean="0">
+                              <a:latin typeface="Cambria Math" charset="0"/>
+                              <a:cs typeface="Arial" panose="020B0604020202020204" pitchFamily="34" charset="0"/>
+                            </a:rPr>
+                            <m:t>32 </m:t>
+                          </m:r>
+                          <m:r>
+                            <m:rPr>
+                              <m:nor/>
+                            </m:rPr>
+                            <a:rPr lang="en-CA" sz="1400" b="0" i="0" smtClean="0">
+                              <a:latin typeface="Cambria Math" charset="0"/>
+                              <a:cs typeface="Arial" panose="020B0604020202020204" pitchFamily="34" charset="0"/>
+                            </a:rPr>
+                            <m:t>mm</m:t>
+                          </m:r>
+                        </m:oMath>
+                      </m:oMathPara>
+                    </a14:m>
+                    <a:endParaRPr lang="en-US" sz="1400" dirty="0" smtClean="0">
+                      <a:latin typeface="Arial" panose="020B0604020202020204" pitchFamily="34" charset="0"/>
+                      <a:cs typeface="Arial" panose="020B0604020202020204" pitchFamily="34" charset="0"/>
+                    </a:endParaRPr>
+                  </a:p>
+                </p:txBody>
+              </p:sp>
+            </mc:Choice>
+            <mc:Fallback xmlns="">
+              <p:sp>
+                <p:nvSpPr>
+                  <p:cNvPr id="24" name="TextBox 23"/>
+                  <p:cNvSpPr txBox="1">
+                    <a:spLocks noRot="1" noChangeAspect="1" noMove="1" noResize="1" noEditPoints="1" noAdjustHandles="1" noChangeArrowheads="1" noChangeShapeType="1" noTextEdit="1"/>
+                  </p:cNvSpPr>
+                  <p:nvPr/>
+                </p:nvSpPr>
+                <p:spPr>
+                  <a:xfrm>
+                    <a:off x="6348458" y="4705106"/>
+                    <a:ext cx="586699" cy="215444"/>
+                  </a:xfrm>
+                  <a:prstGeom prst="rect">
+                    <a:avLst/>
+                  </a:prstGeom>
+                  <a:blipFill rotWithShape="0">
+                    <a:blip r:embed="rId9"/>
+                    <a:stretch>
+                      <a:fillRect l="-6250" t="-136111" r="-3125" b="-172222"/>
+                    </a:stretch>
+                  </a:blipFill>
+                </p:spPr>
+                <p:txBody>
+                  <a:bodyPr/>
+                  <a:lstStyle/>
+                  <a:p>
+                    <a:r>
+                      <a:rPr lang="en-US">
+                        <a:noFill/>
+                      </a:rPr>
+                      <a:t> </a:t>
+                    </a:r>
+                  </a:p>
+                </p:txBody>
+              </p:sp>
+            </mc:Fallback>
+          </mc:AlternateContent>
+          <mc:AlternateContent xmlns:mc="http://schemas.openxmlformats.org/markup-compatibility/2006" xmlns:a14="http://schemas.microsoft.com/office/drawing/2010/main">
+            <mc:Choice Requires="a14">
+              <p:sp>
+                <p:nvSpPr>
+                  <p:cNvPr id="25" name="TextBox 24"/>
+                  <p:cNvSpPr txBox="1"/>
+                  <p:nvPr/>
+                </p:nvSpPr>
+                <p:spPr>
+                  <a:xfrm>
+                    <a:off x="4947539" y="4203727"/>
+                    <a:ext cx="722954" cy="215444"/>
+                  </a:xfrm>
+                  <a:prstGeom prst="rect">
+                    <a:avLst/>
+                  </a:prstGeom>
+                  <a:noFill/>
+                </p:spPr>
+                <p:txBody>
+                  <a:bodyPr wrap="none" lIns="0" tIns="0" rIns="0" bIns="0" rtlCol="0">
+                    <a:spAutoFit/>
+                  </a:bodyPr>
+                  <a:lstStyle/>
+                  <a:p>
+                    <a:pPr/>
+                    <a14:m>
+                      <m:oMathPara xmlns:m="http://schemas.openxmlformats.org/officeDocument/2006/math">
+                        <m:oMathParaPr>
+                          <m:jc m:val="centerGroup"/>
+                        </m:oMathParaPr>
+                        <m:oMath xmlns:m="http://schemas.openxmlformats.org/officeDocument/2006/math">
+                          <m:r>
+                            <a:rPr lang="en-CA" sz="1400" i="1" smtClean="0">
+                              <a:latin typeface="Cambria Math" charset="0"/>
+                              <a:cs typeface="Arial" panose="020B0604020202020204" pitchFamily="34" charset="0"/>
+                            </a:rPr>
+                            <m:t>0</m:t>
+                          </m:r>
+                          <m:r>
+                            <a:rPr lang="en-CA" sz="1400" b="0" i="1" smtClean="0">
+                              <a:latin typeface="Cambria Math" charset="0"/>
+                              <a:cs typeface="Arial" panose="020B0604020202020204" pitchFamily="34" charset="0"/>
+                            </a:rPr>
+                            <m:t>.60 </m:t>
+                          </m:r>
+                          <m:r>
+                            <m:rPr>
+                              <m:nor/>
+                            </m:rPr>
+                            <a:rPr lang="en-CA" sz="1400" b="0" i="0" smtClean="0">
+                              <a:latin typeface="Cambria Math" charset="0"/>
+                              <a:cs typeface="Arial" panose="020B0604020202020204" pitchFamily="34" charset="0"/>
+                            </a:rPr>
+                            <m:t>mm</m:t>
+                          </m:r>
+                        </m:oMath>
+                      </m:oMathPara>
+                    </a14:m>
+                    <a:endParaRPr lang="en-US" sz="1400" dirty="0" smtClean="0">
+                      <a:latin typeface="Arial" panose="020B0604020202020204" pitchFamily="34" charset="0"/>
+                      <a:cs typeface="Arial" panose="020B0604020202020204" pitchFamily="34" charset="0"/>
+                    </a:endParaRPr>
+                  </a:p>
+                </p:txBody>
+              </p:sp>
+            </mc:Choice>
+            <mc:Fallback xmlns="">
+              <p:sp>
+                <p:nvSpPr>
+                  <p:cNvPr id="25" name="TextBox 24"/>
+                  <p:cNvSpPr txBox="1">
+                    <a:spLocks noRot="1" noChangeAspect="1" noMove="1" noResize="1" noEditPoints="1" noAdjustHandles="1" noChangeArrowheads="1" noChangeShapeType="1" noTextEdit="1"/>
+                  </p:cNvSpPr>
+                  <p:nvPr/>
+                </p:nvSpPr>
+                <p:spPr>
+                  <a:xfrm>
+                    <a:off x="4947539" y="4203727"/>
+                    <a:ext cx="722954" cy="215444"/>
+                  </a:xfrm>
+                  <a:prstGeom prst="rect">
+                    <a:avLst/>
+                  </a:prstGeom>
+                  <a:blipFill rotWithShape="0">
+                    <a:blip r:embed="rId10"/>
+                    <a:stretch>
+                      <a:fillRect l="-4202" t="-140000" r="-1681" b="-180000"/>
+                    </a:stretch>
+                  </a:blipFill>
+                </p:spPr>
+                <p:txBody>
+                  <a:bodyPr/>
+                  <a:lstStyle/>
+                  <a:p>
+                    <a:r>
+                      <a:rPr lang="en-US">
+                        <a:noFill/>
+                      </a:rPr>
+                      <a:t> </a:t>
+                    </a:r>
+                  </a:p>
+                </p:txBody>
+              </p:sp>
+            </mc:Fallback>
+          </mc:AlternateContent>
+        </p:grpSp>
+        <mc:AlternateContent xmlns:mc="http://schemas.openxmlformats.org/markup-compatibility/2006">
+          <mc:Choice xmlns:a14="http://schemas.microsoft.com/office/drawing/2010/main" Requires="a14">
+            <p:sp>
+              <p:nvSpPr>
+                <p:cNvPr id="2" name="TextBox 1"/>
+                <p:cNvSpPr txBox="1"/>
+                <p:nvPr/>
+              </p:nvSpPr>
+              <p:spPr>
+                <a:xfrm>
+                  <a:off x="9626791" y="3792715"/>
+                  <a:ext cx="834844" cy="307777"/>
+                </a:xfrm>
+                <a:prstGeom prst="rect">
+                  <a:avLst/>
+                </a:prstGeom>
+                <a:noFill/>
+              </p:spPr>
+              <p:txBody>
+                <a:bodyPr wrap="none" lIns="0" tIns="0" rIns="0" bIns="0" rtlCol="0">
+                  <a:spAutoFit/>
+                </a:bodyPr>
+                <a:lstStyle/>
+                <a:p>
+                  <a14:m>
+                    <m:oMathPara xmlns:m="http://schemas.openxmlformats.org/officeDocument/2006/math">
+                      <m:oMathParaPr>
+                        <m:jc m:val="centerGroup"/>
+                      </m:oMathParaPr>
+                      <m:oMath xmlns:m="http://schemas.openxmlformats.org/officeDocument/2006/math">
+                        <m:r>
+                          <a:rPr lang="en-CA" sz="2000" b="0" i="1" smtClean="0">
+                            <a:latin typeface="Cambria Math" charset="0"/>
+                            <a:cs typeface="Arial" panose="020B0604020202020204" pitchFamily="34" charset="0"/>
+                          </a:rPr>
+                          <m:t>𝐼𝑉</m:t>
+                        </m:r>
+                        <m:r>
+                          <a:rPr lang="en-CA" sz="2000" b="0" i="1" smtClean="0">
+                            <a:latin typeface="Cambria Math" charset="0"/>
+                            <a:cs typeface="Arial" panose="020B0604020202020204" pitchFamily="34" charset="0"/>
+                          </a:rPr>
+                          <m:t> </m:t>
+                        </m:r>
+                        <m:r>
+                          <a:rPr lang="en-CA" sz="2000" b="0" i="1" smtClean="0">
+                            <a:latin typeface="Cambria Math" charset="0"/>
+                            <a:cs typeface="Arial" panose="020B0604020202020204" pitchFamily="34" charset="0"/>
+                          </a:rPr>
+                          <m:t>𝑏𝑎𝑔</m:t>
+                        </m:r>
+                      </m:oMath>
+                    </m:oMathPara>
+                  </a14:m>
+                  <a:endParaRPr lang="en-US" sz="2000" dirty="0" smtClean="0">
+                    <a:latin typeface="Arial" panose="020B0604020202020204" pitchFamily="34" charset="0"/>
+                    <a:cs typeface="Arial" panose="020B0604020202020204" pitchFamily="34" charset="0"/>
+                  </a:endParaRPr>
+                </a:p>
+              </p:txBody>
+            </p:sp>
+          </mc:Choice>
+          <mc:Fallback>
+            <p:sp>
+              <p:nvSpPr>
+                <p:cNvPr id="2" name="TextBox 1"/>
+                <p:cNvSpPr txBox="1">
+                  <a:spLocks noRot="1" noChangeAspect="1" noMove="1" noResize="1" noEditPoints="1" noAdjustHandles="1" noChangeArrowheads="1" noChangeShapeType="1" noTextEdit="1"/>
+                </p:cNvSpPr>
+                <p:nvPr/>
+              </p:nvSpPr>
+              <p:spPr>
+                <a:xfrm>
+                  <a:off x="9626791" y="3792715"/>
+                  <a:ext cx="834844" cy="307777"/>
+                </a:xfrm>
+                <a:prstGeom prst="rect">
+                  <a:avLst/>
+                </a:prstGeom>
+                <a:blipFill rotWithShape="0">
+                  <a:blip r:embed="rId14"/>
+                  <a:stretch>
+                    <a:fillRect l="-5839" t="-139216" r="-10219" b="-178431"/>
+                  </a:stretch>
+                </a:blipFill>
+              </p:spPr>
+              <p:txBody>
+                <a:bodyPr/>
+                <a:lstStyle/>
+                <a:p>
+                  <a:r>
+                    <a:rPr lang="en-US">
+                      <a:noFill/>
+                    </a:rPr>
+                    <a:t> </a:t>
+                  </a:r>
+                </a:p>
+              </p:txBody>
+            </p:sp>
+          </mc:Fallback>
+        </mc:AlternateContent>
+        <mc:AlternateContent xmlns:mc="http://schemas.openxmlformats.org/markup-compatibility/2006">
+          <mc:Choice xmlns:a14="http://schemas.microsoft.com/office/drawing/2010/main" Requires="a14">
+            <p:sp>
+              <p:nvSpPr>
+                <p:cNvPr id="39" name="TextBox 38"/>
+                <p:cNvSpPr txBox="1"/>
+                <p:nvPr/>
+              </p:nvSpPr>
+              <p:spPr>
+                <a:xfrm>
+                  <a:off x="10044213" y="5188869"/>
+                  <a:ext cx="589136" cy="307777"/>
+                </a:xfrm>
+                <a:prstGeom prst="rect">
+                  <a:avLst/>
+                </a:prstGeom>
+                <a:noFill/>
+              </p:spPr>
+              <p:txBody>
+                <a:bodyPr wrap="none" lIns="0" tIns="0" rIns="0" bIns="0" rtlCol="0">
+                  <a:spAutoFit/>
+                </a:bodyPr>
+                <a:lstStyle/>
+                <a:p>
+                  <a14:m>
+                    <m:oMathPara xmlns:m="http://schemas.openxmlformats.org/officeDocument/2006/math">
+                      <m:oMathParaPr>
+                        <m:jc m:val="centerGroup"/>
+                      </m:oMathParaPr>
+                      <m:oMath xmlns:m="http://schemas.openxmlformats.org/officeDocument/2006/math">
+                        <m:r>
+                          <a:rPr lang="en-CA" sz="2000" b="0" i="1" smtClean="0">
+                            <a:latin typeface="Cambria Math" charset="0"/>
+                            <a:cs typeface="Arial" panose="020B0604020202020204" pitchFamily="34" charset="0"/>
+                          </a:rPr>
+                          <m:t>𝑡𝑢𝑏𝑒</m:t>
+                        </m:r>
+                      </m:oMath>
+                    </m:oMathPara>
+                  </a14:m>
+                  <a:endParaRPr lang="en-US" sz="2000" dirty="0" smtClean="0">
+                    <a:latin typeface="Arial" panose="020B0604020202020204" pitchFamily="34" charset="0"/>
+                    <a:cs typeface="Arial" panose="020B0604020202020204" pitchFamily="34" charset="0"/>
+                  </a:endParaRPr>
+                </a:p>
+              </p:txBody>
+            </p:sp>
+          </mc:Choice>
+          <mc:Fallback>
+            <p:sp>
+              <p:nvSpPr>
+                <p:cNvPr id="39" name="TextBox 38"/>
+                <p:cNvSpPr txBox="1">
+                  <a:spLocks noRot="1" noChangeAspect="1" noMove="1" noResize="1" noEditPoints="1" noAdjustHandles="1" noChangeArrowheads="1" noChangeShapeType="1" noTextEdit="1"/>
+                </p:cNvSpPr>
+                <p:nvPr/>
+              </p:nvSpPr>
+              <p:spPr>
+                <a:xfrm>
+                  <a:off x="10044213" y="5188869"/>
+                  <a:ext cx="589136" cy="307777"/>
+                </a:xfrm>
+                <a:prstGeom prst="rect">
+                  <a:avLst/>
+                </a:prstGeom>
+                <a:blipFill rotWithShape="0">
+                  <a:blip r:embed="rId15"/>
+                  <a:stretch>
+                    <a:fillRect l="-10417" r="-10417" b="-13725"/>
+                  </a:stretch>
+                </a:blipFill>
+              </p:spPr>
+              <p:txBody>
+                <a:bodyPr/>
+                <a:lstStyle/>
+                <a:p>
+                  <a:r>
+                    <a:rPr lang="en-US">
+                      <a:noFill/>
+                    </a:rPr>
+                    <a:t> </a:t>
+                  </a:r>
+                </a:p>
+              </p:txBody>
+            </p:sp>
+          </mc:Fallback>
+        </mc:AlternateContent>
+        <mc:AlternateContent xmlns:mc="http://schemas.openxmlformats.org/markup-compatibility/2006">
+          <mc:Choice xmlns:a14="http://schemas.microsoft.com/office/drawing/2010/main" Requires="a14">
+            <p:sp>
+              <p:nvSpPr>
+                <p:cNvPr id="44" name="TextBox 43"/>
+                <p:cNvSpPr txBox="1"/>
+                <p:nvPr/>
+              </p:nvSpPr>
+              <p:spPr>
+                <a:xfrm>
+                  <a:off x="8677196" y="6005785"/>
+                  <a:ext cx="834396" cy="307777"/>
+                </a:xfrm>
+                <a:prstGeom prst="rect">
+                  <a:avLst/>
+                </a:prstGeom>
+                <a:noFill/>
+              </p:spPr>
+              <p:txBody>
+                <a:bodyPr wrap="none" lIns="0" tIns="0" rIns="0" bIns="0" rtlCol="0">
+                  <a:spAutoFit/>
+                </a:bodyPr>
+                <a:lstStyle/>
+                <a:p>
+                  <a14:m>
+                    <m:oMathPara xmlns:m="http://schemas.openxmlformats.org/officeDocument/2006/math">
+                      <m:oMathParaPr>
+                        <m:jc m:val="centerGroup"/>
+                      </m:oMathParaPr>
+                      <m:oMath xmlns:m="http://schemas.openxmlformats.org/officeDocument/2006/math">
+                        <m:r>
+                          <a:rPr lang="en-CA" sz="2000" b="0" i="1" smtClean="0">
+                            <a:latin typeface="Cambria Math" charset="0"/>
+                            <a:cs typeface="Arial" panose="020B0604020202020204" pitchFamily="34" charset="0"/>
+                          </a:rPr>
+                          <m:t>𝑛𝑒𝑒𝑑𝑙𝑒</m:t>
+                        </m:r>
+                      </m:oMath>
+                    </m:oMathPara>
+                  </a14:m>
+                  <a:endParaRPr lang="en-US" sz="2000" dirty="0" smtClean="0">
+                    <a:latin typeface="Arial" panose="020B0604020202020204" pitchFamily="34" charset="0"/>
+                    <a:cs typeface="Arial" panose="020B0604020202020204" pitchFamily="34" charset="0"/>
+                  </a:endParaRPr>
+                </a:p>
+              </p:txBody>
+            </p:sp>
+          </mc:Choice>
+          <mc:Fallback>
+            <p:sp>
+              <p:nvSpPr>
+                <p:cNvPr id="44" name="TextBox 43"/>
+                <p:cNvSpPr txBox="1">
+                  <a:spLocks noRot="1" noChangeAspect="1" noMove="1" noResize="1" noEditPoints="1" noAdjustHandles="1" noChangeArrowheads="1" noChangeShapeType="1" noTextEdit="1"/>
+                </p:cNvSpPr>
+                <p:nvPr/>
+              </p:nvSpPr>
+              <p:spPr>
+                <a:xfrm>
+                  <a:off x="8677196" y="6005785"/>
+                  <a:ext cx="834396" cy="307777"/>
+                </a:xfrm>
+                <a:prstGeom prst="rect">
+                  <a:avLst/>
+                </a:prstGeom>
+                <a:blipFill rotWithShape="0">
+                  <a:blip r:embed="rId16"/>
+                  <a:stretch>
+                    <a:fillRect l="-6569" r="-6569" b="-13725"/>
                   </a:stretch>
                 </a:blipFill>
               </p:spPr>

--- a/tex/figures/FluidMechanics/Figures.pptx
+++ b/tex/figures/FluidMechanics/Figures.pptx
@@ -11936,121 +11936,6 @@
           </p:sp>
           <p:sp>
             <p:nvSpPr>
-              <p:cNvPr id="31" name="Freeform 30"/>
-              <p:cNvSpPr/>
-              <p:nvPr/>
-            </p:nvSpPr>
-            <p:spPr>
-              <a:xfrm>
-                <a:off x="8967627" y="216045"/>
-                <a:ext cx="1038153" cy="1223783"/>
-              </a:xfrm>
-              <a:custGeom>
-                <a:avLst/>
-                <a:gdLst>
-                  <a:gd name="connsiteX0" fmla="*/ 0 w 1038153"/>
-                  <a:gd name="connsiteY0" fmla="*/ 0 h 1223783"/>
-                  <a:gd name="connsiteX1" fmla="*/ 1038153 w 1038153"/>
-                  <a:gd name="connsiteY1" fmla="*/ 0 h 1223783"/>
-                  <a:gd name="connsiteX2" fmla="*/ 1038153 w 1038153"/>
-                  <a:gd name="connsiteY2" fmla="*/ 900649 h 1223783"/>
-                  <a:gd name="connsiteX3" fmla="*/ 618767 w 1038153"/>
-                  <a:gd name="connsiteY3" fmla="*/ 1223783 h 1223783"/>
-                  <a:gd name="connsiteX4" fmla="*/ 419386 w 1038153"/>
-                  <a:gd name="connsiteY4" fmla="*/ 1223783 h 1223783"/>
-                  <a:gd name="connsiteX5" fmla="*/ 0 w 1038153"/>
-                  <a:gd name="connsiteY5" fmla="*/ 900649 h 1223783"/>
-                  <a:gd name="connsiteX6" fmla="*/ 0 w 1038153"/>
-                  <a:gd name="connsiteY6" fmla="*/ 0 h 1223783"/>
-                </a:gdLst>
-                <a:ahLst/>
-                <a:cxnLst>
-                  <a:cxn ang="0">
-                    <a:pos x="connsiteX0" y="connsiteY0"/>
-                  </a:cxn>
-                  <a:cxn ang="0">
-                    <a:pos x="connsiteX1" y="connsiteY1"/>
-                  </a:cxn>
-                  <a:cxn ang="0">
-                    <a:pos x="connsiteX2" y="connsiteY2"/>
-                  </a:cxn>
-                  <a:cxn ang="0">
-                    <a:pos x="connsiteX3" y="connsiteY3"/>
-                  </a:cxn>
-                  <a:cxn ang="0">
-                    <a:pos x="connsiteX4" y="connsiteY4"/>
-                  </a:cxn>
-                  <a:cxn ang="0">
-                    <a:pos x="connsiteX5" y="connsiteY5"/>
-                  </a:cxn>
-                  <a:cxn ang="0">
-                    <a:pos x="connsiteX6" y="connsiteY6"/>
-                  </a:cxn>
-                </a:cxnLst>
-                <a:rect l="l" t="t" r="r" b="b"/>
-                <a:pathLst>
-                  <a:path w="1038153" h="1223783">
-                    <a:moveTo>
-                      <a:pt x="0" y="0"/>
-                    </a:moveTo>
-                    <a:lnTo>
-                      <a:pt x="1038153" y="0"/>
-                    </a:lnTo>
-                    <a:lnTo>
-                      <a:pt x="1038153" y="900649"/>
-                    </a:lnTo>
-                    <a:lnTo>
-                      <a:pt x="618767" y="1223783"/>
-                    </a:lnTo>
-                    <a:lnTo>
-                      <a:pt x="419386" y="1223783"/>
-                    </a:lnTo>
-                    <a:lnTo>
-                      <a:pt x="0" y="900649"/>
-                    </a:lnTo>
-                    <a:cubicBezTo>
-                      <a:pt x="2292" y="602724"/>
-                      <a:pt x="4583" y="304800"/>
-                      <a:pt x="0" y="0"/>
-                    </a:cubicBezTo>
-                    <a:close/>
-                  </a:path>
-                </a:pathLst>
-              </a:custGeom>
-              <a:noFill/>
-              <a:ln w="28575">
-                <a:solidFill>
-                  <a:schemeClr val="tx1"/>
-                </a:solidFill>
-              </a:ln>
-            </p:spPr>
-            <p:style>
-              <a:lnRef idx="2">
-                <a:schemeClr val="accent1">
-                  <a:shade val="50000"/>
-                </a:schemeClr>
-              </a:lnRef>
-              <a:fillRef idx="1">
-                <a:schemeClr val="accent1"/>
-              </a:fillRef>
-              <a:effectRef idx="0">
-                <a:schemeClr val="accent1"/>
-              </a:effectRef>
-              <a:fontRef idx="minor">
-                <a:schemeClr val="lt1"/>
-              </a:fontRef>
-            </p:style>
-            <p:txBody>
-              <a:bodyPr rtlCol="0" anchor="ctr"/>
-              <a:lstStyle/>
-              <a:p>
-                <a:pPr algn="ctr"/>
-                <a:endParaRPr lang="en-US"/>
-              </a:p>
-            </p:txBody>
-          </p:sp>
-          <p:sp>
-            <p:nvSpPr>
               <p:cNvPr id="32" name="Block Arc 31"/>
               <p:cNvSpPr/>
               <p:nvPr/>
@@ -12759,121 +12644,6 @@
           </p:sp>
           <p:sp>
             <p:nvSpPr>
-              <p:cNvPr id="18" name="Freeform 17"/>
-              <p:cNvSpPr/>
-              <p:nvPr/>
-            </p:nvSpPr>
-            <p:spPr>
-              <a:xfrm>
-                <a:off x="8618943" y="2915079"/>
-                <a:ext cx="1038153" cy="1223783"/>
-              </a:xfrm>
-              <a:custGeom>
-                <a:avLst/>
-                <a:gdLst>
-                  <a:gd name="connsiteX0" fmla="*/ 0 w 1038153"/>
-                  <a:gd name="connsiteY0" fmla="*/ 0 h 1223783"/>
-                  <a:gd name="connsiteX1" fmla="*/ 1038153 w 1038153"/>
-                  <a:gd name="connsiteY1" fmla="*/ 0 h 1223783"/>
-                  <a:gd name="connsiteX2" fmla="*/ 1038153 w 1038153"/>
-                  <a:gd name="connsiteY2" fmla="*/ 900649 h 1223783"/>
-                  <a:gd name="connsiteX3" fmla="*/ 618767 w 1038153"/>
-                  <a:gd name="connsiteY3" fmla="*/ 1223783 h 1223783"/>
-                  <a:gd name="connsiteX4" fmla="*/ 419386 w 1038153"/>
-                  <a:gd name="connsiteY4" fmla="*/ 1223783 h 1223783"/>
-                  <a:gd name="connsiteX5" fmla="*/ 0 w 1038153"/>
-                  <a:gd name="connsiteY5" fmla="*/ 900649 h 1223783"/>
-                  <a:gd name="connsiteX6" fmla="*/ 0 w 1038153"/>
-                  <a:gd name="connsiteY6" fmla="*/ 0 h 1223783"/>
-                </a:gdLst>
-                <a:ahLst/>
-                <a:cxnLst>
-                  <a:cxn ang="0">
-                    <a:pos x="connsiteX0" y="connsiteY0"/>
-                  </a:cxn>
-                  <a:cxn ang="0">
-                    <a:pos x="connsiteX1" y="connsiteY1"/>
-                  </a:cxn>
-                  <a:cxn ang="0">
-                    <a:pos x="connsiteX2" y="connsiteY2"/>
-                  </a:cxn>
-                  <a:cxn ang="0">
-                    <a:pos x="connsiteX3" y="connsiteY3"/>
-                  </a:cxn>
-                  <a:cxn ang="0">
-                    <a:pos x="connsiteX4" y="connsiteY4"/>
-                  </a:cxn>
-                  <a:cxn ang="0">
-                    <a:pos x="connsiteX5" y="connsiteY5"/>
-                  </a:cxn>
-                  <a:cxn ang="0">
-                    <a:pos x="connsiteX6" y="connsiteY6"/>
-                  </a:cxn>
-                </a:cxnLst>
-                <a:rect l="l" t="t" r="r" b="b"/>
-                <a:pathLst>
-                  <a:path w="1038153" h="1223783">
-                    <a:moveTo>
-                      <a:pt x="0" y="0"/>
-                    </a:moveTo>
-                    <a:lnTo>
-                      <a:pt x="1038153" y="0"/>
-                    </a:lnTo>
-                    <a:lnTo>
-                      <a:pt x="1038153" y="900649"/>
-                    </a:lnTo>
-                    <a:lnTo>
-                      <a:pt x="618767" y="1223783"/>
-                    </a:lnTo>
-                    <a:lnTo>
-                      <a:pt x="419386" y="1223783"/>
-                    </a:lnTo>
-                    <a:lnTo>
-                      <a:pt x="0" y="900649"/>
-                    </a:lnTo>
-                    <a:cubicBezTo>
-                      <a:pt x="2292" y="602724"/>
-                      <a:pt x="4583" y="304800"/>
-                      <a:pt x="0" y="0"/>
-                    </a:cubicBezTo>
-                    <a:close/>
-                  </a:path>
-                </a:pathLst>
-              </a:custGeom>
-              <a:noFill/>
-              <a:ln w="28575">
-                <a:solidFill>
-                  <a:schemeClr val="tx1"/>
-                </a:solidFill>
-              </a:ln>
-            </p:spPr>
-            <p:style>
-              <a:lnRef idx="2">
-                <a:schemeClr val="accent1">
-                  <a:shade val="50000"/>
-                </a:schemeClr>
-              </a:lnRef>
-              <a:fillRef idx="1">
-                <a:schemeClr val="accent1"/>
-              </a:fillRef>
-              <a:effectRef idx="0">
-                <a:schemeClr val="accent1"/>
-              </a:effectRef>
-              <a:fontRef idx="minor">
-                <a:schemeClr val="lt1"/>
-              </a:fontRef>
-            </p:style>
-            <p:txBody>
-              <a:bodyPr rtlCol="0" anchor="ctr"/>
-              <a:lstStyle/>
-              <a:p>
-                <a:pPr algn="ctr"/>
-                <a:endParaRPr lang="en-US"/>
-              </a:p>
-            </p:txBody>
-          </p:sp>
-          <p:sp>
-            <p:nvSpPr>
               <p:cNvPr id="7" name="Block Arc 6"/>
               <p:cNvSpPr/>
               <p:nvPr/>
@@ -13309,8 +13079,8 @@
             </mc:Fallback>
           </mc:AlternateContent>
         </p:grpSp>
-        <mc:AlternateContent xmlns:mc="http://schemas.openxmlformats.org/markup-compatibility/2006">
-          <mc:Choice xmlns:a14="http://schemas.microsoft.com/office/drawing/2010/main" Requires="a14">
+        <mc:AlternateContent xmlns:mc="http://schemas.openxmlformats.org/markup-compatibility/2006" xmlns:a14="http://schemas.microsoft.com/office/drawing/2010/main">
+          <mc:Choice Requires="a14">
             <p:sp>
               <p:nvSpPr>
                 <p:cNvPr id="2" name="TextBox 1"/>
@@ -13333,6 +13103,7 @@
                 </a:bodyPr>
                 <a:lstStyle/>
                 <a:p>
+                  <a:pPr/>
                   <a14:m>
                     <m:oMathPara xmlns:m="http://schemas.openxmlformats.org/officeDocument/2006/math">
                       <m:oMathParaPr>
@@ -13371,7 +13142,7 @@
               </p:txBody>
             </p:sp>
           </mc:Choice>
-          <mc:Fallback>
+          <mc:Fallback xmlns="">
             <p:sp>
               <p:nvSpPr>
                 <p:cNvPr id="2" name="TextBox 1"/>
@@ -13410,8 +13181,8 @@
             </p:sp>
           </mc:Fallback>
         </mc:AlternateContent>
-        <mc:AlternateContent xmlns:mc="http://schemas.openxmlformats.org/markup-compatibility/2006">
-          <mc:Choice xmlns:a14="http://schemas.microsoft.com/office/drawing/2010/main" Requires="a14">
+        <mc:AlternateContent xmlns:mc="http://schemas.openxmlformats.org/markup-compatibility/2006" xmlns:a14="http://schemas.microsoft.com/office/drawing/2010/main">
+          <mc:Choice Requires="a14">
             <p:sp>
               <p:nvSpPr>
                 <p:cNvPr id="39" name="TextBox 38"/>
@@ -13434,6 +13205,7 @@
                 </a:bodyPr>
                 <a:lstStyle/>
                 <a:p>
+                  <a:pPr/>
                   <a14:m>
                     <m:oMathPara xmlns:m="http://schemas.openxmlformats.org/officeDocument/2006/math">
                       <m:oMathParaPr>
@@ -13458,7 +13230,7 @@
               </p:txBody>
             </p:sp>
           </mc:Choice>
-          <mc:Fallback>
+          <mc:Fallback xmlns="">
             <p:sp>
               <p:nvSpPr>
                 <p:cNvPr id="39" name="TextBox 38"/>
@@ -13497,8 +13269,8 @@
             </p:sp>
           </mc:Fallback>
         </mc:AlternateContent>
-        <mc:AlternateContent xmlns:mc="http://schemas.openxmlformats.org/markup-compatibility/2006">
-          <mc:Choice xmlns:a14="http://schemas.microsoft.com/office/drawing/2010/main" Requires="a14">
+        <mc:AlternateContent xmlns:mc="http://schemas.openxmlformats.org/markup-compatibility/2006" xmlns:a14="http://schemas.microsoft.com/office/drawing/2010/main">
+          <mc:Choice Requires="a14">
             <p:sp>
               <p:nvSpPr>
                 <p:cNvPr id="44" name="TextBox 43"/>
@@ -13521,6 +13293,7 @@
                 </a:bodyPr>
                 <a:lstStyle/>
                 <a:p>
+                  <a:pPr/>
                   <a14:m>
                     <m:oMathPara xmlns:m="http://schemas.openxmlformats.org/officeDocument/2006/math">
                       <m:oMathParaPr>
@@ -13545,7 +13318,7 @@
               </p:txBody>
             </p:sp>
           </mc:Choice>
-          <mc:Fallback>
+          <mc:Fallback xmlns="">
             <p:sp>
               <p:nvSpPr>
                 <p:cNvPr id="44" name="TextBox 43"/>

--- a/tex/figures/FluidMechanics/Figures.pptx
+++ b/tex/figures/FluidMechanics/Figures.pptx
@@ -208,7 +208,7 @@
           <a:p>
             <a:fld id="{FA15A6B2-55AC-CD4B-A1E6-BB01091FE9DC}" type="datetimeFigureOut">
               <a:rPr lang="en-US" smtClean="0"/>
-              <a:t>8/24/18</a:t>
+              <a:t>8/27/2018</a:t>
             </a:fld>
             <a:endParaRPr lang="en-US"/>
           </a:p>
@@ -691,7 +691,7 @@
           <a:p>
             <a:fld id="{F7249F8D-641B-4CAF-BAE5-10524742F6F1}" type="datetimeFigureOut">
               <a:rPr lang="en-CA" smtClean="0"/>
-              <a:t>2018-08-24</a:t>
+              <a:t>2018-08-27</a:t>
             </a:fld>
             <a:endParaRPr lang="en-CA"/>
           </a:p>
@@ -861,7 +861,7 @@
           <a:p>
             <a:fld id="{F7249F8D-641B-4CAF-BAE5-10524742F6F1}" type="datetimeFigureOut">
               <a:rPr lang="en-CA" smtClean="0"/>
-              <a:t>2018-08-24</a:t>
+              <a:t>2018-08-27</a:t>
             </a:fld>
             <a:endParaRPr lang="en-CA"/>
           </a:p>
@@ -1041,7 +1041,7 @@
           <a:p>
             <a:fld id="{F7249F8D-641B-4CAF-BAE5-10524742F6F1}" type="datetimeFigureOut">
               <a:rPr lang="en-CA" smtClean="0"/>
-              <a:t>2018-08-24</a:t>
+              <a:t>2018-08-27</a:t>
             </a:fld>
             <a:endParaRPr lang="en-CA"/>
           </a:p>
@@ -1211,7 +1211,7 @@
           <a:p>
             <a:fld id="{F7249F8D-641B-4CAF-BAE5-10524742F6F1}" type="datetimeFigureOut">
               <a:rPr lang="en-CA" smtClean="0"/>
-              <a:t>2018-08-24</a:t>
+              <a:t>2018-08-27</a:t>
             </a:fld>
             <a:endParaRPr lang="en-CA"/>
           </a:p>
@@ -1457,7 +1457,7 @@
           <a:p>
             <a:fld id="{F7249F8D-641B-4CAF-BAE5-10524742F6F1}" type="datetimeFigureOut">
               <a:rPr lang="en-CA" smtClean="0"/>
-              <a:t>2018-08-24</a:t>
+              <a:t>2018-08-27</a:t>
             </a:fld>
             <a:endParaRPr lang="en-CA"/>
           </a:p>
@@ -1689,7 +1689,7 @@
           <a:p>
             <a:fld id="{F7249F8D-641B-4CAF-BAE5-10524742F6F1}" type="datetimeFigureOut">
               <a:rPr lang="en-CA" smtClean="0"/>
-              <a:t>2018-08-24</a:t>
+              <a:t>2018-08-27</a:t>
             </a:fld>
             <a:endParaRPr lang="en-CA"/>
           </a:p>
@@ -2056,7 +2056,7 @@
           <a:p>
             <a:fld id="{F7249F8D-641B-4CAF-BAE5-10524742F6F1}" type="datetimeFigureOut">
               <a:rPr lang="en-CA" smtClean="0"/>
-              <a:t>2018-08-24</a:t>
+              <a:t>2018-08-27</a:t>
             </a:fld>
             <a:endParaRPr lang="en-CA"/>
           </a:p>
@@ -2174,7 +2174,7 @@
           <a:p>
             <a:fld id="{F7249F8D-641B-4CAF-BAE5-10524742F6F1}" type="datetimeFigureOut">
               <a:rPr lang="en-CA" smtClean="0"/>
-              <a:t>2018-08-24</a:t>
+              <a:t>2018-08-27</a:t>
             </a:fld>
             <a:endParaRPr lang="en-CA"/>
           </a:p>
@@ -2269,7 +2269,7 @@
           <a:p>
             <a:fld id="{F7249F8D-641B-4CAF-BAE5-10524742F6F1}" type="datetimeFigureOut">
               <a:rPr lang="en-CA" smtClean="0"/>
-              <a:t>2018-08-24</a:t>
+              <a:t>2018-08-27</a:t>
             </a:fld>
             <a:endParaRPr lang="en-CA"/>
           </a:p>
@@ -2546,7 +2546,7 @@
           <a:p>
             <a:fld id="{F7249F8D-641B-4CAF-BAE5-10524742F6F1}" type="datetimeFigureOut">
               <a:rPr lang="en-CA" smtClean="0"/>
-              <a:t>2018-08-24</a:t>
+              <a:t>2018-08-27</a:t>
             </a:fld>
             <a:endParaRPr lang="en-CA"/>
           </a:p>
@@ -2799,7 +2799,7 @@
           <a:p>
             <a:fld id="{F7249F8D-641B-4CAF-BAE5-10524742F6F1}" type="datetimeFigureOut">
               <a:rPr lang="en-CA" smtClean="0"/>
-              <a:t>2018-08-24</a:t>
+              <a:t>2018-08-27</a:t>
             </a:fld>
             <a:endParaRPr lang="en-CA"/>
           </a:p>
@@ -3012,7 +3012,7 @@
           <a:p>
             <a:fld id="{F7249F8D-641B-4CAF-BAE5-10524742F6F1}" type="datetimeFigureOut">
               <a:rPr lang="en-CA" smtClean="0"/>
-              <a:t>2018-08-24</a:t>
+              <a:t>2018-08-27</a:t>
             </a:fld>
             <a:endParaRPr lang="en-CA"/>
           </a:p>
@@ -6239,7 +6239,7 @@
                               <m:sSubPr>
                                 <m:ctrlPr>
                                   <a:rPr lang="en-US" sz="2000" b="0" i="1" smtClean="0">
-                                    <a:latin typeface="Cambria Math" charset="0"/>
+                                    <a:latin typeface="Cambria Math" panose="02040503050406030204" pitchFamily="18" charset="0"/>
                                     <a:cs typeface="Arial" panose="020B0604020202020204" pitchFamily="34" charset="0"/>
                                   </a:rPr>
                                 </m:ctrlPr>
@@ -6348,7 +6348,7 @@
                               <m:sSubPr>
                                 <m:ctrlPr>
                                   <a:rPr lang="en-US" sz="2000" b="0" i="1" smtClean="0">
-                                    <a:latin typeface="Cambria Math" charset="0"/>
+                                    <a:latin typeface="Cambria Math" panose="02040503050406030204" pitchFamily="18" charset="0"/>
                                     <a:cs typeface="Arial" panose="020B0604020202020204" pitchFamily="34" charset="0"/>
                                   </a:rPr>
                                 </m:ctrlPr>
@@ -7143,8 +7143,8 @@
             </a:p>
           </p:txBody>
         </p:sp>
-        <mc:AlternateContent xmlns:mc="http://schemas.openxmlformats.org/markup-compatibility/2006" xmlns:a14="http://schemas.microsoft.com/office/drawing/2010/main">
-          <mc:Choice Requires="a14">
+        <mc:AlternateContent xmlns:mc="http://schemas.openxmlformats.org/markup-compatibility/2006">
+          <mc:Choice xmlns:a14="http://schemas.microsoft.com/office/drawing/2010/main" Requires="a14">
             <p:sp>
               <p:nvSpPr>
                 <p:cNvPr id="5" name="TextBox 4"/>
@@ -7154,7 +7154,7 @@
               <p:spPr>
                 <a:xfrm>
                   <a:off x="8190411" y="1642101"/>
-                  <a:ext cx="915186" cy="307777"/>
+                  <a:ext cx="1011367" cy="307777"/>
                 </a:xfrm>
                 <a:prstGeom prst="rect">
                   <a:avLst/>
@@ -7179,7 +7179,14 @@
                             <a:latin typeface="Cambria Math" charset="0"/>
                             <a:cs typeface="Arial" panose="020B0604020202020204" pitchFamily="34" charset="0"/>
                           </a:rPr>
-                          <m:t>𝑅𝑒𝑏𝑒𝑘𝑎</m:t>
+                          <m:t>𝑅𝑒𝑏𝑒</m:t>
+                        </m:r>
+                        <m:r>
+                          <a:rPr lang="en-US" sz="2000" b="0" i="1" smtClean="0">
+                            <a:latin typeface="Cambria Math" panose="02040503050406030204" pitchFamily="18" charset="0"/>
+                            <a:cs typeface="Arial" panose="020B0604020202020204" pitchFamily="34" charset="0"/>
+                          </a:rPr>
+                          <m:t>𝑐𝑐𝑎</m:t>
                         </m:r>
                       </m:oMath>
                     </m:oMathPara>
@@ -7192,7 +7199,7 @@
               </p:txBody>
             </p:sp>
           </mc:Choice>
-          <mc:Fallback xmlns="">
+          <mc:Fallback>
             <p:sp>
               <p:nvSpPr>
                 <p:cNvPr id="5" name="TextBox 4"/>
@@ -7204,15 +7211,15 @@
               <p:spPr>
                 <a:xfrm>
                   <a:off x="8190411" y="1642101"/>
-                  <a:ext cx="915186" cy="307777"/>
+                  <a:ext cx="1011367" cy="307777"/>
                 </a:xfrm>
                 <a:prstGeom prst="rect">
                   <a:avLst/>
                 </a:prstGeom>
-                <a:blipFill rotWithShape="0">
+                <a:blipFill>
                   <a:blip r:embed="rId30"/>
                   <a:stretch>
-                    <a:fillRect l="-6667" r="-5333" b="-13725"/>
+                    <a:fillRect l="-4819" r="-1807" b="-9804"/>
                   </a:stretch>
                 </a:blipFill>
               </p:spPr>
@@ -7231,8 +7238,8 @@
             </p:sp>
           </mc:Fallback>
         </mc:AlternateContent>
-        <mc:AlternateContent xmlns:mc="http://schemas.openxmlformats.org/markup-compatibility/2006" xmlns:a14="http://schemas.microsoft.com/office/drawing/2010/main">
-          <mc:Choice Requires="a14">
+        <mc:AlternateContent xmlns:mc="http://schemas.openxmlformats.org/markup-compatibility/2006">
+          <mc:Choice xmlns:a14="http://schemas.microsoft.com/office/drawing/2010/main" Requires="a14">
             <p:sp>
               <p:nvSpPr>
                 <p:cNvPr id="39" name="TextBox 38"/>
@@ -7242,7 +7249,7 @@
               <p:spPr>
                 <a:xfrm>
                   <a:off x="9733103" y="1649631"/>
-                  <a:ext cx="570221" cy="307777"/>
+                  <a:ext cx="672813" cy="307777"/>
                 </a:xfrm>
                 <a:prstGeom prst="rect">
                   <a:avLst/>
@@ -7263,11 +7270,11 @@
                       </m:oMathParaPr>
                       <m:oMath xmlns:m="http://schemas.openxmlformats.org/officeDocument/2006/math">
                         <m:r>
-                          <a:rPr lang="en-CA" sz="2000" b="0" i="1" smtClean="0">
-                            <a:latin typeface="Cambria Math" charset="0"/>
+                          <a:rPr lang="en-US" sz="2000" b="0" i="1" smtClean="0">
+                            <a:latin typeface="Cambria Math" panose="02040503050406030204" pitchFamily="18" charset="0"/>
                             <a:cs typeface="Arial" panose="020B0604020202020204" pitchFamily="34" charset="0"/>
                           </a:rPr>
-                          <m:t>𝐽𝑜𝑠h</m:t>
+                          <m:t>𝑅𝑦𝑎𝑛</m:t>
                         </m:r>
                       </m:oMath>
                     </m:oMathPara>
@@ -7280,7 +7287,7 @@
               </p:txBody>
             </p:sp>
           </mc:Choice>
-          <mc:Fallback xmlns="">
+          <mc:Fallback>
             <p:sp>
               <p:nvSpPr>
                 <p:cNvPr id="39" name="TextBox 38"/>
@@ -7292,15 +7299,15 @@
               <p:spPr>
                 <a:xfrm>
                   <a:off x="9733103" y="1649631"/>
-                  <a:ext cx="570221" cy="307777"/>
+                  <a:ext cx="672813" cy="307777"/>
                 </a:xfrm>
                 <a:prstGeom prst="rect">
                   <a:avLst/>
                 </a:prstGeom>
-                <a:blipFill rotWithShape="0">
+                <a:blipFill>
                   <a:blip r:embed="rId31"/>
                   <a:stretch>
-                    <a:fillRect l="-13978" r="-12903" b="-36000"/>
+                    <a:fillRect l="-11818" r="-11818" b="-38000"/>
                   </a:stretch>
                 </a:blipFill>
               </p:spPr>
@@ -8174,7 +8181,7 @@
                           <m:sSubSupPr>
                             <m:ctrlPr>
                               <a:rPr lang="en-CA" sz="2000" b="0" i="1" smtClean="0">
-                                <a:latin typeface="Cambria Math" charset="0"/>
+                                <a:latin typeface="Cambria Math" panose="02040503050406030204" pitchFamily="18" charset="0"/>
                                 <a:cs typeface="Arial" panose="020B0604020202020204" pitchFamily="34" charset="0"/>
                               </a:rPr>
                             </m:ctrlPr>
@@ -8185,7 +8192,7 @@
                                 <m:chr m:val="⃗"/>
                                 <m:ctrlPr>
                                   <a:rPr lang="en-US" sz="2000" i="1" smtClean="0">
-                                    <a:latin typeface="Cambria Math" charset="0"/>
+                                    <a:latin typeface="Cambria Math" panose="02040503050406030204" pitchFamily="18" charset="0"/>
                                     <a:cs typeface="Arial" panose="020B0604020202020204" pitchFamily="34" charset="0"/>
                                   </a:rPr>
                                 </m:ctrlPr>
@@ -8305,7 +8312,7 @@
                           <m:sSubSupPr>
                             <m:ctrlPr>
                               <a:rPr lang="en-CA" sz="2000" b="0" i="1" smtClean="0">
-                                <a:latin typeface="Cambria Math" charset="0"/>
+                                <a:latin typeface="Cambria Math" panose="02040503050406030204" pitchFamily="18" charset="0"/>
                                 <a:cs typeface="Arial" panose="020B0604020202020204" pitchFamily="34" charset="0"/>
                               </a:rPr>
                             </m:ctrlPr>
@@ -8316,7 +8323,7 @@
                                 <m:chr m:val="⃗"/>
                                 <m:ctrlPr>
                                   <a:rPr lang="en-US" sz="2000" i="1" smtClean="0">
-                                    <a:latin typeface="Cambria Math" charset="0"/>
+                                    <a:latin typeface="Cambria Math" panose="02040503050406030204" pitchFamily="18" charset="0"/>
                                     <a:cs typeface="Arial" panose="020B0604020202020204" pitchFamily="34" charset="0"/>
                                   </a:rPr>
                                 </m:ctrlPr>
@@ -8436,7 +8443,7 @@
                           <m:sSubPr>
                             <m:ctrlPr>
                               <a:rPr lang="en-CA" sz="2000" b="0" i="1" smtClean="0">
-                                <a:latin typeface="Cambria Math" charset="0"/>
+                                <a:latin typeface="Cambria Math" panose="02040503050406030204" pitchFamily="18" charset="0"/>
                                 <a:cs typeface="Arial" panose="020B0604020202020204" pitchFamily="34" charset="0"/>
                               </a:rPr>
                             </m:ctrlPr>
@@ -8447,7 +8454,7 @@
                                 <m:chr m:val="⃗"/>
                                 <m:ctrlPr>
                                   <a:rPr lang="en-CA" sz="2000" b="0" i="1" smtClean="0">
-                                    <a:latin typeface="Cambria Math" charset="0"/>
+                                    <a:latin typeface="Cambria Math" panose="02040503050406030204" pitchFamily="18" charset="0"/>
                                     <a:cs typeface="Arial" panose="020B0604020202020204" pitchFamily="34" charset="0"/>
                                   </a:rPr>
                                 </m:ctrlPr>
@@ -9764,7 +9771,7 @@
                               <m:chr m:val="⃗"/>
                               <m:ctrlPr>
                                 <a:rPr lang="en-US" sz="2000" b="0" i="1" smtClean="0">
-                                  <a:latin typeface="Cambria Math" charset="0"/>
+                                  <a:latin typeface="Cambria Math" panose="02040503050406030204" pitchFamily="18" charset="0"/>
                                   <a:cs typeface="Arial" panose="020B0604020202020204" pitchFamily="34" charset="0"/>
                                 </a:rPr>
                               </m:ctrlPr>
@@ -9901,7 +9908,7 @@
                               <m:chr m:val="⃗"/>
                               <m:ctrlPr>
                                 <a:rPr lang="en-US" sz="2000" b="0" i="1" smtClean="0">
-                                  <a:latin typeface="Cambria Math" charset="0"/>
+                                  <a:latin typeface="Cambria Math" panose="02040503050406030204" pitchFamily="18" charset="0"/>
                                   <a:cs typeface="Arial" panose="020B0604020202020204" pitchFamily="34" charset="0"/>
                                 </a:rPr>
                               </m:ctrlPr>
@@ -11207,7 +11214,7 @@
                             <m:sSubPr>
                               <m:ctrlPr>
                                 <a:rPr lang="en-US" sz="2000" b="0" i="1" smtClean="0">
-                                  <a:latin typeface="Cambria Math" charset="0"/>
+                                  <a:latin typeface="Cambria Math" panose="02040503050406030204" pitchFamily="18" charset="0"/>
                                   <a:cs typeface="Arial" panose="020B0604020202020204" pitchFamily="34" charset="0"/>
                                 </a:rPr>
                               </m:ctrlPr>
@@ -11316,7 +11323,7 @@
                             <m:sSubPr>
                               <m:ctrlPr>
                                 <a:rPr lang="en-US" sz="2000" b="0" i="1" smtClean="0">
-                                  <a:latin typeface="Cambria Math" charset="0"/>
+                                  <a:latin typeface="Cambria Math" panose="02040503050406030204" pitchFamily="18" charset="0"/>
                                   <a:cs typeface="Arial" panose="020B0604020202020204" pitchFamily="34" charset="0"/>
                                 </a:rPr>
                               </m:ctrlPr>
@@ -12115,7 +12122,7 @@
                           <m:sSubPr>
                             <m:ctrlPr>
                               <a:rPr lang="en-CA" sz="2000" b="0" i="1" smtClean="0">
-                                <a:latin typeface="Cambria Math" charset="0"/>
+                                <a:latin typeface="Cambria Math" panose="02040503050406030204" pitchFamily="18" charset="0"/>
                                 <a:cs typeface="Arial" panose="020B0604020202020204" pitchFamily="34" charset="0"/>
                               </a:rPr>
                             </m:ctrlPr>
@@ -12224,7 +12231,7 @@
                           <m:sSubPr>
                             <m:ctrlPr>
                               <a:rPr lang="en-CA" sz="2000" b="0" i="1" smtClean="0">
-                                <a:latin typeface="Cambria Math" charset="0"/>
+                                <a:latin typeface="Cambria Math" panose="02040503050406030204" pitchFamily="18" charset="0"/>
                                 <a:cs typeface="Arial" panose="020B0604020202020204" pitchFamily="34" charset="0"/>
                               </a:rPr>
                             </m:ctrlPr>
@@ -14166,7 +14173,7 @@
                                 <a:solidFill>
                                   <a:srgbClr val="FF0000"/>
                                 </a:solidFill>
-                                <a:latin typeface="Cambria Math" charset="0"/>
+                                <a:latin typeface="Cambria Math" panose="02040503050406030204" pitchFamily="18" charset="0"/>
                                 <a:cs typeface="Arial" panose="020B0604020202020204" pitchFamily="34" charset="0"/>
                               </a:rPr>
                             </m:ctrlPr>
@@ -14180,7 +14187,7 @@
                                     <a:solidFill>
                                       <a:srgbClr val="FF0000"/>
                                     </a:solidFill>
-                                    <a:latin typeface="Cambria Math" charset="0"/>
+                                    <a:latin typeface="Cambria Math" panose="02040503050406030204" pitchFamily="18" charset="0"/>
                                     <a:cs typeface="Arial" panose="020B0604020202020204" pitchFamily="34" charset="0"/>
                                   </a:rPr>
                                 </m:ctrlPr>
@@ -14429,7 +14436,7 @@
                                 <m:chr m:val="⃗"/>
                                 <m:ctrlPr>
                                   <a:rPr lang="en-US" sz="2000" b="0" i="1" smtClean="0">
-                                    <a:latin typeface="Cambria Math" charset="0"/>
+                                    <a:latin typeface="Cambria Math" panose="02040503050406030204" pitchFamily="18" charset="0"/>
                                     <a:cs typeface="Arial" panose="020B0604020202020204" pitchFamily="34" charset="0"/>
                                   </a:rPr>
                                 </m:ctrlPr>
@@ -15323,7 +15330,7 @@
                             <m:sSubPr>
                               <m:ctrlPr>
                                 <a:rPr lang="en-US" sz="2000" b="0" i="1" smtClean="0">
-                                  <a:latin typeface="Cambria Math" charset="0"/>
+                                  <a:latin typeface="Cambria Math" panose="02040503050406030204" pitchFamily="18" charset="0"/>
                                   <a:cs typeface="Arial" panose="020B0604020202020204" pitchFamily="34" charset="0"/>
                                 </a:rPr>
                               </m:ctrlPr>
@@ -15432,7 +15439,7 @@
                             <m:sSubPr>
                               <m:ctrlPr>
                                 <a:rPr lang="en-US" sz="2000" b="0" i="1" smtClean="0">
-                                  <a:latin typeface="Cambria Math" charset="0"/>
+                                  <a:latin typeface="Cambria Math" panose="02040503050406030204" pitchFamily="18" charset="0"/>
                                   <a:cs typeface="Arial" panose="020B0604020202020204" pitchFamily="34" charset="0"/>
                                 </a:rPr>
                               </m:ctrlPr>
@@ -15961,7 +15968,7 @@
                             <m:chr m:val="⃗"/>
                             <m:ctrlPr>
                               <a:rPr lang="en-US" sz="2000" b="0" i="1" smtClean="0">
-                                <a:latin typeface="Cambria Math" charset="0"/>
+                                <a:latin typeface="Cambria Math" panose="02040503050406030204" pitchFamily="18" charset="0"/>
                                 <a:cs typeface="Arial" panose="020B0604020202020204" pitchFamily="34" charset="0"/>
                               </a:rPr>
                             </m:ctrlPr>
@@ -16212,7 +16219,7 @@
                               <m:chr m:val="⃗"/>
                               <m:ctrlPr>
                                 <a:rPr lang="en-US" sz="2000" b="0" i="1" smtClean="0">
-                                  <a:latin typeface="Cambria Math" charset="0"/>
+                                  <a:latin typeface="Cambria Math" panose="02040503050406030204" pitchFamily="18" charset="0"/>
                                   <a:cs typeface="Arial" panose="020B0604020202020204" pitchFamily="34" charset="0"/>
                                 </a:rPr>
                               </m:ctrlPr>
@@ -21358,7 +21365,7 @@
                             <m:chr m:val="⃗"/>
                             <m:ctrlPr>
                               <a:rPr lang="en-US" sz="2000" b="0" i="1" smtClean="0">
-                                <a:latin typeface="Cambria Math" charset="0"/>
+                                <a:latin typeface="Cambria Math" panose="02040503050406030204" pitchFamily="18" charset="0"/>
                                 <a:cs typeface="Arial" panose="020B0604020202020204" pitchFamily="34" charset="0"/>
                               </a:rPr>
                             </m:ctrlPr>
@@ -21620,7 +21627,7 @@
                           <m:fPr>
                             <m:ctrlPr>
                               <a:rPr lang="en-US" sz="2000" b="0" i="1" smtClean="0">
-                                <a:latin typeface="Cambria Math" charset="0"/>
+                                <a:latin typeface="Cambria Math" panose="02040503050406030204" pitchFamily="18" charset="0"/>
                                 <a:cs typeface="Arial" panose="020B0604020202020204" pitchFamily="34" charset="0"/>
                               </a:rPr>
                             </m:ctrlPr>
@@ -22160,7 +22167,7 @@
                             <m:sSubPr>
                               <m:ctrlPr>
                                 <a:rPr lang="en-US" sz="2000" b="0" i="1" smtClean="0">
-                                  <a:latin typeface="Cambria Math" charset="0"/>
+                                  <a:latin typeface="Cambria Math" panose="02040503050406030204" pitchFamily="18" charset="0"/>
                                   <a:cs typeface="Arial" panose="020B0604020202020204" pitchFamily="34" charset="0"/>
                                 </a:rPr>
                               </m:ctrlPr>
@@ -23360,7 +23367,7 @@
                               <m:sSubPr>
                                 <m:ctrlPr>
                                   <a:rPr lang="en-US" sz="2000" b="0" i="1" smtClean="0">
-                                    <a:latin typeface="Cambria Math" charset="0"/>
+                                    <a:latin typeface="Cambria Math" panose="02040503050406030204" pitchFamily="18" charset="0"/>
                                     <a:cs typeface="Arial" panose="020B0604020202020204" pitchFamily="34" charset="0"/>
                                   </a:rPr>
                                 </m:ctrlPr>
@@ -23469,7 +23476,7 @@
                               <m:sSubPr>
                                 <m:ctrlPr>
                                   <a:rPr lang="en-US" sz="2000" b="0" i="1" smtClean="0">
-                                    <a:latin typeface="Cambria Math" charset="0"/>
+                                    <a:latin typeface="Cambria Math" panose="02040503050406030204" pitchFamily="18" charset="0"/>
                                     <a:cs typeface="Arial" panose="020B0604020202020204" pitchFamily="34" charset="0"/>
                                   </a:rPr>
                                 </m:ctrlPr>
@@ -24683,7 +24690,7 @@
                                 <m:sSubPr>
                                   <m:ctrlPr>
                                     <a:rPr lang="en-US" sz="2000" b="0" i="1" smtClean="0">
-                                      <a:latin typeface="Cambria Math" charset="0"/>
+                                      <a:latin typeface="Cambria Math" panose="02040503050406030204" pitchFamily="18" charset="0"/>
                                       <a:cs typeface="Arial" panose="020B0604020202020204" pitchFamily="34" charset="0"/>
                                     </a:rPr>
                                   </m:ctrlPr>
@@ -25907,7 +25914,7 @@
                           <m:sSubPr>
                             <m:ctrlPr>
                               <a:rPr lang="en-US" sz="2000" b="0" i="1" smtClean="0">
-                                <a:latin typeface="Cambria Math" charset="0"/>
+                                <a:latin typeface="Cambria Math" panose="02040503050406030204" pitchFamily="18" charset="0"/>
                                 <a:cs typeface="Arial" panose="020B0604020202020204" pitchFamily="34" charset="0"/>
                               </a:rPr>
                             </m:ctrlPr>
@@ -27081,7 +27088,7 @@
                             <m:sSubPr>
                               <m:ctrlPr>
                                 <a:rPr lang="en-US" sz="2000" b="0" i="1" smtClean="0">
-                                  <a:latin typeface="Cambria Math" charset="0"/>
+                                  <a:latin typeface="Cambria Math" panose="02040503050406030204" pitchFamily="18" charset="0"/>
                                   <a:cs typeface="Arial" panose="020B0604020202020204" pitchFamily="34" charset="0"/>
                                 </a:rPr>
                               </m:ctrlPr>
@@ -27092,7 +27099,7 @@
                                   <m:chr m:val="⃗"/>
                                   <m:ctrlPr>
                                     <a:rPr lang="en-US" sz="2000" b="0" i="1" smtClean="0">
-                                      <a:latin typeface="Cambria Math" charset="0"/>
+                                      <a:latin typeface="Cambria Math" panose="02040503050406030204" pitchFamily="18" charset="0"/>
                                       <a:cs typeface="Arial" panose="020B0604020202020204" pitchFamily="34" charset="0"/>
                                     </a:rPr>
                                   </m:ctrlPr>
@@ -27203,7 +27210,7 @@
                             <m:sSubPr>
                               <m:ctrlPr>
                                 <a:rPr lang="en-US" sz="2000" b="0" i="1" smtClean="0">
-                                  <a:latin typeface="Cambria Math" charset="0"/>
+                                  <a:latin typeface="Cambria Math" panose="02040503050406030204" pitchFamily="18" charset="0"/>
                                   <a:cs typeface="Arial" panose="020B0604020202020204" pitchFamily="34" charset="0"/>
                                 </a:rPr>
                               </m:ctrlPr>
@@ -27214,7 +27221,7 @@
                                   <m:chr m:val="⃗"/>
                                   <m:ctrlPr>
                                     <a:rPr lang="en-US" sz="2000" b="0" i="1" smtClean="0">
-                                      <a:latin typeface="Cambria Math" charset="0"/>
+                                      <a:latin typeface="Cambria Math" panose="02040503050406030204" pitchFamily="18" charset="0"/>
                                       <a:cs typeface="Arial" panose="020B0604020202020204" pitchFamily="34" charset="0"/>
                                     </a:rPr>
                                   </m:ctrlPr>
@@ -27361,7 +27368,7 @@
                             <m:sSubPr>
                               <m:ctrlPr>
                                 <a:rPr lang="en-US" sz="2000" b="0" i="1" smtClean="0">
-                                  <a:latin typeface="Cambria Math" charset="0"/>
+                                  <a:latin typeface="Cambria Math" panose="02040503050406030204" pitchFamily="18" charset="0"/>
                                   <a:cs typeface="Arial" panose="020B0604020202020204" pitchFamily="34" charset="0"/>
                                 </a:rPr>
                               </m:ctrlPr>
@@ -27372,7 +27379,7 @@
                                   <m:chr m:val="⃗"/>
                                   <m:ctrlPr>
                                     <a:rPr lang="en-US" sz="2000" b="0" i="1" smtClean="0">
-                                      <a:latin typeface="Cambria Math" charset="0"/>
+                                      <a:latin typeface="Cambria Math" panose="02040503050406030204" pitchFamily="18" charset="0"/>
                                       <a:cs typeface="Arial" panose="020B0604020202020204" pitchFamily="34" charset="0"/>
                                     </a:rPr>
                                   </m:ctrlPr>
@@ -27783,7 +27790,7 @@
             <p:nvPr/>
           </p:nvPicPr>
           <p:blipFill rotWithShape="1">
-            <a:blip r:embed="rId7">
+            <a:blip r:embed="rId7" cstate="print">
               <a:extLst>
                 <a:ext uri="{28A0092B-C50C-407E-A947-70E740481C1C}">
                   <a14:useLocalDpi xmlns:a14="http://schemas.microsoft.com/office/drawing/2010/main" val="0"/>
@@ -30899,7 +30906,7 @@
                           <m:sSubPr>
                             <m:ctrlPr>
                               <a:rPr lang="en-US" sz="2000" b="0" i="1" smtClean="0">
-                                <a:latin typeface="Cambria Math" charset="0"/>
+                                <a:latin typeface="Cambria Math" panose="02040503050406030204" pitchFamily="18" charset="0"/>
                                 <a:cs typeface="Arial" panose="020B0604020202020204" pitchFamily="34" charset="0"/>
                               </a:rPr>
                             </m:ctrlPr>
@@ -31008,7 +31015,7 @@
                           <m:sSubPr>
                             <m:ctrlPr>
                               <a:rPr lang="en-US" sz="2000" b="0" i="1" smtClean="0">
-                                <a:latin typeface="Cambria Math" charset="0"/>
+                                <a:latin typeface="Cambria Math" panose="02040503050406030204" pitchFamily="18" charset="0"/>
                                 <a:cs typeface="Arial" panose="020B0604020202020204" pitchFamily="34" charset="0"/>
                               </a:rPr>
                             </m:ctrlPr>
@@ -31117,7 +31124,7 @@
                           <m:sSubPr>
                             <m:ctrlPr>
                               <a:rPr lang="en-US" sz="2000" b="0" i="1" smtClean="0">
-                                <a:latin typeface="Cambria Math" charset="0"/>
+                                <a:latin typeface="Cambria Math" panose="02040503050406030204" pitchFamily="18" charset="0"/>
                                 <a:cs typeface="Arial" panose="020B0604020202020204" pitchFamily="34" charset="0"/>
                               </a:rPr>
                             </m:ctrlPr>
@@ -31226,7 +31233,7 @@
                           <m:sSubPr>
                             <m:ctrlPr>
                               <a:rPr lang="en-US" sz="2000" b="0" i="1" smtClean="0">
-                                <a:latin typeface="Cambria Math" charset="0"/>
+                                <a:latin typeface="Cambria Math" panose="02040503050406030204" pitchFamily="18" charset="0"/>
                                 <a:cs typeface="Arial" panose="020B0604020202020204" pitchFamily="34" charset="0"/>
                               </a:rPr>
                             </m:ctrlPr>
@@ -33275,7 +33282,7 @@
                             <m:sSubPr>
                               <m:ctrlPr>
                                 <a:rPr lang="en-US" sz="2000" b="0" i="1" smtClean="0">
-                                  <a:latin typeface="Cambria Math" charset="0"/>
+                                  <a:latin typeface="Cambria Math" panose="02040503050406030204" pitchFamily="18" charset="0"/>
                                   <a:cs typeface="Arial" panose="020B0604020202020204" pitchFamily="34" charset="0"/>
                                 </a:rPr>
                               </m:ctrlPr>
@@ -33310,7 +33317,7 @@
                             <m:sSubPr>
                               <m:ctrlPr>
                                 <a:rPr lang="en-US" sz="2000" b="0" i="1" smtClean="0">
-                                  <a:latin typeface="Cambria Math" charset="0"/>
+                                  <a:latin typeface="Cambria Math" panose="02040503050406030204" pitchFamily="18" charset="0"/>
                                   <a:cs typeface="Arial" panose="020B0604020202020204" pitchFamily="34" charset="0"/>
                                 </a:rPr>
                               </m:ctrlPr>
@@ -33419,7 +33426,7 @@
                             <m:sSubPr>
                               <m:ctrlPr>
                                 <a:rPr lang="en-US" sz="2000" b="0" i="1" smtClean="0">
-                                  <a:latin typeface="Cambria Math" charset="0"/>
+                                  <a:latin typeface="Cambria Math" panose="02040503050406030204" pitchFamily="18" charset="0"/>
                                   <a:cs typeface="Arial" panose="020B0604020202020204" pitchFamily="34" charset="0"/>
                                 </a:rPr>
                               </m:ctrlPr>
@@ -33454,7 +33461,7 @@
                             <m:sSubPr>
                               <m:ctrlPr>
                                 <a:rPr lang="en-US" sz="2000" b="0" i="1" smtClean="0">
-                                  <a:latin typeface="Cambria Math" charset="0"/>
+                                  <a:latin typeface="Cambria Math" panose="02040503050406030204" pitchFamily="18" charset="0"/>
                                   <a:cs typeface="Arial" panose="020B0604020202020204" pitchFamily="34" charset="0"/>
                                 </a:rPr>
                               </m:ctrlPr>
@@ -33563,7 +33570,7 @@
                             <m:sSubPr>
                               <m:ctrlPr>
                                 <a:rPr lang="en-US" sz="2000" b="0" i="1" smtClean="0">
-                                  <a:latin typeface="Cambria Math" charset="0"/>
+                                  <a:latin typeface="Cambria Math" panose="02040503050406030204" pitchFamily="18" charset="0"/>
                                   <a:cs typeface="Arial" panose="020B0604020202020204" pitchFamily="34" charset="0"/>
                                 </a:rPr>
                               </m:ctrlPr>
@@ -33598,7 +33605,7 @@
                             <m:sSubPr>
                               <m:ctrlPr>
                                 <a:rPr lang="en-US" sz="2000" b="0" i="1" smtClean="0">
-                                  <a:latin typeface="Cambria Math" charset="0"/>
+                                  <a:latin typeface="Cambria Math" panose="02040503050406030204" pitchFamily="18" charset="0"/>
                                   <a:cs typeface="Arial" panose="020B0604020202020204" pitchFamily="34" charset="0"/>
                                 </a:rPr>
                               </m:ctrlPr>
@@ -33707,7 +33714,7 @@
                             <m:sSubPr>
                               <m:ctrlPr>
                                 <a:rPr lang="en-US" sz="2000" b="0" i="1" smtClean="0">
-                                  <a:latin typeface="Cambria Math" charset="0"/>
+                                  <a:latin typeface="Cambria Math" panose="02040503050406030204" pitchFamily="18" charset="0"/>
                                   <a:cs typeface="Arial" panose="020B0604020202020204" pitchFamily="34" charset="0"/>
                                 </a:rPr>
                               </m:ctrlPr>
@@ -33742,7 +33749,7 @@
                             <m:sSubPr>
                               <m:ctrlPr>
                                 <a:rPr lang="en-US" sz="2000" b="0" i="1" smtClean="0">
-                                  <a:latin typeface="Cambria Math" charset="0"/>
+                                  <a:latin typeface="Cambria Math" panose="02040503050406030204" pitchFamily="18" charset="0"/>
                                   <a:cs typeface="Arial" panose="020B0604020202020204" pitchFamily="34" charset="0"/>
                                 </a:rPr>
                               </m:ctrlPr>
@@ -33995,7 +34002,7 @@
                             <m:sSubPr>
                               <m:ctrlPr>
                                 <a:rPr lang="en-US" sz="2000" b="0" i="1" smtClean="0">
-                                  <a:latin typeface="Cambria Math" charset="0"/>
+                                  <a:latin typeface="Cambria Math" panose="02040503050406030204" pitchFamily="18" charset="0"/>
                                   <a:cs typeface="Arial" panose="020B0604020202020204" pitchFamily="34" charset="0"/>
                                 </a:rPr>
                               </m:ctrlPr>
@@ -34104,7 +34111,7 @@
                             <m:sSubPr>
                               <m:ctrlPr>
                                 <a:rPr lang="en-US" sz="2000" b="0" i="1" smtClean="0">
-                                  <a:latin typeface="Cambria Math" charset="0"/>
+                                  <a:latin typeface="Cambria Math" panose="02040503050406030204" pitchFamily="18" charset="0"/>
                                   <a:cs typeface="Arial" panose="020B0604020202020204" pitchFamily="34" charset="0"/>
                                 </a:rPr>
                               </m:ctrlPr>
@@ -34213,7 +34220,7 @@
                             <m:sSubPr>
                               <m:ctrlPr>
                                 <a:rPr lang="en-US" sz="2000" b="0" i="1" smtClean="0">
-                                  <a:latin typeface="Cambria Math" charset="0"/>
+                                  <a:latin typeface="Cambria Math" panose="02040503050406030204" pitchFamily="18" charset="0"/>
                                   <a:cs typeface="Arial" panose="020B0604020202020204" pitchFamily="34" charset="0"/>
                                 </a:rPr>
                               </m:ctrlPr>
@@ -34322,7 +34329,7 @@
                             <m:sSubPr>
                               <m:ctrlPr>
                                 <a:rPr lang="en-US" sz="2000" b="0" i="1" smtClean="0">
-                                  <a:latin typeface="Cambria Math" charset="0"/>
+                                  <a:latin typeface="Cambria Math" panose="02040503050406030204" pitchFamily="18" charset="0"/>
                                   <a:cs typeface="Arial" panose="020B0604020202020204" pitchFamily="34" charset="0"/>
                                 </a:rPr>
                               </m:ctrlPr>
@@ -34468,7 +34475,7 @@
                             <m:sSubPr>
                               <m:ctrlPr>
                                 <a:rPr lang="en-US" sz="2000" b="0" i="1" smtClean="0">
-                                  <a:latin typeface="Cambria Math" charset="0"/>
+                                  <a:latin typeface="Cambria Math" panose="02040503050406030204" pitchFamily="18" charset="0"/>
                                   <a:cs typeface="Arial" panose="020B0604020202020204" pitchFamily="34" charset="0"/>
                                 </a:rPr>
                               </m:ctrlPr>
@@ -34624,7 +34631,7 @@
                             <m:sSubPr>
                               <m:ctrlPr>
                                 <a:rPr lang="en-US" sz="2000" b="0" i="1" smtClean="0">
-                                  <a:latin typeface="Cambria Math" charset="0"/>
+                                  <a:latin typeface="Cambria Math" panose="02040503050406030204" pitchFamily="18" charset="0"/>
                                   <a:cs typeface="Arial" panose="020B0604020202020204" pitchFamily="34" charset="0"/>
                                 </a:rPr>
                               </m:ctrlPr>
@@ -34851,7 +34858,7 @@
                             <m:sSubPr>
                               <m:ctrlPr>
                                 <a:rPr lang="en-US" sz="2000" b="0" i="1" smtClean="0">
-                                  <a:latin typeface="Cambria Math" charset="0"/>
+                                  <a:latin typeface="Cambria Math" panose="02040503050406030204" pitchFamily="18" charset="0"/>
                                   <a:cs typeface="Arial" panose="020B0604020202020204" pitchFamily="34" charset="0"/>
                                 </a:rPr>
                               </m:ctrlPr>
@@ -34960,7 +34967,7 @@
                             <m:sSubPr>
                               <m:ctrlPr>
                                 <a:rPr lang="en-US" sz="2000" b="0" i="1" smtClean="0">
-                                  <a:latin typeface="Cambria Math" charset="0"/>
+                                  <a:latin typeface="Cambria Math" panose="02040503050406030204" pitchFamily="18" charset="0"/>
                                   <a:cs typeface="Arial" panose="020B0604020202020204" pitchFamily="34" charset="0"/>
                                 </a:rPr>
                               </m:ctrlPr>
@@ -35313,7 +35320,7 @@
                           <m:sSubPr>
                             <m:ctrlPr>
                               <a:rPr lang="en-US" sz="2000" b="0" i="1" smtClean="0">
-                                <a:latin typeface="Cambria Math" charset="0"/>
+                                <a:latin typeface="Cambria Math" panose="02040503050406030204" pitchFamily="18" charset="0"/>
                                 <a:cs typeface="Arial" panose="020B0604020202020204" pitchFamily="34" charset="0"/>
                               </a:rPr>
                             </m:ctrlPr>
@@ -35348,7 +35355,7 @@
                           <m:sSubPr>
                             <m:ctrlPr>
                               <a:rPr lang="en-US" sz="2000" b="0" i="1" smtClean="0">
-                                <a:latin typeface="Cambria Math" charset="0"/>
+                                <a:latin typeface="Cambria Math" panose="02040503050406030204" pitchFamily="18" charset="0"/>
                                 <a:cs typeface="Arial" panose="020B0604020202020204" pitchFamily="34" charset="0"/>
                               </a:rPr>
                             </m:ctrlPr>
@@ -35376,7 +35383,7 @@
                           <m:sSubPr>
                             <m:ctrlPr>
                               <a:rPr lang="en-US" sz="2000" b="0" i="1" smtClean="0">
-                                <a:latin typeface="Cambria Math" charset="0"/>
+                                <a:latin typeface="Cambria Math" panose="02040503050406030204" pitchFamily="18" charset="0"/>
                                 <a:cs typeface="Arial" panose="020B0604020202020204" pitchFamily="34" charset="0"/>
                               </a:rPr>
                             </m:ctrlPr>
@@ -35521,7 +35528,7 @@
                           <m:sSubPr>
                             <m:ctrlPr>
                               <a:rPr lang="en-US" sz="2000" b="0" i="1" smtClean="0">
-                                <a:latin typeface="Cambria Math" charset="0"/>
+                                <a:latin typeface="Cambria Math" panose="02040503050406030204" pitchFamily="18" charset="0"/>
                                 <a:cs typeface="Arial" panose="020B0604020202020204" pitchFamily="34" charset="0"/>
                               </a:rPr>
                             </m:ctrlPr>
@@ -35556,7 +35563,7 @@
                           <m:sSubPr>
                             <m:ctrlPr>
                               <a:rPr lang="en-US" sz="2000" b="0" i="1" smtClean="0">
-                                <a:latin typeface="Cambria Math" charset="0"/>
+                                <a:latin typeface="Cambria Math" panose="02040503050406030204" pitchFamily="18" charset="0"/>
                                 <a:cs typeface="Arial" panose="020B0604020202020204" pitchFamily="34" charset="0"/>
                               </a:rPr>
                             </m:ctrlPr>
@@ -35584,7 +35591,7 @@
                           <m:sSubPr>
                             <m:ctrlPr>
                               <a:rPr lang="en-US" sz="2000" b="0" i="1" smtClean="0">
-                                <a:latin typeface="Cambria Math" charset="0"/>
+                                <a:latin typeface="Cambria Math" panose="02040503050406030204" pitchFamily="18" charset="0"/>
                                 <a:cs typeface="Arial" panose="020B0604020202020204" pitchFamily="34" charset="0"/>
                               </a:rPr>
                             </m:ctrlPr>
